--- a/Dokumente/Sprint-Backlog/Sprint-Backlog2.pptx
+++ b/Dokumente/Sprint-Backlog/Sprint-Backlog2.pptx
@@ -5,29 +5,22 @@
     <p:sldMasterId id="2147483751" r:id="rId1"/>
   </p:sldMasterIdLst>
   <p:notesMasterIdLst>
-    <p:notesMasterId r:id="rId22"/>
+    <p:notesMasterId r:id="rId15"/>
   </p:notesMasterIdLst>
   <p:sldIdLst>
     <p:sldId id="256" r:id="rId2"/>
     <p:sldId id="258" r:id="rId3"/>
-    <p:sldId id="257" r:id="rId4"/>
+    <p:sldId id="276" r:id="rId4"/>
     <p:sldId id="259" r:id="rId5"/>
-    <p:sldId id="273" r:id="rId6"/>
-    <p:sldId id="260" r:id="rId7"/>
-    <p:sldId id="272" r:id="rId8"/>
-    <p:sldId id="265" r:id="rId9"/>
-    <p:sldId id="266" r:id="rId10"/>
-    <p:sldId id="261" r:id="rId11"/>
-    <p:sldId id="267" r:id="rId12"/>
-    <p:sldId id="268" r:id="rId13"/>
-    <p:sldId id="269" r:id="rId14"/>
-    <p:sldId id="270" r:id="rId15"/>
-    <p:sldId id="271" r:id="rId16"/>
-    <p:sldId id="262" r:id="rId17"/>
-    <p:sldId id="263" r:id="rId18"/>
-    <p:sldId id="264" r:id="rId19"/>
-    <p:sldId id="275" r:id="rId20"/>
-    <p:sldId id="274" r:id="rId21"/>
+    <p:sldId id="267" r:id="rId6"/>
+    <p:sldId id="269" r:id="rId7"/>
+    <p:sldId id="270" r:id="rId8"/>
+    <p:sldId id="271" r:id="rId9"/>
+    <p:sldId id="262" r:id="rId10"/>
+    <p:sldId id="263" r:id="rId11"/>
+    <p:sldId id="264" r:id="rId12"/>
+    <p:sldId id="275" r:id="rId13"/>
+    <p:sldId id="274" r:id="rId14"/>
   </p:sldIdLst>
   <p:sldSz cx="12192000" cy="6858000"/>
   <p:notesSz cx="6858000" cy="9144000"/>
@@ -132,859 +125,6 @@
     </p:ext>
   </p:extLst>
 </p:presentation>
-</file>
-
-<file path=ppt/charts/chart1.xml><?xml version="1.0" encoding="utf-8"?>
-<c:chartSpace xmlns:c="http://schemas.openxmlformats.org/drawingml/2006/chart" xmlns:a="http://schemas.openxmlformats.org/drawingml/2006/main" xmlns:r="http://schemas.openxmlformats.org/officeDocument/2006/relationships" xmlns:c16r2="http://schemas.microsoft.com/office/drawing/2015/06/chart">
-  <c:date1904 val="0"/>
-  <c:lang val="de-DE"/>
-  <c:roundedCorners val="0"/>
-  <mc:AlternateContent xmlns:mc="http://schemas.openxmlformats.org/markup-compatibility/2006">
-    <mc:Choice xmlns:c14="http://schemas.microsoft.com/office/drawing/2007/8/2/chart" Requires="c14">
-      <c14:style val="102"/>
-    </mc:Choice>
-    <mc:Fallback>
-      <c:style val="2"/>
-    </mc:Fallback>
-  </mc:AlternateContent>
-  <c:chart>
-    <c:title>
-      <c:tx>
-        <c:rich>
-          <a:bodyPr rot="0" spcFirstLastPara="1" vertOverflow="ellipsis" vert="horz" wrap="square" anchor="ctr" anchorCtr="1"/>
-          <a:lstStyle/>
-          <a:p>
-            <a:pPr>
-              <a:defRPr sz="1400" b="0" i="0" u="none" strike="noStrike" kern="1200" spc="0" baseline="0">
-                <a:solidFill>
-                  <a:schemeClr val="tx1">
-                    <a:lumMod val="65000"/>
-                    <a:lumOff val="35000"/>
-                  </a:schemeClr>
-                </a:solidFill>
-                <a:latin typeface="+mn-lt"/>
-                <a:ea typeface="+mn-ea"/>
-                <a:cs typeface="+mn-cs"/>
-              </a:defRPr>
-            </a:pPr>
-            <a:r>
-              <a:rPr lang="de-DE"/>
-              <a:t>Aufwandsverteilung</a:t>
-            </a:r>
-          </a:p>
-        </c:rich>
-      </c:tx>
-      <c:overlay val="0"/>
-      <c:spPr>
-        <a:noFill/>
-        <a:ln>
-          <a:noFill/>
-        </a:ln>
-        <a:effectLst/>
-      </c:spPr>
-      <c:txPr>
-        <a:bodyPr rot="0" spcFirstLastPara="1" vertOverflow="ellipsis" vert="horz" wrap="square" anchor="ctr" anchorCtr="1"/>
-        <a:lstStyle/>
-        <a:p>
-          <a:pPr>
-            <a:defRPr sz="1400" b="0" i="0" u="none" strike="noStrike" kern="1200" spc="0" baseline="0">
-              <a:solidFill>
-                <a:schemeClr val="tx1">
-                  <a:lumMod val="65000"/>
-                  <a:lumOff val="35000"/>
-                </a:schemeClr>
-              </a:solidFill>
-              <a:latin typeface="+mn-lt"/>
-              <a:ea typeface="+mn-ea"/>
-              <a:cs typeface="+mn-cs"/>
-            </a:defRPr>
-          </a:pPr>
-          <a:endParaRPr lang="de-DE"/>
-        </a:p>
-      </c:txPr>
-    </c:title>
-    <c:autoTitleDeleted val="0"/>
-    <c:plotArea>
-      <c:layout>
-        <c:manualLayout>
-          <c:layoutTarget val="inner"/>
-          <c:xMode val="edge"/>
-          <c:yMode val="edge"/>
-          <c:x val="5.2313658352699098E-2"/>
-          <c:y val="0.13784236237959871"/>
-          <c:w val="0.91848069800603815"/>
-          <c:h val="0.80242463729334157"/>
-        </c:manualLayout>
-      </c:layout>
-      <c:barChart>
-        <c:barDir val="col"/>
-        <c:grouping val="stacked"/>
-        <c:varyColors val="0"/>
-        <c:ser>
-          <c:idx val="0"/>
-          <c:order val="0"/>
-          <c:spPr>
-            <a:solidFill>
-              <a:schemeClr val="accent1"/>
-            </a:solidFill>
-            <a:ln>
-              <a:noFill/>
-            </a:ln>
-            <a:effectLst/>
-          </c:spPr>
-          <c:invertIfNegative val="0"/>
-          <c:cat>
-            <c:strRef>
-              <c:f>Tabelle1!$A$12:$D$12</c:f>
-              <c:strCache>
-                <c:ptCount val="4"/>
-                <c:pt idx="0">
-                  <c:v>Rene</c:v>
-                </c:pt>
-                <c:pt idx="1">
-                  <c:v>Dennis</c:v>
-                </c:pt>
-                <c:pt idx="2">
-                  <c:v>Hans</c:v>
-                </c:pt>
-                <c:pt idx="3">
-                  <c:v>Vincent</c:v>
-                </c:pt>
-              </c:strCache>
-            </c:strRef>
-          </c:cat>
-          <c:val>
-            <c:numRef>
-              <c:f>Tabelle1!$A$13:$D$13</c:f>
-              <c:numCache>
-                <c:formatCode>General</c:formatCode>
-                <c:ptCount val="4"/>
-                <c:pt idx="0">
-                  <c:v>13.5</c:v>
-                </c:pt>
-                <c:pt idx="1">
-                  <c:v>9.5</c:v>
-                </c:pt>
-                <c:pt idx="2">
-                  <c:v>13.5</c:v>
-                </c:pt>
-                <c:pt idx="3">
-                  <c:v>12</c:v>
-                </c:pt>
-              </c:numCache>
-            </c:numRef>
-          </c:val>
-          <c:extLst>
-            <c:ext xmlns:c16="http://schemas.microsoft.com/office/drawing/2014/chart" uri="{C3380CC4-5D6E-409C-BE32-E72D297353CC}">
-              <c16:uniqueId val="{00000000-CB2B-4B7E-8120-2FEA4C91E37E}"/>
-            </c:ext>
-          </c:extLst>
-        </c:ser>
-        <c:dLbls>
-          <c:showLegendKey val="0"/>
-          <c:showVal val="0"/>
-          <c:showCatName val="0"/>
-          <c:showSerName val="0"/>
-          <c:showPercent val="0"/>
-          <c:showBubbleSize val="0"/>
-        </c:dLbls>
-        <c:gapWidth val="150"/>
-        <c:overlap val="100"/>
-        <c:axId val="75355759"/>
-        <c:axId val="78129967"/>
-      </c:barChart>
-      <c:catAx>
-        <c:axId val="75355759"/>
-        <c:scaling>
-          <c:orientation val="minMax"/>
-        </c:scaling>
-        <c:delete val="0"/>
-        <c:axPos val="b"/>
-        <c:numFmt formatCode="General" sourceLinked="1"/>
-        <c:majorTickMark val="none"/>
-        <c:minorTickMark val="none"/>
-        <c:tickLblPos val="nextTo"/>
-        <c:spPr>
-          <a:noFill/>
-          <a:ln w="9525" cap="flat" cmpd="sng" algn="ctr">
-            <a:solidFill>
-              <a:schemeClr val="tx1">
-                <a:lumMod val="15000"/>
-                <a:lumOff val="85000"/>
-              </a:schemeClr>
-            </a:solidFill>
-            <a:round/>
-          </a:ln>
-          <a:effectLst/>
-        </c:spPr>
-        <c:txPr>
-          <a:bodyPr rot="-60000000" spcFirstLastPara="1" vertOverflow="ellipsis" vert="horz" wrap="square" anchor="ctr" anchorCtr="1"/>
-          <a:lstStyle/>
-          <a:p>
-            <a:pPr>
-              <a:defRPr sz="900" b="0" i="0" u="none" strike="noStrike" kern="1200" baseline="0">
-                <a:solidFill>
-                  <a:schemeClr val="tx1">
-                    <a:lumMod val="65000"/>
-                    <a:lumOff val="35000"/>
-                  </a:schemeClr>
-                </a:solidFill>
-                <a:latin typeface="+mn-lt"/>
-                <a:ea typeface="+mn-ea"/>
-                <a:cs typeface="+mn-cs"/>
-              </a:defRPr>
-            </a:pPr>
-            <a:endParaRPr lang="de-DE"/>
-          </a:p>
-        </c:txPr>
-        <c:crossAx val="78129967"/>
-        <c:crosses val="autoZero"/>
-        <c:auto val="1"/>
-        <c:lblAlgn val="ctr"/>
-        <c:lblOffset val="100"/>
-        <c:noMultiLvlLbl val="0"/>
-      </c:catAx>
-      <c:valAx>
-        <c:axId val="78129967"/>
-        <c:scaling>
-          <c:orientation val="minMax"/>
-        </c:scaling>
-        <c:delete val="0"/>
-        <c:axPos val="l"/>
-        <c:majorGridlines>
-          <c:spPr>
-            <a:ln w="9525" cap="flat" cmpd="sng" algn="ctr">
-              <a:solidFill>
-                <a:schemeClr val="tx1">
-                  <a:lumMod val="15000"/>
-                  <a:lumOff val="85000"/>
-                </a:schemeClr>
-              </a:solidFill>
-              <a:round/>
-            </a:ln>
-            <a:effectLst/>
-          </c:spPr>
-        </c:majorGridlines>
-        <c:numFmt formatCode="General" sourceLinked="1"/>
-        <c:majorTickMark val="none"/>
-        <c:minorTickMark val="none"/>
-        <c:tickLblPos val="nextTo"/>
-        <c:spPr>
-          <a:noFill/>
-          <a:ln>
-            <a:noFill/>
-          </a:ln>
-          <a:effectLst/>
-        </c:spPr>
-        <c:txPr>
-          <a:bodyPr rot="-60000000" spcFirstLastPara="1" vertOverflow="ellipsis" vert="horz" wrap="square" anchor="ctr" anchorCtr="1"/>
-          <a:lstStyle/>
-          <a:p>
-            <a:pPr>
-              <a:defRPr sz="900" b="0" i="0" u="none" strike="noStrike" kern="1200" baseline="0">
-                <a:solidFill>
-                  <a:schemeClr val="tx1">
-                    <a:lumMod val="65000"/>
-                    <a:lumOff val="35000"/>
-                  </a:schemeClr>
-                </a:solidFill>
-                <a:latin typeface="+mn-lt"/>
-                <a:ea typeface="+mn-ea"/>
-                <a:cs typeface="+mn-cs"/>
-              </a:defRPr>
-            </a:pPr>
-            <a:endParaRPr lang="de-DE"/>
-          </a:p>
-        </c:txPr>
-        <c:crossAx val="75355759"/>
-        <c:crosses val="autoZero"/>
-        <c:crossBetween val="between"/>
-      </c:valAx>
-      <c:spPr>
-        <a:noFill/>
-        <a:ln>
-          <a:noFill/>
-        </a:ln>
-        <a:effectLst/>
-      </c:spPr>
-    </c:plotArea>
-    <c:plotVisOnly val="1"/>
-    <c:dispBlanksAs val="gap"/>
-    <c:extLst>
-      <c:ext xmlns:c16r3="http://schemas.microsoft.com/office/drawing/2017/03/chart" uri="{56B9EC1D-385E-4148-901F-78D8002777C0}">
-        <c16r3:dataDisplayOptions16>
-          <c16r3:dispNaAsBlank val="1"/>
-        </c16r3:dataDisplayOptions16>
-      </c:ext>
-    </c:extLst>
-    <c:showDLblsOverMax val="0"/>
-  </c:chart>
-  <c:spPr>
-    <a:noFill/>
-    <a:ln>
-      <a:noFill/>
-    </a:ln>
-    <a:effectLst/>
-  </c:spPr>
-  <c:txPr>
-    <a:bodyPr/>
-    <a:lstStyle/>
-    <a:p>
-      <a:pPr>
-        <a:defRPr/>
-      </a:pPr>
-      <a:endParaRPr lang="de-DE"/>
-    </a:p>
-  </c:txPr>
-  <c:externalData r:id="rId3">
-    <c:autoUpdate val="0"/>
-  </c:externalData>
-</c:chartSpace>
-</file>
-
-<file path=ppt/charts/colors1.xml><?xml version="1.0" encoding="utf-8"?>
-<cs:colorStyle xmlns:cs="http://schemas.microsoft.com/office/drawing/2012/chartStyle" xmlns:a="http://schemas.openxmlformats.org/drawingml/2006/main" meth="cycle" id="10">
-  <a:schemeClr val="accent1"/>
-  <a:schemeClr val="accent2"/>
-  <a:schemeClr val="accent3"/>
-  <a:schemeClr val="accent4"/>
-  <a:schemeClr val="accent5"/>
-  <a:schemeClr val="accent6"/>
-  <cs:variation/>
-  <cs:variation>
-    <a:lumMod val="60000"/>
-  </cs:variation>
-  <cs:variation>
-    <a:lumMod val="80000"/>
-    <a:lumOff val="20000"/>
-  </cs:variation>
-  <cs:variation>
-    <a:lumMod val="80000"/>
-  </cs:variation>
-  <cs:variation>
-    <a:lumMod val="60000"/>
-    <a:lumOff val="40000"/>
-  </cs:variation>
-  <cs:variation>
-    <a:lumMod val="50000"/>
-  </cs:variation>
-  <cs:variation>
-    <a:lumMod val="70000"/>
-    <a:lumOff val="30000"/>
-  </cs:variation>
-  <cs:variation>
-    <a:lumMod val="70000"/>
-  </cs:variation>
-  <cs:variation>
-    <a:lumMod val="50000"/>
-    <a:lumOff val="50000"/>
-  </cs:variation>
-</cs:colorStyle>
-</file>
-
-<file path=ppt/charts/style1.xml><?xml version="1.0" encoding="utf-8"?>
-<cs:chartStyle xmlns:cs="http://schemas.microsoft.com/office/drawing/2012/chartStyle" xmlns:a="http://schemas.openxmlformats.org/drawingml/2006/main" id="297">
-  <cs:axisTitle>
-    <cs:lnRef idx="0"/>
-    <cs:fillRef idx="0"/>
-    <cs:effectRef idx="0"/>
-    <cs:fontRef idx="minor">
-      <a:schemeClr val="tx1">
-        <a:lumMod val="65000"/>
-        <a:lumOff val="35000"/>
-      </a:schemeClr>
-    </cs:fontRef>
-    <cs:defRPr sz="1000" kern="1200"/>
-  </cs:axisTitle>
-  <cs:categoryAxis>
-    <cs:lnRef idx="0"/>
-    <cs:fillRef idx="0"/>
-    <cs:effectRef idx="0"/>
-    <cs:fontRef idx="minor">
-      <a:schemeClr val="tx1">
-        <a:lumMod val="65000"/>
-        <a:lumOff val="35000"/>
-      </a:schemeClr>
-    </cs:fontRef>
-    <cs:spPr>
-      <a:ln w="9525" cap="flat" cmpd="sng" algn="ctr">
-        <a:solidFill>
-          <a:schemeClr val="tx1">
-            <a:lumMod val="15000"/>
-            <a:lumOff val="85000"/>
-          </a:schemeClr>
-        </a:solidFill>
-        <a:round/>
-      </a:ln>
-    </cs:spPr>
-    <cs:defRPr sz="900" kern="1200"/>
-  </cs:categoryAxis>
-  <cs:chartArea mods="allowNoFillOverride allowNoLineOverride">
-    <cs:lnRef idx="0"/>
-    <cs:fillRef idx="0"/>
-    <cs:effectRef idx="0"/>
-    <cs:fontRef idx="minor">
-      <a:schemeClr val="tx1"/>
-    </cs:fontRef>
-    <cs:spPr>
-      <a:solidFill>
-        <a:schemeClr val="bg1"/>
-      </a:solidFill>
-      <a:ln w="9525" cap="flat" cmpd="sng" algn="ctr">
-        <a:solidFill>
-          <a:schemeClr val="tx1">
-            <a:lumMod val="15000"/>
-            <a:lumOff val="85000"/>
-          </a:schemeClr>
-        </a:solidFill>
-        <a:round/>
-      </a:ln>
-    </cs:spPr>
-    <cs:defRPr sz="1000" kern="1200"/>
-  </cs:chartArea>
-  <cs:dataLabel>
-    <cs:lnRef idx="0"/>
-    <cs:fillRef idx="0"/>
-    <cs:effectRef idx="0"/>
-    <cs:fontRef idx="minor">
-      <a:schemeClr val="tx1">
-        <a:lumMod val="75000"/>
-        <a:lumOff val="25000"/>
-      </a:schemeClr>
-    </cs:fontRef>
-    <cs:defRPr sz="900" kern="1200"/>
-  </cs:dataLabel>
-  <cs:dataLabelCallout>
-    <cs:lnRef idx="0"/>
-    <cs:fillRef idx="0"/>
-    <cs:effectRef idx="0"/>
-    <cs:fontRef idx="minor">
-      <a:schemeClr val="dk1">
-        <a:lumMod val="65000"/>
-        <a:lumOff val="35000"/>
-      </a:schemeClr>
-    </cs:fontRef>
-    <cs:spPr>
-      <a:solidFill>
-        <a:schemeClr val="lt1"/>
-      </a:solidFill>
-      <a:ln>
-        <a:solidFill>
-          <a:schemeClr val="dk1">
-            <a:lumMod val="25000"/>
-            <a:lumOff val="75000"/>
-          </a:schemeClr>
-        </a:solidFill>
-      </a:ln>
-    </cs:spPr>
-    <cs:defRPr sz="900" kern="1200"/>
-    <cs:bodyPr rot="0" spcFirstLastPara="1" vertOverflow="clip" horzOverflow="clip" vert="horz" wrap="square" lIns="36576" tIns="18288" rIns="36576" bIns="18288" anchor="ctr" anchorCtr="1">
-      <a:spAutoFit/>
-    </cs:bodyPr>
-  </cs:dataLabelCallout>
-  <cs:dataPoint>
-    <cs:lnRef idx="0"/>
-    <cs:fillRef idx="1">
-      <cs:styleClr val="auto"/>
-    </cs:fillRef>
-    <cs:effectRef idx="0"/>
-    <cs:fontRef idx="minor">
-      <a:schemeClr val="tx1"/>
-    </cs:fontRef>
-  </cs:dataPoint>
-  <cs:dataPoint3D>
-    <cs:lnRef idx="0"/>
-    <cs:fillRef idx="1">
-      <cs:styleClr val="auto"/>
-    </cs:fillRef>
-    <cs:effectRef idx="0"/>
-    <cs:fontRef idx="minor">
-      <a:schemeClr val="tx1"/>
-    </cs:fontRef>
-  </cs:dataPoint3D>
-  <cs:dataPointLine>
-    <cs:lnRef idx="0">
-      <cs:styleClr val="auto"/>
-    </cs:lnRef>
-    <cs:fillRef idx="1"/>
-    <cs:effectRef idx="0"/>
-    <cs:fontRef idx="minor">
-      <a:schemeClr val="tx1"/>
-    </cs:fontRef>
-    <cs:spPr>
-      <a:ln w="28575" cap="rnd">
-        <a:solidFill>
-          <a:schemeClr val="phClr"/>
-        </a:solidFill>
-        <a:round/>
-      </a:ln>
-    </cs:spPr>
-  </cs:dataPointLine>
-  <cs:dataPointMarker>
-    <cs:lnRef idx="0">
-      <cs:styleClr val="auto"/>
-    </cs:lnRef>
-    <cs:fillRef idx="1">
-      <cs:styleClr val="auto"/>
-    </cs:fillRef>
-    <cs:effectRef idx="0"/>
-    <cs:fontRef idx="minor">
-      <a:schemeClr val="tx1"/>
-    </cs:fontRef>
-    <cs:spPr>
-      <a:ln w="9525">
-        <a:solidFill>
-          <a:schemeClr val="phClr"/>
-        </a:solidFill>
-      </a:ln>
-    </cs:spPr>
-  </cs:dataPointMarker>
-  <cs:dataPointMarkerLayout symbol="circle" size="5"/>
-  <cs:dataPointWireframe>
-    <cs:lnRef idx="0">
-      <cs:styleClr val="auto"/>
-    </cs:lnRef>
-    <cs:fillRef idx="1"/>
-    <cs:effectRef idx="0"/>
-    <cs:fontRef idx="minor">
-      <a:schemeClr val="tx1"/>
-    </cs:fontRef>
-    <cs:spPr>
-      <a:ln w="9525" cap="rnd">
-        <a:solidFill>
-          <a:schemeClr val="phClr"/>
-        </a:solidFill>
-        <a:round/>
-      </a:ln>
-    </cs:spPr>
-  </cs:dataPointWireframe>
-  <cs:dataTable>
-    <cs:lnRef idx="0"/>
-    <cs:fillRef idx="0"/>
-    <cs:effectRef idx="0"/>
-    <cs:fontRef idx="minor">
-      <a:schemeClr val="tx1">
-        <a:lumMod val="65000"/>
-        <a:lumOff val="35000"/>
-      </a:schemeClr>
-    </cs:fontRef>
-    <cs:spPr>
-      <a:noFill/>
-      <a:ln w="9525" cap="flat" cmpd="sng" algn="ctr">
-        <a:solidFill>
-          <a:schemeClr val="tx1">
-            <a:lumMod val="15000"/>
-            <a:lumOff val="85000"/>
-          </a:schemeClr>
-        </a:solidFill>
-        <a:round/>
-      </a:ln>
-    </cs:spPr>
-    <cs:defRPr sz="900" kern="1200"/>
-  </cs:dataTable>
-  <cs:downBar>
-    <cs:lnRef idx="0"/>
-    <cs:fillRef idx="0"/>
-    <cs:effectRef idx="0"/>
-    <cs:fontRef idx="minor">
-      <a:schemeClr val="tx1"/>
-    </cs:fontRef>
-    <cs:spPr>
-      <a:solidFill>
-        <a:schemeClr val="dk1">
-          <a:lumMod val="75000"/>
-          <a:lumOff val="25000"/>
-        </a:schemeClr>
-      </a:solidFill>
-      <a:ln w="9525" cap="flat" cmpd="sng" algn="ctr">
-        <a:solidFill>
-          <a:schemeClr val="tx1">
-            <a:lumMod val="65000"/>
-            <a:lumOff val="35000"/>
-          </a:schemeClr>
-        </a:solidFill>
-        <a:round/>
-      </a:ln>
-    </cs:spPr>
-  </cs:downBar>
-  <cs:dropLine>
-    <cs:lnRef idx="0"/>
-    <cs:fillRef idx="0"/>
-    <cs:effectRef idx="0"/>
-    <cs:fontRef idx="minor">
-      <a:schemeClr val="tx1"/>
-    </cs:fontRef>
-    <cs:spPr>
-      <a:ln w="9525" cap="flat" cmpd="sng" algn="ctr">
-        <a:solidFill>
-          <a:schemeClr val="tx1">
-            <a:lumMod val="35000"/>
-            <a:lumOff val="65000"/>
-          </a:schemeClr>
-        </a:solidFill>
-        <a:round/>
-      </a:ln>
-    </cs:spPr>
-  </cs:dropLine>
-  <cs:errorBar>
-    <cs:lnRef idx="0"/>
-    <cs:fillRef idx="0"/>
-    <cs:effectRef idx="0"/>
-    <cs:fontRef idx="minor">
-      <a:schemeClr val="tx1"/>
-    </cs:fontRef>
-    <cs:spPr>
-      <a:ln w="9525" cap="flat" cmpd="sng" algn="ctr">
-        <a:solidFill>
-          <a:schemeClr val="tx1">
-            <a:lumMod val="65000"/>
-            <a:lumOff val="35000"/>
-          </a:schemeClr>
-        </a:solidFill>
-        <a:round/>
-      </a:ln>
-    </cs:spPr>
-  </cs:errorBar>
-  <cs:floor>
-    <cs:lnRef idx="0"/>
-    <cs:fillRef idx="0"/>
-    <cs:effectRef idx="0"/>
-    <cs:fontRef idx="minor">
-      <a:schemeClr val="tx1"/>
-    </cs:fontRef>
-    <cs:spPr>
-      <a:noFill/>
-      <a:ln>
-        <a:noFill/>
-      </a:ln>
-    </cs:spPr>
-  </cs:floor>
-  <cs:gridlineMajor>
-    <cs:lnRef idx="0"/>
-    <cs:fillRef idx="0"/>
-    <cs:effectRef idx="0"/>
-    <cs:fontRef idx="minor">
-      <a:schemeClr val="tx1"/>
-    </cs:fontRef>
-    <cs:spPr>
-      <a:ln w="9525" cap="flat" cmpd="sng" algn="ctr">
-        <a:solidFill>
-          <a:schemeClr val="tx1">
-            <a:lumMod val="15000"/>
-            <a:lumOff val="85000"/>
-          </a:schemeClr>
-        </a:solidFill>
-        <a:round/>
-      </a:ln>
-    </cs:spPr>
-  </cs:gridlineMajor>
-  <cs:gridlineMinor>
-    <cs:lnRef idx="0"/>
-    <cs:fillRef idx="0"/>
-    <cs:effectRef idx="0"/>
-    <cs:fontRef idx="minor">
-      <a:schemeClr val="tx1"/>
-    </cs:fontRef>
-    <cs:spPr>
-      <a:ln w="9525" cap="flat" cmpd="sng" algn="ctr">
-        <a:solidFill>
-          <a:schemeClr val="tx1">
-            <a:lumMod val="5000"/>
-            <a:lumOff val="95000"/>
-          </a:schemeClr>
-        </a:solidFill>
-        <a:round/>
-      </a:ln>
-    </cs:spPr>
-  </cs:gridlineMinor>
-  <cs:hiLoLine>
-    <cs:lnRef idx="0"/>
-    <cs:fillRef idx="0"/>
-    <cs:effectRef idx="0"/>
-    <cs:fontRef idx="minor">
-      <a:schemeClr val="tx1"/>
-    </cs:fontRef>
-    <cs:spPr>
-      <a:ln w="9525" cap="flat" cmpd="sng" algn="ctr">
-        <a:solidFill>
-          <a:schemeClr val="tx1">
-            <a:lumMod val="50000"/>
-            <a:lumOff val="50000"/>
-          </a:schemeClr>
-        </a:solidFill>
-        <a:round/>
-      </a:ln>
-    </cs:spPr>
-  </cs:hiLoLine>
-  <cs:leaderLine>
-    <cs:lnRef idx="0"/>
-    <cs:fillRef idx="0"/>
-    <cs:effectRef idx="0"/>
-    <cs:fontRef idx="minor">
-      <a:schemeClr val="tx1"/>
-    </cs:fontRef>
-    <cs:spPr>
-      <a:ln w="9525" cap="flat" cmpd="sng" algn="ctr">
-        <a:solidFill>
-          <a:schemeClr val="tx1">
-            <a:lumMod val="35000"/>
-            <a:lumOff val="65000"/>
-          </a:schemeClr>
-        </a:solidFill>
-        <a:round/>
-      </a:ln>
-    </cs:spPr>
-  </cs:leaderLine>
-  <cs:legend>
-    <cs:lnRef idx="0"/>
-    <cs:fillRef idx="0"/>
-    <cs:effectRef idx="0"/>
-    <cs:fontRef idx="minor">
-      <a:schemeClr val="tx1">
-        <a:lumMod val="65000"/>
-        <a:lumOff val="35000"/>
-      </a:schemeClr>
-    </cs:fontRef>
-    <cs:defRPr sz="900" kern="1200"/>
-  </cs:legend>
-  <cs:plotArea mods="allowNoFillOverride allowNoLineOverride">
-    <cs:lnRef idx="0"/>
-    <cs:fillRef idx="0"/>
-    <cs:effectRef idx="0"/>
-    <cs:fontRef idx="minor">
-      <a:schemeClr val="tx1"/>
-    </cs:fontRef>
-  </cs:plotArea>
-  <cs:plotArea3D mods="allowNoFillOverride allowNoLineOverride">
-    <cs:lnRef idx="0"/>
-    <cs:fillRef idx="0"/>
-    <cs:effectRef idx="0"/>
-    <cs:fontRef idx="minor">
-      <a:schemeClr val="tx1"/>
-    </cs:fontRef>
-  </cs:plotArea3D>
-  <cs:seriesAxis>
-    <cs:lnRef idx="0"/>
-    <cs:fillRef idx="0"/>
-    <cs:effectRef idx="0"/>
-    <cs:fontRef idx="minor">
-      <a:schemeClr val="tx1">
-        <a:lumMod val="65000"/>
-        <a:lumOff val="35000"/>
-      </a:schemeClr>
-    </cs:fontRef>
-    <cs:defRPr sz="900" kern="1200"/>
-  </cs:seriesAxis>
-  <cs:seriesLine>
-    <cs:lnRef idx="0"/>
-    <cs:fillRef idx="0"/>
-    <cs:effectRef idx="0"/>
-    <cs:fontRef idx="minor">
-      <a:schemeClr val="tx1"/>
-    </cs:fontRef>
-    <cs:spPr>
-      <a:ln w="9525" cap="flat" cmpd="sng" algn="ctr">
-        <a:solidFill>
-          <a:schemeClr val="tx1">
-            <a:lumMod val="35000"/>
-            <a:lumOff val="65000"/>
-          </a:schemeClr>
-        </a:solidFill>
-        <a:round/>
-      </a:ln>
-    </cs:spPr>
-  </cs:seriesLine>
-  <cs:title>
-    <cs:lnRef idx="0"/>
-    <cs:fillRef idx="0"/>
-    <cs:effectRef idx="0"/>
-    <cs:fontRef idx="minor">
-      <a:schemeClr val="tx1">
-        <a:lumMod val="65000"/>
-        <a:lumOff val="35000"/>
-      </a:schemeClr>
-    </cs:fontRef>
-    <cs:defRPr sz="1400" b="0" kern="1200" spc="0" baseline="0"/>
-  </cs:title>
-  <cs:trendline>
-    <cs:lnRef idx="0">
-      <cs:styleClr val="auto"/>
-    </cs:lnRef>
-    <cs:fillRef idx="0"/>
-    <cs:effectRef idx="0"/>
-    <cs:fontRef idx="minor">
-      <a:schemeClr val="tx1"/>
-    </cs:fontRef>
-    <cs:spPr>
-      <a:ln w="19050" cap="rnd">
-        <a:solidFill>
-          <a:schemeClr val="phClr"/>
-        </a:solidFill>
-        <a:prstDash val="sysDot"/>
-      </a:ln>
-    </cs:spPr>
-  </cs:trendline>
-  <cs:trendlineLabel>
-    <cs:lnRef idx="0"/>
-    <cs:fillRef idx="0"/>
-    <cs:effectRef idx="0"/>
-    <cs:fontRef idx="minor">
-      <a:schemeClr val="tx1">
-        <a:lumMod val="65000"/>
-        <a:lumOff val="35000"/>
-      </a:schemeClr>
-    </cs:fontRef>
-    <cs:defRPr sz="900" kern="1200"/>
-  </cs:trendlineLabel>
-  <cs:upBar>
-    <cs:lnRef idx="0"/>
-    <cs:fillRef idx="0"/>
-    <cs:effectRef idx="0"/>
-    <cs:fontRef idx="minor">
-      <a:schemeClr val="tx1"/>
-    </cs:fontRef>
-    <cs:spPr>
-      <a:solidFill>
-        <a:schemeClr val="lt1"/>
-      </a:solidFill>
-      <a:ln w="9525" cap="flat" cmpd="sng" algn="ctr">
-        <a:solidFill>
-          <a:schemeClr val="tx1">
-            <a:lumMod val="65000"/>
-            <a:lumOff val="35000"/>
-          </a:schemeClr>
-        </a:solidFill>
-        <a:round/>
-      </a:ln>
-    </cs:spPr>
-  </cs:upBar>
-  <cs:valueAxis>
-    <cs:lnRef idx="0"/>
-    <cs:fillRef idx="0"/>
-    <cs:effectRef idx="0"/>
-    <cs:fontRef idx="minor">
-      <a:schemeClr val="tx1">
-        <a:lumMod val="65000"/>
-        <a:lumOff val="35000"/>
-      </a:schemeClr>
-    </cs:fontRef>
-    <cs:defRPr sz="900" kern="1200"/>
-  </cs:valueAxis>
-  <cs:wall>
-    <cs:lnRef idx="0"/>
-    <cs:fillRef idx="0"/>
-    <cs:effectRef idx="0"/>
-    <cs:fontRef idx="minor">
-      <a:schemeClr val="tx1"/>
-    </cs:fontRef>
-    <cs:spPr>
-      <a:noFill/>
-      <a:ln>
-        <a:noFill/>
-      </a:ln>
-    </cs:spPr>
-  </cs:wall>
-</cs:chartStyle>
 </file>
 
 <file path=ppt/notesMasters/notesMaster1.xml><?xml version="1.0" encoding="utf-8"?>
@@ -4756,65 +3896,42 @@
           </a:p>
         </p:txBody>
       </p:sp>
-      <p:sp>
-        <p:nvSpPr>
-          <p:cNvPr id="7" name="Ellipse 6">
-            <a:extLst>
-              <a:ext uri="{FF2B5EF4-FFF2-40B4-BE49-F238E27FC236}">
-                <a16:creationId xmlns:a16="http://schemas.microsoft.com/office/drawing/2014/main" id="{CE0C12BA-29C0-7C7A-636E-FBFEABD671F7}"/>
-              </a:ext>
-            </a:extLst>
-          </p:cNvPr>
-          <p:cNvSpPr/>
+      <p:pic>
+        <p:nvPicPr>
+          <p:cNvPr id="9" name="Grafik 8" descr="Ein Bild, das Text, Grafiken, Schrift, Grafikdesign enthält.">
+            <a:extLst>
+              <a:ext uri="{FF2B5EF4-FFF2-40B4-BE49-F238E27FC236}">
+                <a16:creationId xmlns:a16="http://schemas.microsoft.com/office/drawing/2014/main" id="{BBF4FDD5-29F6-89EB-245A-94FC744C21E0}"/>
+              </a:ext>
+            </a:extLst>
+          </p:cNvPr>
+          <p:cNvPicPr>
+            <a:picLocks noChangeAspect="1"/>
+          </p:cNvPicPr>
           <p:nvPr userDrawn="1"/>
-        </p:nvSpPr>
+        </p:nvPicPr>
+        <p:blipFill>
+          <a:blip r:embed="rId13">
+            <a:extLst>
+              <a:ext uri="{28A0092B-C50C-407E-A947-70E740481C1C}">
+                <a14:useLocalDpi xmlns:a14="http://schemas.microsoft.com/office/drawing/2010/main" val="0"/>
+              </a:ext>
+            </a:extLst>
+          </a:blip>
+          <a:stretch>
+            <a:fillRect/>
+          </a:stretch>
+        </p:blipFill>
         <p:spPr>
           <a:xfrm>
-            <a:off x="10720864" y="5584076"/>
-            <a:ext cx="1080000" cy="1080000"/>
+            <a:off x="11332147" y="5960767"/>
+            <a:ext cx="791166" cy="791166"/>
           </a:xfrm>
-          <a:prstGeom prst="ellipse">
+          <a:prstGeom prst="rect">
             <a:avLst/>
           </a:prstGeom>
-          <a:blipFill dpi="0" rotWithShape="1">
-            <a:blip r:embed="rId13">
-              <a:extLst>
-                <a:ext uri="{28A0092B-C50C-407E-A947-70E740481C1C}">
-                  <a14:useLocalDpi xmlns:a14="http://schemas.microsoft.com/office/drawing/2010/main" val="0"/>
-                </a:ext>
-              </a:extLst>
-            </a:blip>
-            <a:srcRect/>
-            <a:stretch>
-              <a:fillRect/>
-            </a:stretch>
-          </a:blipFill>
         </p:spPr>
-        <p:style>
-          <a:lnRef idx="2">
-            <a:schemeClr val="accent1">
-              <a:shade val="15000"/>
-            </a:schemeClr>
-          </a:lnRef>
-          <a:fillRef idx="1">
-            <a:schemeClr val="accent1"/>
-          </a:fillRef>
-          <a:effectRef idx="0">
-            <a:schemeClr val="accent1"/>
-          </a:effectRef>
-          <a:fontRef idx="minor">
-            <a:schemeClr val="lt1"/>
-          </a:fontRef>
-        </p:style>
-        <p:txBody>
-          <a:bodyPr rtlCol="0" anchor="ctr"/>
-          <a:lstStyle/>
-          <a:p>
-            <a:pPr algn="ctr"/>
-            <a:endParaRPr lang="de-DE"/>
-          </a:p>
-        </p:txBody>
-      </p:sp>
+      </p:pic>
     </p:spTree>
     <p:extLst>
       <p:ext uri="{BB962C8B-B14F-4D97-AF65-F5344CB8AC3E}">
@@ -5692,7 +4809,7 @@
             <a:pPr algn="l"/>
             <a:r>
               <a:rPr lang="de-DE" dirty="0"/>
-              <a:t>Review R1</a:t>
+              <a:t>Review R2</a:t>
             </a:r>
           </a:p>
         </p:txBody>
@@ -5733,65 +4850,42 @@
           </a:p>
         </p:txBody>
       </p:sp>
-      <p:sp>
-        <p:nvSpPr>
-          <p:cNvPr id="7" name="Ellipse 6">
-            <a:extLst>
-              <a:ext uri="{FF2B5EF4-FFF2-40B4-BE49-F238E27FC236}">
-                <a16:creationId xmlns:a16="http://schemas.microsoft.com/office/drawing/2014/main" id="{C4BD55BC-74A0-A167-13CB-44B55641E7C4}"/>
-              </a:ext>
-            </a:extLst>
-          </p:cNvPr>
-          <p:cNvSpPr/>
+      <p:pic>
+        <p:nvPicPr>
+          <p:cNvPr id="6" name="Grafik 5" descr="Ein Bild, das Text, Grafiken, Schrift, Grafikdesign enthält.">
+            <a:extLst>
+              <a:ext uri="{FF2B5EF4-FFF2-40B4-BE49-F238E27FC236}">
+                <a16:creationId xmlns:a16="http://schemas.microsoft.com/office/drawing/2014/main" id="{6EF6A922-5183-ABB0-857E-64722416E361}"/>
+              </a:ext>
+            </a:extLst>
+          </p:cNvPr>
+          <p:cNvPicPr>
+            <a:picLocks noChangeAspect="1"/>
+          </p:cNvPicPr>
           <p:nvPr/>
-        </p:nvSpPr>
+        </p:nvPicPr>
+        <p:blipFill>
+          <a:blip r:embed="rId3">
+            <a:extLst>
+              <a:ext uri="{28A0092B-C50C-407E-A947-70E740481C1C}">
+                <a14:useLocalDpi xmlns:a14="http://schemas.microsoft.com/office/drawing/2010/main" val="0"/>
+              </a:ext>
+            </a:extLst>
+          </a:blip>
+          <a:stretch>
+            <a:fillRect/>
+          </a:stretch>
+        </p:blipFill>
         <p:spPr>
           <a:xfrm>
-            <a:off x="175262" y="311727"/>
-            <a:ext cx="2855552" cy="2902892"/>
+            <a:off x="179408" y="103497"/>
+            <a:ext cx="2851406" cy="2851406"/>
           </a:xfrm>
-          <a:prstGeom prst="ellipse">
+          <a:prstGeom prst="rect">
             <a:avLst/>
           </a:prstGeom>
-          <a:blipFill dpi="0" rotWithShape="1">
-            <a:blip r:embed="rId3">
-              <a:extLst>
-                <a:ext uri="{28A0092B-C50C-407E-A947-70E740481C1C}">
-                  <a14:useLocalDpi xmlns:a14="http://schemas.microsoft.com/office/drawing/2010/main" val="0"/>
-                </a:ext>
-              </a:extLst>
-            </a:blip>
-            <a:srcRect/>
-            <a:stretch>
-              <a:fillRect/>
-            </a:stretch>
-          </a:blipFill>
         </p:spPr>
-        <p:style>
-          <a:lnRef idx="2">
-            <a:schemeClr val="accent1">
-              <a:shade val="15000"/>
-            </a:schemeClr>
-          </a:lnRef>
-          <a:fillRef idx="1">
-            <a:schemeClr val="accent1"/>
-          </a:fillRef>
-          <a:effectRef idx="0">
-            <a:schemeClr val="accent1"/>
-          </a:effectRef>
-          <a:fontRef idx="minor">
-            <a:schemeClr val="lt1"/>
-          </a:fontRef>
-        </p:style>
-        <p:txBody>
-          <a:bodyPr rtlCol="0" anchor="ctr"/>
-          <a:lstStyle/>
-          <a:p>
-            <a:pPr algn="ctr"/>
-            <a:endParaRPr lang="de-DE"/>
-          </a:p>
-        </p:txBody>
-      </p:sp>
+      </p:pic>
     </p:spTree>
     <p:extLst>
       <p:ext uri="{BB962C8B-B14F-4D97-AF65-F5344CB8AC3E}">
@@ -5827,7 +4921,7 @@
           <p:cNvPr id="2" name="Titel 1">
             <a:extLst>
               <a:ext uri="{FF2B5EF4-FFF2-40B4-BE49-F238E27FC236}">
-                <a16:creationId xmlns:a16="http://schemas.microsoft.com/office/drawing/2014/main" id="{B4E9E59E-8BEF-E219-1B63-247630B68760}"/>
+                <a16:creationId xmlns:a16="http://schemas.microsoft.com/office/drawing/2014/main" id="{A075FF74-E5D2-1C9F-1DF3-DCD54EF547E9}"/>
               </a:ext>
             </a:extLst>
           </p:cNvPr>
@@ -5845,7 +4939,136 @@
           <a:p>
             <a:r>
               <a:rPr lang="de-DE" dirty="0"/>
-              <a:t>4. Detailplanung</a:t>
+              <a:t>6. Software-Tools</a:t>
+            </a:r>
+          </a:p>
+        </p:txBody>
+      </p:sp>
+      <p:sp>
+        <p:nvSpPr>
+          <p:cNvPr id="3" name="Inhaltsplatzhalter 2">
+            <a:extLst>
+              <a:ext uri="{FF2B5EF4-FFF2-40B4-BE49-F238E27FC236}">
+                <a16:creationId xmlns:a16="http://schemas.microsoft.com/office/drawing/2014/main" id="{E627C203-A1B7-383D-97A8-56B3248A1E83}"/>
+              </a:ext>
+            </a:extLst>
+          </p:cNvPr>
+          <p:cNvSpPr>
+            <a:spLocks noGrp="1"/>
+          </p:cNvSpPr>
+          <p:nvPr>
+            <p:ph sz="half" idx="1"/>
+          </p:nvPr>
+        </p:nvSpPr>
+        <p:spPr/>
+        <p:txBody>
+          <a:bodyPr>
+            <a:normAutofit/>
+          </a:bodyPr>
+          <a:lstStyle/>
+          <a:p>
+            <a:r>
+              <a:rPr lang="de-DE" dirty="0"/>
+              <a:t>Programmiersprache:</a:t>
+            </a:r>
+          </a:p>
+          <a:p>
+            <a:pPr lvl="1"/>
+            <a:r>
+              <a:rPr lang="de-DE" dirty="0"/>
+              <a:t>C#</a:t>
+            </a:r>
+          </a:p>
+          <a:p>
+            <a:r>
+              <a:rPr lang="de-DE" dirty="0"/>
+              <a:t>Framework:</a:t>
+            </a:r>
+          </a:p>
+          <a:p>
+            <a:pPr lvl="1"/>
+            <a:r>
+              <a:rPr lang="de-DE" dirty="0" err="1"/>
+              <a:t>Blazor</a:t>
+            </a:r>
+            <a:endParaRPr lang="de-DE" dirty="0"/>
+          </a:p>
+          <a:p>
+            <a:r>
+              <a:rPr lang="de-DE" dirty="0"/>
+              <a:t>IDE:</a:t>
+            </a:r>
+          </a:p>
+          <a:p>
+            <a:pPr lvl="1"/>
+            <a:r>
+              <a:rPr lang="de-DE" dirty="0"/>
+              <a:t>Visual Studio</a:t>
+            </a:r>
+          </a:p>
+        </p:txBody>
+      </p:sp>
+      <p:sp>
+        <p:nvSpPr>
+          <p:cNvPr id="6" name="Inhaltsplatzhalter 5">
+            <a:extLst>
+              <a:ext uri="{FF2B5EF4-FFF2-40B4-BE49-F238E27FC236}">
+                <a16:creationId xmlns:a16="http://schemas.microsoft.com/office/drawing/2014/main" id="{7185288F-FFC3-A9CF-5040-625A8A619580}"/>
+              </a:ext>
+            </a:extLst>
+          </p:cNvPr>
+          <p:cNvSpPr>
+            <a:spLocks noGrp="1"/>
+          </p:cNvSpPr>
+          <p:nvPr>
+            <p:ph sz="half" idx="2"/>
+          </p:nvPr>
+        </p:nvSpPr>
+        <p:spPr/>
+        <p:txBody>
+          <a:bodyPr>
+            <a:normAutofit/>
+          </a:bodyPr>
+          <a:lstStyle/>
+          <a:p>
+            <a:r>
+              <a:rPr lang="de-DE" dirty="0"/>
+              <a:t>Datenbank:</a:t>
+            </a:r>
+          </a:p>
+          <a:p>
+            <a:pPr lvl="1"/>
+            <a:r>
+              <a:rPr lang="de-DE" dirty="0"/>
+              <a:t>SQLite</a:t>
+            </a:r>
+          </a:p>
+          <a:p>
+            <a:r>
+              <a:rPr lang="de-DE" dirty="0"/>
+              <a:t>Weitere Tools:</a:t>
+            </a:r>
+          </a:p>
+          <a:p>
+            <a:pPr lvl="1"/>
+            <a:r>
+              <a:rPr lang="de-DE" dirty="0"/>
+              <a:t>Git (Versionierung)</a:t>
+            </a:r>
+          </a:p>
+          <a:p>
+            <a:pPr lvl="1"/>
+            <a:r>
+              <a:rPr lang="de-DE" dirty="0"/>
+              <a:t>Docker (</a:t>
+            </a:r>
+            <a:r>
+              <a:rPr lang="de-DE" dirty="0" err="1"/>
+              <a:t>Deployment</a:t>
+            </a:r>
+            <a:r>
+              <a:rPr lang="de-DE" dirty="0"/>
+              <a:t>)</a:t>
             </a:r>
           </a:p>
         </p:txBody>
@@ -5855,7 +5078,7 @@
           <p:cNvPr id="4" name="Datumsplatzhalter 3">
             <a:extLst>
               <a:ext uri="{FF2B5EF4-FFF2-40B4-BE49-F238E27FC236}">
-                <a16:creationId xmlns:a16="http://schemas.microsoft.com/office/drawing/2014/main" id="{8C8D5428-903D-063F-D2B8-8AA97F0DBDC4}"/>
+                <a16:creationId xmlns:a16="http://schemas.microsoft.com/office/drawing/2014/main" id="{F5985418-FDA1-F1A7-80E8-C25C6BAC324B}"/>
               </a:ext>
             </a:extLst>
           </p:cNvPr>
@@ -5884,7 +5107,7 @@
           <p:cNvPr id="5" name="Foliennummernplatzhalter 4">
             <a:extLst>
               <a:ext uri="{FF2B5EF4-FFF2-40B4-BE49-F238E27FC236}">
-                <a16:creationId xmlns:a16="http://schemas.microsoft.com/office/drawing/2014/main" id="{FDE19446-3B39-C275-0CB6-43F8F4CF86D1}"/>
+                <a16:creationId xmlns:a16="http://schemas.microsoft.com/office/drawing/2014/main" id="{6A7A11C6-83C4-FA07-F8C7-F2826F8F22B6}"/>
               </a:ext>
             </a:extLst>
           </p:cNvPr>
@@ -5908,479 +5131,16 @@
           </a:p>
         </p:txBody>
       </p:sp>
-      <p:sp>
-        <p:nvSpPr>
-          <p:cNvPr id="8" name="Inhaltsplatzhalter 7">
-            <a:extLst>
-              <a:ext uri="{FF2B5EF4-FFF2-40B4-BE49-F238E27FC236}">
-                <a16:creationId xmlns:a16="http://schemas.microsoft.com/office/drawing/2014/main" id="{22B032CF-7BEE-394B-B89E-5DBB04B07C95}"/>
-              </a:ext>
-            </a:extLst>
-          </p:cNvPr>
-          <p:cNvSpPr>
-            <a:spLocks noGrp="1"/>
-          </p:cNvSpPr>
-          <p:nvPr>
-            <p:ph idx="1"/>
-          </p:nvPr>
-        </p:nvSpPr>
-        <p:spPr>
-          <a:xfrm>
-            <a:off x="762000" y="2374392"/>
-            <a:ext cx="10668000" cy="3294404"/>
-          </a:xfrm>
-        </p:spPr>
-        <p:txBody>
-          <a:bodyPr/>
-          <a:lstStyle/>
-          <a:p>
-            <a:r>
-              <a:rPr lang="en-US" dirty="0"/>
-              <a:t>Menu-Karte </a:t>
-            </a:r>
-            <a:r>
-              <a:rPr lang="en-US" dirty="0" err="1"/>
-              <a:t>anzeigen</a:t>
-            </a:r>
-            <a:endParaRPr lang="en-US" dirty="0"/>
-          </a:p>
-          <a:p>
-            <a:pPr lvl="1"/>
-            <a:r>
-              <a:rPr lang="en-US" dirty="0"/>
-              <a:t>Website </a:t>
-            </a:r>
-            <a:r>
-              <a:rPr lang="en-US" dirty="0" err="1"/>
-              <a:t>erstellen</a:t>
-            </a:r>
-            <a:endParaRPr lang="en-US" dirty="0"/>
-          </a:p>
-          <a:p>
-            <a:pPr lvl="1"/>
-            <a:r>
-              <a:rPr lang="en-US" dirty="0" err="1"/>
-              <a:t>Datenbank</a:t>
-            </a:r>
-            <a:r>
-              <a:rPr lang="en-US" dirty="0"/>
-              <a:t> </a:t>
-            </a:r>
-            <a:r>
-              <a:rPr lang="en-US" dirty="0" err="1"/>
-              <a:t>aufbauen</a:t>
-            </a:r>
-            <a:endParaRPr lang="en-US" dirty="0"/>
-          </a:p>
-          <a:p>
-            <a:r>
-              <a:rPr lang="en-US" dirty="0" err="1"/>
-              <a:t>Auswahl</a:t>
-            </a:r>
-            <a:r>
-              <a:rPr lang="en-US" dirty="0"/>
-              <a:t> und </a:t>
-            </a:r>
-            <a:r>
-              <a:rPr lang="en-US" dirty="0" err="1"/>
-              <a:t>Speichern</a:t>
-            </a:r>
-            <a:r>
-              <a:rPr lang="en-US" dirty="0"/>
-              <a:t> (</a:t>
-            </a:r>
-            <a:r>
-              <a:rPr lang="en-US" dirty="0" err="1"/>
-              <a:t>Warenkorb</a:t>
-            </a:r>
-            <a:r>
-              <a:rPr lang="en-US" dirty="0"/>
-              <a:t>) von </a:t>
-            </a:r>
-            <a:r>
-              <a:rPr lang="en-US" dirty="0" err="1"/>
-              <a:t>markierten</a:t>
-            </a:r>
-            <a:r>
-              <a:rPr lang="en-US" dirty="0"/>
-              <a:t> </a:t>
-            </a:r>
-            <a:r>
-              <a:rPr lang="en-US" dirty="0" err="1"/>
-              <a:t>Speisen</a:t>
-            </a:r>
-            <a:endParaRPr lang="de-DE" dirty="0"/>
-          </a:p>
-        </p:txBody>
-      </p:sp>
-      <p:sp>
-        <p:nvSpPr>
-          <p:cNvPr id="9" name="Rechteck 8">
-            <a:extLst>
-              <a:ext uri="{FF2B5EF4-FFF2-40B4-BE49-F238E27FC236}">
-                <a16:creationId xmlns:a16="http://schemas.microsoft.com/office/drawing/2014/main" id="{B9D710F2-26B3-E933-12F8-AD231FAACE5C}"/>
-              </a:ext>
-            </a:extLst>
-          </p:cNvPr>
-          <p:cNvSpPr/>
-          <p:nvPr/>
-        </p:nvSpPr>
-        <p:spPr>
-          <a:xfrm>
-            <a:off x="2181880" y="6056769"/>
-            <a:ext cx="4870765" cy="534154"/>
-          </a:xfrm>
-          <a:prstGeom prst="rect">
-            <a:avLst/>
-          </a:prstGeom>
-        </p:spPr>
-        <p:style>
-          <a:lnRef idx="2">
-            <a:schemeClr val="accent1">
-              <a:shade val="15000"/>
-            </a:schemeClr>
-          </a:lnRef>
-          <a:fillRef idx="1">
-            <a:schemeClr val="accent1"/>
-          </a:fillRef>
-          <a:effectRef idx="0">
-            <a:schemeClr val="accent1"/>
-          </a:effectRef>
-          <a:fontRef idx="minor">
-            <a:schemeClr val="lt1"/>
-          </a:fontRef>
-        </p:style>
-        <p:txBody>
-          <a:bodyPr rtlCol="0" anchor="ctr"/>
-          <a:lstStyle/>
-          <a:p>
-            <a:pPr algn="ctr"/>
-            <a:endParaRPr lang="de-DE"/>
-          </a:p>
-        </p:txBody>
-      </p:sp>
-      <p:sp>
-        <p:nvSpPr>
-          <p:cNvPr id="10" name="Rechteck 9">
-            <a:extLst>
-              <a:ext uri="{FF2B5EF4-FFF2-40B4-BE49-F238E27FC236}">
-                <a16:creationId xmlns:a16="http://schemas.microsoft.com/office/drawing/2014/main" id="{5B3808CC-EAE0-2B56-5309-1C4946E43803}"/>
-              </a:ext>
-            </a:extLst>
-          </p:cNvPr>
-          <p:cNvSpPr/>
-          <p:nvPr/>
-        </p:nvSpPr>
-        <p:spPr>
-          <a:xfrm>
-            <a:off x="2865419" y="5522615"/>
-            <a:ext cx="3503691" cy="534154"/>
-          </a:xfrm>
-          <a:prstGeom prst="rect">
-            <a:avLst/>
-          </a:prstGeom>
-        </p:spPr>
-        <p:style>
-          <a:lnRef idx="2">
-            <a:schemeClr val="accent1">
-              <a:shade val="15000"/>
-            </a:schemeClr>
-          </a:lnRef>
-          <a:fillRef idx="1">
-            <a:schemeClr val="accent1"/>
-          </a:fillRef>
-          <a:effectRef idx="0">
-            <a:schemeClr val="accent1"/>
-          </a:effectRef>
-          <a:fontRef idx="minor">
-            <a:schemeClr val="lt1"/>
-          </a:fontRef>
-        </p:style>
-        <p:txBody>
-          <a:bodyPr rtlCol="0" anchor="ctr"/>
-          <a:lstStyle/>
-          <a:p>
-            <a:pPr algn="ctr"/>
-            <a:endParaRPr lang="de-DE"/>
-          </a:p>
-        </p:txBody>
-      </p:sp>
-      <p:sp>
-        <p:nvSpPr>
-          <p:cNvPr id="11" name="Rechteck 10">
-            <a:extLst>
-              <a:ext uri="{FF2B5EF4-FFF2-40B4-BE49-F238E27FC236}">
-                <a16:creationId xmlns:a16="http://schemas.microsoft.com/office/drawing/2014/main" id="{DB2EE6EB-B12C-07E7-7814-72C38A9C755B}"/>
-              </a:ext>
-            </a:extLst>
-          </p:cNvPr>
-          <p:cNvSpPr/>
-          <p:nvPr/>
-        </p:nvSpPr>
-        <p:spPr>
-          <a:xfrm>
-            <a:off x="3520662" y="4985669"/>
-            <a:ext cx="2193203" cy="534154"/>
-          </a:xfrm>
-          <a:prstGeom prst="rect">
-            <a:avLst/>
-          </a:prstGeom>
-        </p:spPr>
-        <p:style>
-          <a:lnRef idx="2">
-            <a:schemeClr val="accent1">
-              <a:shade val="15000"/>
-            </a:schemeClr>
-          </a:lnRef>
-          <a:fillRef idx="1">
-            <a:schemeClr val="accent1"/>
-          </a:fillRef>
-          <a:effectRef idx="0">
-            <a:schemeClr val="accent1"/>
-          </a:effectRef>
-          <a:fontRef idx="minor">
-            <a:schemeClr val="lt1"/>
-          </a:fontRef>
-        </p:style>
-        <p:txBody>
-          <a:bodyPr rtlCol="0" anchor="ctr"/>
-          <a:lstStyle/>
-          <a:p>
-            <a:pPr algn="ctr"/>
-            <a:endParaRPr lang="de-DE"/>
-          </a:p>
-        </p:txBody>
-      </p:sp>
-      <p:cxnSp>
-        <p:nvCxnSpPr>
-          <p:cNvPr id="13" name="Gerade Verbindung mit Pfeil 12">
-            <a:extLst>
-              <a:ext uri="{FF2B5EF4-FFF2-40B4-BE49-F238E27FC236}">
-                <a16:creationId xmlns:a16="http://schemas.microsoft.com/office/drawing/2014/main" id="{52C1E2E1-831C-0869-ECEE-C521D569E6C9}"/>
-              </a:ext>
-            </a:extLst>
-          </p:cNvPr>
-          <p:cNvCxnSpPr>
-            <a:cxnSpLocks/>
-          </p:cNvCxnSpPr>
-          <p:nvPr/>
-        </p:nvCxnSpPr>
-        <p:spPr>
-          <a:xfrm flipH="1">
-            <a:off x="6934954" y="5106154"/>
-            <a:ext cx="1013989" cy="860080"/>
-          </a:xfrm>
-          <a:prstGeom prst="straightConnector1">
-            <a:avLst/>
-          </a:prstGeom>
-          <a:ln w="57150">
-            <a:tailEnd type="triangle"/>
-          </a:ln>
-        </p:spPr>
-        <p:style>
-          <a:lnRef idx="1">
-            <a:schemeClr val="accent1"/>
-          </a:lnRef>
-          <a:fillRef idx="0">
-            <a:schemeClr val="accent1"/>
-          </a:fillRef>
-          <a:effectRef idx="0">
-            <a:schemeClr val="accent1"/>
-          </a:effectRef>
-          <a:fontRef idx="minor">
-            <a:schemeClr val="tx1"/>
-          </a:fontRef>
-        </p:style>
-      </p:cxnSp>
     </p:spTree>
     <p:extLst>
       <p:ext uri="{BB962C8B-B14F-4D97-AF65-F5344CB8AC3E}">
-        <p14:creationId xmlns:p14="http://schemas.microsoft.com/office/powerpoint/2010/main" val="3847697158"/>
+        <p14:creationId xmlns:p14="http://schemas.microsoft.com/office/powerpoint/2010/main" val="1367875186"/>
       </p:ext>
     </p:extLst>
   </p:cSld>
   <p:clrMapOvr>
     <a:masterClrMapping/>
   </p:clrMapOvr>
-  <p:timing>
-    <p:tnLst>
-      <p:par>
-        <p:cTn id="1" dur="indefinite" restart="never" nodeType="tmRoot">
-          <p:childTnLst>
-            <p:seq concurrent="1" nextAc="seek">
-              <p:cTn id="2" dur="indefinite" nodeType="mainSeq">
-                <p:childTnLst>
-                  <p:par>
-                    <p:cTn id="3" fill="hold">
-                      <p:stCondLst>
-                        <p:cond delay="indefinite"/>
-                      </p:stCondLst>
-                      <p:childTnLst>
-                        <p:par>
-                          <p:cTn id="4" fill="hold">
-                            <p:stCondLst>
-                              <p:cond delay="0"/>
-                            </p:stCondLst>
-                            <p:childTnLst>
-                              <p:par>
-                                <p:cTn id="5" presetID="1" presetClass="entr" presetSubtype="0" fill="hold" grpId="0" nodeType="clickEffect">
-                                  <p:stCondLst>
-                                    <p:cond delay="0"/>
-                                  </p:stCondLst>
-                                  <p:childTnLst>
-                                    <p:set>
-                                      <p:cBhvr>
-                                        <p:cTn id="6" dur="1" fill="hold">
-                                          <p:stCondLst>
-                                            <p:cond delay="0"/>
-                                          </p:stCondLst>
-                                        </p:cTn>
-                                        <p:tgtEl>
-                                          <p:spTgt spid="11"/>
-                                        </p:tgtEl>
-                                        <p:attrNameLst>
-                                          <p:attrName>style.visibility</p:attrName>
-                                        </p:attrNameLst>
-                                      </p:cBhvr>
-                                      <p:to>
-                                        <p:strVal val="visible"/>
-                                      </p:to>
-                                    </p:set>
-                                  </p:childTnLst>
-                                </p:cTn>
-                              </p:par>
-                              <p:par>
-                                <p:cTn id="7" presetID="1" presetClass="entr" presetSubtype="0" fill="hold" grpId="0" nodeType="withEffect">
-                                  <p:stCondLst>
-                                    <p:cond delay="0"/>
-                                  </p:stCondLst>
-                                  <p:childTnLst>
-                                    <p:set>
-                                      <p:cBhvr>
-                                        <p:cTn id="8" dur="1" fill="hold">
-                                          <p:stCondLst>
-                                            <p:cond delay="0"/>
-                                          </p:stCondLst>
-                                        </p:cTn>
-                                        <p:tgtEl>
-                                          <p:spTgt spid="10"/>
-                                        </p:tgtEl>
-                                        <p:attrNameLst>
-                                          <p:attrName>style.visibility</p:attrName>
-                                        </p:attrNameLst>
-                                      </p:cBhvr>
-                                      <p:to>
-                                        <p:strVal val="visible"/>
-                                      </p:to>
-                                    </p:set>
-                                  </p:childTnLst>
-                                </p:cTn>
-                              </p:par>
-                              <p:par>
-                                <p:cTn id="9" presetID="1" presetClass="entr" presetSubtype="0" fill="hold" grpId="0" nodeType="withEffect">
-                                  <p:stCondLst>
-                                    <p:cond delay="0"/>
-                                  </p:stCondLst>
-                                  <p:childTnLst>
-                                    <p:set>
-                                      <p:cBhvr>
-                                        <p:cTn id="10" dur="1" fill="hold">
-                                          <p:stCondLst>
-                                            <p:cond delay="0"/>
-                                          </p:stCondLst>
-                                        </p:cTn>
-                                        <p:tgtEl>
-                                          <p:spTgt spid="9"/>
-                                        </p:tgtEl>
-                                        <p:attrNameLst>
-                                          <p:attrName>style.visibility</p:attrName>
-                                        </p:attrNameLst>
-                                      </p:cBhvr>
-                                      <p:to>
-                                        <p:strVal val="visible"/>
-                                      </p:to>
-                                    </p:set>
-                                  </p:childTnLst>
-                                </p:cTn>
-                              </p:par>
-                            </p:childTnLst>
-                          </p:cTn>
-                        </p:par>
-                      </p:childTnLst>
-                    </p:cTn>
-                  </p:par>
-                  <p:par>
-                    <p:cTn id="11" fill="hold">
-                      <p:stCondLst>
-                        <p:cond delay="indefinite"/>
-                      </p:stCondLst>
-                      <p:childTnLst>
-                        <p:par>
-                          <p:cTn id="12" fill="hold">
-                            <p:stCondLst>
-                              <p:cond delay="0"/>
-                            </p:stCondLst>
-                            <p:childTnLst>
-                              <p:par>
-                                <p:cTn id="13" presetID="1" presetClass="entr" presetSubtype="0" fill="hold" nodeType="clickEffect">
-                                  <p:stCondLst>
-                                    <p:cond delay="0"/>
-                                  </p:stCondLst>
-                                  <p:childTnLst>
-                                    <p:set>
-                                      <p:cBhvr>
-                                        <p:cTn id="14" dur="1" fill="hold">
-                                          <p:stCondLst>
-                                            <p:cond delay="0"/>
-                                          </p:stCondLst>
-                                        </p:cTn>
-                                        <p:tgtEl>
-                                          <p:spTgt spid="13"/>
-                                        </p:tgtEl>
-                                        <p:attrNameLst>
-                                          <p:attrName>style.visibility</p:attrName>
-                                        </p:attrNameLst>
-                                      </p:cBhvr>
-                                      <p:to>
-                                        <p:strVal val="visible"/>
-                                      </p:to>
-                                    </p:set>
-                                  </p:childTnLst>
-                                </p:cTn>
-                              </p:par>
-                            </p:childTnLst>
-                          </p:cTn>
-                        </p:par>
-                      </p:childTnLst>
-                    </p:cTn>
-                  </p:par>
-                </p:childTnLst>
-              </p:cTn>
-              <p:prevCondLst>
-                <p:cond evt="onPrev" delay="0">
-                  <p:tgtEl>
-                    <p:sldTgt/>
-                  </p:tgtEl>
-                </p:cond>
-              </p:prevCondLst>
-              <p:nextCondLst>
-                <p:cond evt="onNext" delay="0">
-                  <p:tgtEl>
-                    <p:sldTgt/>
-                  </p:tgtEl>
-                </p:cond>
-              </p:nextCondLst>
-            </p:seq>
-          </p:childTnLst>
-        </p:cTn>
-      </p:par>
-    </p:tnLst>
-    <p:bldLst>
-      <p:bldP spid="9" grpId="0" animBg="1"/>
-      <p:bldP spid="10" grpId="0" animBg="1"/>
-      <p:bldP spid="11" grpId="0" animBg="1"/>
-    </p:bldLst>
-  </p:timing>
 </p:sld>
 </file>
 
@@ -6389,10 +5149,409 @@
   <p:cSld>
     <p:spTree>
       <p:nvGrpSpPr>
+        <p:cNvPr id="1" name=""/>
+        <p:cNvGrpSpPr/>
+        <p:nvPr/>
+      </p:nvGrpSpPr>
+      <p:grpSpPr>
+        <a:xfrm>
+          <a:off x="0" y="0"/>
+          <a:ext cx="0" cy="0"/>
+          <a:chOff x="0" y="0"/>
+          <a:chExt cx="0" cy="0"/>
+        </a:xfrm>
+      </p:grpSpPr>
+      <p:sp>
+        <p:nvSpPr>
+          <p:cNvPr id="2" name="Titel 1">
+            <a:extLst>
+              <a:ext uri="{FF2B5EF4-FFF2-40B4-BE49-F238E27FC236}">
+                <a16:creationId xmlns:a16="http://schemas.microsoft.com/office/drawing/2014/main" id="{32CCE440-A4CB-26A7-5B3F-3F9D4B878A95}"/>
+              </a:ext>
+            </a:extLst>
+          </p:cNvPr>
+          <p:cNvSpPr>
+            <a:spLocks noGrp="1"/>
+          </p:cNvSpPr>
+          <p:nvPr>
+            <p:ph type="title"/>
+          </p:nvPr>
+        </p:nvSpPr>
+        <p:spPr/>
+        <p:txBody>
+          <a:bodyPr/>
+          <a:lstStyle/>
+          <a:p>
+            <a:r>
+              <a:rPr lang="de-DE" dirty="0"/>
+              <a:t>7. SOUPs/OTS</a:t>
+            </a:r>
+          </a:p>
+        </p:txBody>
+      </p:sp>
+      <p:sp>
+        <p:nvSpPr>
+          <p:cNvPr id="6" name="Inhaltsplatzhalter 5">
+            <a:extLst>
+              <a:ext uri="{FF2B5EF4-FFF2-40B4-BE49-F238E27FC236}">
+                <a16:creationId xmlns:a16="http://schemas.microsoft.com/office/drawing/2014/main" id="{AF37E05B-D1E7-D5BB-3AA4-0CBC94340331}"/>
+              </a:ext>
+            </a:extLst>
+          </p:cNvPr>
+          <p:cNvSpPr>
+            <a:spLocks noGrp="1"/>
+          </p:cNvSpPr>
+          <p:nvPr>
+            <p:ph sz="half" idx="1"/>
+          </p:nvPr>
+        </p:nvSpPr>
+        <p:spPr/>
+        <p:txBody>
+          <a:bodyPr>
+            <a:normAutofit lnSpcReduction="10000"/>
+          </a:bodyPr>
+          <a:lstStyle/>
+          <a:p>
+            <a:r>
+              <a:rPr lang="de-DE" dirty="0"/>
+              <a:t>Eingesetzte SOUPs:</a:t>
+            </a:r>
+          </a:p>
+          <a:p>
+            <a:pPr lvl="1"/>
+            <a:r>
+              <a:rPr lang="de-DE" dirty="0"/>
+              <a:t>Docker-Container für Hosting der Anwendung</a:t>
+            </a:r>
+          </a:p>
+          <a:p>
+            <a:r>
+              <a:rPr lang="de-DE" dirty="0"/>
+              <a:t>Bibliotheken: </a:t>
+            </a:r>
+          </a:p>
+          <a:p>
+            <a:pPr lvl="1"/>
+            <a:r>
+              <a:rPr lang="de-DE" dirty="0"/>
+              <a:t>[z. B. </a:t>
+            </a:r>
+            <a:r>
+              <a:rPr lang="de-DE" dirty="0" err="1"/>
+              <a:t>Newtonsoft.Json</a:t>
+            </a:r>
+            <a:r>
+              <a:rPr lang="de-DE" dirty="0"/>
+              <a:t>]</a:t>
+            </a:r>
+          </a:p>
+          <a:p>
+            <a:r>
+              <a:rPr lang="de-DE" dirty="0"/>
+              <a:t>Eingesetzte OTS:</a:t>
+            </a:r>
+          </a:p>
+          <a:p>
+            <a:pPr lvl="1"/>
+            <a:r>
+              <a:rPr lang="de-DE" dirty="0"/>
+              <a:t>.NET 5.0 Framework</a:t>
+            </a:r>
+          </a:p>
+        </p:txBody>
+      </p:sp>
+      <p:sp>
+        <p:nvSpPr>
+          <p:cNvPr id="7" name="Inhaltsplatzhalter 6">
+            <a:extLst>
+              <a:ext uri="{FF2B5EF4-FFF2-40B4-BE49-F238E27FC236}">
+                <a16:creationId xmlns:a16="http://schemas.microsoft.com/office/drawing/2014/main" id="{3BFD40B0-F7F1-F960-F8BC-73901AB54EC1}"/>
+              </a:ext>
+            </a:extLst>
+          </p:cNvPr>
+          <p:cNvSpPr>
+            <a:spLocks noGrp="1"/>
+          </p:cNvSpPr>
+          <p:nvPr>
+            <p:ph sz="half" idx="2"/>
+          </p:nvPr>
+        </p:nvSpPr>
+        <p:spPr/>
+        <p:txBody>
+          <a:bodyPr>
+            <a:normAutofit lnSpcReduction="10000"/>
+          </a:bodyPr>
+          <a:lstStyle/>
+          <a:p>
+            <a:r>
+              <a:rPr lang="de-DE" dirty="0"/>
+              <a:t>SQLite-Datenbank</a:t>
+            </a:r>
+          </a:p>
+          <a:p>
+            <a:r>
+              <a:rPr lang="de-DE" dirty="0"/>
+              <a:t>Visual Studio IDE</a:t>
+            </a:r>
+          </a:p>
+          <a:p>
+            <a:r>
+              <a:rPr lang="de-DE" dirty="0"/>
+              <a:t>Maßnahmen zur Validierung und Sicherstellung:</a:t>
+            </a:r>
+          </a:p>
+          <a:p>
+            <a:pPr lvl="1"/>
+            <a:r>
+              <a:rPr lang="de-DE" dirty="0"/>
+              <a:t>Security-Scans, regelmäßige Updates</a:t>
+            </a:r>
+          </a:p>
+        </p:txBody>
+      </p:sp>
+      <p:sp>
+        <p:nvSpPr>
+          <p:cNvPr id="4" name="Datumsplatzhalter 3">
+            <a:extLst>
+              <a:ext uri="{FF2B5EF4-FFF2-40B4-BE49-F238E27FC236}">
+                <a16:creationId xmlns:a16="http://schemas.microsoft.com/office/drawing/2014/main" id="{02CC40AD-91C3-625D-A10C-F9A7627732C1}"/>
+              </a:ext>
+            </a:extLst>
+          </p:cNvPr>
+          <p:cNvSpPr>
+            <a:spLocks noGrp="1"/>
+          </p:cNvSpPr>
+          <p:nvPr>
+            <p:ph type="dt" sz="half" idx="10"/>
+          </p:nvPr>
+        </p:nvSpPr>
+        <p:spPr/>
+        <p:txBody>
+          <a:bodyPr/>
+          <a:lstStyle/>
+          <a:p>
+            <a:fld id="{42B45B56-1D88-4042-8DF0-EB6B41B710D3}" type="datetime1">
+              <a:rPr lang="de-DE" smtClean="0"/>
+              <a:t>05.12.2024</a:t>
+            </a:fld>
+            <a:endParaRPr lang="en-US"/>
+          </a:p>
+        </p:txBody>
+      </p:sp>
+      <p:sp>
+        <p:nvSpPr>
+          <p:cNvPr id="5" name="Foliennummernplatzhalter 4">
+            <a:extLst>
+              <a:ext uri="{FF2B5EF4-FFF2-40B4-BE49-F238E27FC236}">
+                <a16:creationId xmlns:a16="http://schemas.microsoft.com/office/drawing/2014/main" id="{C09C3547-5BE9-9D3D-0D06-22EA64B7A6ED}"/>
+              </a:ext>
+            </a:extLst>
+          </p:cNvPr>
+          <p:cNvSpPr>
+            <a:spLocks noGrp="1"/>
+          </p:cNvSpPr>
+          <p:nvPr>
+            <p:ph type="sldNum" sz="quarter" idx="12"/>
+          </p:nvPr>
+        </p:nvSpPr>
+        <p:spPr/>
+        <p:txBody>
+          <a:bodyPr/>
+          <a:lstStyle/>
+          <a:p>
+            <a:fld id="{07CE569E-9B7C-4CB9-AB80-C0841F922CFF}" type="slidenum">
+              <a:rPr lang="en-US" smtClean="0"/>
+              <a:t>11</a:t>
+            </a:fld>
+            <a:endParaRPr lang="en-US"/>
+          </a:p>
+        </p:txBody>
+      </p:sp>
+    </p:spTree>
+    <p:extLst>
+      <p:ext uri="{BB962C8B-B14F-4D97-AF65-F5344CB8AC3E}">
+        <p14:creationId xmlns:p14="http://schemas.microsoft.com/office/powerpoint/2010/main" val="3169394714"/>
+      </p:ext>
+    </p:extLst>
+  </p:cSld>
+  <p:clrMapOvr>
+    <a:masterClrMapping/>
+  </p:clrMapOvr>
+</p:sld>
+</file>
+
+<file path=ppt/slides/slide12.xml><?xml version="1.0" encoding="utf-8"?>
+<p:sld xmlns:a="http://schemas.openxmlformats.org/drawingml/2006/main" xmlns:r="http://schemas.openxmlformats.org/officeDocument/2006/relationships" xmlns:p="http://schemas.openxmlformats.org/presentationml/2006/main">
+  <p:cSld>
+    <p:spTree>
+      <p:nvGrpSpPr>
+        <p:cNvPr id="1" name=""/>
+        <p:cNvGrpSpPr/>
+        <p:nvPr/>
+      </p:nvGrpSpPr>
+      <p:grpSpPr>
+        <a:xfrm>
+          <a:off x="0" y="0"/>
+          <a:ext cx="0" cy="0"/>
+          <a:chOff x="0" y="0"/>
+          <a:chExt cx="0" cy="0"/>
+        </a:xfrm>
+      </p:grpSpPr>
+      <p:sp>
+        <p:nvSpPr>
+          <p:cNvPr id="2" name="Titel 1">
+            <a:extLst>
+              <a:ext uri="{FF2B5EF4-FFF2-40B4-BE49-F238E27FC236}">
+                <a16:creationId xmlns:a16="http://schemas.microsoft.com/office/drawing/2014/main" id="{05F31F6E-2F65-7A93-DF0B-917ABC029378}"/>
+              </a:ext>
+            </a:extLst>
+          </p:cNvPr>
+          <p:cNvSpPr>
+            <a:spLocks noGrp="1"/>
+          </p:cNvSpPr>
+          <p:nvPr>
+            <p:ph type="title"/>
+          </p:nvPr>
+        </p:nvSpPr>
+        <p:spPr/>
+        <p:txBody>
+          <a:bodyPr/>
+          <a:lstStyle/>
+          <a:p>
+            <a:endParaRPr lang="de-DE"/>
+          </a:p>
+        </p:txBody>
+      </p:sp>
+      <p:sp>
+        <p:nvSpPr>
+          <p:cNvPr id="3" name="Inhaltsplatzhalter 2">
+            <a:extLst>
+              <a:ext uri="{FF2B5EF4-FFF2-40B4-BE49-F238E27FC236}">
+                <a16:creationId xmlns:a16="http://schemas.microsoft.com/office/drawing/2014/main" id="{57D7586E-8549-8CEC-FF99-4F32F3A91E62}"/>
+              </a:ext>
+            </a:extLst>
+          </p:cNvPr>
+          <p:cNvSpPr>
+            <a:spLocks noGrp="1"/>
+          </p:cNvSpPr>
+          <p:nvPr>
+            <p:ph sz="half" idx="1"/>
+          </p:nvPr>
+        </p:nvSpPr>
+        <p:spPr/>
+        <p:txBody>
+          <a:bodyPr/>
+          <a:lstStyle/>
+          <a:p>
+            <a:endParaRPr lang="de-DE"/>
+          </a:p>
+        </p:txBody>
+      </p:sp>
+      <p:sp>
+        <p:nvSpPr>
+          <p:cNvPr id="4" name="Inhaltsplatzhalter 3">
+            <a:extLst>
+              <a:ext uri="{FF2B5EF4-FFF2-40B4-BE49-F238E27FC236}">
+                <a16:creationId xmlns:a16="http://schemas.microsoft.com/office/drawing/2014/main" id="{B737EBE6-E269-7788-70A0-0FBAD540DD56}"/>
+              </a:ext>
+            </a:extLst>
+          </p:cNvPr>
+          <p:cNvSpPr>
+            <a:spLocks noGrp="1"/>
+          </p:cNvSpPr>
+          <p:nvPr>
+            <p:ph sz="half" idx="2"/>
+          </p:nvPr>
+        </p:nvSpPr>
+        <p:spPr/>
+        <p:txBody>
+          <a:bodyPr/>
+          <a:lstStyle/>
+          <a:p>
+            <a:endParaRPr lang="de-DE"/>
+          </a:p>
+        </p:txBody>
+      </p:sp>
+      <p:sp>
+        <p:nvSpPr>
+          <p:cNvPr id="5" name="Datumsplatzhalter 4">
+            <a:extLst>
+              <a:ext uri="{FF2B5EF4-FFF2-40B4-BE49-F238E27FC236}">
+                <a16:creationId xmlns:a16="http://schemas.microsoft.com/office/drawing/2014/main" id="{4D485582-CA74-5996-9B0D-1A4F88AB5AF0}"/>
+              </a:ext>
+            </a:extLst>
+          </p:cNvPr>
+          <p:cNvSpPr>
+            <a:spLocks noGrp="1"/>
+          </p:cNvSpPr>
+          <p:nvPr>
+            <p:ph type="dt" sz="half" idx="10"/>
+          </p:nvPr>
+        </p:nvSpPr>
+        <p:spPr/>
+        <p:txBody>
+          <a:bodyPr/>
+          <a:lstStyle/>
+          <a:p>
+            <a:fld id="{12AE7323-5CDD-4051-9975-1729D84443C7}" type="datetime1">
+              <a:rPr lang="de-DE" smtClean="0"/>
+              <a:t>05.12.2024</a:t>
+            </a:fld>
+            <a:endParaRPr lang="en-US"/>
+          </a:p>
+        </p:txBody>
+      </p:sp>
+      <p:sp>
+        <p:nvSpPr>
+          <p:cNvPr id="6" name="Foliennummernplatzhalter 5">
+            <a:extLst>
+              <a:ext uri="{FF2B5EF4-FFF2-40B4-BE49-F238E27FC236}">
+                <a16:creationId xmlns:a16="http://schemas.microsoft.com/office/drawing/2014/main" id="{EFEE860A-9D58-26A0-3548-E7CC6A6E9AEB}"/>
+              </a:ext>
+            </a:extLst>
+          </p:cNvPr>
+          <p:cNvSpPr>
+            <a:spLocks noGrp="1"/>
+          </p:cNvSpPr>
+          <p:nvPr>
+            <p:ph type="sldNum" sz="quarter" idx="12"/>
+          </p:nvPr>
+        </p:nvSpPr>
+        <p:spPr/>
+        <p:txBody>
+          <a:bodyPr/>
+          <a:lstStyle/>
+          <a:p>
+            <a:fld id="{07CE569E-9B7C-4CB9-AB80-C0841F922CFF}" type="slidenum">
+              <a:rPr lang="en-US" smtClean="0"/>
+              <a:t>12</a:t>
+            </a:fld>
+            <a:endParaRPr lang="en-US"/>
+          </a:p>
+        </p:txBody>
+      </p:sp>
+    </p:spTree>
+    <p:extLst>
+      <p:ext uri="{BB962C8B-B14F-4D97-AF65-F5344CB8AC3E}">
+        <p14:creationId xmlns:p14="http://schemas.microsoft.com/office/powerpoint/2010/main" val="3837604972"/>
+      </p:ext>
+    </p:extLst>
+  </p:cSld>
+  <p:clrMapOvr>
+    <a:masterClrMapping/>
+  </p:clrMapOvr>
+</p:sld>
+</file>
+
+<file path=ppt/slides/slide13.xml><?xml version="1.0" encoding="utf-8"?>
+<p:sld xmlns:a="http://schemas.openxmlformats.org/drawingml/2006/main" xmlns:r="http://schemas.openxmlformats.org/officeDocument/2006/relationships" xmlns:p="http://schemas.openxmlformats.org/presentationml/2006/main">
+  <p:cSld>
+    <p:spTree>
+      <p:nvGrpSpPr>
         <p:cNvPr id="1" name="">
           <a:extLst>
             <a:ext uri="{FF2B5EF4-FFF2-40B4-BE49-F238E27FC236}">
-              <a16:creationId xmlns:a16="http://schemas.microsoft.com/office/drawing/2014/main" id="{C5F9D20F-1259-1DD4-66CE-2CBDC00607BF}"/>
+              <a16:creationId xmlns:a16="http://schemas.microsoft.com/office/drawing/2014/main" id="{FAA7904C-22D5-E881-4D01-FB477DA71E5F}"/>
             </a:ext>
           </a:extLst>
         </p:cNvPr>
@@ -6412,7 +5571,7 @@
           <p:cNvPr id="2" name="Titel 1">
             <a:extLst>
               <a:ext uri="{FF2B5EF4-FFF2-40B4-BE49-F238E27FC236}">
-                <a16:creationId xmlns:a16="http://schemas.microsoft.com/office/drawing/2014/main" id="{F38F1474-9419-C444-A28A-E12FABF05F5B}"/>
+                <a16:creationId xmlns:a16="http://schemas.microsoft.com/office/drawing/2014/main" id="{3BB55E6B-CF2C-CEF3-FF48-47668B162BA5}"/>
               </a:ext>
             </a:extLst>
           </p:cNvPr>
@@ -6430,7 +5589,7 @@
           <a:p>
             <a:r>
               <a:rPr lang="de-DE" dirty="0"/>
-              <a:t>4. Detailplanung</a:t>
+              <a:t>4. Detailplanung (IST)</a:t>
             </a:r>
           </a:p>
         </p:txBody>
@@ -6440,7 +5599,7 @@
           <p:cNvPr id="4" name="Datumsplatzhalter 3">
             <a:extLst>
               <a:ext uri="{FF2B5EF4-FFF2-40B4-BE49-F238E27FC236}">
-                <a16:creationId xmlns:a16="http://schemas.microsoft.com/office/drawing/2014/main" id="{A61AD540-48A5-C28A-EAB3-FC9343A26E5E}"/>
+                <a16:creationId xmlns:a16="http://schemas.microsoft.com/office/drawing/2014/main" id="{27F8B146-19B8-D939-3B88-D8858768AA31}"/>
               </a:ext>
             </a:extLst>
           </p:cNvPr>
@@ -6456,11 +5615,77 @@
           <a:bodyPr/>
           <a:lstStyle/>
           <a:p>
+            <a:pPr marL="0" marR="0" lvl="0" indent="0" algn="r" defTabSz="914400" rtl="0" eaLnBrk="1" fontAlgn="auto" latinLnBrk="0" hangingPunct="1">
+              <a:lnSpc>
+                <a:spcPct val="100000"/>
+              </a:lnSpc>
+              <a:spcBef>
+                <a:spcPts val="0"/>
+              </a:spcBef>
+              <a:spcAft>
+                <a:spcPts val="0"/>
+              </a:spcAft>
+              <a:buClrTx/>
+              <a:buSzTx/>
+              <a:buFontTx/>
+              <a:buNone/>
+              <a:tabLst/>
+              <a:defRPr/>
+            </a:pPr>
             <a:fld id="{42B45B56-1D88-4042-8DF0-EB6B41B710D3}" type="datetime1">
-              <a:rPr lang="de-DE" smtClean="0"/>
+              <a:rPr kumimoji="0" lang="de-DE" sz="1200" b="0" i="0" u="none" strike="noStrike" kern="1200" cap="none" spc="0" normalizeH="0" baseline="0" noProof="0" smtClean="0">
+                <a:ln>
+                  <a:noFill/>
+                </a:ln>
+                <a:solidFill>
+                  <a:srgbClr val="FFFFFF">
+                    <a:tint val="75000"/>
+                    <a:alpha val="70000"/>
+                  </a:srgbClr>
+                </a:solidFill>
+                <a:effectLst/>
+                <a:uLnTx/>
+                <a:uFillTx/>
+                <a:latin typeface="Avenir Next LT Pro"/>
+                <a:ea typeface="+mn-ea"/>
+                <a:cs typeface="+mn-cs"/>
+              </a:rPr>
+              <a:pPr marL="0" marR="0" lvl="0" indent="0" algn="r" defTabSz="914400" rtl="0" eaLnBrk="1" fontAlgn="auto" latinLnBrk="0" hangingPunct="1">
+                <a:lnSpc>
+                  <a:spcPct val="100000"/>
+                </a:lnSpc>
+                <a:spcBef>
+                  <a:spcPts val="0"/>
+                </a:spcBef>
+                <a:spcAft>
+                  <a:spcPts val="0"/>
+                </a:spcAft>
+                <a:buClrTx/>
+                <a:buSzTx/>
+                <a:buFontTx/>
+                <a:buNone/>
+                <a:tabLst/>
+                <a:defRPr/>
+              </a:pPr>
               <a:t>05.12.2024</a:t>
             </a:fld>
-            <a:endParaRPr lang="en-US"/>
+            <a:endParaRPr kumimoji="0" lang="en-US" sz="1200" b="0" i="0" u="none" strike="noStrike" kern="1200" cap="none" spc="0" normalizeH="0" baseline="0" noProof="0">
+              <a:ln>
+                <a:noFill/>
+              </a:ln>
+              <a:solidFill>
+                <a:srgbClr val="FFFFFF">
+                  <a:tint val="75000"/>
+                  <a:alpha val="70000"/>
+                </a:srgbClr>
+              </a:solidFill>
+              <a:effectLst/>
+              <a:uLnTx/>
+              <a:uFillTx/>
+              <a:latin typeface="Avenir Next LT Pro"/>
+              <a:ea typeface="+mn-ea"/>
+              <a:cs typeface="+mn-cs"/>
+            </a:endParaRPr>
           </a:p>
         </p:txBody>
       </p:sp>
@@ -6469,7 +5694,7 @@
           <p:cNvPr id="5" name="Foliennummernplatzhalter 4">
             <a:extLst>
               <a:ext uri="{FF2B5EF4-FFF2-40B4-BE49-F238E27FC236}">
-                <a16:creationId xmlns:a16="http://schemas.microsoft.com/office/drawing/2014/main" id="{0FCCF7DF-8E4D-8D49-043D-1CEC9B567358}"/>
+                <a16:creationId xmlns:a16="http://schemas.microsoft.com/office/drawing/2014/main" id="{574F4C5D-53C4-AF6F-8676-A07AF5A9C890}"/>
               </a:ext>
             </a:extLst>
           </p:cNvPr>
@@ -6485,11 +5710,77 @@
           <a:bodyPr/>
           <a:lstStyle/>
           <a:p>
+            <a:pPr marL="0" marR="0" lvl="0" indent="0" algn="r" defTabSz="914400" rtl="0" eaLnBrk="1" fontAlgn="auto" latinLnBrk="0" hangingPunct="1">
+              <a:lnSpc>
+                <a:spcPct val="100000"/>
+              </a:lnSpc>
+              <a:spcBef>
+                <a:spcPts val="0"/>
+              </a:spcBef>
+              <a:spcAft>
+                <a:spcPts val="0"/>
+              </a:spcAft>
+              <a:buClrTx/>
+              <a:buSzTx/>
+              <a:buFontTx/>
+              <a:buNone/>
+              <a:tabLst/>
+              <a:defRPr/>
+            </a:pPr>
             <a:fld id="{07CE569E-9B7C-4CB9-AB80-C0841F922CFF}" type="slidenum">
-              <a:rPr lang="en-US" smtClean="0"/>
-              <a:t>11</a:t>
+              <a:rPr kumimoji="0" lang="en-US" sz="1200" b="0" i="0" u="none" strike="noStrike" kern="1200" cap="none" spc="0" normalizeH="0" baseline="0" noProof="0" smtClean="0">
+                <a:ln>
+                  <a:noFill/>
+                </a:ln>
+                <a:solidFill>
+                  <a:srgbClr val="FFFFFF">
+                    <a:tint val="75000"/>
+                    <a:alpha val="70000"/>
+                  </a:srgbClr>
+                </a:solidFill>
+                <a:effectLst/>
+                <a:uLnTx/>
+                <a:uFillTx/>
+                <a:latin typeface="Avenir Next LT Pro"/>
+                <a:ea typeface="+mn-ea"/>
+                <a:cs typeface="+mn-cs"/>
+              </a:rPr>
+              <a:pPr marL="0" marR="0" lvl="0" indent="0" algn="r" defTabSz="914400" rtl="0" eaLnBrk="1" fontAlgn="auto" latinLnBrk="0" hangingPunct="1">
+                <a:lnSpc>
+                  <a:spcPct val="100000"/>
+                </a:lnSpc>
+                <a:spcBef>
+                  <a:spcPts val="0"/>
+                </a:spcBef>
+                <a:spcAft>
+                  <a:spcPts val="0"/>
+                </a:spcAft>
+                <a:buClrTx/>
+                <a:buSzTx/>
+                <a:buFontTx/>
+                <a:buNone/>
+                <a:tabLst/>
+                <a:defRPr/>
+              </a:pPr>
+              <a:t>13</a:t>
             </a:fld>
-            <a:endParaRPr lang="en-US"/>
+            <a:endParaRPr kumimoji="0" lang="en-US" sz="1200" b="0" i="0" u="none" strike="noStrike" kern="1200" cap="none" spc="0" normalizeH="0" baseline="0" noProof="0">
+              <a:ln>
+                <a:noFill/>
+              </a:ln>
+              <a:solidFill>
+                <a:srgbClr val="FFFFFF">
+                  <a:tint val="75000"/>
+                  <a:alpha val="70000"/>
+                </a:srgbClr>
+              </a:solidFill>
+              <a:effectLst/>
+              <a:uLnTx/>
+              <a:uFillTx/>
+              <a:latin typeface="Avenir Next LT Pro"/>
+              <a:ea typeface="+mn-ea"/>
+              <a:cs typeface="+mn-cs"/>
+            </a:endParaRPr>
           </a:p>
         </p:txBody>
       </p:sp>
@@ -6498,7 +5789,7 @@
           <p:cNvPr id="3" name="Inhaltsplatzhalter 2">
             <a:extLst>
               <a:ext uri="{FF2B5EF4-FFF2-40B4-BE49-F238E27FC236}">
-                <a16:creationId xmlns:a16="http://schemas.microsoft.com/office/drawing/2014/main" id="{FAC168E6-FD48-9C86-CD4E-55F23F4D96A5}"/>
+                <a16:creationId xmlns:a16="http://schemas.microsoft.com/office/drawing/2014/main" id="{5F2698D9-4327-57B7-2C1D-6CF407017E47}"/>
               </a:ext>
             </a:extLst>
           </p:cNvPr>
@@ -6509,7 +5800,7 @@
             <p:ph idx="1"/>
             <p:extLst>
               <p:ext uri="{D42A27DB-BD31-4B8C-83A1-F6EECF244321}">
-                <p14:modId xmlns:p14="http://schemas.microsoft.com/office/powerpoint/2010/main" val="2690394352"/>
+                <p14:modId xmlns:p14="http://schemas.microsoft.com/office/powerpoint/2010/main" val="1752711689"/>
               </p:ext>
             </p:extLst>
           </p:nvPr>
@@ -6652,14 +5943,22 @@
                     <a:lstStyle/>
                     <a:p>
                       <a:r>
-                        <a:rPr lang="en-US" sz="1400"/>
-                        <a:t>18</a:t>
+                        <a:rPr lang="en-US" sz="1400" dirty="0"/>
+                        <a:t>14</a:t>
                       </a:r>
                     </a:p>
                     <a:p>
                       <a:r>
-                        <a:rPr lang="en-US" sz="1050"/>
-                        <a:t>(6h Vorbereitung des Sprint)</a:t>
+                        <a:rPr lang="en-US" sz="1050" dirty="0"/>
+                        <a:t>(6h </a:t>
+                      </a:r>
+                      <a:r>
+                        <a:rPr lang="en-US" sz="1050" dirty="0" err="1"/>
+                        <a:t>Vorbereitung</a:t>
+                      </a:r>
+                      <a:r>
+                        <a:rPr lang="en-US" sz="1050" dirty="0"/>
+                        <a:t> des Sprint)</a:t>
                       </a:r>
                       <a:endParaRPr lang="de-DE" sz="1050" dirty="0"/>
                     </a:p>
@@ -6735,7 +6034,7 @@
                     <a:lstStyle/>
                     <a:p>
                       <a:r>
-                        <a:rPr lang="en-US" sz="1400" kern="1200">
+                        <a:rPr lang="en-US" sz="1400" kern="1200" dirty="0">
                           <a:solidFill>
                             <a:schemeClr val="dk1"/>
                           </a:solidFill>
@@ -6840,7 +6139,7 @@
                     <a:lstStyle/>
                     <a:p>
                       <a:r>
-                        <a:rPr lang="en-US" sz="1400"/>
+                        <a:rPr lang="en-US" sz="1400" dirty="0"/>
                         <a:t>8</a:t>
                       </a:r>
                       <a:endParaRPr lang="de-DE" sz="1400" dirty="0"/>
@@ -6919,7 +6218,7 @@
                     <a:lstStyle/>
                     <a:p>
                       <a:r>
-                        <a:rPr lang="en-US" sz="1400"/>
+                        <a:rPr lang="en-US" sz="1400" dirty="0"/>
                         <a:t>1,5</a:t>
                       </a:r>
                       <a:endParaRPr lang="de-DE" sz="1400" dirty="0"/>
@@ -6981,7 +6280,7 @@
                     <a:lstStyle/>
                     <a:p>
                       <a:r>
-                        <a:rPr lang="en-US" sz="1400"/>
+                        <a:rPr lang="en-US" sz="1400" dirty="0"/>
                         <a:t>4</a:t>
                       </a:r>
                       <a:endParaRPr lang="de-DE" sz="1400" dirty="0"/>
@@ -7050,8 +6349,8 @@
                     <a:lstStyle/>
                     <a:p>
                       <a:r>
-                        <a:rPr lang="en-US" sz="1400"/>
-                        <a:t>12</a:t>
+                        <a:rPr lang="en-US" sz="1400" dirty="0"/>
+                        <a:t>4</a:t>
                       </a:r>
                       <a:endParaRPr lang="de-DE" sz="1400" dirty="0"/>
                     </a:p>
@@ -7145,7 +6444,7 @@
                     <a:p>
                       <a:r>
                         <a:rPr lang="en-US" sz="1400" dirty="0"/>
-                        <a:t>3</a:t>
+                        <a:t>0,5</a:t>
                       </a:r>
                       <a:endParaRPr lang="de-DE" sz="1400" dirty="0"/>
                     </a:p>
@@ -7181,7 +6480,7 @@
           <p:cNvPr id="7" name="Grafik 6">
             <a:extLst>
               <a:ext uri="{FF2B5EF4-FFF2-40B4-BE49-F238E27FC236}">
-                <a16:creationId xmlns:a16="http://schemas.microsoft.com/office/drawing/2014/main" id="{F447DF4A-5353-B320-B18E-CE9C17911E47}"/>
+                <a16:creationId xmlns:a16="http://schemas.microsoft.com/office/drawing/2014/main" id="{B19F4647-42D3-96AA-571E-B5F63F9ABC18}"/>
               </a:ext>
             </a:extLst>
           </p:cNvPr>
@@ -7211,7 +6510,7 @@
           <p:cNvPr id="12" name="Textfeld 11">
             <a:extLst>
               <a:ext uri="{FF2B5EF4-FFF2-40B4-BE49-F238E27FC236}">
-                <a16:creationId xmlns:a16="http://schemas.microsoft.com/office/drawing/2014/main" id="{6C748691-0350-4F12-29B1-58781F9859C7}"/>
+                <a16:creationId xmlns:a16="http://schemas.microsoft.com/office/drawing/2014/main" id="{71644E0E-780A-3A6B-636B-4E077AB50B8C}"/>
               </a:ext>
             </a:extLst>
           </p:cNvPr>
@@ -7234,18 +6533,53 @@
           </a:bodyPr>
           <a:lstStyle/>
           <a:p>
-            <a:r>
-              <a:rPr lang="en-US" dirty="0">
+            <a:pPr marL="0" marR="0" lvl="0" indent="0" algn="l" defTabSz="914400" rtl="0" eaLnBrk="1" fontAlgn="auto" latinLnBrk="0" hangingPunct="1">
+              <a:lnSpc>
+                <a:spcPct val="100000"/>
+              </a:lnSpc>
+              <a:spcBef>
+                <a:spcPts val="0"/>
+              </a:spcBef>
+              <a:spcAft>
+                <a:spcPts val="0"/>
+              </a:spcAft>
+              <a:buClrTx/>
+              <a:buSzTx/>
+              <a:buFontTx/>
+              <a:buNone/>
+              <a:tabLst/>
+              <a:defRPr/>
+            </a:pPr>
+            <a:r>
+              <a:rPr kumimoji="0" lang="en-US" sz="1800" b="0" i="0" u="none" strike="noStrike" kern="1200" cap="none" spc="0" normalizeH="0" baseline="0" noProof="0" dirty="0">
+                <a:ln>
+                  <a:noFill/>
+                </a:ln>
                 <a:solidFill>
-                  <a:schemeClr val="bg1"/>
+                  <a:srgbClr val="000000"/>
                 </a:solidFill>
+                <a:effectLst/>
+                <a:uLnTx/>
+                <a:uFillTx/>
+                <a:latin typeface="Avenir Next LT Pro"/>
+                <a:ea typeface="+mn-ea"/>
+                <a:cs typeface="+mn-cs"/>
               </a:rPr>
-              <a:t>48,5</a:t>
-            </a:r>
-            <a:endParaRPr lang="de-DE" dirty="0">
+              <a:t>34</a:t>
+            </a:r>
+            <a:endParaRPr kumimoji="0" lang="de-DE" sz="1800" b="0" i="0" u="none" strike="noStrike" kern="1200" cap="none" spc="0" normalizeH="0" baseline="0" noProof="0" dirty="0">
+              <a:ln>
+                <a:noFill/>
+              </a:ln>
               <a:solidFill>
-                <a:schemeClr val="bg1"/>
+                <a:srgbClr val="000000"/>
               </a:solidFill>
+              <a:effectLst/>
+              <a:uLnTx/>
+              <a:uFillTx/>
+              <a:latin typeface="Avenir Next LT Pro"/>
+              <a:ea typeface="+mn-ea"/>
+              <a:cs typeface="+mn-cs"/>
             </a:endParaRPr>
           </a:p>
         </p:txBody>
@@ -7253,7 +6587,7 @@
     </p:spTree>
     <p:extLst>
       <p:ext uri="{BB962C8B-B14F-4D97-AF65-F5344CB8AC3E}">
-        <p14:creationId xmlns:p14="http://schemas.microsoft.com/office/powerpoint/2010/main" val="2023827376"/>
+        <p14:creationId xmlns:p14="http://schemas.microsoft.com/office/powerpoint/2010/main" val="1079743533"/>
       </p:ext>
     </p:extLst>
   </p:cSld>
@@ -7263,7 +6597,565 @@
 </p:sld>
 </file>
 
-<file path=ppt/slides/slide12.xml><?xml version="1.0" encoding="utf-8"?>
+<file path=ppt/slides/slide2.xml><?xml version="1.0" encoding="utf-8"?>
+<p:sld xmlns:a="http://schemas.openxmlformats.org/drawingml/2006/main" xmlns:r="http://schemas.openxmlformats.org/officeDocument/2006/relationships" xmlns:p="http://schemas.openxmlformats.org/presentationml/2006/main">
+  <p:cSld>
+    <p:spTree>
+      <p:nvGrpSpPr>
+        <p:cNvPr id="1" name=""/>
+        <p:cNvGrpSpPr/>
+        <p:nvPr/>
+      </p:nvGrpSpPr>
+      <p:grpSpPr>
+        <a:xfrm>
+          <a:off x="0" y="0"/>
+          <a:ext cx="0" cy="0"/>
+          <a:chOff x="0" y="0"/>
+          <a:chExt cx="0" cy="0"/>
+        </a:xfrm>
+      </p:grpSpPr>
+      <p:sp>
+        <p:nvSpPr>
+          <p:cNvPr id="11" name="Titel 10">
+            <a:extLst>
+              <a:ext uri="{FF2B5EF4-FFF2-40B4-BE49-F238E27FC236}">
+                <a16:creationId xmlns:a16="http://schemas.microsoft.com/office/drawing/2014/main" id="{1118431B-1496-0A82-1676-FAA6A30588CC}"/>
+              </a:ext>
+            </a:extLst>
+          </p:cNvPr>
+          <p:cNvSpPr>
+            <a:spLocks noGrp="1"/>
+          </p:cNvSpPr>
+          <p:nvPr>
+            <p:ph type="title"/>
+          </p:nvPr>
+        </p:nvSpPr>
+        <p:spPr/>
+        <p:txBody>
+          <a:bodyPr/>
+          <a:lstStyle/>
+          <a:p>
+            <a:r>
+              <a:rPr lang="de-DE" dirty="0"/>
+              <a:t>INHALTSVERZEICHNIS</a:t>
+            </a:r>
+          </a:p>
+        </p:txBody>
+      </p:sp>
+      <p:sp>
+        <p:nvSpPr>
+          <p:cNvPr id="12" name="Inhaltsplatzhalter 11">
+            <a:extLst>
+              <a:ext uri="{FF2B5EF4-FFF2-40B4-BE49-F238E27FC236}">
+                <a16:creationId xmlns:a16="http://schemas.microsoft.com/office/drawing/2014/main" id="{DFE3170E-AE62-0144-BDDB-D9C60B4C7C94}"/>
+              </a:ext>
+            </a:extLst>
+          </p:cNvPr>
+          <p:cNvSpPr>
+            <a:spLocks noGrp="1"/>
+          </p:cNvSpPr>
+          <p:nvPr>
+            <p:ph idx="1"/>
+          </p:nvPr>
+        </p:nvSpPr>
+        <p:spPr/>
+        <p:txBody>
+          <a:bodyPr>
+            <a:normAutofit fontScale="70000" lnSpcReduction="20000"/>
+          </a:bodyPr>
+          <a:lstStyle/>
+          <a:p>
+            <a:pPr marL="514350" indent="-514350">
+              <a:buFont typeface="+mj-lt"/>
+              <a:buAutoNum type="arabicPeriod"/>
+            </a:pPr>
+            <a:r>
+              <a:rPr lang="de-DE" dirty="0"/>
+              <a:t>Gesamtplan für das Projekt</a:t>
+            </a:r>
+          </a:p>
+          <a:p>
+            <a:pPr marL="514350" indent="-514350">
+              <a:buFont typeface="+mj-lt"/>
+              <a:buAutoNum type="arabicPeriod"/>
+            </a:pPr>
+            <a:r>
+              <a:rPr lang="de-DE" dirty="0"/>
+              <a:t>Tätigkeiten des vergangenen Zeitraums</a:t>
+            </a:r>
+          </a:p>
+          <a:p>
+            <a:pPr marL="514350" indent="-514350">
+              <a:buFont typeface="+mj-lt"/>
+              <a:buAutoNum type="arabicPeriod"/>
+            </a:pPr>
+            <a:r>
+              <a:rPr lang="de-DE" dirty="0"/>
+              <a:t>Produktzwischenstand</a:t>
+            </a:r>
+          </a:p>
+          <a:p>
+            <a:pPr marL="514350" indent="-514350">
+              <a:buFont typeface="+mj-lt"/>
+              <a:buAutoNum type="arabicPeriod"/>
+            </a:pPr>
+            <a:r>
+              <a:rPr lang="de-DE" dirty="0"/>
+              <a:t>Detailplanung</a:t>
+            </a:r>
+          </a:p>
+          <a:p>
+            <a:pPr marL="514350" indent="-514350">
+              <a:buFont typeface="+mj-lt"/>
+              <a:buAutoNum type="arabicPeriod"/>
+            </a:pPr>
+            <a:r>
+              <a:rPr lang="de-DE" dirty="0"/>
+              <a:t>Ausblick auf den folgenden Sprint</a:t>
+            </a:r>
+          </a:p>
+          <a:p>
+            <a:pPr marL="514350" indent="-514350">
+              <a:buFont typeface="+mj-lt"/>
+              <a:buAutoNum type="arabicPeriod"/>
+            </a:pPr>
+            <a:r>
+              <a:rPr lang="de-DE" dirty="0"/>
+              <a:t>Software-Tools</a:t>
+            </a:r>
+          </a:p>
+          <a:p>
+            <a:pPr marL="514350" indent="-514350">
+              <a:buFont typeface="+mj-lt"/>
+              <a:buAutoNum type="arabicPeriod"/>
+            </a:pPr>
+            <a:r>
+              <a:rPr lang="de-DE" dirty="0"/>
+              <a:t>SOUPs/OTS</a:t>
+            </a:r>
+          </a:p>
+        </p:txBody>
+      </p:sp>
+      <p:sp>
+        <p:nvSpPr>
+          <p:cNvPr id="16" name="Datumsplatzhalter 15">
+            <a:extLst>
+              <a:ext uri="{FF2B5EF4-FFF2-40B4-BE49-F238E27FC236}">
+                <a16:creationId xmlns:a16="http://schemas.microsoft.com/office/drawing/2014/main" id="{1D85867B-85E2-65F9-23F4-3499A505A0CD}"/>
+              </a:ext>
+            </a:extLst>
+          </p:cNvPr>
+          <p:cNvSpPr>
+            <a:spLocks noGrp="1"/>
+          </p:cNvSpPr>
+          <p:nvPr>
+            <p:ph type="dt" sz="half" idx="10"/>
+          </p:nvPr>
+        </p:nvSpPr>
+        <p:spPr/>
+        <p:txBody>
+          <a:bodyPr/>
+          <a:lstStyle/>
+          <a:p>
+            <a:fld id="{AE5E781B-AB27-45A9-B2F3-7F70593BE83B}" type="datetime1">
+              <a:rPr lang="de-DE" smtClean="0"/>
+              <a:t>05.12.2024</a:t>
+            </a:fld>
+            <a:endParaRPr lang="en-US"/>
+          </a:p>
+        </p:txBody>
+      </p:sp>
+      <p:sp>
+        <p:nvSpPr>
+          <p:cNvPr id="17" name="Foliennummernplatzhalter 16">
+            <a:extLst>
+              <a:ext uri="{FF2B5EF4-FFF2-40B4-BE49-F238E27FC236}">
+                <a16:creationId xmlns:a16="http://schemas.microsoft.com/office/drawing/2014/main" id="{E760C18F-75BC-9CF5-53D0-7B2D9937E501}"/>
+              </a:ext>
+            </a:extLst>
+          </p:cNvPr>
+          <p:cNvSpPr>
+            <a:spLocks noGrp="1"/>
+          </p:cNvSpPr>
+          <p:nvPr>
+            <p:ph type="sldNum" sz="quarter" idx="12"/>
+          </p:nvPr>
+        </p:nvSpPr>
+        <p:spPr/>
+        <p:txBody>
+          <a:bodyPr/>
+          <a:lstStyle/>
+          <a:p>
+            <a:fld id="{07CE569E-9B7C-4CB9-AB80-C0841F922CFF}" type="slidenum">
+              <a:rPr lang="en-US" smtClean="0"/>
+              <a:t>2</a:t>
+            </a:fld>
+            <a:endParaRPr lang="en-US"/>
+          </a:p>
+        </p:txBody>
+      </p:sp>
+    </p:spTree>
+    <p:extLst>
+      <p:ext uri="{BB962C8B-B14F-4D97-AF65-F5344CB8AC3E}">
+        <p14:creationId xmlns:p14="http://schemas.microsoft.com/office/powerpoint/2010/main" val="1411604025"/>
+      </p:ext>
+    </p:extLst>
+  </p:cSld>
+  <p:clrMapOvr>
+    <a:masterClrMapping/>
+  </p:clrMapOvr>
+</p:sld>
+</file>
+
+<file path=ppt/slides/slide3.xml><?xml version="1.0" encoding="utf-8"?>
+<p:sld xmlns:a="http://schemas.openxmlformats.org/drawingml/2006/main" xmlns:r="http://schemas.openxmlformats.org/officeDocument/2006/relationships" xmlns:p="http://schemas.openxmlformats.org/presentationml/2006/main">
+  <p:cSld>
+    <p:spTree>
+      <p:nvGrpSpPr>
+        <p:cNvPr id="1" name=""/>
+        <p:cNvGrpSpPr/>
+        <p:nvPr/>
+      </p:nvGrpSpPr>
+      <p:grpSpPr>
+        <a:xfrm>
+          <a:off x="0" y="0"/>
+          <a:ext cx="0" cy="0"/>
+          <a:chOff x="0" y="0"/>
+          <a:chExt cx="0" cy="0"/>
+        </a:xfrm>
+      </p:grpSpPr>
+      <p:sp>
+        <p:nvSpPr>
+          <p:cNvPr id="2" name="Titel 1">
+            <a:extLst>
+              <a:ext uri="{FF2B5EF4-FFF2-40B4-BE49-F238E27FC236}">
+                <a16:creationId xmlns:a16="http://schemas.microsoft.com/office/drawing/2014/main" id="{7A1E5C4A-B8F4-CC1A-1D51-FB926F9311D4}"/>
+              </a:ext>
+            </a:extLst>
+          </p:cNvPr>
+          <p:cNvSpPr>
+            <a:spLocks noGrp="1"/>
+          </p:cNvSpPr>
+          <p:nvPr>
+            <p:ph type="title"/>
+          </p:nvPr>
+        </p:nvSpPr>
+        <p:spPr/>
+        <p:txBody>
+          <a:bodyPr/>
+          <a:lstStyle/>
+          <a:p>
+            <a:r>
+              <a:rPr lang="de-DE" dirty="0"/>
+              <a:t>1. Gesamtplan für das Projekt</a:t>
+            </a:r>
+          </a:p>
+        </p:txBody>
+      </p:sp>
+      <p:sp>
+        <p:nvSpPr>
+          <p:cNvPr id="3" name="Inhaltsplatzhalter 2">
+            <a:extLst>
+              <a:ext uri="{FF2B5EF4-FFF2-40B4-BE49-F238E27FC236}">
+                <a16:creationId xmlns:a16="http://schemas.microsoft.com/office/drawing/2014/main" id="{D9A704B0-0149-83C2-11CE-84528B87054D}"/>
+              </a:ext>
+            </a:extLst>
+          </p:cNvPr>
+          <p:cNvSpPr>
+            <a:spLocks noGrp="1"/>
+          </p:cNvSpPr>
+          <p:nvPr>
+            <p:ph idx="1"/>
+          </p:nvPr>
+        </p:nvSpPr>
+        <p:spPr/>
+        <p:txBody>
+          <a:bodyPr/>
+          <a:lstStyle/>
+          <a:p>
+            <a:endParaRPr lang="de-DE" dirty="0"/>
+          </a:p>
+        </p:txBody>
+      </p:sp>
+      <p:sp>
+        <p:nvSpPr>
+          <p:cNvPr id="4" name="Datumsplatzhalter 3">
+            <a:extLst>
+              <a:ext uri="{FF2B5EF4-FFF2-40B4-BE49-F238E27FC236}">
+                <a16:creationId xmlns:a16="http://schemas.microsoft.com/office/drawing/2014/main" id="{EA337988-C3D3-59BD-7CB5-176C2C33D8CC}"/>
+              </a:ext>
+            </a:extLst>
+          </p:cNvPr>
+          <p:cNvSpPr>
+            <a:spLocks noGrp="1"/>
+          </p:cNvSpPr>
+          <p:nvPr>
+            <p:ph type="dt" sz="half" idx="10"/>
+          </p:nvPr>
+        </p:nvSpPr>
+        <p:spPr/>
+        <p:txBody>
+          <a:bodyPr/>
+          <a:lstStyle/>
+          <a:p>
+            <a:fld id="{42B45B56-1D88-4042-8DF0-EB6B41B710D3}" type="datetime1">
+              <a:rPr lang="de-DE" smtClean="0"/>
+              <a:t>05.12.2024</a:t>
+            </a:fld>
+            <a:endParaRPr lang="en-US"/>
+          </a:p>
+        </p:txBody>
+      </p:sp>
+      <p:sp>
+        <p:nvSpPr>
+          <p:cNvPr id="5" name="Foliennummernplatzhalter 4">
+            <a:extLst>
+              <a:ext uri="{FF2B5EF4-FFF2-40B4-BE49-F238E27FC236}">
+                <a16:creationId xmlns:a16="http://schemas.microsoft.com/office/drawing/2014/main" id="{84A53A1D-72CF-5467-B5BB-A94671AD93C3}"/>
+              </a:ext>
+            </a:extLst>
+          </p:cNvPr>
+          <p:cNvSpPr>
+            <a:spLocks noGrp="1"/>
+          </p:cNvSpPr>
+          <p:nvPr>
+            <p:ph type="sldNum" sz="quarter" idx="12"/>
+          </p:nvPr>
+        </p:nvSpPr>
+        <p:spPr/>
+        <p:txBody>
+          <a:bodyPr/>
+          <a:lstStyle/>
+          <a:p>
+            <a:fld id="{07CE569E-9B7C-4CB9-AB80-C0841F922CFF}" type="slidenum">
+              <a:rPr lang="en-US" smtClean="0"/>
+              <a:t>3</a:t>
+            </a:fld>
+            <a:endParaRPr lang="en-US"/>
+          </a:p>
+        </p:txBody>
+      </p:sp>
+    </p:spTree>
+    <p:extLst>
+      <p:ext uri="{BB962C8B-B14F-4D97-AF65-F5344CB8AC3E}">
+        <p14:creationId xmlns:p14="http://schemas.microsoft.com/office/powerpoint/2010/main" val="1795399291"/>
+      </p:ext>
+    </p:extLst>
+  </p:cSld>
+  <p:clrMapOvr>
+    <a:masterClrMapping/>
+  </p:clrMapOvr>
+</p:sld>
+</file>
+
+<file path=ppt/slides/slide4.xml><?xml version="1.0" encoding="utf-8"?>
+<p:sld xmlns:a="http://schemas.openxmlformats.org/drawingml/2006/main" xmlns:r="http://schemas.openxmlformats.org/officeDocument/2006/relationships" xmlns:p="http://schemas.openxmlformats.org/presentationml/2006/main">
+  <p:cSld>
+    <p:spTree>
+      <p:nvGrpSpPr>
+        <p:cNvPr id="1" name=""/>
+        <p:cNvGrpSpPr/>
+        <p:nvPr/>
+      </p:nvGrpSpPr>
+      <p:grpSpPr>
+        <a:xfrm>
+          <a:off x="0" y="0"/>
+          <a:ext cx="0" cy="0"/>
+          <a:chOff x="0" y="0"/>
+          <a:chExt cx="0" cy="0"/>
+        </a:xfrm>
+      </p:grpSpPr>
+      <p:sp>
+        <p:nvSpPr>
+          <p:cNvPr id="2" name="Titel 1">
+            <a:extLst>
+              <a:ext uri="{FF2B5EF4-FFF2-40B4-BE49-F238E27FC236}">
+                <a16:creationId xmlns:a16="http://schemas.microsoft.com/office/drawing/2014/main" id="{0C579FFF-6A8E-1436-7F47-208326112BC2}"/>
+              </a:ext>
+            </a:extLst>
+          </p:cNvPr>
+          <p:cNvSpPr>
+            <a:spLocks noGrp="1"/>
+          </p:cNvSpPr>
+          <p:nvPr>
+            <p:ph type="title"/>
+          </p:nvPr>
+        </p:nvSpPr>
+        <p:spPr/>
+        <p:txBody>
+          <a:bodyPr/>
+          <a:lstStyle/>
+          <a:p>
+            <a:r>
+              <a:rPr lang="de-DE" dirty="0"/>
+              <a:t>2. Tätigkeiten des vergangenen Zeitraums</a:t>
+            </a:r>
+          </a:p>
+        </p:txBody>
+      </p:sp>
+      <p:sp>
+        <p:nvSpPr>
+          <p:cNvPr id="3" name="Inhaltsplatzhalter 2">
+            <a:extLst>
+              <a:ext uri="{FF2B5EF4-FFF2-40B4-BE49-F238E27FC236}">
+                <a16:creationId xmlns:a16="http://schemas.microsoft.com/office/drawing/2014/main" id="{DDCB8108-F7CA-0CC2-0BE9-D617E9F1E0E4}"/>
+              </a:ext>
+            </a:extLst>
+          </p:cNvPr>
+          <p:cNvSpPr>
+            <a:spLocks noGrp="1"/>
+          </p:cNvSpPr>
+          <p:nvPr>
+            <p:ph idx="1"/>
+          </p:nvPr>
+        </p:nvSpPr>
+        <p:spPr>
+          <a:xfrm>
+            <a:off x="762000" y="2286000"/>
+            <a:ext cx="10668000" cy="3290935"/>
+          </a:xfrm>
+        </p:spPr>
+        <p:txBody>
+          <a:bodyPr>
+            <a:normAutofit fontScale="85000" lnSpcReduction="20000"/>
+          </a:bodyPr>
+          <a:lstStyle/>
+          <a:p>
+            <a:r>
+              <a:rPr lang="de-DE" dirty="0"/>
+              <a:t>Erstellung:</a:t>
+            </a:r>
+          </a:p>
+          <a:p>
+            <a:pPr lvl="1"/>
+            <a:r>
+              <a:rPr lang="de-DE" dirty="0"/>
+              <a:t>eines Dokuments mit unserer Projektidee mit den Core-Featuren</a:t>
+            </a:r>
+          </a:p>
+          <a:p>
+            <a:pPr lvl="1"/>
+            <a:r>
+              <a:rPr lang="de-DE" dirty="0"/>
+              <a:t>einer Liste mit </a:t>
+            </a:r>
+            <a:r>
+              <a:rPr lang="de-DE" dirty="0" err="1"/>
+              <a:t>ToDos</a:t>
+            </a:r>
+            <a:r>
+              <a:rPr lang="de-DE" dirty="0"/>
+              <a:t> und deren Priorisierung</a:t>
+            </a:r>
+          </a:p>
+          <a:p>
+            <a:pPr lvl="1"/>
+            <a:r>
+              <a:rPr lang="de-DE" dirty="0"/>
+              <a:t>von Software teilen</a:t>
+            </a:r>
+          </a:p>
+          <a:p>
+            <a:pPr lvl="1"/>
+            <a:r>
+              <a:rPr lang="de-DE" dirty="0"/>
+              <a:t>einer Datenbank</a:t>
+            </a:r>
+          </a:p>
+          <a:p>
+            <a:pPr lvl="1"/>
+            <a:r>
+              <a:rPr lang="de-DE" dirty="0"/>
+              <a:t>des Produkt Backlogs</a:t>
+            </a:r>
+          </a:p>
+          <a:p>
+            <a:pPr lvl="1"/>
+            <a:r>
+              <a:rPr lang="de-DE" dirty="0"/>
+              <a:t>des Sprint-Backlogs</a:t>
+            </a:r>
+          </a:p>
+          <a:p>
+            <a:r>
+              <a:rPr lang="de-DE" dirty="0"/>
+              <a:t>Anlegen des Projekts und Ordner für die Dokumentation in GitHub</a:t>
+            </a:r>
+          </a:p>
+        </p:txBody>
+      </p:sp>
+      <p:sp>
+        <p:nvSpPr>
+          <p:cNvPr id="4" name="Datumsplatzhalter 3">
+            <a:extLst>
+              <a:ext uri="{FF2B5EF4-FFF2-40B4-BE49-F238E27FC236}">
+                <a16:creationId xmlns:a16="http://schemas.microsoft.com/office/drawing/2014/main" id="{A245F716-845A-9D4A-9FCF-2BB455C07642}"/>
+              </a:ext>
+            </a:extLst>
+          </p:cNvPr>
+          <p:cNvSpPr>
+            <a:spLocks noGrp="1"/>
+          </p:cNvSpPr>
+          <p:nvPr>
+            <p:ph type="dt" sz="half" idx="10"/>
+          </p:nvPr>
+        </p:nvSpPr>
+        <p:spPr/>
+        <p:txBody>
+          <a:bodyPr/>
+          <a:lstStyle/>
+          <a:p>
+            <a:fld id="{42B45B56-1D88-4042-8DF0-EB6B41B710D3}" type="datetime1">
+              <a:rPr lang="de-DE" smtClean="0"/>
+              <a:t>05.12.2024</a:t>
+            </a:fld>
+            <a:endParaRPr lang="en-US"/>
+          </a:p>
+        </p:txBody>
+      </p:sp>
+      <p:sp>
+        <p:nvSpPr>
+          <p:cNvPr id="5" name="Foliennummernplatzhalter 4">
+            <a:extLst>
+              <a:ext uri="{FF2B5EF4-FFF2-40B4-BE49-F238E27FC236}">
+                <a16:creationId xmlns:a16="http://schemas.microsoft.com/office/drawing/2014/main" id="{631092A2-7FF5-A3A2-9DA9-91D1CFBE0825}"/>
+              </a:ext>
+            </a:extLst>
+          </p:cNvPr>
+          <p:cNvSpPr>
+            <a:spLocks noGrp="1"/>
+          </p:cNvSpPr>
+          <p:nvPr>
+            <p:ph type="sldNum" sz="quarter" idx="12"/>
+          </p:nvPr>
+        </p:nvSpPr>
+        <p:spPr/>
+        <p:txBody>
+          <a:bodyPr/>
+          <a:lstStyle/>
+          <a:p>
+            <a:fld id="{07CE569E-9B7C-4CB9-AB80-C0841F922CFF}" type="slidenum">
+              <a:rPr lang="en-US" smtClean="0"/>
+              <a:t>4</a:t>
+            </a:fld>
+            <a:endParaRPr lang="en-US"/>
+          </a:p>
+        </p:txBody>
+      </p:sp>
+    </p:spTree>
+    <p:extLst>
+      <p:ext uri="{BB962C8B-B14F-4D97-AF65-F5344CB8AC3E}">
+        <p14:creationId xmlns:p14="http://schemas.microsoft.com/office/powerpoint/2010/main" val="118876679"/>
+      </p:ext>
+    </p:extLst>
+  </p:cSld>
+  <p:clrMapOvr>
+    <a:masterClrMapping/>
+  </p:clrMapOvr>
+</p:sld>
+</file>
+
+<file path=ppt/slides/slide5.xml><?xml version="1.0" encoding="utf-8"?>
 <p:sld xmlns:a="http://schemas.openxmlformats.org/drawingml/2006/main" xmlns:r="http://schemas.openxmlformats.org/officeDocument/2006/relationships" xmlns:p="http://schemas.openxmlformats.org/presentationml/2006/main">
   <p:cSld>
     <p:spTree>
@@ -7271,7 +7163,7 @@
         <p:cNvPr id="1" name="">
           <a:extLst>
             <a:ext uri="{FF2B5EF4-FFF2-40B4-BE49-F238E27FC236}">
-              <a16:creationId xmlns:a16="http://schemas.microsoft.com/office/drawing/2014/main" id="{0EBAA1BC-5AD6-34B5-08D8-A966BB58FF86}"/>
+              <a16:creationId xmlns:a16="http://schemas.microsoft.com/office/drawing/2014/main" id="{C5F9D20F-1259-1DD4-66CE-2CBDC00607BF}"/>
             </a:ext>
           </a:extLst>
         </p:cNvPr>
@@ -7291,7 +7183,7 @@
           <p:cNvPr id="2" name="Titel 1">
             <a:extLst>
               <a:ext uri="{FF2B5EF4-FFF2-40B4-BE49-F238E27FC236}">
-                <a16:creationId xmlns:a16="http://schemas.microsoft.com/office/drawing/2014/main" id="{5F443F45-EA60-0E1C-B6A3-26F565B629C3}"/>
+                <a16:creationId xmlns:a16="http://schemas.microsoft.com/office/drawing/2014/main" id="{F38F1474-9419-C444-A28A-E12FABF05F5B}"/>
               </a:ext>
             </a:extLst>
           </p:cNvPr>
@@ -7319,7 +7211,7 @@
           <p:cNvPr id="4" name="Datumsplatzhalter 3">
             <a:extLst>
               <a:ext uri="{FF2B5EF4-FFF2-40B4-BE49-F238E27FC236}">
-                <a16:creationId xmlns:a16="http://schemas.microsoft.com/office/drawing/2014/main" id="{395E7399-B3E0-7EB3-D3E1-7C84C88418D1}"/>
+                <a16:creationId xmlns:a16="http://schemas.microsoft.com/office/drawing/2014/main" id="{A61AD540-48A5-C28A-EAB3-FC9343A26E5E}"/>
               </a:ext>
             </a:extLst>
           </p:cNvPr>
@@ -7348,7 +7240,7 @@
           <p:cNvPr id="5" name="Foliennummernplatzhalter 4">
             <a:extLst>
               <a:ext uri="{FF2B5EF4-FFF2-40B4-BE49-F238E27FC236}">
-                <a16:creationId xmlns:a16="http://schemas.microsoft.com/office/drawing/2014/main" id="{EC166D74-F411-B20C-059E-DADE72619AAF}"/>
+                <a16:creationId xmlns:a16="http://schemas.microsoft.com/office/drawing/2014/main" id="{0FCCF7DF-8E4D-8D49-043D-1CEC9B567358}"/>
               </a:ext>
             </a:extLst>
           </p:cNvPr>
@@ -7366,7 +7258,7 @@
           <a:p>
             <a:fld id="{07CE569E-9B7C-4CB9-AB80-C0841F922CFF}" type="slidenum">
               <a:rPr lang="en-US" smtClean="0"/>
-              <a:t>12</a:t>
+              <a:t>5</a:t>
             </a:fld>
             <a:endParaRPr lang="en-US"/>
           </a:p>
@@ -7374,38 +7266,765 @@
       </p:sp>
       <p:graphicFrame>
         <p:nvGraphicFramePr>
-          <p:cNvPr id="3" name="Diagramm 2">
-            <a:extLst>
-              <a:ext uri="{FF2B5EF4-FFF2-40B4-BE49-F238E27FC236}">
-                <a16:creationId xmlns:a16="http://schemas.microsoft.com/office/drawing/2014/main" id="{33E7D1FF-F8D0-F6A6-E3F2-5DB3E10D3BE4}"/>
+          <p:cNvPr id="3" name="Inhaltsplatzhalter 2">
+            <a:extLst>
+              <a:ext uri="{FF2B5EF4-FFF2-40B4-BE49-F238E27FC236}">
+                <a16:creationId xmlns:a16="http://schemas.microsoft.com/office/drawing/2014/main" id="{FAC168E6-FD48-9C86-CD4E-55F23F4D96A5}"/>
               </a:ext>
             </a:extLst>
           </p:cNvPr>
           <p:cNvGraphicFramePr>
-            <a:graphicFrameLocks/>
+            <a:graphicFrameLocks noGrp="1"/>
           </p:cNvGraphicFramePr>
           <p:nvPr>
+            <p:ph idx="1"/>
             <p:extLst>
               <p:ext uri="{D42A27DB-BD31-4B8C-83A1-F6EECF244321}">
-                <p14:modId xmlns:p14="http://schemas.microsoft.com/office/powerpoint/2010/main" val="2393212789"/>
+                <p14:modId xmlns:p14="http://schemas.microsoft.com/office/powerpoint/2010/main" val="2690394352"/>
               </p:ext>
             </p:extLst>
           </p:nvPr>
         </p:nvGraphicFramePr>
         <p:xfrm>
-          <a:off x="1861358" y="2053987"/>
-          <a:ext cx="5653017" cy="3867795"/>
+          <a:off x="762000" y="1860487"/>
+          <a:ext cx="8961423" cy="4467451"/>
         </p:xfrm>
         <a:graphic>
-          <a:graphicData uri="http://schemas.openxmlformats.org/drawingml/2006/chart">
-            <c:chart xmlns:c="http://schemas.openxmlformats.org/drawingml/2006/chart" xmlns:r="http://schemas.openxmlformats.org/officeDocument/2006/relationships" r:id="rId2"/>
+          <a:graphicData uri="http://schemas.openxmlformats.org/drawingml/2006/table">
+            <a:tbl>
+              <a:tblPr firstRow="1" bandRow="1">
+                <a:tableStyleId>{5C22544A-7EE6-4342-B048-85BDC9FD1C3A}</a:tableStyleId>
+              </a:tblPr>
+              <a:tblGrid>
+                <a:gridCol w="3810675">
+                  <a:extLst>
+                    <a:ext uri="{9D8B030D-6E8A-4147-A177-3AD203B41FA5}">
+                      <a16:colId xmlns:a16="http://schemas.microsoft.com/office/drawing/2014/main" val="230851902"/>
+                    </a:ext>
+                  </a:extLst>
+                </a:gridCol>
+                <a:gridCol w="2321893">
+                  <a:extLst>
+                    <a:ext uri="{9D8B030D-6E8A-4147-A177-3AD203B41FA5}">
+                      <a16:colId xmlns:a16="http://schemas.microsoft.com/office/drawing/2014/main" val="2657664356"/>
+                    </a:ext>
+                  </a:extLst>
+                </a:gridCol>
+                <a:gridCol w="1733814">
+                  <a:extLst>
+                    <a:ext uri="{9D8B030D-6E8A-4147-A177-3AD203B41FA5}">
+                      <a16:colId xmlns:a16="http://schemas.microsoft.com/office/drawing/2014/main" val="4098082685"/>
+                    </a:ext>
+                  </a:extLst>
+                </a:gridCol>
+                <a:gridCol w="1095041">
+                  <a:extLst>
+                    <a:ext uri="{9D8B030D-6E8A-4147-A177-3AD203B41FA5}">
+                      <a16:colId xmlns:a16="http://schemas.microsoft.com/office/drawing/2014/main" val="2360363224"/>
+                    </a:ext>
+                  </a:extLst>
+                </a:gridCol>
+              </a:tblGrid>
+              <a:tr h="364002">
+                <a:tc>
+                  <a:txBody>
+                    <a:bodyPr/>
+                    <a:lstStyle/>
+                    <a:p>
+                      <a:r>
+                        <a:rPr lang="en-US" sz="1400"/>
+                        <a:t>Aufgabe</a:t>
+                      </a:r>
+                      <a:endParaRPr lang="de-DE" sz="1400" dirty="0"/>
+                    </a:p>
+                  </a:txBody>
+                  <a:tcPr/>
+                </a:tc>
+                <a:tc>
+                  <a:txBody>
+                    <a:bodyPr/>
+                    <a:lstStyle/>
+                    <a:p>
+                      <a:r>
+                        <a:rPr lang="en-US" sz="1400"/>
+                        <a:t>Zuständigkeit</a:t>
+                      </a:r>
+                      <a:endParaRPr lang="de-DE" sz="1400" dirty="0"/>
+                    </a:p>
+                  </a:txBody>
+                  <a:tcPr/>
+                </a:tc>
+                <a:tc>
+                  <a:txBody>
+                    <a:bodyPr/>
+                    <a:lstStyle/>
+                    <a:p>
+                      <a:r>
+                        <a:rPr lang="en-US" sz="1400"/>
+                        <a:t>Aufwand</a:t>
+                      </a:r>
+                      <a:endParaRPr lang="de-DE" sz="1400" dirty="0"/>
+                    </a:p>
+                  </a:txBody>
+                  <a:tcPr/>
+                </a:tc>
+                <a:tc>
+                  <a:txBody>
+                    <a:bodyPr/>
+                    <a:lstStyle/>
+                    <a:p>
+                      <a:r>
+                        <a:rPr lang="en-US" sz="1400"/>
+                        <a:t>Status</a:t>
+                      </a:r>
+                      <a:endParaRPr lang="de-DE" sz="1400" dirty="0"/>
+                    </a:p>
+                  </a:txBody>
+                  <a:tcPr/>
+                </a:tc>
+                <a:extLst>
+                  <a:ext uri="{0D108BD9-81ED-4DB2-BD59-A6C34878D82A}">
+                    <a16:rowId xmlns:a16="http://schemas.microsoft.com/office/drawing/2014/main" val="2749238170"/>
+                  </a:ext>
+                </a:extLst>
+              </a:tr>
+              <a:tr h="926116">
+                <a:tc>
+                  <a:txBody>
+                    <a:bodyPr/>
+                    <a:lstStyle/>
+                    <a:p>
+                      <a:r>
+                        <a:rPr lang="en-US" sz="1400"/>
+                        <a:t>Dokumentation + Project Managment</a:t>
+                      </a:r>
+                      <a:endParaRPr lang="de-DE" sz="1400" dirty="0"/>
+                    </a:p>
+                  </a:txBody>
+                  <a:tcPr/>
+                </a:tc>
+                <a:tc>
+                  <a:txBody>
+                    <a:bodyPr/>
+                    <a:lstStyle/>
+                    <a:p>
+                      <a:r>
+                        <a:rPr lang="en-US" sz="1400"/>
+                        <a:t>Alle</a:t>
+                      </a:r>
+                      <a:endParaRPr lang="de-DE" sz="1400" dirty="0"/>
+                    </a:p>
+                  </a:txBody>
+                  <a:tcPr/>
+                </a:tc>
+                <a:tc>
+                  <a:txBody>
+                    <a:bodyPr/>
+                    <a:lstStyle/>
+                    <a:p>
+                      <a:r>
+                        <a:rPr lang="en-US" sz="1400"/>
+                        <a:t>18</a:t>
+                      </a:r>
+                    </a:p>
+                    <a:p>
+                      <a:r>
+                        <a:rPr lang="en-US" sz="1050"/>
+                        <a:t>(6h Vorbereitung des Sprint)</a:t>
+                      </a:r>
+                      <a:endParaRPr lang="de-DE" sz="1050" dirty="0"/>
+                    </a:p>
+                  </a:txBody>
+                  <a:tcPr/>
+                </a:tc>
+                <a:tc>
+                  <a:txBody>
+                    <a:bodyPr/>
+                    <a:lstStyle/>
+                    <a:p>
+                      <a:r>
+                        <a:rPr lang="en-US" sz="1400" dirty="0" err="1"/>
+                        <a:t>Erledigt</a:t>
+                      </a:r>
+                      <a:endParaRPr lang="de-DE" sz="1400" dirty="0"/>
+                    </a:p>
+                  </a:txBody>
+                  <a:tcPr/>
+                </a:tc>
+                <a:extLst>
+                  <a:ext uri="{0D108BD9-81ED-4DB2-BD59-A6C34878D82A}">
+                    <a16:rowId xmlns:a16="http://schemas.microsoft.com/office/drawing/2014/main" val="432160553"/>
+                  </a:ext>
+                </a:extLst>
+              </a:tr>
+              <a:tr h="408804">
+                <a:tc>
+                  <a:txBody>
+                    <a:bodyPr/>
+                    <a:lstStyle/>
+                    <a:p>
+                      <a:r>
+                        <a:rPr lang="en-US" sz="1400"/>
+                        <a:t>Erstellen Mockups u. Wireframes</a:t>
+                      </a:r>
+                      <a:endParaRPr lang="de-DE" sz="1400" dirty="0"/>
+                    </a:p>
+                  </a:txBody>
+                  <a:tcPr/>
+                </a:tc>
+                <a:tc>
+                  <a:txBody>
+                    <a:bodyPr/>
+                    <a:lstStyle/>
+                    <a:p>
+                      <a:r>
+                        <a:rPr lang="en-US" sz="1400" kern="1200">
+                          <a:solidFill>
+                            <a:schemeClr val="dk1"/>
+                          </a:solidFill>
+                          <a:latin typeface="+mn-lt"/>
+                          <a:ea typeface="+mn-ea"/>
+                          <a:cs typeface="+mn-cs"/>
+                        </a:rPr>
+                        <a:t>Vincent Knapp</a:t>
+                      </a:r>
+                      <a:endParaRPr lang="de-DE" sz="1400" kern="1200" dirty="0">
+                        <a:solidFill>
+                          <a:schemeClr val="dk1"/>
+                        </a:solidFill>
+                        <a:latin typeface="+mn-lt"/>
+                        <a:ea typeface="+mn-ea"/>
+                        <a:cs typeface="+mn-cs"/>
+                      </a:endParaRPr>
+                    </a:p>
+                  </a:txBody>
+                  <a:tcPr/>
+                </a:tc>
+                <a:tc>
+                  <a:txBody>
+                    <a:bodyPr/>
+                    <a:lstStyle/>
+                    <a:p>
+                      <a:r>
+                        <a:rPr lang="en-US" sz="1400" kern="1200">
+                          <a:solidFill>
+                            <a:schemeClr val="dk1"/>
+                          </a:solidFill>
+                          <a:latin typeface="+mn-lt"/>
+                          <a:ea typeface="+mn-ea"/>
+                          <a:cs typeface="+mn-cs"/>
+                        </a:rPr>
+                        <a:t>2</a:t>
+                      </a:r>
+                      <a:endParaRPr lang="de-DE" sz="1400" kern="1200" dirty="0">
+                        <a:solidFill>
+                          <a:schemeClr val="dk1"/>
+                        </a:solidFill>
+                        <a:latin typeface="+mn-lt"/>
+                        <a:ea typeface="+mn-ea"/>
+                        <a:cs typeface="+mn-cs"/>
+                      </a:endParaRPr>
+                    </a:p>
+                  </a:txBody>
+                  <a:tcPr/>
+                </a:tc>
+                <a:tc>
+                  <a:txBody>
+                    <a:bodyPr/>
+                    <a:lstStyle/>
+                    <a:p>
+                      <a:r>
+                        <a:rPr lang="en-US" sz="1400"/>
+                        <a:t>Erledigt</a:t>
+                      </a:r>
+                      <a:endParaRPr lang="de-DE" sz="1400" dirty="0"/>
+                    </a:p>
+                  </a:txBody>
+                  <a:tcPr/>
+                </a:tc>
+                <a:extLst>
+                  <a:ext uri="{0D108BD9-81ED-4DB2-BD59-A6C34878D82A}">
+                    <a16:rowId xmlns:a16="http://schemas.microsoft.com/office/drawing/2014/main" val="739622510"/>
+                  </a:ext>
+                </a:extLst>
+              </a:tr>
+              <a:tr h="506337">
+                <a:tc>
+                  <a:txBody>
+                    <a:bodyPr/>
+                    <a:lstStyle/>
+                    <a:p>
+                      <a:pPr marL="0" marR="0" lvl="0" indent="0" algn="l" defTabSz="914400" rtl="0" eaLnBrk="1" fontAlgn="auto" latinLnBrk="0" hangingPunct="1">
+                        <a:lnSpc>
+                          <a:spcPct val="100000"/>
+                        </a:lnSpc>
+                        <a:spcBef>
+                          <a:spcPts val="0"/>
+                        </a:spcBef>
+                        <a:spcAft>
+                          <a:spcPts val="0"/>
+                        </a:spcAft>
+                        <a:buClrTx/>
+                        <a:buSzTx/>
+                        <a:buFontTx/>
+                        <a:buNone/>
+                        <a:tabLst/>
+                        <a:defRPr/>
+                      </a:pPr>
+                      <a:r>
+                        <a:rPr lang="en-US" sz="1400" dirty="0"/>
+                        <a:t>Website “Menu-Karte” </a:t>
+                      </a:r>
+                      <a:r>
+                        <a:rPr lang="en-US" sz="1400" dirty="0" err="1"/>
+                        <a:t>erstellen</a:t>
+                      </a:r>
+                      <a:endParaRPr lang="en-US" sz="1400" dirty="0"/>
+                    </a:p>
+                  </a:txBody>
+                  <a:tcPr/>
+                </a:tc>
+                <a:tc>
+                  <a:txBody>
+                    <a:bodyPr/>
+                    <a:lstStyle/>
+                    <a:p>
+                      <a:r>
+                        <a:rPr lang="en-US" sz="1400" dirty="0"/>
+                        <a:t>Dennis Haaf</a:t>
+                      </a:r>
+                      <a:br>
+                        <a:rPr lang="en-US" sz="1400" dirty="0"/>
+                      </a:br>
+                      <a:r>
+                        <a:rPr lang="en-US" sz="1400" dirty="0"/>
+                        <a:t>Vincent Knapp</a:t>
+                      </a:r>
+                      <a:endParaRPr lang="de-DE" sz="1400" dirty="0"/>
+                    </a:p>
+                  </a:txBody>
+                  <a:tcPr/>
+                </a:tc>
+                <a:tc>
+                  <a:txBody>
+                    <a:bodyPr/>
+                    <a:lstStyle/>
+                    <a:p>
+                      <a:r>
+                        <a:rPr lang="en-US" sz="1400"/>
+                        <a:t>8</a:t>
+                      </a:r>
+                      <a:endParaRPr lang="de-DE" sz="1400" dirty="0"/>
+                    </a:p>
+                  </a:txBody>
+                  <a:tcPr/>
+                </a:tc>
+                <a:tc>
+                  <a:txBody>
+                    <a:bodyPr/>
+                    <a:lstStyle/>
+                    <a:p>
+                      <a:r>
+                        <a:rPr lang="en-US" sz="1400" dirty="0" err="1"/>
+                        <a:t>Erledigt</a:t>
+                      </a:r>
+                      <a:endParaRPr lang="de-DE" sz="1400" dirty="0"/>
+                    </a:p>
+                  </a:txBody>
+                  <a:tcPr/>
+                </a:tc>
+                <a:extLst>
+                  <a:ext uri="{0D108BD9-81ED-4DB2-BD59-A6C34878D82A}">
+                    <a16:rowId xmlns:a16="http://schemas.microsoft.com/office/drawing/2014/main" val="740267785"/>
+                  </a:ext>
+                </a:extLst>
+              </a:tr>
+              <a:tr h="628278">
+                <a:tc>
+                  <a:txBody>
+                    <a:bodyPr/>
+                    <a:lstStyle/>
+                    <a:p>
+                      <a:r>
+                        <a:rPr lang="en-US" sz="1400" dirty="0" err="1"/>
+                        <a:t>Datenbank</a:t>
+                      </a:r>
+                      <a:r>
+                        <a:rPr lang="en-US" sz="1400" dirty="0"/>
+                        <a:t> “Menu-Karte”</a:t>
+                      </a:r>
+                      <a:endParaRPr lang="de-DE" sz="1400" dirty="0"/>
+                    </a:p>
+                  </a:txBody>
+                  <a:tcPr/>
+                </a:tc>
+                <a:tc>
+                  <a:txBody>
+                    <a:bodyPr/>
+                    <a:lstStyle/>
+                    <a:p>
+                      <a:r>
+                        <a:rPr lang="en-US" sz="1400"/>
+                        <a:t>Vincent Knapp</a:t>
+                      </a:r>
+                    </a:p>
+                    <a:p>
+                      <a:r>
+                        <a:rPr lang="en-US" sz="1400"/>
+                        <a:t>Hans Bloching</a:t>
+                      </a:r>
+                    </a:p>
+                    <a:p>
+                      <a:r>
+                        <a:rPr lang="en-US" sz="1400"/>
+                        <a:t>Rene Weber</a:t>
+                      </a:r>
+                      <a:endParaRPr lang="de-DE" sz="1400" dirty="0"/>
+                    </a:p>
+                  </a:txBody>
+                  <a:tcPr/>
+                </a:tc>
+                <a:tc>
+                  <a:txBody>
+                    <a:bodyPr/>
+                    <a:lstStyle/>
+                    <a:p>
+                      <a:r>
+                        <a:rPr lang="en-US" sz="1400"/>
+                        <a:t>1,5</a:t>
+                      </a:r>
+                      <a:endParaRPr lang="de-DE" sz="1400" dirty="0"/>
+                    </a:p>
+                  </a:txBody>
+                  <a:tcPr/>
+                </a:tc>
+                <a:tc>
+                  <a:txBody>
+                    <a:bodyPr/>
+                    <a:lstStyle/>
+                    <a:p>
+                      <a:r>
+                        <a:rPr lang="en-US" sz="1400" dirty="0" err="1"/>
+                        <a:t>Erledigt</a:t>
+                      </a:r>
+                      <a:endParaRPr lang="de-DE" sz="1400" dirty="0"/>
+                    </a:p>
+                  </a:txBody>
+                  <a:tcPr/>
+                </a:tc>
+                <a:extLst>
+                  <a:ext uri="{0D108BD9-81ED-4DB2-BD59-A6C34878D82A}">
+                    <a16:rowId xmlns:a16="http://schemas.microsoft.com/office/drawing/2014/main" val="2603736860"/>
+                  </a:ext>
+                </a:extLst>
+              </a:tr>
+              <a:tr h="482529">
+                <a:tc>
+                  <a:txBody>
+                    <a:bodyPr/>
+                    <a:lstStyle/>
+                    <a:p>
+                      <a:r>
+                        <a:rPr lang="en-US" sz="1400"/>
+                        <a:t>Einführung in Blazor und C# Coding</a:t>
+                      </a:r>
+                      <a:endParaRPr lang="de-DE" sz="1400" dirty="0"/>
+                    </a:p>
+                  </a:txBody>
+                  <a:tcPr/>
+                </a:tc>
+                <a:tc>
+                  <a:txBody>
+                    <a:bodyPr/>
+                    <a:lstStyle/>
+                    <a:p>
+                      <a:r>
+                        <a:rPr lang="en-US" sz="1400" dirty="0"/>
+                        <a:t>Alle</a:t>
+                      </a:r>
+                    </a:p>
+                  </a:txBody>
+                  <a:tcPr/>
+                </a:tc>
+                <a:tc>
+                  <a:txBody>
+                    <a:bodyPr/>
+                    <a:lstStyle/>
+                    <a:p>
+                      <a:r>
+                        <a:rPr lang="en-US" sz="1400"/>
+                        <a:t>4</a:t>
+                      </a:r>
+                      <a:endParaRPr lang="de-DE" sz="1400" dirty="0"/>
+                    </a:p>
+                  </a:txBody>
+                  <a:tcPr/>
+                </a:tc>
+                <a:tc>
+                  <a:txBody>
+                    <a:bodyPr/>
+                    <a:lstStyle/>
+                    <a:p>
+                      <a:r>
+                        <a:rPr lang="en-US" sz="1400"/>
+                        <a:t>Erledigt</a:t>
+                      </a:r>
+                      <a:endParaRPr lang="de-DE" sz="1400" dirty="0"/>
+                    </a:p>
+                  </a:txBody>
+                  <a:tcPr/>
+                </a:tc>
+                <a:extLst>
+                  <a:ext uri="{0D108BD9-81ED-4DB2-BD59-A6C34878D82A}">
+                    <a16:rowId xmlns:a16="http://schemas.microsoft.com/office/drawing/2014/main" val="4252090113"/>
+                  </a:ext>
+                </a:extLst>
+              </a:tr>
+              <a:tr h="488887">
+                <a:tc>
+                  <a:txBody>
+                    <a:bodyPr/>
+                    <a:lstStyle/>
+                    <a:p>
+                      <a:r>
+                        <a:rPr lang="en-US" sz="1400"/>
+                        <a:t>Website “Warenkorb”</a:t>
+                      </a:r>
+                      <a:endParaRPr lang="de-DE" sz="1400" dirty="0"/>
+                    </a:p>
+                  </a:txBody>
+                  <a:tcPr/>
+                </a:tc>
+                <a:tc>
+                  <a:txBody>
+                    <a:bodyPr/>
+                    <a:lstStyle/>
+                    <a:p>
+                      <a:r>
+                        <a:rPr lang="en-US" sz="1400"/>
+                        <a:t>Hans Bloching</a:t>
+                      </a:r>
+                    </a:p>
+                    <a:p>
+                      <a:r>
+                        <a:rPr lang="en-US" sz="1400"/>
+                        <a:t>Rene Weber</a:t>
+                      </a:r>
+                      <a:endParaRPr lang="de-DE" sz="1400" dirty="0"/>
+                    </a:p>
+                  </a:txBody>
+                  <a:tcPr/>
+                </a:tc>
+                <a:tc>
+                  <a:txBody>
+                    <a:bodyPr/>
+                    <a:lstStyle/>
+                    <a:p>
+                      <a:r>
+                        <a:rPr lang="en-US" sz="1400"/>
+                        <a:t>12</a:t>
+                      </a:r>
+                      <a:endParaRPr lang="de-DE" sz="1400" dirty="0"/>
+                    </a:p>
+                  </a:txBody>
+                  <a:tcPr/>
+                </a:tc>
+                <a:tc>
+                  <a:txBody>
+                    <a:bodyPr/>
+                    <a:lstStyle/>
+                    <a:p>
+                      <a:r>
+                        <a:rPr lang="en-US" sz="1400" dirty="0"/>
+                        <a:t>In Arbeit</a:t>
+                      </a:r>
+                      <a:endParaRPr lang="de-DE" sz="1400" dirty="0"/>
+                    </a:p>
+                  </a:txBody>
+                  <a:tcPr/>
+                </a:tc>
+                <a:extLst>
+                  <a:ext uri="{0D108BD9-81ED-4DB2-BD59-A6C34878D82A}">
+                    <a16:rowId xmlns:a16="http://schemas.microsoft.com/office/drawing/2014/main" val="1091053033"/>
+                  </a:ext>
+                </a:extLst>
+              </a:tr>
+              <a:tr h="450561">
+                <a:tc>
+                  <a:txBody>
+                    <a:bodyPr/>
+                    <a:lstStyle/>
+                    <a:p>
+                      <a:r>
+                        <a:rPr lang="en-US" sz="1400" dirty="0" err="1"/>
+                        <a:t>Datenbank</a:t>
+                      </a:r>
+                      <a:r>
+                        <a:rPr lang="en-US" sz="1400" dirty="0"/>
+                        <a:t> “</a:t>
+                      </a:r>
+                      <a:r>
+                        <a:rPr lang="en-US" sz="1400" dirty="0" err="1"/>
+                        <a:t>Warenkorb</a:t>
+                      </a:r>
+                      <a:r>
+                        <a:rPr lang="en-US" sz="1400" dirty="0"/>
+                        <a:t>/</a:t>
+                      </a:r>
+                      <a:r>
+                        <a:rPr lang="en-US" sz="1400" dirty="0" err="1"/>
+                        <a:t>Bestellungen</a:t>
+                      </a:r>
+                      <a:r>
+                        <a:rPr lang="en-US" sz="1400" dirty="0"/>
+                        <a:t>”</a:t>
+                      </a:r>
+                      <a:endParaRPr lang="de-DE" sz="1400" dirty="0"/>
+                    </a:p>
+                  </a:txBody>
+                  <a:tcPr/>
+                </a:tc>
+                <a:tc>
+                  <a:txBody>
+                    <a:bodyPr/>
+                    <a:lstStyle/>
+                    <a:p>
+                      <a:r>
+                        <a:rPr lang="en-US" sz="1400" dirty="0"/>
+                        <a:t>Hans </a:t>
+                      </a:r>
+                      <a:r>
+                        <a:rPr lang="en-US" sz="1400" dirty="0" err="1"/>
+                        <a:t>Bloching</a:t>
+                      </a:r>
+                      <a:endParaRPr lang="en-US" sz="1400" dirty="0"/>
+                    </a:p>
+                    <a:p>
+                      <a:r>
+                        <a:rPr lang="en-US" sz="1400" dirty="0"/>
+                        <a:t>Rene Weber</a:t>
+                      </a:r>
+                      <a:endParaRPr lang="de-DE" sz="1400" dirty="0"/>
+                    </a:p>
+                  </a:txBody>
+                  <a:tcPr/>
+                </a:tc>
+                <a:tc>
+                  <a:txBody>
+                    <a:bodyPr/>
+                    <a:lstStyle/>
+                    <a:p>
+                      <a:r>
+                        <a:rPr lang="en-US" sz="1400" dirty="0"/>
+                        <a:t>3</a:t>
+                      </a:r>
+                      <a:endParaRPr lang="de-DE" sz="1400" dirty="0"/>
+                    </a:p>
+                  </a:txBody>
+                  <a:tcPr/>
+                </a:tc>
+                <a:tc>
+                  <a:txBody>
+                    <a:bodyPr/>
+                    <a:lstStyle/>
+                    <a:p>
+                      <a:r>
+                        <a:rPr lang="en-US" sz="1400" dirty="0"/>
+                        <a:t>In Arbeit</a:t>
+                      </a:r>
+                      <a:endParaRPr lang="de-DE" sz="1400" dirty="0"/>
+                    </a:p>
+                  </a:txBody>
+                  <a:tcPr/>
+                </a:tc>
+                <a:extLst>
+                  <a:ext uri="{0D108BD9-81ED-4DB2-BD59-A6C34878D82A}">
+                    <a16:rowId xmlns:a16="http://schemas.microsoft.com/office/drawing/2014/main" val="2446957633"/>
+                  </a:ext>
+                </a:extLst>
+              </a:tr>
+            </a:tbl>
           </a:graphicData>
         </a:graphic>
       </p:graphicFrame>
+      <p:pic>
+        <p:nvPicPr>
+          <p:cNvPr id="7" name="Grafik 6">
+            <a:extLst>
+              <a:ext uri="{FF2B5EF4-FFF2-40B4-BE49-F238E27FC236}">
+                <a16:creationId xmlns:a16="http://schemas.microsoft.com/office/drawing/2014/main" id="{F447DF4A-5353-B320-B18E-CE9C17911E47}"/>
+              </a:ext>
+            </a:extLst>
+          </p:cNvPr>
+          <p:cNvPicPr>
+            <a:picLocks noChangeAspect="1"/>
+          </p:cNvPicPr>
+          <p:nvPr/>
+        </p:nvPicPr>
+        <p:blipFill>
+          <a:blip r:embed="rId2"/>
+          <a:stretch>
+            <a:fillRect/>
+          </a:stretch>
+        </p:blipFill>
+        <p:spPr>
+          <a:xfrm>
+            <a:off x="6884925" y="6278906"/>
+            <a:ext cx="1738967" cy="451906"/>
+          </a:xfrm>
+          <a:prstGeom prst="rect">
+            <a:avLst/>
+          </a:prstGeom>
+        </p:spPr>
+      </p:pic>
+      <p:sp>
+        <p:nvSpPr>
+          <p:cNvPr id="12" name="Textfeld 11">
+            <a:extLst>
+              <a:ext uri="{FF2B5EF4-FFF2-40B4-BE49-F238E27FC236}">
+                <a16:creationId xmlns:a16="http://schemas.microsoft.com/office/drawing/2014/main" id="{6C748691-0350-4F12-29B1-58781F9859C7}"/>
+              </a:ext>
+            </a:extLst>
+          </p:cNvPr>
+          <p:cNvSpPr txBox="1"/>
+          <p:nvPr/>
+        </p:nvSpPr>
+        <p:spPr>
+          <a:xfrm>
+            <a:off x="6884925" y="6327056"/>
+            <a:ext cx="1524000" cy="369332"/>
+          </a:xfrm>
+          <a:prstGeom prst="rect">
+            <a:avLst/>
+          </a:prstGeom>
+          <a:noFill/>
+        </p:spPr>
+        <p:txBody>
+          <a:bodyPr wrap="square" rtlCol="0">
+            <a:spAutoFit/>
+          </a:bodyPr>
+          <a:lstStyle/>
+          <a:p>
+            <a:r>
+              <a:rPr lang="en-US" dirty="0">
+                <a:solidFill>
+                  <a:schemeClr val="bg1"/>
+                </a:solidFill>
+              </a:rPr>
+              <a:t>48,5</a:t>
+            </a:r>
+            <a:endParaRPr lang="de-DE" dirty="0">
+              <a:solidFill>
+                <a:schemeClr val="bg1"/>
+              </a:solidFill>
+            </a:endParaRPr>
+          </a:p>
+        </p:txBody>
+      </p:sp>
     </p:spTree>
     <p:extLst>
       <p:ext uri="{BB962C8B-B14F-4D97-AF65-F5344CB8AC3E}">
-        <p14:creationId xmlns:p14="http://schemas.microsoft.com/office/powerpoint/2010/main" val="1336503190"/>
+        <p14:creationId xmlns:p14="http://schemas.microsoft.com/office/powerpoint/2010/main" val="2023827376"/>
       </p:ext>
     </p:extLst>
   </p:cSld>
@@ -7415,7 +8034,7 @@
 </p:sld>
 </file>
 
-<file path=ppt/slides/slide13.xml><?xml version="1.0" encoding="utf-8"?>
+<file path=ppt/slides/slide6.xml><?xml version="1.0" encoding="utf-8"?>
 <p:sld xmlns:a="http://schemas.openxmlformats.org/drawingml/2006/main" xmlns:r="http://schemas.openxmlformats.org/officeDocument/2006/relationships" xmlns:p="http://schemas.openxmlformats.org/presentationml/2006/main">
   <p:cSld>
     <p:spTree>
@@ -7518,7 +8137,7 @@
           <a:p>
             <a:fld id="{07CE569E-9B7C-4CB9-AB80-C0841F922CFF}" type="slidenum">
               <a:rPr lang="en-US" smtClean="0"/>
-              <a:t>13</a:t>
+              <a:t>6</a:t>
             </a:fld>
             <a:endParaRPr lang="en-US"/>
           </a:p>
@@ -7641,7 +8260,7 @@
 </p:sld>
 </file>
 
-<file path=ppt/slides/slide14.xml><?xml version="1.0" encoding="utf-8"?>
+<file path=ppt/slides/slide7.xml><?xml version="1.0" encoding="utf-8"?>
 <p:sld xmlns:a="http://schemas.openxmlformats.org/drawingml/2006/main" xmlns:r="http://schemas.openxmlformats.org/officeDocument/2006/relationships" xmlns:p="http://schemas.openxmlformats.org/presentationml/2006/main">
   <p:cSld>
     <p:spTree>
@@ -7744,7 +8363,7 @@
           <a:p>
             <a:fld id="{07CE569E-9B7C-4CB9-AB80-C0841F922CFF}" type="slidenum">
               <a:rPr lang="en-US" smtClean="0"/>
-              <a:t>14</a:t>
+              <a:t>7</a:t>
             </a:fld>
             <a:endParaRPr lang="en-US"/>
           </a:p>
@@ -8582,7 +9201,7 @@
 </p:sld>
 </file>
 
-<file path=ppt/slides/slide15.xml><?xml version="1.0" encoding="utf-8"?>
+<file path=ppt/slides/slide8.xml><?xml version="1.0" encoding="utf-8"?>
 <p:sld xmlns:a="http://schemas.openxmlformats.org/drawingml/2006/main" xmlns:r="http://schemas.openxmlformats.org/officeDocument/2006/relationships" xmlns:p="http://schemas.openxmlformats.org/presentationml/2006/main">
   <p:cSld>
     <p:spTree>
@@ -8685,7 +9304,7 @@
           <a:p>
             <a:fld id="{07CE569E-9B7C-4CB9-AB80-C0841F922CFF}" type="slidenum">
               <a:rPr lang="en-US" smtClean="0"/>
-              <a:t>15</a:t>
+              <a:t>8</a:t>
             </a:fld>
             <a:endParaRPr lang="en-US"/>
           </a:p>
@@ -9364,7 +9983,7 @@
 </p:sld>
 </file>
 
-<file path=ppt/slides/slide16.xml><?xml version="1.0" encoding="utf-8"?>
+<file path=ppt/slides/slide9.xml><?xml version="1.0" encoding="utf-8"?>
 <p:sld xmlns:a="http://schemas.openxmlformats.org/drawingml/2006/main" xmlns:r="http://schemas.openxmlformats.org/officeDocument/2006/relationships" xmlns:p="http://schemas.openxmlformats.org/presentationml/2006/main">
   <p:cSld>
     <p:spTree>
@@ -9618,7 +10237,7 @@
           <a:p>
             <a:fld id="{07CE569E-9B7C-4CB9-AB80-C0841F922CFF}" type="slidenum">
               <a:rPr lang="en-US" smtClean="0"/>
-              <a:t>16</a:t>
+              <a:t>9</a:t>
             </a:fld>
             <a:endParaRPr lang="en-US"/>
           </a:p>
@@ -9628,4576 +10247,6 @@
     <p:extLst>
       <p:ext uri="{BB962C8B-B14F-4D97-AF65-F5344CB8AC3E}">
         <p14:creationId xmlns:p14="http://schemas.microsoft.com/office/powerpoint/2010/main" val="3562051256"/>
-      </p:ext>
-    </p:extLst>
-  </p:cSld>
-  <p:clrMapOvr>
-    <a:masterClrMapping/>
-  </p:clrMapOvr>
-</p:sld>
-</file>
-
-<file path=ppt/slides/slide17.xml><?xml version="1.0" encoding="utf-8"?>
-<p:sld xmlns:a="http://schemas.openxmlformats.org/drawingml/2006/main" xmlns:r="http://schemas.openxmlformats.org/officeDocument/2006/relationships" xmlns:p="http://schemas.openxmlformats.org/presentationml/2006/main">
-  <p:cSld>
-    <p:spTree>
-      <p:nvGrpSpPr>
-        <p:cNvPr id="1" name=""/>
-        <p:cNvGrpSpPr/>
-        <p:nvPr/>
-      </p:nvGrpSpPr>
-      <p:grpSpPr>
-        <a:xfrm>
-          <a:off x="0" y="0"/>
-          <a:ext cx="0" cy="0"/>
-          <a:chOff x="0" y="0"/>
-          <a:chExt cx="0" cy="0"/>
-        </a:xfrm>
-      </p:grpSpPr>
-      <p:sp>
-        <p:nvSpPr>
-          <p:cNvPr id="2" name="Titel 1">
-            <a:extLst>
-              <a:ext uri="{FF2B5EF4-FFF2-40B4-BE49-F238E27FC236}">
-                <a16:creationId xmlns:a16="http://schemas.microsoft.com/office/drawing/2014/main" id="{A075FF74-E5D2-1C9F-1DF3-DCD54EF547E9}"/>
-              </a:ext>
-            </a:extLst>
-          </p:cNvPr>
-          <p:cNvSpPr>
-            <a:spLocks noGrp="1"/>
-          </p:cNvSpPr>
-          <p:nvPr>
-            <p:ph type="title"/>
-          </p:nvPr>
-        </p:nvSpPr>
-        <p:spPr/>
-        <p:txBody>
-          <a:bodyPr/>
-          <a:lstStyle/>
-          <a:p>
-            <a:r>
-              <a:rPr lang="de-DE" dirty="0"/>
-              <a:t>6. Software-Tools</a:t>
-            </a:r>
-          </a:p>
-        </p:txBody>
-      </p:sp>
-      <p:sp>
-        <p:nvSpPr>
-          <p:cNvPr id="3" name="Inhaltsplatzhalter 2">
-            <a:extLst>
-              <a:ext uri="{FF2B5EF4-FFF2-40B4-BE49-F238E27FC236}">
-                <a16:creationId xmlns:a16="http://schemas.microsoft.com/office/drawing/2014/main" id="{E627C203-A1B7-383D-97A8-56B3248A1E83}"/>
-              </a:ext>
-            </a:extLst>
-          </p:cNvPr>
-          <p:cNvSpPr>
-            <a:spLocks noGrp="1"/>
-          </p:cNvSpPr>
-          <p:nvPr>
-            <p:ph sz="half" idx="1"/>
-          </p:nvPr>
-        </p:nvSpPr>
-        <p:spPr/>
-        <p:txBody>
-          <a:bodyPr>
-            <a:normAutofit/>
-          </a:bodyPr>
-          <a:lstStyle/>
-          <a:p>
-            <a:r>
-              <a:rPr lang="de-DE" dirty="0"/>
-              <a:t>Programmiersprache:</a:t>
-            </a:r>
-          </a:p>
-          <a:p>
-            <a:pPr lvl="1"/>
-            <a:r>
-              <a:rPr lang="de-DE" dirty="0"/>
-              <a:t>C#</a:t>
-            </a:r>
-          </a:p>
-          <a:p>
-            <a:r>
-              <a:rPr lang="de-DE" dirty="0"/>
-              <a:t>Framework:</a:t>
-            </a:r>
-          </a:p>
-          <a:p>
-            <a:pPr lvl="1"/>
-            <a:r>
-              <a:rPr lang="de-DE" dirty="0" err="1"/>
-              <a:t>Blazor</a:t>
-            </a:r>
-            <a:endParaRPr lang="de-DE" dirty="0"/>
-          </a:p>
-          <a:p>
-            <a:r>
-              <a:rPr lang="de-DE" dirty="0"/>
-              <a:t>IDE:</a:t>
-            </a:r>
-          </a:p>
-          <a:p>
-            <a:pPr lvl="1"/>
-            <a:r>
-              <a:rPr lang="de-DE" dirty="0"/>
-              <a:t>Visual Studio</a:t>
-            </a:r>
-          </a:p>
-        </p:txBody>
-      </p:sp>
-      <p:sp>
-        <p:nvSpPr>
-          <p:cNvPr id="6" name="Inhaltsplatzhalter 5">
-            <a:extLst>
-              <a:ext uri="{FF2B5EF4-FFF2-40B4-BE49-F238E27FC236}">
-                <a16:creationId xmlns:a16="http://schemas.microsoft.com/office/drawing/2014/main" id="{7185288F-FFC3-A9CF-5040-625A8A619580}"/>
-              </a:ext>
-            </a:extLst>
-          </p:cNvPr>
-          <p:cNvSpPr>
-            <a:spLocks noGrp="1"/>
-          </p:cNvSpPr>
-          <p:nvPr>
-            <p:ph sz="half" idx="2"/>
-          </p:nvPr>
-        </p:nvSpPr>
-        <p:spPr/>
-        <p:txBody>
-          <a:bodyPr>
-            <a:normAutofit/>
-          </a:bodyPr>
-          <a:lstStyle/>
-          <a:p>
-            <a:r>
-              <a:rPr lang="de-DE" dirty="0"/>
-              <a:t>Datenbank:</a:t>
-            </a:r>
-          </a:p>
-          <a:p>
-            <a:pPr lvl="1"/>
-            <a:r>
-              <a:rPr lang="de-DE" dirty="0"/>
-              <a:t>SQLite</a:t>
-            </a:r>
-          </a:p>
-          <a:p>
-            <a:r>
-              <a:rPr lang="de-DE" dirty="0"/>
-              <a:t>Weitere Tools:</a:t>
-            </a:r>
-          </a:p>
-          <a:p>
-            <a:pPr lvl="1"/>
-            <a:r>
-              <a:rPr lang="de-DE" dirty="0"/>
-              <a:t>Git (Versionierung)</a:t>
-            </a:r>
-          </a:p>
-          <a:p>
-            <a:pPr lvl="1"/>
-            <a:r>
-              <a:rPr lang="de-DE" dirty="0"/>
-              <a:t>Docker (</a:t>
-            </a:r>
-            <a:r>
-              <a:rPr lang="de-DE" dirty="0" err="1"/>
-              <a:t>Deployment</a:t>
-            </a:r>
-            <a:r>
-              <a:rPr lang="de-DE" dirty="0"/>
-              <a:t>)</a:t>
-            </a:r>
-          </a:p>
-        </p:txBody>
-      </p:sp>
-      <p:sp>
-        <p:nvSpPr>
-          <p:cNvPr id="4" name="Datumsplatzhalter 3">
-            <a:extLst>
-              <a:ext uri="{FF2B5EF4-FFF2-40B4-BE49-F238E27FC236}">
-                <a16:creationId xmlns:a16="http://schemas.microsoft.com/office/drawing/2014/main" id="{F5985418-FDA1-F1A7-80E8-C25C6BAC324B}"/>
-              </a:ext>
-            </a:extLst>
-          </p:cNvPr>
-          <p:cNvSpPr>
-            <a:spLocks noGrp="1"/>
-          </p:cNvSpPr>
-          <p:nvPr>
-            <p:ph type="dt" sz="half" idx="10"/>
-          </p:nvPr>
-        </p:nvSpPr>
-        <p:spPr/>
-        <p:txBody>
-          <a:bodyPr/>
-          <a:lstStyle/>
-          <a:p>
-            <a:fld id="{42B45B56-1D88-4042-8DF0-EB6B41B710D3}" type="datetime1">
-              <a:rPr lang="de-DE" smtClean="0"/>
-              <a:t>05.12.2024</a:t>
-            </a:fld>
-            <a:endParaRPr lang="en-US"/>
-          </a:p>
-        </p:txBody>
-      </p:sp>
-      <p:sp>
-        <p:nvSpPr>
-          <p:cNvPr id="5" name="Foliennummernplatzhalter 4">
-            <a:extLst>
-              <a:ext uri="{FF2B5EF4-FFF2-40B4-BE49-F238E27FC236}">
-                <a16:creationId xmlns:a16="http://schemas.microsoft.com/office/drawing/2014/main" id="{6A7A11C6-83C4-FA07-F8C7-F2826F8F22B6}"/>
-              </a:ext>
-            </a:extLst>
-          </p:cNvPr>
-          <p:cNvSpPr>
-            <a:spLocks noGrp="1"/>
-          </p:cNvSpPr>
-          <p:nvPr>
-            <p:ph type="sldNum" sz="quarter" idx="12"/>
-          </p:nvPr>
-        </p:nvSpPr>
-        <p:spPr/>
-        <p:txBody>
-          <a:bodyPr/>
-          <a:lstStyle/>
-          <a:p>
-            <a:fld id="{07CE569E-9B7C-4CB9-AB80-C0841F922CFF}" type="slidenum">
-              <a:rPr lang="en-US" smtClean="0"/>
-              <a:t>17</a:t>
-            </a:fld>
-            <a:endParaRPr lang="en-US"/>
-          </a:p>
-        </p:txBody>
-      </p:sp>
-    </p:spTree>
-    <p:extLst>
-      <p:ext uri="{BB962C8B-B14F-4D97-AF65-F5344CB8AC3E}">
-        <p14:creationId xmlns:p14="http://schemas.microsoft.com/office/powerpoint/2010/main" val="1367875186"/>
-      </p:ext>
-    </p:extLst>
-  </p:cSld>
-  <p:clrMapOvr>
-    <a:masterClrMapping/>
-  </p:clrMapOvr>
-</p:sld>
-</file>
-
-<file path=ppt/slides/slide18.xml><?xml version="1.0" encoding="utf-8"?>
-<p:sld xmlns:a="http://schemas.openxmlformats.org/drawingml/2006/main" xmlns:r="http://schemas.openxmlformats.org/officeDocument/2006/relationships" xmlns:p="http://schemas.openxmlformats.org/presentationml/2006/main">
-  <p:cSld>
-    <p:spTree>
-      <p:nvGrpSpPr>
-        <p:cNvPr id="1" name=""/>
-        <p:cNvGrpSpPr/>
-        <p:nvPr/>
-      </p:nvGrpSpPr>
-      <p:grpSpPr>
-        <a:xfrm>
-          <a:off x="0" y="0"/>
-          <a:ext cx="0" cy="0"/>
-          <a:chOff x="0" y="0"/>
-          <a:chExt cx="0" cy="0"/>
-        </a:xfrm>
-      </p:grpSpPr>
-      <p:sp>
-        <p:nvSpPr>
-          <p:cNvPr id="2" name="Titel 1">
-            <a:extLst>
-              <a:ext uri="{FF2B5EF4-FFF2-40B4-BE49-F238E27FC236}">
-                <a16:creationId xmlns:a16="http://schemas.microsoft.com/office/drawing/2014/main" id="{32CCE440-A4CB-26A7-5B3F-3F9D4B878A95}"/>
-              </a:ext>
-            </a:extLst>
-          </p:cNvPr>
-          <p:cNvSpPr>
-            <a:spLocks noGrp="1"/>
-          </p:cNvSpPr>
-          <p:nvPr>
-            <p:ph type="title"/>
-          </p:nvPr>
-        </p:nvSpPr>
-        <p:spPr/>
-        <p:txBody>
-          <a:bodyPr/>
-          <a:lstStyle/>
-          <a:p>
-            <a:r>
-              <a:rPr lang="de-DE" dirty="0"/>
-              <a:t>7. SOUPs/OTS</a:t>
-            </a:r>
-          </a:p>
-        </p:txBody>
-      </p:sp>
-      <p:sp>
-        <p:nvSpPr>
-          <p:cNvPr id="6" name="Inhaltsplatzhalter 5">
-            <a:extLst>
-              <a:ext uri="{FF2B5EF4-FFF2-40B4-BE49-F238E27FC236}">
-                <a16:creationId xmlns:a16="http://schemas.microsoft.com/office/drawing/2014/main" id="{AF37E05B-D1E7-D5BB-3AA4-0CBC94340331}"/>
-              </a:ext>
-            </a:extLst>
-          </p:cNvPr>
-          <p:cNvSpPr>
-            <a:spLocks noGrp="1"/>
-          </p:cNvSpPr>
-          <p:nvPr>
-            <p:ph sz="half" idx="1"/>
-          </p:nvPr>
-        </p:nvSpPr>
-        <p:spPr/>
-        <p:txBody>
-          <a:bodyPr>
-            <a:normAutofit lnSpcReduction="10000"/>
-          </a:bodyPr>
-          <a:lstStyle/>
-          <a:p>
-            <a:r>
-              <a:rPr lang="de-DE" dirty="0"/>
-              <a:t>Eingesetzte SOUPs:</a:t>
-            </a:r>
-          </a:p>
-          <a:p>
-            <a:pPr lvl="1"/>
-            <a:r>
-              <a:rPr lang="de-DE" dirty="0"/>
-              <a:t>Docker-Container für Hosting der Anwendung</a:t>
-            </a:r>
-          </a:p>
-          <a:p>
-            <a:r>
-              <a:rPr lang="de-DE" dirty="0"/>
-              <a:t>Bibliotheken: </a:t>
-            </a:r>
-          </a:p>
-          <a:p>
-            <a:pPr lvl="1"/>
-            <a:r>
-              <a:rPr lang="de-DE" dirty="0"/>
-              <a:t>[z. B. </a:t>
-            </a:r>
-            <a:r>
-              <a:rPr lang="de-DE" dirty="0" err="1"/>
-              <a:t>Newtonsoft.Json</a:t>
-            </a:r>
-            <a:r>
-              <a:rPr lang="de-DE" dirty="0"/>
-              <a:t>]</a:t>
-            </a:r>
-          </a:p>
-          <a:p>
-            <a:r>
-              <a:rPr lang="de-DE" dirty="0"/>
-              <a:t>Eingesetzte OTS:</a:t>
-            </a:r>
-          </a:p>
-          <a:p>
-            <a:pPr lvl="1"/>
-            <a:r>
-              <a:rPr lang="de-DE" dirty="0"/>
-              <a:t>.NET 5.0 Framework</a:t>
-            </a:r>
-          </a:p>
-        </p:txBody>
-      </p:sp>
-      <p:sp>
-        <p:nvSpPr>
-          <p:cNvPr id="7" name="Inhaltsplatzhalter 6">
-            <a:extLst>
-              <a:ext uri="{FF2B5EF4-FFF2-40B4-BE49-F238E27FC236}">
-                <a16:creationId xmlns:a16="http://schemas.microsoft.com/office/drawing/2014/main" id="{3BFD40B0-F7F1-F960-F8BC-73901AB54EC1}"/>
-              </a:ext>
-            </a:extLst>
-          </p:cNvPr>
-          <p:cNvSpPr>
-            <a:spLocks noGrp="1"/>
-          </p:cNvSpPr>
-          <p:nvPr>
-            <p:ph sz="half" idx="2"/>
-          </p:nvPr>
-        </p:nvSpPr>
-        <p:spPr/>
-        <p:txBody>
-          <a:bodyPr>
-            <a:normAutofit lnSpcReduction="10000"/>
-          </a:bodyPr>
-          <a:lstStyle/>
-          <a:p>
-            <a:r>
-              <a:rPr lang="de-DE" dirty="0"/>
-              <a:t>SQLite-Datenbank</a:t>
-            </a:r>
-          </a:p>
-          <a:p>
-            <a:r>
-              <a:rPr lang="de-DE" dirty="0"/>
-              <a:t>Visual Studio IDE</a:t>
-            </a:r>
-          </a:p>
-          <a:p>
-            <a:r>
-              <a:rPr lang="de-DE" dirty="0"/>
-              <a:t>Maßnahmen zur Validierung und Sicherstellung:</a:t>
-            </a:r>
-          </a:p>
-          <a:p>
-            <a:pPr lvl="1"/>
-            <a:r>
-              <a:rPr lang="de-DE" dirty="0"/>
-              <a:t>Security-Scans, regelmäßige Updates</a:t>
-            </a:r>
-          </a:p>
-        </p:txBody>
-      </p:sp>
-      <p:sp>
-        <p:nvSpPr>
-          <p:cNvPr id="4" name="Datumsplatzhalter 3">
-            <a:extLst>
-              <a:ext uri="{FF2B5EF4-FFF2-40B4-BE49-F238E27FC236}">
-                <a16:creationId xmlns:a16="http://schemas.microsoft.com/office/drawing/2014/main" id="{02CC40AD-91C3-625D-A10C-F9A7627732C1}"/>
-              </a:ext>
-            </a:extLst>
-          </p:cNvPr>
-          <p:cNvSpPr>
-            <a:spLocks noGrp="1"/>
-          </p:cNvSpPr>
-          <p:nvPr>
-            <p:ph type="dt" sz="half" idx="10"/>
-          </p:nvPr>
-        </p:nvSpPr>
-        <p:spPr/>
-        <p:txBody>
-          <a:bodyPr/>
-          <a:lstStyle/>
-          <a:p>
-            <a:fld id="{42B45B56-1D88-4042-8DF0-EB6B41B710D3}" type="datetime1">
-              <a:rPr lang="de-DE" smtClean="0"/>
-              <a:t>05.12.2024</a:t>
-            </a:fld>
-            <a:endParaRPr lang="en-US"/>
-          </a:p>
-        </p:txBody>
-      </p:sp>
-      <p:sp>
-        <p:nvSpPr>
-          <p:cNvPr id="5" name="Foliennummernplatzhalter 4">
-            <a:extLst>
-              <a:ext uri="{FF2B5EF4-FFF2-40B4-BE49-F238E27FC236}">
-                <a16:creationId xmlns:a16="http://schemas.microsoft.com/office/drawing/2014/main" id="{C09C3547-5BE9-9D3D-0D06-22EA64B7A6ED}"/>
-              </a:ext>
-            </a:extLst>
-          </p:cNvPr>
-          <p:cNvSpPr>
-            <a:spLocks noGrp="1"/>
-          </p:cNvSpPr>
-          <p:nvPr>
-            <p:ph type="sldNum" sz="quarter" idx="12"/>
-          </p:nvPr>
-        </p:nvSpPr>
-        <p:spPr/>
-        <p:txBody>
-          <a:bodyPr/>
-          <a:lstStyle/>
-          <a:p>
-            <a:fld id="{07CE569E-9B7C-4CB9-AB80-C0841F922CFF}" type="slidenum">
-              <a:rPr lang="en-US" smtClean="0"/>
-              <a:t>18</a:t>
-            </a:fld>
-            <a:endParaRPr lang="en-US"/>
-          </a:p>
-        </p:txBody>
-      </p:sp>
-    </p:spTree>
-    <p:extLst>
-      <p:ext uri="{BB962C8B-B14F-4D97-AF65-F5344CB8AC3E}">
-        <p14:creationId xmlns:p14="http://schemas.microsoft.com/office/powerpoint/2010/main" val="3169394714"/>
-      </p:ext>
-    </p:extLst>
-  </p:cSld>
-  <p:clrMapOvr>
-    <a:masterClrMapping/>
-  </p:clrMapOvr>
-</p:sld>
-</file>
-
-<file path=ppt/slides/slide19.xml><?xml version="1.0" encoding="utf-8"?>
-<p:sld xmlns:a="http://schemas.openxmlformats.org/drawingml/2006/main" xmlns:r="http://schemas.openxmlformats.org/officeDocument/2006/relationships" xmlns:p="http://schemas.openxmlformats.org/presentationml/2006/main">
-  <p:cSld>
-    <p:spTree>
-      <p:nvGrpSpPr>
-        <p:cNvPr id="1" name=""/>
-        <p:cNvGrpSpPr/>
-        <p:nvPr/>
-      </p:nvGrpSpPr>
-      <p:grpSpPr>
-        <a:xfrm>
-          <a:off x="0" y="0"/>
-          <a:ext cx="0" cy="0"/>
-          <a:chOff x="0" y="0"/>
-          <a:chExt cx="0" cy="0"/>
-        </a:xfrm>
-      </p:grpSpPr>
-      <p:sp>
-        <p:nvSpPr>
-          <p:cNvPr id="2" name="Titel 1">
-            <a:extLst>
-              <a:ext uri="{FF2B5EF4-FFF2-40B4-BE49-F238E27FC236}">
-                <a16:creationId xmlns:a16="http://schemas.microsoft.com/office/drawing/2014/main" id="{05F31F6E-2F65-7A93-DF0B-917ABC029378}"/>
-              </a:ext>
-            </a:extLst>
-          </p:cNvPr>
-          <p:cNvSpPr>
-            <a:spLocks noGrp="1"/>
-          </p:cNvSpPr>
-          <p:nvPr>
-            <p:ph type="title"/>
-          </p:nvPr>
-        </p:nvSpPr>
-        <p:spPr/>
-        <p:txBody>
-          <a:bodyPr/>
-          <a:lstStyle/>
-          <a:p>
-            <a:endParaRPr lang="de-DE"/>
-          </a:p>
-        </p:txBody>
-      </p:sp>
-      <p:sp>
-        <p:nvSpPr>
-          <p:cNvPr id="3" name="Inhaltsplatzhalter 2">
-            <a:extLst>
-              <a:ext uri="{FF2B5EF4-FFF2-40B4-BE49-F238E27FC236}">
-                <a16:creationId xmlns:a16="http://schemas.microsoft.com/office/drawing/2014/main" id="{57D7586E-8549-8CEC-FF99-4F32F3A91E62}"/>
-              </a:ext>
-            </a:extLst>
-          </p:cNvPr>
-          <p:cNvSpPr>
-            <a:spLocks noGrp="1"/>
-          </p:cNvSpPr>
-          <p:nvPr>
-            <p:ph sz="half" idx="1"/>
-          </p:nvPr>
-        </p:nvSpPr>
-        <p:spPr/>
-        <p:txBody>
-          <a:bodyPr/>
-          <a:lstStyle/>
-          <a:p>
-            <a:endParaRPr lang="de-DE"/>
-          </a:p>
-        </p:txBody>
-      </p:sp>
-      <p:sp>
-        <p:nvSpPr>
-          <p:cNvPr id="4" name="Inhaltsplatzhalter 3">
-            <a:extLst>
-              <a:ext uri="{FF2B5EF4-FFF2-40B4-BE49-F238E27FC236}">
-                <a16:creationId xmlns:a16="http://schemas.microsoft.com/office/drawing/2014/main" id="{B737EBE6-E269-7788-70A0-0FBAD540DD56}"/>
-              </a:ext>
-            </a:extLst>
-          </p:cNvPr>
-          <p:cNvSpPr>
-            <a:spLocks noGrp="1"/>
-          </p:cNvSpPr>
-          <p:nvPr>
-            <p:ph sz="half" idx="2"/>
-          </p:nvPr>
-        </p:nvSpPr>
-        <p:spPr/>
-        <p:txBody>
-          <a:bodyPr/>
-          <a:lstStyle/>
-          <a:p>
-            <a:endParaRPr lang="de-DE"/>
-          </a:p>
-        </p:txBody>
-      </p:sp>
-      <p:sp>
-        <p:nvSpPr>
-          <p:cNvPr id="5" name="Datumsplatzhalter 4">
-            <a:extLst>
-              <a:ext uri="{FF2B5EF4-FFF2-40B4-BE49-F238E27FC236}">
-                <a16:creationId xmlns:a16="http://schemas.microsoft.com/office/drawing/2014/main" id="{4D485582-CA74-5996-9B0D-1A4F88AB5AF0}"/>
-              </a:ext>
-            </a:extLst>
-          </p:cNvPr>
-          <p:cNvSpPr>
-            <a:spLocks noGrp="1"/>
-          </p:cNvSpPr>
-          <p:nvPr>
-            <p:ph type="dt" sz="half" idx="10"/>
-          </p:nvPr>
-        </p:nvSpPr>
-        <p:spPr/>
-        <p:txBody>
-          <a:bodyPr/>
-          <a:lstStyle/>
-          <a:p>
-            <a:fld id="{12AE7323-5CDD-4051-9975-1729D84443C7}" type="datetime1">
-              <a:rPr lang="de-DE" smtClean="0"/>
-              <a:t>05.12.2024</a:t>
-            </a:fld>
-            <a:endParaRPr lang="en-US"/>
-          </a:p>
-        </p:txBody>
-      </p:sp>
-      <p:sp>
-        <p:nvSpPr>
-          <p:cNvPr id="6" name="Foliennummernplatzhalter 5">
-            <a:extLst>
-              <a:ext uri="{FF2B5EF4-FFF2-40B4-BE49-F238E27FC236}">
-                <a16:creationId xmlns:a16="http://schemas.microsoft.com/office/drawing/2014/main" id="{EFEE860A-9D58-26A0-3548-E7CC6A6E9AEB}"/>
-              </a:ext>
-            </a:extLst>
-          </p:cNvPr>
-          <p:cNvSpPr>
-            <a:spLocks noGrp="1"/>
-          </p:cNvSpPr>
-          <p:nvPr>
-            <p:ph type="sldNum" sz="quarter" idx="12"/>
-          </p:nvPr>
-        </p:nvSpPr>
-        <p:spPr/>
-        <p:txBody>
-          <a:bodyPr/>
-          <a:lstStyle/>
-          <a:p>
-            <a:fld id="{07CE569E-9B7C-4CB9-AB80-C0841F922CFF}" type="slidenum">
-              <a:rPr lang="en-US" smtClean="0"/>
-              <a:t>19</a:t>
-            </a:fld>
-            <a:endParaRPr lang="en-US"/>
-          </a:p>
-        </p:txBody>
-      </p:sp>
-    </p:spTree>
-    <p:extLst>
-      <p:ext uri="{BB962C8B-B14F-4D97-AF65-F5344CB8AC3E}">
-        <p14:creationId xmlns:p14="http://schemas.microsoft.com/office/powerpoint/2010/main" val="3837604972"/>
-      </p:ext>
-    </p:extLst>
-  </p:cSld>
-  <p:clrMapOvr>
-    <a:masterClrMapping/>
-  </p:clrMapOvr>
-</p:sld>
-</file>
-
-<file path=ppt/slides/slide2.xml><?xml version="1.0" encoding="utf-8"?>
-<p:sld xmlns:a="http://schemas.openxmlformats.org/drawingml/2006/main" xmlns:r="http://schemas.openxmlformats.org/officeDocument/2006/relationships" xmlns:p="http://schemas.openxmlformats.org/presentationml/2006/main">
-  <p:cSld>
-    <p:spTree>
-      <p:nvGrpSpPr>
-        <p:cNvPr id="1" name=""/>
-        <p:cNvGrpSpPr/>
-        <p:nvPr/>
-      </p:nvGrpSpPr>
-      <p:grpSpPr>
-        <a:xfrm>
-          <a:off x="0" y="0"/>
-          <a:ext cx="0" cy="0"/>
-          <a:chOff x="0" y="0"/>
-          <a:chExt cx="0" cy="0"/>
-        </a:xfrm>
-      </p:grpSpPr>
-      <p:sp>
-        <p:nvSpPr>
-          <p:cNvPr id="11" name="Titel 10">
-            <a:extLst>
-              <a:ext uri="{FF2B5EF4-FFF2-40B4-BE49-F238E27FC236}">
-                <a16:creationId xmlns:a16="http://schemas.microsoft.com/office/drawing/2014/main" id="{1118431B-1496-0A82-1676-FAA6A30588CC}"/>
-              </a:ext>
-            </a:extLst>
-          </p:cNvPr>
-          <p:cNvSpPr>
-            <a:spLocks noGrp="1"/>
-          </p:cNvSpPr>
-          <p:nvPr>
-            <p:ph type="title"/>
-          </p:nvPr>
-        </p:nvSpPr>
-        <p:spPr/>
-        <p:txBody>
-          <a:bodyPr/>
-          <a:lstStyle/>
-          <a:p>
-            <a:r>
-              <a:rPr lang="de-DE" dirty="0"/>
-              <a:t>INHALTSVERZEICHNIS</a:t>
-            </a:r>
-          </a:p>
-        </p:txBody>
-      </p:sp>
-      <p:sp>
-        <p:nvSpPr>
-          <p:cNvPr id="12" name="Inhaltsplatzhalter 11">
-            <a:extLst>
-              <a:ext uri="{FF2B5EF4-FFF2-40B4-BE49-F238E27FC236}">
-                <a16:creationId xmlns:a16="http://schemas.microsoft.com/office/drawing/2014/main" id="{DFE3170E-AE62-0144-BDDB-D9C60B4C7C94}"/>
-              </a:ext>
-            </a:extLst>
-          </p:cNvPr>
-          <p:cNvSpPr>
-            <a:spLocks noGrp="1"/>
-          </p:cNvSpPr>
-          <p:nvPr>
-            <p:ph idx="1"/>
-          </p:nvPr>
-        </p:nvSpPr>
-        <p:spPr/>
-        <p:txBody>
-          <a:bodyPr>
-            <a:normAutofit fontScale="70000" lnSpcReduction="20000"/>
-          </a:bodyPr>
-          <a:lstStyle/>
-          <a:p>
-            <a:pPr marL="514350" indent="-514350">
-              <a:buFont typeface="+mj-lt"/>
-              <a:buAutoNum type="arabicPeriod"/>
-            </a:pPr>
-            <a:r>
-              <a:rPr lang="de-DE" dirty="0"/>
-              <a:t>Gesamtplan für das Projekt</a:t>
-            </a:r>
-          </a:p>
-          <a:p>
-            <a:pPr marL="514350" indent="-514350">
-              <a:buFont typeface="+mj-lt"/>
-              <a:buAutoNum type="arabicPeriod"/>
-            </a:pPr>
-            <a:r>
-              <a:rPr lang="de-DE" dirty="0"/>
-              <a:t>Tätigkeiten des vergangenen Zeitraums</a:t>
-            </a:r>
-          </a:p>
-          <a:p>
-            <a:pPr marL="514350" indent="-514350">
-              <a:buFont typeface="+mj-lt"/>
-              <a:buAutoNum type="arabicPeriod"/>
-            </a:pPr>
-            <a:r>
-              <a:rPr lang="de-DE" dirty="0"/>
-              <a:t>Produktzwischenstand</a:t>
-            </a:r>
-          </a:p>
-          <a:p>
-            <a:pPr marL="514350" indent="-514350">
-              <a:buFont typeface="+mj-lt"/>
-              <a:buAutoNum type="arabicPeriod"/>
-            </a:pPr>
-            <a:r>
-              <a:rPr lang="de-DE" dirty="0"/>
-              <a:t>Detailplanung</a:t>
-            </a:r>
-          </a:p>
-          <a:p>
-            <a:pPr marL="514350" indent="-514350">
-              <a:buFont typeface="+mj-lt"/>
-              <a:buAutoNum type="arabicPeriod"/>
-            </a:pPr>
-            <a:r>
-              <a:rPr lang="de-DE" dirty="0"/>
-              <a:t>Ausblick auf den folgenden Sprint</a:t>
-            </a:r>
-          </a:p>
-          <a:p>
-            <a:pPr marL="514350" indent="-514350">
-              <a:buFont typeface="+mj-lt"/>
-              <a:buAutoNum type="arabicPeriod"/>
-            </a:pPr>
-            <a:r>
-              <a:rPr lang="de-DE" dirty="0"/>
-              <a:t>Software-Tools</a:t>
-            </a:r>
-          </a:p>
-          <a:p>
-            <a:pPr marL="514350" indent="-514350">
-              <a:buFont typeface="+mj-lt"/>
-              <a:buAutoNum type="arabicPeriod"/>
-            </a:pPr>
-            <a:r>
-              <a:rPr lang="de-DE" dirty="0"/>
-              <a:t>SOUPs/OTS </a:t>
-            </a:r>
-          </a:p>
-        </p:txBody>
-      </p:sp>
-      <p:sp>
-        <p:nvSpPr>
-          <p:cNvPr id="16" name="Datumsplatzhalter 15">
-            <a:extLst>
-              <a:ext uri="{FF2B5EF4-FFF2-40B4-BE49-F238E27FC236}">
-                <a16:creationId xmlns:a16="http://schemas.microsoft.com/office/drawing/2014/main" id="{1D85867B-85E2-65F9-23F4-3499A505A0CD}"/>
-              </a:ext>
-            </a:extLst>
-          </p:cNvPr>
-          <p:cNvSpPr>
-            <a:spLocks noGrp="1"/>
-          </p:cNvSpPr>
-          <p:nvPr>
-            <p:ph type="dt" sz="half" idx="10"/>
-          </p:nvPr>
-        </p:nvSpPr>
-        <p:spPr/>
-        <p:txBody>
-          <a:bodyPr/>
-          <a:lstStyle/>
-          <a:p>
-            <a:fld id="{AE5E781B-AB27-45A9-B2F3-7F70593BE83B}" type="datetime1">
-              <a:rPr lang="de-DE" smtClean="0"/>
-              <a:t>05.12.2024</a:t>
-            </a:fld>
-            <a:endParaRPr lang="en-US"/>
-          </a:p>
-        </p:txBody>
-      </p:sp>
-      <p:sp>
-        <p:nvSpPr>
-          <p:cNvPr id="17" name="Foliennummernplatzhalter 16">
-            <a:extLst>
-              <a:ext uri="{FF2B5EF4-FFF2-40B4-BE49-F238E27FC236}">
-                <a16:creationId xmlns:a16="http://schemas.microsoft.com/office/drawing/2014/main" id="{E760C18F-75BC-9CF5-53D0-7B2D9937E501}"/>
-              </a:ext>
-            </a:extLst>
-          </p:cNvPr>
-          <p:cNvSpPr>
-            <a:spLocks noGrp="1"/>
-          </p:cNvSpPr>
-          <p:nvPr>
-            <p:ph type="sldNum" sz="quarter" idx="12"/>
-          </p:nvPr>
-        </p:nvSpPr>
-        <p:spPr/>
-        <p:txBody>
-          <a:bodyPr/>
-          <a:lstStyle/>
-          <a:p>
-            <a:fld id="{07CE569E-9B7C-4CB9-AB80-C0841F922CFF}" type="slidenum">
-              <a:rPr lang="en-US" smtClean="0"/>
-              <a:t>2</a:t>
-            </a:fld>
-            <a:endParaRPr lang="en-US"/>
-          </a:p>
-        </p:txBody>
-      </p:sp>
-    </p:spTree>
-    <p:extLst>
-      <p:ext uri="{BB962C8B-B14F-4D97-AF65-F5344CB8AC3E}">
-        <p14:creationId xmlns:p14="http://schemas.microsoft.com/office/powerpoint/2010/main" val="1411604025"/>
-      </p:ext>
-    </p:extLst>
-  </p:cSld>
-  <p:clrMapOvr>
-    <a:masterClrMapping/>
-  </p:clrMapOvr>
-</p:sld>
-</file>
-
-<file path=ppt/slides/slide20.xml><?xml version="1.0" encoding="utf-8"?>
-<p:sld xmlns:a="http://schemas.openxmlformats.org/drawingml/2006/main" xmlns:r="http://schemas.openxmlformats.org/officeDocument/2006/relationships" xmlns:p="http://schemas.openxmlformats.org/presentationml/2006/main">
-  <p:cSld>
-    <p:spTree>
-      <p:nvGrpSpPr>
-        <p:cNvPr id="1" name="">
-          <a:extLst>
-            <a:ext uri="{FF2B5EF4-FFF2-40B4-BE49-F238E27FC236}">
-              <a16:creationId xmlns:a16="http://schemas.microsoft.com/office/drawing/2014/main" id="{FAA7904C-22D5-E881-4D01-FB477DA71E5F}"/>
-            </a:ext>
-          </a:extLst>
-        </p:cNvPr>
-        <p:cNvGrpSpPr/>
-        <p:nvPr/>
-      </p:nvGrpSpPr>
-      <p:grpSpPr>
-        <a:xfrm>
-          <a:off x="0" y="0"/>
-          <a:ext cx="0" cy="0"/>
-          <a:chOff x="0" y="0"/>
-          <a:chExt cx="0" cy="0"/>
-        </a:xfrm>
-      </p:grpSpPr>
-      <p:sp>
-        <p:nvSpPr>
-          <p:cNvPr id="2" name="Titel 1">
-            <a:extLst>
-              <a:ext uri="{FF2B5EF4-FFF2-40B4-BE49-F238E27FC236}">
-                <a16:creationId xmlns:a16="http://schemas.microsoft.com/office/drawing/2014/main" id="{3BB55E6B-CF2C-CEF3-FF48-47668B162BA5}"/>
-              </a:ext>
-            </a:extLst>
-          </p:cNvPr>
-          <p:cNvSpPr>
-            <a:spLocks noGrp="1"/>
-          </p:cNvSpPr>
-          <p:nvPr>
-            <p:ph type="title"/>
-          </p:nvPr>
-        </p:nvSpPr>
-        <p:spPr/>
-        <p:txBody>
-          <a:bodyPr/>
-          <a:lstStyle/>
-          <a:p>
-            <a:r>
-              <a:rPr lang="de-DE" dirty="0"/>
-              <a:t>4. Detailplanung (IST)</a:t>
-            </a:r>
-          </a:p>
-        </p:txBody>
-      </p:sp>
-      <p:sp>
-        <p:nvSpPr>
-          <p:cNvPr id="4" name="Datumsplatzhalter 3">
-            <a:extLst>
-              <a:ext uri="{FF2B5EF4-FFF2-40B4-BE49-F238E27FC236}">
-                <a16:creationId xmlns:a16="http://schemas.microsoft.com/office/drawing/2014/main" id="{27F8B146-19B8-D939-3B88-D8858768AA31}"/>
-              </a:ext>
-            </a:extLst>
-          </p:cNvPr>
-          <p:cNvSpPr>
-            <a:spLocks noGrp="1"/>
-          </p:cNvSpPr>
-          <p:nvPr>
-            <p:ph type="dt" sz="half" idx="10"/>
-          </p:nvPr>
-        </p:nvSpPr>
-        <p:spPr/>
-        <p:txBody>
-          <a:bodyPr/>
-          <a:lstStyle/>
-          <a:p>
-            <a:pPr marL="0" marR="0" lvl="0" indent="0" algn="r" defTabSz="914400" rtl="0" eaLnBrk="1" fontAlgn="auto" latinLnBrk="0" hangingPunct="1">
-              <a:lnSpc>
-                <a:spcPct val="100000"/>
-              </a:lnSpc>
-              <a:spcBef>
-                <a:spcPts val="0"/>
-              </a:spcBef>
-              <a:spcAft>
-                <a:spcPts val="0"/>
-              </a:spcAft>
-              <a:buClrTx/>
-              <a:buSzTx/>
-              <a:buFontTx/>
-              <a:buNone/>
-              <a:tabLst/>
-              <a:defRPr/>
-            </a:pPr>
-            <a:fld id="{42B45B56-1D88-4042-8DF0-EB6B41B710D3}" type="datetime1">
-              <a:rPr kumimoji="0" lang="de-DE" sz="1200" b="0" i="0" u="none" strike="noStrike" kern="1200" cap="none" spc="0" normalizeH="0" baseline="0" noProof="0" smtClean="0">
-                <a:ln>
-                  <a:noFill/>
-                </a:ln>
-                <a:solidFill>
-                  <a:srgbClr val="FFFFFF">
-                    <a:tint val="75000"/>
-                    <a:alpha val="70000"/>
-                  </a:srgbClr>
-                </a:solidFill>
-                <a:effectLst/>
-                <a:uLnTx/>
-                <a:uFillTx/>
-                <a:latin typeface="Avenir Next LT Pro"/>
-                <a:ea typeface="+mn-ea"/>
-                <a:cs typeface="+mn-cs"/>
-              </a:rPr>
-              <a:pPr marL="0" marR="0" lvl="0" indent="0" algn="r" defTabSz="914400" rtl="0" eaLnBrk="1" fontAlgn="auto" latinLnBrk="0" hangingPunct="1">
-                <a:lnSpc>
-                  <a:spcPct val="100000"/>
-                </a:lnSpc>
-                <a:spcBef>
-                  <a:spcPts val="0"/>
-                </a:spcBef>
-                <a:spcAft>
-                  <a:spcPts val="0"/>
-                </a:spcAft>
-                <a:buClrTx/>
-                <a:buSzTx/>
-                <a:buFontTx/>
-                <a:buNone/>
-                <a:tabLst/>
-                <a:defRPr/>
-              </a:pPr>
-              <a:t>05.12.2024</a:t>
-            </a:fld>
-            <a:endParaRPr kumimoji="0" lang="en-US" sz="1200" b="0" i="0" u="none" strike="noStrike" kern="1200" cap="none" spc="0" normalizeH="0" baseline="0" noProof="0">
-              <a:ln>
-                <a:noFill/>
-              </a:ln>
-              <a:solidFill>
-                <a:srgbClr val="FFFFFF">
-                  <a:tint val="75000"/>
-                  <a:alpha val="70000"/>
-                </a:srgbClr>
-              </a:solidFill>
-              <a:effectLst/>
-              <a:uLnTx/>
-              <a:uFillTx/>
-              <a:latin typeface="Avenir Next LT Pro"/>
-              <a:ea typeface="+mn-ea"/>
-              <a:cs typeface="+mn-cs"/>
-            </a:endParaRPr>
-          </a:p>
-        </p:txBody>
-      </p:sp>
-      <p:sp>
-        <p:nvSpPr>
-          <p:cNvPr id="5" name="Foliennummernplatzhalter 4">
-            <a:extLst>
-              <a:ext uri="{FF2B5EF4-FFF2-40B4-BE49-F238E27FC236}">
-                <a16:creationId xmlns:a16="http://schemas.microsoft.com/office/drawing/2014/main" id="{574F4C5D-53C4-AF6F-8676-A07AF5A9C890}"/>
-              </a:ext>
-            </a:extLst>
-          </p:cNvPr>
-          <p:cNvSpPr>
-            <a:spLocks noGrp="1"/>
-          </p:cNvSpPr>
-          <p:nvPr>
-            <p:ph type="sldNum" sz="quarter" idx="12"/>
-          </p:nvPr>
-        </p:nvSpPr>
-        <p:spPr/>
-        <p:txBody>
-          <a:bodyPr/>
-          <a:lstStyle/>
-          <a:p>
-            <a:pPr marL="0" marR="0" lvl="0" indent="0" algn="r" defTabSz="914400" rtl="0" eaLnBrk="1" fontAlgn="auto" latinLnBrk="0" hangingPunct="1">
-              <a:lnSpc>
-                <a:spcPct val="100000"/>
-              </a:lnSpc>
-              <a:spcBef>
-                <a:spcPts val="0"/>
-              </a:spcBef>
-              <a:spcAft>
-                <a:spcPts val="0"/>
-              </a:spcAft>
-              <a:buClrTx/>
-              <a:buSzTx/>
-              <a:buFontTx/>
-              <a:buNone/>
-              <a:tabLst/>
-              <a:defRPr/>
-            </a:pPr>
-            <a:fld id="{07CE569E-9B7C-4CB9-AB80-C0841F922CFF}" type="slidenum">
-              <a:rPr kumimoji="0" lang="en-US" sz="1200" b="0" i="0" u="none" strike="noStrike" kern="1200" cap="none" spc="0" normalizeH="0" baseline="0" noProof="0" smtClean="0">
-                <a:ln>
-                  <a:noFill/>
-                </a:ln>
-                <a:solidFill>
-                  <a:srgbClr val="FFFFFF">
-                    <a:tint val="75000"/>
-                    <a:alpha val="70000"/>
-                  </a:srgbClr>
-                </a:solidFill>
-                <a:effectLst/>
-                <a:uLnTx/>
-                <a:uFillTx/>
-                <a:latin typeface="Avenir Next LT Pro"/>
-                <a:ea typeface="+mn-ea"/>
-                <a:cs typeface="+mn-cs"/>
-              </a:rPr>
-              <a:pPr marL="0" marR="0" lvl="0" indent="0" algn="r" defTabSz="914400" rtl="0" eaLnBrk="1" fontAlgn="auto" latinLnBrk="0" hangingPunct="1">
-                <a:lnSpc>
-                  <a:spcPct val="100000"/>
-                </a:lnSpc>
-                <a:spcBef>
-                  <a:spcPts val="0"/>
-                </a:spcBef>
-                <a:spcAft>
-                  <a:spcPts val="0"/>
-                </a:spcAft>
-                <a:buClrTx/>
-                <a:buSzTx/>
-                <a:buFontTx/>
-                <a:buNone/>
-                <a:tabLst/>
-                <a:defRPr/>
-              </a:pPr>
-              <a:t>20</a:t>
-            </a:fld>
-            <a:endParaRPr kumimoji="0" lang="en-US" sz="1200" b="0" i="0" u="none" strike="noStrike" kern="1200" cap="none" spc="0" normalizeH="0" baseline="0" noProof="0">
-              <a:ln>
-                <a:noFill/>
-              </a:ln>
-              <a:solidFill>
-                <a:srgbClr val="FFFFFF">
-                  <a:tint val="75000"/>
-                  <a:alpha val="70000"/>
-                </a:srgbClr>
-              </a:solidFill>
-              <a:effectLst/>
-              <a:uLnTx/>
-              <a:uFillTx/>
-              <a:latin typeface="Avenir Next LT Pro"/>
-              <a:ea typeface="+mn-ea"/>
-              <a:cs typeface="+mn-cs"/>
-            </a:endParaRPr>
-          </a:p>
-        </p:txBody>
-      </p:sp>
-      <p:graphicFrame>
-        <p:nvGraphicFramePr>
-          <p:cNvPr id="3" name="Inhaltsplatzhalter 2">
-            <a:extLst>
-              <a:ext uri="{FF2B5EF4-FFF2-40B4-BE49-F238E27FC236}">
-                <a16:creationId xmlns:a16="http://schemas.microsoft.com/office/drawing/2014/main" id="{5F2698D9-4327-57B7-2C1D-6CF407017E47}"/>
-              </a:ext>
-            </a:extLst>
-          </p:cNvPr>
-          <p:cNvGraphicFramePr>
-            <a:graphicFrameLocks noGrp="1"/>
-          </p:cNvGraphicFramePr>
-          <p:nvPr>
-            <p:ph idx="1"/>
-            <p:extLst>
-              <p:ext uri="{D42A27DB-BD31-4B8C-83A1-F6EECF244321}">
-                <p14:modId xmlns:p14="http://schemas.microsoft.com/office/powerpoint/2010/main" val="1752711689"/>
-              </p:ext>
-            </p:extLst>
-          </p:nvPr>
-        </p:nvGraphicFramePr>
-        <p:xfrm>
-          <a:off x="762000" y="1860487"/>
-          <a:ext cx="8961423" cy="4467451"/>
-        </p:xfrm>
-        <a:graphic>
-          <a:graphicData uri="http://schemas.openxmlformats.org/drawingml/2006/table">
-            <a:tbl>
-              <a:tblPr firstRow="1" bandRow="1">
-                <a:tableStyleId>{5C22544A-7EE6-4342-B048-85BDC9FD1C3A}</a:tableStyleId>
-              </a:tblPr>
-              <a:tblGrid>
-                <a:gridCol w="3810675">
-                  <a:extLst>
-                    <a:ext uri="{9D8B030D-6E8A-4147-A177-3AD203B41FA5}">
-                      <a16:colId xmlns:a16="http://schemas.microsoft.com/office/drawing/2014/main" val="230851902"/>
-                    </a:ext>
-                  </a:extLst>
-                </a:gridCol>
-                <a:gridCol w="2321893">
-                  <a:extLst>
-                    <a:ext uri="{9D8B030D-6E8A-4147-A177-3AD203B41FA5}">
-                      <a16:colId xmlns:a16="http://schemas.microsoft.com/office/drawing/2014/main" val="2657664356"/>
-                    </a:ext>
-                  </a:extLst>
-                </a:gridCol>
-                <a:gridCol w="1733814">
-                  <a:extLst>
-                    <a:ext uri="{9D8B030D-6E8A-4147-A177-3AD203B41FA5}">
-                      <a16:colId xmlns:a16="http://schemas.microsoft.com/office/drawing/2014/main" val="4098082685"/>
-                    </a:ext>
-                  </a:extLst>
-                </a:gridCol>
-                <a:gridCol w="1095041">
-                  <a:extLst>
-                    <a:ext uri="{9D8B030D-6E8A-4147-A177-3AD203B41FA5}">
-                      <a16:colId xmlns:a16="http://schemas.microsoft.com/office/drawing/2014/main" val="2360363224"/>
-                    </a:ext>
-                  </a:extLst>
-                </a:gridCol>
-              </a:tblGrid>
-              <a:tr h="364002">
-                <a:tc>
-                  <a:txBody>
-                    <a:bodyPr/>
-                    <a:lstStyle/>
-                    <a:p>
-                      <a:r>
-                        <a:rPr lang="en-US" sz="1400"/>
-                        <a:t>Aufgabe</a:t>
-                      </a:r>
-                      <a:endParaRPr lang="de-DE" sz="1400" dirty="0"/>
-                    </a:p>
-                  </a:txBody>
-                  <a:tcPr/>
-                </a:tc>
-                <a:tc>
-                  <a:txBody>
-                    <a:bodyPr/>
-                    <a:lstStyle/>
-                    <a:p>
-                      <a:r>
-                        <a:rPr lang="en-US" sz="1400"/>
-                        <a:t>Zuständigkeit</a:t>
-                      </a:r>
-                      <a:endParaRPr lang="de-DE" sz="1400" dirty="0"/>
-                    </a:p>
-                  </a:txBody>
-                  <a:tcPr/>
-                </a:tc>
-                <a:tc>
-                  <a:txBody>
-                    <a:bodyPr/>
-                    <a:lstStyle/>
-                    <a:p>
-                      <a:r>
-                        <a:rPr lang="en-US" sz="1400"/>
-                        <a:t>Aufwand</a:t>
-                      </a:r>
-                      <a:endParaRPr lang="de-DE" sz="1400" dirty="0"/>
-                    </a:p>
-                  </a:txBody>
-                  <a:tcPr/>
-                </a:tc>
-                <a:tc>
-                  <a:txBody>
-                    <a:bodyPr/>
-                    <a:lstStyle/>
-                    <a:p>
-                      <a:r>
-                        <a:rPr lang="en-US" sz="1400"/>
-                        <a:t>Status</a:t>
-                      </a:r>
-                      <a:endParaRPr lang="de-DE" sz="1400" dirty="0"/>
-                    </a:p>
-                  </a:txBody>
-                  <a:tcPr/>
-                </a:tc>
-                <a:extLst>
-                  <a:ext uri="{0D108BD9-81ED-4DB2-BD59-A6C34878D82A}">
-                    <a16:rowId xmlns:a16="http://schemas.microsoft.com/office/drawing/2014/main" val="2749238170"/>
-                  </a:ext>
-                </a:extLst>
-              </a:tr>
-              <a:tr h="926116">
-                <a:tc>
-                  <a:txBody>
-                    <a:bodyPr/>
-                    <a:lstStyle/>
-                    <a:p>
-                      <a:r>
-                        <a:rPr lang="en-US" sz="1400"/>
-                        <a:t>Dokumentation + Project Managment</a:t>
-                      </a:r>
-                      <a:endParaRPr lang="de-DE" sz="1400" dirty="0"/>
-                    </a:p>
-                  </a:txBody>
-                  <a:tcPr/>
-                </a:tc>
-                <a:tc>
-                  <a:txBody>
-                    <a:bodyPr/>
-                    <a:lstStyle/>
-                    <a:p>
-                      <a:r>
-                        <a:rPr lang="en-US" sz="1400"/>
-                        <a:t>Alle</a:t>
-                      </a:r>
-                      <a:endParaRPr lang="de-DE" sz="1400" dirty="0"/>
-                    </a:p>
-                  </a:txBody>
-                  <a:tcPr/>
-                </a:tc>
-                <a:tc>
-                  <a:txBody>
-                    <a:bodyPr/>
-                    <a:lstStyle/>
-                    <a:p>
-                      <a:r>
-                        <a:rPr lang="en-US" sz="1400" dirty="0"/>
-                        <a:t>14</a:t>
-                      </a:r>
-                    </a:p>
-                    <a:p>
-                      <a:r>
-                        <a:rPr lang="en-US" sz="1050" dirty="0"/>
-                        <a:t>(6h </a:t>
-                      </a:r>
-                      <a:r>
-                        <a:rPr lang="en-US" sz="1050" dirty="0" err="1"/>
-                        <a:t>Vorbereitung</a:t>
-                      </a:r>
-                      <a:r>
-                        <a:rPr lang="en-US" sz="1050" dirty="0"/>
-                        <a:t> des Sprint)</a:t>
-                      </a:r>
-                      <a:endParaRPr lang="de-DE" sz="1050" dirty="0"/>
-                    </a:p>
-                  </a:txBody>
-                  <a:tcPr/>
-                </a:tc>
-                <a:tc>
-                  <a:txBody>
-                    <a:bodyPr/>
-                    <a:lstStyle/>
-                    <a:p>
-                      <a:r>
-                        <a:rPr lang="en-US" sz="1400" dirty="0" err="1"/>
-                        <a:t>Erledigt</a:t>
-                      </a:r>
-                      <a:endParaRPr lang="de-DE" sz="1400" dirty="0"/>
-                    </a:p>
-                  </a:txBody>
-                  <a:tcPr/>
-                </a:tc>
-                <a:extLst>
-                  <a:ext uri="{0D108BD9-81ED-4DB2-BD59-A6C34878D82A}">
-                    <a16:rowId xmlns:a16="http://schemas.microsoft.com/office/drawing/2014/main" val="432160553"/>
-                  </a:ext>
-                </a:extLst>
-              </a:tr>
-              <a:tr h="408804">
-                <a:tc>
-                  <a:txBody>
-                    <a:bodyPr/>
-                    <a:lstStyle/>
-                    <a:p>
-                      <a:r>
-                        <a:rPr lang="en-US" sz="1400"/>
-                        <a:t>Erstellen Mockups u. Wireframes</a:t>
-                      </a:r>
-                      <a:endParaRPr lang="de-DE" sz="1400" dirty="0"/>
-                    </a:p>
-                  </a:txBody>
-                  <a:tcPr/>
-                </a:tc>
-                <a:tc>
-                  <a:txBody>
-                    <a:bodyPr/>
-                    <a:lstStyle/>
-                    <a:p>
-                      <a:r>
-                        <a:rPr lang="en-US" sz="1400" kern="1200">
-                          <a:solidFill>
-                            <a:schemeClr val="dk1"/>
-                          </a:solidFill>
-                          <a:latin typeface="+mn-lt"/>
-                          <a:ea typeface="+mn-ea"/>
-                          <a:cs typeface="+mn-cs"/>
-                        </a:rPr>
-                        <a:t>Vincent Knapp</a:t>
-                      </a:r>
-                      <a:endParaRPr lang="de-DE" sz="1400" kern="1200" dirty="0">
-                        <a:solidFill>
-                          <a:schemeClr val="dk1"/>
-                        </a:solidFill>
-                        <a:latin typeface="+mn-lt"/>
-                        <a:ea typeface="+mn-ea"/>
-                        <a:cs typeface="+mn-cs"/>
-                      </a:endParaRPr>
-                    </a:p>
-                  </a:txBody>
-                  <a:tcPr/>
-                </a:tc>
-                <a:tc>
-                  <a:txBody>
-                    <a:bodyPr/>
-                    <a:lstStyle/>
-                    <a:p>
-                      <a:r>
-                        <a:rPr lang="en-US" sz="1400" kern="1200" dirty="0">
-                          <a:solidFill>
-                            <a:schemeClr val="dk1"/>
-                          </a:solidFill>
-                          <a:latin typeface="+mn-lt"/>
-                          <a:ea typeface="+mn-ea"/>
-                          <a:cs typeface="+mn-cs"/>
-                        </a:rPr>
-                        <a:t>2</a:t>
-                      </a:r>
-                      <a:endParaRPr lang="de-DE" sz="1400" kern="1200" dirty="0">
-                        <a:solidFill>
-                          <a:schemeClr val="dk1"/>
-                        </a:solidFill>
-                        <a:latin typeface="+mn-lt"/>
-                        <a:ea typeface="+mn-ea"/>
-                        <a:cs typeface="+mn-cs"/>
-                      </a:endParaRPr>
-                    </a:p>
-                  </a:txBody>
-                  <a:tcPr/>
-                </a:tc>
-                <a:tc>
-                  <a:txBody>
-                    <a:bodyPr/>
-                    <a:lstStyle/>
-                    <a:p>
-                      <a:r>
-                        <a:rPr lang="en-US" sz="1400"/>
-                        <a:t>Erledigt</a:t>
-                      </a:r>
-                      <a:endParaRPr lang="de-DE" sz="1400" dirty="0"/>
-                    </a:p>
-                  </a:txBody>
-                  <a:tcPr/>
-                </a:tc>
-                <a:extLst>
-                  <a:ext uri="{0D108BD9-81ED-4DB2-BD59-A6C34878D82A}">
-                    <a16:rowId xmlns:a16="http://schemas.microsoft.com/office/drawing/2014/main" val="739622510"/>
-                  </a:ext>
-                </a:extLst>
-              </a:tr>
-              <a:tr h="506337">
-                <a:tc>
-                  <a:txBody>
-                    <a:bodyPr/>
-                    <a:lstStyle/>
-                    <a:p>
-                      <a:pPr marL="0" marR="0" lvl="0" indent="0" algn="l" defTabSz="914400" rtl="0" eaLnBrk="1" fontAlgn="auto" latinLnBrk="0" hangingPunct="1">
-                        <a:lnSpc>
-                          <a:spcPct val="100000"/>
-                        </a:lnSpc>
-                        <a:spcBef>
-                          <a:spcPts val="0"/>
-                        </a:spcBef>
-                        <a:spcAft>
-                          <a:spcPts val="0"/>
-                        </a:spcAft>
-                        <a:buClrTx/>
-                        <a:buSzTx/>
-                        <a:buFontTx/>
-                        <a:buNone/>
-                        <a:tabLst/>
-                        <a:defRPr/>
-                      </a:pPr>
-                      <a:r>
-                        <a:rPr lang="en-US" sz="1400" dirty="0"/>
-                        <a:t>Website “Menu-Karte” </a:t>
-                      </a:r>
-                      <a:r>
-                        <a:rPr lang="en-US" sz="1400" dirty="0" err="1"/>
-                        <a:t>erstellen</a:t>
-                      </a:r>
-                      <a:endParaRPr lang="en-US" sz="1400" dirty="0"/>
-                    </a:p>
-                  </a:txBody>
-                  <a:tcPr/>
-                </a:tc>
-                <a:tc>
-                  <a:txBody>
-                    <a:bodyPr/>
-                    <a:lstStyle/>
-                    <a:p>
-                      <a:r>
-                        <a:rPr lang="en-US" sz="1400" dirty="0"/>
-                        <a:t>Dennis Haaf</a:t>
-                      </a:r>
-                      <a:br>
-                        <a:rPr lang="en-US" sz="1400" dirty="0"/>
-                      </a:br>
-                      <a:r>
-                        <a:rPr lang="en-US" sz="1400" dirty="0"/>
-                        <a:t>Vincent Knapp</a:t>
-                      </a:r>
-                      <a:endParaRPr lang="de-DE" sz="1400" dirty="0"/>
-                    </a:p>
-                  </a:txBody>
-                  <a:tcPr/>
-                </a:tc>
-                <a:tc>
-                  <a:txBody>
-                    <a:bodyPr/>
-                    <a:lstStyle/>
-                    <a:p>
-                      <a:r>
-                        <a:rPr lang="en-US" sz="1400" dirty="0"/>
-                        <a:t>8</a:t>
-                      </a:r>
-                      <a:endParaRPr lang="de-DE" sz="1400" dirty="0"/>
-                    </a:p>
-                  </a:txBody>
-                  <a:tcPr/>
-                </a:tc>
-                <a:tc>
-                  <a:txBody>
-                    <a:bodyPr/>
-                    <a:lstStyle/>
-                    <a:p>
-                      <a:r>
-                        <a:rPr lang="en-US" sz="1400" dirty="0" err="1"/>
-                        <a:t>Erledigt</a:t>
-                      </a:r>
-                      <a:endParaRPr lang="de-DE" sz="1400" dirty="0"/>
-                    </a:p>
-                  </a:txBody>
-                  <a:tcPr/>
-                </a:tc>
-                <a:extLst>
-                  <a:ext uri="{0D108BD9-81ED-4DB2-BD59-A6C34878D82A}">
-                    <a16:rowId xmlns:a16="http://schemas.microsoft.com/office/drawing/2014/main" val="740267785"/>
-                  </a:ext>
-                </a:extLst>
-              </a:tr>
-              <a:tr h="628278">
-                <a:tc>
-                  <a:txBody>
-                    <a:bodyPr/>
-                    <a:lstStyle/>
-                    <a:p>
-                      <a:r>
-                        <a:rPr lang="en-US" sz="1400" dirty="0" err="1"/>
-                        <a:t>Datenbank</a:t>
-                      </a:r>
-                      <a:r>
-                        <a:rPr lang="en-US" sz="1400" dirty="0"/>
-                        <a:t> “Menu-Karte”</a:t>
-                      </a:r>
-                      <a:endParaRPr lang="de-DE" sz="1400" dirty="0"/>
-                    </a:p>
-                  </a:txBody>
-                  <a:tcPr/>
-                </a:tc>
-                <a:tc>
-                  <a:txBody>
-                    <a:bodyPr/>
-                    <a:lstStyle/>
-                    <a:p>
-                      <a:r>
-                        <a:rPr lang="en-US" sz="1400"/>
-                        <a:t>Vincent Knapp</a:t>
-                      </a:r>
-                    </a:p>
-                    <a:p>
-                      <a:r>
-                        <a:rPr lang="en-US" sz="1400"/>
-                        <a:t>Hans Bloching</a:t>
-                      </a:r>
-                    </a:p>
-                    <a:p>
-                      <a:r>
-                        <a:rPr lang="en-US" sz="1400"/>
-                        <a:t>Rene Weber</a:t>
-                      </a:r>
-                      <a:endParaRPr lang="de-DE" sz="1400" dirty="0"/>
-                    </a:p>
-                  </a:txBody>
-                  <a:tcPr/>
-                </a:tc>
-                <a:tc>
-                  <a:txBody>
-                    <a:bodyPr/>
-                    <a:lstStyle/>
-                    <a:p>
-                      <a:r>
-                        <a:rPr lang="en-US" sz="1400" dirty="0"/>
-                        <a:t>1,5</a:t>
-                      </a:r>
-                      <a:endParaRPr lang="de-DE" sz="1400" dirty="0"/>
-                    </a:p>
-                  </a:txBody>
-                  <a:tcPr/>
-                </a:tc>
-                <a:tc>
-                  <a:txBody>
-                    <a:bodyPr/>
-                    <a:lstStyle/>
-                    <a:p>
-                      <a:r>
-                        <a:rPr lang="en-US" sz="1400" dirty="0" err="1"/>
-                        <a:t>Erledigt</a:t>
-                      </a:r>
-                      <a:endParaRPr lang="de-DE" sz="1400" dirty="0"/>
-                    </a:p>
-                  </a:txBody>
-                  <a:tcPr/>
-                </a:tc>
-                <a:extLst>
-                  <a:ext uri="{0D108BD9-81ED-4DB2-BD59-A6C34878D82A}">
-                    <a16:rowId xmlns:a16="http://schemas.microsoft.com/office/drawing/2014/main" val="2603736860"/>
-                  </a:ext>
-                </a:extLst>
-              </a:tr>
-              <a:tr h="482529">
-                <a:tc>
-                  <a:txBody>
-                    <a:bodyPr/>
-                    <a:lstStyle/>
-                    <a:p>
-                      <a:r>
-                        <a:rPr lang="en-US" sz="1400"/>
-                        <a:t>Einführung in Blazor und C# Coding</a:t>
-                      </a:r>
-                      <a:endParaRPr lang="de-DE" sz="1400" dirty="0"/>
-                    </a:p>
-                  </a:txBody>
-                  <a:tcPr/>
-                </a:tc>
-                <a:tc>
-                  <a:txBody>
-                    <a:bodyPr/>
-                    <a:lstStyle/>
-                    <a:p>
-                      <a:r>
-                        <a:rPr lang="en-US" sz="1400" dirty="0"/>
-                        <a:t>Alle</a:t>
-                      </a:r>
-                    </a:p>
-                  </a:txBody>
-                  <a:tcPr/>
-                </a:tc>
-                <a:tc>
-                  <a:txBody>
-                    <a:bodyPr/>
-                    <a:lstStyle/>
-                    <a:p>
-                      <a:r>
-                        <a:rPr lang="en-US" sz="1400" dirty="0"/>
-                        <a:t>4</a:t>
-                      </a:r>
-                      <a:endParaRPr lang="de-DE" sz="1400" dirty="0"/>
-                    </a:p>
-                  </a:txBody>
-                  <a:tcPr/>
-                </a:tc>
-                <a:tc>
-                  <a:txBody>
-                    <a:bodyPr/>
-                    <a:lstStyle/>
-                    <a:p>
-                      <a:r>
-                        <a:rPr lang="en-US" sz="1400"/>
-                        <a:t>Erledigt</a:t>
-                      </a:r>
-                      <a:endParaRPr lang="de-DE" sz="1400" dirty="0"/>
-                    </a:p>
-                  </a:txBody>
-                  <a:tcPr/>
-                </a:tc>
-                <a:extLst>
-                  <a:ext uri="{0D108BD9-81ED-4DB2-BD59-A6C34878D82A}">
-                    <a16:rowId xmlns:a16="http://schemas.microsoft.com/office/drawing/2014/main" val="4252090113"/>
-                  </a:ext>
-                </a:extLst>
-              </a:tr>
-              <a:tr h="488887">
-                <a:tc>
-                  <a:txBody>
-                    <a:bodyPr/>
-                    <a:lstStyle/>
-                    <a:p>
-                      <a:r>
-                        <a:rPr lang="en-US" sz="1400"/>
-                        <a:t>Website “Warenkorb”</a:t>
-                      </a:r>
-                      <a:endParaRPr lang="de-DE" sz="1400" dirty="0"/>
-                    </a:p>
-                  </a:txBody>
-                  <a:tcPr/>
-                </a:tc>
-                <a:tc>
-                  <a:txBody>
-                    <a:bodyPr/>
-                    <a:lstStyle/>
-                    <a:p>
-                      <a:r>
-                        <a:rPr lang="en-US" sz="1400"/>
-                        <a:t>Hans Bloching</a:t>
-                      </a:r>
-                    </a:p>
-                    <a:p>
-                      <a:r>
-                        <a:rPr lang="en-US" sz="1400"/>
-                        <a:t>Rene Weber</a:t>
-                      </a:r>
-                      <a:endParaRPr lang="de-DE" sz="1400" dirty="0"/>
-                    </a:p>
-                  </a:txBody>
-                  <a:tcPr/>
-                </a:tc>
-                <a:tc>
-                  <a:txBody>
-                    <a:bodyPr/>
-                    <a:lstStyle/>
-                    <a:p>
-                      <a:r>
-                        <a:rPr lang="en-US" sz="1400" dirty="0"/>
-                        <a:t>4</a:t>
-                      </a:r>
-                      <a:endParaRPr lang="de-DE" sz="1400" dirty="0"/>
-                    </a:p>
-                  </a:txBody>
-                  <a:tcPr/>
-                </a:tc>
-                <a:tc>
-                  <a:txBody>
-                    <a:bodyPr/>
-                    <a:lstStyle/>
-                    <a:p>
-                      <a:r>
-                        <a:rPr lang="en-US" sz="1400" dirty="0"/>
-                        <a:t>In Arbeit</a:t>
-                      </a:r>
-                      <a:endParaRPr lang="de-DE" sz="1400" dirty="0"/>
-                    </a:p>
-                  </a:txBody>
-                  <a:tcPr/>
-                </a:tc>
-                <a:extLst>
-                  <a:ext uri="{0D108BD9-81ED-4DB2-BD59-A6C34878D82A}">
-                    <a16:rowId xmlns:a16="http://schemas.microsoft.com/office/drawing/2014/main" val="1091053033"/>
-                  </a:ext>
-                </a:extLst>
-              </a:tr>
-              <a:tr h="450561">
-                <a:tc>
-                  <a:txBody>
-                    <a:bodyPr/>
-                    <a:lstStyle/>
-                    <a:p>
-                      <a:r>
-                        <a:rPr lang="en-US" sz="1400" dirty="0" err="1"/>
-                        <a:t>Datenbank</a:t>
-                      </a:r>
-                      <a:r>
-                        <a:rPr lang="en-US" sz="1400" dirty="0"/>
-                        <a:t> “</a:t>
-                      </a:r>
-                      <a:r>
-                        <a:rPr lang="en-US" sz="1400" dirty="0" err="1"/>
-                        <a:t>Warenkorb</a:t>
-                      </a:r>
-                      <a:r>
-                        <a:rPr lang="en-US" sz="1400" dirty="0"/>
-                        <a:t>/</a:t>
-                      </a:r>
-                      <a:r>
-                        <a:rPr lang="en-US" sz="1400" dirty="0" err="1"/>
-                        <a:t>Bestellungen</a:t>
-                      </a:r>
-                      <a:r>
-                        <a:rPr lang="en-US" sz="1400" dirty="0"/>
-                        <a:t>”</a:t>
-                      </a:r>
-                      <a:endParaRPr lang="de-DE" sz="1400" dirty="0"/>
-                    </a:p>
-                  </a:txBody>
-                  <a:tcPr/>
-                </a:tc>
-                <a:tc>
-                  <a:txBody>
-                    <a:bodyPr/>
-                    <a:lstStyle/>
-                    <a:p>
-                      <a:r>
-                        <a:rPr lang="en-US" sz="1400" dirty="0"/>
-                        <a:t>Hans </a:t>
-                      </a:r>
-                      <a:r>
-                        <a:rPr lang="en-US" sz="1400" dirty="0" err="1"/>
-                        <a:t>Bloching</a:t>
-                      </a:r>
-                      <a:endParaRPr lang="en-US" sz="1400" dirty="0"/>
-                    </a:p>
-                    <a:p>
-                      <a:r>
-                        <a:rPr lang="en-US" sz="1400" dirty="0"/>
-                        <a:t>Rene Weber</a:t>
-                      </a:r>
-                      <a:endParaRPr lang="de-DE" sz="1400" dirty="0"/>
-                    </a:p>
-                  </a:txBody>
-                  <a:tcPr/>
-                </a:tc>
-                <a:tc>
-                  <a:txBody>
-                    <a:bodyPr/>
-                    <a:lstStyle/>
-                    <a:p>
-                      <a:r>
-                        <a:rPr lang="en-US" sz="1400" dirty="0"/>
-                        <a:t>0,5</a:t>
-                      </a:r>
-                      <a:endParaRPr lang="de-DE" sz="1400" dirty="0"/>
-                    </a:p>
-                  </a:txBody>
-                  <a:tcPr/>
-                </a:tc>
-                <a:tc>
-                  <a:txBody>
-                    <a:bodyPr/>
-                    <a:lstStyle/>
-                    <a:p>
-                      <a:r>
-                        <a:rPr lang="en-US" sz="1400" dirty="0"/>
-                        <a:t>In Arbeit</a:t>
-                      </a:r>
-                      <a:endParaRPr lang="de-DE" sz="1400" dirty="0"/>
-                    </a:p>
-                  </a:txBody>
-                  <a:tcPr/>
-                </a:tc>
-                <a:extLst>
-                  <a:ext uri="{0D108BD9-81ED-4DB2-BD59-A6C34878D82A}">
-                    <a16:rowId xmlns:a16="http://schemas.microsoft.com/office/drawing/2014/main" val="2446957633"/>
-                  </a:ext>
-                </a:extLst>
-              </a:tr>
-            </a:tbl>
-          </a:graphicData>
-        </a:graphic>
-      </p:graphicFrame>
-      <p:pic>
-        <p:nvPicPr>
-          <p:cNvPr id="7" name="Grafik 6">
-            <a:extLst>
-              <a:ext uri="{FF2B5EF4-FFF2-40B4-BE49-F238E27FC236}">
-                <a16:creationId xmlns:a16="http://schemas.microsoft.com/office/drawing/2014/main" id="{B19F4647-42D3-96AA-571E-B5F63F9ABC18}"/>
-              </a:ext>
-            </a:extLst>
-          </p:cNvPr>
-          <p:cNvPicPr>
-            <a:picLocks noChangeAspect="1"/>
-          </p:cNvPicPr>
-          <p:nvPr/>
-        </p:nvPicPr>
-        <p:blipFill>
-          <a:blip r:embed="rId2"/>
-          <a:stretch>
-            <a:fillRect/>
-          </a:stretch>
-        </p:blipFill>
-        <p:spPr>
-          <a:xfrm>
-            <a:off x="6884925" y="6278906"/>
-            <a:ext cx="1738967" cy="451906"/>
-          </a:xfrm>
-          <a:prstGeom prst="rect">
-            <a:avLst/>
-          </a:prstGeom>
-        </p:spPr>
-      </p:pic>
-      <p:sp>
-        <p:nvSpPr>
-          <p:cNvPr id="12" name="Textfeld 11">
-            <a:extLst>
-              <a:ext uri="{FF2B5EF4-FFF2-40B4-BE49-F238E27FC236}">
-                <a16:creationId xmlns:a16="http://schemas.microsoft.com/office/drawing/2014/main" id="{71644E0E-780A-3A6B-636B-4E077AB50B8C}"/>
-              </a:ext>
-            </a:extLst>
-          </p:cNvPr>
-          <p:cNvSpPr txBox="1"/>
-          <p:nvPr/>
-        </p:nvSpPr>
-        <p:spPr>
-          <a:xfrm>
-            <a:off x="6884925" y="6327056"/>
-            <a:ext cx="1524000" cy="369332"/>
-          </a:xfrm>
-          <a:prstGeom prst="rect">
-            <a:avLst/>
-          </a:prstGeom>
-          <a:noFill/>
-        </p:spPr>
-        <p:txBody>
-          <a:bodyPr wrap="square" rtlCol="0">
-            <a:spAutoFit/>
-          </a:bodyPr>
-          <a:lstStyle/>
-          <a:p>
-            <a:pPr marL="0" marR="0" lvl="0" indent="0" algn="l" defTabSz="914400" rtl="0" eaLnBrk="1" fontAlgn="auto" latinLnBrk="0" hangingPunct="1">
-              <a:lnSpc>
-                <a:spcPct val="100000"/>
-              </a:lnSpc>
-              <a:spcBef>
-                <a:spcPts val="0"/>
-              </a:spcBef>
-              <a:spcAft>
-                <a:spcPts val="0"/>
-              </a:spcAft>
-              <a:buClrTx/>
-              <a:buSzTx/>
-              <a:buFontTx/>
-              <a:buNone/>
-              <a:tabLst/>
-              <a:defRPr/>
-            </a:pPr>
-            <a:r>
-              <a:rPr kumimoji="0" lang="en-US" sz="1800" b="0" i="0" u="none" strike="noStrike" kern="1200" cap="none" spc="0" normalizeH="0" baseline="0" noProof="0" dirty="0">
-                <a:ln>
-                  <a:noFill/>
-                </a:ln>
-                <a:solidFill>
-                  <a:srgbClr val="000000"/>
-                </a:solidFill>
-                <a:effectLst/>
-                <a:uLnTx/>
-                <a:uFillTx/>
-                <a:latin typeface="Avenir Next LT Pro"/>
-                <a:ea typeface="+mn-ea"/>
-                <a:cs typeface="+mn-cs"/>
-              </a:rPr>
-              <a:t>34</a:t>
-            </a:r>
-            <a:endParaRPr kumimoji="0" lang="de-DE" sz="1800" b="0" i="0" u="none" strike="noStrike" kern="1200" cap="none" spc="0" normalizeH="0" baseline="0" noProof="0" dirty="0">
-              <a:ln>
-                <a:noFill/>
-              </a:ln>
-              <a:solidFill>
-                <a:srgbClr val="000000"/>
-              </a:solidFill>
-              <a:effectLst/>
-              <a:uLnTx/>
-              <a:uFillTx/>
-              <a:latin typeface="Avenir Next LT Pro"/>
-              <a:ea typeface="+mn-ea"/>
-              <a:cs typeface="+mn-cs"/>
-            </a:endParaRPr>
-          </a:p>
-        </p:txBody>
-      </p:sp>
-    </p:spTree>
-    <p:extLst>
-      <p:ext uri="{BB962C8B-B14F-4D97-AF65-F5344CB8AC3E}">
-        <p14:creationId xmlns:p14="http://schemas.microsoft.com/office/powerpoint/2010/main" val="1079743533"/>
-      </p:ext>
-    </p:extLst>
-  </p:cSld>
-  <p:clrMapOvr>
-    <a:masterClrMapping/>
-  </p:clrMapOvr>
-</p:sld>
-</file>
-
-<file path=ppt/slides/slide3.xml><?xml version="1.0" encoding="utf-8"?>
-<p:sld xmlns:a="http://schemas.openxmlformats.org/drawingml/2006/main" xmlns:r="http://schemas.openxmlformats.org/officeDocument/2006/relationships" xmlns:p="http://schemas.openxmlformats.org/presentationml/2006/main">
-  <p:cSld>
-    <p:spTree>
-      <p:nvGrpSpPr>
-        <p:cNvPr id="1" name=""/>
-        <p:cNvGrpSpPr/>
-        <p:nvPr/>
-      </p:nvGrpSpPr>
-      <p:grpSpPr>
-        <a:xfrm>
-          <a:off x="0" y="0"/>
-          <a:ext cx="0" cy="0"/>
-          <a:chOff x="0" y="0"/>
-          <a:chExt cx="0" cy="0"/>
-        </a:xfrm>
-      </p:grpSpPr>
-      <p:sp>
-        <p:nvSpPr>
-          <p:cNvPr id="2" name="Titel 1">
-            <a:extLst>
-              <a:ext uri="{FF2B5EF4-FFF2-40B4-BE49-F238E27FC236}">
-                <a16:creationId xmlns:a16="http://schemas.microsoft.com/office/drawing/2014/main" id="{C0DBF442-C1D7-BFAB-B990-306D545FF599}"/>
-              </a:ext>
-            </a:extLst>
-          </p:cNvPr>
-          <p:cNvSpPr>
-            <a:spLocks noGrp="1"/>
-          </p:cNvSpPr>
-          <p:nvPr>
-            <p:ph type="title"/>
-          </p:nvPr>
-        </p:nvSpPr>
-        <p:spPr/>
-        <p:txBody>
-          <a:bodyPr/>
-          <a:lstStyle/>
-          <a:p>
-            <a:r>
-              <a:rPr lang="de-DE" dirty="0"/>
-              <a:t>1. Gesamtplan für das Projekt</a:t>
-            </a:r>
-          </a:p>
-        </p:txBody>
-      </p:sp>
-      <p:sp>
-        <p:nvSpPr>
-          <p:cNvPr id="3" name="Inhaltsplatzhalter 2">
-            <a:extLst>
-              <a:ext uri="{FF2B5EF4-FFF2-40B4-BE49-F238E27FC236}">
-                <a16:creationId xmlns:a16="http://schemas.microsoft.com/office/drawing/2014/main" id="{1048CB8A-7B88-4DA0-CC4B-B2A2E5FE1FE1}"/>
-              </a:ext>
-            </a:extLst>
-          </p:cNvPr>
-          <p:cNvSpPr>
-            <a:spLocks noGrp="1"/>
-          </p:cNvSpPr>
-          <p:nvPr>
-            <p:ph idx="1"/>
-          </p:nvPr>
-        </p:nvSpPr>
-        <p:spPr/>
-        <p:txBody>
-          <a:bodyPr/>
-          <a:lstStyle/>
-          <a:p>
-            <a:r>
-              <a:rPr lang="de-DE" dirty="0"/>
-              <a:t>App zum Bestellen von Speisen und Getränken aus Kundenebene</a:t>
-            </a:r>
-          </a:p>
-          <a:p>
-            <a:r>
-              <a:rPr lang="de-DE" dirty="0"/>
-              <a:t>Bestimmter festgelegter Bestellprozess mit Änderungsmöglichkeiten</a:t>
-            </a:r>
-          </a:p>
-          <a:p>
-            <a:r>
-              <a:rPr lang="de-DE" dirty="0"/>
-              <a:t>Vereinfachte Verwirklichung von Bestellungen in der Küche</a:t>
-            </a:r>
-          </a:p>
-        </p:txBody>
-      </p:sp>
-      <p:sp>
-        <p:nvSpPr>
-          <p:cNvPr id="4" name="Datumsplatzhalter 3">
-            <a:extLst>
-              <a:ext uri="{FF2B5EF4-FFF2-40B4-BE49-F238E27FC236}">
-                <a16:creationId xmlns:a16="http://schemas.microsoft.com/office/drawing/2014/main" id="{6E760A2D-1679-DB65-03E8-EBFAACF708E0}"/>
-              </a:ext>
-            </a:extLst>
-          </p:cNvPr>
-          <p:cNvSpPr>
-            <a:spLocks noGrp="1"/>
-          </p:cNvSpPr>
-          <p:nvPr>
-            <p:ph type="dt" sz="half" idx="10"/>
-          </p:nvPr>
-        </p:nvSpPr>
-        <p:spPr/>
-        <p:txBody>
-          <a:bodyPr/>
-          <a:lstStyle/>
-          <a:p>
-            <a:fld id="{97369AA5-895A-497C-8276-D01EA17DCACE}" type="datetime1">
-              <a:rPr lang="de-DE" smtClean="0"/>
-              <a:t>05.12.2024</a:t>
-            </a:fld>
-            <a:endParaRPr lang="en-US"/>
-          </a:p>
-        </p:txBody>
-      </p:sp>
-      <p:sp>
-        <p:nvSpPr>
-          <p:cNvPr id="5" name="Foliennummernplatzhalter 4">
-            <a:extLst>
-              <a:ext uri="{FF2B5EF4-FFF2-40B4-BE49-F238E27FC236}">
-                <a16:creationId xmlns:a16="http://schemas.microsoft.com/office/drawing/2014/main" id="{18574BDB-674E-D22B-4394-F64D370252C8}"/>
-              </a:ext>
-            </a:extLst>
-          </p:cNvPr>
-          <p:cNvSpPr>
-            <a:spLocks noGrp="1"/>
-          </p:cNvSpPr>
-          <p:nvPr>
-            <p:ph type="sldNum" sz="quarter" idx="12"/>
-          </p:nvPr>
-        </p:nvSpPr>
-        <p:spPr/>
-        <p:txBody>
-          <a:bodyPr/>
-          <a:lstStyle/>
-          <a:p>
-            <a:fld id="{07CE569E-9B7C-4CB9-AB80-C0841F922CFF}" type="slidenum">
-              <a:rPr lang="en-US" smtClean="0"/>
-              <a:t>3</a:t>
-            </a:fld>
-            <a:endParaRPr lang="en-US"/>
-          </a:p>
-        </p:txBody>
-      </p:sp>
-    </p:spTree>
-    <p:extLst>
-      <p:ext uri="{BB962C8B-B14F-4D97-AF65-F5344CB8AC3E}">
-        <p14:creationId xmlns:p14="http://schemas.microsoft.com/office/powerpoint/2010/main" val="3934782896"/>
-      </p:ext>
-    </p:extLst>
-  </p:cSld>
-  <p:clrMapOvr>
-    <a:masterClrMapping/>
-  </p:clrMapOvr>
-</p:sld>
-</file>
-
-<file path=ppt/slides/slide4.xml><?xml version="1.0" encoding="utf-8"?>
-<p:sld xmlns:a="http://schemas.openxmlformats.org/drawingml/2006/main" xmlns:r="http://schemas.openxmlformats.org/officeDocument/2006/relationships" xmlns:p="http://schemas.openxmlformats.org/presentationml/2006/main">
-  <p:cSld>
-    <p:spTree>
-      <p:nvGrpSpPr>
-        <p:cNvPr id="1" name=""/>
-        <p:cNvGrpSpPr/>
-        <p:nvPr/>
-      </p:nvGrpSpPr>
-      <p:grpSpPr>
-        <a:xfrm>
-          <a:off x="0" y="0"/>
-          <a:ext cx="0" cy="0"/>
-          <a:chOff x="0" y="0"/>
-          <a:chExt cx="0" cy="0"/>
-        </a:xfrm>
-      </p:grpSpPr>
-      <p:sp>
-        <p:nvSpPr>
-          <p:cNvPr id="2" name="Titel 1">
-            <a:extLst>
-              <a:ext uri="{FF2B5EF4-FFF2-40B4-BE49-F238E27FC236}">
-                <a16:creationId xmlns:a16="http://schemas.microsoft.com/office/drawing/2014/main" id="{0C579FFF-6A8E-1436-7F47-208326112BC2}"/>
-              </a:ext>
-            </a:extLst>
-          </p:cNvPr>
-          <p:cNvSpPr>
-            <a:spLocks noGrp="1"/>
-          </p:cNvSpPr>
-          <p:nvPr>
-            <p:ph type="title"/>
-          </p:nvPr>
-        </p:nvSpPr>
-        <p:spPr/>
-        <p:txBody>
-          <a:bodyPr/>
-          <a:lstStyle/>
-          <a:p>
-            <a:r>
-              <a:rPr lang="de-DE" dirty="0"/>
-              <a:t>2. Tätigkeiten des vergangenen Zeitraums</a:t>
-            </a:r>
-          </a:p>
-        </p:txBody>
-      </p:sp>
-      <p:sp>
-        <p:nvSpPr>
-          <p:cNvPr id="3" name="Inhaltsplatzhalter 2">
-            <a:extLst>
-              <a:ext uri="{FF2B5EF4-FFF2-40B4-BE49-F238E27FC236}">
-                <a16:creationId xmlns:a16="http://schemas.microsoft.com/office/drawing/2014/main" id="{DDCB8108-F7CA-0CC2-0BE9-D617E9F1E0E4}"/>
-              </a:ext>
-            </a:extLst>
-          </p:cNvPr>
-          <p:cNvSpPr>
-            <a:spLocks noGrp="1"/>
-          </p:cNvSpPr>
-          <p:nvPr>
-            <p:ph idx="1"/>
-          </p:nvPr>
-        </p:nvSpPr>
-        <p:spPr>
-          <a:xfrm>
-            <a:off x="762000" y="2286000"/>
-            <a:ext cx="10668000" cy="3290935"/>
-          </a:xfrm>
-        </p:spPr>
-        <p:txBody>
-          <a:bodyPr>
-            <a:normAutofit fontScale="85000" lnSpcReduction="20000"/>
-          </a:bodyPr>
-          <a:lstStyle/>
-          <a:p>
-            <a:r>
-              <a:rPr lang="de-DE" dirty="0"/>
-              <a:t>Erstellung:</a:t>
-            </a:r>
-          </a:p>
-          <a:p>
-            <a:pPr lvl="1"/>
-            <a:r>
-              <a:rPr lang="de-DE" dirty="0"/>
-              <a:t>eines Dokuments mit unserer Projektidee mit den Core-Featuren</a:t>
-            </a:r>
-          </a:p>
-          <a:p>
-            <a:pPr lvl="1"/>
-            <a:r>
-              <a:rPr lang="de-DE" dirty="0"/>
-              <a:t>einer Liste mit </a:t>
-            </a:r>
-            <a:r>
-              <a:rPr lang="de-DE" dirty="0" err="1"/>
-              <a:t>ToDos</a:t>
-            </a:r>
-            <a:r>
-              <a:rPr lang="de-DE" dirty="0"/>
-              <a:t> und deren Priorisierung</a:t>
-            </a:r>
-          </a:p>
-          <a:p>
-            <a:pPr lvl="1"/>
-            <a:r>
-              <a:rPr lang="de-DE" dirty="0"/>
-              <a:t>von Software teilen</a:t>
-            </a:r>
-          </a:p>
-          <a:p>
-            <a:pPr lvl="1"/>
-            <a:r>
-              <a:rPr lang="de-DE" dirty="0"/>
-              <a:t>einer Datenbank</a:t>
-            </a:r>
-          </a:p>
-          <a:p>
-            <a:pPr lvl="1"/>
-            <a:r>
-              <a:rPr lang="de-DE" dirty="0"/>
-              <a:t>des Produkt Backlogs</a:t>
-            </a:r>
-          </a:p>
-          <a:p>
-            <a:pPr lvl="1"/>
-            <a:r>
-              <a:rPr lang="de-DE" dirty="0"/>
-              <a:t>des Sprint-Backlogs</a:t>
-            </a:r>
-          </a:p>
-          <a:p>
-            <a:r>
-              <a:rPr lang="de-DE" dirty="0"/>
-              <a:t>Anlegen des Projekts und Ordner für die Dokumentation in GitHub</a:t>
-            </a:r>
-          </a:p>
-        </p:txBody>
-      </p:sp>
-      <p:sp>
-        <p:nvSpPr>
-          <p:cNvPr id="4" name="Datumsplatzhalter 3">
-            <a:extLst>
-              <a:ext uri="{FF2B5EF4-FFF2-40B4-BE49-F238E27FC236}">
-                <a16:creationId xmlns:a16="http://schemas.microsoft.com/office/drawing/2014/main" id="{A245F716-845A-9D4A-9FCF-2BB455C07642}"/>
-              </a:ext>
-            </a:extLst>
-          </p:cNvPr>
-          <p:cNvSpPr>
-            <a:spLocks noGrp="1"/>
-          </p:cNvSpPr>
-          <p:nvPr>
-            <p:ph type="dt" sz="half" idx="10"/>
-          </p:nvPr>
-        </p:nvSpPr>
-        <p:spPr/>
-        <p:txBody>
-          <a:bodyPr/>
-          <a:lstStyle/>
-          <a:p>
-            <a:fld id="{42B45B56-1D88-4042-8DF0-EB6B41B710D3}" type="datetime1">
-              <a:rPr lang="de-DE" smtClean="0"/>
-              <a:t>05.12.2024</a:t>
-            </a:fld>
-            <a:endParaRPr lang="en-US"/>
-          </a:p>
-        </p:txBody>
-      </p:sp>
-      <p:sp>
-        <p:nvSpPr>
-          <p:cNvPr id="5" name="Foliennummernplatzhalter 4">
-            <a:extLst>
-              <a:ext uri="{FF2B5EF4-FFF2-40B4-BE49-F238E27FC236}">
-                <a16:creationId xmlns:a16="http://schemas.microsoft.com/office/drawing/2014/main" id="{631092A2-7FF5-A3A2-9DA9-91D1CFBE0825}"/>
-              </a:ext>
-            </a:extLst>
-          </p:cNvPr>
-          <p:cNvSpPr>
-            <a:spLocks noGrp="1"/>
-          </p:cNvSpPr>
-          <p:nvPr>
-            <p:ph type="sldNum" sz="quarter" idx="12"/>
-          </p:nvPr>
-        </p:nvSpPr>
-        <p:spPr/>
-        <p:txBody>
-          <a:bodyPr/>
-          <a:lstStyle/>
-          <a:p>
-            <a:fld id="{07CE569E-9B7C-4CB9-AB80-C0841F922CFF}" type="slidenum">
-              <a:rPr lang="en-US" smtClean="0"/>
-              <a:t>4</a:t>
-            </a:fld>
-            <a:endParaRPr lang="en-US"/>
-          </a:p>
-        </p:txBody>
-      </p:sp>
-    </p:spTree>
-    <p:extLst>
-      <p:ext uri="{BB962C8B-B14F-4D97-AF65-F5344CB8AC3E}">
-        <p14:creationId xmlns:p14="http://schemas.microsoft.com/office/powerpoint/2010/main" val="118876679"/>
-      </p:ext>
-    </p:extLst>
-  </p:cSld>
-  <p:clrMapOvr>
-    <a:masterClrMapping/>
-  </p:clrMapOvr>
-</p:sld>
-</file>
-
-<file path=ppt/slides/slide5.xml><?xml version="1.0" encoding="utf-8"?>
-<p:sld xmlns:a="http://schemas.openxmlformats.org/drawingml/2006/main" xmlns:r="http://schemas.openxmlformats.org/officeDocument/2006/relationships" xmlns:p="http://schemas.openxmlformats.org/presentationml/2006/main">
-  <p:cSld>
-    <p:spTree>
-      <p:nvGrpSpPr>
-        <p:cNvPr id="1" name="">
-          <a:extLst>
-            <a:ext uri="{FF2B5EF4-FFF2-40B4-BE49-F238E27FC236}">
-              <a16:creationId xmlns:a16="http://schemas.microsoft.com/office/drawing/2014/main" id="{10479FD7-B9DB-2BC5-A083-42F3D9C93C07}"/>
-            </a:ext>
-          </a:extLst>
-        </p:cNvPr>
-        <p:cNvGrpSpPr/>
-        <p:nvPr/>
-      </p:nvGrpSpPr>
-      <p:grpSpPr>
-        <a:xfrm>
-          <a:off x="0" y="0"/>
-          <a:ext cx="0" cy="0"/>
-          <a:chOff x="0" y="0"/>
-          <a:chExt cx="0" cy="0"/>
-        </a:xfrm>
-      </p:grpSpPr>
-      <p:sp>
-        <p:nvSpPr>
-          <p:cNvPr id="2" name="Titel 1">
-            <a:extLst>
-              <a:ext uri="{FF2B5EF4-FFF2-40B4-BE49-F238E27FC236}">
-                <a16:creationId xmlns:a16="http://schemas.microsoft.com/office/drawing/2014/main" id="{1FDAF21A-4AED-3C2E-C1BD-CA0203415CF1}"/>
-              </a:ext>
-            </a:extLst>
-          </p:cNvPr>
-          <p:cNvSpPr>
-            <a:spLocks noGrp="1"/>
-          </p:cNvSpPr>
-          <p:nvPr>
-            <p:ph type="title"/>
-          </p:nvPr>
-        </p:nvSpPr>
-        <p:spPr/>
-        <p:txBody>
-          <a:bodyPr/>
-          <a:lstStyle/>
-          <a:p>
-            <a:r>
-              <a:rPr lang="de-DE" dirty="0"/>
-              <a:t>3. Produktzwischenstand</a:t>
-            </a:r>
-          </a:p>
-        </p:txBody>
-      </p:sp>
-      <p:sp>
-        <p:nvSpPr>
-          <p:cNvPr id="3" name="Inhaltsplatzhalter 2">
-            <a:extLst>
-              <a:ext uri="{FF2B5EF4-FFF2-40B4-BE49-F238E27FC236}">
-                <a16:creationId xmlns:a16="http://schemas.microsoft.com/office/drawing/2014/main" id="{A31936C5-B1D1-8590-8E1B-9C45FDDBBB8A}"/>
-              </a:ext>
-            </a:extLst>
-          </p:cNvPr>
-          <p:cNvSpPr>
-            <a:spLocks noGrp="1"/>
-          </p:cNvSpPr>
-          <p:nvPr>
-            <p:ph idx="1"/>
-          </p:nvPr>
-        </p:nvSpPr>
-        <p:spPr>
-          <a:xfrm>
-            <a:off x="762000" y="2286001"/>
-            <a:ext cx="10668000" cy="622896"/>
-          </a:xfrm>
-        </p:spPr>
-        <p:txBody>
-          <a:bodyPr>
-            <a:normAutofit/>
-          </a:bodyPr>
-          <a:lstStyle/>
-          <a:p>
-            <a:r>
-              <a:rPr lang="en-US" dirty="0" err="1"/>
-              <a:t>Umsetzung</a:t>
-            </a:r>
-            <a:r>
-              <a:rPr lang="en-US" dirty="0"/>
-              <a:t>:</a:t>
-            </a:r>
-            <a:endParaRPr lang="de-DE" dirty="0"/>
-          </a:p>
-        </p:txBody>
-      </p:sp>
-      <p:sp>
-        <p:nvSpPr>
-          <p:cNvPr id="4" name="Datumsplatzhalter 3">
-            <a:extLst>
-              <a:ext uri="{FF2B5EF4-FFF2-40B4-BE49-F238E27FC236}">
-                <a16:creationId xmlns:a16="http://schemas.microsoft.com/office/drawing/2014/main" id="{A3DEA84D-B076-12BD-1071-7D3D488DC6D3}"/>
-              </a:ext>
-            </a:extLst>
-          </p:cNvPr>
-          <p:cNvSpPr>
-            <a:spLocks noGrp="1"/>
-          </p:cNvSpPr>
-          <p:nvPr>
-            <p:ph type="dt" sz="half" idx="10"/>
-          </p:nvPr>
-        </p:nvSpPr>
-        <p:spPr/>
-        <p:txBody>
-          <a:bodyPr/>
-          <a:lstStyle/>
-          <a:p>
-            <a:fld id="{42B45B56-1D88-4042-8DF0-EB6B41B710D3}" type="datetime1">
-              <a:rPr lang="de-DE" smtClean="0"/>
-              <a:t>05.12.2024</a:t>
-            </a:fld>
-            <a:endParaRPr lang="en-US"/>
-          </a:p>
-        </p:txBody>
-      </p:sp>
-      <p:sp>
-        <p:nvSpPr>
-          <p:cNvPr id="5" name="Foliennummernplatzhalter 4">
-            <a:extLst>
-              <a:ext uri="{FF2B5EF4-FFF2-40B4-BE49-F238E27FC236}">
-                <a16:creationId xmlns:a16="http://schemas.microsoft.com/office/drawing/2014/main" id="{AA77D0B0-682F-8DBA-6BE9-793DA6A8F41B}"/>
-              </a:ext>
-            </a:extLst>
-          </p:cNvPr>
-          <p:cNvSpPr>
-            <a:spLocks noGrp="1"/>
-          </p:cNvSpPr>
-          <p:nvPr>
-            <p:ph type="sldNum" sz="quarter" idx="12"/>
-          </p:nvPr>
-        </p:nvSpPr>
-        <p:spPr/>
-        <p:txBody>
-          <a:bodyPr/>
-          <a:lstStyle/>
-          <a:p>
-            <a:fld id="{07CE569E-9B7C-4CB9-AB80-C0841F922CFF}" type="slidenum">
-              <a:rPr lang="en-US" smtClean="0"/>
-              <a:t>5</a:t>
-            </a:fld>
-            <a:endParaRPr lang="en-US"/>
-          </a:p>
-        </p:txBody>
-      </p:sp>
-      <p:sp>
-        <p:nvSpPr>
-          <p:cNvPr id="9" name="Inhaltsplatzhalter 2">
-            <a:extLst>
-              <a:ext uri="{FF2B5EF4-FFF2-40B4-BE49-F238E27FC236}">
-                <a16:creationId xmlns:a16="http://schemas.microsoft.com/office/drawing/2014/main" id="{FF439C41-0956-6A11-F808-E423E33B8B54}"/>
-              </a:ext>
-            </a:extLst>
-          </p:cNvPr>
-          <p:cNvSpPr txBox="1">
-            <a:spLocks/>
-          </p:cNvSpPr>
-          <p:nvPr/>
-        </p:nvSpPr>
-        <p:spPr>
-          <a:xfrm>
-            <a:off x="1071535" y="3320454"/>
-            <a:ext cx="4364182" cy="1257299"/>
-          </a:xfrm>
-          <a:prstGeom prst="rect">
-            <a:avLst/>
-          </a:prstGeom>
-        </p:spPr>
-        <p:txBody>
-          <a:bodyPr vert="horz" lIns="91440" tIns="45720" rIns="91440" bIns="45720" rtlCol="0">
-            <a:normAutofit/>
-          </a:bodyPr>
-          <a:lstStyle>
-            <a:lvl1pPr marL="228600" indent="-228600" algn="l" defTabSz="914400" rtl="0" eaLnBrk="1" latinLnBrk="0" hangingPunct="1">
-              <a:lnSpc>
-                <a:spcPct val="125000"/>
-              </a:lnSpc>
-              <a:spcBef>
-                <a:spcPts val="1000"/>
-              </a:spcBef>
-              <a:buFont typeface="Arial" panose="020B0604020202020204" pitchFamily="34" charset="0"/>
-              <a:buChar char="•"/>
-              <a:defRPr sz="2800" kern="1200">
-                <a:solidFill>
-                  <a:schemeClr val="tx1">
-                    <a:alpha val="70000"/>
-                  </a:schemeClr>
-                </a:solidFill>
-                <a:latin typeface="+mn-lt"/>
-                <a:ea typeface="+mn-ea"/>
-                <a:cs typeface="+mn-cs"/>
-              </a:defRPr>
-            </a:lvl1pPr>
-            <a:lvl2pPr marL="685800" indent="-228600" algn="l" defTabSz="914400" rtl="0" eaLnBrk="1" latinLnBrk="0" hangingPunct="1">
-              <a:lnSpc>
-                <a:spcPct val="125000"/>
-              </a:lnSpc>
-              <a:spcBef>
-                <a:spcPts val="500"/>
-              </a:spcBef>
-              <a:buFont typeface="Arial" panose="020B0604020202020204" pitchFamily="34" charset="0"/>
-              <a:buChar char="•"/>
-              <a:defRPr sz="2400" kern="1200">
-                <a:solidFill>
-                  <a:schemeClr val="tx1">
-                    <a:alpha val="70000"/>
-                  </a:schemeClr>
-                </a:solidFill>
-                <a:latin typeface="+mn-lt"/>
-                <a:ea typeface="+mn-ea"/>
-                <a:cs typeface="+mn-cs"/>
-              </a:defRPr>
-            </a:lvl2pPr>
-            <a:lvl3pPr marL="1143000" indent="-228600" algn="l" defTabSz="914400" rtl="0" eaLnBrk="1" latinLnBrk="0" hangingPunct="1">
-              <a:lnSpc>
-                <a:spcPct val="125000"/>
-              </a:lnSpc>
-              <a:spcBef>
-                <a:spcPts val="500"/>
-              </a:spcBef>
-              <a:buFont typeface="Arial" panose="020B0604020202020204" pitchFamily="34" charset="0"/>
-              <a:buChar char="•"/>
-              <a:defRPr sz="2000" kern="1200">
-                <a:solidFill>
-                  <a:schemeClr val="tx1">
-                    <a:alpha val="70000"/>
-                  </a:schemeClr>
-                </a:solidFill>
-                <a:latin typeface="+mn-lt"/>
-                <a:ea typeface="+mn-ea"/>
-                <a:cs typeface="+mn-cs"/>
-              </a:defRPr>
-            </a:lvl3pPr>
-            <a:lvl4pPr marL="1600200" indent="-228600" algn="l" defTabSz="914400" rtl="0" eaLnBrk="1" latinLnBrk="0" hangingPunct="1">
-              <a:lnSpc>
-                <a:spcPct val="125000"/>
-              </a:lnSpc>
-              <a:spcBef>
-                <a:spcPts val="500"/>
-              </a:spcBef>
-              <a:buFont typeface="Arial" panose="020B0604020202020204" pitchFamily="34" charset="0"/>
-              <a:buChar char="•"/>
-              <a:defRPr sz="1800" kern="1200">
-                <a:solidFill>
-                  <a:schemeClr val="tx1">
-                    <a:alpha val="70000"/>
-                  </a:schemeClr>
-                </a:solidFill>
-                <a:latin typeface="+mn-lt"/>
-                <a:ea typeface="+mn-ea"/>
-                <a:cs typeface="+mn-cs"/>
-              </a:defRPr>
-            </a:lvl4pPr>
-            <a:lvl5pPr marL="2057400" indent="-228600" algn="l" defTabSz="914400" rtl="0" eaLnBrk="1" latinLnBrk="0" hangingPunct="1">
-              <a:lnSpc>
-                <a:spcPct val="125000"/>
-              </a:lnSpc>
-              <a:spcBef>
-                <a:spcPts val="500"/>
-              </a:spcBef>
-              <a:buFont typeface="Arial" panose="020B0604020202020204" pitchFamily="34" charset="0"/>
-              <a:buChar char="•"/>
-              <a:defRPr sz="1800" kern="1200">
-                <a:solidFill>
-                  <a:schemeClr val="tx1">
-                    <a:alpha val="70000"/>
-                  </a:schemeClr>
-                </a:solidFill>
-                <a:latin typeface="+mn-lt"/>
-                <a:ea typeface="+mn-ea"/>
-                <a:cs typeface="+mn-cs"/>
-              </a:defRPr>
-            </a:lvl5pPr>
-            <a:lvl6pPr marL="2514600" indent="-228600" algn="l" defTabSz="914400" rtl="0" eaLnBrk="1" latinLnBrk="0" hangingPunct="1">
-              <a:lnSpc>
-                <a:spcPct val="90000"/>
-              </a:lnSpc>
-              <a:spcBef>
-                <a:spcPts val="500"/>
-              </a:spcBef>
-              <a:buFont typeface="Arial" panose="020B0604020202020204" pitchFamily="34" charset="0"/>
-              <a:buChar char="•"/>
-              <a:defRPr sz="1800" kern="1200">
-                <a:solidFill>
-                  <a:schemeClr val="tx1"/>
-                </a:solidFill>
-                <a:latin typeface="+mn-lt"/>
-                <a:ea typeface="+mn-ea"/>
-                <a:cs typeface="+mn-cs"/>
-              </a:defRPr>
-            </a:lvl6pPr>
-            <a:lvl7pPr marL="2971800" indent="-228600" algn="l" defTabSz="914400" rtl="0" eaLnBrk="1" latinLnBrk="0" hangingPunct="1">
-              <a:lnSpc>
-                <a:spcPct val="90000"/>
-              </a:lnSpc>
-              <a:spcBef>
-                <a:spcPts val="500"/>
-              </a:spcBef>
-              <a:buFont typeface="Arial" panose="020B0604020202020204" pitchFamily="34" charset="0"/>
-              <a:buChar char="•"/>
-              <a:defRPr sz="1800" kern="1200">
-                <a:solidFill>
-                  <a:schemeClr val="tx1"/>
-                </a:solidFill>
-                <a:latin typeface="+mn-lt"/>
-                <a:ea typeface="+mn-ea"/>
-                <a:cs typeface="+mn-cs"/>
-              </a:defRPr>
-            </a:lvl7pPr>
-            <a:lvl8pPr marL="3429000" indent="-228600" algn="l" defTabSz="914400" rtl="0" eaLnBrk="1" latinLnBrk="0" hangingPunct="1">
-              <a:lnSpc>
-                <a:spcPct val="90000"/>
-              </a:lnSpc>
-              <a:spcBef>
-                <a:spcPts val="500"/>
-              </a:spcBef>
-              <a:buFont typeface="Arial" panose="020B0604020202020204" pitchFamily="34" charset="0"/>
-              <a:buChar char="•"/>
-              <a:defRPr sz="1800" kern="1200">
-                <a:solidFill>
-                  <a:schemeClr val="tx1"/>
-                </a:solidFill>
-                <a:latin typeface="+mn-lt"/>
-                <a:ea typeface="+mn-ea"/>
-                <a:cs typeface="+mn-cs"/>
-              </a:defRPr>
-            </a:lvl8pPr>
-            <a:lvl9pPr marL="3886200" indent="-228600" algn="l" defTabSz="914400" rtl="0" eaLnBrk="1" latinLnBrk="0" hangingPunct="1">
-              <a:lnSpc>
-                <a:spcPct val="90000"/>
-              </a:lnSpc>
-              <a:spcBef>
-                <a:spcPts val="500"/>
-              </a:spcBef>
-              <a:buFont typeface="Arial" panose="020B0604020202020204" pitchFamily="34" charset="0"/>
-              <a:buChar char="•"/>
-              <a:defRPr sz="1800" kern="1200">
-                <a:solidFill>
-                  <a:schemeClr val="tx1"/>
-                </a:solidFill>
-                <a:latin typeface="+mn-lt"/>
-                <a:ea typeface="+mn-ea"/>
-                <a:cs typeface="+mn-cs"/>
-              </a:defRPr>
-            </a:lvl9pPr>
-          </a:lstStyle>
-          <a:p>
-            <a:pPr marL="0" indent="0">
-              <a:lnSpc>
-                <a:spcPct val="50000"/>
-              </a:lnSpc>
-              <a:buNone/>
-            </a:pPr>
-            <a:r>
-              <a:rPr lang="en-US" sz="2400" dirty="0"/>
-              <a:t>Home</a:t>
-            </a:r>
-            <a:endParaRPr lang="de-DE" sz="2400" dirty="0"/>
-          </a:p>
-        </p:txBody>
-      </p:sp>
-      <p:pic>
-        <p:nvPicPr>
-          <p:cNvPr id="7" name="Grafik 6">
-            <a:extLst>
-              <a:ext uri="{FF2B5EF4-FFF2-40B4-BE49-F238E27FC236}">
-                <a16:creationId xmlns:a16="http://schemas.microsoft.com/office/drawing/2014/main" id="{C734BE12-A5B4-68F7-1462-6F652FD232DF}"/>
-              </a:ext>
-            </a:extLst>
-          </p:cNvPr>
-          <p:cNvPicPr>
-            <a:picLocks noChangeAspect="1"/>
-          </p:cNvPicPr>
-          <p:nvPr/>
-        </p:nvPicPr>
-        <p:blipFill>
-          <a:blip r:embed="rId2"/>
-          <a:stretch>
-            <a:fillRect/>
-          </a:stretch>
-        </p:blipFill>
-        <p:spPr>
-          <a:xfrm>
-            <a:off x="3198309" y="1927616"/>
-            <a:ext cx="4886436" cy="4793859"/>
-          </a:xfrm>
-          <a:prstGeom prst="rect">
-            <a:avLst/>
-          </a:prstGeom>
-        </p:spPr>
-      </p:pic>
-    </p:spTree>
-    <p:extLst>
-      <p:ext uri="{BB962C8B-B14F-4D97-AF65-F5344CB8AC3E}">
-        <p14:creationId xmlns:p14="http://schemas.microsoft.com/office/powerpoint/2010/main" val="3476401892"/>
-      </p:ext>
-    </p:extLst>
-  </p:cSld>
-  <p:clrMapOvr>
-    <a:masterClrMapping/>
-  </p:clrMapOvr>
-</p:sld>
-</file>
-
-<file path=ppt/slides/slide6.xml><?xml version="1.0" encoding="utf-8"?>
-<p:sld xmlns:a="http://schemas.openxmlformats.org/drawingml/2006/main" xmlns:r="http://schemas.openxmlformats.org/officeDocument/2006/relationships" xmlns:p="http://schemas.openxmlformats.org/presentationml/2006/main">
-  <p:cSld>
-    <p:spTree>
-      <p:nvGrpSpPr>
-        <p:cNvPr id="1" name=""/>
-        <p:cNvGrpSpPr/>
-        <p:nvPr/>
-      </p:nvGrpSpPr>
-      <p:grpSpPr>
-        <a:xfrm>
-          <a:off x="0" y="0"/>
-          <a:ext cx="0" cy="0"/>
-          <a:chOff x="0" y="0"/>
-          <a:chExt cx="0" cy="0"/>
-        </a:xfrm>
-      </p:grpSpPr>
-      <p:sp>
-        <p:nvSpPr>
-          <p:cNvPr id="2" name="Titel 1">
-            <a:extLst>
-              <a:ext uri="{FF2B5EF4-FFF2-40B4-BE49-F238E27FC236}">
-                <a16:creationId xmlns:a16="http://schemas.microsoft.com/office/drawing/2014/main" id="{DF7734AA-4759-CD67-1C8B-1EA1C4B1115D}"/>
-              </a:ext>
-            </a:extLst>
-          </p:cNvPr>
-          <p:cNvSpPr>
-            <a:spLocks noGrp="1"/>
-          </p:cNvSpPr>
-          <p:nvPr>
-            <p:ph type="title"/>
-          </p:nvPr>
-        </p:nvSpPr>
-        <p:spPr/>
-        <p:txBody>
-          <a:bodyPr/>
-          <a:lstStyle/>
-          <a:p>
-            <a:r>
-              <a:rPr lang="de-DE" dirty="0"/>
-              <a:t>3. Produktzwischenstand</a:t>
-            </a:r>
-          </a:p>
-        </p:txBody>
-      </p:sp>
-      <p:sp>
-        <p:nvSpPr>
-          <p:cNvPr id="3" name="Inhaltsplatzhalter 2">
-            <a:extLst>
-              <a:ext uri="{FF2B5EF4-FFF2-40B4-BE49-F238E27FC236}">
-                <a16:creationId xmlns:a16="http://schemas.microsoft.com/office/drawing/2014/main" id="{749AE5AA-48CB-2BD3-8266-2BF393A70139}"/>
-              </a:ext>
-            </a:extLst>
-          </p:cNvPr>
-          <p:cNvSpPr>
-            <a:spLocks noGrp="1"/>
-          </p:cNvSpPr>
-          <p:nvPr>
-            <p:ph idx="1"/>
-          </p:nvPr>
-        </p:nvSpPr>
-        <p:spPr>
-          <a:xfrm>
-            <a:off x="762000" y="2286001"/>
-            <a:ext cx="10668000" cy="622896"/>
-          </a:xfrm>
-        </p:spPr>
-        <p:txBody>
-          <a:bodyPr>
-            <a:normAutofit/>
-          </a:bodyPr>
-          <a:lstStyle/>
-          <a:p>
-            <a:r>
-              <a:rPr lang="en-US" dirty="0" err="1"/>
-              <a:t>Planung</a:t>
-            </a:r>
-            <a:r>
-              <a:rPr lang="en-US" dirty="0"/>
-              <a:t> </a:t>
-            </a:r>
-            <a:r>
-              <a:rPr lang="en-US" dirty="0" err="1"/>
-              <a:t>mit</a:t>
-            </a:r>
-            <a:r>
-              <a:rPr lang="en-US" dirty="0"/>
-              <a:t> Wireframes:</a:t>
-            </a:r>
-            <a:endParaRPr lang="de-DE" dirty="0"/>
-          </a:p>
-        </p:txBody>
-      </p:sp>
-      <p:sp>
-        <p:nvSpPr>
-          <p:cNvPr id="4" name="Datumsplatzhalter 3">
-            <a:extLst>
-              <a:ext uri="{FF2B5EF4-FFF2-40B4-BE49-F238E27FC236}">
-                <a16:creationId xmlns:a16="http://schemas.microsoft.com/office/drawing/2014/main" id="{9B845A53-5BE6-9CA6-3562-72B862D9A47D}"/>
-              </a:ext>
-            </a:extLst>
-          </p:cNvPr>
-          <p:cNvSpPr>
-            <a:spLocks noGrp="1"/>
-          </p:cNvSpPr>
-          <p:nvPr>
-            <p:ph type="dt" sz="half" idx="10"/>
-          </p:nvPr>
-        </p:nvSpPr>
-        <p:spPr/>
-        <p:txBody>
-          <a:bodyPr/>
-          <a:lstStyle/>
-          <a:p>
-            <a:fld id="{42B45B56-1D88-4042-8DF0-EB6B41B710D3}" type="datetime1">
-              <a:rPr lang="de-DE" smtClean="0"/>
-              <a:t>05.12.2024</a:t>
-            </a:fld>
-            <a:endParaRPr lang="en-US"/>
-          </a:p>
-        </p:txBody>
-      </p:sp>
-      <p:sp>
-        <p:nvSpPr>
-          <p:cNvPr id="5" name="Foliennummernplatzhalter 4">
-            <a:extLst>
-              <a:ext uri="{FF2B5EF4-FFF2-40B4-BE49-F238E27FC236}">
-                <a16:creationId xmlns:a16="http://schemas.microsoft.com/office/drawing/2014/main" id="{EE4833C9-41BA-59D9-C329-117775D12A15}"/>
-              </a:ext>
-            </a:extLst>
-          </p:cNvPr>
-          <p:cNvSpPr>
-            <a:spLocks noGrp="1"/>
-          </p:cNvSpPr>
-          <p:nvPr>
-            <p:ph type="sldNum" sz="quarter" idx="12"/>
-          </p:nvPr>
-        </p:nvSpPr>
-        <p:spPr/>
-        <p:txBody>
-          <a:bodyPr/>
-          <a:lstStyle/>
-          <a:p>
-            <a:fld id="{07CE569E-9B7C-4CB9-AB80-C0841F922CFF}" type="slidenum">
-              <a:rPr lang="en-US" smtClean="0"/>
-              <a:t>6</a:t>
-            </a:fld>
-            <a:endParaRPr lang="en-US"/>
-          </a:p>
-        </p:txBody>
-      </p:sp>
-      <p:pic>
-        <p:nvPicPr>
-          <p:cNvPr id="7" name="Grafik 6">
-            <a:extLst>
-              <a:ext uri="{FF2B5EF4-FFF2-40B4-BE49-F238E27FC236}">
-                <a16:creationId xmlns:a16="http://schemas.microsoft.com/office/drawing/2014/main" id="{BD93C44F-7B63-1D66-9D33-5E51FBBFE79C}"/>
-              </a:ext>
-            </a:extLst>
-          </p:cNvPr>
-          <p:cNvPicPr>
-            <a:picLocks noChangeAspect="1"/>
-          </p:cNvPicPr>
-          <p:nvPr/>
-        </p:nvPicPr>
-        <p:blipFill>
-          <a:blip r:embed="rId2"/>
-          <a:stretch>
-            <a:fillRect/>
-          </a:stretch>
-        </p:blipFill>
-        <p:spPr>
-          <a:xfrm>
-            <a:off x="3306419" y="3092450"/>
-            <a:ext cx="5869694" cy="3765550"/>
-          </a:xfrm>
-          <a:prstGeom prst="rect">
-            <a:avLst/>
-          </a:prstGeom>
-        </p:spPr>
-      </p:pic>
-      <p:sp>
-        <p:nvSpPr>
-          <p:cNvPr id="9" name="Inhaltsplatzhalter 2">
-            <a:extLst>
-              <a:ext uri="{FF2B5EF4-FFF2-40B4-BE49-F238E27FC236}">
-                <a16:creationId xmlns:a16="http://schemas.microsoft.com/office/drawing/2014/main" id="{1C72A664-9ECA-AD6E-36BF-7F0C6B194CA3}"/>
-              </a:ext>
-            </a:extLst>
-          </p:cNvPr>
-          <p:cNvSpPr txBox="1">
-            <a:spLocks/>
-          </p:cNvSpPr>
-          <p:nvPr/>
-        </p:nvSpPr>
-        <p:spPr>
-          <a:xfrm>
-            <a:off x="1071535" y="3320454"/>
-            <a:ext cx="4364182" cy="1257299"/>
-          </a:xfrm>
-          <a:prstGeom prst="rect">
-            <a:avLst/>
-          </a:prstGeom>
-        </p:spPr>
-        <p:txBody>
-          <a:bodyPr vert="horz" lIns="91440" tIns="45720" rIns="91440" bIns="45720" rtlCol="0">
-            <a:normAutofit/>
-          </a:bodyPr>
-          <a:lstStyle>
-            <a:lvl1pPr marL="228600" indent="-228600" algn="l" defTabSz="914400" rtl="0" eaLnBrk="1" latinLnBrk="0" hangingPunct="1">
-              <a:lnSpc>
-                <a:spcPct val="125000"/>
-              </a:lnSpc>
-              <a:spcBef>
-                <a:spcPts val="1000"/>
-              </a:spcBef>
-              <a:buFont typeface="Arial" panose="020B0604020202020204" pitchFamily="34" charset="0"/>
-              <a:buChar char="•"/>
-              <a:defRPr sz="2800" kern="1200">
-                <a:solidFill>
-                  <a:schemeClr val="tx1">
-                    <a:alpha val="70000"/>
-                  </a:schemeClr>
-                </a:solidFill>
-                <a:latin typeface="+mn-lt"/>
-                <a:ea typeface="+mn-ea"/>
-                <a:cs typeface="+mn-cs"/>
-              </a:defRPr>
-            </a:lvl1pPr>
-            <a:lvl2pPr marL="685800" indent="-228600" algn="l" defTabSz="914400" rtl="0" eaLnBrk="1" latinLnBrk="0" hangingPunct="1">
-              <a:lnSpc>
-                <a:spcPct val="125000"/>
-              </a:lnSpc>
-              <a:spcBef>
-                <a:spcPts val="500"/>
-              </a:spcBef>
-              <a:buFont typeface="Arial" panose="020B0604020202020204" pitchFamily="34" charset="0"/>
-              <a:buChar char="•"/>
-              <a:defRPr sz="2400" kern="1200">
-                <a:solidFill>
-                  <a:schemeClr val="tx1">
-                    <a:alpha val="70000"/>
-                  </a:schemeClr>
-                </a:solidFill>
-                <a:latin typeface="+mn-lt"/>
-                <a:ea typeface="+mn-ea"/>
-                <a:cs typeface="+mn-cs"/>
-              </a:defRPr>
-            </a:lvl2pPr>
-            <a:lvl3pPr marL="1143000" indent="-228600" algn="l" defTabSz="914400" rtl="0" eaLnBrk="1" latinLnBrk="0" hangingPunct="1">
-              <a:lnSpc>
-                <a:spcPct val="125000"/>
-              </a:lnSpc>
-              <a:spcBef>
-                <a:spcPts val="500"/>
-              </a:spcBef>
-              <a:buFont typeface="Arial" panose="020B0604020202020204" pitchFamily="34" charset="0"/>
-              <a:buChar char="•"/>
-              <a:defRPr sz="2000" kern="1200">
-                <a:solidFill>
-                  <a:schemeClr val="tx1">
-                    <a:alpha val="70000"/>
-                  </a:schemeClr>
-                </a:solidFill>
-                <a:latin typeface="+mn-lt"/>
-                <a:ea typeface="+mn-ea"/>
-                <a:cs typeface="+mn-cs"/>
-              </a:defRPr>
-            </a:lvl3pPr>
-            <a:lvl4pPr marL="1600200" indent="-228600" algn="l" defTabSz="914400" rtl="0" eaLnBrk="1" latinLnBrk="0" hangingPunct="1">
-              <a:lnSpc>
-                <a:spcPct val="125000"/>
-              </a:lnSpc>
-              <a:spcBef>
-                <a:spcPts val="500"/>
-              </a:spcBef>
-              <a:buFont typeface="Arial" panose="020B0604020202020204" pitchFamily="34" charset="0"/>
-              <a:buChar char="•"/>
-              <a:defRPr sz="1800" kern="1200">
-                <a:solidFill>
-                  <a:schemeClr val="tx1">
-                    <a:alpha val="70000"/>
-                  </a:schemeClr>
-                </a:solidFill>
-                <a:latin typeface="+mn-lt"/>
-                <a:ea typeface="+mn-ea"/>
-                <a:cs typeface="+mn-cs"/>
-              </a:defRPr>
-            </a:lvl4pPr>
-            <a:lvl5pPr marL="2057400" indent="-228600" algn="l" defTabSz="914400" rtl="0" eaLnBrk="1" latinLnBrk="0" hangingPunct="1">
-              <a:lnSpc>
-                <a:spcPct val="125000"/>
-              </a:lnSpc>
-              <a:spcBef>
-                <a:spcPts val="500"/>
-              </a:spcBef>
-              <a:buFont typeface="Arial" panose="020B0604020202020204" pitchFamily="34" charset="0"/>
-              <a:buChar char="•"/>
-              <a:defRPr sz="1800" kern="1200">
-                <a:solidFill>
-                  <a:schemeClr val="tx1">
-                    <a:alpha val="70000"/>
-                  </a:schemeClr>
-                </a:solidFill>
-                <a:latin typeface="+mn-lt"/>
-                <a:ea typeface="+mn-ea"/>
-                <a:cs typeface="+mn-cs"/>
-              </a:defRPr>
-            </a:lvl5pPr>
-            <a:lvl6pPr marL="2514600" indent="-228600" algn="l" defTabSz="914400" rtl="0" eaLnBrk="1" latinLnBrk="0" hangingPunct="1">
-              <a:lnSpc>
-                <a:spcPct val="90000"/>
-              </a:lnSpc>
-              <a:spcBef>
-                <a:spcPts val="500"/>
-              </a:spcBef>
-              <a:buFont typeface="Arial" panose="020B0604020202020204" pitchFamily="34" charset="0"/>
-              <a:buChar char="•"/>
-              <a:defRPr sz="1800" kern="1200">
-                <a:solidFill>
-                  <a:schemeClr val="tx1"/>
-                </a:solidFill>
-                <a:latin typeface="+mn-lt"/>
-                <a:ea typeface="+mn-ea"/>
-                <a:cs typeface="+mn-cs"/>
-              </a:defRPr>
-            </a:lvl6pPr>
-            <a:lvl7pPr marL="2971800" indent="-228600" algn="l" defTabSz="914400" rtl="0" eaLnBrk="1" latinLnBrk="0" hangingPunct="1">
-              <a:lnSpc>
-                <a:spcPct val="90000"/>
-              </a:lnSpc>
-              <a:spcBef>
-                <a:spcPts val="500"/>
-              </a:spcBef>
-              <a:buFont typeface="Arial" panose="020B0604020202020204" pitchFamily="34" charset="0"/>
-              <a:buChar char="•"/>
-              <a:defRPr sz="1800" kern="1200">
-                <a:solidFill>
-                  <a:schemeClr val="tx1"/>
-                </a:solidFill>
-                <a:latin typeface="+mn-lt"/>
-                <a:ea typeface="+mn-ea"/>
-                <a:cs typeface="+mn-cs"/>
-              </a:defRPr>
-            </a:lvl7pPr>
-            <a:lvl8pPr marL="3429000" indent="-228600" algn="l" defTabSz="914400" rtl="0" eaLnBrk="1" latinLnBrk="0" hangingPunct="1">
-              <a:lnSpc>
-                <a:spcPct val="90000"/>
-              </a:lnSpc>
-              <a:spcBef>
-                <a:spcPts val="500"/>
-              </a:spcBef>
-              <a:buFont typeface="Arial" panose="020B0604020202020204" pitchFamily="34" charset="0"/>
-              <a:buChar char="•"/>
-              <a:defRPr sz="1800" kern="1200">
-                <a:solidFill>
-                  <a:schemeClr val="tx1"/>
-                </a:solidFill>
-                <a:latin typeface="+mn-lt"/>
-                <a:ea typeface="+mn-ea"/>
-                <a:cs typeface="+mn-cs"/>
-              </a:defRPr>
-            </a:lvl8pPr>
-            <a:lvl9pPr marL="3886200" indent="-228600" algn="l" defTabSz="914400" rtl="0" eaLnBrk="1" latinLnBrk="0" hangingPunct="1">
-              <a:lnSpc>
-                <a:spcPct val="90000"/>
-              </a:lnSpc>
-              <a:spcBef>
-                <a:spcPts val="500"/>
-              </a:spcBef>
-              <a:buFont typeface="Arial" panose="020B0604020202020204" pitchFamily="34" charset="0"/>
-              <a:buChar char="•"/>
-              <a:defRPr sz="1800" kern="1200">
-                <a:solidFill>
-                  <a:schemeClr val="tx1"/>
-                </a:solidFill>
-                <a:latin typeface="+mn-lt"/>
-                <a:ea typeface="+mn-ea"/>
-                <a:cs typeface="+mn-cs"/>
-              </a:defRPr>
-            </a:lvl9pPr>
-          </a:lstStyle>
-          <a:p>
-            <a:pPr marL="0" indent="0">
-              <a:lnSpc>
-                <a:spcPct val="50000"/>
-              </a:lnSpc>
-              <a:buNone/>
-            </a:pPr>
-            <a:r>
-              <a:rPr lang="en-US" sz="2400" dirty="0" err="1"/>
-              <a:t>Menü</a:t>
-            </a:r>
-            <a:r>
-              <a:rPr lang="en-US" sz="2400" dirty="0"/>
-              <a:t>-Karte</a:t>
-            </a:r>
-            <a:endParaRPr lang="de-DE" sz="2400" dirty="0"/>
-          </a:p>
-        </p:txBody>
-      </p:sp>
-    </p:spTree>
-    <p:extLst>
-      <p:ext uri="{BB962C8B-B14F-4D97-AF65-F5344CB8AC3E}">
-        <p14:creationId xmlns:p14="http://schemas.microsoft.com/office/powerpoint/2010/main" val="1274299245"/>
-      </p:ext>
-    </p:extLst>
-  </p:cSld>
-  <p:clrMapOvr>
-    <a:masterClrMapping/>
-  </p:clrMapOvr>
-</p:sld>
-</file>
-
-<file path=ppt/slides/slide7.xml><?xml version="1.0" encoding="utf-8"?>
-<p:sld xmlns:a="http://schemas.openxmlformats.org/drawingml/2006/main" xmlns:r="http://schemas.openxmlformats.org/officeDocument/2006/relationships" xmlns:p="http://schemas.openxmlformats.org/presentationml/2006/main">
-  <p:cSld>
-    <p:spTree>
-      <p:nvGrpSpPr>
-        <p:cNvPr id="1" name="">
-          <a:extLst>
-            <a:ext uri="{FF2B5EF4-FFF2-40B4-BE49-F238E27FC236}">
-              <a16:creationId xmlns:a16="http://schemas.microsoft.com/office/drawing/2014/main" id="{E02E1FA0-33F1-B0E2-43E7-2F27933784FE}"/>
-            </a:ext>
-          </a:extLst>
-        </p:cNvPr>
-        <p:cNvGrpSpPr/>
-        <p:nvPr/>
-      </p:nvGrpSpPr>
-      <p:grpSpPr>
-        <a:xfrm>
-          <a:off x="0" y="0"/>
-          <a:ext cx="0" cy="0"/>
-          <a:chOff x="0" y="0"/>
-          <a:chExt cx="0" cy="0"/>
-        </a:xfrm>
-      </p:grpSpPr>
-      <p:sp>
-        <p:nvSpPr>
-          <p:cNvPr id="2" name="Titel 1">
-            <a:extLst>
-              <a:ext uri="{FF2B5EF4-FFF2-40B4-BE49-F238E27FC236}">
-                <a16:creationId xmlns:a16="http://schemas.microsoft.com/office/drawing/2014/main" id="{2B0204BC-61DC-AA10-8B76-1137C320C5B4}"/>
-              </a:ext>
-            </a:extLst>
-          </p:cNvPr>
-          <p:cNvSpPr>
-            <a:spLocks noGrp="1"/>
-          </p:cNvSpPr>
-          <p:nvPr>
-            <p:ph type="title"/>
-          </p:nvPr>
-        </p:nvSpPr>
-        <p:spPr/>
-        <p:txBody>
-          <a:bodyPr/>
-          <a:lstStyle/>
-          <a:p>
-            <a:r>
-              <a:rPr lang="de-DE" dirty="0"/>
-              <a:t>3. Produktzwischenstand</a:t>
-            </a:r>
-          </a:p>
-        </p:txBody>
-      </p:sp>
-      <p:sp>
-        <p:nvSpPr>
-          <p:cNvPr id="3" name="Inhaltsplatzhalter 2">
-            <a:extLst>
-              <a:ext uri="{FF2B5EF4-FFF2-40B4-BE49-F238E27FC236}">
-                <a16:creationId xmlns:a16="http://schemas.microsoft.com/office/drawing/2014/main" id="{FB1F5419-A3BF-9F2D-5954-0D9C47B239F0}"/>
-              </a:ext>
-            </a:extLst>
-          </p:cNvPr>
-          <p:cNvSpPr>
-            <a:spLocks noGrp="1"/>
-          </p:cNvSpPr>
-          <p:nvPr>
-            <p:ph idx="1"/>
-          </p:nvPr>
-        </p:nvSpPr>
-        <p:spPr>
-          <a:xfrm>
-            <a:off x="762000" y="2286001"/>
-            <a:ext cx="10668000" cy="622896"/>
-          </a:xfrm>
-        </p:spPr>
-        <p:txBody>
-          <a:bodyPr>
-            <a:normAutofit/>
-          </a:bodyPr>
-          <a:lstStyle/>
-          <a:p>
-            <a:r>
-              <a:rPr lang="en-US" dirty="0" err="1"/>
-              <a:t>Umsetzung</a:t>
-            </a:r>
-            <a:r>
-              <a:rPr lang="en-US" dirty="0"/>
-              <a:t>:</a:t>
-            </a:r>
-            <a:endParaRPr lang="de-DE" dirty="0"/>
-          </a:p>
-        </p:txBody>
-      </p:sp>
-      <p:sp>
-        <p:nvSpPr>
-          <p:cNvPr id="4" name="Datumsplatzhalter 3">
-            <a:extLst>
-              <a:ext uri="{FF2B5EF4-FFF2-40B4-BE49-F238E27FC236}">
-                <a16:creationId xmlns:a16="http://schemas.microsoft.com/office/drawing/2014/main" id="{FC392E04-9D72-04F9-0003-9406CF59E30E}"/>
-              </a:ext>
-            </a:extLst>
-          </p:cNvPr>
-          <p:cNvSpPr>
-            <a:spLocks noGrp="1"/>
-          </p:cNvSpPr>
-          <p:nvPr>
-            <p:ph type="dt" sz="half" idx="10"/>
-          </p:nvPr>
-        </p:nvSpPr>
-        <p:spPr/>
-        <p:txBody>
-          <a:bodyPr/>
-          <a:lstStyle/>
-          <a:p>
-            <a:fld id="{42B45B56-1D88-4042-8DF0-EB6B41B710D3}" type="datetime1">
-              <a:rPr lang="de-DE" smtClean="0"/>
-              <a:t>05.12.2024</a:t>
-            </a:fld>
-            <a:endParaRPr lang="en-US"/>
-          </a:p>
-        </p:txBody>
-      </p:sp>
-      <p:sp>
-        <p:nvSpPr>
-          <p:cNvPr id="5" name="Foliennummernplatzhalter 4">
-            <a:extLst>
-              <a:ext uri="{FF2B5EF4-FFF2-40B4-BE49-F238E27FC236}">
-                <a16:creationId xmlns:a16="http://schemas.microsoft.com/office/drawing/2014/main" id="{1B7D7419-D6B3-3784-B9C9-75E99996C4FE}"/>
-              </a:ext>
-            </a:extLst>
-          </p:cNvPr>
-          <p:cNvSpPr>
-            <a:spLocks noGrp="1"/>
-          </p:cNvSpPr>
-          <p:nvPr>
-            <p:ph type="sldNum" sz="quarter" idx="12"/>
-          </p:nvPr>
-        </p:nvSpPr>
-        <p:spPr/>
-        <p:txBody>
-          <a:bodyPr/>
-          <a:lstStyle/>
-          <a:p>
-            <a:fld id="{07CE569E-9B7C-4CB9-AB80-C0841F922CFF}" type="slidenum">
-              <a:rPr lang="en-US" smtClean="0"/>
-              <a:t>7</a:t>
-            </a:fld>
-            <a:endParaRPr lang="en-US"/>
-          </a:p>
-        </p:txBody>
-      </p:sp>
-      <p:sp>
-        <p:nvSpPr>
-          <p:cNvPr id="9" name="Inhaltsplatzhalter 2">
-            <a:extLst>
-              <a:ext uri="{FF2B5EF4-FFF2-40B4-BE49-F238E27FC236}">
-                <a16:creationId xmlns:a16="http://schemas.microsoft.com/office/drawing/2014/main" id="{6F4FF2DA-EFDC-128C-F1FB-990963DC0BEB}"/>
-              </a:ext>
-            </a:extLst>
-          </p:cNvPr>
-          <p:cNvSpPr txBox="1">
-            <a:spLocks/>
-          </p:cNvSpPr>
-          <p:nvPr/>
-        </p:nvSpPr>
-        <p:spPr>
-          <a:xfrm>
-            <a:off x="1071535" y="3320454"/>
-            <a:ext cx="4364182" cy="1257299"/>
-          </a:xfrm>
-          <a:prstGeom prst="rect">
-            <a:avLst/>
-          </a:prstGeom>
-        </p:spPr>
-        <p:txBody>
-          <a:bodyPr vert="horz" lIns="91440" tIns="45720" rIns="91440" bIns="45720" rtlCol="0">
-            <a:normAutofit/>
-          </a:bodyPr>
-          <a:lstStyle>
-            <a:lvl1pPr marL="228600" indent="-228600" algn="l" defTabSz="914400" rtl="0" eaLnBrk="1" latinLnBrk="0" hangingPunct="1">
-              <a:lnSpc>
-                <a:spcPct val="125000"/>
-              </a:lnSpc>
-              <a:spcBef>
-                <a:spcPts val="1000"/>
-              </a:spcBef>
-              <a:buFont typeface="Arial" panose="020B0604020202020204" pitchFamily="34" charset="0"/>
-              <a:buChar char="•"/>
-              <a:defRPr sz="2800" kern="1200">
-                <a:solidFill>
-                  <a:schemeClr val="tx1">
-                    <a:alpha val="70000"/>
-                  </a:schemeClr>
-                </a:solidFill>
-                <a:latin typeface="+mn-lt"/>
-                <a:ea typeface="+mn-ea"/>
-                <a:cs typeface="+mn-cs"/>
-              </a:defRPr>
-            </a:lvl1pPr>
-            <a:lvl2pPr marL="685800" indent="-228600" algn="l" defTabSz="914400" rtl="0" eaLnBrk="1" latinLnBrk="0" hangingPunct="1">
-              <a:lnSpc>
-                <a:spcPct val="125000"/>
-              </a:lnSpc>
-              <a:spcBef>
-                <a:spcPts val="500"/>
-              </a:spcBef>
-              <a:buFont typeface="Arial" panose="020B0604020202020204" pitchFamily="34" charset="0"/>
-              <a:buChar char="•"/>
-              <a:defRPr sz="2400" kern="1200">
-                <a:solidFill>
-                  <a:schemeClr val="tx1">
-                    <a:alpha val="70000"/>
-                  </a:schemeClr>
-                </a:solidFill>
-                <a:latin typeface="+mn-lt"/>
-                <a:ea typeface="+mn-ea"/>
-                <a:cs typeface="+mn-cs"/>
-              </a:defRPr>
-            </a:lvl2pPr>
-            <a:lvl3pPr marL="1143000" indent="-228600" algn="l" defTabSz="914400" rtl="0" eaLnBrk="1" latinLnBrk="0" hangingPunct="1">
-              <a:lnSpc>
-                <a:spcPct val="125000"/>
-              </a:lnSpc>
-              <a:spcBef>
-                <a:spcPts val="500"/>
-              </a:spcBef>
-              <a:buFont typeface="Arial" panose="020B0604020202020204" pitchFamily="34" charset="0"/>
-              <a:buChar char="•"/>
-              <a:defRPr sz="2000" kern="1200">
-                <a:solidFill>
-                  <a:schemeClr val="tx1">
-                    <a:alpha val="70000"/>
-                  </a:schemeClr>
-                </a:solidFill>
-                <a:latin typeface="+mn-lt"/>
-                <a:ea typeface="+mn-ea"/>
-                <a:cs typeface="+mn-cs"/>
-              </a:defRPr>
-            </a:lvl3pPr>
-            <a:lvl4pPr marL="1600200" indent="-228600" algn="l" defTabSz="914400" rtl="0" eaLnBrk="1" latinLnBrk="0" hangingPunct="1">
-              <a:lnSpc>
-                <a:spcPct val="125000"/>
-              </a:lnSpc>
-              <a:spcBef>
-                <a:spcPts val="500"/>
-              </a:spcBef>
-              <a:buFont typeface="Arial" panose="020B0604020202020204" pitchFamily="34" charset="0"/>
-              <a:buChar char="•"/>
-              <a:defRPr sz="1800" kern="1200">
-                <a:solidFill>
-                  <a:schemeClr val="tx1">
-                    <a:alpha val="70000"/>
-                  </a:schemeClr>
-                </a:solidFill>
-                <a:latin typeface="+mn-lt"/>
-                <a:ea typeface="+mn-ea"/>
-                <a:cs typeface="+mn-cs"/>
-              </a:defRPr>
-            </a:lvl4pPr>
-            <a:lvl5pPr marL="2057400" indent="-228600" algn="l" defTabSz="914400" rtl="0" eaLnBrk="1" latinLnBrk="0" hangingPunct="1">
-              <a:lnSpc>
-                <a:spcPct val="125000"/>
-              </a:lnSpc>
-              <a:spcBef>
-                <a:spcPts val="500"/>
-              </a:spcBef>
-              <a:buFont typeface="Arial" panose="020B0604020202020204" pitchFamily="34" charset="0"/>
-              <a:buChar char="•"/>
-              <a:defRPr sz="1800" kern="1200">
-                <a:solidFill>
-                  <a:schemeClr val="tx1">
-                    <a:alpha val="70000"/>
-                  </a:schemeClr>
-                </a:solidFill>
-                <a:latin typeface="+mn-lt"/>
-                <a:ea typeface="+mn-ea"/>
-                <a:cs typeface="+mn-cs"/>
-              </a:defRPr>
-            </a:lvl5pPr>
-            <a:lvl6pPr marL="2514600" indent="-228600" algn="l" defTabSz="914400" rtl="0" eaLnBrk="1" latinLnBrk="0" hangingPunct="1">
-              <a:lnSpc>
-                <a:spcPct val="90000"/>
-              </a:lnSpc>
-              <a:spcBef>
-                <a:spcPts val="500"/>
-              </a:spcBef>
-              <a:buFont typeface="Arial" panose="020B0604020202020204" pitchFamily="34" charset="0"/>
-              <a:buChar char="•"/>
-              <a:defRPr sz="1800" kern="1200">
-                <a:solidFill>
-                  <a:schemeClr val="tx1"/>
-                </a:solidFill>
-                <a:latin typeface="+mn-lt"/>
-                <a:ea typeface="+mn-ea"/>
-                <a:cs typeface="+mn-cs"/>
-              </a:defRPr>
-            </a:lvl6pPr>
-            <a:lvl7pPr marL="2971800" indent="-228600" algn="l" defTabSz="914400" rtl="0" eaLnBrk="1" latinLnBrk="0" hangingPunct="1">
-              <a:lnSpc>
-                <a:spcPct val="90000"/>
-              </a:lnSpc>
-              <a:spcBef>
-                <a:spcPts val="500"/>
-              </a:spcBef>
-              <a:buFont typeface="Arial" panose="020B0604020202020204" pitchFamily="34" charset="0"/>
-              <a:buChar char="•"/>
-              <a:defRPr sz="1800" kern="1200">
-                <a:solidFill>
-                  <a:schemeClr val="tx1"/>
-                </a:solidFill>
-                <a:latin typeface="+mn-lt"/>
-                <a:ea typeface="+mn-ea"/>
-                <a:cs typeface="+mn-cs"/>
-              </a:defRPr>
-            </a:lvl7pPr>
-            <a:lvl8pPr marL="3429000" indent="-228600" algn="l" defTabSz="914400" rtl="0" eaLnBrk="1" latinLnBrk="0" hangingPunct="1">
-              <a:lnSpc>
-                <a:spcPct val="90000"/>
-              </a:lnSpc>
-              <a:spcBef>
-                <a:spcPts val="500"/>
-              </a:spcBef>
-              <a:buFont typeface="Arial" panose="020B0604020202020204" pitchFamily="34" charset="0"/>
-              <a:buChar char="•"/>
-              <a:defRPr sz="1800" kern="1200">
-                <a:solidFill>
-                  <a:schemeClr val="tx1"/>
-                </a:solidFill>
-                <a:latin typeface="+mn-lt"/>
-                <a:ea typeface="+mn-ea"/>
-                <a:cs typeface="+mn-cs"/>
-              </a:defRPr>
-            </a:lvl8pPr>
-            <a:lvl9pPr marL="3886200" indent="-228600" algn="l" defTabSz="914400" rtl="0" eaLnBrk="1" latinLnBrk="0" hangingPunct="1">
-              <a:lnSpc>
-                <a:spcPct val="90000"/>
-              </a:lnSpc>
-              <a:spcBef>
-                <a:spcPts val="500"/>
-              </a:spcBef>
-              <a:buFont typeface="Arial" panose="020B0604020202020204" pitchFamily="34" charset="0"/>
-              <a:buChar char="•"/>
-              <a:defRPr sz="1800" kern="1200">
-                <a:solidFill>
-                  <a:schemeClr val="tx1"/>
-                </a:solidFill>
-                <a:latin typeface="+mn-lt"/>
-                <a:ea typeface="+mn-ea"/>
-                <a:cs typeface="+mn-cs"/>
-              </a:defRPr>
-            </a:lvl9pPr>
-          </a:lstStyle>
-          <a:p>
-            <a:pPr marL="0" indent="0">
-              <a:lnSpc>
-                <a:spcPct val="50000"/>
-              </a:lnSpc>
-              <a:buNone/>
-            </a:pPr>
-            <a:r>
-              <a:rPr lang="en-US" sz="2400" dirty="0" err="1"/>
-              <a:t>Menü</a:t>
-            </a:r>
-            <a:r>
-              <a:rPr lang="en-US" sz="2400" dirty="0"/>
-              <a:t>-Karte</a:t>
-            </a:r>
-            <a:endParaRPr lang="de-DE" sz="2400" dirty="0"/>
-          </a:p>
-        </p:txBody>
-      </p:sp>
-      <p:pic>
-        <p:nvPicPr>
-          <p:cNvPr id="8" name="Grafik 7" descr="Ein Bild, das Text, Screenshot, Software, Computersymbol enthält.&#10;&#10;Automatisch generierte Beschreibung">
-            <a:extLst>
-              <a:ext uri="{FF2B5EF4-FFF2-40B4-BE49-F238E27FC236}">
-                <a16:creationId xmlns:a16="http://schemas.microsoft.com/office/drawing/2014/main" id="{593A1958-68E6-C975-06F8-98A6FF76656E}"/>
-              </a:ext>
-            </a:extLst>
-          </p:cNvPr>
-          <p:cNvPicPr>
-            <a:picLocks noChangeAspect="1"/>
-          </p:cNvPicPr>
-          <p:nvPr/>
-        </p:nvPicPr>
-        <p:blipFill>
-          <a:blip r:embed="rId2">
-            <a:extLst>
-              <a:ext uri="{28A0092B-C50C-407E-A947-70E740481C1C}">
-                <a14:useLocalDpi xmlns:a14="http://schemas.microsoft.com/office/drawing/2010/main" val="0"/>
-              </a:ext>
-            </a:extLst>
-          </a:blip>
-          <a:stretch>
-            <a:fillRect/>
-          </a:stretch>
-        </p:blipFill>
-        <p:spPr>
-          <a:xfrm>
-            <a:off x="3221880" y="2173846"/>
-            <a:ext cx="8653047" cy="4684154"/>
-          </a:xfrm>
-          <a:prstGeom prst="rect">
-            <a:avLst/>
-          </a:prstGeom>
-        </p:spPr>
-      </p:pic>
-      <p:pic>
-        <p:nvPicPr>
-          <p:cNvPr id="7" name="Grafik 6" descr="Ein Bild, das Text, Screenshot, Schrift enthält.&#10;&#10;Automatisch generierte Beschreibung">
-            <a:extLst>
-              <a:ext uri="{FF2B5EF4-FFF2-40B4-BE49-F238E27FC236}">
-                <a16:creationId xmlns:a16="http://schemas.microsoft.com/office/drawing/2014/main" id="{47A382CA-973E-61C7-8906-046EC3DC3B90}"/>
-              </a:ext>
-            </a:extLst>
-          </p:cNvPr>
-          <p:cNvPicPr>
-            <a:picLocks noChangeAspect="1"/>
-          </p:cNvPicPr>
-          <p:nvPr/>
-        </p:nvPicPr>
-        <p:blipFill>
-          <a:blip r:embed="rId3">
-            <a:extLst>
-              <a:ext uri="{28A0092B-C50C-407E-A947-70E740481C1C}">
-                <a14:useLocalDpi xmlns:a14="http://schemas.microsoft.com/office/drawing/2010/main" val="0"/>
-              </a:ext>
-            </a:extLst>
-          </a:blip>
-          <a:stretch>
-            <a:fillRect/>
-          </a:stretch>
-        </p:blipFill>
-        <p:spPr>
-          <a:xfrm>
-            <a:off x="4724841" y="3989824"/>
-            <a:ext cx="5258534" cy="2152950"/>
-          </a:xfrm>
-          <a:prstGeom prst="rect">
-            <a:avLst/>
-          </a:prstGeom>
-          <a:ln w="19050" cap="sq">
-            <a:solidFill>
-              <a:srgbClr val="000000"/>
-            </a:solidFill>
-            <a:miter lim="800000"/>
-          </a:ln>
-          <a:effectLst>
-            <a:outerShdw blurRad="57150" dist="50800" dir="2700000" algn="tl" rotWithShape="0">
-              <a:srgbClr val="000000">
-                <a:alpha val="40000"/>
-              </a:srgbClr>
-            </a:outerShdw>
-          </a:effectLst>
-        </p:spPr>
-      </p:pic>
-      <p:pic>
-        <p:nvPicPr>
-          <p:cNvPr id="11" name="Grafik 10" descr="Ein Bild, das Text, Screenshot, Schrift, Logo enthält.&#10;&#10;Automatisch generierte Beschreibung">
-            <a:extLst>
-              <a:ext uri="{FF2B5EF4-FFF2-40B4-BE49-F238E27FC236}">
-                <a16:creationId xmlns:a16="http://schemas.microsoft.com/office/drawing/2014/main" id="{D25C1E67-3623-94ED-1867-908E72DC56B8}"/>
-              </a:ext>
-            </a:extLst>
-          </p:cNvPr>
-          <p:cNvPicPr>
-            <a:picLocks noChangeAspect="1"/>
-          </p:cNvPicPr>
-          <p:nvPr/>
-        </p:nvPicPr>
-        <p:blipFill>
-          <a:blip r:embed="rId4">
-            <a:extLst>
-              <a:ext uri="{28A0092B-C50C-407E-A947-70E740481C1C}">
-                <a14:useLocalDpi xmlns:a14="http://schemas.microsoft.com/office/drawing/2010/main" val="0"/>
-              </a:ext>
-            </a:extLst>
-          </a:blip>
-          <a:stretch>
-            <a:fillRect/>
-          </a:stretch>
-        </p:blipFill>
-        <p:spPr>
-          <a:xfrm>
-            <a:off x="914604" y="4523298"/>
-            <a:ext cx="3219899" cy="1086002"/>
-          </a:xfrm>
-          <a:prstGeom prst="rect">
-            <a:avLst/>
-          </a:prstGeom>
-          <a:ln w="19050" cap="sq">
-            <a:solidFill>
-              <a:srgbClr val="000000"/>
-            </a:solidFill>
-            <a:miter lim="800000"/>
-          </a:ln>
-          <a:effectLst>
-            <a:outerShdw blurRad="57150" dist="50800" dir="2700000" algn="tl" rotWithShape="0">
-              <a:srgbClr val="000000">
-                <a:alpha val="40000"/>
-              </a:srgbClr>
-            </a:outerShdw>
-          </a:effectLst>
-        </p:spPr>
-      </p:pic>
-    </p:spTree>
-    <p:extLst>
-      <p:ext uri="{BB962C8B-B14F-4D97-AF65-F5344CB8AC3E}">
-        <p14:creationId xmlns:p14="http://schemas.microsoft.com/office/powerpoint/2010/main" val="791469437"/>
-      </p:ext>
-    </p:extLst>
-  </p:cSld>
-  <p:clrMapOvr>
-    <a:masterClrMapping/>
-  </p:clrMapOvr>
-  <p:timing>
-    <p:tnLst>
-      <p:par>
-        <p:cTn id="1" dur="indefinite" restart="never" nodeType="tmRoot">
-          <p:childTnLst>
-            <p:seq concurrent="1" nextAc="seek">
-              <p:cTn id="2" dur="indefinite" nodeType="mainSeq">
-                <p:childTnLst>
-                  <p:par>
-                    <p:cTn id="3" fill="hold">
-                      <p:stCondLst>
-                        <p:cond delay="indefinite"/>
-                      </p:stCondLst>
-                      <p:childTnLst>
-                        <p:par>
-                          <p:cTn id="4" fill="hold">
-                            <p:stCondLst>
-                              <p:cond delay="0"/>
-                            </p:stCondLst>
-                            <p:childTnLst>
-                              <p:par>
-                                <p:cTn id="5" presetID="1" presetClass="exit" presetSubtype="0" fill="hold" nodeType="clickEffect">
-                                  <p:stCondLst>
-                                    <p:cond delay="0"/>
-                                  </p:stCondLst>
-                                  <p:childTnLst>
-                                    <p:set>
-                                      <p:cBhvr>
-                                        <p:cTn id="6" dur="1" fill="hold">
-                                          <p:stCondLst>
-                                            <p:cond delay="0"/>
-                                          </p:stCondLst>
-                                        </p:cTn>
-                                        <p:tgtEl>
-                                          <p:spTgt spid="8"/>
-                                        </p:tgtEl>
-                                        <p:attrNameLst>
-                                          <p:attrName>style.visibility</p:attrName>
-                                        </p:attrNameLst>
-                                      </p:cBhvr>
-                                      <p:to>
-                                        <p:strVal val="hidden"/>
-                                      </p:to>
-                                    </p:set>
-                                  </p:childTnLst>
-                                </p:cTn>
-                              </p:par>
-                              <p:par>
-                                <p:cTn id="7" presetID="1" presetClass="entr" presetSubtype="0" fill="hold" nodeType="withEffect">
-                                  <p:stCondLst>
-                                    <p:cond delay="0"/>
-                                  </p:stCondLst>
-                                  <p:childTnLst>
-                                    <p:set>
-                                      <p:cBhvr>
-                                        <p:cTn id="8" dur="1" fill="hold">
-                                          <p:stCondLst>
-                                            <p:cond delay="0"/>
-                                          </p:stCondLst>
-                                        </p:cTn>
-                                        <p:tgtEl>
-                                          <p:spTgt spid="7"/>
-                                        </p:tgtEl>
-                                        <p:attrNameLst>
-                                          <p:attrName>style.visibility</p:attrName>
-                                        </p:attrNameLst>
-                                      </p:cBhvr>
-                                      <p:to>
-                                        <p:strVal val="visible"/>
-                                      </p:to>
-                                    </p:set>
-                                  </p:childTnLst>
-                                </p:cTn>
-                              </p:par>
-                              <p:par>
-                                <p:cTn id="9" presetID="1" presetClass="entr" presetSubtype="0" fill="hold" nodeType="withEffect">
-                                  <p:stCondLst>
-                                    <p:cond delay="0"/>
-                                  </p:stCondLst>
-                                  <p:childTnLst>
-                                    <p:set>
-                                      <p:cBhvr>
-                                        <p:cTn id="10" dur="1" fill="hold">
-                                          <p:stCondLst>
-                                            <p:cond delay="0"/>
-                                          </p:stCondLst>
-                                        </p:cTn>
-                                        <p:tgtEl>
-                                          <p:spTgt spid="11"/>
-                                        </p:tgtEl>
-                                        <p:attrNameLst>
-                                          <p:attrName>style.visibility</p:attrName>
-                                        </p:attrNameLst>
-                                      </p:cBhvr>
-                                      <p:to>
-                                        <p:strVal val="visible"/>
-                                      </p:to>
-                                    </p:set>
-                                  </p:childTnLst>
-                                </p:cTn>
-                              </p:par>
-                            </p:childTnLst>
-                          </p:cTn>
-                        </p:par>
-                      </p:childTnLst>
-                    </p:cTn>
-                  </p:par>
-                </p:childTnLst>
-              </p:cTn>
-              <p:prevCondLst>
-                <p:cond evt="onPrev" delay="0">
-                  <p:tgtEl>
-                    <p:sldTgt/>
-                  </p:tgtEl>
-                </p:cond>
-              </p:prevCondLst>
-              <p:nextCondLst>
-                <p:cond evt="onNext" delay="0">
-                  <p:tgtEl>
-                    <p:sldTgt/>
-                  </p:tgtEl>
-                </p:cond>
-              </p:nextCondLst>
-            </p:seq>
-          </p:childTnLst>
-        </p:cTn>
-      </p:par>
-    </p:tnLst>
-  </p:timing>
-</p:sld>
-</file>
-
-<file path=ppt/slides/slide8.xml><?xml version="1.0" encoding="utf-8"?>
-<p:sld xmlns:a="http://schemas.openxmlformats.org/drawingml/2006/main" xmlns:r="http://schemas.openxmlformats.org/officeDocument/2006/relationships" xmlns:p="http://schemas.openxmlformats.org/presentationml/2006/main">
-  <p:cSld>
-    <p:spTree>
-      <p:nvGrpSpPr>
-        <p:cNvPr id="1" name="">
-          <a:extLst>
-            <a:ext uri="{FF2B5EF4-FFF2-40B4-BE49-F238E27FC236}">
-              <a16:creationId xmlns:a16="http://schemas.microsoft.com/office/drawing/2014/main" id="{D8889CD4-8059-5D74-7351-9B227FD0B554}"/>
-            </a:ext>
-          </a:extLst>
-        </p:cNvPr>
-        <p:cNvGrpSpPr/>
-        <p:nvPr/>
-      </p:nvGrpSpPr>
-      <p:grpSpPr>
-        <a:xfrm>
-          <a:off x="0" y="0"/>
-          <a:ext cx="0" cy="0"/>
-          <a:chOff x="0" y="0"/>
-          <a:chExt cx="0" cy="0"/>
-        </a:xfrm>
-      </p:grpSpPr>
-      <p:sp>
-        <p:nvSpPr>
-          <p:cNvPr id="2" name="Titel 1">
-            <a:extLst>
-              <a:ext uri="{FF2B5EF4-FFF2-40B4-BE49-F238E27FC236}">
-                <a16:creationId xmlns:a16="http://schemas.microsoft.com/office/drawing/2014/main" id="{18DC0984-4AB0-AC31-E174-88D83A13127C}"/>
-              </a:ext>
-            </a:extLst>
-          </p:cNvPr>
-          <p:cNvSpPr>
-            <a:spLocks noGrp="1"/>
-          </p:cNvSpPr>
-          <p:nvPr>
-            <p:ph type="title"/>
-          </p:nvPr>
-        </p:nvSpPr>
-        <p:spPr/>
-        <p:txBody>
-          <a:bodyPr/>
-          <a:lstStyle/>
-          <a:p>
-            <a:r>
-              <a:rPr lang="de-DE" dirty="0"/>
-              <a:t>3. Produktzwischenstand</a:t>
-            </a:r>
-          </a:p>
-        </p:txBody>
-      </p:sp>
-      <p:sp>
-        <p:nvSpPr>
-          <p:cNvPr id="3" name="Inhaltsplatzhalter 2">
-            <a:extLst>
-              <a:ext uri="{FF2B5EF4-FFF2-40B4-BE49-F238E27FC236}">
-                <a16:creationId xmlns:a16="http://schemas.microsoft.com/office/drawing/2014/main" id="{AC0876FA-F290-0A20-93A9-651169FE65E3}"/>
-              </a:ext>
-            </a:extLst>
-          </p:cNvPr>
-          <p:cNvSpPr>
-            <a:spLocks noGrp="1"/>
-          </p:cNvSpPr>
-          <p:nvPr>
-            <p:ph idx="1"/>
-          </p:nvPr>
-        </p:nvSpPr>
-        <p:spPr>
-          <a:xfrm>
-            <a:off x="762000" y="2286001"/>
-            <a:ext cx="4800600" cy="622896"/>
-          </a:xfrm>
-        </p:spPr>
-        <p:txBody>
-          <a:bodyPr>
-            <a:normAutofit/>
-          </a:bodyPr>
-          <a:lstStyle/>
-          <a:p>
-            <a:r>
-              <a:rPr lang="en-US" dirty="0" err="1"/>
-              <a:t>Planung</a:t>
-            </a:r>
-            <a:r>
-              <a:rPr lang="en-US" dirty="0"/>
-              <a:t> </a:t>
-            </a:r>
-            <a:r>
-              <a:rPr lang="en-US" dirty="0" err="1"/>
-              <a:t>mit</a:t>
-            </a:r>
-            <a:r>
-              <a:rPr lang="en-US" dirty="0"/>
-              <a:t> Wireframes:</a:t>
-            </a:r>
-            <a:endParaRPr lang="de-DE" dirty="0"/>
-          </a:p>
-        </p:txBody>
-      </p:sp>
-      <p:sp>
-        <p:nvSpPr>
-          <p:cNvPr id="4" name="Datumsplatzhalter 3">
-            <a:extLst>
-              <a:ext uri="{FF2B5EF4-FFF2-40B4-BE49-F238E27FC236}">
-                <a16:creationId xmlns:a16="http://schemas.microsoft.com/office/drawing/2014/main" id="{0CD7E650-39E5-BD93-7437-DB0DED26A14B}"/>
-              </a:ext>
-            </a:extLst>
-          </p:cNvPr>
-          <p:cNvSpPr>
-            <a:spLocks noGrp="1"/>
-          </p:cNvSpPr>
-          <p:nvPr>
-            <p:ph type="dt" sz="half" idx="10"/>
-          </p:nvPr>
-        </p:nvSpPr>
-        <p:spPr/>
-        <p:txBody>
-          <a:bodyPr/>
-          <a:lstStyle/>
-          <a:p>
-            <a:fld id="{42B45B56-1D88-4042-8DF0-EB6B41B710D3}" type="datetime1">
-              <a:rPr lang="de-DE" smtClean="0"/>
-              <a:t>05.12.2024</a:t>
-            </a:fld>
-            <a:endParaRPr lang="en-US"/>
-          </a:p>
-        </p:txBody>
-      </p:sp>
-      <p:sp>
-        <p:nvSpPr>
-          <p:cNvPr id="5" name="Foliennummernplatzhalter 4">
-            <a:extLst>
-              <a:ext uri="{FF2B5EF4-FFF2-40B4-BE49-F238E27FC236}">
-                <a16:creationId xmlns:a16="http://schemas.microsoft.com/office/drawing/2014/main" id="{2795E6C4-AE15-46B6-34B1-7A6ADE65ECFD}"/>
-              </a:ext>
-            </a:extLst>
-          </p:cNvPr>
-          <p:cNvSpPr>
-            <a:spLocks noGrp="1"/>
-          </p:cNvSpPr>
-          <p:nvPr>
-            <p:ph type="sldNum" sz="quarter" idx="12"/>
-          </p:nvPr>
-        </p:nvSpPr>
-        <p:spPr/>
-        <p:txBody>
-          <a:bodyPr/>
-          <a:lstStyle/>
-          <a:p>
-            <a:fld id="{07CE569E-9B7C-4CB9-AB80-C0841F922CFF}" type="slidenum">
-              <a:rPr lang="en-US" smtClean="0"/>
-              <a:t>8</a:t>
-            </a:fld>
-            <a:endParaRPr lang="en-US"/>
-          </a:p>
-        </p:txBody>
-      </p:sp>
-      <p:pic>
-        <p:nvPicPr>
-          <p:cNvPr id="8" name="Grafik 7">
-            <a:extLst>
-              <a:ext uri="{FF2B5EF4-FFF2-40B4-BE49-F238E27FC236}">
-                <a16:creationId xmlns:a16="http://schemas.microsoft.com/office/drawing/2014/main" id="{73BFF1C1-DEB6-27C9-A84E-837B5C689BA4}"/>
-              </a:ext>
-            </a:extLst>
-          </p:cNvPr>
-          <p:cNvPicPr>
-            <a:picLocks noChangeAspect="1"/>
-          </p:cNvPicPr>
-          <p:nvPr/>
-        </p:nvPicPr>
-        <p:blipFill>
-          <a:blip r:embed="rId2"/>
-          <a:stretch>
-            <a:fillRect/>
-          </a:stretch>
-        </p:blipFill>
-        <p:spPr>
-          <a:xfrm>
-            <a:off x="3162300" y="3042046"/>
-            <a:ext cx="4667250" cy="3815954"/>
-          </a:xfrm>
-          <a:prstGeom prst="rect">
-            <a:avLst/>
-          </a:prstGeom>
-        </p:spPr>
-      </p:pic>
-      <p:sp>
-        <p:nvSpPr>
-          <p:cNvPr id="9" name="Inhaltsplatzhalter 2">
-            <a:extLst>
-              <a:ext uri="{FF2B5EF4-FFF2-40B4-BE49-F238E27FC236}">
-                <a16:creationId xmlns:a16="http://schemas.microsoft.com/office/drawing/2014/main" id="{DD75F4C4-43E2-58AE-D31E-082A425E9778}"/>
-              </a:ext>
-            </a:extLst>
-          </p:cNvPr>
-          <p:cNvSpPr txBox="1">
-            <a:spLocks/>
-          </p:cNvSpPr>
-          <p:nvPr/>
-        </p:nvSpPr>
-        <p:spPr>
-          <a:xfrm>
-            <a:off x="1071535" y="3320454"/>
-            <a:ext cx="4364182" cy="1257299"/>
-          </a:xfrm>
-          <a:prstGeom prst="rect">
-            <a:avLst/>
-          </a:prstGeom>
-        </p:spPr>
-        <p:txBody>
-          <a:bodyPr vert="horz" lIns="91440" tIns="45720" rIns="91440" bIns="45720" rtlCol="0">
-            <a:normAutofit/>
-          </a:bodyPr>
-          <a:lstStyle>
-            <a:lvl1pPr marL="228600" indent="-228600" algn="l" defTabSz="914400" rtl="0" eaLnBrk="1" latinLnBrk="0" hangingPunct="1">
-              <a:lnSpc>
-                <a:spcPct val="125000"/>
-              </a:lnSpc>
-              <a:spcBef>
-                <a:spcPts val="1000"/>
-              </a:spcBef>
-              <a:buFont typeface="Arial" panose="020B0604020202020204" pitchFamily="34" charset="0"/>
-              <a:buChar char="•"/>
-              <a:defRPr sz="2800" kern="1200">
-                <a:solidFill>
-                  <a:schemeClr val="tx1">
-                    <a:alpha val="70000"/>
-                  </a:schemeClr>
-                </a:solidFill>
-                <a:latin typeface="+mn-lt"/>
-                <a:ea typeface="+mn-ea"/>
-                <a:cs typeface="+mn-cs"/>
-              </a:defRPr>
-            </a:lvl1pPr>
-            <a:lvl2pPr marL="685800" indent="-228600" algn="l" defTabSz="914400" rtl="0" eaLnBrk="1" latinLnBrk="0" hangingPunct="1">
-              <a:lnSpc>
-                <a:spcPct val="125000"/>
-              </a:lnSpc>
-              <a:spcBef>
-                <a:spcPts val="500"/>
-              </a:spcBef>
-              <a:buFont typeface="Arial" panose="020B0604020202020204" pitchFamily="34" charset="0"/>
-              <a:buChar char="•"/>
-              <a:defRPr sz="2400" kern="1200">
-                <a:solidFill>
-                  <a:schemeClr val="tx1">
-                    <a:alpha val="70000"/>
-                  </a:schemeClr>
-                </a:solidFill>
-                <a:latin typeface="+mn-lt"/>
-                <a:ea typeface="+mn-ea"/>
-                <a:cs typeface="+mn-cs"/>
-              </a:defRPr>
-            </a:lvl2pPr>
-            <a:lvl3pPr marL="1143000" indent="-228600" algn="l" defTabSz="914400" rtl="0" eaLnBrk="1" latinLnBrk="0" hangingPunct="1">
-              <a:lnSpc>
-                <a:spcPct val="125000"/>
-              </a:lnSpc>
-              <a:spcBef>
-                <a:spcPts val="500"/>
-              </a:spcBef>
-              <a:buFont typeface="Arial" panose="020B0604020202020204" pitchFamily="34" charset="0"/>
-              <a:buChar char="•"/>
-              <a:defRPr sz="2000" kern="1200">
-                <a:solidFill>
-                  <a:schemeClr val="tx1">
-                    <a:alpha val="70000"/>
-                  </a:schemeClr>
-                </a:solidFill>
-                <a:latin typeface="+mn-lt"/>
-                <a:ea typeface="+mn-ea"/>
-                <a:cs typeface="+mn-cs"/>
-              </a:defRPr>
-            </a:lvl3pPr>
-            <a:lvl4pPr marL="1600200" indent="-228600" algn="l" defTabSz="914400" rtl="0" eaLnBrk="1" latinLnBrk="0" hangingPunct="1">
-              <a:lnSpc>
-                <a:spcPct val="125000"/>
-              </a:lnSpc>
-              <a:spcBef>
-                <a:spcPts val="500"/>
-              </a:spcBef>
-              <a:buFont typeface="Arial" panose="020B0604020202020204" pitchFamily="34" charset="0"/>
-              <a:buChar char="•"/>
-              <a:defRPr sz="1800" kern="1200">
-                <a:solidFill>
-                  <a:schemeClr val="tx1">
-                    <a:alpha val="70000"/>
-                  </a:schemeClr>
-                </a:solidFill>
-                <a:latin typeface="+mn-lt"/>
-                <a:ea typeface="+mn-ea"/>
-                <a:cs typeface="+mn-cs"/>
-              </a:defRPr>
-            </a:lvl4pPr>
-            <a:lvl5pPr marL="2057400" indent="-228600" algn="l" defTabSz="914400" rtl="0" eaLnBrk="1" latinLnBrk="0" hangingPunct="1">
-              <a:lnSpc>
-                <a:spcPct val="125000"/>
-              </a:lnSpc>
-              <a:spcBef>
-                <a:spcPts val="500"/>
-              </a:spcBef>
-              <a:buFont typeface="Arial" panose="020B0604020202020204" pitchFamily="34" charset="0"/>
-              <a:buChar char="•"/>
-              <a:defRPr sz="1800" kern="1200">
-                <a:solidFill>
-                  <a:schemeClr val="tx1">
-                    <a:alpha val="70000"/>
-                  </a:schemeClr>
-                </a:solidFill>
-                <a:latin typeface="+mn-lt"/>
-                <a:ea typeface="+mn-ea"/>
-                <a:cs typeface="+mn-cs"/>
-              </a:defRPr>
-            </a:lvl5pPr>
-            <a:lvl6pPr marL="2514600" indent="-228600" algn="l" defTabSz="914400" rtl="0" eaLnBrk="1" latinLnBrk="0" hangingPunct="1">
-              <a:lnSpc>
-                <a:spcPct val="90000"/>
-              </a:lnSpc>
-              <a:spcBef>
-                <a:spcPts val="500"/>
-              </a:spcBef>
-              <a:buFont typeface="Arial" panose="020B0604020202020204" pitchFamily="34" charset="0"/>
-              <a:buChar char="•"/>
-              <a:defRPr sz="1800" kern="1200">
-                <a:solidFill>
-                  <a:schemeClr val="tx1"/>
-                </a:solidFill>
-                <a:latin typeface="+mn-lt"/>
-                <a:ea typeface="+mn-ea"/>
-                <a:cs typeface="+mn-cs"/>
-              </a:defRPr>
-            </a:lvl6pPr>
-            <a:lvl7pPr marL="2971800" indent="-228600" algn="l" defTabSz="914400" rtl="0" eaLnBrk="1" latinLnBrk="0" hangingPunct="1">
-              <a:lnSpc>
-                <a:spcPct val="90000"/>
-              </a:lnSpc>
-              <a:spcBef>
-                <a:spcPts val="500"/>
-              </a:spcBef>
-              <a:buFont typeface="Arial" panose="020B0604020202020204" pitchFamily="34" charset="0"/>
-              <a:buChar char="•"/>
-              <a:defRPr sz="1800" kern="1200">
-                <a:solidFill>
-                  <a:schemeClr val="tx1"/>
-                </a:solidFill>
-                <a:latin typeface="+mn-lt"/>
-                <a:ea typeface="+mn-ea"/>
-                <a:cs typeface="+mn-cs"/>
-              </a:defRPr>
-            </a:lvl7pPr>
-            <a:lvl8pPr marL="3429000" indent="-228600" algn="l" defTabSz="914400" rtl="0" eaLnBrk="1" latinLnBrk="0" hangingPunct="1">
-              <a:lnSpc>
-                <a:spcPct val="90000"/>
-              </a:lnSpc>
-              <a:spcBef>
-                <a:spcPts val="500"/>
-              </a:spcBef>
-              <a:buFont typeface="Arial" panose="020B0604020202020204" pitchFamily="34" charset="0"/>
-              <a:buChar char="•"/>
-              <a:defRPr sz="1800" kern="1200">
-                <a:solidFill>
-                  <a:schemeClr val="tx1"/>
-                </a:solidFill>
-                <a:latin typeface="+mn-lt"/>
-                <a:ea typeface="+mn-ea"/>
-                <a:cs typeface="+mn-cs"/>
-              </a:defRPr>
-            </a:lvl8pPr>
-            <a:lvl9pPr marL="3886200" indent="-228600" algn="l" defTabSz="914400" rtl="0" eaLnBrk="1" latinLnBrk="0" hangingPunct="1">
-              <a:lnSpc>
-                <a:spcPct val="90000"/>
-              </a:lnSpc>
-              <a:spcBef>
-                <a:spcPts val="500"/>
-              </a:spcBef>
-              <a:buFont typeface="Arial" panose="020B0604020202020204" pitchFamily="34" charset="0"/>
-              <a:buChar char="•"/>
-              <a:defRPr sz="1800" kern="1200">
-                <a:solidFill>
-                  <a:schemeClr val="tx1"/>
-                </a:solidFill>
-                <a:latin typeface="+mn-lt"/>
-                <a:ea typeface="+mn-ea"/>
-                <a:cs typeface="+mn-cs"/>
-              </a:defRPr>
-            </a:lvl9pPr>
-          </a:lstStyle>
-          <a:p>
-            <a:pPr marL="0" indent="0">
-              <a:lnSpc>
-                <a:spcPct val="50000"/>
-              </a:lnSpc>
-              <a:buNone/>
-            </a:pPr>
-            <a:r>
-              <a:rPr lang="en-US" sz="2400" dirty="0" err="1"/>
-              <a:t>Warenkorb</a:t>
-            </a:r>
-            <a:endParaRPr lang="de-DE" sz="2400" dirty="0"/>
-          </a:p>
-        </p:txBody>
-      </p:sp>
-    </p:spTree>
-    <p:extLst>
-      <p:ext uri="{BB962C8B-B14F-4D97-AF65-F5344CB8AC3E}">
-        <p14:creationId xmlns:p14="http://schemas.microsoft.com/office/powerpoint/2010/main" val="3434106846"/>
-      </p:ext>
-    </p:extLst>
-  </p:cSld>
-  <p:clrMapOvr>
-    <a:masterClrMapping/>
-  </p:clrMapOvr>
-</p:sld>
-</file>
-
-<file path=ppt/slides/slide9.xml><?xml version="1.0" encoding="utf-8"?>
-<p:sld xmlns:a="http://schemas.openxmlformats.org/drawingml/2006/main" xmlns:r="http://schemas.openxmlformats.org/officeDocument/2006/relationships" xmlns:p="http://schemas.openxmlformats.org/presentationml/2006/main">
-  <p:cSld>
-    <p:spTree>
-      <p:nvGrpSpPr>
-        <p:cNvPr id="1" name="">
-          <a:extLst>
-            <a:ext uri="{FF2B5EF4-FFF2-40B4-BE49-F238E27FC236}">
-              <a16:creationId xmlns:a16="http://schemas.microsoft.com/office/drawing/2014/main" id="{28C3A99D-E74E-A36E-819C-A08213D021AC}"/>
-            </a:ext>
-          </a:extLst>
-        </p:cNvPr>
-        <p:cNvGrpSpPr/>
-        <p:nvPr/>
-      </p:nvGrpSpPr>
-      <p:grpSpPr>
-        <a:xfrm>
-          <a:off x="0" y="0"/>
-          <a:ext cx="0" cy="0"/>
-          <a:chOff x="0" y="0"/>
-          <a:chExt cx="0" cy="0"/>
-        </a:xfrm>
-      </p:grpSpPr>
-      <p:sp>
-        <p:nvSpPr>
-          <p:cNvPr id="2" name="Titel 1">
-            <a:extLst>
-              <a:ext uri="{FF2B5EF4-FFF2-40B4-BE49-F238E27FC236}">
-                <a16:creationId xmlns:a16="http://schemas.microsoft.com/office/drawing/2014/main" id="{75B38650-47B4-4DC2-85C9-959E5C771BB0}"/>
-              </a:ext>
-            </a:extLst>
-          </p:cNvPr>
-          <p:cNvSpPr>
-            <a:spLocks noGrp="1"/>
-          </p:cNvSpPr>
-          <p:nvPr>
-            <p:ph type="title"/>
-          </p:nvPr>
-        </p:nvSpPr>
-        <p:spPr/>
-        <p:txBody>
-          <a:bodyPr/>
-          <a:lstStyle/>
-          <a:p>
-            <a:r>
-              <a:rPr lang="de-DE" dirty="0"/>
-              <a:t>3. Produktzwischenstand</a:t>
-            </a:r>
-          </a:p>
-        </p:txBody>
-      </p:sp>
-      <p:sp>
-        <p:nvSpPr>
-          <p:cNvPr id="3" name="Inhaltsplatzhalter 2">
-            <a:extLst>
-              <a:ext uri="{FF2B5EF4-FFF2-40B4-BE49-F238E27FC236}">
-                <a16:creationId xmlns:a16="http://schemas.microsoft.com/office/drawing/2014/main" id="{75494CD1-D179-C7F0-9DD5-61B9A75A93DF}"/>
-              </a:ext>
-            </a:extLst>
-          </p:cNvPr>
-          <p:cNvSpPr>
-            <a:spLocks noGrp="1"/>
-          </p:cNvSpPr>
-          <p:nvPr>
-            <p:ph idx="1"/>
-          </p:nvPr>
-        </p:nvSpPr>
-        <p:spPr>
-          <a:xfrm>
-            <a:off x="762000" y="2286001"/>
-            <a:ext cx="4800600" cy="622896"/>
-          </a:xfrm>
-        </p:spPr>
-        <p:txBody>
-          <a:bodyPr>
-            <a:normAutofit/>
-          </a:bodyPr>
-          <a:lstStyle/>
-          <a:p>
-            <a:r>
-              <a:rPr lang="en-US" dirty="0" err="1"/>
-              <a:t>Planung</a:t>
-            </a:r>
-            <a:r>
-              <a:rPr lang="en-US" dirty="0"/>
-              <a:t> </a:t>
-            </a:r>
-            <a:r>
-              <a:rPr lang="en-US" dirty="0" err="1"/>
-              <a:t>mit</a:t>
-            </a:r>
-            <a:r>
-              <a:rPr lang="en-US" dirty="0"/>
-              <a:t> Wireframes:</a:t>
-            </a:r>
-            <a:endParaRPr lang="de-DE" dirty="0"/>
-          </a:p>
-        </p:txBody>
-      </p:sp>
-      <p:sp>
-        <p:nvSpPr>
-          <p:cNvPr id="4" name="Datumsplatzhalter 3">
-            <a:extLst>
-              <a:ext uri="{FF2B5EF4-FFF2-40B4-BE49-F238E27FC236}">
-                <a16:creationId xmlns:a16="http://schemas.microsoft.com/office/drawing/2014/main" id="{C9708BED-3805-244B-70DF-BE68280280C6}"/>
-              </a:ext>
-            </a:extLst>
-          </p:cNvPr>
-          <p:cNvSpPr>
-            <a:spLocks noGrp="1"/>
-          </p:cNvSpPr>
-          <p:nvPr>
-            <p:ph type="dt" sz="half" idx="10"/>
-          </p:nvPr>
-        </p:nvSpPr>
-        <p:spPr/>
-        <p:txBody>
-          <a:bodyPr/>
-          <a:lstStyle/>
-          <a:p>
-            <a:fld id="{42B45B56-1D88-4042-8DF0-EB6B41B710D3}" type="datetime1">
-              <a:rPr lang="de-DE" smtClean="0"/>
-              <a:t>05.12.2024</a:t>
-            </a:fld>
-            <a:endParaRPr lang="en-US"/>
-          </a:p>
-        </p:txBody>
-      </p:sp>
-      <p:sp>
-        <p:nvSpPr>
-          <p:cNvPr id="5" name="Foliennummernplatzhalter 4">
-            <a:extLst>
-              <a:ext uri="{FF2B5EF4-FFF2-40B4-BE49-F238E27FC236}">
-                <a16:creationId xmlns:a16="http://schemas.microsoft.com/office/drawing/2014/main" id="{203353F4-4482-371A-2E66-8CEABDDD2A53}"/>
-              </a:ext>
-            </a:extLst>
-          </p:cNvPr>
-          <p:cNvSpPr>
-            <a:spLocks noGrp="1"/>
-          </p:cNvSpPr>
-          <p:nvPr>
-            <p:ph type="sldNum" sz="quarter" idx="12"/>
-          </p:nvPr>
-        </p:nvSpPr>
-        <p:spPr/>
-        <p:txBody>
-          <a:bodyPr/>
-          <a:lstStyle/>
-          <a:p>
-            <a:fld id="{07CE569E-9B7C-4CB9-AB80-C0841F922CFF}" type="slidenum">
-              <a:rPr lang="en-US" smtClean="0"/>
-              <a:t>9</a:t>
-            </a:fld>
-            <a:endParaRPr lang="en-US"/>
-          </a:p>
-        </p:txBody>
-      </p:sp>
-      <p:sp>
-        <p:nvSpPr>
-          <p:cNvPr id="9" name="Inhaltsplatzhalter 2">
-            <a:extLst>
-              <a:ext uri="{FF2B5EF4-FFF2-40B4-BE49-F238E27FC236}">
-                <a16:creationId xmlns:a16="http://schemas.microsoft.com/office/drawing/2014/main" id="{42BCE908-ED5D-0CB1-E295-28DAE4D70666}"/>
-              </a:ext>
-            </a:extLst>
-          </p:cNvPr>
-          <p:cNvSpPr txBox="1">
-            <a:spLocks/>
-          </p:cNvSpPr>
-          <p:nvPr/>
-        </p:nvSpPr>
-        <p:spPr>
-          <a:xfrm>
-            <a:off x="1071535" y="3320454"/>
-            <a:ext cx="4364182" cy="1257299"/>
-          </a:xfrm>
-          <a:prstGeom prst="rect">
-            <a:avLst/>
-          </a:prstGeom>
-        </p:spPr>
-        <p:txBody>
-          <a:bodyPr vert="horz" lIns="91440" tIns="45720" rIns="91440" bIns="45720" rtlCol="0">
-            <a:normAutofit/>
-          </a:bodyPr>
-          <a:lstStyle>
-            <a:lvl1pPr marL="228600" indent="-228600" algn="l" defTabSz="914400" rtl="0" eaLnBrk="1" latinLnBrk="0" hangingPunct="1">
-              <a:lnSpc>
-                <a:spcPct val="125000"/>
-              </a:lnSpc>
-              <a:spcBef>
-                <a:spcPts val="1000"/>
-              </a:spcBef>
-              <a:buFont typeface="Arial" panose="020B0604020202020204" pitchFamily="34" charset="0"/>
-              <a:buChar char="•"/>
-              <a:defRPr sz="2800" kern="1200">
-                <a:solidFill>
-                  <a:schemeClr val="tx1">
-                    <a:alpha val="70000"/>
-                  </a:schemeClr>
-                </a:solidFill>
-                <a:latin typeface="+mn-lt"/>
-                <a:ea typeface="+mn-ea"/>
-                <a:cs typeface="+mn-cs"/>
-              </a:defRPr>
-            </a:lvl1pPr>
-            <a:lvl2pPr marL="685800" indent="-228600" algn="l" defTabSz="914400" rtl="0" eaLnBrk="1" latinLnBrk="0" hangingPunct="1">
-              <a:lnSpc>
-                <a:spcPct val="125000"/>
-              </a:lnSpc>
-              <a:spcBef>
-                <a:spcPts val="500"/>
-              </a:spcBef>
-              <a:buFont typeface="Arial" panose="020B0604020202020204" pitchFamily="34" charset="0"/>
-              <a:buChar char="•"/>
-              <a:defRPr sz="2400" kern="1200">
-                <a:solidFill>
-                  <a:schemeClr val="tx1">
-                    <a:alpha val="70000"/>
-                  </a:schemeClr>
-                </a:solidFill>
-                <a:latin typeface="+mn-lt"/>
-                <a:ea typeface="+mn-ea"/>
-                <a:cs typeface="+mn-cs"/>
-              </a:defRPr>
-            </a:lvl2pPr>
-            <a:lvl3pPr marL="1143000" indent="-228600" algn="l" defTabSz="914400" rtl="0" eaLnBrk="1" latinLnBrk="0" hangingPunct="1">
-              <a:lnSpc>
-                <a:spcPct val="125000"/>
-              </a:lnSpc>
-              <a:spcBef>
-                <a:spcPts val="500"/>
-              </a:spcBef>
-              <a:buFont typeface="Arial" panose="020B0604020202020204" pitchFamily="34" charset="0"/>
-              <a:buChar char="•"/>
-              <a:defRPr sz="2000" kern="1200">
-                <a:solidFill>
-                  <a:schemeClr val="tx1">
-                    <a:alpha val="70000"/>
-                  </a:schemeClr>
-                </a:solidFill>
-                <a:latin typeface="+mn-lt"/>
-                <a:ea typeface="+mn-ea"/>
-                <a:cs typeface="+mn-cs"/>
-              </a:defRPr>
-            </a:lvl3pPr>
-            <a:lvl4pPr marL="1600200" indent="-228600" algn="l" defTabSz="914400" rtl="0" eaLnBrk="1" latinLnBrk="0" hangingPunct="1">
-              <a:lnSpc>
-                <a:spcPct val="125000"/>
-              </a:lnSpc>
-              <a:spcBef>
-                <a:spcPts val="500"/>
-              </a:spcBef>
-              <a:buFont typeface="Arial" panose="020B0604020202020204" pitchFamily="34" charset="0"/>
-              <a:buChar char="•"/>
-              <a:defRPr sz="1800" kern="1200">
-                <a:solidFill>
-                  <a:schemeClr val="tx1">
-                    <a:alpha val="70000"/>
-                  </a:schemeClr>
-                </a:solidFill>
-                <a:latin typeface="+mn-lt"/>
-                <a:ea typeface="+mn-ea"/>
-                <a:cs typeface="+mn-cs"/>
-              </a:defRPr>
-            </a:lvl4pPr>
-            <a:lvl5pPr marL="2057400" indent="-228600" algn="l" defTabSz="914400" rtl="0" eaLnBrk="1" latinLnBrk="0" hangingPunct="1">
-              <a:lnSpc>
-                <a:spcPct val="125000"/>
-              </a:lnSpc>
-              <a:spcBef>
-                <a:spcPts val="500"/>
-              </a:spcBef>
-              <a:buFont typeface="Arial" panose="020B0604020202020204" pitchFamily="34" charset="0"/>
-              <a:buChar char="•"/>
-              <a:defRPr sz="1800" kern="1200">
-                <a:solidFill>
-                  <a:schemeClr val="tx1">
-                    <a:alpha val="70000"/>
-                  </a:schemeClr>
-                </a:solidFill>
-                <a:latin typeface="+mn-lt"/>
-                <a:ea typeface="+mn-ea"/>
-                <a:cs typeface="+mn-cs"/>
-              </a:defRPr>
-            </a:lvl5pPr>
-            <a:lvl6pPr marL="2514600" indent="-228600" algn="l" defTabSz="914400" rtl="0" eaLnBrk="1" latinLnBrk="0" hangingPunct="1">
-              <a:lnSpc>
-                <a:spcPct val="90000"/>
-              </a:lnSpc>
-              <a:spcBef>
-                <a:spcPts val="500"/>
-              </a:spcBef>
-              <a:buFont typeface="Arial" panose="020B0604020202020204" pitchFamily="34" charset="0"/>
-              <a:buChar char="•"/>
-              <a:defRPr sz="1800" kern="1200">
-                <a:solidFill>
-                  <a:schemeClr val="tx1"/>
-                </a:solidFill>
-                <a:latin typeface="+mn-lt"/>
-                <a:ea typeface="+mn-ea"/>
-                <a:cs typeface="+mn-cs"/>
-              </a:defRPr>
-            </a:lvl6pPr>
-            <a:lvl7pPr marL="2971800" indent="-228600" algn="l" defTabSz="914400" rtl="0" eaLnBrk="1" latinLnBrk="0" hangingPunct="1">
-              <a:lnSpc>
-                <a:spcPct val="90000"/>
-              </a:lnSpc>
-              <a:spcBef>
-                <a:spcPts val="500"/>
-              </a:spcBef>
-              <a:buFont typeface="Arial" panose="020B0604020202020204" pitchFamily="34" charset="0"/>
-              <a:buChar char="•"/>
-              <a:defRPr sz="1800" kern="1200">
-                <a:solidFill>
-                  <a:schemeClr val="tx1"/>
-                </a:solidFill>
-                <a:latin typeface="+mn-lt"/>
-                <a:ea typeface="+mn-ea"/>
-                <a:cs typeface="+mn-cs"/>
-              </a:defRPr>
-            </a:lvl7pPr>
-            <a:lvl8pPr marL="3429000" indent="-228600" algn="l" defTabSz="914400" rtl="0" eaLnBrk="1" latinLnBrk="0" hangingPunct="1">
-              <a:lnSpc>
-                <a:spcPct val="90000"/>
-              </a:lnSpc>
-              <a:spcBef>
-                <a:spcPts val="500"/>
-              </a:spcBef>
-              <a:buFont typeface="Arial" panose="020B0604020202020204" pitchFamily="34" charset="0"/>
-              <a:buChar char="•"/>
-              <a:defRPr sz="1800" kern="1200">
-                <a:solidFill>
-                  <a:schemeClr val="tx1"/>
-                </a:solidFill>
-                <a:latin typeface="+mn-lt"/>
-                <a:ea typeface="+mn-ea"/>
-                <a:cs typeface="+mn-cs"/>
-              </a:defRPr>
-            </a:lvl8pPr>
-            <a:lvl9pPr marL="3886200" indent="-228600" algn="l" defTabSz="914400" rtl="0" eaLnBrk="1" latinLnBrk="0" hangingPunct="1">
-              <a:lnSpc>
-                <a:spcPct val="90000"/>
-              </a:lnSpc>
-              <a:spcBef>
-                <a:spcPts val="500"/>
-              </a:spcBef>
-              <a:buFont typeface="Arial" panose="020B0604020202020204" pitchFamily="34" charset="0"/>
-              <a:buChar char="•"/>
-              <a:defRPr sz="1800" kern="1200">
-                <a:solidFill>
-                  <a:schemeClr val="tx1"/>
-                </a:solidFill>
-                <a:latin typeface="+mn-lt"/>
-                <a:ea typeface="+mn-ea"/>
-                <a:cs typeface="+mn-cs"/>
-              </a:defRPr>
-            </a:lvl9pPr>
-          </a:lstStyle>
-          <a:p>
-            <a:pPr marL="0" indent="0">
-              <a:lnSpc>
-                <a:spcPct val="50000"/>
-              </a:lnSpc>
-              <a:buNone/>
-            </a:pPr>
-            <a:r>
-              <a:rPr lang="en-US" sz="2400" dirty="0" err="1"/>
-              <a:t>Warenkorb</a:t>
-            </a:r>
-            <a:endParaRPr lang="de-DE" sz="2400" dirty="0"/>
-          </a:p>
-        </p:txBody>
-      </p:sp>
-      <p:pic>
-        <p:nvPicPr>
-          <p:cNvPr id="7" name="Grafik 6">
-            <a:extLst>
-              <a:ext uri="{FF2B5EF4-FFF2-40B4-BE49-F238E27FC236}">
-                <a16:creationId xmlns:a16="http://schemas.microsoft.com/office/drawing/2014/main" id="{39BBA7F6-5C15-6851-4CAF-87DA3BDA1BA0}"/>
-              </a:ext>
-            </a:extLst>
-          </p:cNvPr>
-          <p:cNvPicPr>
-            <a:picLocks noChangeAspect="1"/>
-          </p:cNvPicPr>
-          <p:nvPr/>
-        </p:nvPicPr>
-        <p:blipFill>
-          <a:blip r:embed="rId2"/>
-          <a:stretch>
-            <a:fillRect/>
-          </a:stretch>
-        </p:blipFill>
-        <p:spPr>
-          <a:xfrm>
-            <a:off x="3043396" y="3152775"/>
-            <a:ext cx="5701024" cy="3819525"/>
-          </a:xfrm>
-          <a:prstGeom prst="rect">
-            <a:avLst/>
-          </a:prstGeom>
-        </p:spPr>
-      </p:pic>
-    </p:spTree>
-    <p:extLst>
-      <p:ext uri="{BB962C8B-B14F-4D97-AF65-F5344CB8AC3E}">
-        <p14:creationId xmlns:p14="http://schemas.microsoft.com/office/powerpoint/2010/main" val="2769863488"/>
       </p:ext>
     </p:extLst>
   </p:cSld>

--- a/Dokumente/Sprint-Backlog/Sprint-Backlog2.pptx
+++ b/Dokumente/Sprint-Backlog/Sprint-Backlog2.pptx
@@ -209,7 +209,7 @@
           <a:p>
             <a:fld id="{7628164F-130E-49E7-B4EA-740541215FF9}" type="datetimeFigureOut">
               <a:rPr lang="de-DE" smtClean="0"/>
-              <a:t>05.12.2024</a:t>
+              <a:t>10.12.2024</a:t>
             </a:fld>
             <a:endParaRPr lang="de-DE"/>
           </a:p>
@@ -623,7 +623,7 @@
           <a:p>
             <a:fld id="{EFF128A2-C7E8-4B7B-8091-9AC752F728F8}" type="datetime1">
               <a:rPr lang="de-DE" smtClean="0"/>
-              <a:t>05.12.2024</a:t>
+              <a:t>10.12.2024</a:t>
             </a:fld>
             <a:endParaRPr lang="en-US"/>
           </a:p>
@@ -821,7 +821,7 @@
           <a:p>
             <a:fld id="{CD278108-7565-4086-A563-4BA2E64958FD}" type="datetime1">
               <a:rPr lang="de-DE" smtClean="0"/>
-              <a:t>05.12.2024</a:t>
+              <a:t>10.12.2024</a:t>
             </a:fld>
             <a:endParaRPr lang="en-US"/>
           </a:p>
@@ -1029,7 +1029,7 @@
           <a:p>
             <a:fld id="{E66CCB26-F45E-4B69-82BE-D569C28446C1}" type="datetime1">
               <a:rPr lang="de-DE" smtClean="0"/>
-              <a:t>05.12.2024</a:t>
+              <a:t>10.12.2024</a:t>
             </a:fld>
             <a:endParaRPr lang="en-US"/>
           </a:p>
@@ -1233,7 +1233,7 @@
           <a:p>
             <a:fld id="{42B45B56-1D88-4042-8DF0-EB6B41B710D3}" type="datetime1">
               <a:rPr lang="de-DE" smtClean="0"/>
-              <a:t>05.12.2024</a:t>
+              <a:t>10.12.2024</a:t>
             </a:fld>
             <a:endParaRPr lang="en-US"/>
           </a:p>
@@ -1508,7 +1508,7 @@
           <a:p>
             <a:fld id="{63213392-7725-4DB0-A75F-BB511BA574DC}" type="datetime1">
               <a:rPr lang="de-DE" smtClean="0"/>
-              <a:t>05.12.2024</a:t>
+              <a:t>10.12.2024</a:t>
             </a:fld>
             <a:endParaRPr lang="en-US"/>
           </a:p>
@@ -1773,7 +1773,7 @@
           <a:p>
             <a:fld id="{12AE7323-5CDD-4051-9975-1729D84443C7}" type="datetime1">
               <a:rPr lang="de-DE" smtClean="0"/>
-              <a:t>05.12.2024</a:t>
+              <a:t>10.12.2024</a:t>
             </a:fld>
             <a:endParaRPr lang="en-US"/>
           </a:p>
@@ -2185,7 +2185,7 @@
           <a:p>
             <a:fld id="{75919FF8-1369-4F22-8739-0971D22D8076}" type="datetime1">
               <a:rPr lang="de-DE" smtClean="0"/>
-              <a:t>05.12.2024</a:t>
+              <a:t>10.12.2024</a:t>
             </a:fld>
             <a:endParaRPr lang="en-US"/>
           </a:p>
@@ -2326,7 +2326,7 @@
           <a:p>
             <a:fld id="{07445AF5-82F2-43C2-816E-A9BEF34D89B7}" type="datetime1">
               <a:rPr lang="de-DE" smtClean="0"/>
-              <a:t>05.12.2024</a:t>
+              <a:t>10.12.2024</a:t>
             </a:fld>
             <a:endParaRPr lang="en-US"/>
           </a:p>
@@ -2439,7 +2439,7 @@
           <a:p>
             <a:fld id="{84700FD4-A8C8-481E-B7C9-06459B544445}" type="datetime1">
               <a:rPr lang="de-DE" smtClean="0"/>
-              <a:t>05.12.2024</a:t>
+              <a:t>10.12.2024</a:t>
             </a:fld>
             <a:endParaRPr lang="en-US"/>
           </a:p>
@@ -2751,7 +2751,7 @@
           <a:p>
             <a:fld id="{225DF808-C4B8-42BA-B4B9-08D42756061A}" type="datetime1">
               <a:rPr lang="de-DE" smtClean="0"/>
-              <a:t>05.12.2024</a:t>
+              <a:t>10.12.2024</a:t>
             </a:fld>
             <a:endParaRPr lang="en-US"/>
           </a:p>
@@ -3042,7 +3042,7 @@
           <a:p>
             <a:fld id="{C36BBF2E-DB4C-4E4C-81C8-BB88CDC14250}" type="datetime1">
               <a:rPr lang="de-DE" smtClean="0"/>
-              <a:t>05.12.2024</a:t>
+              <a:t>10.12.2024</a:t>
             </a:fld>
             <a:endParaRPr lang="en-US"/>
           </a:p>
@@ -3797,7 +3797,7 @@
           <a:p>
             <a:fld id="{7C1C68C6-DBC0-4157-B769-7CB85FE6437C}" type="datetime1">
               <a:rPr lang="de-DE" smtClean="0"/>
-              <a:t>05.12.2024</a:t>
+              <a:t>10.12.2024</a:t>
             </a:fld>
             <a:endParaRPr lang="en-US" dirty="0"/>
           </a:p>
@@ -4343,7 +4343,7 @@
           <a:bodyPr rtlCol="0" anchor="ctr"/>
           <a:lstStyle/>
           <a:p>
-            <a:endParaRPr lang="en-US" dirty="0"/>
+            <a:endParaRPr lang="de-DE" noProof="0" dirty="0"/>
           </a:p>
         </p:txBody>
       </p:sp>
@@ -4573,7 +4573,7 @@
           <a:lstStyle/>
           <a:p>
             <a:pPr algn="ctr"/>
-            <a:endParaRPr lang="en-US"/>
+            <a:endParaRPr lang="de-DE" noProof="0" dirty="0"/>
           </a:p>
         </p:txBody>
       </p:sp>
@@ -4765,7 +4765,7 @@
           <a:lstStyle/>
           <a:p>
             <a:pPr algn="ctr"/>
-            <a:endParaRPr lang="en-US">
+            <a:endParaRPr lang="de-DE" noProof="0" dirty="0">
               <a:solidFill>
                 <a:prstClr val="white"/>
               </a:solidFill>
@@ -4803,12 +4803,12 @@
           <a:lstStyle/>
           <a:p>
             <a:pPr algn="l"/>
-            <a:endParaRPr lang="de-DE" dirty="0"/>
+            <a:endParaRPr lang="de-DE" noProof="0" dirty="0"/>
           </a:p>
           <a:p>
             <a:pPr algn="l"/>
             <a:r>
-              <a:rPr lang="de-DE" dirty="0"/>
+              <a:rPr lang="de-DE" noProof="0" dirty="0"/>
               <a:t>Review R2</a:t>
             </a:r>
           </a:p>
@@ -4844,7 +4844,7 @@
           <a:p>
             <a:pPr algn="l"/>
             <a:r>
-              <a:rPr lang="de-DE" sz="4400"/>
+              <a:rPr lang="de-DE" sz="4400" noProof="0" dirty="0"/>
               <a:t>Sprint-Backlog</a:t>
             </a:r>
           </a:p>
@@ -4938,7 +4938,7 @@
           <a:lstStyle/>
           <a:p>
             <a:r>
-              <a:rPr lang="de-DE" dirty="0"/>
+              <a:rPr lang="de-DE" noProof="0" dirty="0"/>
               <a:t>6. Software-Tools</a:t>
             </a:r>
           </a:p>
@@ -4968,41 +4968,41 @@
           <a:lstStyle/>
           <a:p>
             <a:r>
-              <a:rPr lang="de-DE" dirty="0"/>
+              <a:rPr lang="de-DE" noProof="0" dirty="0"/>
               <a:t>Programmiersprache:</a:t>
             </a:r>
           </a:p>
           <a:p>
             <a:pPr lvl="1"/>
             <a:r>
-              <a:rPr lang="de-DE" dirty="0"/>
+              <a:rPr lang="de-DE" noProof="0" dirty="0"/>
               <a:t>C#</a:t>
             </a:r>
           </a:p>
           <a:p>
             <a:r>
-              <a:rPr lang="de-DE" dirty="0"/>
+              <a:rPr lang="de-DE" noProof="0" dirty="0"/>
               <a:t>Framework:</a:t>
             </a:r>
           </a:p>
           <a:p>
             <a:pPr lvl="1"/>
             <a:r>
-              <a:rPr lang="de-DE" dirty="0" err="1"/>
+              <a:rPr lang="de-DE" noProof="0" dirty="0" err="1"/>
               <a:t>Blazor</a:t>
             </a:r>
-            <a:endParaRPr lang="de-DE" dirty="0"/>
-          </a:p>
-          <a:p>
-            <a:r>
-              <a:rPr lang="de-DE" dirty="0"/>
+            <a:endParaRPr lang="de-DE" noProof="0" dirty="0"/>
+          </a:p>
+          <a:p>
+            <a:r>
+              <a:rPr lang="de-DE" noProof="0" dirty="0"/>
               <a:t>IDE:</a:t>
             </a:r>
           </a:p>
           <a:p>
             <a:pPr lvl="1"/>
             <a:r>
-              <a:rPr lang="de-DE" dirty="0"/>
+              <a:rPr lang="de-DE" noProof="0" dirty="0"/>
               <a:t>Visual Studio</a:t>
             </a:r>
           </a:p>
@@ -5032,42 +5032,42 @@
           <a:lstStyle/>
           <a:p>
             <a:r>
-              <a:rPr lang="de-DE" dirty="0"/>
+              <a:rPr lang="de-DE" noProof="0" dirty="0"/>
               <a:t>Datenbank:</a:t>
             </a:r>
           </a:p>
           <a:p>
             <a:pPr lvl="1"/>
             <a:r>
-              <a:rPr lang="de-DE" dirty="0"/>
+              <a:rPr lang="de-DE" noProof="0" dirty="0"/>
               <a:t>SQLite</a:t>
             </a:r>
           </a:p>
           <a:p>
             <a:r>
-              <a:rPr lang="de-DE" dirty="0"/>
+              <a:rPr lang="de-DE" noProof="0" dirty="0"/>
               <a:t>Weitere Tools:</a:t>
             </a:r>
           </a:p>
           <a:p>
             <a:pPr lvl="1"/>
             <a:r>
-              <a:rPr lang="de-DE" dirty="0"/>
+              <a:rPr lang="de-DE" noProof="0" dirty="0"/>
               <a:t>Git (Versionierung)</a:t>
             </a:r>
           </a:p>
           <a:p>
             <a:pPr lvl="1"/>
             <a:r>
-              <a:rPr lang="de-DE" dirty="0"/>
+              <a:rPr lang="de-DE" noProof="0" dirty="0"/>
               <a:t>Docker (</a:t>
             </a:r>
             <a:r>
-              <a:rPr lang="de-DE" dirty="0" err="1"/>
+              <a:rPr lang="de-DE" noProof="0" dirty="0" err="1"/>
               <a:t>Deployment</a:t>
             </a:r>
             <a:r>
-              <a:rPr lang="de-DE" dirty="0"/>
+              <a:rPr lang="de-DE" noProof="0" dirty="0"/>
               <a:t>)</a:t>
             </a:r>
           </a:p>
@@ -5095,10 +5095,10 @@
           <a:lstStyle/>
           <a:p>
             <a:fld id="{42B45B56-1D88-4042-8DF0-EB6B41B710D3}" type="datetime1">
-              <a:rPr lang="de-DE" smtClean="0"/>
-              <a:t>05.12.2024</a:t>
+              <a:rPr lang="de-DE" noProof="0" smtClean="0"/>
+              <a:t>10.12.2024</a:t>
             </a:fld>
-            <a:endParaRPr lang="en-US"/>
+            <a:endParaRPr lang="de-DE" noProof="0" dirty="0"/>
           </a:p>
         </p:txBody>
       </p:sp>
@@ -5124,10 +5124,10 @@
           <a:lstStyle/>
           <a:p>
             <a:fld id="{07CE569E-9B7C-4CB9-AB80-C0841F922CFF}" type="slidenum">
-              <a:rPr lang="en-US" smtClean="0"/>
+              <a:rPr lang="de-DE" noProof="0" smtClean="0"/>
               <a:t>10</a:t>
             </a:fld>
-            <a:endParaRPr lang="en-US"/>
+            <a:endParaRPr lang="de-DE" noProof="0" dirty="0"/>
           </a:p>
         </p:txBody>
       </p:sp>
@@ -5183,7 +5183,7 @@
           <a:lstStyle/>
           <a:p>
             <a:r>
-              <a:rPr lang="de-DE" dirty="0"/>
+              <a:rPr lang="de-DE" noProof="0" dirty="0"/>
               <a:t>7. SOUPs/OTS</a:t>
             </a:r>
           </a:p>
@@ -5213,48 +5213,48 @@
           <a:lstStyle/>
           <a:p>
             <a:r>
-              <a:rPr lang="de-DE" dirty="0"/>
+              <a:rPr lang="de-DE" noProof="0" dirty="0"/>
               <a:t>Eingesetzte SOUPs:</a:t>
             </a:r>
           </a:p>
           <a:p>
             <a:pPr lvl="1"/>
             <a:r>
-              <a:rPr lang="de-DE" dirty="0"/>
+              <a:rPr lang="de-DE" noProof="0" dirty="0"/>
               <a:t>Docker-Container für Hosting der Anwendung</a:t>
             </a:r>
           </a:p>
           <a:p>
             <a:r>
-              <a:rPr lang="de-DE" dirty="0"/>
+              <a:rPr lang="de-DE" noProof="0" dirty="0"/>
               <a:t>Bibliotheken: </a:t>
             </a:r>
           </a:p>
           <a:p>
             <a:pPr lvl="1"/>
             <a:r>
-              <a:rPr lang="de-DE" dirty="0"/>
+              <a:rPr lang="de-DE" noProof="0" dirty="0"/>
               <a:t>[z. B. </a:t>
             </a:r>
             <a:r>
-              <a:rPr lang="de-DE" dirty="0" err="1"/>
+              <a:rPr lang="de-DE" noProof="0" dirty="0" err="1"/>
               <a:t>Newtonsoft.Json</a:t>
             </a:r>
             <a:r>
-              <a:rPr lang="de-DE" dirty="0"/>
+              <a:rPr lang="de-DE" noProof="0" dirty="0"/>
               <a:t>]</a:t>
             </a:r>
           </a:p>
           <a:p>
             <a:r>
-              <a:rPr lang="de-DE" dirty="0"/>
+              <a:rPr lang="de-DE" noProof="0" dirty="0"/>
               <a:t>Eingesetzte OTS:</a:t>
             </a:r>
           </a:p>
           <a:p>
             <a:pPr lvl="1"/>
             <a:r>
-              <a:rPr lang="de-DE" dirty="0"/>
+              <a:rPr lang="de-DE" noProof="0" dirty="0"/>
               <a:t>.NET 5.0 Framework</a:t>
             </a:r>
           </a:p>
@@ -5284,26 +5284,26 @@
           <a:lstStyle/>
           <a:p>
             <a:r>
-              <a:rPr lang="de-DE" dirty="0"/>
+              <a:rPr lang="de-DE" noProof="0" dirty="0"/>
               <a:t>SQLite-Datenbank</a:t>
             </a:r>
           </a:p>
           <a:p>
             <a:r>
-              <a:rPr lang="de-DE" dirty="0"/>
+              <a:rPr lang="de-DE" noProof="0" dirty="0"/>
               <a:t>Visual Studio IDE</a:t>
             </a:r>
           </a:p>
           <a:p>
             <a:r>
-              <a:rPr lang="de-DE" dirty="0"/>
+              <a:rPr lang="de-DE" noProof="0" dirty="0"/>
               <a:t>Maßnahmen zur Validierung und Sicherstellung:</a:t>
             </a:r>
           </a:p>
           <a:p>
             <a:pPr lvl="1"/>
             <a:r>
-              <a:rPr lang="de-DE" dirty="0"/>
+              <a:rPr lang="de-DE" noProof="0" dirty="0"/>
               <a:t>Security-Scans, regelmäßige Updates</a:t>
             </a:r>
           </a:p>
@@ -5331,10 +5331,10 @@
           <a:lstStyle/>
           <a:p>
             <a:fld id="{42B45B56-1D88-4042-8DF0-EB6B41B710D3}" type="datetime1">
-              <a:rPr lang="de-DE" smtClean="0"/>
-              <a:t>05.12.2024</a:t>
+              <a:rPr lang="de-DE" noProof="0" smtClean="0"/>
+              <a:t>10.12.2024</a:t>
             </a:fld>
-            <a:endParaRPr lang="en-US"/>
+            <a:endParaRPr lang="de-DE" noProof="0" dirty="0"/>
           </a:p>
         </p:txBody>
       </p:sp>
@@ -5360,10 +5360,10 @@
           <a:lstStyle/>
           <a:p>
             <a:fld id="{07CE569E-9B7C-4CB9-AB80-C0841F922CFF}" type="slidenum">
-              <a:rPr lang="en-US" smtClean="0"/>
+              <a:rPr lang="de-DE" noProof="0" smtClean="0"/>
               <a:t>11</a:t>
             </a:fld>
-            <a:endParaRPr lang="en-US"/>
+            <a:endParaRPr lang="de-DE" noProof="0" dirty="0"/>
           </a:p>
         </p:txBody>
       </p:sp>
@@ -5418,7 +5418,7 @@
           <a:bodyPr/>
           <a:lstStyle/>
           <a:p>
-            <a:endParaRPr lang="de-DE"/>
+            <a:endParaRPr lang="de-DE" noProof="0" dirty="0"/>
           </a:p>
         </p:txBody>
       </p:sp>
@@ -5443,7 +5443,7 @@
           <a:bodyPr/>
           <a:lstStyle/>
           <a:p>
-            <a:endParaRPr lang="de-DE"/>
+            <a:endParaRPr lang="de-DE" noProof="0" dirty="0"/>
           </a:p>
         </p:txBody>
       </p:sp>
@@ -5468,7 +5468,7 @@
           <a:bodyPr/>
           <a:lstStyle/>
           <a:p>
-            <a:endParaRPr lang="de-DE"/>
+            <a:endParaRPr lang="de-DE" noProof="0" dirty="0"/>
           </a:p>
         </p:txBody>
       </p:sp>
@@ -5494,10 +5494,10 @@
           <a:lstStyle/>
           <a:p>
             <a:fld id="{12AE7323-5CDD-4051-9975-1729D84443C7}" type="datetime1">
-              <a:rPr lang="de-DE" smtClean="0"/>
-              <a:t>05.12.2024</a:t>
+              <a:rPr lang="de-DE" noProof="0" smtClean="0"/>
+              <a:t>10.12.2024</a:t>
             </a:fld>
-            <a:endParaRPr lang="en-US"/>
+            <a:endParaRPr lang="de-DE" noProof="0" dirty="0"/>
           </a:p>
         </p:txBody>
       </p:sp>
@@ -5523,10 +5523,10 @@
           <a:lstStyle/>
           <a:p>
             <a:fld id="{07CE569E-9B7C-4CB9-AB80-C0841F922CFF}" type="slidenum">
-              <a:rPr lang="en-US" smtClean="0"/>
+              <a:rPr lang="de-DE" noProof="0" smtClean="0"/>
               <a:t>12</a:t>
             </a:fld>
-            <a:endParaRPr lang="en-US"/>
+            <a:endParaRPr lang="de-DE" noProof="0" dirty="0"/>
           </a:p>
         </p:txBody>
       </p:sp>
@@ -5588,7 +5588,7 @@
           <a:lstStyle/>
           <a:p>
             <a:r>
-              <a:rPr lang="de-DE" dirty="0"/>
+              <a:rPr lang="de-DE" noProof="0" dirty="0"/>
               <a:t>4. Detailplanung (IST)</a:t>
             </a:r>
           </a:p>
@@ -5667,9 +5667,9 @@
                 <a:tabLst/>
                 <a:defRPr/>
               </a:pPr>
-              <a:t>05.12.2024</a:t>
+              <a:t>10.12.2024</a:t>
             </a:fld>
-            <a:endParaRPr kumimoji="0" lang="en-US" sz="1200" b="0" i="0" u="none" strike="noStrike" kern="1200" cap="none" spc="0" normalizeH="0" baseline="0" noProof="0">
+            <a:endParaRPr kumimoji="0" lang="de-DE" sz="1200" b="0" i="0" u="none" strike="noStrike" kern="1200" cap="none" spc="0" normalizeH="0" baseline="0" noProof="0" dirty="0">
               <a:ln>
                 <a:noFill/>
               </a:ln>
@@ -5728,7 +5728,7 @@
               <a:defRPr/>
             </a:pPr>
             <a:fld id="{07CE569E-9B7C-4CB9-AB80-C0841F922CFF}" type="slidenum">
-              <a:rPr kumimoji="0" lang="en-US" sz="1200" b="0" i="0" u="none" strike="noStrike" kern="1200" cap="none" spc="0" normalizeH="0" baseline="0" noProof="0" smtClean="0">
+              <a:rPr kumimoji="0" lang="de-DE" sz="1200" b="0" i="0" u="none" strike="noStrike" kern="1200" cap="none" spc="0" normalizeH="0" baseline="0" noProof="0" smtClean="0">
                 <a:ln>
                   <a:noFill/>
                 </a:ln>
@@ -5764,7 +5764,7 @@
               </a:pPr>
               <a:t>13</a:t>
             </a:fld>
-            <a:endParaRPr kumimoji="0" lang="en-US" sz="1200" b="0" i="0" u="none" strike="noStrike" kern="1200" cap="none" spc="0" normalizeH="0" baseline="0" noProof="0">
+            <a:endParaRPr kumimoji="0" lang="de-DE" sz="1200" b="0" i="0" u="none" strike="noStrike" kern="1200" cap="none" spc="0" normalizeH="0" baseline="0" noProof="0" dirty="0">
               <a:ln>
                 <a:noFill/>
               </a:ln>
@@ -5800,7 +5800,7 @@
             <p:ph idx="1"/>
             <p:extLst>
               <p:ext uri="{D42A27DB-BD31-4B8C-83A1-F6EECF244321}">
-                <p14:modId xmlns:p14="http://schemas.microsoft.com/office/powerpoint/2010/main" val="1752711689"/>
+                <p14:modId xmlns:p14="http://schemas.microsoft.com/office/powerpoint/2010/main" val="3025553376"/>
               </p:ext>
             </p:extLst>
           </p:nvPr>
@@ -5852,10 +5852,9 @@
                     <a:lstStyle/>
                     <a:p>
                       <a:r>
-                        <a:rPr lang="en-US" sz="1400"/>
+                        <a:rPr lang="de-DE" sz="1400" noProof="0" dirty="0"/>
                         <a:t>Aufgabe</a:t>
                       </a:r>
-                      <a:endParaRPr lang="de-DE" sz="1400" dirty="0"/>
                     </a:p>
                   </a:txBody>
                   <a:tcPr/>
@@ -5866,10 +5865,9 @@
                     <a:lstStyle/>
                     <a:p>
                       <a:r>
-                        <a:rPr lang="en-US" sz="1400"/>
+                        <a:rPr lang="de-DE" sz="1400" noProof="0" dirty="0"/>
                         <a:t>Zuständigkeit</a:t>
                       </a:r>
-                      <a:endParaRPr lang="de-DE" sz="1400" dirty="0"/>
                     </a:p>
                   </a:txBody>
                   <a:tcPr/>
@@ -5880,10 +5878,9 @@
                     <a:lstStyle/>
                     <a:p>
                       <a:r>
-                        <a:rPr lang="en-US" sz="1400"/>
+                        <a:rPr lang="de-DE" sz="1400" noProof="0" dirty="0"/>
                         <a:t>Aufwand</a:t>
                       </a:r>
-                      <a:endParaRPr lang="de-DE" sz="1400" dirty="0"/>
                     </a:p>
                   </a:txBody>
                   <a:tcPr/>
@@ -5894,10 +5891,9 @@
                     <a:lstStyle/>
                     <a:p>
                       <a:r>
-                        <a:rPr lang="en-US" sz="1400"/>
+                        <a:rPr lang="de-DE" sz="1400" noProof="0" dirty="0"/>
                         <a:t>Status</a:t>
                       </a:r>
-                      <a:endParaRPr lang="de-DE" sz="1400" dirty="0"/>
                     </a:p>
                   </a:txBody>
                   <a:tcPr/>
@@ -5915,24 +5911,27 @@
                     <a:lstStyle/>
                     <a:p>
                       <a:r>
-                        <a:rPr lang="en-US" sz="1400"/>
-                        <a:t>Dokumentation + Project Managment</a:t>
+                        <a:rPr lang="de-DE" sz="1400" noProof="0" dirty="0"/>
+                        <a:t>Dokumentation + Project </a:t>
                       </a:r>
-                      <a:endParaRPr lang="de-DE" sz="1400" dirty="0"/>
-                    </a:p>
-                  </a:txBody>
-                  <a:tcPr/>
-                </a:tc>
-                <a:tc>
-                  <a:txBody>
-                    <a:bodyPr/>
-                    <a:lstStyle/>
-                    <a:p>
                       <a:r>
-                        <a:rPr lang="en-US" sz="1400"/>
+                        <a:rPr lang="de-DE" sz="1400" noProof="0" dirty="0" err="1"/>
+                        <a:t>Managment</a:t>
+                      </a:r>
+                      <a:endParaRPr lang="de-DE" sz="1400" noProof="0" dirty="0"/>
+                    </a:p>
+                  </a:txBody>
+                  <a:tcPr/>
+                </a:tc>
+                <a:tc>
+                  <a:txBody>
+                    <a:bodyPr/>
+                    <a:lstStyle/>
+                    <a:p>
+                      <a:r>
+                        <a:rPr lang="de-DE" sz="1400" noProof="0" dirty="0"/>
                         <a:t>Alle</a:t>
                       </a:r>
-                      <a:endParaRPr lang="de-DE" sz="1400" dirty="0"/>
                     </a:p>
                   </a:txBody>
                   <a:tcPr/>
@@ -5943,38 +5942,28 @@
                     <a:lstStyle/>
                     <a:p>
                       <a:r>
-                        <a:rPr lang="en-US" sz="1400" dirty="0"/>
+                        <a:rPr lang="de-DE" sz="1400" noProof="0" dirty="0"/>
                         <a:t>14</a:t>
                       </a:r>
                     </a:p>
                     <a:p>
                       <a:r>
-                        <a:rPr lang="en-US" sz="1050" dirty="0"/>
-                        <a:t>(6h </a:t>
+                        <a:rPr lang="de-DE" sz="1050" noProof="0" dirty="0"/>
+                        <a:t>(6h Vorbereitung des Sprint)</a:t>
                       </a:r>
+                    </a:p>
+                  </a:txBody>
+                  <a:tcPr/>
+                </a:tc>
+                <a:tc>
+                  <a:txBody>
+                    <a:bodyPr/>
+                    <a:lstStyle/>
+                    <a:p>
                       <a:r>
-                        <a:rPr lang="en-US" sz="1050" dirty="0" err="1"/>
-                        <a:t>Vorbereitung</a:t>
-                      </a:r>
-                      <a:r>
-                        <a:rPr lang="en-US" sz="1050" dirty="0"/>
-                        <a:t> des Sprint)</a:t>
-                      </a:r>
-                      <a:endParaRPr lang="de-DE" sz="1050" dirty="0"/>
-                    </a:p>
-                  </a:txBody>
-                  <a:tcPr/>
-                </a:tc>
-                <a:tc>
-                  <a:txBody>
-                    <a:bodyPr/>
-                    <a:lstStyle/>
-                    <a:p>
-                      <a:r>
-                        <a:rPr lang="en-US" sz="1400" dirty="0" err="1"/>
+                        <a:rPr lang="de-DE" sz="1400" noProof="0" dirty="0"/>
                         <a:t>Erledigt</a:t>
                       </a:r>
-                      <a:endParaRPr lang="de-DE" sz="1400" dirty="0"/>
                     </a:p>
                   </a:txBody>
                   <a:tcPr/>
@@ -5992,10 +5981,9 @@
                     <a:lstStyle/>
                     <a:p>
                       <a:r>
-                        <a:rPr lang="en-US" sz="1400"/>
+                        <a:rPr lang="de-DE" sz="1400" noProof="0" dirty="0"/>
                         <a:t>Erstellen Mockups u. Wireframes</a:t>
                       </a:r>
-                      <a:endParaRPr lang="de-DE" sz="1400" dirty="0"/>
                     </a:p>
                   </a:txBody>
                   <a:tcPr/>
@@ -6006,7 +5994,7 @@
                     <a:lstStyle/>
                     <a:p>
                       <a:r>
-                        <a:rPr lang="en-US" sz="1400" kern="1200">
+                        <a:rPr lang="de-DE" sz="1400" kern="1200" noProof="0" dirty="0">
                           <a:solidFill>
                             <a:schemeClr val="dk1"/>
                           </a:solidFill>
@@ -6016,14 +6004,6 @@
                         </a:rPr>
                         <a:t>Vincent Knapp</a:t>
                       </a:r>
-                      <a:endParaRPr lang="de-DE" sz="1400" kern="1200" dirty="0">
-                        <a:solidFill>
-                          <a:schemeClr val="dk1"/>
-                        </a:solidFill>
-                        <a:latin typeface="+mn-lt"/>
-                        <a:ea typeface="+mn-ea"/>
-                        <a:cs typeface="+mn-cs"/>
-                      </a:endParaRPr>
                     </a:p>
                   </a:txBody>
                   <a:tcPr/>
@@ -6034,7 +6014,7 @@
                     <a:lstStyle/>
                     <a:p>
                       <a:r>
-                        <a:rPr lang="en-US" sz="1400" kern="1200" dirty="0">
+                        <a:rPr lang="de-DE" sz="1400" kern="1200" noProof="0" dirty="0">
                           <a:solidFill>
                             <a:schemeClr val="dk1"/>
                           </a:solidFill>
@@ -6044,14 +6024,6 @@
                         </a:rPr>
                         <a:t>2</a:t>
                       </a:r>
-                      <a:endParaRPr lang="de-DE" sz="1400" kern="1200" dirty="0">
-                        <a:solidFill>
-                          <a:schemeClr val="dk1"/>
-                        </a:solidFill>
-                        <a:latin typeface="+mn-lt"/>
-                        <a:ea typeface="+mn-ea"/>
-                        <a:cs typeface="+mn-cs"/>
-                      </a:endParaRPr>
                     </a:p>
                   </a:txBody>
                   <a:tcPr/>
@@ -6062,10 +6034,9 @@
                     <a:lstStyle/>
                     <a:p>
                       <a:r>
-                        <a:rPr lang="en-US" sz="1400"/>
+                        <a:rPr lang="de-DE" sz="1400" noProof="0" dirty="0"/>
                         <a:t>Erledigt</a:t>
                       </a:r>
-                      <a:endParaRPr lang="de-DE" sz="1400" dirty="0"/>
                     </a:p>
                   </a:txBody>
                   <a:tcPr/>
@@ -6100,35 +6071,29 @@
                         <a:defRPr/>
                       </a:pPr>
                       <a:r>
-                        <a:rPr lang="en-US" sz="1400" dirty="0"/>
-                        <a:t>Website “Menu-Karte” </a:t>
+                        <a:rPr lang="de-DE" sz="1400" noProof="0" dirty="0"/>
+                        <a:t>Website “Menu-Karte” erstellen</a:t>
                       </a:r>
+                    </a:p>
+                  </a:txBody>
+                  <a:tcPr/>
+                </a:tc>
+                <a:tc>
+                  <a:txBody>
+                    <a:bodyPr/>
+                    <a:lstStyle/>
+                    <a:p>
                       <a:r>
-                        <a:rPr lang="en-US" sz="1400" dirty="0" err="1"/>
-                        <a:t>erstellen</a:t>
-                      </a:r>
-                      <a:endParaRPr lang="en-US" sz="1400" dirty="0"/>
-                    </a:p>
-                  </a:txBody>
-                  <a:tcPr/>
-                </a:tc>
-                <a:tc>
-                  <a:txBody>
-                    <a:bodyPr/>
-                    <a:lstStyle/>
-                    <a:p>
-                      <a:r>
-                        <a:rPr lang="en-US" sz="1400" dirty="0"/>
+                        <a:rPr lang="de-DE" sz="1400" noProof="0" dirty="0"/>
                         <a:t>Dennis Haaf</a:t>
                       </a:r>
                       <a:br>
-                        <a:rPr lang="en-US" sz="1400" dirty="0"/>
+                        <a:rPr lang="de-DE" sz="1400" noProof="0" dirty="0"/>
                       </a:br>
                       <a:r>
-                        <a:rPr lang="en-US" sz="1400" dirty="0"/>
+                        <a:rPr lang="de-DE" sz="1400" noProof="0" dirty="0"/>
                         <a:t>Vincent Knapp</a:t>
                       </a:r>
-                      <a:endParaRPr lang="de-DE" sz="1400" dirty="0"/>
                     </a:p>
                   </a:txBody>
                   <a:tcPr/>
@@ -6139,10 +6104,9 @@
                     <a:lstStyle/>
                     <a:p>
                       <a:r>
-                        <a:rPr lang="en-US" sz="1400" dirty="0"/>
+                        <a:rPr lang="de-DE" sz="1400" noProof="0" dirty="0"/>
                         <a:t>8</a:t>
                       </a:r>
-                      <a:endParaRPr lang="de-DE" sz="1400" dirty="0"/>
                     </a:p>
                   </a:txBody>
                   <a:tcPr/>
@@ -6153,10 +6117,9 @@
                     <a:lstStyle/>
                     <a:p>
                       <a:r>
-                        <a:rPr lang="en-US" sz="1400" dirty="0" err="1"/>
+                        <a:rPr lang="de-DE" sz="1400" noProof="0" dirty="0"/>
                         <a:t>Erledigt</a:t>
                       </a:r>
-                      <a:endParaRPr lang="de-DE" sz="1400" dirty="0"/>
                     </a:p>
                   </a:txBody>
                   <a:tcPr/>
@@ -6174,40 +6137,34 @@
                     <a:lstStyle/>
                     <a:p>
                       <a:r>
-                        <a:rPr lang="en-US" sz="1400" dirty="0" err="1"/>
-                        <a:t>Datenbank</a:t>
+                        <a:rPr lang="de-DE" sz="1400" noProof="0" dirty="0"/>
+                        <a:t>Datenbank “Menu-Karte”</a:t>
                       </a:r>
+                    </a:p>
+                  </a:txBody>
+                  <a:tcPr/>
+                </a:tc>
+                <a:tc>
+                  <a:txBody>
+                    <a:bodyPr/>
+                    <a:lstStyle/>
+                    <a:p>
                       <a:r>
-                        <a:rPr lang="en-US" sz="1400" dirty="0"/>
-                        <a:t> “Menu-Karte”</a:t>
-                      </a:r>
-                      <a:endParaRPr lang="de-DE" sz="1400" dirty="0"/>
-                    </a:p>
-                  </a:txBody>
-                  <a:tcPr/>
-                </a:tc>
-                <a:tc>
-                  <a:txBody>
-                    <a:bodyPr/>
-                    <a:lstStyle/>
-                    <a:p>
-                      <a:r>
-                        <a:rPr lang="en-US" sz="1400"/>
+                        <a:rPr lang="de-DE" sz="1400" noProof="0" dirty="0"/>
                         <a:t>Vincent Knapp</a:t>
                       </a:r>
                     </a:p>
                     <a:p>
                       <a:r>
-                        <a:rPr lang="en-US" sz="1400"/>
+                        <a:rPr lang="de-DE" sz="1400" noProof="0" dirty="0"/>
                         <a:t>Hans Bloching</a:t>
                       </a:r>
                     </a:p>
                     <a:p>
                       <a:r>
-                        <a:rPr lang="en-US" sz="1400"/>
+                        <a:rPr lang="de-DE" sz="1400" noProof="0" dirty="0"/>
                         <a:t>Rene Weber</a:t>
                       </a:r>
-                      <a:endParaRPr lang="de-DE" sz="1400" dirty="0"/>
                     </a:p>
                   </a:txBody>
                   <a:tcPr/>
@@ -6218,10 +6175,9 @@
                     <a:lstStyle/>
                     <a:p>
                       <a:r>
-                        <a:rPr lang="en-US" sz="1400" dirty="0"/>
+                        <a:rPr lang="de-DE" sz="1400" noProof="0" dirty="0"/>
                         <a:t>1,5</a:t>
                       </a:r>
-                      <a:endParaRPr lang="de-DE" sz="1400" dirty="0"/>
                     </a:p>
                   </a:txBody>
                   <a:tcPr/>
@@ -6232,10 +6188,9 @@
                     <a:lstStyle/>
                     <a:p>
                       <a:r>
-                        <a:rPr lang="en-US" sz="1400" dirty="0" err="1"/>
+                        <a:rPr lang="de-DE" sz="1400" noProof="0" dirty="0"/>
                         <a:t>Erledigt</a:t>
                       </a:r>
-                      <a:endParaRPr lang="de-DE" sz="1400" dirty="0"/>
                     </a:p>
                   </a:txBody>
                   <a:tcPr/>
@@ -6253,21 +6208,28 @@
                     <a:lstStyle/>
                     <a:p>
                       <a:r>
-                        <a:rPr lang="en-US" sz="1400"/>
-                        <a:t>Einführung in Blazor und C# Coding</a:t>
+                        <a:rPr lang="de-DE" sz="1400" noProof="0" dirty="0"/>
+                        <a:t>Einführung in </a:t>
                       </a:r>
-                      <a:endParaRPr lang="de-DE" sz="1400" dirty="0"/>
-                    </a:p>
-                  </a:txBody>
-                  <a:tcPr/>
-                </a:tc>
-                <a:tc>
-                  <a:txBody>
-                    <a:bodyPr/>
-                    <a:lstStyle/>
-                    <a:p>
                       <a:r>
-                        <a:rPr lang="en-US" sz="1400" dirty="0"/>
+                        <a:rPr lang="de-DE" sz="1400" noProof="0" dirty="0" err="1"/>
+                        <a:t>Blazor</a:t>
+                      </a:r>
+                      <a:r>
+                        <a:rPr lang="de-DE" sz="1400" noProof="0" dirty="0"/>
+                        <a:t> und C# Coding</a:t>
+                      </a:r>
+                    </a:p>
+                  </a:txBody>
+                  <a:tcPr/>
+                </a:tc>
+                <a:tc>
+                  <a:txBody>
+                    <a:bodyPr/>
+                    <a:lstStyle/>
+                    <a:p>
+                      <a:r>
+                        <a:rPr lang="de-DE" sz="1400" noProof="0" dirty="0"/>
                         <a:t>Alle</a:t>
                       </a:r>
                     </a:p>
@@ -6280,10 +6242,9 @@
                     <a:lstStyle/>
                     <a:p>
                       <a:r>
-                        <a:rPr lang="en-US" sz="1400" dirty="0"/>
+                        <a:rPr lang="de-DE" sz="1400" noProof="0" dirty="0"/>
                         <a:t>4</a:t>
                       </a:r>
-                      <a:endParaRPr lang="de-DE" sz="1400" dirty="0"/>
                     </a:p>
                   </a:txBody>
                   <a:tcPr/>
@@ -6294,10 +6255,9 @@
                     <a:lstStyle/>
                     <a:p>
                       <a:r>
-                        <a:rPr lang="en-US" sz="1400"/>
+                        <a:rPr lang="de-DE" sz="1400" noProof="0" dirty="0"/>
                         <a:t>Erledigt</a:t>
                       </a:r>
-                      <a:endParaRPr lang="de-DE" sz="1400" dirty="0"/>
                     </a:p>
                   </a:txBody>
                   <a:tcPr/>
@@ -6315,10 +6275,9 @@
                     <a:lstStyle/>
                     <a:p>
                       <a:r>
-                        <a:rPr lang="en-US" sz="1400"/>
+                        <a:rPr lang="de-DE" sz="1400" noProof="0" dirty="0"/>
                         <a:t>Website “Warenkorb”</a:t>
                       </a:r>
-                      <a:endParaRPr lang="de-DE" sz="1400" dirty="0"/>
                     </a:p>
                   </a:txBody>
                   <a:tcPr/>
@@ -6329,16 +6288,15 @@
                     <a:lstStyle/>
                     <a:p>
                       <a:r>
-                        <a:rPr lang="en-US" sz="1400"/>
+                        <a:rPr lang="de-DE" sz="1400" noProof="0" dirty="0"/>
                         <a:t>Hans Bloching</a:t>
                       </a:r>
                     </a:p>
                     <a:p>
                       <a:r>
-                        <a:rPr lang="en-US" sz="1400"/>
+                        <a:rPr lang="de-DE" sz="1400" noProof="0" dirty="0"/>
                         <a:t>Rene Weber</a:t>
                       </a:r>
-                      <a:endParaRPr lang="de-DE" sz="1400" dirty="0"/>
                     </a:p>
                   </a:txBody>
                   <a:tcPr/>
@@ -6349,10 +6307,9 @@
                     <a:lstStyle/>
                     <a:p>
                       <a:r>
-                        <a:rPr lang="en-US" sz="1400" dirty="0"/>
+                        <a:rPr lang="de-DE" sz="1400" noProof="0" dirty="0"/>
                         <a:t>4</a:t>
                       </a:r>
-                      <a:endParaRPr lang="de-DE" sz="1400" dirty="0"/>
                     </a:p>
                   </a:txBody>
                   <a:tcPr/>
@@ -6363,10 +6320,9 @@
                     <a:lstStyle/>
                     <a:p>
                       <a:r>
-                        <a:rPr lang="en-US" sz="1400" dirty="0"/>
+                        <a:rPr lang="de-DE" sz="1400" noProof="0" dirty="0"/>
                         <a:t>In Arbeit</a:t>
                       </a:r>
-                      <a:endParaRPr lang="de-DE" sz="1400" dirty="0"/>
                     </a:p>
                   </a:txBody>
                   <a:tcPr/>
@@ -6384,55 +6340,28 @@
                     <a:lstStyle/>
                     <a:p>
                       <a:r>
-                        <a:rPr lang="en-US" sz="1400" dirty="0" err="1"/>
-                        <a:t>Datenbank</a:t>
+                        <a:rPr lang="de-DE" sz="1400" noProof="0" dirty="0"/>
+                        <a:t>Datenbank “Warenkorb/Bestellungen”</a:t>
                       </a:r>
+                    </a:p>
+                  </a:txBody>
+                  <a:tcPr/>
+                </a:tc>
+                <a:tc>
+                  <a:txBody>
+                    <a:bodyPr/>
+                    <a:lstStyle/>
+                    <a:p>
                       <a:r>
-                        <a:rPr lang="en-US" sz="1400" dirty="0"/>
-                        <a:t> “</a:t>
+                        <a:rPr lang="de-DE" sz="1400" noProof="0" dirty="0"/>
+                        <a:t>Hans Bloching</a:t>
                       </a:r>
+                    </a:p>
+                    <a:p>
                       <a:r>
-                        <a:rPr lang="en-US" sz="1400" dirty="0" err="1"/>
-                        <a:t>Warenkorb</a:t>
-                      </a:r>
-                      <a:r>
-                        <a:rPr lang="en-US" sz="1400" dirty="0"/>
-                        <a:t>/</a:t>
-                      </a:r>
-                      <a:r>
-                        <a:rPr lang="en-US" sz="1400" dirty="0" err="1"/>
-                        <a:t>Bestellungen</a:t>
-                      </a:r>
-                      <a:r>
-                        <a:rPr lang="en-US" sz="1400" dirty="0"/>
-                        <a:t>”</a:t>
-                      </a:r>
-                      <a:endParaRPr lang="de-DE" sz="1400" dirty="0"/>
-                    </a:p>
-                  </a:txBody>
-                  <a:tcPr/>
-                </a:tc>
-                <a:tc>
-                  <a:txBody>
-                    <a:bodyPr/>
-                    <a:lstStyle/>
-                    <a:p>
-                      <a:r>
-                        <a:rPr lang="en-US" sz="1400" dirty="0"/>
-                        <a:t>Hans </a:t>
-                      </a:r>
-                      <a:r>
-                        <a:rPr lang="en-US" sz="1400" dirty="0" err="1"/>
-                        <a:t>Bloching</a:t>
-                      </a:r>
-                      <a:endParaRPr lang="en-US" sz="1400" dirty="0"/>
-                    </a:p>
-                    <a:p>
-                      <a:r>
-                        <a:rPr lang="en-US" sz="1400" dirty="0"/>
+                        <a:rPr lang="de-DE" sz="1400" noProof="0" dirty="0"/>
                         <a:t>Rene Weber</a:t>
                       </a:r>
-                      <a:endParaRPr lang="de-DE" sz="1400" dirty="0"/>
                     </a:p>
                   </a:txBody>
                   <a:tcPr/>
@@ -6443,10 +6372,9 @@
                     <a:lstStyle/>
                     <a:p>
                       <a:r>
-                        <a:rPr lang="en-US" sz="1400" dirty="0"/>
+                        <a:rPr lang="de-DE" sz="1400" noProof="0" dirty="0"/>
                         <a:t>0,5</a:t>
                       </a:r>
-                      <a:endParaRPr lang="de-DE" sz="1400" dirty="0"/>
                     </a:p>
                   </a:txBody>
                   <a:tcPr/>
@@ -6457,10 +6385,9 @@
                     <a:lstStyle/>
                     <a:p>
                       <a:r>
-                        <a:rPr lang="en-US" sz="1400" dirty="0"/>
+                        <a:rPr lang="de-DE" sz="1400" noProof="0" dirty="0"/>
                         <a:t>In Arbeit</a:t>
                       </a:r>
-                      <a:endParaRPr lang="de-DE" sz="1400" dirty="0"/>
                     </a:p>
                   </a:txBody>
                   <a:tcPr/>
@@ -6551,7 +6478,7 @@
               <a:defRPr/>
             </a:pPr>
             <a:r>
-              <a:rPr kumimoji="0" lang="en-US" sz="1800" b="0" i="0" u="none" strike="noStrike" kern="1200" cap="none" spc="0" normalizeH="0" baseline="0" noProof="0" dirty="0">
+              <a:rPr kumimoji="0" lang="de-DE" sz="1800" b="0" i="0" u="none" strike="noStrike" kern="1200" cap="none" spc="0" normalizeH="0" baseline="0" noProof="0" dirty="0">
                 <a:ln>
                   <a:noFill/>
                 </a:ln>
@@ -6567,20 +6494,6 @@
               </a:rPr>
               <a:t>34</a:t>
             </a:r>
-            <a:endParaRPr kumimoji="0" lang="de-DE" sz="1800" b="0" i="0" u="none" strike="noStrike" kern="1200" cap="none" spc="0" normalizeH="0" baseline="0" noProof="0" dirty="0">
-              <a:ln>
-                <a:noFill/>
-              </a:ln>
-              <a:solidFill>
-                <a:srgbClr val="000000"/>
-              </a:solidFill>
-              <a:effectLst/>
-              <a:uLnTx/>
-              <a:uFillTx/>
-              <a:latin typeface="Avenir Next LT Pro"/>
-              <a:ea typeface="+mn-ea"/>
-              <a:cs typeface="+mn-cs"/>
-            </a:endParaRPr>
           </a:p>
         </p:txBody>
       </p:sp>
@@ -6636,7 +6549,7 @@
           <a:lstStyle/>
           <a:p>
             <a:r>
-              <a:rPr lang="de-DE" dirty="0"/>
+              <a:rPr lang="de-DE" noProof="0" dirty="0"/>
               <a:t>INHALTSVERZEICHNIS</a:t>
             </a:r>
           </a:p>
@@ -6670,7 +6583,7 @@
               <a:buAutoNum type="arabicPeriod"/>
             </a:pPr>
             <a:r>
-              <a:rPr lang="de-DE" dirty="0"/>
+              <a:rPr lang="de-DE" noProof="0" dirty="0"/>
               <a:t>Gesamtplan für das Projekt</a:t>
             </a:r>
           </a:p>
@@ -6680,7 +6593,7 @@
               <a:buAutoNum type="arabicPeriod"/>
             </a:pPr>
             <a:r>
-              <a:rPr lang="de-DE" dirty="0"/>
+              <a:rPr lang="de-DE" noProof="0" dirty="0"/>
               <a:t>Tätigkeiten des vergangenen Zeitraums</a:t>
             </a:r>
           </a:p>
@@ -6690,7 +6603,7 @@
               <a:buAutoNum type="arabicPeriod"/>
             </a:pPr>
             <a:r>
-              <a:rPr lang="de-DE" dirty="0"/>
+              <a:rPr lang="de-DE" noProof="0" dirty="0"/>
               <a:t>Produktzwischenstand</a:t>
             </a:r>
           </a:p>
@@ -6700,7 +6613,7 @@
               <a:buAutoNum type="arabicPeriod"/>
             </a:pPr>
             <a:r>
-              <a:rPr lang="de-DE" dirty="0"/>
+              <a:rPr lang="de-DE" noProof="0" dirty="0"/>
               <a:t>Detailplanung</a:t>
             </a:r>
           </a:p>
@@ -6710,7 +6623,7 @@
               <a:buAutoNum type="arabicPeriod"/>
             </a:pPr>
             <a:r>
-              <a:rPr lang="de-DE" dirty="0"/>
+              <a:rPr lang="de-DE" noProof="0" dirty="0"/>
               <a:t>Ausblick auf den folgenden Sprint</a:t>
             </a:r>
           </a:p>
@@ -6720,7 +6633,7 @@
               <a:buAutoNum type="arabicPeriod"/>
             </a:pPr>
             <a:r>
-              <a:rPr lang="de-DE" dirty="0"/>
+              <a:rPr lang="de-DE" noProof="0" dirty="0"/>
               <a:t>Software-Tools</a:t>
             </a:r>
           </a:p>
@@ -6730,7 +6643,7 @@
               <a:buAutoNum type="arabicPeriod"/>
             </a:pPr>
             <a:r>
-              <a:rPr lang="de-DE" dirty="0"/>
+              <a:rPr lang="de-DE" noProof="0" dirty="0"/>
               <a:t>SOUPs/OTS</a:t>
             </a:r>
           </a:p>
@@ -6758,10 +6671,10 @@
           <a:lstStyle/>
           <a:p>
             <a:fld id="{AE5E781B-AB27-45A9-B2F3-7F70593BE83B}" type="datetime1">
-              <a:rPr lang="de-DE" smtClean="0"/>
-              <a:t>05.12.2024</a:t>
+              <a:rPr lang="de-DE" noProof="0" smtClean="0"/>
+              <a:t>10.12.2024</a:t>
             </a:fld>
-            <a:endParaRPr lang="en-US"/>
+            <a:endParaRPr lang="de-DE" noProof="0" dirty="0"/>
           </a:p>
         </p:txBody>
       </p:sp>
@@ -6787,10 +6700,10 @@
           <a:lstStyle/>
           <a:p>
             <a:fld id="{07CE569E-9B7C-4CB9-AB80-C0841F922CFF}" type="slidenum">
-              <a:rPr lang="en-US" smtClean="0"/>
+              <a:rPr lang="de-DE" noProof="0" smtClean="0"/>
               <a:t>2</a:t>
             </a:fld>
-            <a:endParaRPr lang="en-US"/>
+            <a:endParaRPr lang="de-DE" noProof="0" dirty="0"/>
           </a:p>
         </p:txBody>
       </p:sp>
@@ -6846,7 +6759,7 @@
           <a:lstStyle/>
           <a:p>
             <a:r>
-              <a:rPr lang="de-DE" dirty="0"/>
+              <a:rPr lang="de-DE" noProof="0" dirty="0"/>
               <a:t>1. Gesamtplan für das Projekt</a:t>
             </a:r>
           </a:p>
@@ -6854,18 +6767,18 @@
       </p:sp>
       <p:sp>
         <p:nvSpPr>
-          <p:cNvPr id="3" name="Inhaltsplatzhalter 2">
-            <a:extLst>
-              <a:ext uri="{FF2B5EF4-FFF2-40B4-BE49-F238E27FC236}">
-                <a16:creationId xmlns:a16="http://schemas.microsoft.com/office/drawing/2014/main" id="{D9A704B0-0149-83C2-11CE-84528B87054D}"/>
-              </a:ext>
-            </a:extLst>
-          </p:cNvPr>
-          <p:cNvSpPr>
-            <a:spLocks noGrp="1"/>
-          </p:cNvSpPr>
-          <p:nvPr>
-            <p:ph idx="1"/>
+          <p:cNvPr id="10" name="Textplatzhalter 9">
+            <a:extLst>
+              <a:ext uri="{FF2B5EF4-FFF2-40B4-BE49-F238E27FC236}">
+                <a16:creationId xmlns:a16="http://schemas.microsoft.com/office/drawing/2014/main" id="{E8B57165-32AB-E3FE-C2A1-6E2FA99F8E9E}"/>
+              </a:ext>
+            </a:extLst>
+          </p:cNvPr>
+          <p:cNvSpPr>
+            <a:spLocks noGrp="1"/>
+          </p:cNvSpPr>
+          <p:nvPr>
+            <p:ph type="body" idx="1"/>
           </p:nvPr>
         </p:nvSpPr>
         <p:spPr/>
@@ -6873,10 +6786,641 @@
           <a:bodyPr/>
           <a:lstStyle/>
           <a:p>
-            <a:endParaRPr lang="de-DE" dirty="0"/>
-          </a:p>
-        </p:txBody>
-      </p:sp>
+            <a:r>
+              <a:rPr lang="de-DE" noProof="0" dirty="0"/>
+              <a:t>Letzter Sprint</a:t>
+            </a:r>
+          </a:p>
+        </p:txBody>
+      </p:sp>
+      <p:graphicFrame>
+        <p:nvGraphicFramePr>
+          <p:cNvPr id="9" name="Inhaltsplatzhalter 8">
+            <a:extLst>
+              <a:ext uri="{FF2B5EF4-FFF2-40B4-BE49-F238E27FC236}">
+                <a16:creationId xmlns:a16="http://schemas.microsoft.com/office/drawing/2014/main" id="{62E187A0-0F93-A563-C734-CFFF806B42CB}"/>
+              </a:ext>
+            </a:extLst>
+          </p:cNvPr>
+          <p:cNvGraphicFramePr>
+            <a:graphicFrameLocks noGrp="1"/>
+          </p:cNvGraphicFramePr>
+          <p:nvPr>
+            <p:ph sz="half" idx="2"/>
+            <p:extLst>
+              <p:ext uri="{D42A27DB-BD31-4B8C-83A1-F6EECF244321}">
+                <p14:modId xmlns:p14="http://schemas.microsoft.com/office/powerpoint/2010/main" val="2820408126"/>
+              </p:ext>
+            </p:extLst>
+          </p:nvPr>
+        </p:nvGraphicFramePr>
+        <p:xfrm>
+          <a:off x="762000" y="3048000"/>
+          <a:ext cx="5151435" cy="1483360"/>
+        </p:xfrm>
+        <a:graphic>
+          <a:graphicData uri="http://schemas.openxmlformats.org/drawingml/2006/table">
+            <a:tbl>
+              <a:tblPr firstRow="1" bandRow="1">
+                <a:tableStyleId>{5C22544A-7EE6-4342-B048-85BDC9FD1C3A}</a:tableStyleId>
+              </a:tblPr>
+              <a:tblGrid>
+                <a:gridCol w="1030287">
+                  <a:extLst>
+                    <a:ext uri="{9D8B030D-6E8A-4147-A177-3AD203B41FA5}">
+                      <a16:colId xmlns:a16="http://schemas.microsoft.com/office/drawing/2014/main" val="2685995969"/>
+                    </a:ext>
+                  </a:extLst>
+                </a:gridCol>
+                <a:gridCol w="1030287">
+                  <a:extLst>
+                    <a:ext uri="{9D8B030D-6E8A-4147-A177-3AD203B41FA5}">
+                      <a16:colId xmlns:a16="http://schemas.microsoft.com/office/drawing/2014/main" val="837836575"/>
+                    </a:ext>
+                  </a:extLst>
+                </a:gridCol>
+                <a:gridCol w="1030287">
+                  <a:extLst>
+                    <a:ext uri="{9D8B030D-6E8A-4147-A177-3AD203B41FA5}">
+                      <a16:colId xmlns:a16="http://schemas.microsoft.com/office/drawing/2014/main" val="61701423"/>
+                    </a:ext>
+                  </a:extLst>
+                </a:gridCol>
+                <a:gridCol w="1030287">
+                  <a:extLst>
+                    <a:ext uri="{9D8B030D-6E8A-4147-A177-3AD203B41FA5}">
+                      <a16:colId xmlns:a16="http://schemas.microsoft.com/office/drawing/2014/main" val="1690324702"/>
+                    </a:ext>
+                  </a:extLst>
+                </a:gridCol>
+                <a:gridCol w="1030287">
+                  <a:extLst>
+                    <a:ext uri="{9D8B030D-6E8A-4147-A177-3AD203B41FA5}">
+                      <a16:colId xmlns:a16="http://schemas.microsoft.com/office/drawing/2014/main" val="2028805303"/>
+                    </a:ext>
+                  </a:extLst>
+                </a:gridCol>
+              </a:tblGrid>
+              <a:tr h="370840">
+                <a:tc>
+                  <a:txBody>
+                    <a:bodyPr/>
+                    <a:lstStyle/>
+                    <a:p>
+                      <a:endParaRPr lang="de-DE" noProof="0" dirty="0"/>
+                    </a:p>
+                  </a:txBody>
+                  <a:tcPr/>
+                </a:tc>
+                <a:tc>
+                  <a:txBody>
+                    <a:bodyPr/>
+                    <a:lstStyle/>
+                    <a:p>
+                      <a:endParaRPr lang="de-DE" noProof="0" dirty="0"/>
+                    </a:p>
+                  </a:txBody>
+                  <a:tcPr/>
+                </a:tc>
+                <a:tc>
+                  <a:txBody>
+                    <a:bodyPr/>
+                    <a:lstStyle/>
+                    <a:p>
+                      <a:endParaRPr lang="de-DE" noProof="0" dirty="0"/>
+                    </a:p>
+                  </a:txBody>
+                  <a:tcPr/>
+                </a:tc>
+                <a:tc>
+                  <a:txBody>
+                    <a:bodyPr/>
+                    <a:lstStyle/>
+                    <a:p>
+                      <a:endParaRPr lang="de-DE" noProof="0" dirty="0"/>
+                    </a:p>
+                  </a:txBody>
+                  <a:tcPr/>
+                </a:tc>
+                <a:tc>
+                  <a:txBody>
+                    <a:bodyPr/>
+                    <a:lstStyle/>
+                    <a:p>
+                      <a:endParaRPr lang="de-DE" noProof="0" dirty="0"/>
+                    </a:p>
+                  </a:txBody>
+                  <a:tcPr/>
+                </a:tc>
+                <a:extLst>
+                  <a:ext uri="{0D108BD9-81ED-4DB2-BD59-A6C34878D82A}">
+                    <a16:rowId xmlns:a16="http://schemas.microsoft.com/office/drawing/2014/main" val="3725830065"/>
+                  </a:ext>
+                </a:extLst>
+              </a:tr>
+              <a:tr h="370840">
+                <a:tc>
+                  <a:txBody>
+                    <a:bodyPr/>
+                    <a:lstStyle/>
+                    <a:p>
+                      <a:endParaRPr lang="de-DE" noProof="0" dirty="0"/>
+                    </a:p>
+                  </a:txBody>
+                  <a:tcPr/>
+                </a:tc>
+                <a:tc>
+                  <a:txBody>
+                    <a:bodyPr/>
+                    <a:lstStyle/>
+                    <a:p>
+                      <a:endParaRPr lang="de-DE" noProof="0" dirty="0"/>
+                    </a:p>
+                  </a:txBody>
+                  <a:tcPr/>
+                </a:tc>
+                <a:tc>
+                  <a:txBody>
+                    <a:bodyPr/>
+                    <a:lstStyle/>
+                    <a:p>
+                      <a:endParaRPr lang="de-DE" noProof="0" dirty="0"/>
+                    </a:p>
+                  </a:txBody>
+                  <a:tcPr/>
+                </a:tc>
+                <a:tc>
+                  <a:txBody>
+                    <a:bodyPr/>
+                    <a:lstStyle/>
+                    <a:p>
+                      <a:endParaRPr lang="de-DE" noProof="0" dirty="0"/>
+                    </a:p>
+                  </a:txBody>
+                  <a:tcPr/>
+                </a:tc>
+                <a:tc>
+                  <a:txBody>
+                    <a:bodyPr/>
+                    <a:lstStyle/>
+                    <a:p>
+                      <a:endParaRPr lang="de-DE" noProof="0" dirty="0"/>
+                    </a:p>
+                  </a:txBody>
+                  <a:tcPr/>
+                </a:tc>
+                <a:extLst>
+                  <a:ext uri="{0D108BD9-81ED-4DB2-BD59-A6C34878D82A}">
+                    <a16:rowId xmlns:a16="http://schemas.microsoft.com/office/drawing/2014/main" val="2488530861"/>
+                  </a:ext>
+                </a:extLst>
+              </a:tr>
+              <a:tr h="370840">
+                <a:tc>
+                  <a:txBody>
+                    <a:bodyPr/>
+                    <a:lstStyle/>
+                    <a:p>
+                      <a:endParaRPr lang="de-DE" noProof="0" dirty="0"/>
+                    </a:p>
+                  </a:txBody>
+                  <a:tcPr/>
+                </a:tc>
+                <a:tc>
+                  <a:txBody>
+                    <a:bodyPr/>
+                    <a:lstStyle/>
+                    <a:p>
+                      <a:endParaRPr lang="de-DE" noProof="0" dirty="0"/>
+                    </a:p>
+                  </a:txBody>
+                  <a:tcPr/>
+                </a:tc>
+                <a:tc>
+                  <a:txBody>
+                    <a:bodyPr/>
+                    <a:lstStyle/>
+                    <a:p>
+                      <a:endParaRPr lang="de-DE" noProof="0" dirty="0"/>
+                    </a:p>
+                  </a:txBody>
+                  <a:tcPr/>
+                </a:tc>
+                <a:tc>
+                  <a:txBody>
+                    <a:bodyPr/>
+                    <a:lstStyle/>
+                    <a:p>
+                      <a:endParaRPr lang="de-DE" noProof="0" dirty="0"/>
+                    </a:p>
+                  </a:txBody>
+                  <a:tcPr/>
+                </a:tc>
+                <a:tc>
+                  <a:txBody>
+                    <a:bodyPr/>
+                    <a:lstStyle/>
+                    <a:p>
+                      <a:endParaRPr lang="de-DE" noProof="0" dirty="0"/>
+                    </a:p>
+                  </a:txBody>
+                  <a:tcPr/>
+                </a:tc>
+                <a:extLst>
+                  <a:ext uri="{0D108BD9-81ED-4DB2-BD59-A6C34878D82A}">
+                    <a16:rowId xmlns:a16="http://schemas.microsoft.com/office/drawing/2014/main" val="2220075486"/>
+                  </a:ext>
+                </a:extLst>
+              </a:tr>
+              <a:tr h="370840">
+                <a:tc>
+                  <a:txBody>
+                    <a:bodyPr/>
+                    <a:lstStyle/>
+                    <a:p>
+                      <a:endParaRPr lang="de-DE" noProof="0" dirty="0"/>
+                    </a:p>
+                  </a:txBody>
+                  <a:tcPr/>
+                </a:tc>
+                <a:tc>
+                  <a:txBody>
+                    <a:bodyPr/>
+                    <a:lstStyle/>
+                    <a:p>
+                      <a:endParaRPr lang="de-DE" noProof="0" dirty="0"/>
+                    </a:p>
+                  </a:txBody>
+                  <a:tcPr/>
+                </a:tc>
+                <a:tc>
+                  <a:txBody>
+                    <a:bodyPr/>
+                    <a:lstStyle/>
+                    <a:p>
+                      <a:endParaRPr lang="de-DE" noProof="0" dirty="0"/>
+                    </a:p>
+                  </a:txBody>
+                  <a:tcPr/>
+                </a:tc>
+                <a:tc>
+                  <a:txBody>
+                    <a:bodyPr/>
+                    <a:lstStyle/>
+                    <a:p>
+                      <a:endParaRPr lang="de-DE" noProof="0" dirty="0"/>
+                    </a:p>
+                  </a:txBody>
+                  <a:tcPr/>
+                </a:tc>
+                <a:tc>
+                  <a:txBody>
+                    <a:bodyPr/>
+                    <a:lstStyle/>
+                    <a:p>
+                      <a:endParaRPr lang="de-DE" noProof="0" dirty="0"/>
+                    </a:p>
+                  </a:txBody>
+                  <a:tcPr/>
+                </a:tc>
+                <a:extLst>
+                  <a:ext uri="{0D108BD9-81ED-4DB2-BD59-A6C34878D82A}">
+                    <a16:rowId xmlns:a16="http://schemas.microsoft.com/office/drawing/2014/main" val="1316893271"/>
+                  </a:ext>
+                </a:extLst>
+              </a:tr>
+            </a:tbl>
+          </a:graphicData>
+        </a:graphic>
+      </p:graphicFrame>
+      <p:sp>
+        <p:nvSpPr>
+          <p:cNvPr id="11" name="Textplatzhalter 10">
+            <a:extLst>
+              <a:ext uri="{FF2B5EF4-FFF2-40B4-BE49-F238E27FC236}">
+                <a16:creationId xmlns:a16="http://schemas.microsoft.com/office/drawing/2014/main" id="{7E8F7E53-20DC-8167-4A23-4E66D65E02B0}"/>
+              </a:ext>
+            </a:extLst>
+          </p:cNvPr>
+          <p:cNvSpPr>
+            <a:spLocks noGrp="1"/>
+          </p:cNvSpPr>
+          <p:nvPr>
+            <p:ph type="body" sz="quarter" idx="3"/>
+          </p:nvPr>
+        </p:nvSpPr>
+        <p:spPr/>
+        <p:txBody>
+          <a:bodyPr/>
+          <a:lstStyle/>
+          <a:p>
+            <a:r>
+              <a:rPr lang="de-DE" noProof="0" dirty="0"/>
+              <a:t>Nächster Sprint</a:t>
+            </a:r>
+          </a:p>
+        </p:txBody>
+      </p:sp>
+      <p:graphicFrame>
+        <p:nvGraphicFramePr>
+          <p:cNvPr id="13" name="Inhaltsplatzhalter 12">
+            <a:extLst>
+              <a:ext uri="{FF2B5EF4-FFF2-40B4-BE49-F238E27FC236}">
+                <a16:creationId xmlns:a16="http://schemas.microsoft.com/office/drawing/2014/main" id="{CBF6877E-F7D1-51D7-E23D-BC55C496A756}"/>
+              </a:ext>
+            </a:extLst>
+          </p:cNvPr>
+          <p:cNvGraphicFramePr>
+            <a:graphicFrameLocks noGrp="1"/>
+          </p:cNvGraphicFramePr>
+          <p:nvPr>
+            <p:ph sz="quarter" idx="4"/>
+            <p:extLst>
+              <p:ext uri="{D42A27DB-BD31-4B8C-83A1-F6EECF244321}">
+                <p14:modId xmlns:p14="http://schemas.microsoft.com/office/powerpoint/2010/main" val="2039774105"/>
+              </p:ext>
+            </p:extLst>
+          </p:nvPr>
+        </p:nvGraphicFramePr>
+        <p:xfrm>
+          <a:off x="6278563" y="3048000"/>
+          <a:ext cx="5151435" cy="1483360"/>
+        </p:xfrm>
+        <a:graphic>
+          <a:graphicData uri="http://schemas.openxmlformats.org/drawingml/2006/table">
+            <a:tbl>
+              <a:tblPr firstRow="1" bandRow="1">
+                <a:tableStyleId>{5C22544A-7EE6-4342-B048-85BDC9FD1C3A}</a:tableStyleId>
+              </a:tblPr>
+              <a:tblGrid>
+                <a:gridCol w="1030287">
+                  <a:extLst>
+                    <a:ext uri="{9D8B030D-6E8A-4147-A177-3AD203B41FA5}">
+                      <a16:colId xmlns:a16="http://schemas.microsoft.com/office/drawing/2014/main" val="1830370080"/>
+                    </a:ext>
+                  </a:extLst>
+                </a:gridCol>
+                <a:gridCol w="1030287">
+                  <a:extLst>
+                    <a:ext uri="{9D8B030D-6E8A-4147-A177-3AD203B41FA5}">
+                      <a16:colId xmlns:a16="http://schemas.microsoft.com/office/drawing/2014/main" val="1817622670"/>
+                    </a:ext>
+                  </a:extLst>
+                </a:gridCol>
+                <a:gridCol w="1030287">
+                  <a:extLst>
+                    <a:ext uri="{9D8B030D-6E8A-4147-A177-3AD203B41FA5}">
+                      <a16:colId xmlns:a16="http://schemas.microsoft.com/office/drawing/2014/main" val="658107910"/>
+                    </a:ext>
+                  </a:extLst>
+                </a:gridCol>
+                <a:gridCol w="1030287">
+                  <a:extLst>
+                    <a:ext uri="{9D8B030D-6E8A-4147-A177-3AD203B41FA5}">
+                      <a16:colId xmlns:a16="http://schemas.microsoft.com/office/drawing/2014/main" val="2959120596"/>
+                    </a:ext>
+                  </a:extLst>
+                </a:gridCol>
+                <a:gridCol w="1030287">
+                  <a:extLst>
+                    <a:ext uri="{9D8B030D-6E8A-4147-A177-3AD203B41FA5}">
+                      <a16:colId xmlns:a16="http://schemas.microsoft.com/office/drawing/2014/main" val="3995722864"/>
+                    </a:ext>
+                  </a:extLst>
+                </a:gridCol>
+              </a:tblGrid>
+              <a:tr h="370840">
+                <a:tc>
+                  <a:txBody>
+                    <a:bodyPr/>
+                    <a:lstStyle/>
+                    <a:p>
+                      <a:endParaRPr lang="de-DE" noProof="0" dirty="0"/>
+                    </a:p>
+                  </a:txBody>
+                  <a:tcPr/>
+                </a:tc>
+                <a:tc>
+                  <a:txBody>
+                    <a:bodyPr/>
+                    <a:lstStyle/>
+                    <a:p>
+                      <a:endParaRPr lang="de-DE" noProof="0" dirty="0"/>
+                    </a:p>
+                  </a:txBody>
+                  <a:tcPr/>
+                </a:tc>
+                <a:tc>
+                  <a:txBody>
+                    <a:bodyPr/>
+                    <a:lstStyle/>
+                    <a:p>
+                      <a:endParaRPr lang="de-DE" noProof="0" dirty="0"/>
+                    </a:p>
+                  </a:txBody>
+                  <a:tcPr/>
+                </a:tc>
+                <a:tc>
+                  <a:txBody>
+                    <a:bodyPr/>
+                    <a:lstStyle/>
+                    <a:p>
+                      <a:endParaRPr lang="de-DE" noProof="0" dirty="0"/>
+                    </a:p>
+                  </a:txBody>
+                  <a:tcPr/>
+                </a:tc>
+                <a:tc>
+                  <a:txBody>
+                    <a:bodyPr/>
+                    <a:lstStyle/>
+                    <a:p>
+                      <a:endParaRPr lang="de-DE" noProof="0" dirty="0"/>
+                    </a:p>
+                  </a:txBody>
+                  <a:tcPr/>
+                </a:tc>
+                <a:extLst>
+                  <a:ext uri="{0D108BD9-81ED-4DB2-BD59-A6C34878D82A}">
+                    <a16:rowId xmlns:a16="http://schemas.microsoft.com/office/drawing/2014/main" val="1094553743"/>
+                  </a:ext>
+                </a:extLst>
+              </a:tr>
+              <a:tr h="370840">
+                <a:tc>
+                  <a:txBody>
+                    <a:bodyPr/>
+                    <a:lstStyle/>
+                    <a:p>
+                      <a:endParaRPr lang="de-DE" noProof="0" dirty="0"/>
+                    </a:p>
+                  </a:txBody>
+                  <a:tcPr/>
+                </a:tc>
+                <a:tc>
+                  <a:txBody>
+                    <a:bodyPr/>
+                    <a:lstStyle/>
+                    <a:p>
+                      <a:endParaRPr lang="de-DE" noProof="0" dirty="0"/>
+                    </a:p>
+                  </a:txBody>
+                  <a:tcPr/>
+                </a:tc>
+                <a:tc>
+                  <a:txBody>
+                    <a:bodyPr/>
+                    <a:lstStyle/>
+                    <a:p>
+                      <a:endParaRPr lang="de-DE" noProof="0" dirty="0"/>
+                    </a:p>
+                  </a:txBody>
+                  <a:tcPr/>
+                </a:tc>
+                <a:tc>
+                  <a:txBody>
+                    <a:bodyPr/>
+                    <a:lstStyle/>
+                    <a:p>
+                      <a:endParaRPr lang="de-DE" noProof="0" dirty="0"/>
+                    </a:p>
+                  </a:txBody>
+                  <a:tcPr/>
+                </a:tc>
+                <a:tc>
+                  <a:txBody>
+                    <a:bodyPr/>
+                    <a:lstStyle/>
+                    <a:p>
+                      <a:endParaRPr lang="de-DE" noProof="0" dirty="0"/>
+                    </a:p>
+                  </a:txBody>
+                  <a:tcPr/>
+                </a:tc>
+                <a:extLst>
+                  <a:ext uri="{0D108BD9-81ED-4DB2-BD59-A6C34878D82A}">
+                    <a16:rowId xmlns:a16="http://schemas.microsoft.com/office/drawing/2014/main" val="3755454740"/>
+                  </a:ext>
+                </a:extLst>
+              </a:tr>
+              <a:tr h="370840">
+                <a:tc>
+                  <a:txBody>
+                    <a:bodyPr/>
+                    <a:lstStyle/>
+                    <a:p>
+                      <a:endParaRPr lang="de-DE" noProof="0" dirty="0"/>
+                    </a:p>
+                  </a:txBody>
+                  <a:tcPr/>
+                </a:tc>
+                <a:tc>
+                  <a:txBody>
+                    <a:bodyPr/>
+                    <a:lstStyle/>
+                    <a:p>
+                      <a:endParaRPr lang="de-DE" noProof="0" dirty="0"/>
+                    </a:p>
+                  </a:txBody>
+                  <a:tcPr/>
+                </a:tc>
+                <a:tc>
+                  <a:txBody>
+                    <a:bodyPr/>
+                    <a:lstStyle/>
+                    <a:p>
+                      <a:endParaRPr lang="de-DE" noProof="0" dirty="0"/>
+                    </a:p>
+                  </a:txBody>
+                  <a:tcPr/>
+                </a:tc>
+                <a:tc>
+                  <a:txBody>
+                    <a:bodyPr/>
+                    <a:lstStyle/>
+                    <a:p>
+                      <a:endParaRPr lang="de-DE" noProof="0" dirty="0"/>
+                    </a:p>
+                  </a:txBody>
+                  <a:tcPr/>
+                </a:tc>
+                <a:tc>
+                  <a:txBody>
+                    <a:bodyPr/>
+                    <a:lstStyle/>
+                    <a:p>
+                      <a:endParaRPr lang="de-DE" noProof="0" dirty="0"/>
+                    </a:p>
+                  </a:txBody>
+                  <a:tcPr/>
+                </a:tc>
+                <a:extLst>
+                  <a:ext uri="{0D108BD9-81ED-4DB2-BD59-A6C34878D82A}">
+                    <a16:rowId xmlns:a16="http://schemas.microsoft.com/office/drawing/2014/main" val="179661474"/>
+                  </a:ext>
+                </a:extLst>
+              </a:tr>
+              <a:tr h="370840">
+                <a:tc>
+                  <a:txBody>
+                    <a:bodyPr/>
+                    <a:lstStyle/>
+                    <a:p>
+                      <a:endParaRPr lang="de-DE" noProof="0" dirty="0"/>
+                    </a:p>
+                  </a:txBody>
+                  <a:tcPr/>
+                </a:tc>
+                <a:tc>
+                  <a:txBody>
+                    <a:bodyPr/>
+                    <a:lstStyle/>
+                    <a:p>
+                      <a:endParaRPr lang="de-DE" noProof="0" dirty="0"/>
+                    </a:p>
+                  </a:txBody>
+                  <a:tcPr/>
+                </a:tc>
+                <a:tc>
+                  <a:txBody>
+                    <a:bodyPr/>
+                    <a:lstStyle/>
+                    <a:p>
+                      <a:endParaRPr lang="de-DE" noProof="0" dirty="0"/>
+                    </a:p>
+                  </a:txBody>
+                  <a:tcPr/>
+                </a:tc>
+                <a:tc>
+                  <a:txBody>
+                    <a:bodyPr/>
+                    <a:lstStyle/>
+                    <a:p>
+                      <a:endParaRPr lang="de-DE" noProof="0" dirty="0"/>
+                    </a:p>
+                  </a:txBody>
+                  <a:tcPr/>
+                </a:tc>
+                <a:tc>
+                  <a:txBody>
+                    <a:bodyPr/>
+                    <a:lstStyle/>
+                    <a:p>
+                      <a:endParaRPr lang="de-DE" noProof="0" dirty="0"/>
+                    </a:p>
+                  </a:txBody>
+                  <a:tcPr/>
+                </a:tc>
+                <a:extLst>
+                  <a:ext uri="{0D108BD9-81ED-4DB2-BD59-A6C34878D82A}">
+                    <a16:rowId xmlns:a16="http://schemas.microsoft.com/office/drawing/2014/main" val="3847368505"/>
+                  </a:ext>
+                </a:extLst>
+              </a:tr>
+            </a:tbl>
+          </a:graphicData>
+        </a:graphic>
+      </p:graphicFrame>
       <p:sp>
         <p:nvSpPr>
           <p:cNvPr id="4" name="Datumsplatzhalter 3">
@@ -6899,10 +7443,10 @@
           <a:lstStyle/>
           <a:p>
             <a:fld id="{42B45B56-1D88-4042-8DF0-EB6B41B710D3}" type="datetime1">
-              <a:rPr lang="de-DE" smtClean="0"/>
-              <a:t>05.12.2024</a:t>
+              <a:rPr lang="de-DE" noProof="0" smtClean="0"/>
+              <a:t>10.12.2024</a:t>
             </a:fld>
-            <a:endParaRPr lang="en-US"/>
+            <a:endParaRPr lang="de-DE" noProof="0" dirty="0"/>
           </a:p>
         </p:txBody>
       </p:sp>
@@ -6928,10 +7472,10 @@
           <a:lstStyle/>
           <a:p>
             <a:fld id="{07CE569E-9B7C-4CB9-AB80-C0841F922CFF}" type="slidenum">
-              <a:rPr lang="en-US" smtClean="0"/>
+              <a:rPr lang="de-DE" noProof="0" smtClean="0"/>
               <a:t>3</a:t>
             </a:fld>
-            <a:endParaRPr lang="en-US"/>
+            <a:endParaRPr lang="de-DE" noProof="0" dirty="0"/>
           </a:p>
         </p:txBody>
       </p:sp>
@@ -6987,103 +7531,42 @@
           <a:lstStyle/>
           <a:p>
             <a:r>
-              <a:rPr lang="de-DE" dirty="0"/>
+              <a:rPr lang="de-DE" noProof="0"/>
               <a:t>2. Tätigkeiten des vergangenen Zeitraums</a:t>
             </a:r>
-          </a:p>
-        </p:txBody>
-      </p:sp>
-      <p:sp>
-        <p:nvSpPr>
-          <p:cNvPr id="3" name="Inhaltsplatzhalter 2">
-            <a:extLst>
-              <a:ext uri="{FF2B5EF4-FFF2-40B4-BE49-F238E27FC236}">
-                <a16:creationId xmlns:a16="http://schemas.microsoft.com/office/drawing/2014/main" id="{DDCB8108-F7CA-0CC2-0BE9-D617E9F1E0E4}"/>
-              </a:ext>
-            </a:extLst>
-          </p:cNvPr>
-          <p:cNvSpPr>
-            <a:spLocks noGrp="1"/>
-          </p:cNvSpPr>
+            <a:endParaRPr lang="de-DE" noProof="0" dirty="0"/>
+          </a:p>
+        </p:txBody>
+      </p:sp>
+      <p:pic>
+        <p:nvPicPr>
+          <p:cNvPr id="7" name="Inhaltsplatzhalter 6">
+            <a:extLst>
+              <a:ext uri="{FF2B5EF4-FFF2-40B4-BE49-F238E27FC236}">
+                <a16:creationId xmlns:a16="http://schemas.microsoft.com/office/drawing/2014/main" id="{2F1E16AA-50DA-9796-67C2-21B9486DCC25}"/>
+              </a:ext>
+            </a:extLst>
+          </p:cNvPr>
+          <p:cNvPicPr>
+            <a:picLocks noGrp="1" noChangeAspect="1"/>
+          </p:cNvPicPr>
           <p:nvPr>
             <p:ph idx="1"/>
           </p:nvPr>
-        </p:nvSpPr>
+        </p:nvPicPr>
+        <p:blipFill>
+          <a:blip r:embed="rId2"/>
+          <a:stretch>
+            <a:fillRect/>
+          </a:stretch>
+        </p:blipFill>
         <p:spPr>
           <a:xfrm>
-            <a:off x="762000" y="2286000"/>
-            <a:ext cx="10668000" cy="3290935"/>
+            <a:off x="1980136" y="1938338"/>
+            <a:ext cx="8231728" cy="4157662"/>
           </a:xfrm>
         </p:spPr>
-        <p:txBody>
-          <a:bodyPr>
-            <a:normAutofit fontScale="85000" lnSpcReduction="20000"/>
-          </a:bodyPr>
-          <a:lstStyle/>
-          <a:p>
-            <a:r>
-              <a:rPr lang="de-DE" dirty="0"/>
-              <a:t>Erstellung:</a:t>
-            </a:r>
-          </a:p>
-          <a:p>
-            <a:pPr lvl="1"/>
-            <a:r>
-              <a:rPr lang="de-DE" dirty="0"/>
-              <a:t>eines Dokuments mit unserer Projektidee mit den Core-Featuren</a:t>
-            </a:r>
-          </a:p>
-          <a:p>
-            <a:pPr lvl="1"/>
-            <a:r>
-              <a:rPr lang="de-DE" dirty="0"/>
-              <a:t>einer Liste mit </a:t>
-            </a:r>
-            <a:r>
-              <a:rPr lang="de-DE" dirty="0" err="1"/>
-              <a:t>ToDos</a:t>
-            </a:r>
-            <a:r>
-              <a:rPr lang="de-DE" dirty="0"/>
-              <a:t> und deren Priorisierung</a:t>
-            </a:r>
-          </a:p>
-          <a:p>
-            <a:pPr lvl="1"/>
-            <a:r>
-              <a:rPr lang="de-DE" dirty="0"/>
-              <a:t>von Software teilen</a:t>
-            </a:r>
-          </a:p>
-          <a:p>
-            <a:pPr lvl="1"/>
-            <a:r>
-              <a:rPr lang="de-DE" dirty="0"/>
-              <a:t>einer Datenbank</a:t>
-            </a:r>
-          </a:p>
-          <a:p>
-            <a:pPr lvl="1"/>
-            <a:r>
-              <a:rPr lang="de-DE" dirty="0"/>
-              <a:t>des Produkt Backlogs</a:t>
-            </a:r>
-          </a:p>
-          <a:p>
-            <a:pPr lvl="1"/>
-            <a:r>
-              <a:rPr lang="de-DE" dirty="0"/>
-              <a:t>des Sprint-Backlogs</a:t>
-            </a:r>
-          </a:p>
-          <a:p>
-            <a:r>
-              <a:rPr lang="de-DE" dirty="0"/>
-              <a:t>Anlegen des Projekts und Ordner für die Dokumentation in GitHub</a:t>
-            </a:r>
-          </a:p>
-        </p:txBody>
-      </p:sp>
+      </p:pic>
       <p:sp>
         <p:nvSpPr>
           <p:cNvPr id="4" name="Datumsplatzhalter 3">
@@ -7106,10 +7589,10 @@
           <a:lstStyle/>
           <a:p>
             <a:fld id="{42B45B56-1D88-4042-8DF0-EB6B41B710D3}" type="datetime1">
-              <a:rPr lang="de-DE" smtClean="0"/>
-              <a:t>05.12.2024</a:t>
+              <a:rPr lang="de-DE" noProof="0" smtClean="0"/>
+              <a:t>10.12.2024</a:t>
             </a:fld>
-            <a:endParaRPr lang="en-US"/>
+            <a:endParaRPr lang="de-DE" noProof="0" dirty="0"/>
           </a:p>
         </p:txBody>
       </p:sp>
@@ -7135,10 +7618,10 @@
           <a:lstStyle/>
           <a:p>
             <a:fld id="{07CE569E-9B7C-4CB9-AB80-C0841F922CFF}" type="slidenum">
-              <a:rPr lang="en-US" smtClean="0"/>
+              <a:rPr lang="de-DE" noProof="0" smtClean="0"/>
               <a:t>4</a:t>
             </a:fld>
-            <a:endParaRPr lang="en-US"/>
+            <a:endParaRPr lang="de-DE" noProof="0" dirty="0"/>
           </a:p>
         </p:txBody>
       </p:sp>
@@ -7200,7 +7683,7 @@
           <a:lstStyle/>
           <a:p>
             <a:r>
-              <a:rPr lang="de-DE" dirty="0"/>
+              <a:rPr lang="de-DE" noProof="0" dirty="0"/>
               <a:t>4. Detailplanung</a:t>
             </a:r>
           </a:p>
@@ -7228,10 +7711,10 @@
           <a:lstStyle/>
           <a:p>
             <a:fld id="{42B45B56-1D88-4042-8DF0-EB6B41B710D3}" type="datetime1">
-              <a:rPr lang="de-DE" smtClean="0"/>
-              <a:t>05.12.2024</a:t>
+              <a:rPr lang="de-DE" noProof="0" smtClean="0"/>
+              <a:t>10.12.2024</a:t>
             </a:fld>
-            <a:endParaRPr lang="en-US"/>
+            <a:endParaRPr lang="de-DE" noProof="0" dirty="0"/>
           </a:p>
         </p:txBody>
       </p:sp>
@@ -7257,10 +7740,10 @@
           <a:lstStyle/>
           <a:p>
             <a:fld id="{07CE569E-9B7C-4CB9-AB80-C0841F922CFF}" type="slidenum">
-              <a:rPr lang="en-US" smtClean="0"/>
+              <a:rPr lang="de-DE" noProof="0" smtClean="0"/>
               <a:t>5</a:t>
             </a:fld>
-            <a:endParaRPr lang="en-US"/>
+            <a:endParaRPr lang="de-DE" noProof="0" dirty="0"/>
           </a:p>
         </p:txBody>
       </p:sp>
@@ -7280,14 +7763,14 @@
             <p:ph idx="1"/>
             <p:extLst>
               <p:ext uri="{D42A27DB-BD31-4B8C-83A1-F6EECF244321}">
-                <p14:modId xmlns:p14="http://schemas.microsoft.com/office/powerpoint/2010/main" val="2690394352"/>
+                <p14:modId xmlns:p14="http://schemas.microsoft.com/office/powerpoint/2010/main" val="3875702723"/>
               </p:ext>
             </p:extLst>
           </p:nvPr>
         </p:nvGraphicFramePr>
         <p:xfrm>
           <a:off x="762000" y="1860487"/>
-          <a:ext cx="8961423" cy="4467451"/>
+          <a:ext cx="8961423" cy="4590053"/>
         </p:xfrm>
         <a:graphic>
           <a:graphicData uri="http://schemas.openxmlformats.org/drawingml/2006/table">
@@ -7332,10 +7815,9 @@
                     <a:lstStyle/>
                     <a:p>
                       <a:r>
-                        <a:rPr lang="en-US" sz="1400"/>
+                        <a:rPr lang="de-DE" sz="1400" noProof="0" dirty="0"/>
                         <a:t>Aufgabe</a:t>
                       </a:r>
-                      <a:endParaRPr lang="de-DE" sz="1400" dirty="0"/>
                     </a:p>
                   </a:txBody>
                   <a:tcPr/>
@@ -7346,10 +7828,9 @@
                     <a:lstStyle/>
                     <a:p>
                       <a:r>
-                        <a:rPr lang="en-US" sz="1400"/>
+                        <a:rPr lang="de-DE" sz="1400" noProof="0" dirty="0"/>
                         <a:t>Zuständigkeit</a:t>
                       </a:r>
-                      <a:endParaRPr lang="de-DE" sz="1400" dirty="0"/>
                     </a:p>
                   </a:txBody>
                   <a:tcPr/>
@@ -7360,10 +7841,9 @@
                     <a:lstStyle/>
                     <a:p>
                       <a:r>
-                        <a:rPr lang="en-US" sz="1400"/>
+                        <a:rPr lang="de-DE" sz="1400" noProof="0" dirty="0"/>
                         <a:t>Aufwand</a:t>
                       </a:r>
-                      <a:endParaRPr lang="de-DE" sz="1400" dirty="0"/>
                     </a:p>
                   </a:txBody>
                   <a:tcPr/>
@@ -7374,10 +7854,9 @@
                     <a:lstStyle/>
                     <a:p>
                       <a:r>
-                        <a:rPr lang="en-US" sz="1400"/>
+                        <a:rPr lang="de-DE" sz="1400" noProof="0" dirty="0"/>
                         <a:t>Status</a:t>
                       </a:r>
-                      <a:endParaRPr lang="de-DE" sz="1400" dirty="0"/>
                     </a:p>
                   </a:txBody>
                   <a:tcPr/>
@@ -7395,10 +7874,9 @@
                     <a:lstStyle/>
                     <a:p>
                       <a:r>
-                        <a:rPr lang="en-US" sz="1400"/>
-                        <a:t>Dokumentation + Project Managment</a:t>
+                        <a:rPr lang="de-DE" sz="1400" noProof="0" dirty="0"/>
+                        <a:t>Dokumentation + Project Management</a:t>
                       </a:r>
-                      <a:endParaRPr lang="de-DE" sz="1400" dirty="0"/>
                     </a:p>
                   </a:txBody>
                   <a:tcPr/>
@@ -7409,10 +7887,9 @@
                     <a:lstStyle/>
                     <a:p>
                       <a:r>
-                        <a:rPr lang="en-US" sz="1400"/>
+                        <a:rPr lang="de-DE" sz="1400" noProof="0" dirty="0"/>
                         <a:t>Alle</a:t>
                       </a:r>
-                      <a:endParaRPr lang="de-DE" sz="1400" dirty="0"/>
                     </a:p>
                   </a:txBody>
                   <a:tcPr/>
@@ -7423,30 +7900,22 @@
                     <a:lstStyle/>
                     <a:p>
                       <a:r>
-                        <a:rPr lang="en-US" sz="1400"/>
+                        <a:rPr lang="de-DE" sz="1400" noProof="0" dirty="0"/>
                         <a:t>18</a:t>
                       </a:r>
                     </a:p>
+                  </a:txBody>
+                  <a:tcPr/>
+                </a:tc>
+                <a:tc>
+                  <a:txBody>
+                    <a:bodyPr/>
+                    <a:lstStyle/>
                     <a:p>
                       <a:r>
-                        <a:rPr lang="en-US" sz="1050"/>
-                        <a:t>(6h Vorbereitung des Sprint)</a:t>
-                      </a:r>
-                      <a:endParaRPr lang="de-DE" sz="1050" dirty="0"/>
-                    </a:p>
-                  </a:txBody>
-                  <a:tcPr/>
-                </a:tc>
-                <a:tc>
-                  <a:txBody>
-                    <a:bodyPr/>
-                    <a:lstStyle/>
-                    <a:p>
-                      <a:r>
-                        <a:rPr lang="en-US" sz="1400" dirty="0" err="1"/>
+                        <a:rPr lang="de-DE" sz="1400" noProof="0" dirty="0"/>
                         <a:t>Erledigt</a:t>
                       </a:r>
-                      <a:endParaRPr lang="de-DE" sz="1400" dirty="0"/>
                     </a:p>
                   </a:txBody>
                   <a:tcPr/>
@@ -7464,10 +7933,9 @@
                     <a:lstStyle/>
                     <a:p>
                       <a:r>
-                        <a:rPr lang="en-US" sz="1400"/>
-                        <a:t>Erstellen Mockups u. Wireframes</a:t>
+                        <a:rPr lang="de-DE" sz="1400" noProof="0" dirty="0"/>
+                        <a:t>Dokumenterstellung Architekturdokumentation</a:t>
                       </a:r>
-                      <a:endParaRPr lang="de-DE" sz="1400" dirty="0"/>
                     </a:p>
                   </a:txBody>
                   <a:tcPr/>
@@ -7478,7 +7946,7 @@
                     <a:lstStyle/>
                     <a:p>
                       <a:r>
-                        <a:rPr lang="en-US" sz="1400" kern="1200">
+                        <a:rPr lang="de-DE" sz="1400" kern="1200" noProof="0" dirty="0">
                           <a:solidFill>
                             <a:schemeClr val="dk1"/>
                           </a:solidFill>
@@ -7488,25 +7956,30 @@
                         </a:rPr>
                         <a:t>Vincent Knapp</a:t>
                       </a:r>
-                      <a:endParaRPr lang="de-DE" sz="1400" kern="1200" dirty="0">
-                        <a:solidFill>
-                          <a:schemeClr val="dk1"/>
-                        </a:solidFill>
-                        <a:latin typeface="+mn-lt"/>
-                        <a:ea typeface="+mn-ea"/>
-                        <a:cs typeface="+mn-cs"/>
-                      </a:endParaRPr>
-                    </a:p>
-                  </a:txBody>
-                  <a:tcPr/>
-                </a:tc>
-                <a:tc>
-                  <a:txBody>
-                    <a:bodyPr/>
-                    <a:lstStyle/>
+                    </a:p>
                     <a:p>
                       <a:r>
-                        <a:rPr lang="en-US" sz="1400" kern="1200">
+                        <a:rPr lang="de-DE" sz="1400" kern="1200" noProof="0" dirty="0">
+                          <a:solidFill>
+                            <a:schemeClr val="dk1"/>
+                          </a:solidFill>
+                          <a:latin typeface="+mn-lt"/>
+                          <a:ea typeface="+mn-ea"/>
+                          <a:cs typeface="+mn-cs"/>
+                        </a:rPr>
+                        <a:t>René Weber</a:t>
+                      </a:r>
+                    </a:p>
+                  </a:txBody>
+                  <a:tcPr/>
+                </a:tc>
+                <a:tc>
+                  <a:txBody>
+                    <a:bodyPr/>
+                    <a:lstStyle/>
+                    <a:p>
+                      <a:r>
+                        <a:rPr lang="de-DE" sz="1400" kern="1200" noProof="0" dirty="0">
                           <a:solidFill>
                             <a:schemeClr val="dk1"/>
                           </a:solidFill>
@@ -7516,14 +7989,6 @@
                         </a:rPr>
                         <a:t>2</a:t>
                       </a:r>
-                      <a:endParaRPr lang="de-DE" sz="1400" kern="1200" dirty="0">
-                        <a:solidFill>
-                          <a:schemeClr val="dk1"/>
-                        </a:solidFill>
-                        <a:latin typeface="+mn-lt"/>
-                        <a:ea typeface="+mn-ea"/>
-                        <a:cs typeface="+mn-cs"/>
-                      </a:endParaRPr>
                     </a:p>
                   </a:txBody>
                   <a:tcPr/>
@@ -7534,10 +7999,9 @@
                     <a:lstStyle/>
                     <a:p>
                       <a:r>
-                        <a:rPr lang="en-US" sz="1400"/>
+                        <a:rPr lang="de-DE" sz="1400" noProof="0" dirty="0"/>
                         <a:t>Erledigt</a:t>
                       </a:r>
-                      <a:endParaRPr lang="de-DE" sz="1400" dirty="0"/>
                     </a:p>
                   </a:txBody>
                   <a:tcPr/>
@@ -7572,49 +8036,34 @@
                         <a:defRPr/>
                       </a:pPr>
                       <a:r>
-                        <a:rPr lang="en-US" sz="1400" dirty="0"/>
-                        <a:t>Website “Menu-Karte” </a:t>
+                        <a:rPr lang="de-DE" sz="1400" noProof="0" dirty="0"/>
+                        <a:t>Implementierung der Küchenansicht</a:t>
                       </a:r>
+                    </a:p>
+                  </a:txBody>
+                  <a:tcPr/>
+                </a:tc>
+                <a:tc>
+                  <a:txBody>
+                    <a:bodyPr/>
+                    <a:lstStyle/>
+                    <a:p>
                       <a:r>
-                        <a:rPr lang="en-US" sz="1400" dirty="0" err="1"/>
-                        <a:t>erstellen</a:t>
+                        <a:rPr lang="de-DE" sz="1400" noProof="0" dirty="0"/>
+                        <a:t>Hans Bloching</a:t>
                       </a:r>
-                      <a:endParaRPr lang="en-US" sz="1400" dirty="0"/>
-                    </a:p>
-                  </a:txBody>
-                  <a:tcPr/>
-                </a:tc>
-                <a:tc>
-                  <a:txBody>
-                    <a:bodyPr/>
-                    <a:lstStyle/>
+                    </a:p>
                     <a:p>
                       <a:r>
-                        <a:rPr lang="en-US" sz="1400" dirty="0"/>
-                        <a:t>Dennis Haaf</a:t>
-                      </a:r>
-                      <a:br>
-                        <a:rPr lang="en-US" sz="1400" dirty="0"/>
-                      </a:br>
-                      <a:r>
-                        <a:rPr lang="en-US" sz="1400" dirty="0"/>
+                        <a:rPr lang="de-DE" sz="1400" noProof="0" dirty="0"/>
                         <a:t>Vincent Knapp</a:t>
                       </a:r>
-                      <a:endParaRPr lang="de-DE" sz="1400" dirty="0"/>
-                    </a:p>
-                  </a:txBody>
-                  <a:tcPr/>
-                </a:tc>
-                <a:tc>
-                  <a:txBody>
-                    <a:bodyPr/>
-                    <a:lstStyle/>
+                    </a:p>
                     <a:p>
                       <a:r>
-                        <a:rPr lang="en-US" sz="1400"/>
-                        <a:t>8</a:t>
+                        <a:rPr lang="de-DE" sz="1400" noProof="0" dirty="0"/>
+                        <a:t>René Weber</a:t>
                       </a:r>
-                      <a:endParaRPr lang="de-DE" sz="1400" dirty="0"/>
                     </a:p>
                   </a:txBody>
                   <a:tcPr/>
@@ -7625,10 +8074,22 @@
                     <a:lstStyle/>
                     <a:p>
                       <a:r>
-                        <a:rPr lang="en-US" sz="1400" dirty="0" err="1"/>
+                        <a:rPr lang="de-DE" sz="1400" noProof="0" dirty="0"/>
+                        <a:t>5</a:t>
+                      </a:r>
+                    </a:p>
+                  </a:txBody>
+                  <a:tcPr/>
+                </a:tc>
+                <a:tc>
+                  <a:txBody>
+                    <a:bodyPr/>
+                    <a:lstStyle/>
+                    <a:p>
+                      <a:r>
+                        <a:rPr lang="de-DE" sz="1400" noProof="0" dirty="0"/>
                         <a:t>Erledigt</a:t>
                       </a:r>
-                      <a:endParaRPr lang="de-DE" sz="1400" dirty="0"/>
                     </a:p>
                   </a:txBody>
                   <a:tcPr/>
@@ -7645,69 +8106,37 @@
                     <a:bodyPr/>
                     <a:lstStyle/>
                     <a:p>
-                      <a:r>
-                        <a:rPr lang="en-US" sz="1400" dirty="0" err="1"/>
-                        <a:t>Datenbank</a:t>
-                      </a:r>
-                      <a:r>
-                        <a:rPr lang="en-US" sz="1400" dirty="0"/>
-                        <a:t> “Menu-Karte”</a:t>
-                      </a:r>
-                      <a:endParaRPr lang="de-DE" sz="1400" dirty="0"/>
-                    </a:p>
-                  </a:txBody>
-                  <a:tcPr/>
-                </a:tc>
-                <a:tc>
-                  <a:txBody>
-                    <a:bodyPr/>
-                    <a:lstStyle/>
-                    <a:p>
-                      <a:r>
-                        <a:rPr lang="en-US" sz="1400"/>
-                        <a:t>Vincent Knapp</a:t>
-                      </a:r>
-                    </a:p>
-                    <a:p>
-                      <a:r>
-                        <a:rPr lang="en-US" sz="1400"/>
-                        <a:t>Hans Bloching</a:t>
-                      </a:r>
-                    </a:p>
-                    <a:p>
-                      <a:r>
-                        <a:rPr lang="en-US" sz="1400"/>
-                        <a:t>Rene Weber</a:t>
-                      </a:r>
-                      <a:endParaRPr lang="de-DE" sz="1400" dirty="0"/>
-                    </a:p>
-                  </a:txBody>
-                  <a:tcPr/>
-                </a:tc>
-                <a:tc>
-                  <a:txBody>
-                    <a:bodyPr/>
-                    <a:lstStyle/>
-                    <a:p>
-                      <a:r>
-                        <a:rPr lang="en-US" sz="1400"/>
-                        <a:t>1,5</a:t>
-                      </a:r>
-                      <a:endParaRPr lang="de-DE" sz="1400" dirty="0"/>
-                    </a:p>
-                  </a:txBody>
-                  <a:tcPr/>
-                </a:tc>
-                <a:tc>
-                  <a:txBody>
-                    <a:bodyPr/>
-                    <a:lstStyle/>
-                    <a:p>
-                      <a:r>
-                        <a:rPr lang="en-US" sz="1400" dirty="0" err="1"/>
-                        <a:t>Erledigt</a:t>
-                      </a:r>
-                      <a:endParaRPr lang="de-DE" sz="1400" dirty="0"/>
+                      <a:endParaRPr lang="de-DE" sz="1400" noProof="0" dirty="0"/>
+                    </a:p>
+                  </a:txBody>
+                  <a:tcPr/>
+                </a:tc>
+                <a:tc>
+                  <a:txBody>
+                    <a:bodyPr/>
+                    <a:lstStyle/>
+                    <a:p>
+                      <a:endParaRPr lang="de-DE" sz="1400" noProof="0" dirty="0"/>
+                    </a:p>
+                  </a:txBody>
+                  <a:tcPr/>
+                </a:tc>
+                <a:tc>
+                  <a:txBody>
+                    <a:bodyPr/>
+                    <a:lstStyle/>
+                    <a:p>
+                      <a:endParaRPr lang="de-DE" sz="1400" noProof="0" dirty="0"/>
+                    </a:p>
+                  </a:txBody>
+                  <a:tcPr/>
+                </a:tc>
+                <a:tc>
+                  <a:txBody>
+                    <a:bodyPr/>
+                    <a:lstStyle/>
+                    <a:p>
+                      <a:endParaRPr lang="de-DE" sz="1400" noProof="0" dirty="0"/>
                     </a:p>
                   </a:txBody>
                   <a:tcPr/>
@@ -7724,52 +8153,37 @@
                     <a:bodyPr/>
                     <a:lstStyle/>
                     <a:p>
-                      <a:r>
-                        <a:rPr lang="en-US" sz="1400"/>
-                        <a:t>Einführung in Blazor und C# Coding</a:t>
-                      </a:r>
-                      <a:endParaRPr lang="de-DE" sz="1400" dirty="0"/>
-                    </a:p>
-                  </a:txBody>
-                  <a:tcPr/>
-                </a:tc>
-                <a:tc>
-                  <a:txBody>
-                    <a:bodyPr/>
-                    <a:lstStyle/>
-                    <a:p>
-                      <a:r>
-                        <a:rPr lang="en-US" sz="1400" dirty="0"/>
-                        <a:t>Alle</a:t>
-                      </a:r>
-                    </a:p>
-                  </a:txBody>
-                  <a:tcPr/>
-                </a:tc>
-                <a:tc>
-                  <a:txBody>
-                    <a:bodyPr/>
-                    <a:lstStyle/>
-                    <a:p>
-                      <a:r>
-                        <a:rPr lang="en-US" sz="1400"/>
-                        <a:t>4</a:t>
-                      </a:r>
-                      <a:endParaRPr lang="de-DE" sz="1400" dirty="0"/>
-                    </a:p>
-                  </a:txBody>
-                  <a:tcPr/>
-                </a:tc>
-                <a:tc>
-                  <a:txBody>
-                    <a:bodyPr/>
-                    <a:lstStyle/>
-                    <a:p>
-                      <a:r>
-                        <a:rPr lang="en-US" sz="1400"/>
-                        <a:t>Erledigt</a:t>
-                      </a:r>
-                      <a:endParaRPr lang="de-DE" sz="1400" dirty="0"/>
+                      <a:endParaRPr lang="de-DE" sz="1400" noProof="0" dirty="0"/>
+                    </a:p>
+                  </a:txBody>
+                  <a:tcPr/>
+                </a:tc>
+                <a:tc>
+                  <a:txBody>
+                    <a:bodyPr/>
+                    <a:lstStyle/>
+                    <a:p>
+                      <a:endParaRPr lang="de-DE" sz="1400" noProof="0" dirty="0"/>
+                    </a:p>
+                  </a:txBody>
+                  <a:tcPr/>
+                </a:tc>
+                <a:tc>
+                  <a:txBody>
+                    <a:bodyPr/>
+                    <a:lstStyle/>
+                    <a:p>
+                      <a:endParaRPr lang="de-DE" sz="1400" noProof="0" dirty="0"/>
+                    </a:p>
+                  </a:txBody>
+                  <a:tcPr/>
+                </a:tc>
+                <a:tc>
+                  <a:txBody>
+                    <a:bodyPr/>
+                    <a:lstStyle/>
+                    <a:p>
+                      <a:endParaRPr lang="de-DE" sz="1400" noProof="0" dirty="0"/>
                     </a:p>
                   </a:txBody>
                   <a:tcPr/>
@@ -7786,59 +8200,37 @@
                     <a:bodyPr/>
                     <a:lstStyle/>
                     <a:p>
-                      <a:r>
-                        <a:rPr lang="en-US" sz="1400"/>
-                        <a:t>Website “Warenkorb”</a:t>
-                      </a:r>
-                      <a:endParaRPr lang="de-DE" sz="1400" dirty="0"/>
-                    </a:p>
-                  </a:txBody>
-                  <a:tcPr/>
-                </a:tc>
-                <a:tc>
-                  <a:txBody>
-                    <a:bodyPr/>
-                    <a:lstStyle/>
-                    <a:p>
-                      <a:r>
-                        <a:rPr lang="en-US" sz="1400"/>
-                        <a:t>Hans Bloching</a:t>
-                      </a:r>
-                    </a:p>
-                    <a:p>
-                      <a:r>
-                        <a:rPr lang="en-US" sz="1400"/>
-                        <a:t>Rene Weber</a:t>
-                      </a:r>
-                      <a:endParaRPr lang="de-DE" sz="1400" dirty="0"/>
-                    </a:p>
-                  </a:txBody>
-                  <a:tcPr/>
-                </a:tc>
-                <a:tc>
-                  <a:txBody>
-                    <a:bodyPr/>
-                    <a:lstStyle/>
-                    <a:p>
-                      <a:r>
-                        <a:rPr lang="en-US" sz="1400"/>
-                        <a:t>12</a:t>
-                      </a:r>
-                      <a:endParaRPr lang="de-DE" sz="1400" dirty="0"/>
-                    </a:p>
-                  </a:txBody>
-                  <a:tcPr/>
-                </a:tc>
-                <a:tc>
-                  <a:txBody>
-                    <a:bodyPr/>
-                    <a:lstStyle/>
-                    <a:p>
-                      <a:r>
-                        <a:rPr lang="en-US" sz="1400" dirty="0"/>
-                        <a:t>In Arbeit</a:t>
-                      </a:r>
-                      <a:endParaRPr lang="de-DE" sz="1400" dirty="0"/>
+                      <a:endParaRPr lang="de-DE" sz="1400" noProof="0" dirty="0"/>
+                    </a:p>
+                  </a:txBody>
+                  <a:tcPr/>
+                </a:tc>
+                <a:tc>
+                  <a:txBody>
+                    <a:bodyPr/>
+                    <a:lstStyle/>
+                    <a:p>
+                      <a:endParaRPr lang="de-DE" sz="1400" noProof="0" dirty="0"/>
+                    </a:p>
+                  </a:txBody>
+                  <a:tcPr/>
+                </a:tc>
+                <a:tc>
+                  <a:txBody>
+                    <a:bodyPr/>
+                    <a:lstStyle/>
+                    <a:p>
+                      <a:endParaRPr lang="de-DE" sz="1400" noProof="0" dirty="0"/>
+                    </a:p>
+                  </a:txBody>
+                  <a:tcPr/>
+                </a:tc>
+                <a:tc>
+                  <a:txBody>
+                    <a:bodyPr/>
+                    <a:lstStyle/>
+                    <a:p>
+                      <a:endParaRPr lang="de-DE" sz="1400" noProof="0" dirty="0"/>
                     </a:p>
                   </a:txBody>
                   <a:tcPr/>
@@ -7855,84 +8247,37 @@
                     <a:bodyPr/>
                     <a:lstStyle/>
                     <a:p>
-                      <a:r>
-                        <a:rPr lang="en-US" sz="1400" dirty="0" err="1"/>
-                        <a:t>Datenbank</a:t>
-                      </a:r>
-                      <a:r>
-                        <a:rPr lang="en-US" sz="1400" dirty="0"/>
-                        <a:t> “</a:t>
-                      </a:r>
-                      <a:r>
-                        <a:rPr lang="en-US" sz="1400" dirty="0" err="1"/>
-                        <a:t>Warenkorb</a:t>
-                      </a:r>
-                      <a:r>
-                        <a:rPr lang="en-US" sz="1400" dirty="0"/>
-                        <a:t>/</a:t>
-                      </a:r>
-                      <a:r>
-                        <a:rPr lang="en-US" sz="1400" dirty="0" err="1"/>
-                        <a:t>Bestellungen</a:t>
-                      </a:r>
-                      <a:r>
-                        <a:rPr lang="en-US" sz="1400" dirty="0"/>
-                        <a:t>”</a:t>
-                      </a:r>
-                      <a:endParaRPr lang="de-DE" sz="1400" dirty="0"/>
-                    </a:p>
-                  </a:txBody>
-                  <a:tcPr/>
-                </a:tc>
-                <a:tc>
-                  <a:txBody>
-                    <a:bodyPr/>
-                    <a:lstStyle/>
-                    <a:p>
-                      <a:r>
-                        <a:rPr lang="en-US" sz="1400" dirty="0"/>
-                        <a:t>Hans </a:t>
-                      </a:r>
-                      <a:r>
-                        <a:rPr lang="en-US" sz="1400" dirty="0" err="1"/>
-                        <a:t>Bloching</a:t>
-                      </a:r>
-                      <a:endParaRPr lang="en-US" sz="1400" dirty="0"/>
-                    </a:p>
-                    <a:p>
-                      <a:r>
-                        <a:rPr lang="en-US" sz="1400" dirty="0"/>
-                        <a:t>Rene Weber</a:t>
-                      </a:r>
-                      <a:endParaRPr lang="de-DE" sz="1400" dirty="0"/>
-                    </a:p>
-                  </a:txBody>
-                  <a:tcPr/>
-                </a:tc>
-                <a:tc>
-                  <a:txBody>
-                    <a:bodyPr/>
-                    <a:lstStyle/>
-                    <a:p>
-                      <a:r>
-                        <a:rPr lang="en-US" sz="1400" dirty="0"/>
-                        <a:t>3</a:t>
-                      </a:r>
-                      <a:endParaRPr lang="de-DE" sz="1400" dirty="0"/>
-                    </a:p>
-                  </a:txBody>
-                  <a:tcPr/>
-                </a:tc>
-                <a:tc>
-                  <a:txBody>
-                    <a:bodyPr/>
-                    <a:lstStyle/>
-                    <a:p>
-                      <a:r>
-                        <a:rPr lang="en-US" sz="1400" dirty="0"/>
-                        <a:t>In Arbeit</a:t>
-                      </a:r>
-                      <a:endParaRPr lang="de-DE" sz="1400" dirty="0"/>
+                      <a:endParaRPr lang="de-DE" sz="1400" noProof="0" dirty="0"/>
+                    </a:p>
+                  </a:txBody>
+                  <a:tcPr/>
+                </a:tc>
+                <a:tc>
+                  <a:txBody>
+                    <a:bodyPr/>
+                    <a:lstStyle/>
+                    <a:p>
+                      <a:endParaRPr lang="de-DE" sz="1400" noProof="0" dirty="0"/>
+                    </a:p>
+                  </a:txBody>
+                  <a:tcPr/>
+                </a:tc>
+                <a:tc>
+                  <a:txBody>
+                    <a:bodyPr/>
+                    <a:lstStyle/>
+                    <a:p>
+                      <a:endParaRPr lang="de-DE" sz="1400" noProof="0" dirty="0"/>
+                    </a:p>
+                  </a:txBody>
+                  <a:tcPr/>
+                </a:tc>
+                <a:tc>
+                  <a:txBody>
+                    <a:bodyPr/>
+                    <a:lstStyle/>
+                    <a:p>
+                      <a:endParaRPr lang="de-DE" sz="1400" noProof="0" dirty="0"/>
                     </a:p>
                   </a:txBody>
                   <a:tcPr/>
@@ -8006,18 +8351,13 @@
           <a:lstStyle/>
           <a:p>
             <a:r>
-              <a:rPr lang="en-US" dirty="0">
+              <a:rPr lang="de-DE" noProof="0" dirty="0">
                 <a:solidFill>
                   <a:schemeClr val="bg1"/>
                 </a:solidFill>
               </a:rPr>
               <a:t>48,5</a:t>
             </a:r>
-            <a:endParaRPr lang="de-DE" dirty="0">
-              <a:solidFill>
-                <a:schemeClr val="bg1"/>
-              </a:solidFill>
-            </a:endParaRPr>
           </a:p>
         </p:txBody>
       </p:sp>
@@ -8079,7 +8419,7 @@
           <a:lstStyle/>
           <a:p>
             <a:r>
-              <a:rPr lang="de-DE" dirty="0"/>
+              <a:rPr lang="de-DE" noProof="0" dirty="0"/>
               <a:t>4. Detailplanung</a:t>
             </a:r>
           </a:p>
@@ -8107,10 +8447,10 @@
           <a:lstStyle/>
           <a:p>
             <a:fld id="{42B45B56-1D88-4042-8DF0-EB6B41B710D3}" type="datetime1">
-              <a:rPr lang="de-DE" smtClean="0"/>
-              <a:t>05.12.2024</a:t>
+              <a:rPr lang="de-DE" noProof="0" smtClean="0"/>
+              <a:t>10.12.2024</a:t>
             </a:fld>
-            <a:endParaRPr lang="en-US"/>
+            <a:endParaRPr lang="de-DE" noProof="0" dirty="0"/>
           </a:p>
         </p:txBody>
       </p:sp>
@@ -8136,10 +8476,10 @@
           <a:lstStyle/>
           <a:p>
             <a:fld id="{07CE569E-9B7C-4CB9-AB80-C0841F922CFF}" type="slidenum">
-              <a:rPr lang="en-US" smtClean="0"/>
+              <a:rPr lang="de-DE" noProof="0" smtClean="0"/>
               <a:t>6</a:t>
             </a:fld>
-            <a:endParaRPr lang="en-US"/>
+            <a:endParaRPr lang="de-DE" noProof="0" dirty="0"/>
           </a:p>
         </p:txBody>
       </p:sp>
@@ -8202,18 +8542,13 @@
           <a:lstStyle/>
           <a:p>
             <a:r>
-              <a:rPr lang="en-US" dirty="0">
+              <a:rPr lang="de-DE" noProof="0" dirty="0">
                 <a:solidFill>
                   <a:schemeClr val="bg1"/>
                 </a:solidFill>
               </a:rPr>
               <a:t>46</a:t>
             </a:r>
-            <a:endParaRPr lang="de-DE" dirty="0">
-              <a:solidFill>
-                <a:schemeClr val="bg1"/>
-              </a:solidFill>
-            </a:endParaRPr>
           </a:p>
         </p:txBody>
       </p:sp>
@@ -8305,7 +8640,7 @@
           <a:lstStyle/>
           <a:p>
             <a:r>
-              <a:rPr lang="de-DE" dirty="0"/>
+              <a:rPr lang="de-DE" noProof="0" dirty="0"/>
               <a:t>4. Detailplanung</a:t>
             </a:r>
           </a:p>
@@ -8333,10 +8668,10 @@
           <a:lstStyle/>
           <a:p>
             <a:fld id="{42B45B56-1D88-4042-8DF0-EB6B41B710D3}" type="datetime1">
-              <a:rPr lang="de-DE" smtClean="0"/>
-              <a:t>05.12.2024</a:t>
+              <a:rPr lang="de-DE" noProof="0" smtClean="0"/>
+              <a:t>10.12.2024</a:t>
             </a:fld>
-            <a:endParaRPr lang="en-US"/>
+            <a:endParaRPr lang="de-DE" noProof="0" dirty="0"/>
           </a:p>
         </p:txBody>
       </p:sp>
@@ -8362,10 +8697,10 @@
           <a:lstStyle/>
           <a:p>
             <a:fld id="{07CE569E-9B7C-4CB9-AB80-C0841F922CFF}" type="slidenum">
-              <a:rPr lang="en-US" smtClean="0"/>
+              <a:rPr lang="de-DE" noProof="0" smtClean="0"/>
               <a:t>7</a:t>
             </a:fld>
-            <a:endParaRPr lang="en-US"/>
+            <a:endParaRPr lang="de-DE" noProof="0" dirty="0"/>
           </a:p>
         </p:txBody>
       </p:sp>
@@ -8384,7 +8719,7 @@
           <p:nvPr>
             <p:extLst>
               <p:ext uri="{D42A27DB-BD31-4B8C-83A1-F6EECF244321}">
-                <p14:modId xmlns:p14="http://schemas.microsoft.com/office/powerpoint/2010/main" val="3530604857"/>
+                <p14:modId xmlns:p14="http://schemas.microsoft.com/office/powerpoint/2010/main" val="3682819627"/>
               </p:ext>
             </p:extLst>
           </p:nvPr>
@@ -8422,18 +8757,9 @@
                     <a:lstStyle/>
                     <a:p>
                       <a:r>
-                        <a:rPr lang="en-US" sz="1400" dirty="0" err="1"/>
-                        <a:t>Dokumentation</a:t>
+                        <a:rPr lang="de-DE" sz="1400" noProof="0" dirty="0"/>
+                        <a:t>Dokumentation + Organisation</a:t>
                       </a:r>
-                      <a:r>
-                        <a:rPr lang="en-US" sz="1400" dirty="0"/>
-                        <a:t> + </a:t>
-                      </a:r>
-                      <a:r>
-                        <a:rPr lang="en-US" sz="1400" dirty="0" err="1"/>
-                        <a:t>Organisation</a:t>
-                      </a:r>
-                      <a:endParaRPr lang="de-DE" sz="1400" dirty="0"/>
                     </a:p>
                   </a:txBody>
                   <a:tcPr/>
@@ -8448,22 +8774,9 @@
                         <a:buChar char="•"/>
                       </a:pPr>
                       <a:r>
-                        <a:rPr lang="en-US" sz="1400" dirty="0" err="1"/>
-                        <a:t>Geprüft</a:t>
+                        <a:rPr lang="de-DE" sz="1400" noProof="0" dirty="0"/>
+                        <a:t>Geprüft und freigegeben.</a:t>
                       </a:r>
-                      <a:r>
-                        <a:rPr lang="en-US" sz="1400" dirty="0"/>
-                        <a:t> und </a:t>
-                      </a:r>
-                      <a:r>
-                        <a:rPr lang="en-US" sz="1400" dirty="0" err="1"/>
-                        <a:t>freigegeben</a:t>
-                      </a:r>
-                      <a:r>
-                        <a:rPr lang="en-US" sz="1400" dirty="0"/>
-                        <a:t>.</a:t>
-                      </a:r>
-                      <a:endParaRPr lang="de-DE" sz="1400" dirty="0"/>
                     </a:p>
                   </a:txBody>
                   <a:tcPr/>
@@ -8498,14 +8811,9 @@
                         <a:defRPr/>
                       </a:pPr>
                       <a:r>
-                        <a:rPr lang="en-US" sz="1400" dirty="0"/>
-                        <a:t>Website “Menu-Karte” </a:t>
+                        <a:rPr lang="de-DE" sz="1400" noProof="0" dirty="0"/>
+                        <a:t>Website “Menu-Karte” erstellen</a:t>
                       </a:r>
-                      <a:r>
-                        <a:rPr lang="en-US" sz="1400" dirty="0" err="1"/>
-                        <a:t>erstellen</a:t>
-                      </a:r>
-                      <a:endParaRPr lang="en-US" sz="1400" dirty="0"/>
                     </a:p>
                   </a:txBody>
                   <a:tcPr/>
@@ -8533,40 +8841,8 @@
                         <a:defRPr/>
                       </a:pPr>
                       <a:r>
-                        <a:rPr lang="en-US" sz="1400" dirty="0"/>
-                        <a:t>Alle </a:t>
-                      </a:r>
-                      <a:r>
-                        <a:rPr lang="en-US" sz="1400" dirty="0" err="1"/>
-                        <a:t>Speisen</a:t>
-                      </a:r>
-                      <a:r>
-                        <a:rPr lang="en-US" sz="1400" dirty="0"/>
-                        <a:t> </a:t>
-                      </a:r>
-                      <a:r>
-                        <a:rPr lang="en-US" sz="1400" dirty="0" err="1"/>
-                        <a:t>sind</a:t>
-                      </a:r>
-                      <a:r>
-                        <a:rPr lang="en-US" sz="1400" dirty="0"/>
-                        <a:t> </a:t>
-                      </a:r>
-                      <a:r>
-                        <a:rPr lang="en-US" sz="1400" dirty="0" err="1"/>
-                        <a:t>sichtbar</a:t>
-                      </a:r>
-                      <a:r>
-                        <a:rPr lang="en-US" sz="1400" dirty="0"/>
-                        <a:t> und </a:t>
-                      </a:r>
-                      <a:r>
-                        <a:rPr lang="en-US" sz="1400" dirty="0" err="1"/>
-                        <a:t>auswählbar</a:t>
-                      </a:r>
-                      <a:r>
-                        <a:rPr lang="en-US" sz="1400" dirty="0"/>
-                        <a:t>.</a:t>
+                        <a:rPr lang="de-DE" sz="1400" noProof="0" dirty="0"/>
+                        <a:t>Alle Speisen sind sichtbar und auswählbar.</a:t>
                       </a:r>
                     </a:p>
                     <a:p>
@@ -8588,32 +8864,24 @@
                         <a:defRPr/>
                       </a:pPr>
                       <a:r>
-                        <a:rPr lang="en-US" sz="1400" dirty="0"/>
+                        <a:rPr lang="de-DE" sz="1400" noProof="0" dirty="0"/>
                         <a:t>Website </a:t>
                       </a:r>
                       <a:r>
-                        <a:rPr lang="en-US" sz="1400" dirty="0" err="1"/>
+                        <a:rPr lang="de-DE" sz="1400" noProof="0" dirty="0" err="1"/>
                         <a:t>läd</a:t>
                       </a:r>
                       <a:r>
-                        <a:rPr lang="en-US" sz="1400" dirty="0"/>
-                        <a:t> </a:t>
+                        <a:rPr lang="de-DE" sz="1400" noProof="0" dirty="0"/>
+                        <a:t> dynamisch auf </a:t>
                       </a:r>
                       <a:r>
-                        <a:rPr lang="en-US" sz="1400" dirty="0" err="1"/>
-                        <a:t>dynamisch</a:t>
+                        <a:rPr lang="de-DE" sz="1400" noProof="0" dirty="0" err="1"/>
+                        <a:t>basis</a:t>
                       </a:r>
                       <a:r>
-                        <a:rPr lang="en-US" sz="1400" dirty="0"/>
-                        <a:t> auf basis der </a:t>
-                      </a:r>
-                      <a:r>
-                        <a:rPr lang="en-US" sz="1400" dirty="0" err="1"/>
-                        <a:t>Speisenanzahl</a:t>
-                      </a:r>
-                      <a:r>
-                        <a:rPr lang="en-US" sz="1400" dirty="0"/>
-                        <a:t>.</a:t>
+                        <a:rPr lang="de-DE" sz="1400" noProof="0" dirty="0"/>
+                        <a:t> der Speisenanzahl.</a:t>
                       </a:r>
                     </a:p>
                   </a:txBody>
@@ -8632,14 +8900,9 @@
                     <a:lstStyle/>
                     <a:p>
                       <a:r>
-                        <a:rPr lang="en-US" sz="1400" dirty="0" err="1"/>
-                        <a:t>Datenbank</a:t>
+                        <a:rPr lang="de-DE" sz="1400" noProof="0" dirty="0"/>
+                        <a:t>Datenbank “Menu-Karte”</a:t>
                       </a:r>
-                      <a:r>
-                        <a:rPr lang="en-US" sz="1400" dirty="0"/>
-                        <a:t> “Menu-Karte”</a:t>
-                      </a:r>
-                      <a:endParaRPr lang="de-DE" sz="1400" dirty="0"/>
                     </a:p>
                   </a:txBody>
                   <a:tcPr/>
@@ -8654,20 +8917,8 @@
                         <a:buChar char="•"/>
                       </a:pPr>
                       <a:r>
-                        <a:rPr lang="en-US" sz="1400" dirty="0" err="1"/>
-                        <a:t>Entspricht</a:t>
-                      </a:r>
-                      <a:r>
-                        <a:rPr lang="en-US" sz="1400" dirty="0"/>
-                        <a:t> der 3. </a:t>
-                      </a:r>
-                      <a:r>
-                        <a:rPr lang="en-US" sz="1400" dirty="0" err="1"/>
-                        <a:t>Normalform</a:t>
-                      </a:r>
-                      <a:r>
-                        <a:rPr lang="en-US" sz="1400" dirty="0"/>
-                        <a:t>.</a:t>
+                        <a:rPr lang="de-DE" sz="1400" noProof="0" dirty="0"/>
+                        <a:t>Entspricht der 3. Normalform.</a:t>
                       </a:r>
                     </a:p>
                     <a:p>
@@ -8676,54 +8927,9 @@
                         <a:buChar char="•"/>
                       </a:pPr>
                       <a:r>
-                        <a:rPr lang="en-US" sz="1400" dirty="0" err="1"/>
-                        <a:t>Beinhaltet</a:t>
+                        <a:rPr lang="de-DE" sz="1400" noProof="0" dirty="0"/>
+                        <a:t>Beinhaltet alle notwendigen Felder + diese sind richtig konfiguriert.</a:t>
                       </a:r>
-                      <a:r>
-                        <a:rPr lang="en-US" sz="1400" dirty="0"/>
-                        <a:t> alle </a:t>
-                      </a:r>
-                      <a:r>
-                        <a:rPr lang="en-US" sz="1400" dirty="0" err="1"/>
-                        <a:t>notwendigen</a:t>
-                      </a:r>
-                      <a:r>
-                        <a:rPr lang="en-US" sz="1400" dirty="0"/>
-                        <a:t> Felder + </a:t>
-                      </a:r>
-                      <a:r>
-                        <a:rPr lang="en-US" sz="1400" dirty="0" err="1"/>
-                        <a:t>diese</a:t>
-                      </a:r>
-                      <a:r>
-                        <a:rPr lang="en-US" sz="1400" dirty="0"/>
-                        <a:t> </a:t>
-                      </a:r>
-                      <a:r>
-                        <a:rPr lang="en-US" sz="1400" dirty="0" err="1"/>
-                        <a:t>sind</a:t>
-                      </a:r>
-                      <a:r>
-                        <a:rPr lang="en-US" sz="1400" dirty="0"/>
-                        <a:t> </a:t>
-                      </a:r>
-                      <a:r>
-                        <a:rPr lang="en-US" sz="1400" dirty="0" err="1"/>
-                        <a:t>richtig</a:t>
-                      </a:r>
-                      <a:r>
-                        <a:rPr lang="en-US" sz="1400" dirty="0"/>
-                        <a:t> </a:t>
-                      </a:r>
-                      <a:r>
-                        <a:rPr lang="en-US" sz="1400" dirty="0" err="1"/>
-                        <a:t>konfiguriert</a:t>
-                      </a:r>
-                      <a:r>
-                        <a:rPr lang="en-US" sz="1400" dirty="0"/>
-                        <a:t>.</a:t>
-                      </a:r>
-                      <a:endParaRPr lang="de-DE" sz="1400" dirty="0"/>
                     </a:p>
                   </a:txBody>
                   <a:tcPr/>
@@ -8741,22 +8947,17 @@
                     <a:lstStyle/>
                     <a:p>
                       <a:r>
-                        <a:rPr lang="en-US" sz="1400" dirty="0" err="1"/>
-                        <a:t>Einführung</a:t>
+                        <a:rPr lang="de-DE" sz="1400" noProof="0" dirty="0"/>
+                        <a:t>Einführung in </a:t>
                       </a:r>
                       <a:r>
-                        <a:rPr lang="en-US" sz="1400" dirty="0"/>
-                        <a:t> in </a:t>
-                      </a:r>
-                      <a:r>
-                        <a:rPr lang="en-US" sz="1400" dirty="0" err="1"/>
+                        <a:rPr lang="de-DE" sz="1400" noProof="0" dirty="0" err="1"/>
                         <a:t>Blazor</a:t>
                       </a:r>
                       <a:r>
-                        <a:rPr lang="en-US" sz="1400" dirty="0"/>
+                        <a:rPr lang="de-DE" sz="1400" noProof="0" dirty="0"/>
                         <a:t> und C# Coding</a:t>
                       </a:r>
-                      <a:endParaRPr lang="de-DE" sz="1400" dirty="0"/>
                     </a:p>
                   </a:txBody>
                   <a:tcPr/>
@@ -8771,38 +8972,9 @@
                         <a:buChar char="•"/>
                       </a:pPr>
                       <a:r>
-                        <a:rPr lang="en-US" sz="1400" dirty="0"/>
-                        <a:t>Alle Team-</a:t>
+                        <a:rPr lang="de-DE" sz="1400" noProof="0" dirty="0"/>
+                        <a:t>Alle Team-Mitglieder können grundlegende VS benutzen</a:t>
                       </a:r>
-                      <a:r>
-                        <a:rPr lang="en-US" sz="1400" dirty="0" err="1"/>
-                        <a:t>Mitglieder</a:t>
-                      </a:r>
-                      <a:r>
-                        <a:rPr lang="en-US" sz="1400" dirty="0"/>
-                        <a:t> </a:t>
-                      </a:r>
-                      <a:r>
-                        <a:rPr lang="en-US" sz="1400" dirty="0" err="1"/>
-                        <a:t>können</a:t>
-                      </a:r>
-                      <a:r>
-                        <a:rPr lang="en-US" sz="1400" dirty="0"/>
-                        <a:t> </a:t>
-                      </a:r>
-                      <a:r>
-                        <a:rPr lang="en-US" sz="1400" dirty="0" err="1"/>
-                        <a:t>grundlegende</a:t>
-                      </a:r>
-                      <a:r>
-                        <a:rPr lang="en-US" sz="1400" dirty="0"/>
-                        <a:t> VS </a:t>
-                      </a:r>
-                      <a:r>
-                        <a:rPr lang="en-US" sz="1400" dirty="0" err="1"/>
-                        <a:t>benutzen</a:t>
-                      </a:r>
-                      <a:endParaRPr lang="en-US" sz="1400" dirty="0"/>
                     </a:p>
                     <a:p>
                       <a:pPr marL="285750" indent="-285750">
@@ -8810,54 +8982,17 @@
                         <a:buChar char="•"/>
                       </a:pPr>
                       <a:r>
-                        <a:rPr lang="en-US" sz="1400" dirty="0"/>
-                        <a:t>Alle Team-</a:t>
+                        <a:rPr lang="de-DE" sz="1400" noProof="0" dirty="0"/>
+                        <a:t>Alle Team-Mitglieder sind in der Lage mit </a:t>
                       </a:r>
                       <a:r>
-                        <a:rPr lang="en-US" sz="1400" dirty="0" err="1"/>
-                        <a:t>Mitglieder</a:t>
-                      </a:r>
-                      <a:r>
-                        <a:rPr lang="en-US" sz="1400" dirty="0"/>
-                        <a:t> </a:t>
-                      </a:r>
-                      <a:r>
-                        <a:rPr lang="en-US" sz="1400" dirty="0" err="1"/>
-                        <a:t>sind</a:t>
-                      </a:r>
-                      <a:r>
-                        <a:rPr lang="en-US" sz="1400" dirty="0"/>
-                        <a:t> in der Lage </a:t>
-                      </a:r>
-                      <a:r>
-                        <a:rPr lang="en-US" sz="1400" dirty="0" err="1"/>
-                        <a:t>mit</a:t>
-                      </a:r>
-                      <a:r>
-                        <a:rPr lang="en-US" sz="1400" dirty="0"/>
-                        <a:t> </a:t>
-                      </a:r>
-                      <a:r>
-                        <a:rPr lang="en-US" sz="1400" dirty="0" err="1"/>
+                        <a:rPr lang="de-DE" sz="1400" noProof="0" dirty="0" err="1"/>
                         <a:t>Bazor</a:t>
                       </a:r>
                       <a:r>
-                        <a:rPr lang="en-US" sz="1400" dirty="0"/>
-                        <a:t> die Website </a:t>
+                        <a:rPr lang="de-DE" sz="1400" noProof="0" dirty="0"/>
+                        <a:t> die Website zu entwickeln</a:t>
                       </a:r>
-                      <a:r>
-                        <a:rPr lang="en-US" sz="1400" dirty="0" err="1"/>
-                        <a:t>zu</a:t>
-                      </a:r>
-                      <a:r>
-                        <a:rPr lang="en-US" sz="1400" dirty="0"/>
-                        <a:t> </a:t>
-                      </a:r>
-                      <a:r>
-                        <a:rPr lang="en-US" sz="1400" dirty="0" err="1"/>
-                        <a:t>entwickeln</a:t>
-                      </a:r>
-                      <a:endParaRPr lang="de-DE" sz="1400" dirty="0"/>
                     </a:p>
                   </a:txBody>
                   <a:tcPr/>
@@ -8875,18 +9010,9 @@
                     <a:lstStyle/>
                     <a:p>
                       <a:r>
-                        <a:rPr lang="en-US" sz="1400" dirty="0"/>
-                        <a:t>Website “</a:t>
+                        <a:rPr lang="de-DE" sz="1400" noProof="0" dirty="0"/>
+                        <a:t>Website “Warenkorb”</a:t>
                       </a:r>
-                      <a:r>
-                        <a:rPr lang="en-US" sz="1400" dirty="0" err="1"/>
-                        <a:t>Warenkorb</a:t>
-                      </a:r>
-                      <a:r>
-                        <a:rPr lang="en-US" sz="1400" dirty="0"/>
-                        <a:t>”</a:t>
-                      </a:r>
-                      <a:endParaRPr lang="de-DE" sz="1400" dirty="0"/>
                     </a:p>
                   </a:txBody>
                   <a:tcPr/>
@@ -8901,40 +9027,8 @@
                         <a:buChar char="•"/>
                       </a:pPr>
                       <a:r>
-                        <a:rPr lang="en-US" sz="1400" dirty="0"/>
-                        <a:t>Alle </a:t>
-                      </a:r>
-                      <a:r>
-                        <a:rPr lang="en-US" sz="1400" dirty="0" err="1"/>
-                        <a:t>selektierten</a:t>
-                      </a:r>
-                      <a:r>
-                        <a:rPr lang="en-US" sz="1400" dirty="0"/>
-                        <a:t> </a:t>
-                      </a:r>
-                      <a:r>
-                        <a:rPr lang="en-US" sz="1400" dirty="0" err="1"/>
-                        <a:t>Speisen</a:t>
-                      </a:r>
-                      <a:r>
-                        <a:rPr lang="en-US" sz="1400" dirty="0"/>
-                        <a:t> </a:t>
-                      </a:r>
-                      <a:r>
-                        <a:rPr lang="en-US" sz="1400" dirty="0" err="1"/>
-                        <a:t>werden</a:t>
-                      </a:r>
-                      <a:r>
-                        <a:rPr lang="en-US" sz="1400" dirty="0"/>
-                        <a:t> </a:t>
-                      </a:r>
-                      <a:r>
-                        <a:rPr lang="en-US" sz="1400" dirty="0" err="1"/>
-                        <a:t>angezeigt</a:t>
-                      </a:r>
-                      <a:r>
-                        <a:rPr lang="en-US" sz="1400" dirty="0"/>
-                        <a:t>.</a:t>
+                        <a:rPr lang="de-DE" sz="1400" noProof="0" dirty="0"/>
+                        <a:t>Alle selektierten Speisen werden angezeigt.</a:t>
                       </a:r>
                     </a:p>
                     <a:p>
@@ -8943,36 +9037,8 @@
                         <a:buChar char="•"/>
                       </a:pPr>
                       <a:r>
-                        <a:rPr lang="en-US" sz="1400" dirty="0" err="1"/>
-                        <a:t>Anzahl</a:t>
-                      </a:r>
-                      <a:r>
-                        <a:rPr lang="en-US" sz="1400" dirty="0"/>
-                        <a:t> </a:t>
-                      </a:r>
-                      <a:r>
-                        <a:rPr lang="en-US" sz="1400" dirty="0" err="1"/>
-                        <a:t>kann</a:t>
-                      </a:r>
-                      <a:r>
-                        <a:rPr lang="en-US" sz="1400" dirty="0"/>
-                        <a:t> </a:t>
-                      </a:r>
-                      <a:r>
-                        <a:rPr lang="en-US" sz="1400" dirty="0" err="1"/>
-                        <a:t>verändert</a:t>
-                      </a:r>
-                      <a:r>
-                        <a:rPr lang="en-US" sz="1400" dirty="0"/>
-                        <a:t> </a:t>
-                      </a:r>
-                      <a:r>
-                        <a:rPr lang="en-US" sz="1400" dirty="0" err="1"/>
-                        <a:t>werden</a:t>
-                      </a:r>
-                      <a:r>
-                        <a:rPr lang="en-US" sz="1400" dirty="0"/>
-                        <a:t>.</a:t>
+                        <a:rPr lang="de-DE" sz="1400" noProof="0" dirty="0"/>
+                        <a:t>Anzahl kann verändert werden.</a:t>
                       </a:r>
                     </a:p>
                     <a:p>
@@ -8981,46 +9047,9 @@
                         <a:buChar char="•"/>
                       </a:pPr>
                       <a:r>
-                        <a:rPr lang="en-US" sz="1400" dirty="0" err="1"/>
-                        <a:t>Speisen</a:t>
+                        <a:rPr lang="de-DE" sz="1400" noProof="0" dirty="0"/>
+                        <a:t>Speisen können wieder entfernt werden.</a:t>
                       </a:r>
-                      <a:r>
-                        <a:rPr lang="en-US" sz="1400" dirty="0"/>
-                        <a:t> </a:t>
-                      </a:r>
-                      <a:r>
-                        <a:rPr lang="en-US" sz="1400" dirty="0" err="1"/>
-                        <a:t>können</a:t>
-                      </a:r>
-                      <a:r>
-                        <a:rPr lang="en-US" sz="1400" dirty="0"/>
-                        <a:t> </a:t>
-                      </a:r>
-                      <a:r>
-                        <a:rPr lang="en-US" sz="1400" dirty="0" err="1"/>
-                        <a:t>wieder</a:t>
-                      </a:r>
-                      <a:r>
-                        <a:rPr lang="en-US" sz="1400" dirty="0"/>
-                        <a:t> </a:t>
-                      </a:r>
-                      <a:r>
-                        <a:rPr lang="en-US" sz="1400" dirty="0" err="1"/>
-                        <a:t>entfernt</a:t>
-                      </a:r>
-                      <a:r>
-                        <a:rPr lang="en-US" sz="1400" dirty="0"/>
-                        <a:t> </a:t>
-                      </a:r>
-                      <a:r>
-                        <a:rPr lang="en-US" sz="1400" dirty="0" err="1"/>
-                        <a:t>werden</a:t>
-                      </a:r>
-                      <a:r>
-                        <a:rPr lang="en-US" sz="1400" dirty="0"/>
-                        <a:t>.</a:t>
-                      </a:r>
-                      <a:endParaRPr lang="de-DE" sz="1400" dirty="0"/>
                     </a:p>
                   </a:txBody>
                   <a:tcPr/>
@@ -9038,22 +9067,9 @@
                     <a:lstStyle/>
                     <a:p>
                       <a:r>
-                        <a:rPr lang="en-US" sz="1400" dirty="0" err="1"/>
-                        <a:t>Datenbank</a:t>
+                        <a:rPr lang="de-DE" sz="1400" noProof="0" dirty="0"/>
+                        <a:t>Datenbank “Warenkorb”</a:t>
                       </a:r>
-                      <a:r>
-                        <a:rPr lang="en-US" sz="1400" dirty="0"/>
-                        <a:t> “</a:t>
-                      </a:r>
-                      <a:r>
-                        <a:rPr lang="en-US" sz="1400" dirty="0" err="1"/>
-                        <a:t>Warenkorb</a:t>
-                      </a:r>
-                      <a:r>
-                        <a:rPr lang="en-US" sz="1400" dirty="0"/>
-                        <a:t>”</a:t>
-                      </a:r>
-                      <a:endParaRPr lang="de-DE" sz="1400" dirty="0"/>
                     </a:p>
                   </a:txBody>
                   <a:tcPr/>
@@ -9068,20 +9084,8 @@
                         <a:buChar char="•"/>
                       </a:pPr>
                       <a:r>
-                        <a:rPr lang="en-US" sz="1400" dirty="0" err="1"/>
-                        <a:t>Entspricht</a:t>
-                      </a:r>
-                      <a:r>
-                        <a:rPr lang="en-US" sz="1400" dirty="0"/>
-                        <a:t> der 3. </a:t>
-                      </a:r>
-                      <a:r>
-                        <a:rPr lang="en-US" sz="1400" dirty="0" err="1"/>
-                        <a:t>Normalform</a:t>
-                      </a:r>
-                      <a:r>
-                        <a:rPr lang="en-US" sz="1400" dirty="0"/>
-                        <a:t>.</a:t>
+                        <a:rPr lang="de-DE" sz="1400" noProof="0" dirty="0"/>
+                        <a:t>Entspricht der 3. Normalform.</a:t>
                       </a:r>
                     </a:p>
                     <a:p>
@@ -9090,54 +9094,9 @@
                         <a:buChar char="•"/>
                       </a:pPr>
                       <a:r>
-                        <a:rPr lang="en-US" sz="1400" dirty="0" err="1"/>
-                        <a:t>Beinhaltet</a:t>
+                        <a:rPr lang="de-DE" sz="1400" noProof="0" dirty="0"/>
+                        <a:t>Beinhaltet alle notwendigen Felder + diese sind richtig konfiguriert.</a:t>
                       </a:r>
-                      <a:r>
-                        <a:rPr lang="en-US" sz="1400" dirty="0"/>
-                        <a:t> alle </a:t>
-                      </a:r>
-                      <a:r>
-                        <a:rPr lang="en-US" sz="1400" dirty="0" err="1"/>
-                        <a:t>notwendigen</a:t>
-                      </a:r>
-                      <a:r>
-                        <a:rPr lang="en-US" sz="1400" dirty="0"/>
-                        <a:t> Felder + </a:t>
-                      </a:r>
-                      <a:r>
-                        <a:rPr lang="en-US" sz="1400" dirty="0" err="1"/>
-                        <a:t>diese</a:t>
-                      </a:r>
-                      <a:r>
-                        <a:rPr lang="en-US" sz="1400" dirty="0"/>
-                        <a:t> </a:t>
-                      </a:r>
-                      <a:r>
-                        <a:rPr lang="en-US" sz="1400" dirty="0" err="1"/>
-                        <a:t>sind</a:t>
-                      </a:r>
-                      <a:r>
-                        <a:rPr lang="en-US" sz="1400" dirty="0"/>
-                        <a:t> </a:t>
-                      </a:r>
-                      <a:r>
-                        <a:rPr lang="en-US" sz="1400" dirty="0" err="1"/>
-                        <a:t>richtig</a:t>
-                      </a:r>
-                      <a:r>
-                        <a:rPr lang="en-US" sz="1400" dirty="0"/>
-                        <a:t> </a:t>
-                      </a:r>
-                      <a:r>
-                        <a:rPr lang="en-US" sz="1400" dirty="0" err="1"/>
-                        <a:t>konfiguriert</a:t>
-                      </a:r>
-                      <a:r>
-                        <a:rPr lang="en-US" sz="1400" dirty="0"/>
-                        <a:t>.</a:t>
-                      </a:r>
-                      <a:endParaRPr lang="de-DE" sz="1400" dirty="0"/>
                     </a:p>
                   </a:txBody>
                   <a:tcPr/>
@@ -9181,10 +9140,9 @@
           <a:lstStyle/>
           <a:p>
             <a:r>
-              <a:rPr lang="en-US" b="1" dirty="0" err="1"/>
+              <a:rPr lang="de-DE" b="1" noProof="0" dirty="0"/>
               <a:t>Abnahmekriterien</a:t>
             </a:r>
-            <a:endParaRPr lang="de-DE" b="1" dirty="0"/>
           </a:p>
         </p:txBody>
       </p:sp>
@@ -9246,7 +9204,7 @@
           <a:lstStyle/>
           <a:p>
             <a:r>
-              <a:rPr lang="de-DE" dirty="0"/>
+              <a:rPr lang="de-DE" noProof="0" dirty="0"/>
               <a:t>4. Detailplanung</a:t>
             </a:r>
           </a:p>
@@ -9274,10 +9232,10 @@
           <a:lstStyle/>
           <a:p>
             <a:fld id="{42B45B56-1D88-4042-8DF0-EB6B41B710D3}" type="datetime1">
-              <a:rPr lang="de-DE" smtClean="0"/>
-              <a:t>05.12.2024</a:t>
+              <a:rPr lang="de-DE" noProof="0" smtClean="0"/>
+              <a:t>10.12.2024</a:t>
             </a:fld>
-            <a:endParaRPr lang="en-US"/>
+            <a:endParaRPr lang="de-DE" noProof="0" dirty="0"/>
           </a:p>
         </p:txBody>
       </p:sp>
@@ -9303,10 +9261,10 @@
           <a:lstStyle/>
           <a:p>
             <a:fld id="{07CE569E-9B7C-4CB9-AB80-C0841F922CFF}" type="slidenum">
-              <a:rPr lang="en-US" smtClean="0"/>
+              <a:rPr lang="de-DE" noProof="0" smtClean="0"/>
               <a:t>8</a:t>
             </a:fld>
-            <a:endParaRPr lang="en-US"/>
+            <a:endParaRPr lang="de-DE" noProof="0" dirty="0"/>
           </a:p>
         </p:txBody>
       </p:sp>
@@ -9339,22 +9297,9 @@
           <a:lstStyle/>
           <a:p>
             <a:r>
-              <a:rPr lang="en-US" b="1" dirty="0" err="1"/>
-              <a:t>Risiken</a:t>
-            </a:r>
-            <a:r>
-              <a:rPr lang="en-US" b="1" dirty="0"/>
-              <a:t> und </a:t>
-            </a:r>
-            <a:r>
-              <a:rPr lang="en-US" b="1" dirty="0" err="1"/>
-              <a:t>Abhängigkeiten</a:t>
-            </a:r>
-            <a:r>
-              <a:rPr lang="en-US" b="1" dirty="0"/>
-              <a:t>:</a:t>
-            </a:r>
-            <a:endParaRPr lang="de-DE" b="1" dirty="0"/>
+              <a:rPr lang="de-DE" b="1" noProof="0" dirty="0"/>
+              <a:t>Risiken und Abhängigkeiten:</a:t>
+            </a:r>
           </a:p>
         </p:txBody>
       </p:sp>
@@ -9373,7 +9318,7 @@
           <p:nvPr>
             <p:extLst>
               <p:ext uri="{D42A27DB-BD31-4B8C-83A1-F6EECF244321}">
-                <p14:modId xmlns:p14="http://schemas.microsoft.com/office/powerpoint/2010/main" val="2148125067"/>
+                <p14:modId xmlns:p14="http://schemas.microsoft.com/office/powerpoint/2010/main" val="2018734797"/>
               </p:ext>
             </p:extLst>
           </p:nvPr>
@@ -9418,10 +9363,9 @@
                     <a:lstStyle/>
                     <a:p>
                       <a:r>
-                        <a:rPr lang="en-US" dirty="0" err="1"/>
+                        <a:rPr lang="de-DE" noProof="0" dirty="0"/>
                         <a:t>Risiko</a:t>
                       </a:r>
-                      <a:endParaRPr lang="de-DE" dirty="0"/>
                     </a:p>
                   </a:txBody>
                   <a:tcPr/>
@@ -9432,10 +9376,9 @@
                     <a:lstStyle/>
                     <a:p>
                       <a:r>
-                        <a:rPr lang="en-US" dirty="0" err="1"/>
+                        <a:rPr lang="de-DE" noProof="0" dirty="0"/>
                         <a:t>Auswirkung</a:t>
                       </a:r>
-                      <a:endParaRPr lang="de-DE" dirty="0"/>
                     </a:p>
                   </a:txBody>
                   <a:tcPr/>
@@ -9446,10 +9389,9 @@
                     <a:lstStyle/>
                     <a:p>
                       <a:r>
-                        <a:rPr lang="en-US" dirty="0" err="1"/>
+                        <a:rPr lang="de-DE" noProof="0" dirty="0"/>
                         <a:t>Lösung</a:t>
                       </a:r>
-                      <a:endParaRPr lang="de-DE" dirty="0"/>
                     </a:p>
                   </a:txBody>
                   <a:tcPr/>
@@ -9467,74 +9409,35 @@
                     <a:lstStyle/>
                     <a:p>
                       <a:r>
-                        <a:rPr lang="en-US" dirty="0" err="1"/>
-                        <a:t>Unerfahrenheit</a:t>
+                        <a:rPr lang="de-DE" noProof="0" dirty="0"/>
+                        <a:t>Unerfahrenheit mit Tools</a:t>
                       </a:r>
+                    </a:p>
+                  </a:txBody>
+                  <a:tcPr/>
+                </a:tc>
+                <a:tc>
+                  <a:txBody>
+                    <a:bodyPr/>
+                    <a:lstStyle/>
+                    <a:p>
                       <a:r>
-                        <a:rPr lang="en-US" dirty="0"/>
-                        <a:t> </a:t>
+                        <a:rPr lang="de-DE" noProof="0" dirty="0"/>
+                        <a:t>Erhöhter Schulungsaufwand</a:t>
                       </a:r>
+                    </a:p>
+                  </a:txBody>
+                  <a:tcPr/>
+                </a:tc>
+                <a:tc>
+                  <a:txBody>
+                    <a:bodyPr/>
+                    <a:lstStyle/>
+                    <a:p>
                       <a:r>
-                        <a:rPr lang="en-US" dirty="0" err="1"/>
-                        <a:t>mit</a:t>
+                        <a:rPr lang="de-DE" noProof="0" dirty="0"/>
+                        <a:t>Schulung frühzeitig ansetzen</a:t>
                       </a:r>
-                      <a:r>
-                        <a:rPr lang="en-US" dirty="0"/>
-                        <a:t> Tools</a:t>
-                      </a:r>
-                      <a:endParaRPr lang="de-DE" dirty="0"/>
-                    </a:p>
-                  </a:txBody>
-                  <a:tcPr/>
-                </a:tc>
-                <a:tc>
-                  <a:txBody>
-                    <a:bodyPr/>
-                    <a:lstStyle/>
-                    <a:p>
-                      <a:r>
-                        <a:rPr lang="en-US" dirty="0" err="1"/>
-                        <a:t>Erhöhter</a:t>
-                      </a:r>
-                      <a:r>
-                        <a:rPr lang="en-US" dirty="0"/>
-                        <a:t> </a:t>
-                      </a:r>
-                      <a:r>
-                        <a:rPr lang="en-US" dirty="0" err="1"/>
-                        <a:t>Schulungsaufwand</a:t>
-                      </a:r>
-                      <a:endParaRPr lang="de-DE" dirty="0"/>
-                    </a:p>
-                  </a:txBody>
-                  <a:tcPr/>
-                </a:tc>
-                <a:tc>
-                  <a:txBody>
-                    <a:bodyPr/>
-                    <a:lstStyle/>
-                    <a:p>
-                      <a:r>
-                        <a:rPr lang="en-US" dirty="0" err="1"/>
-                        <a:t>Schulung</a:t>
-                      </a:r>
-                      <a:r>
-                        <a:rPr lang="en-US" dirty="0"/>
-                        <a:t> </a:t>
-                      </a:r>
-                      <a:r>
-                        <a:rPr lang="en-US" dirty="0" err="1"/>
-                        <a:t>frühzeitig</a:t>
-                      </a:r>
-                      <a:r>
-                        <a:rPr lang="en-US" dirty="0"/>
-                        <a:t> </a:t>
-                      </a:r>
-                      <a:r>
-                        <a:rPr lang="en-US" dirty="0" err="1"/>
-                        <a:t>ansetzen</a:t>
-                      </a:r>
-                      <a:endParaRPr lang="de-DE" dirty="0"/>
                     </a:p>
                   </a:txBody>
                   <a:tcPr/>
@@ -9552,84 +9455,22 @@
                     <a:lstStyle/>
                     <a:p>
                       <a:r>
-                        <a:rPr lang="en-US" dirty="0" err="1"/>
-                        <a:t>Verbindung</a:t>
+                        <a:rPr lang="de-DE" noProof="0" dirty="0"/>
+                        <a:t>Verbindung der DB zu Frontend komplexer als erwartet</a:t>
                       </a:r>
+                    </a:p>
+                  </a:txBody>
+                  <a:tcPr/>
+                </a:tc>
+                <a:tc>
+                  <a:txBody>
+                    <a:bodyPr/>
+                    <a:lstStyle/>
+                    <a:p>
                       <a:r>
-                        <a:rPr lang="en-US" dirty="0"/>
-                        <a:t> der DB </a:t>
+                        <a:rPr lang="de-DE" noProof="0" dirty="0"/>
+                        <a:t>Backend kann erst später angebunden werden</a:t>
                       </a:r>
-                      <a:r>
-                        <a:rPr lang="en-US" dirty="0" err="1"/>
-                        <a:t>zu</a:t>
-                      </a:r>
-                      <a:r>
-                        <a:rPr lang="en-US" dirty="0"/>
-                        <a:t> Frontend </a:t>
-                      </a:r>
-                      <a:r>
-                        <a:rPr lang="en-US" dirty="0" err="1"/>
-                        <a:t>komplexer</a:t>
-                      </a:r>
-                      <a:r>
-                        <a:rPr lang="en-US" dirty="0"/>
-                        <a:t> </a:t>
-                      </a:r>
-                      <a:r>
-                        <a:rPr lang="en-US" dirty="0" err="1"/>
-                        <a:t>als</a:t>
-                      </a:r>
-                      <a:r>
-                        <a:rPr lang="en-US" dirty="0"/>
-                        <a:t> </a:t>
-                      </a:r>
-                      <a:r>
-                        <a:rPr lang="en-US" dirty="0" err="1"/>
-                        <a:t>erwartet</a:t>
-                      </a:r>
-                      <a:endParaRPr lang="de-DE" dirty="0"/>
-                    </a:p>
-                  </a:txBody>
-                  <a:tcPr/>
-                </a:tc>
-                <a:tc>
-                  <a:txBody>
-                    <a:bodyPr/>
-                    <a:lstStyle/>
-                    <a:p>
-                      <a:r>
-                        <a:rPr lang="en-US" dirty="0"/>
-                        <a:t>Backend </a:t>
-                      </a:r>
-                      <a:r>
-                        <a:rPr lang="en-US" dirty="0" err="1"/>
-                        <a:t>kann</a:t>
-                      </a:r>
-                      <a:r>
-                        <a:rPr lang="en-US" dirty="0"/>
-                        <a:t> erst </a:t>
-                      </a:r>
-                      <a:r>
-                        <a:rPr lang="en-US" dirty="0" err="1"/>
-                        <a:t>später</a:t>
-                      </a:r>
-                      <a:r>
-                        <a:rPr lang="en-US" dirty="0"/>
-                        <a:t> </a:t>
-                      </a:r>
-                      <a:r>
-                        <a:rPr lang="en-US" dirty="0" err="1"/>
-                        <a:t>angebunden</a:t>
-                      </a:r>
-                      <a:r>
-                        <a:rPr lang="en-US" dirty="0"/>
-                        <a:t> </a:t>
-                      </a:r>
-                      <a:r>
-                        <a:rPr lang="en-US" dirty="0" err="1"/>
-                        <a:t>werden</a:t>
-                      </a:r>
-                      <a:endParaRPr lang="de-DE" dirty="0"/>
                     </a:p>
                   </a:txBody>
                   <a:tcPr/>
@@ -9644,18 +9485,9 @@
                         <a:buChar char="•"/>
                       </a:pPr>
                       <a:r>
-                        <a:rPr lang="en-US" dirty="0" err="1"/>
-                        <a:t>Prototypen</a:t>
+                        <a:rPr lang="de-DE" noProof="0" dirty="0"/>
+                        <a:t>Prototypen notwendig</a:t>
                       </a:r>
-                      <a:r>
-                        <a:rPr lang="en-US" dirty="0"/>
-                        <a:t> </a:t>
-                      </a:r>
-                      <a:r>
-                        <a:rPr lang="en-US" dirty="0" err="1"/>
-                        <a:t>notwendig</a:t>
-                      </a:r>
-                      <a:endParaRPr lang="en-US" dirty="0"/>
                     </a:p>
                     <a:p>
                       <a:pPr marL="285750" indent="-285750">
@@ -9663,22 +9495,17 @@
                         <a:buChar char="•"/>
                       </a:pPr>
                       <a:r>
-                        <a:rPr lang="en-US" dirty="0"/>
-                        <a:t>Mit Demo-</a:t>
+                        <a:rPr lang="de-DE" noProof="0" dirty="0"/>
+                        <a:t>Mit Demo-Daten (</a:t>
                       </a:r>
                       <a:r>
-                        <a:rPr lang="en-US" dirty="0" err="1"/>
-                        <a:t>Daten</a:t>
+                        <a:rPr lang="de-DE" noProof="0" dirty="0" err="1"/>
+                        <a:t>xml</a:t>
                       </a:r>
                       <a:r>
-                        <a:rPr lang="en-US" dirty="0"/>
-                        <a:t> (xml) </a:t>
+                        <a:rPr lang="de-DE" noProof="0" dirty="0"/>
+                        <a:t>) arbeiten</a:t>
                       </a:r>
-                      <a:r>
-                        <a:rPr lang="en-US" dirty="0" err="1"/>
-                        <a:t>arbeiten</a:t>
-                      </a:r>
-                      <a:endParaRPr lang="en-US" dirty="0"/>
                     </a:p>
                   </a:txBody>
                   <a:tcPr/>
@@ -9696,32 +9523,22 @@
                     <a:lstStyle/>
                     <a:p>
                       <a:r>
-                        <a:rPr lang="en-US" dirty="0" err="1"/>
-                        <a:t>Fehlendes</a:t>
+                        <a:rPr lang="de-DE" noProof="0" dirty="0"/>
+                        <a:t>Fehlendes Nutzerfeedback</a:t>
                       </a:r>
+                    </a:p>
+                  </a:txBody>
+                  <a:tcPr/>
+                </a:tc>
+                <a:tc>
+                  <a:txBody>
+                    <a:bodyPr/>
+                    <a:lstStyle/>
+                    <a:p>
                       <a:r>
-                        <a:rPr lang="en-US" dirty="0"/>
-                        <a:t> </a:t>
-                      </a:r>
-                      <a:r>
-                        <a:rPr lang="en-US" dirty="0" err="1"/>
-                        <a:t>Nutzerfeedback</a:t>
-                      </a:r>
-                      <a:endParaRPr lang="de-DE" dirty="0"/>
-                    </a:p>
-                  </a:txBody>
-                  <a:tcPr/>
-                </a:tc>
-                <a:tc>
-                  <a:txBody>
-                    <a:bodyPr/>
-                    <a:lstStyle/>
-                    <a:p>
-                      <a:r>
-                        <a:rPr lang="en-US" dirty="0" err="1"/>
+                        <a:rPr lang="de-DE" noProof="0" dirty="0"/>
                         <a:t>Scheuklappen-Effekt</a:t>
                       </a:r>
-                      <a:endParaRPr lang="de-DE" dirty="0"/>
                     </a:p>
                   </a:txBody>
                   <a:tcPr/>
@@ -9732,14 +9549,9 @@
                     <a:lstStyle/>
                     <a:p>
                       <a:r>
-                        <a:rPr lang="en-US" dirty="0"/>
-                        <a:t>Externes Feedback </a:t>
+                        <a:rPr lang="de-DE" noProof="0" dirty="0"/>
+                        <a:t>Externes Feedback holen</a:t>
                       </a:r>
-                      <a:r>
-                        <a:rPr lang="en-US" dirty="0" err="1"/>
-                        <a:t>holen</a:t>
-                      </a:r>
-                      <a:endParaRPr lang="de-DE" dirty="0"/>
                     </a:p>
                   </a:txBody>
                   <a:tcPr/>
@@ -9757,78 +9569,35 @@
                     <a:lstStyle/>
                     <a:p>
                       <a:r>
-                        <a:rPr lang="en-US" dirty="0" err="1"/>
-                        <a:t>Änderungen</a:t>
+                        <a:rPr lang="de-DE" noProof="0" dirty="0"/>
+                        <a:t>Änderungen an Anforderungen</a:t>
                       </a:r>
+                    </a:p>
+                  </a:txBody>
+                  <a:tcPr/>
+                </a:tc>
+                <a:tc>
+                  <a:txBody>
+                    <a:bodyPr/>
+                    <a:lstStyle/>
+                    <a:p>
                       <a:r>
-                        <a:rPr lang="en-US" dirty="0"/>
-                        <a:t> an </a:t>
+                        <a:rPr lang="de-DE" noProof="0" dirty="0"/>
+                        <a:t>Anpassung des Projektablaufs</a:t>
                       </a:r>
+                    </a:p>
+                  </a:txBody>
+                  <a:tcPr/>
+                </a:tc>
+                <a:tc>
+                  <a:txBody>
+                    <a:bodyPr/>
+                    <a:lstStyle/>
+                    <a:p>
                       <a:r>
-                        <a:rPr lang="en-US" dirty="0" err="1"/>
-                        <a:t>Anforderungen</a:t>
+                        <a:rPr lang="de-DE" noProof="0" dirty="0"/>
+                        <a:t>Regelmäßige Absprache mit Stakeholdern</a:t>
                       </a:r>
-                      <a:endParaRPr lang="de-DE" dirty="0"/>
-                    </a:p>
-                  </a:txBody>
-                  <a:tcPr/>
-                </a:tc>
-                <a:tc>
-                  <a:txBody>
-                    <a:bodyPr/>
-                    <a:lstStyle/>
-                    <a:p>
-                      <a:r>
-                        <a:rPr lang="en-US" dirty="0" err="1"/>
-                        <a:t>Anpassung</a:t>
-                      </a:r>
-                      <a:r>
-                        <a:rPr lang="en-US" dirty="0"/>
-                        <a:t> des </a:t>
-                      </a:r>
-                      <a:r>
-                        <a:rPr lang="en-US" dirty="0" err="1"/>
-                        <a:t>Projektablaufs</a:t>
-                      </a:r>
-                      <a:endParaRPr lang="de-DE" dirty="0"/>
-                    </a:p>
-                  </a:txBody>
-                  <a:tcPr/>
-                </a:tc>
-                <a:tc>
-                  <a:txBody>
-                    <a:bodyPr/>
-                    <a:lstStyle/>
-                    <a:p>
-                      <a:r>
-                        <a:rPr lang="en-US" dirty="0" err="1"/>
-                        <a:t>Regelmäßige</a:t>
-                      </a:r>
-                      <a:r>
-                        <a:rPr lang="en-US" dirty="0"/>
-                        <a:t> </a:t>
-                      </a:r>
-                      <a:r>
-                        <a:rPr lang="en-US" dirty="0" err="1"/>
-                        <a:t>Absprache</a:t>
-                      </a:r>
-                      <a:r>
-                        <a:rPr lang="en-US" dirty="0"/>
-                        <a:t> </a:t>
-                      </a:r>
-                      <a:r>
-                        <a:rPr lang="en-US" dirty="0" err="1"/>
-                        <a:t>mit</a:t>
-                      </a:r>
-                      <a:r>
-                        <a:rPr lang="en-US" dirty="0"/>
-                        <a:t> </a:t>
-                      </a:r>
-                      <a:r>
-                        <a:rPr lang="en-US" dirty="0" err="1"/>
-                        <a:t>Stakeholdern</a:t>
-                      </a:r>
-                      <a:endParaRPr lang="de-DE" dirty="0"/>
                     </a:p>
                   </a:txBody>
                   <a:tcPr/>
@@ -9888,7 +9657,7 @@
           <a:lstStyle/>
           <a:p>
             <a:pPr algn="ctr"/>
-            <a:endParaRPr lang="de-DE"/>
+            <a:endParaRPr lang="de-DE" noProof="0" dirty="0"/>
           </a:p>
         </p:txBody>
       </p:sp>
@@ -10022,7 +9791,7 @@
           <a:lstStyle/>
           <a:p>
             <a:r>
-              <a:rPr lang="de-DE" dirty="0"/>
+              <a:rPr lang="de-DE" noProof="0" dirty="0"/>
               <a:t>5. Ausblick auf den folgenden Sprint</a:t>
             </a:r>
           </a:p>
@@ -10050,138 +9819,40 @@
           <a:lstStyle/>
           <a:p>
             <a:r>
-              <a:rPr lang="en-US" sz="2800" dirty="0" err="1"/>
-              <a:t>Warenkorb</a:t>
-            </a:r>
-            <a:r>
-              <a:rPr lang="en-US" sz="2800" dirty="0"/>
-              <a:t> </a:t>
-            </a:r>
-            <a:r>
-              <a:rPr lang="en-US" sz="2800" dirty="0" err="1"/>
-              <a:t>Erstellung</a:t>
-            </a:r>
-            <a:r>
-              <a:rPr lang="en-US" sz="2800" dirty="0"/>
-              <a:t> </a:t>
-            </a:r>
-            <a:r>
-              <a:rPr lang="en-US" sz="2800" dirty="0" err="1"/>
-              <a:t>abschlie</a:t>
-            </a:r>
-            <a:r>
-              <a:rPr lang="de-DE" sz="2800" dirty="0"/>
-              <a:t>ß</a:t>
-            </a:r>
-            <a:r>
-              <a:rPr lang="en-US" sz="2800" dirty="0" err="1"/>
-              <a:t>en</a:t>
-            </a:r>
-            <a:endParaRPr lang="en-US" sz="2800" dirty="0"/>
-          </a:p>
-          <a:p>
-            <a:r>
-              <a:rPr lang="en-US" dirty="0" err="1"/>
-              <a:t>Logik</a:t>
-            </a:r>
-            <a:r>
-              <a:rPr lang="en-US" dirty="0"/>
-              <a:t> “</a:t>
-            </a:r>
-            <a:r>
-              <a:rPr lang="en-US" dirty="0" err="1"/>
-              <a:t>Anpassen</a:t>
-            </a:r>
-            <a:r>
-              <a:rPr lang="en-US" dirty="0"/>
-              <a:t> von </a:t>
-            </a:r>
-            <a:r>
-              <a:rPr lang="en-US" dirty="0" err="1"/>
-              <a:t>Speisen</a:t>
-            </a:r>
-            <a:r>
-              <a:rPr lang="en-US" dirty="0"/>
-              <a:t> </a:t>
-            </a:r>
-            <a:r>
-              <a:rPr lang="en-US" dirty="0" err="1"/>
-              <a:t>im</a:t>
-            </a:r>
-            <a:r>
-              <a:rPr lang="en-US" dirty="0"/>
-              <a:t> </a:t>
-            </a:r>
-            <a:r>
-              <a:rPr lang="en-US" dirty="0" err="1"/>
-              <a:t>Warenkorb</a:t>
-            </a:r>
-            <a:r>
-              <a:rPr lang="en-US" dirty="0"/>
-              <a:t>”</a:t>
-            </a:r>
-          </a:p>
-          <a:p>
-            <a:r>
-              <a:rPr lang="en-US" sz="2800" dirty="0" err="1"/>
-              <a:t>Logik</a:t>
-            </a:r>
-            <a:r>
-              <a:rPr lang="en-US" sz="2800" dirty="0"/>
-              <a:t> </a:t>
-            </a:r>
-            <a:r>
-              <a:rPr lang="en-US" dirty="0"/>
+              <a:rPr lang="de-DE" sz="2800" noProof="0" dirty="0"/>
+              <a:t>Warenkorb Erstellung abschließen</a:t>
+            </a:r>
+          </a:p>
+          <a:p>
+            <a:r>
+              <a:rPr lang="de-DE" noProof="0" dirty="0"/>
+              <a:t>Logik “Anpassen von Speisen im Warenkorb”</a:t>
+            </a:r>
+          </a:p>
+          <a:p>
+            <a:r>
+              <a:rPr lang="de-DE" sz="2800" noProof="0" dirty="0"/>
+              <a:t>Logik </a:t>
+            </a:r>
+            <a:r>
+              <a:rPr lang="de-DE" noProof="0" dirty="0"/>
               <a:t>“</a:t>
             </a:r>
             <a:r>
-              <a:rPr lang="en-US" dirty="0" err="1"/>
+              <a:rPr lang="de-DE" noProof="0" dirty="0" err="1"/>
               <a:t>Autom</a:t>
             </a:r>
             <a:r>
-              <a:rPr lang="en-US" dirty="0"/>
-              <a:t>. </a:t>
-            </a:r>
-            <a:r>
-              <a:rPr lang="en-US" dirty="0" err="1"/>
-              <a:t>Kalkulation</a:t>
-            </a:r>
-            <a:r>
-              <a:rPr lang="en-US" dirty="0"/>
-              <a:t> der Kosten”</a:t>
-            </a:r>
-            <a:endParaRPr lang="en-US" sz="2800" dirty="0"/>
-          </a:p>
-          <a:p>
-            <a:r>
-              <a:rPr lang="en-US" dirty="0" err="1"/>
-              <a:t>Logik</a:t>
-            </a:r>
-            <a:r>
-              <a:rPr lang="en-US" dirty="0"/>
-              <a:t> </a:t>
-            </a:r>
-            <a:r>
-              <a:rPr lang="en-US" dirty="0" err="1"/>
-              <a:t>zum</a:t>
-            </a:r>
-            <a:r>
-              <a:rPr lang="en-US" dirty="0"/>
-              <a:t> </a:t>
-            </a:r>
-            <a:r>
-              <a:rPr lang="en-US" dirty="0" err="1"/>
-              <a:t>Absenden</a:t>
-            </a:r>
-            <a:r>
-              <a:rPr lang="en-US" dirty="0"/>
-              <a:t> der </a:t>
-            </a:r>
-            <a:r>
-              <a:rPr lang="en-US" dirty="0" err="1"/>
-              <a:t>Bestellung</a:t>
-            </a:r>
-            <a:endParaRPr lang="en-US" dirty="0"/>
+              <a:rPr lang="de-DE" noProof="0" dirty="0"/>
+              <a:t>. Kalkulation der Kosten”</a:t>
+            </a:r>
+            <a:endParaRPr lang="de-DE" sz="2800" noProof="0" dirty="0"/>
+          </a:p>
+          <a:p>
+            <a:r>
+              <a:rPr lang="de-DE" noProof="0" dirty="0"/>
+              <a:t>Logik zum Absenden der Bestellung</a:t>
+            </a:r>
           </a:p>
         </p:txBody>
       </p:sp>
@@ -10207,10 +9878,10 @@
           <a:lstStyle/>
           <a:p>
             <a:fld id="{42B45B56-1D88-4042-8DF0-EB6B41B710D3}" type="datetime1">
-              <a:rPr lang="de-DE" smtClean="0"/>
-              <a:t>05.12.2024</a:t>
+              <a:rPr lang="de-DE" noProof="0" smtClean="0"/>
+              <a:t>10.12.2024</a:t>
             </a:fld>
-            <a:endParaRPr lang="en-US"/>
+            <a:endParaRPr lang="de-DE" noProof="0" dirty="0"/>
           </a:p>
         </p:txBody>
       </p:sp>
@@ -10236,10 +9907,10 @@
           <a:lstStyle/>
           <a:p>
             <a:fld id="{07CE569E-9B7C-4CB9-AB80-C0841F922CFF}" type="slidenum">
-              <a:rPr lang="en-US" smtClean="0"/>
+              <a:rPr lang="de-DE" noProof="0" smtClean="0"/>
               <a:t>9</a:t>
             </a:fld>
-            <a:endParaRPr lang="en-US"/>
+            <a:endParaRPr lang="de-DE" noProof="0" dirty="0"/>
           </a:p>
         </p:txBody>
       </p:sp>

--- a/Dokumente/Sprint-Backlog/Sprint-Backlog2.pptx
+++ b/Dokumente/Sprint-Backlog/Sprint-Backlog2.pptx
@@ -209,7 +209,7 @@
           <a:p>
             <a:fld id="{7628164F-130E-49E7-B4EA-740541215FF9}" type="datetimeFigureOut">
               <a:rPr lang="de-DE" smtClean="0"/>
-              <a:t>10.12.2024</a:t>
+              <a:t>11.12.2024</a:t>
             </a:fld>
             <a:endParaRPr lang="de-DE"/>
           </a:p>
@@ -623,7 +623,7 @@
           <a:p>
             <a:fld id="{EFF128A2-C7E8-4B7B-8091-9AC752F728F8}" type="datetime1">
               <a:rPr lang="de-DE" smtClean="0"/>
-              <a:t>10.12.2024</a:t>
+              <a:t>11.12.2024</a:t>
             </a:fld>
             <a:endParaRPr lang="en-US"/>
           </a:p>
@@ -821,7 +821,7 @@
           <a:p>
             <a:fld id="{CD278108-7565-4086-A563-4BA2E64958FD}" type="datetime1">
               <a:rPr lang="de-DE" smtClean="0"/>
-              <a:t>10.12.2024</a:t>
+              <a:t>11.12.2024</a:t>
             </a:fld>
             <a:endParaRPr lang="en-US"/>
           </a:p>
@@ -1029,7 +1029,7 @@
           <a:p>
             <a:fld id="{E66CCB26-F45E-4B69-82BE-D569C28446C1}" type="datetime1">
               <a:rPr lang="de-DE" smtClean="0"/>
-              <a:t>10.12.2024</a:t>
+              <a:t>11.12.2024</a:t>
             </a:fld>
             <a:endParaRPr lang="en-US"/>
           </a:p>
@@ -1233,7 +1233,7 @@
           <a:p>
             <a:fld id="{42B45B56-1D88-4042-8DF0-EB6B41B710D3}" type="datetime1">
               <a:rPr lang="de-DE" smtClean="0"/>
-              <a:t>10.12.2024</a:t>
+              <a:t>11.12.2024</a:t>
             </a:fld>
             <a:endParaRPr lang="en-US"/>
           </a:p>
@@ -1508,7 +1508,7 @@
           <a:p>
             <a:fld id="{63213392-7725-4DB0-A75F-BB511BA574DC}" type="datetime1">
               <a:rPr lang="de-DE" smtClean="0"/>
-              <a:t>10.12.2024</a:t>
+              <a:t>11.12.2024</a:t>
             </a:fld>
             <a:endParaRPr lang="en-US"/>
           </a:p>
@@ -1773,7 +1773,7 @@
           <a:p>
             <a:fld id="{12AE7323-5CDD-4051-9975-1729D84443C7}" type="datetime1">
               <a:rPr lang="de-DE" smtClean="0"/>
-              <a:t>10.12.2024</a:t>
+              <a:t>11.12.2024</a:t>
             </a:fld>
             <a:endParaRPr lang="en-US"/>
           </a:p>
@@ -2185,7 +2185,7 @@
           <a:p>
             <a:fld id="{75919FF8-1369-4F22-8739-0971D22D8076}" type="datetime1">
               <a:rPr lang="de-DE" smtClean="0"/>
-              <a:t>10.12.2024</a:t>
+              <a:t>11.12.2024</a:t>
             </a:fld>
             <a:endParaRPr lang="en-US"/>
           </a:p>
@@ -2326,7 +2326,7 @@
           <a:p>
             <a:fld id="{07445AF5-82F2-43C2-816E-A9BEF34D89B7}" type="datetime1">
               <a:rPr lang="de-DE" smtClean="0"/>
-              <a:t>10.12.2024</a:t>
+              <a:t>11.12.2024</a:t>
             </a:fld>
             <a:endParaRPr lang="en-US"/>
           </a:p>
@@ -2439,7 +2439,7 @@
           <a:p>
             <a:fld id="{84700FD4-A8C8-481E-B7C9-06459B544445}" type="datetime1">
               <a:rPr lang="de-DE" smtClean="0"/>
-              <a:t>10.12.2024</a:t>
+              <a:t>11.12.2024</a:t>
             </a:fld>
             <a:endParaRPr lang="en-US"/>
           </a:p>
@@ -2751,7 +2751,7 @@
           <a:p>
             <a:fld id="{225DF808-C4B8-42BA-B4B9-08D42756061A}" type="datetime1">
               <a:rPr lang="de-DE" smtClean="0"/>
-              <a:t>10.12.2024</a:t>
+              <a:t>11.12.2024</a:t>
             </a:fld>
             <a:endParaRPr lang="en-US"/>
           </a:p>
@@ -3042,7 +3042,7 @@
           <a:p>
             <a:fld id="{C36BBF2E-DB4C-4E4C-81C8-BB88CDC14250}" type="datetime1">
               <a:rPr lang="de-DE" smtClean="0"/>
-              <a:t>10.12.2024</a:t>
+              <a:t>11.12.2024</a:t>
             </a:fld>
             <a:endParaRPr lang="en-US"/>
           </a:p>
@@ -3797,7 +3797,7 @@
           <a:p>
             <a:fld id="{7C1C68C6-DBC0-4157-B769-7CB85FE6437C}" type="datetime1">
               <a:rPr lang="de-DE" smtClean="0"/>
-              <a:t>10.12.2024</a:t>
+              <a:t>11.12.2024</a:t>
             </a:fld>
             <a:endParaRPr lang="en-US" dirty="0"/>
           </a:p>
@@ -5096,7 +5096,7 @@
           <a:p>
             <a:fld id="{42B45B56-1D88-4042-8DF0-EB6B41B710D3}" type="datetime1">
               <a:rPr lang="de-DE" noProof="0" smtClean="0"/>
-              <a:t>10.12.2024</a:t>
+              <a:t>11.12.2024</a:t>
             </a:fld>
             <a:endParaRPr lang="de-DE" noProof="0" dirty="0"/>
           </a:p>
@@ -5332,7 +5332,7 @@
           <a:p>
             <a:fld id="{42B45B56-1D88-4042-8DF0-EB6B41B710D3}" type="datetime1">
               <a:rPr lang="de-DE" noProof="0" smtClean="0"/>
-              <a:t>10.12.2024</a:t>
+              <a:t>11.12.2024</a:t>
             </a:fld>
             <a:endParaRPr lang="de-DE" noProof="0" dirty="0"/>
           </a:p>
@@ -5495,7 +5495,7 @@
           <a:p>
             <a:fld id="{12AE7323-5CDD-4051-9975-1729D84443C7}" type="datetime1">
               <a:rPr lang="de-DE" noProof="0" smtClean="0"/>
-              <a:t>10.12.2024</a:t>
+              <a:t>11.12.2024</a:t>
             </a:fld>
             <a:endParaRPr lang="de-DE" noProof="0" dirty="0"/>
           </a:p>
@@ -5667,7 +5667,7 @@
                 <a:tabLst/>
                 <a:defRPr/>
               </a:pPr>
-              <a:t>10.12.2024</a:t>
+              <a:t>11.12.2024</a:t>
             </a:fld>
             <a:endParaRPr kumimoji="0" lang="de-DE" sz="1200" b="0" i="0" u="none" strike="noStrike" kern="1200" cap="none" spc="0" normalizeH="0" baseline="0" noProof="0" dirty="0">
               <a:ln>
@@ -6672,7 +6672,7 @@
           <a:p>
             <a:fld id="{AE5E781B-AB27-45A9-B2F3-7F70593BE83B}" type="datetime1">
               <a:rPr lang="de-DE" noProof="0" smtClean="0"/>
-              <a:t>10.12.2024</a:t>
+              <a:t>11.12.2024</a:t>
             </a:fld>
             <a:endParaRPr lang="de-DE" noProof="0" dirty="0"/>
           </a:p>
@@ -7444,7 +7444,7 @@
           <a:p>
             <a:fld id="{42B45B56-1D88-4042-8DF0-EB6B41B710D3}" type="datetime1">
               <a:rPr lang="de-DE" noProof="0" smtClean="0"/>
-              <a:t>10.12.2024</a:t>
+              <a:t>11.12.2024</a:t>
             </a:fld>
             <a:endParaRPr lang="de-DE" noProof="0" dirty="0"/>
           </a:p>
@@ -7590,7 +7590,7 @@
           <a:p>
             <a:fld id="{42B45B56-1D88-4042-8DF0-EB6B41B710D3}" type="datetime1">
               <a:rPr lang="de-DE" noProof="0" smtClean="0"/>
-              <a:t>10.12.2024</a:t>
+              <a:t>11.12.2024</a:t>
             </a:fld>
             <a:endParaRPr lang="de-DE" noProof="0" dirty="0"/>
           </a:p>
@@ -7712,7 +7712,7 @@
           <a:p>
             <a:fld id="{42B45B56-1D88-4042-8DF0-EB6B41B710D3}" type="datetime1">
               <a:rPr lang="de-DE" noProof="0" smtClean="0"/>
-              <a:t>10.12.2024</a:t>
+              <a:t>11.12.2024</a:t>
             </a:fld>
             <a:endParaRPr lang="de-DE" noProof="0" dirty="0"/>
           </a:p>
@@ -7763,7 +7763,7 @@
             <p:ph idx="1"/>
             <p:extLst>
               <p:ext uri="{D42A27DB-BD31-4B8C-83A1-F6EECF244321}">
-                <p14:modId xmlns:p14="http://schemas.microsoft.com/office/powerpoint/2010/main" val="3875702723"/>
+                <p14:modId xmlns:p14="http://schemas.microsoft.com/office/powerpoint/2010/main" val="889857114"/>
               </p:ext>
             </p:extLst>
           </p:nvPr>
@@ -7901,7 +7901,7 @@
                     <a:p>
                       <a:r>
                         <a:rPr lang="de-DE" sz="1400" noProof="0" dirty="0"/>
-                        <a:t>18</a:t>
+                        <a:t>12</a:t>
                       </a:r>
                     </a:p>
                   </a:txBody>
@@ -7979,7 +7979,7 @@
                     <a:lstStyle/>
                     <a:p>
                       <a:r>
-                        <a:rPr lang="de-DE" sz="1400" kern="1200" noProof="0" dirty="0">
+                        <a:rPr lang="en-US" sz="1400" kern="1200" noProof="0" dirty="0">
                           <a:solidFill>
                             <a:schemeClr val="dk1"/>
                           </a:solidFill>
@@ -7987,8 +7987,16 @@
                           <a:ea typeface="+mn-ea"/>
                           <a:cs typeface="+mn-cs"/>
                         </a:rPr>
-                        <a:t>2</a:t>
+                        <a:t>4</a:t>
                       </a:r>
+                      <a:endParaRPr lang="de-DE" sz="1400" kern="1200" noProof="0" dirty="0">
+                        <a:solidFill>
+                          <a:schemeClr val="dk1"/>
+                        </a:solidFill>
+                        <a:latin typeface="+mn-lt"/>
+                        <a:ea typeface="+mn-ea"/>
+                        <a:cs typeface="+mn-cs"/>
+                      </a:endParaRPr>
                     </a:p>
                   </a:txBody>
                   <a:tcPr/>
@@ -8088,7 +8096,7 @@
                     <a:p>
                       <a:r>
                         <a:rPr lang="de-DE" sz="1400" noProof="0" dirty="0"/>
-                        <a:t>Erledigt</a:t>
+                        <a:t>In Arbeit</a:t>
                       </a:r>
                     </a:p>
                   </a:txBody>
@@ -8448,7 +8456,7 @@
           <a:p>
             <a:fld id="{42B45B56-1D88-4042-8DF0-EB6B41B710D3}" type="datetime1">
               <a:rPr lang="de-DE" noProof="0" smtClean="0"/>
-              <a:t>10.12.2024</a:t>
+              <a:t>11.12.2024</a:t>
             </a:fld>
             <a:endParaRPr lang="de-DE" noProof="0" dirty="0"/>
           </a:p>
@@ -8669,7 +8677,7 @@
           <a:p>
             <a:fld id="{42B45B56-1D88-4042-8DF0-EB6B41B710D3}" type="datetime1">
               <a:rPr lang="de-DE" noProof="0" smtClean="0"/>
-              <a:t>10.12.2024</a:t>
+              <a:t>11.12.2024</a:t>
             </a:fld>
             <a:endParaRPr lang="de-DE" noProof="0" dirty="0"/>
           </a:p>
@@ -9233,7 +9241,7 @@
           <a:p>
             <a:fld id="{42B45B56-1D88-4042-8DF0-EB6B41B710D3}" type="datetime1">
               <a:rPr lang="de-DE" noProof="0" smtClean="0"/>
-              <a:t>10.12.2024</a:t>
+              <a:t>11.12.2024</a:t>
             </a:fld>
             <a:endParaRPr lang="de-DE" noProof="0" dirty="0"/>
           </a:p>
@@ -9612,55 +9620,6 @@
           </a:graphicData>
         </a:graphic>
       </p:graphicFrame>
-      <p:sp>
-        <p:nvSpPr>
-          <p:cNvPr id="3" name="Gewitterblitz 2">
-            <a:extLst>
-              <a:ext uri="{FF2B5EF4-FFF2-40B4-BE49-F238E27FC236}">
-                <a16:creationId xmlns:a16="http://schemas.microsoft.com/office/drawing/2014/main" id="{7C02CA7B-6441-3EED-23C9-16C3E26D9C3D}"/>
-              </a:ext>
-            </a:extLst>
-          </p:cNvPr>
-          <p:cNvSpPr/>
-          <p:nvPr/>
-        </p:nvSpPr>
-        <p:spPr>
-          <a:xfrm rot="3267422">
-            <a:off x="9647582" y="3597330"/>
-            <a:ext cx="1524000" cy="2936240"/>
-          </a:xfrm>
-          <a:prstGeom prst="lightningBolt">
-            <a:avLst/>
-          </a:prstGeom>
-          <a:solidFill>
-            <a:srgbClr val="FFC000"/>
-          </a:solidFill>
-        </p:spPr>
-        <p:style>
-          <a:lnRef idx="2">
-            <a:schemeClr val="accent1">
-              <a:shade val="15000"/>
-            </a:schemeClr>
-          </a:lnRef>
-          <a:fillRef idx="1">
-            <a:schemeClr val="accent1"/>
-          </a:fillRef>
-          <a:effectRef idx="0">
-            <a:schemeClr val="accent1"/>
-          </a:effectRef>
-          <a:fontRef idx="minor">
-            <a:schemeClr val="lt1"/>
-          </a:fontRef>
-        </p:style>
-        <p:txBody>
-          <a:bodyPr rtlCol="0" anchor="ctr"/>
-          <a:lstStyle/>
-          <a:p>
-            <a:pPr algn="ctr"/>
-            <a:endParaRPr lang="de-DE" noProof="0" dirty="0"/>
-          </a:p>
-        </p:txBody>
-      </p:sp>
     </p:spTree>
     <p:extLst>
       <p:ext uri="{BB962C8B-B14F-4D97-AF65-F5344CB8AC3E}">
@@ -9671,84 +9630,6 @@
   <p:clrMapOvr>
     <a:masterClrMapping/>
   </p:clrMapOvr>
-  <p:timing>
-    <p:tnLst>
-      <p:par>
-        <p:cTn id="1" dur="indefinite" restart="never" nodeType="tmRoot">
-          <p:childTnLst>
-            <p:seq concurrent="1" nextAc="seek">
-              <p:cTn id="2" dur="indefinite" nodeType="mainSeq">
-                <p:childTnLst>
-                  <p:par>
-                    <p:cTn id="3" fill="hold">
-                      <p:stCondLst>
-                        <p:cond delay="indefinite"/>
-                      </p:stCondLst>
-                      <p:childTnLst>
-                        <p:par>
-                          <p:cTn id="4" fill="hold">
-                            <p:stCondLst>
-                              <p:cond delay="0"/>
-                            </p:stCondLst>
-                            <p:childTnLst>
-                              <p:par>
-                                <p:cTn id="5" presetID="1" presetClass="entr" presetSubtype="0" fill="hold" grpId="0" nodeType="clickEffect">
-                                  <p:stCondLst>
-                                    <p:cond delay="0"/>
-                                  </p:stCondLst>
-                                  <p:childTnLst>
-                                    <p:set>
-                                      <p:cBhvr>
-                                        <p:cTn id="6" dur="1" fill="hold">
-                                          <p:stCondLst>
-                                            <p:cond delay="0"/>
-                                          </p:stCondLst>
-                                        </p:cTn>
-                                        <p:tgtEl>
-                                          <p:spTgt spid="3"/>
-                                        </p:tgtEl>
-                                        <p:attrNameLst>
-                                          <p:attrName>style.visibility</p:attrName>
-                                        </p:attrNameLst>
-                                      </p:cBhvr>
-                                      <p:to>
-                                        <p:strVal val="visible"/>
-                                      </p:to>
-                                    </p:set>
-                                  </p:childTnLst>
-                                </p:cTn>
-                              </p:par>
-                            </p:childTnLst>
-                          </p:cTn>
-                        </p:par>
-                      </p:childTnLst>
-                    </p:cTn>
-                  </p:par>
-                </p:childTnLst>
-              </p:cTn>
-              <p:prevCondLst>
-                <p:cond evt="onPrev" delay="0">
-                  <p:tgtEl>
-                    <p:sldTgt/>
-                  </p:tgtEl>
-                </p:cond>
-              </p:prevCondLst>
-              <p:nextCondLst>
-                <p:cond evt="onNext" delay="0">
-                  <p:tgtEl>
-                    <p:sldTgt/>
-                  </p:tgtEl>
-                </p:cond>
-              </p:nextCondLst>
-            </p:seq>
-          </p:childTnLst>
-        </p:cTn>
-      </p:par>
-    </p:tnLst>
-    <p:bldLst>
-      <p:bldP spid="3" grpId="0" animBg="1"/>
-    </p:bldLst>
-  </p:timing>
 </p:sld>
 </file>
 
@@ -9879,7 +9760,7 @@
           <a:p>
             <a:fld id="{42B45B56-1D88-4042-8DF0-EB6B41B710D3}" type="datetime1">
               <a:rPr lang="de-DE" noProof="0" smtClean="0"/>
-              <a:t>10.12.2024</a:t>
+              <a:t>11.12.2024</a:t>
             </a:fld>
             <a:endParaRPr lang="de-DE" noProof="0" dirty="0"/>
           </a:p>

--- a/Dokumente/Sprint-Backlog/Sprint-Backlog2.pptx
+++ b/Dokumente/Sprint-Backlog/Sprint-Backlog2.pptx
@@ -5,22 +5,21 @@
     <p:sldMasterId id="2147483751" r:id="rId1"/>
   </p:sldMasterIdLst>
   <p:notesMasterIdLst>
-    <p:notesMasterId r:id="rId15"/>
+    <p:notesMasterId r:id="rId14"/>
   </p:notesMasterIdLst>
   <p:sldIdLst>
     <p:sldId id="256" r:id="rId2"/>
     <p:sldId id="258" r:id="rId3"/>
     <p:sldId id="276" r:id="rId4"/>
     <p:sldId id="259" r:id="rId5"/>
-    <p:sldId id="267" r:id="rId6"/>
-    <p:sldId id="269" r:id="rId7"/>
+    <p:sldId id="277" r:id="rId6"/>
+    <p:sldId id="267" r:id="rId7"/>
     <p:sldId id="270" r:id="rId8"/>
-    <p:sldId id="271" r:id="rId9"/>
-    <p:sldId id="262" r:id="rId10"/>
-    <p:sldId id="263" r:id="rId11"/>
-    <p:sldId id="264" r:id="rId12"/>
-    <p:sldId id="275" r:id="rId13"/>
-    <p:sldId id="274" r:id="rId14"/>
+    <p:sldId id="262" r:id="rId9"/>
+    <p:sldId id="263" r:id="rId10"/>
+    <p:sldId id="264" r:id="rId11"/>
+    <p:sldId id="275" r:id="rId12"/>
+    <p:sldId id="274" r:id="rId13"/>
   </p:sldIdLst>
   <p:sldSz cx="12192000" cy="6858000"/>
   <p:notesSz cx="6858000" cy="9144000"/>
@@ -4921,7 +4920,7 @@
           <p:cNvPr id="2" name="Titel 1">
             <a:extLst>
               <a:ext uri="{FF2B5EF4-FFF2-40B4-BE49-F238E27FC236}">
-                <a16:creationId xmlns:a16="http://schemas.microsoft.com/office/drawing/2014/main" id="{A075FF74-E5D2-1C9F-1DF3-DCD54EF547E9}"/>
+                <a16:creationId xmlns:a16="http://schemas.microsoft.com/office/drawing/2014/main" id="{32CCE440-A4CB-26A7-5B3F-3F9D4B878A95}"/>
               </a:ext>
             </a:extLst>
           </p:cNvPr>
@@ -4939,17 +4938,17 @@
           <a:p>
             <a:r>
               <a:rPr lang="de-DE" noProof="0" dirty="0"/>
-              <a:t>6. Software-Tools</a:t>
-            </a:r>
-          </a:p>
-        </p:txBody>
-      </p:sp>
-      <p:sp>
-        <p:nvSpPr>
-          <p:cNvPr id="3" name="Inhaltsplatzhalter 2">
-            <a:extLst>
-              <a:ext uri="{FF2B5EF4-FFF2-40B4-BE49-F238E27FC236}">
-                <a16:creationId xmlns:a16="http://schemas.microsoft.com/office/drawing/2014/main" id="{E627C203-A1B7-383D-97A8-56B3248A1E83}"/>
+              <a:t>7. SOUPs/OTS</a:t>
+            </a:r>
+          </a:p>
+        </p:txBody>
+      </p:sp>
+      <p:sp>
+        <p:nvSpPr>
+          <p:cNvPr id="6" name="Inhaltsplatzhalter 5">
+            <a:extLst>
+              <a:ext uri="{FF2B5EF4-FFF2-40B4-BE49-F238E27FC236}">
+                <a16:creationId xmlns:a16="http://schemas.microsoft.com/office/drawing/2014/main" id="{AF37E05B-D1E7-D5BB-3AA4-0CBC94340331}"/>
               </a:ext>
             </a:extLst>
           </p:cNvPr>
@@ -4963,57 +4962,64 @@
         <p:spPr/>
         <p:txBody>
           <a:bodyPr>
-            <a:normAutofit/>
+            <a:normAutofit lnSpcReduction="10000"/>
           </a:bodyPr>
           <a:lstStyle/>
           <a:p>
             <a:r>
               <a:rPr lang="de-DE" noProof="0" dirty="0"/>
-              <a:t>Programmiersprache:</a:t>
+              <a:t>Eingesetzte SOUPs:</a:t>
             </a:r>
           </a:p>
           <a:p>
             <a:pPr lvl="1"/>
             <a:r>
               <a:rPr lang="de-DE" noProof="0" dirty="0"/>
-              <a:t>C#</a:t>
+              <a:t>Docker-Container für Hosting der Anwendung</a:t>
             </a:r>
           </a:p>
           <a:p>
             <a:r>
               <a:rPr lang="de-DE" noProof="0" dirty="0"/>
-              <a:t>Framework:</a:t>
+              <a:t>Bibliotheken: </a:t>
             </a:r>
           </a:p>
           <a:p>
             <a:pPr lvl="1"/>
             <a:r>
+              <a:rPr lang="de-DE" noProof="0" dirty="0"/>
+              <a:t>[z. B. </a:t>
+            </a:r>
+            <a:r>
               <a:rPr lang="de-DE" noProof="0" dirty="0" err="1"/>
-              <a:t>Blazor</a:t>
-            </a:r>
-            <a:endParaRPr lang="de-DE" noProof="0" dirty="0"/>
-          </a:p>
-          <a:p>
+              <a:t>Newtonsoft.Json</a:t>
+            </a:r>
             <a:r>
               <a:rPr lang="de-DE" noProof="0" dirty="0"/>
-              <a:t>IDE:</a:t>
+              <a:t>]</a:t>
+            </a:r>
+          </a:p>
+          <a:p>
+            <a:r>
+              <a:rPr lang="de-DE" noProof="0" dirty="0"/>
+              <a:t>Eingesetzte OTS:</a:t>
             </a:r>
           </a:p>
           <a:p>
             <a:pPr lvl="1"/>
             <a:r>
               <a:rPr lang="de-DE" noProof="0" dirty="0"/>
-              <a:t>Visual Studio</a:t>
-            </a:r>
-          </a:p>
-        </p:txBody>
-      </p:sp>
-      <p:sp>
-        <p:nvSpPr>
-          <p:cNvPr id="6" name="Inhaltsplatzhalter 5">
-            <a:extLst>
-              <a:ext uri="{FF2B5EF4-FFF2-40B4-BE49-F238E27FC236}">
-                <a16:creationId xmlns:a16="http://schemas.microsoft.com/office/drawing/2014/main" id="{7185288F-FFC3-A9CF-5040-625A8A619580}"/>
+              <a:t>.NET 5.0 Framework</a:t>
+            </a:r>
+          </a:p>
+        </p:txBody>
+      </p:sp>
+      <p:sp>
+        <p:nvSpPr>
+          <p:cNvPr id="7" name="Inhaltsplatzhalter 6">
+            <a:extLst>
+              <a:ext uri="{FF2B5EF4-FFF2-40B4-BE49-F238E27FC236}">
+                <a16:creationId xmlns:a16="http://schemas.microsoft.com/office/drawing/2014/main" id="{3BFD40B0-F7F1-F960-F8BC-73901AB54EC1}"/>
               </a:ext>
             </a:extLst>
           </p:cNvPr>
@@ -5027,48 +5033,32 @@
         <p:spPr/>
         <p:txBody>
           <a:bodyPr>
-            <a:normAutofit/>
+            <a:normAutofit lnSpcReduction="10000"/>
           </a:bodyPr>
           <a:lstStyle/>
           <a:p>
             <a:r>
               <a:rPr lang="de-DE" noProof="0" dirty="0"/>
-              <a:t>Datenbank:</a:t>
+              <a:t>SQLite-Datenbank</a:t>
+            </a:r>
+          </a:p>
+          <a:p>
+            <a:r>
+              <a:rPr lang="de-DE" noProof="0" dirty="0"/>
+              <a:t>Visual Studio IDE</a:t>
+            </a:r>
+          </a:p>
+          <a:p>
+            <a:r>
+              <a:rPr lang="de-DE" noProof="0" dirty="0"/>
+              <a:t>Maßnahmen zur Validierung und Sicherstellung:</a:t>
             </a:r>
           </a:p>
           <a:p>
             <a:pPr lvl="1"/>
             <a:r>
               <a:rPr lang="de-DE" noProof="0" dirty="0"/>
-              <a:t>SQLite</a:t>
-            </a:r>
-          </a:p>
-          <a:p>
-            <a:r>
-              <a:rPr lang="de-DE" noProof="0" dirty="0"/>
-              <a:t>Weitere Tools:</a:t>
-            </a:r>
-          </a:p>
-          <a:p>
-            <a:pPr lvl="1"/>
-            <a:r>
-              <a:rPr lang="de-DE" noProof="0" dirty="0"/>
-              <a:t>Git (Versionierung)</a:t>
-            </a:r>
-          </a:p>
-          <a:p>
-            <a:pPr lvl="1"/>
-            <a:r>
-              <a:rPr lang="de-DE" noProof="0" dirty="0"/>
-              <a:t>Docker (</a:t>
-            </a:r>
-            <a:r>
-              <a:rPr lang="de-DE" noProof="0" dirty="0" err="1"/>
-              <a:t>Deployment</a:t>
-            </a:r>
-            <a:r>
-              <a:rPr lang="de-DE" noProof="0" dirty="0"/>
-              <a:t>)</a:t>
+              <a:t>Security-Scans, regelmäßige Updates</a:t>
             </a:r>
           </a:p>
         </p:txBody>
@@ -5078,7 +5068,7 @@
           <p:cNvPr id="4" name="Datumsplatzhalter 3">
             <a:extLst>
               <a:ext uri="{FF2B5EF4-FFF2-40B4-BE49-F238E27FC236}">
-                <a16:creationId xmlns:a16="http://schemas.microsoft.com/office/drawing/2014/main" id="{F5985418-FDA1-F1A7-80E8-C25C6BAC324B}"/>
+                <a16:creationId xmlns:a16="http://schemas.microsoft.com/office/drawing/2014/main" id="{02CC40AD-91C3-625D-A10C-F9A7627732C1}"/>
               </a:ext>
             </a:extLst>
           </p:cNvPr>
@@ -5107,7 +5097,7 @@
           <p:cNvPr id="5" name="Foliennummernplatzhalter 4">
             <a:extLst>
               <a:ext uri="{FF2B5EF4-FFF2-40B4-BE49-F238E27FC236}">
-                <a16:creationId xmlns:a16="http://schemas.microsoft.com/office/drawing/2014/main" id="{6A7A11C6-83C4-FA07-F8C7-F2826F8F22B6}"/>
+                <a16:creationId xmlns:a16="http://schemas.microsoft.com/office/drawing/2014/main" id="{C09C3547-5BE9-9D3D-0D06-22EA64B7A6ED}"/>
               </a:ext>
             </a:extLst>
           </p:cNvPr>
@@ -5134,7 +5124,7 @@
     </p:spTree>
     <p:extLst>
       <p:ext uri="{BB962C8B-B14F-4D97-AF65-F5344CB8AC3E}">
-        <p14:creationId xmlns:p14="http://schemas.microsoft.com/office/powerpoint/2010/main" val="1367875186"/>
+        <p14:creationId xmlns:p14="http://schemas.microsoft.com/office/powerpoint/2010/main" val="3169394714"/>
       </p:ext>
     </p:extLst>
   </p:cSld>
@@ -5166,242 +5156,6 @@
           <p:cNvPr id="2" name="Titel 1">
             <a:extLst>
               <a:ext uri="{FF2B5EF4-FFF2-40B4-BE49-F238E27FC236}">
-                <a16:creationId xmlns:a16="http://schemas.microsoft.com/office/drawing/2014/main" id="{32CCE440-A4CB-26A7-5B3F-3F9D4B878A95}"/>
-              </a:ext>
-            </a:extLst>
-          </p:cNvPr>
-          <p:cNvSpPr>
-            <a:spLocks noGrp="1"/>
-          </p:cNvSpPr>
-          <p:nvPr>
-            <p:ph type="title"/>
-          </p:nvPr>
-        </p:nvSpPr>
-        <p:spPr/>
-        <p:txBody>
-          <a:bodyPr/>
-          <a:lstStyle/>
-          <a:p>
-            <a:r>
-              <a:rPr lang="de-DE" noProof="0" dirty="0"/>
-              <a:t>7. SOUPs/OTS</a:t>
-            </a:r>
-          </a:p>
-        </p:txBody>
-      </p:sp>
-      <p:sp>
-        <p:nvSpPr>
-          <p:cNvPr id="6" name="Inhaltsplatzhalter 5">
-            <a:extLst>
-              <a:ext uri="{FF2B5EF4-FFF2-40B4-BE49-F238E27FC236}">
-                <a16:creationId xmlns:a16="http://schemas.microsoft.com/office/drawing/2014/main" id="{AF37E05B-D1E7-D5BB-3AA4-0CBC94340331}"/>
-              </a:ext>
-            </a:extLst>
-          </p:cNvPr>
-          <p:cNvSpPr>
-            <a:spLocks noGrp="1"/>
-          </p:cNvSpPr>
-          <p:nvPr>
-            <p:ph sz="half" idx="1"/>
-          </p:nvPr>
-        </p:nvSpPr>
-        <p:spPr/>
-        <p:txBody>
-          <a:bodyPr>
-            <a:normAutofit lnSpcReduction="10000"/>
-          </a:bodyPr>
-          <a:lstStyle/>
-          <a:p>
-            <a:r>
-              <a:rPr lang="de-DE" noProof="0" dirty="0"/>
-              <a:t>Eingesetzte SOUPs:</a:t>
-            </a:r>
-          </a:p>
-          <a:p>
-            <a:pPr lvl="1"/>
-            <a:r>
-              <a:rPr lang="de-DE" noProof="0" dirty="0"/>
-              <a:t>Docker-Container für Hosting der Anwendung</a:t>
-            </a:r>
-          </a:p>
-          <a:p>
-            <a:r>
-              <a:rPr lang="de-DE" noProof="0" dirty="0"/>
-              <a:t>Bibliotheken: </a:t>
-            </a:r>
-          </a:p>
-          <a:p>
-            <a:pPr lvl="1"/>
-            <a:r>
-              <a:rPr lang="de-DE" noProof="0" dirty="0"/>
-              <a:t>[z. B. </a:t>
-            </a:r>
-            <a:r>
-              <a:rPr lang="de-DE" noProof="0" dirty="0" err="1"/>
-              <a:t>Newtonsoft.Json</a:t>
-            </a:r>
-            <a:r>
-              <a:rPr lang="de-DE" noProof="0" dirty="0"/>
-              <a:t>]</a:t>
-            </a:r>
-          </a:p>
-          <a:p>
-            <a:r>
-              <a:rPr lang="de-DE" noProof="0" dirty="0"/>
-              <a:t>Eingesetzte OTS:</a:t>
-            </a:r>
-          </a:p>
-          <a:p>
-            <a:pPr lvl="1"/>
-            <a:r>
-              <a:rPr lang="de-DE" noProof="0" dirty="0"/>
-              <a:t>.NET 5.0 Framework</a:t>
-            </a:r>
-          </a:p>
-        </p:txBody>
-      </p:sp>
-      <p:sp>
-        <p:nvSpPr>
-          <p:cNvPr id="7" name="Inhaltsplatzhalter 6">
-            <a:extLst>
-              <a:ext uri="{FF2B5EF4-FFF2-40B4-BE49-F238E27FC236}">
-                <a16:creationId xmlns:a16="http://schemas.microsoft.com/office/drawing/2014/main" id="{3BFD40B0-F7F1-F960-F8BC-73901AB54EC1}"/>
-              </a:ext>
-            </a:extLst>
-          </p:cNvPr>
-          <p:cNvSpPr>
-            <a:spLocks noGrp="1"/>
-          </p:cNvSpPr>
-          <p:nvPr>
-            <p:ph sz="half" idx="2"/>
-          </p:nvPr>
-        </p:nvSpPr>
-        <p:spPr/>
-        <p:txBody>
-          <a:bodyPr>
-            <a:normAutofit lnSpcReduction="10000"/>
-          </a:bodyPr>
-          <a:lstStyle/>
-          <a:p>
-            <a:r>
-              <a:rPr lang="de-DE" noProof="0" dirty="0"/>
-              <a:t>SQLite-Datenbank</a:t>
-            </a:r>
-          </a:p>
-          <a:p>
-            <a:r>
-              <a:rPr lang="de-DE" noProof="0" dirty="0"/>
-              <a:t>Visual Studio IDE</a:t>
-            </a:r>
-          </a:p>
-          <a:p>
-            <a:r>
-              <a:rPr lang="de-DE" noProof="0" dirty="0"/>
-              <a:t>Maßnahmen zur Validierung und Sicherstellung:</a:t>
-            </a:r>
-          </a:p>
-          <a:p>
-            <a:pPr lvl="1"/>
-            <a:r>
-              <a:rPr lang="de-DE" noProof="0" dirty="0"/>
-              <a:t>Security-Scans, regelmäßige Updates</a:t>
-            </a:r>
-          </a:p>
-        </p:txBody>
-      </p:sp>
-      <p:sp>
-        <p:nvSpPr>
-          <p:cNvPr id="4" name="Datumsplatzhalter 3">
-            <a:extLst>
-              <a:ext uri="{FF2B5EF4-FFF2-40B4-BE49-F238E27FC236}">
-                <a16:creationId xmlns:a16="http://schemas.microsoft.com/office/drawing/2014/main" id="{02CC40AD-91C3-625D-A10C-F9A7627732C1}"/>
-              </a:ext>
-            </a:extLst>
-          </p:cNvPr>
-          <p:cNvSpPr>
-            <a:spLocks noGrp="1"/>
-          </p:cNvSpPr>
-          <p:nvPr>
-            <p:ph type="dt" sz="half" idx="10"/>
-          </p:nvPr>
-        </p:nvSpPr>
-        <p:spPr/>
-        <p:txBody>
-          <a:bodyPr/>
-          <a:lstStyle/>
-          <a:p>
-            <a:fld id="{42B45B56-1D88-4042-8DF0-EB6B41B710D3}" type="datetime1">
-              <a:rPr lang="de-DE" noProof="0" smtClean="0"/>
-              <a:t>11.12.2024</a:t>
-            </a:fld>
-            <a:endParaRPr lang="de-DE" noProof="0" dirty="0"/>
-          </a:p>
-        </p:txBody>
-      </p:sp>
-      <p:sp>
-        <p:nvSpPr>
-          <p:cNvPr id="5" name="Foliennummernplatzhalter 4">
-            <a:extLst>
-              <a:ext uri="{FF2B5EF4-FFF2-40B4-BE49-F238E27FC236}">
-                <a16:creationId xmlns:a16="http://schemas.microsoft.com/office/drawing/2014/main" id="{C09C3547-5BE9-9D3D-0D06-22EA64B7A6ED}"/>
-              </a:ext>
-            </a:extLst>
-          </p:cNvPr>
-          <p:cNvSpPr>
-            <a:spLocks noGrp="1"/>
-          </p:cNvSpPr>
-          <p:nvPr>
-            <p:ph type="sldNum" sz="quarter" idx="12"/>
-          </p:nvPr>
-        </p:nvSpPr>
-        <p:spPr/>
-        <p:txBody>
-          <a:bodyPr/>
-          <a:lstStyle/>
-          <a:p>
-            <a:fld id="{07CE569E-9B7C-4CB9-AB80-C0841F922CFF}" type="slidenum">
-              <a:rPr lang="de-DE" noProof="0" smtClean="0"/>
-              <a:t>11</a:t>
-            </a:fld>
-            <a:endParaRPr lang="de-DE" noProof="0" dirty="0"/>
-          </a:p>
-        </p:txBody>
-      </p:sp>
-    </p:spTree>
-    <p:extLst>
-      <p:ext uri="{BB962C8B-B14F-4D97-AF65-F5344CB8AC3E}">
-        <p14:creationId xmlns:p14="http://schemas.microsoft.com/office/powerpoint/2010/main" val="3169394714"/>
-      </p:ext>
-    </p:extLst>
-  </p:cSld>
-  <p:clrMapOvr>
-    <a:masterClrMapping/>
-  </p:clrMapOvr>
-</p:sld>
-</file>
-
-<file path=ppt/slides/slide12.xml><?xml version="1.0" encoding="utf-8"?>
-<p:sld xmlns:a="http://schemas.openxmlformats.org/drawingml/2006/main" xmlns:r="http://schemas.openxmlformats.org/officeDocument/2006/relationships" xmlns:p="http://schemas.openxmlformats.org/presentationml/2006/main">
-  <p:cSld>
-    <p:spTree>
-      <p:nvGrpSpPr>
-        <p:cNvPr id="1" name=""/>
-        <p:cNvGrpSpPr/>
-        <p:nvPr/>
-      </p:nvGrpSpPr>
-      <p:grpSpPr>
-        <a:xfrm>
-          <a:off x="0" y="0"/>
-          <a:ext cx="0" cy="0"/>
-          <a:chOff x="0" y="0"/>
-          <a:chExt cx="0" cy="0"/>
-        </a:xfrm>
-      </p:grpSpPr>
-      <p:sp>
-        <p:nvSpPr>
-          <p:cNvPr id="2" name="Titel 1">
-            <a:extLst>
-              <a:ext uri="{FF2B5EF4-FFF2-40B4-BE49-F238E27FC236}">
                 <a16:creationId xmlns:a16="http://schemas.microsoft.com/office/drawing/2014/main" id="{05F31F6E-2F65-7A93-DF0B-917ABC029378}"/>
               </a:ext>
             </a:extLst>
@@ -5524,7 +5278,7 @@
           <a:p>
             <a:fld id="{07CE569E-9B7C-4CB9-AB80-C0841F922CFF}" type="slidenum">
               <a:rPr lang="de-DE" noProof="0" smtClean="0"/>
-              <a:t>12</a:t>
+              <a:t>11</a:t>
             </a:fld>
             <a:endParaRPr lang="de-DE" noProof="0" dirty="0"/>
           </a:p>
@@ -5543,7 +5297,7 @@
 </p:sld>
 </file>
 
-<file path=ppt/slides/slide13.xml><?xml version="1.0" encoding="utf-8"?>
+<file path=ppt/slides/slide12.xml><?xml version="1.0" encoding="utf-8"?>
 <p:sld xmlns:a="http://schemas.openxmlformats.org/drawingml/2006/main" xmlns:r="http://schemas.openxmlformats.org/officeDocument/2006/relationships" xmlns:p="http://schemas.openxmlformats.org/presentationml/2006/main">
   <p:cSld>
     <p:spTree>
@@ -5762,7 +5516,7 @@
                 <a:tabLst/>
                 <a:defRPr/>
               </a:pPr>
-              <a:t>13</a:t>
+              <a:t>12</a:t>
             </a:fld>
             <a:endParaRPr kumimoji="0" lang="de-DE" sz="1200" b="0" i="0" u="none" strike="noStrike" kern="1200" cap="none" spc="0" normalizeH="0" baseline="0" noProof="0" dirty="0">
               <a:ln>
@@ -7531,42 +7285,12 @@
           <a:lstStyle/>
           <a:p>
             <a:r>
-              <a:rPr lang="de-DE" noProof="0"/>
+              <a:rPr lang="de-DE" noProof="0" dirty="0"/>
               <a:t>2. Tätigkeiten des vergangenen Zeitraums</a:t>
             </a:r>
-            <a:endParaRPr lang="de-DE" noProof="0" dirty="0"/>
-          </a:p>
-        </p:txBody>
-      </p:sp>
-      <p:pic>
-        <p:nvPicPr>
-          <p:cNvPr id="7" name="Inhaltsplatzhalter 6">
-            <a:extLst>
-              <a:ext uri="{FF2B5EF4-FFF2-40B4-BE49-F238E27FC236}">
-                <a16:creationId xmlns:a16="http://schemas.microsoft.com/office/drawing/2014/main" id="{2F1E16AA-50DA-9796-67C2-21B9486DCC25}"/>
-              </a:ext>
-            </a:extLst>
-          </p:cNvPr>
-          <p:cNvPicPr>
-            <a:picLocks noGrp="1" noChangeAspect="1"/>
-          </p:cNvPicPr>
-          <p:nvPr>
-            <p:ph idx="1"/>
-          </p:nvPr>
-        </p:nvPicPr>
-        <p:blipFill>
-          <a:blip r:embed="rId2"/>
-          <a:stretch>
-            <a:fillRect/>
-          </a:stretch>
-        </p:blipFill>
-        <p:spPr>
-          <a:xfrm>
-            <a:off x="1980136" y="1938338"/>
-            <a:ext cx="8231728" cy="4157662"/>
-          </a:xfrm>
-        </p:spPr>
-      </p:pic>
+          </a:p>
+        </p:txBody>
+      </p:sp>
       <p:sp>
         <p:nvSpPr>
           <p:cNvPr id="4" name="Datumsplatzhalter 3">
@@ -7625,6 +7349,679 @@
           </a:p>
         </p:txBody>
       </p:sp>
+      <p:graphicFrame>
+        <p:nvGraphicFramePr>
+          <p:cNvPr id="8" name="Inhaltsplatzhalter 2">
+            <a:extLst>
+              <a:ext uri="{FF2B5EF4-FFF2-40B4-BE49-F238E27FC236}">
+                <a16:creationId xmlns:a16="http://schemas.microsoft.com/office/drawing/2014/main" id="{8DEB5E55-C04C-135E-89B0-4D1F80BDB020}"/>
+              </a:ext>
+            </a:extLst>
+          </p:cNvPr>
+          <p:cNvGraphicFramePr>
+            <a:graphicFrameLocks/>
+          </p:cNvGraphicFramePr>
+          <p:nvPr>
+            <p:extLst>
+              <p:ext uri="{D42A27DB-BD31-4B8C-83A1-F6EECF244321}">
+                <p14:modId xmlns:p14="http://schemas.microsoft.com/office/powerpoint/2010/main" val="1725458014"/>
+              </p:ext>
+            </p:extLst>
+          </p:nvPr>
+        </p:nvGraphicFramePr>
+        <p:xfrm>
+          <a:off x="1448159" y="1854451"/>
+          <a:ext cx="8961423" cy="4698997"/>
+        </p:xfrm>
+        <a:graphic>
+          <a:graphicData uri="http://schemas.openxmlformats.org/drawingml/2006/table">
+            <a:tbl>
+              <a:tblPr firstRow="1" bandRow="1">
+                <a:tableStyleId>{5C22544A-7EE6-4342-B048-85BDC9FD1C3A}</a:tableStyleId>
+              </a:tblPr>
+              <a:tblGrid>
+                <a:gridCol w="3192923">
+                  <a:extLst>
+                    <a:ext uri="{9D8B030D-6E8A-4147-A177-3AD203B41FA5}">
+                      <a16:colId xmlns:a16="http://schemas.microsoft.com/office/drawing/2014/main" val="230851902"/>
+                    </a:ext>
+                  </a:extLst>
+                </a:gridCol>
+                <a:gridCol w="1945489">
+                  <a:extLst>
+                    <a:ext uri="{9D8B030D-6E8A-4147-A177-3AD203B41FA5}">
+                      <a16:colId xmlns:a16="http://schemas.microsoft.com/office/drawing/2014/main" val="2657664356"/>
+                    </a:ext>
+                  </a:extLst>
+                </a:gridCol>
+                <a:gridCol w="1452744">
+                  <a:extLst>
+                    <a:ext uri="{9D8B030D-6E8A-4147-A177-3AD203B41FA5}">
+                      <a16:colId xmlns:a16="http://schemas.microsoft.com/office/drawing/2014/main" val="4098082685"/>
+                    </a:ext>
+                  </a:extLst>
+                </a:gridCol>
+                <a:gridCol w="1452744">
+                  <a:extLst>
+                    <a:ext uri="{9D8B030D-6E8A-4147-A177-3AD203B41FA5}">
+                      <a16:colId xmlns:a16="http://schemas.microsoft.com/office/drawing/2014/main" val="1293295862"/>
+                    </a:ext>
+                  </a:extLst>
+                </a:gridCol>
+                <a:gridCol w="917523">
+                  <a:extLst>
+                    <a:ext uri="{9D8B030D-6E8A-4147-A177-3AD203B41FA5}">
+                      <a16:colId xmlns:a16="http://schemas.microsoft.com/office/drawing/2014/main" val="2360363224"/>
+                    </a:ext>
+                  </a:extLst>
+                </a:gridCol>
+              </a:tblGrid>
+              <a:tr h="364002">
+                <a:tc>
+                  <a:txBody>
+                    <a:bodyPr/>
+                    <a:lstStyle/>
+                    <a:p>
+                      <a:r>
+                        <a:rPr lang="de-DE" sz="1400" noProof="0" dirty="0"/>
+                        <a:t>Aufgabe</a:t>
+                      </a:r>
+                    </a:p>
+                  </a:txBody>
+                  <a:tcPr/>
+                </a:tc>
+                <a:tc>
+                  <a:txBody>
+                    <a:bodyPr/>
+                    <a:lstStyle/>
+                    <a:p>
+                      <a:r>
+                        <a:rPr lang="de-DE" sz="1400" noProof="0" dirty="0"/>
+                        <a:t>Zuständigkeit</a:t>
+                      </a:r>
+                    </a:p>
+                  </a:txBody>
+                  <a:tcPr/>
+                </a:tc>
+                <a:tc>
+                  <a:txBody>
+                    <a:bodyPr/>
+                    <a:lstStyle/>
+                    <a:p>
+                      <a:r>
+                        <a:rPr lang="de-DE" sz="1400" noProof="0" dirty="0"/>
+                        <a:t>Aufwand geschätzt</a:t>
+                      </a:r>
+                    </a:p>
+                  </a:txBody>
+                  <a:tcPr/>
+                </a:tc>
+                <a:tc>
+                  <a:txBody>
+                    <a:bodyPr/>
+                    <a:lstStyle/>
+                    <a:p>
+                      <a:r>
+                        <a:rPr lang="de-DE" sz="1400" noProof="0" dirty="0"/>
+                        <a:t>Aufwand tatsächlich</a:t>
+                      </a:r>
+                    </a:p>
+                  </a:txBody>
+                  <a:tcPr/>
+                </a:tc>
+                <a:tc>
+                  <a:txBody>
+                    <a:bodyPr/>
+                    <a:lstStyle/>
+                    <a:p>
+                      <a:r>
+                        <a:rPr lang="de-DE" sz="1400" noProof="0" dirty="0"/>
+                        <a:t>Status</a:t>
+                      </a:r>
+                    </a:p>
+                  </a:txBody>
+                  <a:tcPr/>
+                </a:tc>
+                <a:extLst>
+                  <a:ext uri="{0D108BD9-81ED-4DB2-BD59-A6C34878D82A}">
+                    <a16:rowId xmlns:a16="http://schemas.microsoft.com/office/drawing/2014/main" val="2749238170"/>
+                  </a:ext>
+                </a:extLst>
+              </a:tr>
+              <a:tr h="926116">
+                <a:tc>
+                  <a:txBody>
+                    <a:bodyPr/>
+                    <a:lstStyle/>
+                    <a:p>
+                      <a:r>
+                        <a:rPr lang="de-DE" sz="1400" noProof="0" dirty="0"/>
+                        <a:t>Dokumentation + Project Management</a:t>
+                      </a:r>
+                    </a:p>
+                  </a:txBody>
+                  <a:tcPr/>
+                </a:tc>
+                <a:tc>
+                  <a:txBody>
+                    <a:bodyPr/>
+                    <a:lstStyle/>
+                    <a:p>
+                      <a:r>
+                        <a:rPr lang="de-DE" sz="1400" noProof="0" dirty="0"/>
+                        <a:t>Alle</a:t>
+                      </a:r>
+                    </a:p>
+                  </a:txBody>
+                  <a:tcPr/>
+                </a:tc>
+                <a:tc>
+                  <a:txBody>
+                    <a:bodyPr/>
+                    <a:lstStyle/>
+                    <a:p>
+                      <a:r>
+                        <a:rPr lang="de-DE" sz="1400" noProof="0" dirty="0"/>
+                        <a:t>12</a:t>
+                      </a:r>
+                    </a:p>
+                  </a:txBody>
+                  <a:tcPr/>
+                </a:tc>
+                <a:tc>
+                  <a:txBody>
+                    <a:bodyPr/>
+                    <a:lstStyle/>
+                    <a:p>
+                      <a:endParaRPr lang="de-DE" sz="1400" noProof="0" dirty="0"/>
+                    </a:p>
+                  </a:txBody>
+                  <a:tcPr/>
+                </a:tc>
+                <a:tc>
+                  <a:txBody>
+                    <a:bodyPr/>
+                    <a:lstStyle/>
+                    <a:p>
+                      <a:r>
+                        <a:rPr lang="de-DE" sz="1400" noProof="0" dirty="0"/>
+                        <a:t>Erledigt</a:t>
+                      </a:r>
+                    </a:p>
+                  </a:txBody>
+                  <a:tcPr/>
+                </a:tc>
+                <a:extLst>
+                  <a:ext uri="{0D108BD9-81ED-4DB2-BD59-A6C34878D82A}">
+                    <a16:rowId xmlns:a16="http://schemas.microsoft.com/office/drawing/2014/main" val="432160553"/>
+                  </a:ext>
+                </a:extLst>
+              </a:tr>
+              <a:tr h="408804">
+                <a:tc>
+                  <a:txBody>
+                    <a:bodyPr/>
+                    <a:lstStyle/>
+                    <a:p>
+                      <a:r>
+                        <a:rPr lang="de-DE" sz="1400" noProof="0" dirty="0"/>
+                        <a:t>Dokumenterstellung Architekturdokumentation</a:t>
+                      </a:r>
+                    </a:p>
+                  </a:txBody>
+                  <a:tcPr/>
+                </a:tc>
+                <a:tc>
+                  <a:txBody>
+                    <a:bodyPr/>
+                    <a:lstStyle/>
+                    <a:p>
+                      <a:r>
+                        <a:rPr lang="de-DE" sz="1400" kern="1200" noProof="0" dirty="0">
+                          <a:solidFill>
+                            <a:schemeClr val="dk1"/>
+                          </a:solidFill>
+                          <a:latin typeface="+mn-lt"/>
+                          <a:ea typeface="+mn-ea"/>
+                          <a:cs typeface="+mn-cs"/>
+                        </a:rPr>
+                        <a:t>Vincent Knapp</a:t>
+                      </a:r>
+                    </a:p>
+                    <a:p>
+                      <a:r>
+                        <a:rPr lang="de-DE" sz="1400" kern="1200" noProof="0" dirty="0">
+                          <a:solidFill>
+                            <a:schemeClr val="dk1"/>
+                          </a:solidFill>
+                          <a:latin typeface="+mn-lt"/>
+                          <a:ea typeface="+mn-ea"/>
+                          <a:cs typeface="+mn-cs"/>
+                        </a:rPr>
+                        <a:t>René Weber</a:t>
+                      </a:r>
+                    </a:p>
+                  </a:txBody>
+                  <a:tcPr/>
+                </a:tc>
+                <a:tc>
+                  <a:txBody>
+                    <a:bodyPr/>
+                    <a:lstStyle/>
+                    <a:p>
+                      <a:r>
+                        <a:rPr lang="en-US" sz="1400" kern="1200" noProof="0" dirty="0">
+                          <a:solidFill>
+                            <a:schemeClr val="dk1"/>
+                          </a:solidFill>
+                          <a:latin typeface="+mn-lt"/>
+                          <a:ea typeface="+mn-ea"/>
+                          <a:cs typeface="+mn-cs"/>
+                        </a:rPr>
+                        <a:t>4</a:t>
+                      </a:r>
+                      <a:endParaRPr lang="de-DE" sz="1400" kern="1200" noProof="0" dirty="0">
+                        <a:solidFill>
+                          <a:schemeClr val="dk1"/>
+                        </a:solidFill>
+                        <a:latin typeface="+mn-lt"/>
+                        <a:ea typeface="+mn-ea"/>
+                        <a:cs typeface="+mn-cs"/>
+                      </a:endParaRPr>
+                    </a:p>
+                  </a:txBody>
+                  <a:tcPr/>
+                </a:tc>
+                <a:tc>
+                  <a:txBody>
+                    <a:bodyPr/>
+                    <a:lstStyle/>
+                    <a:p>
+                      <a:endParaRPr lang="de-DE" sz="1400" kern="1200" noProof="0" dirty="0">
+                        <a:solidFill>
+                          <a:schemeClr val="dk1"/>
+                        </a:solidFill>
+                        <a:latin typeface="+mn-lt"/>
+                        <a:ea typeface="+mn-ea"/>
+                        <a:cs typeface="+mn-cs"/>
+                      </a:endParaRPr>
+                    </a:p>
+                  </a:txBody>
+                  <a:tcPr/>
+                </a:tc>
+                <a:tc>
+                  <a:txBody>
+                    <a:bodyPr/>
+                    <a:lstStyle/>
+                    <a:p>
+                      <a:r>
+                        <a:rPr lang="de-DE" sz="1400" noProof="0" dirty="0"/>
+                        <a:t>Erledigt</a:t>
+                      </a:r>
+                    </a:p>
+                  </a:txBody>
+                  <a:tcPr/>
+                </a:tc>
+                <a:extLst>
+                  <a:ext uri="{0D108BD9-81ED-4DB2-BD59-A6C34878D82A}">
+                    <a16:rowId xmlns:a16="http://schemas.microsoft.com/office/drawing/2014/main" val="739622510"/>
+                  </a:ext>
+                </a:extLst>
+              </a:tr>
+              <a:tr h="506337">
+                <a:tc>
+                  <a:txBody>
+                    <a:bodyPr/>
+                    <a:lstStyle/>
+                    <a:p>
+                      <a:pPr marL="0" marR="0" lvl="0" indent="0" algn="l" defTabSz="914400" rtl="0" eaLnBrk="1" fontAlgn="auto" latinLnBrk="0" hangingPunct="1">
+                        <a:lnSpc>
+                          <a:spcPct val="100000"/>
+                        </a:lnSpc>
+                        <a:spcBef>
+                          <a:spcPts val="0"/>
+                        </a:spcBef>
+                        <a:spcAft>
+                          <a:spcPts val="0"/>
+                        </a:spcAft>
+                        <a:buClrTx/>
+                        <a:buSzTx/>
+                        <a:buFontTx/>
+                        <a:buNone/>
+                        <a:tabLst/>
+                        <a:defRPr/>
+                      </a:pPr>
+                      <a:r>
+                        <a:rPr lang="de-DE" sz="1400" noProof="0" dirty="0"/>
+                        <a:t>Implementierung der Küchenansicht</a:t>
+                      </a:r>
+                    </a:p>
+                  </a:txBody>
+                  <a:tcPr/>
+                </a:tc>
+                <a:tc>
+                  <a:txBody>
+                    <a:bodyPr/>
+                    <a:lstStyle/>
+                    <a:p>
+                      <a:r>
+                        <a:rPr lang="de-DE" sz="1400" noProof="0" dirty="0"/>
+                        <a:t>Hans Bloching</a:t>
+                      </a:r>
+                    </a:p>
+                    <a:p>
+                      <a:r>
+                        <a:rPr lang="de-DE" sz="1400" noProof="0" dirty="0"/>
+                        <a:t>Vincent Knapp</a:t>
+                      </a:r>
+                    </a:p>
+                    <a:p>
+                      <a:r>
+                        <a:rPr lang="de-DE" sz="1400" noProof="0" dirty="0"/>
+                        <a:t>René Weber</a:t>
+                      </a:r>
+                    </a:p>
+                  </a:txBody>
+                  <a:tcPr/>
+                </a:tc>
+                <a:tc>
+                  <a:txBody>
+                    <a:bodyPr/>
+                    <a:lstStyle/>
+                    <a:p>
+                      <a:r>
+                        <a:rPr lang="de-DE" sz="1400" noProof="0" dirty="0"/>
+                        <a:t>5</a:t>
+                      </a:r>
+                    </a:p>
+                  </a:txBody>
+                  <a:tcPr/>
+                </a:tc>
+                <a:tc>
+                  <a:txBody>
+                    <a:bodyPr/>
+                    <a:lstStyle/>
+                    <a:p>
+                      <a:endParaRPr lang="de-DE" sz="1400" noProof="0" dirty="0"/>
+                    </a:p>
+                  </a:txBody>
+                  <a:tcPr/>
+                </a:tc>
+                <a:tc>
+                  <a:txBody>
+                    <a:bodyPr/>
+                    <a:lstStyle/>
+                    <a:p>
+                      <a:r>
+                        <a:rPr lang="de-DE" sz="1400" noProof="0" dirty="0"/>
+                        <a:t>Erledigt</a:t>
+                      </a:r>
+                    </a:p>
+                  </a:txBody>
+                  <a:tcPr/>
+                </a:tc>
+                <a:extLst>
+                  <a:ext uri="{0D108BD9-81ED-4DB2-BD59-A6C34878D82A}">
+                    <a16:rowId xmlns:a16="http://schemas.microsoft.com/office/drawing/2014/main" val="740267785"/>
+                  </a:ext>
+                </a:extLst>
+              </a:tr>
+              <a:tr h="370891">
+                <a:tc>
+                  <a:txBody>
+                    <a:bodyPr/>
+                    <a:lstStyle/>
+                    <a:p>
+                      <a:r>
+                        <a:rPr lang="de-DE" sz="1400" noProof="0" dirty="0"/>
+                        <a:t>Logik: Anpassen von Speisen im Warenkorb</a:t>
+                      </a:r>
+                    </a:p>
+                  </a:txBody>
+                  <a:tcPr/>
+                </a:tc>
+                <a:tc>
+                  <a:txBody>
+                    <a:bodyPr/>
+                    <a:lstStyle/>
+                    <a:p>
+                      <a:endParaRPr lang="de-DE" sz="1400" noProof="0" dirty="0"/>
+                    </a:p>
+                  </a:txBody>
+                  <a:tcPr/>
+                </a:tc>
+                <a:tc>
+                  <a:txBody>
+                    <a:bodyPr/>
+                    <a:lstStyle/>
+                    <a:p>
+                      <a:endParaRPr lang="de-DE" sz="1400" noProof="0" dirty="0"/>
+                    </a:p>
+                  </a:txBody>
+                  <a:tcPr/>
+                </a:tc>
+                <a:tc>
+                  <a:txBody>
+                    <a:bodyPr/>
+                    <a:lstStyle/>
+                    <a:p>
+                      <a:endParaRPr lang="de-DE" sz="1400" noProof="0" dirty="0"/>
+                    </a:p>
+                  </a:txBody>
+                  <a:tcPr/>
+                </a:tc>
+                <a:tc>
+                  <a:txBody>
+                    <a:bodyPr/>
+                    <a:lstStyle/>
+                    <a:p>
+                      <a:r>
+                        <a:rPr lang="de-DE" sz="1400" noProof="0" dirty="0"/>
+                        <a:t>Erledigt</a:t>
+                      </a:r>
+                    </a:p>
+                  </a:txBody>
+                  <a:tcPr/>
+                </a:tc>
+                <a:extLst>
+                  <a:ext uri="{0D108BD9-81ED-4DB2-BD59-A6C34878D82A}">
+                    <a16:rowId xmlns:a16="http://schemas.microsoft.com/office/drawing/2014/main" val="2603736860"/>
+                  </a:ext>
+                </a:extLst>
+              </a:tr>
+              <a:tr h="362139">
+                <a:tc>
+                  <a:txBody>
+                    <a:bodyPr/>
+                    <a:lstStyle/>
+                    <a:p>
+                      <a:r>
+                        <a:rPr lang="de-DE" sz="1400" noProof="0" dirty="0"/>
+                        <a:t>Logik: Automatische Kalkulation der Kosten</a:t>
+                      </a:r>
+                    </a:p>
+                  </a:txBody>
+                  <a:tcPr/>
+                </a:tc>
+                <a:tc>
+                  <a:txBody>
+                    <a:bodyPr/>
+                    <a:lstStyle/>
+                    <a:p>
+                      <a:endParaRPr lang="de-DE" sz="1400" noProof="0" dirty="0"/>
+                    </a:p>
+                  </a:txBody>
+                  <a:tcPr/>
+                </a:tc>
+                <a:tc>
+                  <a:txBody>
+                    <a:bodyPr/>
+                    <a:lstStyle/>
+                    <a:p>
+                      <a:endParaRPr lang="de-DE" sz="1400" noProof="0" dirty="0"/>
+                    </a:p>
+                  </a:txBody>
+                  <a:tcPr/>
+                </a:tc>
+                <a:tc>
+                  <a:txBody>
+                    <a:bodyPr/>
+                    <a:lstStyle/>
+                    <a:p>
+                      <a:endParaRPr lang="de-DE" sz="1400" noProof="0" dirty="0"/>
+                    </a:p>
+                  </a:txBody>
+                  <a:tcPr/>
+                </a:tc>
+                <a:tc>
+                  <a:txBody>
+                    <a:bodyPr/>
+                    <a:lstStyle/>
+                    <a:p>
+                      <a:r>
+                        <a:rPr lang="de-DE" sz="1400" noProof="0" dirty="0"/>
+                        <a:t>Erledigt</a:t>
+                      </a:r>
+                    </a:p>
+                  </a:txBody>
+                  <a:tcPr/>
+                </a:tc>
+                <a:extLst>
+                  <a:ext uri="{0D108BD9-81ED-4DB2-BD59-A6C34878D82A}">
+                    <a16:rowId xmlns:a16="http://schemas.microsoft.com/office/drawing/2014/main" val="4252090113"/>
+                  </a:ext>
+                </a:extLst>
+              </a:tr>
+              <a:tr h="488887">
+                <a:tc>
+                  <a:txBody>
+                    <a:bodyPr/>
+                    <a:lstStyle/>
+                    <a:p>
+                      <a:r>
+                        <a:rPr lang="de-DE" sz="1400" noProof="0" dirty="0"/>
+                        <a:t>Logik: Absenden der Bestellung für spezifische Tischnummer</a:t>
+                      </a:r>
+                    </a:p>
+                  </a:txBody>
+                  <a:tcPr/>
+                </a:tc>
+                <a:tc>
+                  <a:txBody>
+                    <a:bodyPr/>
+                    <a:lstStyle/>
+                    <a:p>
+                      <a:endParaRPr lang="de-DE" sz="1400" noProof="0" dirty="0"/>
+                    </a:p>
+                  </a:txBody>
+                  <a:tcPr/>
+                </a:tc>
+                <a:tc>
+                  <a:txBody>
+                    <a:bodyPr/>
+                    <a:lstStyle/>
+                    <a:p>
+                      <a:endParaRPr lang="de-DE" sz="1400" noProof="0" dirty="0"/>
+                    </a:p>
+                  </a:txBody>
+                  <a:tcPr/>
+                </a:tc>
+                <a:tc>
+                  <a:txBody>
+                    <a:bodyPr/>
+                    <a:lstStyle/>
+                    <a:p>
+                      <a:endParaRPr lang="de-DE" sz="1400" noProof="0" dirty="0"/>
+                    </a:p>
+                  </a:txBody>
+                  <a:tcPr/>
+                </a:tc>
+                <a:tc>
+                  <a:txBody>
+                    <a:bodyPr/>
+                    <a:lstStyle/>
+                    <a:p>
+                      <a:r>
+                        <a:rPr lang="de-DE" sz="1400" noProof="0" dirty="0"/>
+                        <a:t>Erledigt</a:t>
+                      </a:r>
+                    </a:p>
+                  </a:txBody>
+                  <a:tcPr/>
+                </a:tc>
+                <a:extLst>
+                  <a:ext uri="{0D108BD9-81ED-4DB2-BD59-A6C34878D82A}">
+                    <a16:rowId xmlns:a16="http://schemas.microsoft.com/office/drawing/2014/main" val="1091053033"/>
+                  </a:ext>
+                </a:extLst>
+              </a:tr>
+              <a:tr h="450561">
+                <a:tc>
+                  <a:txBody>
+                    <a:bodyPr/>
+                    <a:lstStyle/>
+                    <a:p>
+                      <a:r>
+                        <a:rPr lang="de-DE" sz="1400" noProof="0" dirty="0"/>
+                        <a:t>Abschluss Warenkorb</a:t>
+                      </a:r>
+                    </a:p>
+                  </a:txBody>
+                  <a:tcPr/>
+                </a:tc>
+                <a:tc>
+                  <a:txBody>
+                    <a:bodyPr/>
+                    <a:lstStyle/>
+                    <a:p>
+                      <a:endParaRPr lang="de-DE" sz="1400" noProof="0" dirty="0"/>
+                    </a:p>
+                  </a:txBody>
+                  <a:tcPr/>
+                </a:tc>
+                <a:tc>
+                  <a:txBody>
+                    <a:bodyPr/>
+                    <a:lstStyle/>
+                    <a:p>
+                      <a:endParaRPr lang="de-DE" sz="1400" noProof="0" dirty="0"/>
+                    </a:p>
+                  </a:txBody>
+                  <a:tcPr/>
+                </a:tc>
+                <a:tc>
+                  <a:txBody>
+                    <a:bodyPr/>
+                    <a:lstStyle/>
+                    <a:p>
+                      <a:endParaRPr lang="de-DE" sz="1400" noProof="0" dirty="0"/>
+                    </a:p>
+                  </a:txBody>
+                  <a:tcPr/>
+                </a:tc>
+                <a:tc>
+                  <a:txBody>
+                    <a:bodyPr/>
+                    <a:lstStyle/>
+                    <a:p>
+                      <a:r>
+                        <a:rPr lang="de-DE" sz="1400" noProof="0" dirty="0"/>
+                        <a:t>Erledigt</a:t>
+                      </a:r>
+                    </a:p>
+                  </a:txBody>
+                  <a:tcPr/>
+                </a:tc>
+                <a:extLst>
+                  <a:ext uri="{0D108BD9-81ED-4DB2-BD59-A6C34878D82A}">
+                    <a16:rowId xmlns:a16="http://schemas.microsoft.com/office/drawing/2014/main" val="2446957633"/>
+                  </a:ext>
+                </a:extLst>
+              </a:tr>
+            </a:tbl>
+          </a:graphicData>
+        </a:graphic>
+      </p:graphicFrame>
     </p:spTree>
     <p:extLst>
       <p:ext uri="{BB962C8B-B14F-4D97-AF65-F5344CB8AC3E}">
@@ -7639,6 +8036,153 @@
 </file>
 
 <file path=ppt/slides/slide5.xml><?xml version="1.0" encoding="utf-8"?>
+<p:sld xmlns:a="http://schemas.openxmlformats.org/drawingml/2006/main" xmlns:r="http://schemas.openxmlformats.org/officeDocument/2006/relationships" xmlns:p="http://schemas.openxmlformats.org/presentationml/2006/main">
+  <p:cSld>
+    <p:spTree>
+      <p:nvGrpSpPr>
+        <p:cNvPr id="1" name="">
+          <a:extLst>
+            <a:ext uri="{FF2B5EF4-FFF2-40B4-BE49-F238E27FC236}">
+              <a16:creationId xmlns:a16="http://schemas.microsoft.com/office/drawing/2014/main" id="{274176BE-ABD1-4DFE-CA00-BF955600DF74}"/>
+            </a:ext>
+          </a:extLst>
+        </p:cNvPr>
+        <p:cNvGrpSpPr/>
+        <p:nvPr/>
+      </p:nvGrpSpPr>
+      <p:grpSpPr>
+        <a:xfrm>
+          <a:off x="0" y="0"/>
+          <a:ext cx="0" cy="0"/>
+          <a:chOff x="0" y="0"/>
+          <a:chExt cx="0" cy="0"/>
+        </a:xfrm>
+      </p:grpSpPr>
+      <p:sp>
+        <p:nvSpPr>
+          <p:cNvPr id="2" name="Titel 1">
+            <a:extLst>
+              <a:ext uri="{FF2B5EF4-FFF2-40B4-BE49-F238E27FC236}">
+                <a16:creationId xmlns:a16="http://schemas.microsoft.com/office/drawing/2014/main" id="{12FF5556-F8B2-9673-27B6-FE07D7D4A442}"/>
+              </a:ext>
+            </a:extLst>
+          </p:cNvPr>
+          <p:cNvSpPr>
+            <a:spLocks noGrp="1"/>
+          </p:cNvSpPr>
+          <p:nvPr>
+            <p:ph type="title"/>
+          </p:nvPr>
+        </p:nvSpPr>
+        <p:spPr/>
+        <p:txBody>
+          <a:bodyPr/>
+          <a:lstStyle/>
+          <a:p>
+            <a:r>
+              <a:rPr lang="de-DE" noProof="0" dirty="0"/>
+              <a:t>3. Produktzwischenstand</a:t>
+            </a:r>
+          </a:p>
+        </p:txBody>
+      </p:sp>
+      <p:sp>
+        <p:nvSpPr>
+          <p:cNvPr id="4" name="Datumsplatzhalter 3">
+            <a:extLst>
+              <a:ext uri="{FF2B5EF4-FFF2-40B4-BE49-F238E27FC236}">
+                <a16:creationId xmlns:a16="http://schemas.microsoft.com/office/drawing/2014/main" id="{DCE9DA51-0540-375C-546C-32C89838F3BF}"/>
+              </a:ext>
+            </a:extLst>
+          </p:cNvPr>
+          <p:cNvSpPr>
+            <a:spLocks noGrp="1"/>
+          </p:cNvSpPr>
+          <p:nvPr>
+            <p:ph type="dt" sz="half" idx="10"/>
+          </p:nvPr>
+        </p:nvSpPr>
+        <p:spPr/>
+        <p:txBody>
+          <a:bodyPr/>
+          <a:lstStyle/>
+          <a:p>
+            <a:fld id="{42B45B56-1D88-4042-8DF0-EB6B41B710D3}" type="datetime1">
+              <a:rPr lang="de-DE" noProof="0" smtClean="0"/>
+              <a:t>11.12.2024</a:t>
+            </a:fld>
+            <a:endParaRPr lang="de-DE" noProof="0" dirty="0"/>
+          </a:p>
+        </p:txBody>
+      </p:sp>
+      <p:sp>
+        <p:nvSpPr>
+          <p:cNvPr id="5" name="Foliennummernplatzhalter 4">
+            <a:extLst>
+              <a:ext uri="{FF2B5EF4-FFF2-40B4-BE49-F238E27FC236}">
+                <a16:creationId xmlns:a16="http://schemas.microsoft.com/office/drawing/2014/main" id="{269A7E09-0FAD-B32E-B92E-791841A8BAB8}"/>
+              </a:ext>
+            </a:extLst>
+          </p:cNvPr>
+          <p:cNvSpPr>
+            <a:spLocks noGrp="1"/>
+          </p:cNvSpPr>
+          <p:nvPr>
+            <p:ph type="sldNum" sz="quarter" idx="12"/>
+          </p:nvPr>
+        </p:nvSpPr>
+        <p:spPr/>
+        <p:txBody>
+          <a:bodyPr/>
+          <a:lstStyle/>
+          <a:p>
+            <a:fld id="{07CE569E-9B7C-4CB9-AB80-C0841F922CFF}" type="slidenum">
+              <a:rPr lang="de-DE" noProof="0" smtClean="0"/>
+              <a:t>5</a:t>
+            </a:fld>
+            <a:endParaRPr lang="de-DE" noProof="0" dirty="0"/>
+          </a:p>
+        </p:txBody>
+      </p:sp>
+      <p:sp>
+        <p:nvSpPr>
+          <p:cNvPr id="6" name="Inhaltsplatzhalter 5">
+            <a:extLst>
+              <a:ext uri="{FF2B5EF4-FFF2-40B4-BE49-F238E27FC236}">
+                <a16:creationId xmlns:a16="http://schemas.microsoft.com/office/drawing/2014/main" id="{926DDF71-7263-7659-E5C3-47ABBD651A69}"/>
+              </a:ext>
+            </a:extLst>
+          </p:cNvPr>
+          <p:cNvSpPr>
+            <a:spLocks noGrp="1"/>
+          </p:cNvSpPr>
+          <p:nvPr>
+            <p:ph idx="1"/>
+          </p:nvPr>
+        </p:nvSpPr>
+        <p:spPr/>
+        <p:txBody>
+          <a:bodyPr/>
+          <a:lstStyle/>
+          <a:p>
+            <a:endParaRPr lang="de-DE"/>
+          </a:p>
+        </p:txBody>
+      </p:sp>
+    </p:spTree>
+    <p:extLst>
+      <p:ext uri="{BB962C8B-B14F-4D97-AF65-F5344CB8AC3E}">
+        <p14:creationId xmlns:p14="http://schemas.microsoft.com/office/powerpoint/2010/main" val="1023861628"/>
+      </p:ext>
+    </p:extLst>
+  </p:cSld>
+  <p:clrMapOvr>
+    <a:masterClrMapping/>
+  </p:clrMapOvr>
+</p:sld>
+</file>
+
+<file path=ppt/slides/slide6.xml><?xml version="1.0" encoding="utf-8"?>
 <p:sld xmlns:a="http://schemas.openxmlformats.org/drawingml/2006/main" xmlns:r="http://schemas.openxmlformats.org/officeDocument/2006/relationships" xmlns:p="http://schemas.openxmlformats.org/presentationml/2006/main">
   <p:cSld>
     <p:spTree>
@@ -7741,7 +8285,7 @@
           <a:p>
             <a:fld id="{07CE569E-9B7C-4CB9-AB80-C0841F922CFF}" type="slidenum">
               <a:rPr lang="de-DE" noProof="0" smtClean="0"/>
-              <a:t>5</a:t>
+              <a:t>6</a:t>
             </a:fld>
             <a:endParaRPr lang="de-DE" noProof="0" dirty="0"/>
           </a:p>
@@ -7763,14 +8307,14 @@
             <p:ph idx="1"/>
             <p:extLst>
               <p:ext uri="{D42A27DB-BD31-4B8C-83A1-F6EECF244321}">
-                <p14:modId xmlns:p14="http://schemas.microsoft.com/office/powerpoint/2010/main" val="889857114"/>
+                <p14:modId xmlns:p14="http://schemas.microsoft.com/office/powerpoint/2010/main" val="2624029355"/>
               </p:ext>
             </p:extLst>
           </p:nvPr>
         </p:nvGraphicFramePr>
         <p:xfrm>
           <a:off x="762000" y="1860487"/>
-          <a:ext cx="8961423" cy="4590053"/>
+          <a:ext cx="8961423" cy="4241549"/>
         </p:xfrm>
         <a:graphic>
           <a:graphicData uri="http://schemas.openxmlformats.org/drawingml/2006/table">
@@ -8096,7 +8640,7 @@
                     <a:p>
                       <a:r>
                         <a:rPr lang="de-DE" sz="1400" noProof="0" dirty="0"/>
-                        <a:t>In Arbeit</a:t>
+                        <a:t>Erledigt</a:t>
                       </a:r>
                     </a:p>
                   </a:txBody>
@@ -8108,7 +8652,20 @@
                   </a:ext>
                 </a:extLst>
               </a:tr>
-              <a:tr h="628278">
+              <a:tr h="370891">
+                <a:tc>
+                  <a:txBody>
+                    <a:bodyPr/>
+                    <a:lstStyle/>
+                    <a:p>
+                      <a:r>
+                        <a:rPr lang="de-DE" sz="1400" noProof="0" dirty="0"/>
+                        <a:t>Logik: Anpassen von Speisen im Warenkorb</a:t>
+                      </a:r>
+                    </a:p>
+                  </a:txBody>
+                  <a:tcPr/>
+                </a:tc>
                 <a:tc>
                   <a:txBody>
                     <a:bodyPr/>
@@ -8134,17 +8691,10 @@
                     <a:bodyPr/>
                     <a:lstStyle/>
                     <a:p>
-                      <a:endParaRPr lang="de-DE" sz="1400" noProof="0" dirty="0"/>
-                    </a:p>
-                  </a:txBody>
-                  <a:tcPr/>
-                </a:tc>
-                <a:tc>
-                  <a:txBody>
-                    <a:bodyPr/>
-                    <a:lstStyle/>
-                    <a:p>
-                      <a:endParaRPr lang="de-DE" sz="1400" noProof="0" dirty="0"/>
+                      <a:r>
+                        <a:rPr lang="de-DE" sz="1400" noProof="0" dirty="0"/>
+                        <a:t>Erledigt</a:t>
+                      </a:r>
                     </a:p>
                   </a:txBody>
                   <a:tcPr/>
@@ -8155,7 +8705,20 @@
                   </a:ext>
                 </a:extLst>
               </a:tr>
-              <a:tr h="482529">
+              <a:tr h="362139">
+                <a:tc>
+                  <a:txBody>
+                    <a:bodyPr/>
+                    <a:lstStyle/>
+                    <a:p>
+                      <a:r>
+                        <a:rPr lang="de-DE" sz="1400" noProof="0" dirty="0"/>
+                        <a:t>Logik: Automatische Kalkulation der Kosten</a:t>
+                      </a:r>
+                    </a:p>
+                  </a:txBody>
+                  <a:tcPr/>
+                </a:tc>
                 <a:tc>
                   <a:txBody>
                     <a:bodyPr/>
@@ -8181,17 +8744,10 @@
                     <a:bodyPr/>
                     <a:lstStyle/>
                     <a:p>
-                      <a:endParaRPr lang="de-DE" sz="1400" noProof="0" dirty="0"/>
-                    </a:p>
-                  </a:txBody>
-                  <a:tcPr/>
-                </a:tc>
-                <a:tc>
-                  <a:txBody>
-                    <a:bodyPr/>
-                    <a:lstStyle/>
-                    <a:p>
-                      <a:endParaRPr lang="de-DE" sz="1400" noProof="0" dirty="0"/>
+                      <a:r>
+                        <a:rPr lang="de-DE" sz="1400" noProof="0" dirty="0"/>
+                        <a:t>Erledigt</a:t>
+                      </a:r>
                     </a:p>
                   </a:txBody>
                   <a:tcPr/>
@@ -8208,6 +8764,19 @@
                     <a:bodyPr/>
                     <a:lstStyle/>
                     <a:p>
+                      <a:r>
+                        <a:rPr lang="de-DE" sz="1400" noProof="0" dirty="0"/>
+                        <a:t>Logik: Absenden der Bestellung für spezifische Tischnummer</a:t>
+                      </a:r>
+                    </a:p>
+                  </a:txBody>
+                  <a:tcPr/>
+                </a:tc>
+                <a:tc>
+                  <a:txBody>
+                    <a:bodyPr/>
+                    <a:lstStyle/>
+                    <a:p>
                       <a:endParaRPr lang="de-DE" sz="1400" noProof="0" dirty="0"/>
                     </a:p>
                   </a:txBody>
@@ -8228,17 +8797,10 @@
                     <a:bodyPr/>
                     <a:lstStyle/>
                     <a:p>
-                      <a:endParaRPr lang="de-DE" sz="1400" noProof="0" dirty="0"/>
-                    </a:p>
-                  </a:txBody>
-                  <a:tcPr/>
-                </a:tc>
-                <a:tc>
-                  <a:txBody>
-                    <a:bodyPr/>
-                    <a:lstStyle/>
-                    <a:p>
-                      <a:endParaRPr lang="de-DE" sz="1400" noProof="0" dirty="0"/>
+                      <a:r>
+                        <a:rPr lang="de-DE" sz="1400" noProof="0" dirty="0"/>
+                        <a:t>Erledigt</a:t>
+                      </a:r>
                     </a:p>
                   </a:txBody>
                   <a:tcPr/>
@@ -8255,6 +8817,19 @@
                     <a:bodyPr/>
                     <a:lstStyle/>
                     <a:p>
+                      <a:r>
+                        <a:rPr lang="de-DE" sz="1400" noProof="0" dirty="0"/>
+                        <a:t>Abschluss Warenkorb</a:t>
+                      </a:r>
+                    </a:p>
+                  </a:txBody>
+                  <a:tcPr/>
+                </a:tc>
+                <a:tc>
+                  <a:txBody>
+                    <a:bodyPr/>
+                    <a:lstStyle/>
+                    <a:p>
                       <a:endParaRPr lang="de-DE" sz="1400" noProof="0" dirty="0"/>
                     </a:p>
                   </a:txBody>
@@ -8275,17 +8850,10 @@
                     <a:bodyPr/>
                     <a:lstStyle/>
                     <a:p>
-                      <a:endParaRPr lang="de-DE" sz="1400" noProof="0" dirty="0"/>
-                    </a:p>
-                  </a:txBody>
-                  <a:tcPr/>
-                </a:tc>
-                <a:tc>
-                  <a:txBody>
-                    <a:bodyPr/>
-                    <a:lstStyle/>
-                    <a:p>
-                      <a:endParaRPr lang="de-DE" sz="1400" noProof="0" dirty="0"/>
+                      <a:r>
+                        <a:rPr lang="de-DE" sz="1400" noProof="0" dirty="0"/>
+                        <a:t>Erledigt</a:t>
+                      </a:r>
                     </a:p>
                   </a:txBody>
                   <a:tcPr/>
@@ -8361,10 +8929,10 @@
             <a:r>
               <a:rPr lang="de-DE" noProof="0" dirty="0">
                 <a:solidFill>
-                  <a:schemeClr val="bg1"/>
+                  <a:srgbClr val="FF0000"/>
                 </a:solidFill>
               </a:rPr>
-              <a:t>48,5</a:t>
+              <a:t>Summe</a:t>
             </a:r>
           </a:p>
         </p:txBody>
@@ -8373,227 +8941,6 @@
     <p:extLst>
       <p:ext uri="{BB962C8B-B14F-4D97-AF65-F5344CB8AC3E}">
         <p14:creationId xmlns:p14="http://schemas.microsoft.com/office/powerpoint/2010/main" val="2023827376"/>
-      </p:ext>
-    </p:extLst>
-  </p:cSld>
-  <p:clrMapOvr>
-    <a:masterClrMapping/>
-  </p:clrMapOvr>
-</p:sld>
-</file>
-
-<file path=ppt/slides/slide6.xml><?xml version="1.0" encoding="utf-8"?>
-<p:sld xmlns:a="http://schemas.openxmlformats.org/drawingml/2006/main" xmlns:r="http://schemas.openxmlformats.org/officeDocument/2006/relationships" xmlns:p="http://schemas.openxmlformats.org/presentationml/2006/main">
-  <p:cSld>
-    <p:spTree>
-      <p:nvGrpSpPr>
-        <p:cNvPr id="1" name="">
-          <a:extLst>
-            <a:ext uri="{FF2B5EF4-FFF2-40B4-BE49-F238E27FC236}">
-              <a16:creationId xmlns:a16="http://schemas.microsoft.com/office/drawing/2014/main" id="{C1327A56-8803-8690-2656-DFE7A3F768B5}"/>
-            </a:ext>
-          </a:extLst>
-        </p:cNvPr>
-        <p:cNvGrpSpPr/>
-        <p:nvPr/>
-      </p:nvGrpSpPr>
-      <p:grpSpPr>
-        <a:xfrm>
-          <a:off x="0" y="0"/>
-          <a:ext cx="0" cy="0"/>
-          <a:chOff x="0" y="0"/>
-          <a:chExt cx="0" cy="0"/>
-        </a:xfrm>
-      </p:grpSpPr>
-      <p:sp>
-        <p:nvSpPr>
-          <p:cNvPr id="2" name="Titel 1">
-            <a:extLst>
-              <a:ext uri="{FF2B5EF4-FFF2-40B4-BE49-F238E27FC236}">
-                <a16:creationId xmlns:a16="http://schemas.microsoft.com/office/drawing/2014/main" id="{0A864DA5-00F2-B462-5059-ED63FF59DB1A}"/>
-              </a:ext>
-            </a:extLst>
-          </p:cNvPr>
-          <p:cNvSpPr>
-            <a:spLocks noGrp="1"/>
-          </p:cNvSpPr>
-          <p:nvPr>
-            <p:ph type="title"/>
-          </p:nvPr>
-        </p:nvSpPr>
-        <p:spPr/>
-        <p:txBody>
-          <a:bodyPr/>
-          <a:lstStyle/>
-          <a:p>
-            <a:r>
-              <a:rPr lang="de-DE" noProof="0" dirty="0"/>
-              <a:t>4. Detailplanung</a:t>
-            </a:r>
-          </a:p>
-        </p:txBody>
-      </p:sp>
-      <p:sp>
-        <p:nvSpPr>
-          <p:cNvPr id="4" name="Datumsplatzhalter 3">
-            <a:extLst>
-              <a:ext uri="{FF2B5EF4-FFF2-40B4-BE49-F238E27FC236}">
-                <a16:creationId xmlns:a16="http://schemas.microsoft.com/office/drawing/2014/main" id="{D5956103-E0B1-94D3-AA92-F9B93F440033}"/>
-              </a:ext>
-            </a:extLst>
-          </p:cNvPr>
-          <p:cNvSpPr>
-            <a:spLocks noGrp="1"/>
-          </p:cNvSpPr>
-          <p:nvPr>
-            <p:ph type="dt" sz="half" idx="10"/>
-          </p:nvPr>
-        </p:nvSpPr>
-        <p:spPr/>
-        <p:txBody>
-          <a:bodyPr/>
-          <a:lstStyle/>
-          <a:p>
-            <a:fld id="{42B45B56-1D88-4042-8DF0-EB6B41B710D3}" type="datetime1">
-              <a:rPr lang="de-DE" noProof="0" smtClean="0"/>
-              <a:t>11.12.2024</a:t>
-            </a:fld>
-            <a:endParaRPr lang="de-DE" noProof="0" dirty="0"/>
-          </a:p>
-        </p:txBody>
-      </p:sp>
-      <p:sp>
-        <p:nvSpPr>
-          <p:cNvPr id="5" name="Foliennummernplatzhalter 4">
-            <a:extLst>
-              <a:ext uri="{FF2B5EF4-FFF2-40B4-BE49-F238E27FC236}">
-                <a16:creationId xmlns:a16="http://schemas.microsoft.com/office/drawing/2014/main" id="{978AA4DA-49E4-BCC5-53AE-89AEF02600C9}"/>
-              </a:ext>
-            </a:extLst>
-          </p:cNvPr>
-          <p:cNvSpPr>
-            <a:spLocks noGrp="1"/>
-          </p:cNvSpPr>
-          <p:nvPr>
-            <p:ph type="sldNum" sz="quarter" idx="12"/>
-          </p:nvPr>
-        </p:nvSpPr>
-        <p:spPr/>
-        <p:txBody>
-          <a:bodyPr/>
-          <a:lstStyle/>
-          <a:p>
-            <a:fld id="{07CE569E-9B7C-4CB9-AB80-C0841F922CFF}" type="slidenum">
-              <a:rPr lang="de-DE" noProof="0" smtClean="0"/>
-              <a:t>6</a:t>
-            </a:fld>
-            <a:endParaRPr lang="de-DE" noProof="0" dirty="0"/>
-          </a:p>
-        </p:txBody>
-      </p:sp>
-      <p:pic>
-        <p:nvPicPr>
-          <p:cNvPr id="7" name="Grafik 6">
-            <a:extLst>
-              <a:ext uri="{FF2B5EF4-FFF2-40B4-BE49-F238E27FC236}">
-                <a16:creationId xmlns:a16="http://schemas.microsoft.com/office/drawing/2014/main" id="{819AB691-D2DA-B0AA-EE22-8C598AF8EE14}"/>
-              </a:ext>
-            </a:extLst>
-          </p:cNvPr>
-          <p:cNvPicPr>
-            <a:picLocks noChangeAspect="1"/>
-          </p:cNvPicPr>
-          <p:nvPr/>
-        </p:nvPicPr>
-        <p:blipFill>
-          <a:blip r:embed="rId2"/>
-          <a:stretch>
-            <a:fillRect/>
-          </a:stretch>
-        </p:blipFill>
-        <p:spPr>
-          <a:xfrm>
-            <a:off x="6888985" y="5804040"/>
-            <a:ext cx="1738967" cy="451906"/>
-          </a:xfrm>
-          <a:prstGeom prst="rect">
-            <a:avLst/>
-          </a:prstGeom>
-        </p:spPr>
-      </p:pic>
-      <p:sp>
-        <p:nvSpPr>
-          <p:cNvPr id="12" name="Textfeld 11">
-            <a:extLst>
-              <a:ext uri="{FF2B5EF4-FFF2-40B4-BE49-F238E27FC236}">
-                <a16:creationId xmlns:a16="http://schemas.microsoft.com/office/drawing/2014/main" id="{4E62AC30-F4D6-5400-C0D8-8E1650F3D06C}"/>
-              </a:ext>
-            </a:extLst>
-          </p:cNvPr>
-          <p:cNvSpPr txBox="1"/>
-          <p:nvPr/>
-        </p:nvSpPr>
-        <p:spPr>
-          <a:xfrm>
-            <a:off x="6889688" y="5845327"/>
-            <a:ext cx="1524000" cy="369332"/>
-          </a:xfrm>
-          <a:prstGeom prst="rect">
-            <a:avLst/>
-          </a:prstGeom>
-          <a:noFill/>
-        </p:spPr>
-        <p:txBody>
-          <a:bodyPr wrap="square" rtlCol="0">
-            <a:spAutoFit/>
-          </a:bodyPr>
-          <a:lstStyle/>
-          <a:p>
-            <a:r>
-              <a:rPr lang="de-DE" noProof="0" dirty="0">
-                <a:solidFill>
-                  <a:schemeClr val="bg1"/>
-                </a:solidFill>
-              </a:rPr>
-              <a:t>46</a:t>
-            </a:r>
-          </a:p>
-        </p:txBody>
-      </p:sp>
-      <p:pic>
-        <p:nvPicPr>
-          <p:cNvPr id="10" name="Grafik 9">
-            <a:extLst>
-              <a:ext uri="{FF2B5EF4-FFF2-40B4-BE49-F238E27FC236}">
-                <a16:creationId xmlns:a16="http://schemas.microsoft.com/office/drawing/2014/main" id="{CA6DDC0B-0274-D1AA-72FE-7ABE596AB171}"/>
-              </a:ext>
-            </a:extLst>
-          </p:cNvPr>
-          <p:cNvPicPr>
-            <a:picLocks noChangeAspect="1"/>
-          </p:cNvPicPr>
-          <p:nvPr/>
-        </p:nvPicPr>
-        <p:blipFill>
-          <a:blip r:embed="rId3"/>
-          <a:stretch>
-            <a:fillRect/>
-          </a:stretch>
-        </p:blipFill>
-        <p:spPr>
-          <a:xfrm>
-            <a:off x="427604" y="2219241"/>
-            <a:ext cx="9981978" cy="4036705"/>
-          </a:xfrm>
-          <a:prstGeom prst="rect">
-            <a:avLst/>
-          </a:prstGeom>
-        </p:spPr>
-      </p:pic>
-    </p:spTree>
-    <p:extLst>
-      <p:ext uri="{BB962C8B-B14F-4D97-AF65-F5344CB8AC3E}">
-        <p14:creationId xmlns:p14="http://schemas.microsoft.com/office/powerpoint/2010/main" val="4250882649"/>
       </p:ext>
     </p:extLst>
   </p:cSld>
@@ -9172,13 +9519,7 @@
   <p:cSld>
     <p:spTree>
       <p:nvGrpSpPr>
-        <p:cNvPr id="1" name="">
-          <a:extLst>
-            <a:ext uri="{FF2B5EF4-FFF2-40B4-BE49-F238E27FC236}">
-              <a16:creationId xmlns:a16="http://schemas.microsoft.com/office/drawing/2014/main" id="{221AA48E-2A24-EE87-5DFA-47A1FBCDFE8F}"/>
-            </a:ext>
-          </a:extLst>
-        </p:cNvPr>
+        <p:cNvPr id="1" name=""/>
         <p:cNvGrpSpPr/>
         <p:nvPr/>
       </p:nvGrpSpPr>
@@ -9195,7 +9536,7 @@
           <p:cNvPr id="2" name="Titel 1">
             <a:extLst>
               <a:ext uri="{FF2B5EF4-FFF2-40B4-BE49-F238E27FC236}">
-                <a16:creationId xmlns:a16="http://schemas.microsoft.com/office/drawing/2014/main" id="{78BC473A-B699-478D-8F2A-85E701CD1E84}"/>
+                <a16:creationId xmlns:a16="http://schemas.microsoft.com/office/drawing/2014/main" id="{86AADDDC-CD07-D152-F98D-6AA7ABFFAE93}"/>
               </a:ext>
             </a:extLst>
           </p:cNvPr>
@@ -9213,7 +9554,66 @@
           <a:p>
             <a:r>
               <a:rPr lang="de-DE" noProof="0" dirty="0"/>
-              <a:t>4. Detailplanung</a:t>
+              <a:t>5. Ausblick auf den folgenden Sprint</a:t>
+            </a:r>
+          </a:p>
+        </p:txBody>
+      </p:sp>
+      <p:sp>
+        <p:nvSpPr>
+          <p:cNvPr id="3" name="Inhaltsplatzhalter 2">
+            <a:extLst>
+              <a:ext uri="{FF2B5EF4-FFF2-40B4-BE49-F238E27FC236}">
+                <a16:creationId xmlns:a16="http://schemas.microsoft.com/office/drawing/2014/main" id="{5E854AF4-9867-751A-7A8B-348123EF4C14}"/>
+              </a:ext>
+            </a:extLst>
+          </p:cNvPr>
+          <p:cNvSpPr>
+            <a:spLocks noGrp="1"/>
+          </p:cNvSpPr>
+          <p:nvPr>
+            <p:ph idx="1"/>
+          </p:nvPr>
+        </p:nvSpPr>
+        <p:spPr/>
+        <p:txBody>
+          <a:bodyPr/>
+          <a:lstStyle/>
+          <a:p>
+            <a:r>
+              <a:rPr lang="de-DE" sz="2800" noProof="0" dirty="0"/>
+              <a:t>Warenkorb Erstellung abschließen</a:t>
+            </a:r>
+          </a:p>
+          <a:p>
+            <a:r>
+              <a:rPr lang="de-DE" noProof="0" dirty="0"/>
+              <a:t>Logik “Anpassen von Speisen im Warenkorb”</a:t>
+            </a:r>
+          </a:p>
+          <a:p>
+            <a:r>
+              <a:rPr lang="de-DE" sz="2800" noProof="0" dirty="0"/>
+              <a:t>Logik </a:t>
+            </a:r>
+            <a:r>
+              <a:rPr lang="de-DE" noProof="0" dirty="0"/>
+              <a:t>“</a:t>
+            </a:r>
+            <a:r>
+              <a:rPr lang="de-DE" noProof="0" dirty="0" err="1"/>
+              <a:t>Autom</a:t>
+            </a:r>
+            <a:r>
+              <a:rPr lang="de-DE" noProof="0" dirty="0"/>
+              <a:t>. Kalkulation der Kosten”</a:t>
+            </a:r>
+            <a:endParaRPr lang="de-DE" sz="2800" noProof="0" dirty="0"/>
+          </a:p>
+          <a:p>
+            <a:r>
+              <a:rPr lang="de-DE" noProof="0" dirty="0"/>
+              <a:t>Logik zum Absenden der Bestellung</a:t>
             </a:r>
           </a:p>
         </p:txBody>
@@ -9223,7 +9623,7 @@
           <p:cNvPr id="4" name="Datumsplatzhalter 3">
             <a:extLst>
               <a:ext uri="{FF2B5EF4-FFF2-40B4-BE49-F238E27FC236}">
-                <a16:creationId xmlns:a16="http://schemas.microsoft.com/office/drawing/2014/main" id="{56E791A0-760F-F86C-27C4-D8D547D2144A}"/>
+                <a16:creationId xmlns:a16="http://schemas.microsoft.com/office/drawing/2014/main" id="{305A6BE5-5A63-7D28-E770-729A20618D33}"/>
               </a:ext>
             </a:extLst>
           </p:cNvPr>
@@ -9252,7 +9652,7 @@
           <p:cNvPr id="5" name="Foliennummernplatzhalter 4">
             <a:extLst>
               <a:ext uri="{FF2B5EF4-FFF2-40B4-BE49-F238E27FC236}">
-                <a16:creationId xmlns:a16="http://schemas.microsoft.com/office/drawing/2014/main" id="{887F0A8D-82B8-1B82-BBB2-211902C89BBB}"/>
+                <a16:creationId xmlns:a16="http://schemas.microsoft.com/office/drawing/2014/main" id="{E28ABC24-8900-E378-E502-62B817D571F6}"/>
               </a:ext>
             </a:extLst>
           </p:cNvPr>
@@ -9276,354 +9676,10 @@
           </a:p>
         </p:txBody>
       </p:sp>
-      <p:sp>
-        <p:nvSpPr>
-          <p:cNvPr id="6" name="Textfeld 5">
-            <a:extLst>
-              <a:ext uri="{FF2B5EF4-FFF2-40B4-BE49-F238E27FC236}">
-                <a16:creationId xmlns:a16="http://schemas.microsoft.com/office/drawing/2014/main" id="{B7469EB5-3D56-C92C-FAC3-44FC9C1A8830}"/>
-              </a:ext>
-            </a:extLst>
-          </p:cNvPr>
-          <p:cNvSpPr txBox="1"/>
-          <p:nvPr/>
-        </p:nvSpPr>
-        <p:spPr>
-          <a:xfrm>
-            <a:off x="911225" y="2067261"/>
-            <a:ext cx="5899150" cy="369332"/>
-          </a:xfrm>
-          <a:prstGeom prst="rect">
-            <a:avLst/>
-          </a:prstGeom>
-          <a:noFill/>
-        </p:spPr>
-        <p:txBody>
-          <a:bodyPr wrap="square" rtlCol="0">
-            <a:spAutoFit/>
-          </a:bodyPr>
-          <a:lstStyle/>
-          <a:p>
-            <a:r>
-              <a:rPr lang="de-DE" b="1" noProof="0" dirty="0"/>
-              <a:t>Risiken und Abhängigkeiten:</a:t>
-            </a:r>
-          </a:p>
-        </p:txBody>
-      </p:sp>
-      <p:graphicFrame>
-        <p:nvGraphicFramePr>
-          <p:cNvPr id="7" name="Tabelle 6">
-            <a:extLst>
-              <a:ext uri="{FF2B5EF4-FFF2-40B4-BE49-F238E27FC236}">
-                <a16:creationId xmlns:a16="http://schemas.microsoft.com/office/drawing/2014/main" id="{72EA57CB-F693-AFE9-BC66-EDE0FCB651CF}"/>
-              </a:ext>
-            </a:extLst>
-          </p:cNvPr>
-          <p:cNvGraphicFramePr>
-            <a:graphicFrameLocks noGrp="1"/>
-          </p:cNvGraphicFramePr>
-          <p:nvPr>
-            <p:extLst>
-              <p:ext uri="{D42A27DB-BD31-4B8C-83A1-F6EECF244321}">
-                <p14:modId xmlns:p14="http://schemas.microsoft.com/office/powerpoint/2010/main" val="2018734797"/>
-              </p:ext>
-            </p:extLst>
-          </p:nvPr>
-        </p:nvGraphicFramePr>
-        <p:xfrm>
-          <a:off x="911225" y="2505710"/>
-          <a:ext cx="9239538" cy="2936240"/>
-        </p:xfrm>
-        <a:graphic>
-          <a:graphicData uri="http://schemas.openxmlformats.org/drawingml/2006/table">
-            <a:tbl>
-              <a:tblPr firstRow="1" bandRow="1">
-                <a:tableStyleId>{5C22544A-7EE6-4342-B048-85BDC9FD1C3A}</a:tableStyleId>
-              </a:tblPr>
-              <a:tblGrid>
-                <a:gridCol w="2995757">
-                  <a:extLst>
-                    <a:ext uri="{9D8B030D-6E8A-4147-A177-3AD203B41FA5}">
-                      <a16:colId xmlns:a16="http://schemas.microsoft.com/office/drawing/2014/main" val="2800661665"/>
-                    </a:ext>
-                  </a:extLst>
-                </a:gridCol>
-                <a:gridCol w="2955636">
-                  <a:extLst>
-                    <a:ext uri="{9D8B030D-6E8A-4147-A177-3AD203B41FA5}">
-                      <a16:colId xmlns:a16="http://schemas.microsoft.com/office/drawing/2014/main" val="1572888870"/>
-                    </a:ext>
-                  </a:extLst>
-                </a:gridCol>
-                <a:gridCol w="3288145">
-                  <a:extLst>
-                    <a:ext uri="{9D8B030D-6E8A-4147-A177-3AD203B41FA5}">
-                      <a16:colId xmlns:a16="http://schemas.microsoft.com/office/drawing/2014/main" val="2692839791"/>
-                    </a:ext>
-                  </a:extLst>
-                </a:gridCol>
-              </a:tblGrid>
-              <a:tr h="370840">
-                <a:tc>
-                  <a:txBody>
-                    <a:bodyPr/>
-                    <a:lstStyle/>
-                    <a:p>
-                      <a:r>
-                        <a:rPr lang="de-DE" noProof="0" dirty="0"/>
-                        <a:t>Risiko</a:t>
-                      </a:r>
-                    </a:p>
-                  </a:txBody>
-                  <a:tcPr/>
-                </a:tc>
-                <a:tc>
-                  <a:txBody>
-                    <a:bodyPr/>
-                    <a:lstStyle/>
-                    <a:p>
-                      <a:r>
-                        <a:rPr lang="de-DE" noProof="0" dirty="0"/>
-                        <a:t>Auswirkung</a:t>
-                      </a:r>
-                    </a:p>
-                  </a:txBody>
-                  <a:tcPr/>
-                </a:tc>
-                <a:tc>
-                  <a:txBody>
-                    <a:bodyPr/>
-                    <a:lstStyle/>
-                    <a:p>
-                      <a:r>
-                        <a:rPr lang="de-DE" noProof="0" dirty="0"/>
-                        <a:t>Lösung</a:t>
-                      </a:r>
-                    </a:p>
-                  </a:txBody>
-                  <a:tcPr/>
-                </a:tc>
-                <a:extLst>
-                  <a:ext uri="{0D108BD9-81ED-4DB2-BD59-A6C34878D82A}">
-                    <a16:rowId xmlns:a16="http://schemas.microsoft.com/office/drawing/2014/main" val="531979671"/>
-                  </a:ext>
-                </a:extLst>
-              </a:tr>
-              <a:tr h="370840">
-                <a:tc>
-                  <a:txBody>
-                    <a:bodyPr/>
-                    <a:lstStyle/>
-                    <a:p>
-                      <a:r>
-                        <a:rPr lang="de-DE" noProof="0" dirty="0"/>
-                        <a:t>Unerfahrenheit mit Tools</a:t>
-                      </a:r>
-                    </a:p>
-                  </a:txBody>
-                  <a:tcPr/>
-                </a:tc>
-                <a:tc>
-                  <a:txBody>
-                    <a:bodyPr/>
-                    <a:lstStyle/>
-                    <a:p>
-                      <a:r>
-                        <a:rPr lang="de-DE" noProof="0" dirty="0"/>
-                        <a:t>Erhöhter Schulungsaufwand</a:t>
-                      </a:r>
-                    </a:p>
-                  </a:txBody>
-                  <a:tcPr/>
-                </a:tc>
-                <a:tc>
-                  <a:txBody>
-                    <a:bodyPr/>
-                    <a:lstStyle/>
-                    <a:p>
-                      <a:r>
-                        <a:rPr lang="de-DE" noProof="0" dirty="0"/>
-                        <a:t>Schulung frühzeitig ansetzen</a:t>
-                      </a:r>
-                    </a:p>
-                  </a:txBody>
-                  <a:tcPr/>
-                </a:tc>
-                <a:extLst>
-                  <a:ext uri="{0D108BD9-81ED-4DB2-BD59-A6C34878D82A}">
-                    <a16:rowId xmlns:a16="http://schemas.microsoft.com/office/drawing/2014/main" val="2460179213"/>
-                  </a:ext>
-                </a:extLst>
-              </a:tr>
-              <a:tr h="370840">
-                <a:tc>
-                  <a:txBody>
-                    <a:bodyPr/>
-                    <a:lstStyle/>
-                    <a:p>
-                      <a:r>
-                        <a:rPr lang="de-DE" noProof="0" dirty="0"/>
-                        <a:t>Verbindung der DB zu Frontend komplexer als erwartet</a:t>
-                      </a:r>
-                    </a:p>
-                  </a:txBody>
-                  <a:tcPr/>
-                </a:tc>
-                <a:tc>
-                  <a:txBody>
-                    <a:bodyPr/>
-                    <a:lstStyle/>
-                    <a:p>
-                      <a:r>
-                        <a:rPr lang="de-DE" noProof="0" dirty="0"/>
-                        <a:t>Backend kann erst später angebunden werden</a:t>
-                      </a:r>
-                    </a:p>
-                  </a:txBody>
-                  <a:tcPr/>
-                </a:tc>
-                <a:tc>
-                  <a:txBody>
-                    <a:bodyPr/>
-                    <a:lstStyle/>
-                    <a:p>
-                      <a:pPr marL="285750" indent="-285750">
-                        <a:buFont typeface="Arial" panose="020B0604020202020204" pitchFamily="34" charset="0"/>
-                        <a:buChar char="•"/>
-                      </a:pPr>
-                      <a:r>
-                        <a:rPr lang="de-DE" noProof="0" dirty="0"/>
-                        <a:t>Prototypen notwendig</a:t>
-                      </a:r>
-                    </a:p>
-                    <a:p>
-                      <a:pPr marL="285750" indent="-285750">
-                        <a:buFont typeface="Arial" panose="020B0604020202020204" pitchFamily="34" charset="0"/>
-                        <a:buChar char="•"/>
-                      </a:pPr>
-                      <a:r>
-                        <a:rPr lang="de-DE" noProof="0" dirty="0"/>
-                        <a:t>Mit Demo-Daten (</a:t>
-                      </a:r>
-                      <a:r>
-                        <a:rPr lang="de-DE" noProof="0" dirty="0" err="1"/>
-                        <a:t>xml</a:t>
-                      </a:r>
-                      <a:r>
-                        <a:rPr lang="de-DE" noProof="0" dirty="0"/>
-                        <a:t>) arbeiten</a:t>
-                      </a:r>
-                    </a:p>
-                  </a:txBody>
-                  <a:tcPr/>
-                </a:tc>
-                <a:extLst>
-                  <a:ext uri="{0D108BD9-81ED-4DB2-BD59-A6C34878D82A}">
-                    <a16:rowId xmlns:a16="http://schemas.microsoft.com/office/drawing/2014/main" val="1311972194"/>
-                  </a:ext>
-                </a:extLst>
-              </a:tr>
-              <a:tr h="370840">
-                <a:tc>
-                  <a:txBody>
-                    <a:bodyPr/>
-                    <a:lstStyle/>
-                    <a:p>
-                      <a:r>
-                        <a:rPr lang="de-DE" noProof="0" dirty="0"/>
-                        <a:t>Fehlendes Nutzerfeedback</a:t>
-                      </a:r>
-                    </a:p>
-                  </a:txBody>
-                  <a:tcPr/>
-                </a:tc>
-                <a:tc>
-                  <a:txBody>
-                    <a:bodyPr/>
-                    <a:lstStyle/>
-                    <a:p>
-                      <a:r>
-                        <a:rPr lang="de-DE" noProof="0" dirty="0"/>
-                        <a:t>Scheuklappen-Effekt</a:t>
-                      </a:r>
-                    </a:p>
-                  </a:txBody>
-                  <a:tcPr/>
-                </a:tc>
-                <a:tc>
-                  <a:txBody>
-                    <a:bodyPr/>
-                    <a:lstStyle/>
-                    <a:p>
-                      <a:r>
-                        <a:rPr lang="de-DE" noProof="0" dirty="0"/>
-                        <a:t>Externes Feedback holen</a:t>
-                      </a:r>
-                    </a:p>
-                  </a:txBody>
-                  <a:tcPr/>
-                </a:tc>
-                <a:extLst>
-                  <a:ext uri="{0D108BD9-81ED-4DB2-BD59-A6C34878D82A}">
-                    <a16:rowId xmlns:a16="http://schemas.microsoft.com/office/drawing/2014/main" val="4260193921"/>
-                  </a:ext>
-                </a:extLst>
-              </a:tr>
-              <a:tr h="370840">
-                <a:tc>
-                  <a:txBody>
-                    <a:bodyPr/>
-                    <a:lstStyle/>
-                    <a:p>
-                      <a:r>
-                        <a:rPr lang="de-DE" noProof="0" dirty="0"/>
-                        <a:t>Änderungen an Anforderungen</a:t>
-                      </a:r>
-                    </a:p>
-                  </a:txBody>
-                  <a:tcPr/>
-                </a:tc>
-                <a:tc>
-                  <a:txBody>
-                    <a:bodyPr/>
-                    <a:lstStyle/>
-                    <a:p>
-                      <a:r>
-                        <a:rPr lang="de-DE" noProof="0" dirty="0"/>
-                        <a:t>Anpassung des Projektablaufs</a:t>
-                      </a:r>
-                    </a:p>
-                  </a:txBody>
-                  <a:tcPr/>
-                </a:tc>
-                <a:tc>
-                  <a:txBody>
-                    <a:bodyPr/>
-                    <a:lstStyle/>
-                    <a:p>
-                      <a:r>
-                        <a:rPr lang="de-DE" noProof="0" dirty="0"/>
-                        <a:t>Regelmäßige Absprache mit Stakeholdern</a:t>
-                      </a:r>
-                    </a:p>
-                  </a:txBody>
-                  <a:tcPr/>
-                </a:tc>
-                <a:extLst>
-                  <a:ext uri="{0D108BD9-81ED-4DB2-BD59-A6C34878D82A}">
-                    <a16:rowId xmlns:a16="http://schemas.microsoft.com/office/drawing/2014/main" val="1603356896"/>
-                  </a:ext>
-                </a:extLst>
-              </a:tr>
-            </a:tbl>
-          </a:graphicData>
-        </a:graphic>
-      </p:graphicFrame>
     </p:spTree>
     <p:extLst>
       <p:ext uri="{BB962C8B-B14F-4D97-AF65-F5344CB8AC3E}">
-        <p14:creationId xmlns:p14="http://schemas.microsoft.com/office/powerpoint/2010/main" val="1495722751"/>
+        <p14:creationId xmlns:p14="http://schemas.microsoft.com/office/powerpoint/2010/main" val="3562051256"/>
       </p:ext>
     </p:extLst>
   </p:cSld>
@@ -9655,7 +9711,7 @@
           <p:cNvPr id="2" name="Titel 1">
             <a:extLst>
               <a:ext uri="{FF2B5EF4-FFF2-40B4-BE49-F238E27FC236}">
-                <a16:creationId xmlns:a16="http://schemas.microsoft.com/office/drawing/2014/main" id="{86AADDDC-CD07-D152-F98D-6AA7ABFFAE93}"/>
+                <a16:creationId xmlns:a16="http://schemas.microsoft.com/office/drawing/2014/main" id="{A075FF74-E5D2-1C9F-1DF3-DCD54EF547E9}"/>
               </a:ext>
             </a:extLst>
           </p:cNvPr>
@@ -9673,7 +9729,7 @@
           <a:p>
             <a:r>
               <a:rPr lang="de-DE" noProof="0" dirty="0"/>
-              <a:t>5. Ausblick auf den folgenden Sprint</a:t>
+              <a:t>6. Software-Tools</a:t>
             </a:r>
           </a:p>
         </p:txBody>
@@ -9683,56 +9739,126 @@
           <p:cNvPr id="3" name="Inhaltsplatzhalter 2">
             <a:extLst>
               <a:ext uri="{FF2B5EF4-FFF2-40B4-BE49-F238E27FC236}">
-                <a16:creationId xmlns:a16="http://schemas.microsoft.com/office/drawing/2014/main" id="{5E854AF4-9867-751A-7A8B-348123EF4C14}"/>
-              </a:ext>
-            </a:extLst>
-          </p:cNvPr>
-          <p:cNvSpPr>
-            <a:spLocks noGrp="1"/>
-          </p:cNvSpPr>
-          <p:nvPr>
-            <p:ph idx="1"/>
+                <a16:creationId xmlns:a16="http://schemas.microsoft.com/office/drawing/2014/main" id="{E627C203-A1B7-383D-97A8-56B3248A1E83}"/>
+              </a:ext>
+            </a:extLst>
+          </p:cNvPr>
+          <p:cNvSpPr>
+            <a:spLocks noGrp="1"/>
+          </p:cNvSpPr>
+          <p:nvPr>
+            <p:ph sz="half" idx="1"/>
           </p:nvPr>
         </p:nvSpPr>
         <p:spPr/>
         <p:txBody>
-          <a:bodyPr/>
+          <a:bodyPr>
+            <a:normAutofit/>
+          </a:bodyPr>
           <a:lstStyle/>
           <a:p>
             <a:r>
-              <a:rPr lang="de-DE" sz="2800" noProof="0" dirty="0"/>
-              <a:t>Warenkorb Erstellung abschließen</a:t>
-            </a:r>
-          </a:p>
-          <a:p>
-            <a:r>
               <a:rPr lang="de-DE" noProof="0" dirty="0"/>
-              <a:t>Logik “Anpassen von Speisen im Warenkorb”</a:t>
-            </a:r>
-          </a:p>
-          <a:p>
-            <a:r>
-              <a:rPr lang="de-DE" sz="2800" noProof="0" dirty="0"/>
-              <a:t>Logik </a:t>
-            </a:r>
+              <a:t>Programmiersprache:</a:t>
+            </a:r>
+          </a:p>
+          <a:p>
+            <a:pPr lvl="1"/>
             <a:r>
               <a:rPr lang="de-DE" noProof="0" dirty="0"/>
-              <a:t>“</a:t>
-            </a:r>
+              <a:t>C#</a:t>
+            </a:r>
+          </a:p>
+          <a:p>
+            <a:r>
+              <a:rPr lang="de-DE" noProof="0" dirty="0"/>
+              <a:t>Framework:</a:t>
+            </a:r>
+          </a:p>
+          <a:p>
+            <a:pPr lvl="1"/>
             <a:r>
               <a:rPr lang="de-DE" noProof="0" dirty="0" err="1"/>
-              <a:t>Autom</a:t>
-            </a:r>
+              <a:t>Blazor</a:t>
+            </a:r>
+            <a:endParaRPr lang="de-DE" noProof="0" dirty="0"/>
+          </a:p>
+          <a:p>
             <a:r>
               <a:rPr lang="de-DE" noProof="0" dirty="0"/>
-              <a:t>. Kalkulation der Kosten”</a:t>
-            </a:r>
-            <a:endParaRPr lang="de-DE" sz="2800" noProof="0" dirty="0"/>
-          </a:p>
-          <a:p>
+              <a:t>IDE:</a:t>
+            </a:r>
+          </a:p>
+          <a:p>
+            <a:pPr lvl="1"/>
             <a:r>
               <a:rPr lang="de-DE" noProof="0" dirty="0"/>
-              <a:t>Logik zum Absenden der Bestellung</a:t>
+              <a:t>Visual Studio</a:t>
+            </a:r>
+          </a:p>
+        </p:txBody>
+      </p:sp>
+      <p:sp>
+        <p:nvSpPr>
+          <p:cNvPr id="6" name="Inhaltsplatzhalter 5">
+            <a:extLst>
+              <a:ext uri="{FF2B5EF4-FFF2-40B4-BE49-F238E27FC236}">
+                <a16:creationId xmlns:a16="http://schemas.microsoft.com/office/drawing/2014/main" id="{7185288F-FFC3-A9CF-5040-625A8A619580}"/>
+              </a:ext>
+            </a:extLst>
+          </p:cNvPr>
+          <p:cNvSpPr>
+            <a:spLocks noGrp="1"/>
+          </p:cNvSpPr>
+          <p:nvPr>
+            <p:ph sz="half" idx="2"/>
+          </p:nvPr>
+        </p:nvSpPr>
+        <p:spPr/>
+        <p:txBody>
+          <a:bodyPr>
+            <a:normAutofit/>
+          </a:bodyPr>
+          <a:lstStyle/>
+          <a:p>
+            <a:r>
+              <a:rPr lang="de-DE" noProof="0" dirty="0"/>
+              <a:t>Datenbank:</a:t>
+            </a:r>
+          </a:p>
+          <a:p>
+            <a:pPr lvl="1"/>
+            <a:r>
+              <a:rPr lang="de-DE" noProof="0" dirty="0"/>
+              <a:t>SQLite</a:t>
+            </a:r>
+          </a:p>
+          <a:p>
+            <a:r>
+              <a:rPr lang="de-DE" noProof="0" dirty="0"/>
+              <a:t>Weitere Tools:</a:t>
+            </a:r>
+          </a:p>
+          <a:p>
+            <a:pPr lvl="1"/>
+            <a:r>
+              <a:rPr lang="de-DE" noProof="0" dirty="0"/>
+              <a:t>Git (Versionierung)</a:t>
+            </a:r>
+          </a:p>
+          <a:p>
+            <a:pPr lvl="1"/>
+            <a:r>
+              <a:rPr lang="de-DE" noProof="0" dirty="0"/>
+              <a:t>Docker (</a:t>
+            </a:r>
+            <a:r>
+              <a:rPr lang="de-DE" noProof="0" dirty="0" err="1"/>
+              <a:t>Deployment</a:t>
+            </a:r>
+            <a:r>
+              <a:rPr lang="de-DE" noProof="0" dirty="0"/>
+              <a:t>)</a:t>
             </a:r>
           </a:p>
         </p:txBody>
@@ -9742,7 +9868,7 @@
           <p:cNvPr id="4" name="Datumsplatzhalter 3">
             <a:extLst>
               <a:ext uri="{FF2B5EF4-FFF2-40B4-BE49-F238E27FC236}">
-                <a16:creationId xmlns:a16="http://schemas.microsoft.com/office/drawing/2014/main" id="{305A6BE5-5A63-7D28-E770-729A20618D33}"/>
+                <a16:creationId xmlns:a16="http://schemas.microsoft.com/office/drawing/2014/main" id="{F5985418-FDA1-F1A7-80E8-C25C6BAC324B}"/>
               </a:ext>
             </a:extLst>
           </p:cNvPr>
@@ -9771,7 +9897,7 @@
           <p:cNvPr id="5" name="Foliennummernplatzhalter 4">
             <a:extLst>
               <a:ext uri="{FF2B5EF4-FFF2-40B4-BE49-F238E27FC236}">
-                <a16:creationId xmlns:a16="http://schemas.microsoft.com/office/drawing/2014/main" id="{E28ABC24-8900-E378-E502-62B817D571F6}"/>
+                <a16:creationId xmlns:a16="http://schemas.microsoft.com/office/drawing/2014/main" id="{6A7A11C6-83C4-FA07-F8C7-F2826F8F22B6}"/>
               </a:ext>
             </a:extLst>
           </p:cNvPr>
@@ -9798,7 +9924,7 @@
     </p:spTree>
     <p:extLst>
       <p:ext uri="{BB962C8B-B14F-4D97-AF65-F5344CB8AC3E}">
-        <p14:creationId xmlns:p14="http://schemas.microsoft.com/office/powerpoint/2010/main" val="3562051256"/>
+        <p14:creationId xmlns:p14="http://schemas.microsoft.com/office/powerpoint/2010/main" val="1367875186"/>
       </p:ext>
     </p:extLst>
   </p:cSld>

--- a/Dokumente/Sprint-Backlog/Sprint-Backlog2.pptx
+++ b/Dokumente/Sprint-Backlog/Sprint-Backlog2.pptx
@@ -5,7 +5,7 @@
     <p:sldMasterId id="2147483751" r:id="rId1"/>
   </p:sldMasterIdLst>
   <p:notesMasterIdLst>
-    <p:notesMasterId r:id="rId14"/>
+    <p:notesMasterId r:id="rId18"/>
   </p:notesMasterIdLst>
   <p:sldIdLst>
     <p:sldId id="256" r:id="rId2"/>
@@ -13,13 +13,17 @@
     <p:sldId id="276" r:id="rId4"/>
     <p:sldId id="259" r:id="rId5"/>
     <p:sldId id="277" r:id="rId6"/>
-    <p:sldId id="267" r:id="rId7"/>
-    <p:sldId id="270" r:id="rId8"/>
-    <p:sldId id="262" r:id="rId9"/>
-    <p:sldId id="263" r:id="rId10"/>
-    <p:sldId id="264" r:id="rId11"/>
-    <p:sldId id="275" r:id="rId12"/>
-    <p:sldId id="274" r:id="rId13"/>
+    <p:sldId id="279" r:id="rId7"/>
+    <p:sldId id="281" r:id="rId8"/>
+    <p:sldId id="280" r:id="rId9"/>
+    <p:sldId id="278" r:id="rId10"/>
+    <p:sldId id="267" r:id="rId11"/>
+    <p:sldId id="270" r:id="rId12"/>
+    <p:sldId id="262" r:id="rId13"/>
+    <p:sldId id="263" r:id="rId14"/>
+    <p:sldId id="264" r:id="rId15"/>
+    <p:sldId id="275" r:id="rId16"/>
+    <p:sldId id="274" r:id="rId17"/>
   </p:sldIdLst>
   <p:sldSz cx="12192000" cy="6858000"/>
   <p:notesSz cx="6858000" cy="9144000"/>
@@ -4903,7 +4907,13 @@
   <p:cSld>
     <p:spTree>
       <p:nvGrpSpPr>
-        <p:cNvPr id="1" name=""/>
+        <p:cNvPr id="1" name="">
+          <a:extLst>
+            <a:ext uri="{FF2B5EF4-FFF2-40B4-BE49-F238E27FC236}">
+              <a16:creationId xmlns:a16="http://schemas.microsoft.com/office/drawing/2014/main" id="{C5F9D20F-1259-1DD4-66CE-2CBDC00607BF}"/>
+            </a:ext>
+          </a:extLst>
+        </p:cNvPr>
         <p:cNvGrpSpPr/>
         <p:nvPr/>
       </p:nvGrpSpPr>
@@ -4920,7 +4930,7 @@
           <p:cNvPr id="2" name="Titel 1">
             <a:extLst>
               <a:ext uri="{FF2B5EF4-FFF2-40B4-BE49-F238E27FC236}">
-                <a16:creationId xmlns:a16="http://schemas.microsoft.com/office/drawing/2014/main" id="{32CCE440-A4CB-26A7-5B3F-3F9D4B878A95}"/>
+                <a16:creationId xmlns:a16="http://schemas.microsoft.com/office/drawing/2014/main" id="{F38F1474-9419-C444-A28A-E12FABF05F5B}"/>
               </a:ext>
             </a:extLst>
           </p:cNvPr>
@@ -4938,127 +4948,7 @@
           <a:p>
             <a:r>
               <a:rPr lang="de-DE" noProof="0" dirty="0"/>
-              <a:t>7. SOUPs/OTS</a:t>
-            </a:r>
-          </a:p>
-        </p:txBody>
-      </p:sp>
-      <p:sp>
-        <p:nvSpPr>
-          <p:cNvPr id="6" name="Inhaltsplatzhalter 5">
-            <a:extLst>
-              <a:ext uri="{FF2B5EF4-FFF2-40B4-BE49-F238E27FC236}">
-                <a16:creationId xmlns:a16="http://schemas.microsoft.com/office/drawing/2014/main" id="{AF37E05B-D1E7-D5BB-3AA4-0CBC94340331}"/>
-              </a:ext>
-            </a:extLst>
-          </p:cNvPr>
-          <p:cNvSpPr>
-            <a:spLocks noGrp="1"/>
-          </p:cNvSpPr>
-          <p:nvPr>
-            <p:ph sz="half" idx="1"/>
-          </p:nvPr>
-        </p:nvSpPr>
-        <p:spPr/>
-        <p:txBody>
-          <a:bodyPr>
-            <a:normAutofit lnSpcReduction="10000"/>
-          </a:bodyPr>
-          <a:lstStyle/>
-          <a:p>
-            <a:r>
-              <a:rPr lang="de-DE" noProof="0" dirty="0"/>
-              <a:t>Eingesetzte SOUPs:</a:t>
-            </a:r>
-          </a:p>
-          <a:p>
-            <a:pPr lvl="1"/>
-            <a:r>
-              <a:rPr lang="de-DE" noProof="0" dirty="0"/>
-              <a:t>Docker-Container für Hosting der Anwendung</a:t>
-            </a:r>
-          </a:p>
-          <a:p>
-            <a:r>
-              <a:rPr lang="de-DE" noProof="0" dirty="0"/>
-              <a:t>Bibliotheken: </a:t>
-            </a:r>
-          </a:p>
-          <a:p>
-            <a:pPr lvl="1"/>
-            <a:r>
-              <a:rPr lang="de-DE" noProof="0" dirty="0"/>
-              <a:t>[z. B. </a:t>
-            </a:r>
-            <a:r>
-              <a:rPr lang="de-DE" noProof="0" dirty="0" err="1"/>
-              <a:t>Newtonsoft.Json</a:t>
-            </a:r>
-            <a:r>
-              <a:rPr lang="de-DE" noProof="0" dirty="0"/>
-              <a:t>]</a:t>
-            </a:r>
-          </a:p>
-          <a:p>
-            <a:r>
-              <a:rPr lang="de-DE" noProof="0" dirty="0"/>
-              <a:t>Eingesetzte OTS:</a:t>
-            </a:r>
-          </a:p>
-          <a:p>
-            <a:pPr lvl="1"/>
-            <a:r>
-              <a:rPr lang="de-DE" noProof="0" dirty="0"/>
-              <a:t>.NET 5.0 Framework</a:t>
-            </a:r>
-          </a:p>
-        </p:txBody>
-      </p:sp>
-      <p:sp>
-        <p:nvSpPr>
-          <p:cNvPr id="7" name="Inhaltsplatzhalter 6">
-            <a:extLst>
-              <a:ext uri="{FF2B5EF4-FFF2-40B4-BE49-F238E27FC236}">
-                <a16:creationId xmlns:a16="http://schemas.microsoft.com/office/drawing/2014/main" id="{3BFD40B0-F7F1-F960-F8BC-73901AB54EC1}"/>
-              </a:ext>
-            </a:extLst>
-          </p:cNvPr>
-          <p:cNvSpPr>
-            <a:spLocks noGrp="1"/>
-          </p:cNvSpPr>
-          <p:nvPr>
-            <p:ph sz="half" idx="2"/>
-          </p:nvPr>
-        </p:nvSpPr>
-        <p:spPr/>
-        <p:txBody>
-          <a:bodyPr>
-            <a:normAutofit lnSpcReduction="10000"/>
-          </a:bodyPr>
-          <a:lstStyle/>
-          <a:p>
-            <a:r>
-              <a:rPr lang="de-DE" noProof="0" dirty="0"/>
-              <a:t>SQLite-Datenbank</a:t>
-            </a:r>
-          </a:p>
-          <a:p>
-            <a:r>
-              <a:rPr lang="de-DE" noProof="0" dirty="0"/>
-              <a:t>Visual Studio IDE</a:t>
-            </a:r>
-          </a:p>
-          <a:p>
-            <a:r>
-              <a:rPr lang="de-DE" noProof="0" dirty="0"/>
-              <a:t>Maßnahmen zur Validierung und Sicherstellung:</a:t>
-            </a:r>
-          </a:p>
-          <a:p>
-            <a:pPr lvl="1"/>
-            <a:r>
-              <a:rPr lang="de-DE" noProof="0" dirty="0"/>
-              <a:t>Security-Scans, regelmäßige Updates</a:t>
+              <a:t>4. Detailplanung</a:t>
             </a:r>
           </a:p>
         </p:txBody>
@@ -5068,7 +4958,7 @@
           <p:cNvPr id="4" name="Datumsplatzhalter 3">
             <a:extLst>
               <a:ext uri="{FF2B5EF4-FFF2-40B4-BE49-F238E27FC236}">
-                <a16:creationId xmlns:a16="http://schemas.microsoft.com/office/drawing/2014/main" id="{02CC40AD-91C3-625D-A10C-F9A7627732C1}"/>
+                <a16:creationId xmlns:a16="http://schemas.microsoft.com/office/drawing/2014/main" id="{A61AD540-48A5-C28A-EAB3-FC9343A26E5E}"/>
               </a:ext>
             </a:extLst>
           </p:cNvPr>
@@ -5097,7 +4987,7 @@
           <p:cNvPr id="5" name="Foliennummernplatzhalter 4">
             <a:extLst>
               <a:ext uri="{FF2B5EF4-FFF2-40B4-BE49-F238E27FC236}">
-                <a16:creationId xmlns:a16="http://schemas.microsoft.com/office/drawing/2014/main" id="{C09C3547-5BE9-9D3D-0D06-22EA64B7A6ED}"/>
+                <a16:creationId xmlns:a16="http://schemas.microsoft.com/office/drawing/2014/main" id="{0FCCF7DF-8E4D-8D49-043D-1CEC9B567358}"/>
               </a:ext>
             </a:extLst>
           </p:cNvPr>
@@ -5121,10 +5011,656 @@
           </a:p>
         </p:txBody>
       </p:sp>
+      <p:graphicFrame>
+        <p:nvGraphicFramePr>
+          <p:cNvPr id="3" name="Inhaltsplatzhalter 2">
+            <a:extLst>
+              <a:ext uri="{FF2B5EF4-FFF2-40B4-BE49-F238E27FC236}">
+                <a16:creationId xmlns:a16="http://schemas.microsoft.com/office/drawing/2014/main" id="{FAC168E6-FD48-9C86-CD4E-55F23F4D96A5}"/>
+              </a:ext>
+            </a:extLst>
+          </p:cNvPr>
+          <p:cNvGraphicFramePr>
+            <a:graphicFrameLocks noGrp="1"/>
+          </p:cNvGraphicFramePr>
+          <p:nvPr>
+            <p:ph idx="1"/>
+            <p:extLst>
+              <p:ext uri="{D42A27DB-BD31-4B8C-83A1-F6EECF244321}">
+                <p14:modId xmlns:p14="http://schemas.microsoft.com/office/powerpoint/2010/main" val="2624029355"/>
+              </p:ext>
+            </p:extLst>
+          </p:nvPr>
+        </p:nvGraphicFramePr>
+        <p:xfrm>
+          <a:off x="762000" y="1860487"/>
+          <a:ext cx="8961423" cy="4241549"/>
+        </p:xfrm>
+        <a:graphic>
+          <a:graphicData uri="http://schemas.openxmlformats.org/drawingml/2006/table">
+            <a:tbl>
+              <a:tblPr firstRow="1" bandRow="1">
+                <a:tableStyleId>{5C22544A-7EE6-4342-B048-85BDC9FD1C3A}</a:tableStyleId>
+              </a:tblPr>
+              <a:tblGrid>
+                <a:gridCol w="3810675">
+                  <a:extLst>
+                    <a:ext uri="{9D8B030D-6E8A-4147-A177-3AD203B41FA5}">
+                      <a16:colId xmlns:a16="http://schemas.microsoft.com/office/drawing/2014/main" val="230851902"/>
+                    </a:ext>
+                  </a:extLst>
+                </a:gridCol>
+                <a:gridCol w="2321893">
+                  <a:extLst>
+                    <a:ext uri="{9D8B030D-6E8A-4147-A177-3AD203B41FA5}">
+                      <a16:colId xmlns:a16="http://schemas.microsoft.com/office/drawing/2014/main" val="2657664356"/>
+                    </a:ext>
+                  </a:extLst>
+                </a:gridCol>
+                <a:gridCol w="1733814">
+                  <a:extLst>
+                    <a:ext uri="{9D8B030D-6E8A-4147-A177-3AD203B41FA5}">
+                      <a16:colId xmlns:a16="http://schemas.microsoft.com/office/drawing/2014/main" val="4098082685"/>
+                    </a:ext>
+                  </a:extLst>
+                </a:gridCol>
+                <a:gridCol w="1095041">
+                  <a:extLst>
+                    <a:ext uri="{9D8B030D-6E8A-4147-A177-3AD203B41FA5}">
+                      <a16:colId xmlns:a16="http://schemas.microsoft.com/office/drawing/2014/main" val="2360363224"/>
+                    </a:ext>
+                  </a:extLst>
+                </a:gridCol>
+              </a:tblGrid>
+              <a:tr h="364002">
+                <a:tc>
+                  <a:txBody>
+                    <a:bodyPr/>
+                    <a:lstStyle/>
+                    <a:p>
+                      <a:r>
+                        <a:rPr lang="de-DE" sz="1400" noProof="0" dirty="0"/>
+                        <a:t>Aufgabe</a:t>
+                      </a:r>
+                    </a:p>
+                  </a:txBody>
+                  <a:tcPr/>
+                </a:tc>
+                <a:tc>
+                  <a:txBody>
+                    <a:bodyPr/>
+                    <a:lstStyle/>
+                    <a:p>
+                      <a:r>
+                        <a:rPr lang="de-DE" sz="1400" noProof="0" dirty="0"/>
+                        <a:t>Zuständigkeit</a:t>
+                      </a:r>
+                    </a:p>
+                  </a:txBody>
+                  <a:tcPr/>
+                </a:tc>
+                <a:tc>
+                  <a:txBody>
+                    <a:bodyPr/>
+                    <a:lstStyle/>
+                    <a:p>
+                      <a:r>
+                        <a:rPr lang="de-DE" sz="1400" noProof="0" dirty="0"/>
+                        <a:t>Aufwand</a:t>
+                      </a:r>
+                    </a:p>
+                  </a:txBody>
+                  <a:tcPr/>
+                </a:tc>
+                <a:tc>
+                  <a:txBody>
+                    <a:bodyPr/>
+                    <a:lstStyle/>
+                    <a:p>
+                      <a:r>
+                        <a:rPr lang="de-DE" sz="1400" noProof="0" dirty="0"/>
+                        <a:t>Status</a:t>
+                      </a:r>
+                    </a:p>
+                  </a:txBody>
+                  <a:tcPr/>
+                </a:tc>
+                <a:extLst>
+                  <a:ext uri="{0D108BD9-81ED-4DB2-BD59-A6C34878D82A}">
+                    <a16:rowId xmlns:a16="http://schemas.microsoft.com/office/drawing/2014/main" val="2749238170"/>
+                  </a:ext>
+                </a:extLst>
+              </a:tr>
+              <a:tr h="926116">
+                <a:tc>
+                  <a:txBody>
+                    <a:bodyPr/>
+                    <a:lstStyle/>
+                    <a:p>
+                      <a:r>
+                        <a:rPr lang="de-DE" sz="1400" noProof="0" dirty="0"/>
+                        <a:t>Dokumentation + Project Management</a:t>
+                      </a:r>
+                    </a:p>
+                  </a:txBody>
+                  <a:tcPr/>
+                </a:tc>
+                <a:tc>
+                  <a:txBody>
+                    <a:bodyPr/>
+                    <a:lstStyle/>
+                    <a:p>
+                      <a:r>
+                        <a:rPr lang="de-DE" sz="1400" noProof="0" dirty="0"/>
+                        <a:t>Alle</a:t>
+                      </a:r>
+                    </a:p>
+                  </a:txBody>
+                  <a:tcPr/>
+                </a:tc>
+                <a:tc>
+                  <a:txBody>
+                    <a:bodyPr/>
+                    <a:lstStyle/>
+                    <a:p>
+                      <a:r>
+                        <a:rPr lang="de-DE" sz="1400" noProof="0" dirty="0"/>
+                        <a:t>12</a:t>
+                      </a:r>
+                    </a:p>
+                  </a:txBody>
+                  <a:tcPr/>
+                </a:tc>
+                <a:tc>
+                  <a:txBody>
+                    <a:bodyPr/>
+                    <a:lstStyle/>
+                    <a:p>
+                      <a:r>
+                        <a:rPr lang="de-DE" sz="1400" noProof="0" dirty="0"/>
+                        <a:t>Erledigt</a:t>
+                      </a:r>
+                    </a:p>
+                  </a:txBody>
+                  <a:tcPr/>
+                </a:tc>
+                <a:extLst>
+                  <a:ext uri="{0D108BD9-81ED-4DB2-BD59-A6C34878D82A}">
+                    <a16:rowId xmlns:a16="http://schemas.microsoft.com/office/drawing/2014/main" val="432160553"/>
+                  </a:ext>
+                </a:extLst>
+              </a:tr>
+              <a:tr h="408804">
+                <a:tc>
+                  <a:txBody>
+                    <a:bodyPr/>
+                    <a:lstStyle/>
+                    <a:p>
+                      <a:r>
+                        <a:rPr lang="de-DE" sz="1400" noProof="0" dirty="0"/>
+                        <a:t>Dokumenterstellung Architekturdokumentation</a:t>
+                      </a:r>
+                    </a:p>
+                  </a:txBody>
+                  <a:tcPr/>
+                </a:tc>
+                <a:tc>
+                  <a:txBody>
+                    <a:bodyPr/>
+                    <a:lstStyle/>
+                    <a:p>
+                      <a:r>
+                        <a:rPr lang="de-DE" sz="1400" kern="1200" noProof="0" dirty="0">
+                          <a:solidFill>
+                            <a:schemeClr val="dk1"/>
+                          </a:solidFill>
+                          <a:latin typeface="+mn-lt"/>
+                          <a:ea typeface="+mn-ea"/>
+                          <a:cs typeface="+mn-cs"/>
+                        </a:rPr>
+                        <a:t>Vincent Knapp</a:t>
+                      </a:r>
+                    </a:p>
+                    <a:p>
+                      <a:r>
+                        <a:rPr lang="de-DE" sz="1400" kern="1200" noProof="0" dirty="0">
+                          <a:solidFill>
+                            <a:schemeClr val="dk1"/>
+                          </a:solidFill>
+                          <a:latin typeface="+mn-lt"/>
+                          <a:ea typeface="+mn-ea"/>
+                          <a:cs typeface="+mn-cs"/>
+                        </a:rPr>
+                        <a:t>René Weber</a:t>
+                      </a:r>
+                    </a:p>
+                  </a:txBody>
+                  <a:tcPr/>
+                </a:tc>
+                <a:tc>
+                  <a:txBody>
+                    <a:bodyPr/>
+                    <a:lstStyle/>
+                    <a:p>
+                      <a:r>
+                        <a:rPr lang="en-US" sz="1400" kern="1200" noProof="0" dirty="0">
+                          <a:solidFill>
+                            <a:schemeClr val="dk1"/>
+                          </a:solidFill>
+                          <a:latin typeface="+mn-lt"/>
+                          <a:ea typeface="+mn-ea"/>
+                          <a:cs typeface="+mn-cs"/>
+                        </a:rPr>
+                        <a:t>4</a:t>
+                      </a:r>
+                      <a:endParaRPr lang="de-DE" sz="1400" kern="1200" noProof="0" dirty="0">
+                        <a:solidFill>
+                          <a:schemeClr val="dk1"/>
+                        </a:solidFill>
+                        <a:latin typeface="+mn-lt"/>
+                        <a:ea typeface="+mn-ea"/>
+                        <a:cs typeface="+mn-cs"/>
+                      </a:endParaRPr>
+                    </a:p>
+                  </a:txBody>
+                  <a:tcPr/>
+                </a:tc>
+                <a:tc>
+                  <a:txBody>
+                    <a:bodyPr/>
+                    <a:lstStyle/>
+                    <a:p>
+                      <a:r>
+                        <a:rPr lang="de-DE" sz="1400" noProof="0" dirty="0"/>
+                        <a:t>Erledigt</a:t>
+                      </a:r>
+                    </a:p>
+                  </a:txBody>
+                  <a:tcPr/>
+                </a:tc>
+                <a:extLst>
+                  <a:ext uri="{0D108BD9-81ED-4DB2-BD59-A6C34878D82A}">
+                    <a16:rowId xmlns:a16="http://schemas.microsoft.com/office/drawing/2014/main" val="739622510"/>
+                  </a:ext>
+                </a:extLst>
+              </a:tr>
+              <a:tr h="506337">
+                <a:tc>
+                  <a:txBody>
+                    <a:bodyPr/>
+                    <a:lstStyle/>
+                    <a:p>
+                      <a:pPr marL="0" marR="0" lvl="0" indent="0" algn="l" defTabSz="914400" rtl="0" eaLnBrk="1" fontAlgn="auto" latinLnBrk="0" hangingPunct="1">
+                        <a:lnSpc>
+                          <a:spcPct val="100000"/>
+                        </a:lnSpc>
+                        <a:spcBef>
+                          <a:spcPts val="0"/>
+                        </a:spcBef>
+                        <a:spcAft>
+                          <a:spcPts val="0"/>
+                        </a:spcAft>
+                        <a:buClrTx/>
+                        <a:buSzTx/>
+                        <a:buFontTx/>
+                        <a:buNone/>
+                        <a:tabLst/>
+                        <a:defRPr/>
+                      </a:pPr>
+                      <a:r>
+                        <a:rPr lang="de-DE" sz="1400" noProof="0" dirty="0"/>
+                        <a:t>Implementierung der Küchenansicht</a:t>
+                      </a:r>
+                    </a:p>
+                  </a:txBody>
+                  <a:tcPr/>
+                </a:tc>
+                <a:tc>
+                  <a:txBody>
+                    <a:bodyPr/>
+                    <a:lstStyle/>
+                    <a:p>
+                      <a:r>
+                        <a:rPr lang="de-DE" sz="1400" noProof="0" dirty="0"/>
+                        <a:t>Hans Bloching</a:t>
+                      </a:r>
+                    </a:p>
+                    <a:p>
+                      <a:r>
+                        <a:rPr lang="de-DE" sz="1400" noProof="0" dirty="0"/>
+                        <a:t>Vincent Knapp</a:t>
+                      </a:r>
+                    </a:p>
+                    <a:p>
+                      <a:r>
+                        <a:rPr lang="de-DE" sz="1400" noProof="0" dirty="0"/>
+                        <a:t>René Weber</a:t>
+                      </a:r>
+                    </a:p>
+                  </a:txBody>
+                  <a:tcPr/>
+                </a:tc>
+                <a:tc>
+                  <a:txBody>
+                    <a:bodyPr/>
+                    <a:lstStyle/>
+                    <a:p>
+                      <a:r>
+                        <a:rPr lang="de-DE" sz="1400" noProof="0" dirty="0"/>
+                        <a:t>5</a:t>
+                      </a:r>
+                    </a:p>
+                  </a:txBody>
+                  <a:tcPr/>
+                </a:tc>
+                <a:tc>
+                  <a:txBody>
+                    <a:bodyPr/>
+                    <a:lstStyle/>
+                    <a:p>
+                      <a:r>
+                        <a:rPr lang="de-DE" sz="1400" noProof="0" dirty="0"/>
+                        <a:t>Erledigt</a:t>
+                      </a:r>
+                    </a:p>
+                  </a:txBody>
+                  <a:tcPr/>
+                </a:tc>
+                <a:extLst>
+                  <a:ext uri="{0D108BD9-81ED-4DB2-BD59-A6C34878D82A}">
+                    <a16:rowId xmlns:a16="http://schemas.microsoft.com/office/drawing/2014/main" val="740267785"/>
+                  </a:ext>
+                </a:extLst>
+              </a:tr>
+              <a:tr h="370891">
+                <a:tc>
+                  <a:txBody>
+                    <a:bodyPr/>
+                    <a:lstStyle/>
+                    <a:p>
+                      <a:r>
+                        <a:rPr lang="de-DE" sz="1400" noProof="0" dirty="0"/>
+                        <a:t>Logik: Anpassen von Speisen im Warenkorb</a:t>
+                      </a:r>
+                    </a:p>
+                  </a:txBody>
+                  <a:tcPr/>
+                </a:tc>
+                <a:tc>
+                  <a:txBody>
+                    <a:bodyPr/>
+                    <a:lstStyle/>
+                    <a:p>
+                      <a:endParaRPr lang="de-DE" sz="1400" noProof="0" dirty="0"/>
+                    </a:p>
+                  </a:txBody>
+                  <a:tcPr/>
+                </a:tc>
+                <a:tc>
+                  <a:txBody>
+                    <a:bodyPr/>
+                    <a:lstStyle/>
+                    <a:p>
+                      <a:endParaRPr lang="de-DE" sz="1400" noProof="0" dirty="0"/>
+                    </a:p>
+                  </a:txBody>
+                  <a:tcPr/>
+                </a:tc>
+                <a:tc>
+                  <a:txBody>
+                    <a:bodyPr/>
+                    <a:lstStyle/>
+                    <a:p>
+                      <a:r>
+                        <a:rPr lang="de-DE" sz="1400" noProof="0" dirty="0"/>
+                        <a:t>Erledigt</a:t>
+                      </a:r>
+                    </a:p>
+                  </a:txBody>
+                  <a:tcPr/>
+                </a:tc>
+                <a:extLst>
+                  <a:ext uri="{0D108BD9-81ED-4DB2-BD59-A6C34878D82A}">
+                    <a16:rowId xmlns:a16="http://schemas.microsoft.com/office/drawing/2014/main" val="2603736860"/>
+                  </a:ext>
+                </a:extLst>
+              </a:tr>
+              <a:tr h="362139">
+                <a:tc>
+                  <a:txBody>
+                    <a:bodyPr/>
+                    <a:lstStyle/>
+                    <a:p>
+                      <a:r>
+                        <a:rPr lang="de-DE" sz="1400" noProof="0" dirty="0"/>
+                        <a:t>Logik: Automatische Kalkulation der Kosten</a:t>
+                      </a:r>
+                    </a:p>
+                  </a:txBody>
+                  <a:tcPr/>
+                </a:tc>
+                <a:tc>
+                  <a:txBody>
+                    <a:bodyPr/>
+                    <a:lstStyle/>
+                    <a:p>
+                      <a:endParaRPr lang="de-DE" sz="1400" noProof="0" dirty="0"/>
+                    </a:p>
+                  </a:txBody>
+                  <a:tcPr/>
+                </a:tc>
+                <a:tc>
+                  <a:txBody>
+                    <a:bodyPr/>
+                    <a:lstStyle/>
+                    <a:p>
+                      <a:endParaRPr lang="de-DE" sz="1400" noProof="0" dirty="0"/>
+                    </a:p>
+                  </a:txBody>
+                  <a:tcPr/>
+                </a:tc>
+                <a:tc>
+                  <a:txBody>
+                    <a:bodyPr/>
+                    <a:lstStyle/>
+                    <a:p>
+                      <a:r>
+                        <a:rPr lang="de-DE" sz="1400" noProof="0" dirty="0"/>
+                        <a:t>Erledigt</a:t>
+                      </a:r>
+                    </a:p>
+                  </a:txBody>
+                  <a:tcPr/>
+                </a:tc>
+                <a:extLst>
+                  <a:ext uri="{0D108BD9-81ED-4DB2-BD59-A6C34878D82A}">
+                    <a16:rowId xmlns:a16="http://schemas.microsoft.com/office/drawing/2014/main" val="4252090113"/>
+                  </a:ext>
+                </a:extLst>
+              </a:tr>
+              <a:tr h="488887">
+                <a:tc>
+                  <a:txBody>
+                    <a:bodyPr/>
+                    <a:lstStyle/>
+                    <a:p>
+                      <a:r>
+                        <a:rPr lang="de-DE" sz="1400" noProof="0" dirty="0"/>
+                        <a:t>Logik: Absenden der Bestellung für spezifische Tischnummer</a:t>
+                      </a:r>
+                    </a:p>
+                  </a:txBody>
+                  <a:tcPr/>
+                </a:tc>
+                <a:tc>
+                  <a:txBody>
+                    <a:bodyPr/>
+                    <a:lstStyle/>
+                    <a:p>
+                      <a:endParaRPr lang="de-DE" sz="1400" noProof="0" dirty="0"/>
+                    </a:p>
+                  </a:txBody>
+                  <a:tcPr/>
+                </a:tc>
+                <a:tc>
+                  <a:txBody>
+                    <a:bodyPr/>
+                    <a:lstStyle/>
+                    <a:p>
+                      <a:endParaRPr lang="de-DE" sz="1400" noProof="0" dirty="0"/>
+                    </a:p>
+                  </a:txBody>
+                  <a:tcPr/>
+                </a:tc>
+                <a:tc>
+                  <a:txBody>
+                    <a:bodyPr/>
+                    <a:lstStyle/>
+                    <a:p>
+                      <a:r>
+                        <a:rPr lang="de-DE" sz="1400" noProof="0" dirty="0"/>
+                        <a:t>Erledigt</a:t>
+                      </a:r>
+                    </a:p>
+                  </a:txBody>
+                  <a:tcPr/>
+                </a:tc>
+                <a:extLst>
+                  <a:ext uri="{0D108BD9-81ED-4DB2-BD59-A6C34878D82A}">
+                    <a16:rowId xmlns:a16="http://schemas.microsoft.com/office/drawing/2014/main" val="1091053033"/>
+                  </a:ext>
+                </a:extLst>
+              </a:tr>
+              <a:tr h="450561">
+                <a:tc>
+                  <a:txBody>
+                    <a:bodyPr/>
+                    <a:lstStyle/>
+                    <a:p>
+                      <a:r>
+                        <a:rPr lang="de-DE" sz="1400" noProof="0" dirty="0"/>
+                        <a:t>Abschluss Warenkorb</a:t>
+                      </a:r>
+                    </a:p>
+                  </a:txBody>
+                  <a:tcPr/>
+                </a:tc>
+                <a:tc>
+                  <a:txBody>
+                    <a:bodyPr/>
+                    <a:lstStyle/>
+                    <a:p>
+                      <a:endParaRPr lang="de-DE" sz="1400" noProof="0" dirty="0"/>
+                    </a:p>
+                  </a:txBody>
+                  <a:tcPr/>
+                </a:tc>
+                <a:tc>
+                  <a:txBody>
+                    <a:bodyPr/>
+                    <a:lstStyle/>
+                    <a:p>
+                      <a:endParaRPr lang="de-DE" sz="1400" noProof="0" dirty="0"/>
+                    </a:p>
+                  </a:txBody>
+                  <a:tcPr/>
+                </a:tc>
+                <a:tc>
+                  <a:txBody>
+                    <a:bodyPr/>
+                    <a:lstStyle/>
+                    <a:p>
+                      <a:r>
+                        <a:rPr lang="de-DE" sz="1400" noProof="0" dirty="0"/>
+                        <a:t>Erledigt</a:t>
+                      </a:r>
+                    </a:p>
+                  </a:txBody>
+                  <a:tcPr/>
+                </a:tc>
+                <a:extLst>
+                  <a:ext uri="{0D108BD9-81ED-4DB2-BD59-A6C34878D82A}">
+                    <a16:rowId xmlns:a16="http://schemas.microsoft.com/office/drawing/2014/main" val="2446957633"/>
+                  </a:ext>
+                </a:extLst>
+              </a:tr>
+            </a:tbl>
+          </a:graphicData>
+        </a:graphic>
+      </p:graphicFrame>
+      <p:pic>
+        <p:nvPicPr>
+          <p:cNvPr id="7" name="Grafik 6">
+            <a:extLst>
+              <a:ext uri="{FF2B5EF4-FFF2-40B4-BE49-F238E27FC236}">
+                <a16:creationId xmlns:a16="http://schemas.microsoft.com/office/drawing/2014/main" id="{F447DF4A-5353-B320-B18E-CE9C17911E47}"/>
+              </a:ext>
+            </a:extLst>
+          </p:cNvPr>
+          <p:cNvPicPr>
+            <a:picLocks noChangeAspect="1"/>
+          </p:cNvPicPr>
+          <p:nvPr/>
+        </p:nvPicPr>
+        <p:blipFill>
+          <a:blip r:embed="rId2"/>
+          <a:stretch>
+            <a:fillRect/>
+          </a:stretch>
+        </p:blipFill>
+        <p:spPr>
+          <a:xfrm>
+            <a:off x="6884925" y="6278906"/>
+            <a:ext cx="1738967" cy="451906"/>
+          </a:xfrm>
+          <a:prstGeom prst="rect">
+            <a:avLst/>
+          </a:prstGeom>
+        </p:spPr>
+      </p:pic>
+      <p:sp>
+        <p:nvSpPr>
+          <p:cNvPr id="12" name="Textfeld 11">
+            <a:extLst>
+              <a:ext uri="{FF2B5EF4-FFF2-40B4-BE49-F238E27FC236}">
+                <a16:creationId xmlns:a16="http://schemas.microsoft.com/office/drawing/2014/main" id="{6C748691-0350-4F12-29B1-58781F9859C7}"/>
+              </a:ext>
+            </a:extLst>
+          </p:cNvPr>
+          <p:cNvSpPr txBox="1"/>
+          <p:nvPr/>
+        </p:nvSpPr>
+        <p:spPr>
+          <a:xfrm>
+            <a:off x="6884925" y="6327056"/>
+            <a:ext cx="1524000" cy="369332"/>
+          </a:xfrm>
+          <a:prstGeom prst="rect">
+            <a:avLst/>
+          </a:prstGeom>
+          <a:noFill/>
+        </p:spPr>
+        <p:txBody>
+          <a:bodyPr wrap="square" rtlCol="0">
+            <a:spAutoFit/>
+          </a:bodyPr>
+          <a:lstStyle/>
+          <a:p>
+            <a:r>
+              <a:rPr lang="de-DE" noProof="0" dirty="0">
+                <a:solidFill>
+                  <a:srgbClr val="FF0000"/>
+                </a:solidFill>
+              </a:rPr>
+              <a:t>Summe</a:t>
+            </a:r>
+          </a:p>
+        </p:txBody>
+      </p:sp>
     </p:spTree>
     <p:extLst>
       <p:ext uri="{BB962C8B-B14F-4D97-AF65-F5344CB8AC3E}">
-        <p14:creationId xmlns:p14="http://schemas.microsoft.com/office/powerpoint/2010/main" val="3169394714"/>
+        <p14:creationId xmlns:p14="http://schemas.microsoft.com/office/powerpoint/2010/main" val="2023827376"/>
       </p:ext>
     </p:extLst>
   </p:cSld>
@@ -5135,6 +5671,570 @@
 </file>
 
 <file path=ppt/slides/slide11.xml><?xml version="1.0" encoding="utf-8"?>
+<p:sld xmlns:a="http://schemas.openxmlformats.org/drawingml/2006/main" xmlns:r="http://schemas.openxmlformats.org/officeDocument/2006/relationships" xmlns:p="http://schemas.openxmlformats.org/presentationml/2006/main">
+  <p:cSld>
+    <p:spTree>
+      <p:nvGrpSpPr>
+        <p:cNvPr id="1" name="">
+          <a:extLst>
+            <a:ext uri="{FF2B5EF4-FFF2-40B4-BE49-F238E27FC236}">
+              <a16:creationId xmlns:a16="http://schemas.microsoft.com/office/drawing/2014/main" id="{40351EEA-BA7C-3B90-561D-0D11492BE107}"/>
+            </a:ext>
+          </a:extLst>
+        </p:cNvPr>
+        <p:cNvGrpSpPr/>
+        <p:nvPr/>
+      </p:nvGrpSpPr>
+      <p:grpSpPr>
+        <a:xfrm>
+          <a:off x="0" y="0"/>
+          <a:ext cx="0" cy="0"/>
+          <a:chOff x="0" y="0"/>
+          <a:chExt cx="0" cy="0"/>
+        </a:xfrm>
+      </p:grpSpPr>
+      <p:sp>
+        <p:nvSpPr>
+          <p:cNvPr id="2" name="Titel 1">
+            <a:extLst>
+              <a:ext uri="{FF2B5EF4-FFF2-40B4-BE49-F238E27FC236}">
+                <a16:creationId xmlns:a16="http://schemas.microsoft.com/office/drawing/2014/main" id="{908A1978-E453-21F5-A750-26DEAE0EE0B6}"/>
+              </a:ext>
+            </a:extLst>
+          </p:cNvPr>
+          <p:cNvSpPr>
+            <a:spLocks noGrp="1"/>
+          </p:cNvSpPr>
+          <p:nvPr>
+            <p:ph type="title"/>
+          </p:nvPr>
+        </p:nvSpPr>
+        <p:spPr/>
+        <p:txBody>
+          <a:bodyPr/>
+          <a:lstStyle/>
+          <a:p>
+            <a:r>
+              <a:rPr lang="de-DE" noProof="0" dirty="0"/>
+              <a:t>4. Detailplanung</a:t>
+            </a:r>
+          </a:p>
+        </p:txBody>
+      </p:sp>
+      <p:sp>
+        <p:nvSpPr>
+          <p:cNvPr id="4" name="Datumsplatzhalter 3">
+            <a:extLst>
+              <a:ext uri="{FF2B5EF4-FFF2-40B4-BE49-F238E27FC236}">
+                <a16:creationId xmlns:a16="http://schemas.microsoft.com/office/drawing/2014/main" id="{44128699-483C-B676-FF84-71EBEE7465AC}"/>
+              </a:ext>
+            </a:extLst>
+          </p:cNvPr>
+          <p:cNvSpPr>
+            <a:spLocks noGrp="1"/>
+          </p:cNvSpPr>
+          <p:nvPr>
+            <p:ph type="dt" sz="half" idx="10"/>
+          </p:nvPr>
+        </p:nvSpPr>
+        <p:spPr/>
+        <p:txBody>
+          <a:bodyPr/>
+          <a:lstStyle/>
+          <a:p>
+            <a:fld id="{42B45B56-1D88-4042-8DF0-EB6B41B710D3}" type="datetime1">
+              <a:rPr lang="de-DE" noProof="0" smtClean="0"/>
+              <a:t>11.12.2024</a:t>
+            </a:fld>
+            <a:endParaRPr lang="de-DE" noProof="0" dirty="0"/>
+          </a:p>
+        </p:txBody>
+      </p:sp>
+      <p:sp>
+        <p:nvSpPr>
+          <p:cNvPr id="5" name="Foliennummernplatzhalter 4">
+            <a:extLst>
+              <a:ext uri="{FF2B5EF4-FFF2-40B4-BE49-F238E27FC236}">
+                <a16:creationId xmlns:a16="http://schemas.microsoft.com/office/drawing/2014/main" id="{E5843F72-DC90-0016-08C4-DE4726BBFC55}"/>
+              </a:ext>
+            </a:extLst>
+          </p:cNvPr>
+          <p:cNvSpPr>
+            <a:spLocks noGrp="1"/>
+          </p:cNvSpPr>
+          <p:nvPr>
+            <p:ph type="sldNum" sz="quarter" idx="12"/>
+          </p:nvPr>
+        </p:nvSpPr>
+        <p:spPr/>
+        <p:txBody>
+          <a:bodyPr/>
+          <a:lstStyle/>
+          <a:p>
+            <a:fld id="{07CE569E-9B7C-4CB9-AB80-C0841F922CFF}" type="slidenum">
+              <a:rPr lang="de-DE" noProof="0" smtClean="0"/>
+              <a:t>11</a:t>
+            </a:fld>
+            <a:endParaRPr lang="de-DE" noProof="0" dirty="0"/>
+          </a:p>
+        </p:txBody>
+      </p:sp>
+      <p:graphicFrame>
+        <p:nvGraphicFramePr>
+          <p:cNvPr id="3" name="Tabelle 2">
+            <a:extLst>
+              <a:ext uri="{FF2B5EF4-FFF2-40B4-BE49-F238E27FC236}">
+                <a16:creationId xmlns:a16="http://schemas.microsoft.com/office/drawing/2014/main" id="{B2306EE2-63D8-E950-D946-06B2B545E5A7}"/>
+              </a:ext>
+            </a:extLst>
+          </p:cNvPr>
+          <p:cNvGraphicFramePr>
+            <a:graphicFrameLocks noGrp="1"/>
+          </p:cNvGraphicFramePr>
+          <p:nvPr>
+            <p:extLst>
+              <p:ext uri="{D42A27DB-BD31-4B8C-83A1-F6EECF244321}">
+                <p14:modId xmlns:p14="http://schemas.microsoft.com/office/powerpoint/2010/main" val="3682819627"/>
+              </p:ext>
+            </p:extLst>
+          </p:nvPr>
+        </p:nvGraphicFramePr>
+        <p:xfrm>
+          <a:off x="911224" y="2587186"/>
+          <a:ext cx="8718551" cy="3886004"/>
+        </p:xfrm>
+        <a:graphic>
+          <a:graphicData uri="http://schemas.openxmlformats.org/drawingml/2006/table">
+            <a:tbl>
+              <a:tblPr bandRow="1">
+                <a:tableStyleId>{5C22544A-7EE6-4342-B048-85BDC9FD1C3A}</a:tableStyleId>
+              </a:tblPr>
+              <a:tblGrid>
+                <a:gridCol w="3184526">
+                  <a:extLst>
+                    <a:ext uri="{9D8B030D-6E8A-4147-A177-3AD203B41FA5}">
+                      <a16:colId xmlns:a16="http://schemas.microsoft.com/office/drawing/2014/main" val="194438012"/>
+                    </a:ext>
+                  </a:extLst>
+                </a:gridCol>
+                <a:gridCol w="5534025">
+                  <a:extLst>
+                    <a:ext uri="{9D8B030D-6E8A-4147-A177-3AD203B41FA5}">
+                      <a16:colId xmlns:a16="http://schemas.microsoft.com/office/drawing/2014/main" val="2620241848"/>
+                    </a:ext>
+                  </a:extLst>
+                </a:gridCol>
+              </a:tblGrid>
+              <a:tr h="441764">
+                <a:tc>
+                  <a:txBody>
+                    <a:bodyPr/>
+                    <a:lstStyle/>
+                    <a:p>
+                      <a:r>
+                        <a:rPr lang="de-DE" sz="1400" noProof="0" dirty="0"/>
+                        <a:t>Dokumentation + Organisation</a:t>
+                      </a:r>
+                    </a:p>
+                  </a:txBody>
+                  <a:tcPr/>
+                </a:tc>
+                <a:tc>
+                  <a:txBody>
+                    <a:bodyPr/>
+                    <a:lstStyle/>
+                    <a:p>
+                      <a:pPr marL="285750" indent="-285750">
+                        <a:buFont typeface="Arial" panose="020B0604020202020204" pitchFamily="34" charset="0"/>
+                        <a:buChar char="•"/>
+                      </a:pPr>
+                      <a:r>
+                        <a:rPr lang="de-DE" sz="1400" noProof="0" dirty="0"/>
+                        <a:t>Geprüft und freigegeben.</a:t>
+                      </a:r>
+                    </a:p>
+                  </a:txBody>
+                  <a:tcPr/>
+                </a:tc>
+                <a:extLst>
+                  <a:ext uri="{0D108BD9-81ED-4DB2-BD59-A6C34878D82A}">
+                    <a16:rowId xmlns:a16="http://schemas.microsoft.com/office/drawing/2014/main" val="3514348944"/>
+                  </a:ext>
+                </a:extLst>
+              </a:tr>
+              <a:tr h="506337">
+                <a:tc>
+                  <a:txBody>
+                    <a:bodyPr/>
+                    <a:lstStyle/>
+                    <a:p>
+                      <a:pPr marL="0" marR="0" lvl="0" indent="0" algn="l" defTabSz="914400" rtl="0" eaLnBrk="1" fontAlgn="auto" latinLnBrk="0" hangingPunct="1">
+                        <a:lnSpc>
+                          <a:spcPct val="100000"/>
+                        </a:lnSpc>
+                        <a:spcBef>
+                          <a:spcPts val="0"/>
+                        </a:spcBef>
+                        <a:spcAft>
+                          <a:spcPts val="0"/>
+                        </a:spcAft>
+                        <a:buClrTx/>
+                        <a:buSzTx/>
+                        <a:buFontTx/>
+                        <a:buNone/>
+                        <a:tabLst/>
+                        <a:defRPr/>
+                      </a:pPr>
+                      <a:r>
+                        <a:rPr lang="de-DE" sz="1400" noProof="0" dirty="0"/>
+                        <a:t>Website “Menu-Karte” erstellen</a:t>
+                      </a:r>
+                    </a:p>
+                  </a:txBody>
+                  <a:tcPr/>
+                </a:tc>
+                <a:tc>
+                  <a:txBody>
+                    <a:bodyPr/>
+                    <a:lstStyle/>
+                    <a:p>
+                      <a:pPr marL="285750" marR="0" lvl="0" indent="-285750" algn="l" defTabSz="914400" rtl="0" eaLnBrk="1" fontAlgn="auto" latinLnBrk="0" hangingPunct="1">
+                        <a:lnSpc>
+                          <a:spcPct val="100000"/>
+                        </a:lnSpc>
+                        <a:spcBef>
+                          <a:spcPts val="0"/>
+                        </a:spcBef>
+                        <a:spcAft>
+                          <a:spcPts val="0"/>
+                        </a:spcAft>
+                        <a:buClrTx/>
+                        <a:buSzTx/>
+                        <a:buFont typeface="Arial" panose="020B0604020202020204" pitchFamily="34" charset="0"/>
+                        <a:buChar char="•"/>
+                        <a:tabLst/>
+                        <a:defRPr/>
+                      </a:pPr>
+                      <a:r>
+                        <a:rPr lang="de-DE" sz="1400" noProof="0" dirty="0"/>
+                        <a:t>Alle Speisen sind sichtbar und auswählbar.</a:t>
+                      </a:r>
+                    </a:p>
+                    <a:p>
+                      <a:pPr marL="285750" marR="0" lvl="0" indent="-285750" algn="l" defTabSz="914400" rtl="0" eaLnBrk="1" fontAlgn="auto" latinLnBrk="0" hangingPunct="1">
+                        <a:lnSpc>
+                          <a:spcPct val="100000"/>
+                        </a:lnSpc>
+                        <a:spcBef>
+                          <a:spcPts val="0"/>
+                        </a:spcBef>
+                        <a:spcAft>
+                          <a:spcPts val="0"/>
+                        </a:spcAft>
+                        <a:buClrTx/>
+                        <a:buSzTx/>
+                        <a:buFont typeface="Arial" panose="020B0604020202020204" pitchFamily="34" charset="0"/>
+                        <a:buChar char="•"/>
+                        <a:tabLst/>
+                        <a:defRPr/>
+                      </a:pPr>
+                      <a:r>
+                        <a:rPr lang="de-DE" sz="1400" noProof="0" dirty="0"/>
+                        <a:t>Website </a:t>
+                      </a:r>
+                      <a:r>
+                        <a:rPr lang="de-DE" sz="1400" noProof="0" dirty="0" err="1"/>
+                        <a:t>läd</a:t>
+                      </a:r>
+                      <a:r>
+                        <a:rPr lang="de-DE" sz="1400" noProof="0" dirty="0"/>
+                        <a:t> dynamisch auf </a:t>
+                      </a:r>
+                      <a:r>
+                        <a:rPr lang="de-DE" sz="1400" noProof="0" dirty="0" err="1"/>
+                        <a:t>basis</a:t>
+                      </a:r>
+                      <a:r>
+                        <a:rPr lang="de-DE" sz="1400" noProof="0" dirty="0"/>
+                        <a:t> der Speisenanzahl.</a:t>
+                      </a:r>
+                    </a:p>
+                  </a:txBody>
+                  <a:tcPr/>
+                </a:tc>
+                <a:extLst>
+                  <a:ext uri="{0D108BD9-81ED-4DB2-BD59-A6C34878D82A}">
+                    <a16:rowId xmlns:a16="http://schemas.microsoft.com/office/drawing/2014/main" val="3529812188"/>
+                  </a:ext>
+                </a:extLst>
+              </a:tr>
+              <a:tr h="628278">
+                <a:tc>
+                  <a:txBody>
+                    <a:bodyPr/>
+                    <a:lstStyle/>
+                    <a:p>
+                      <a:r>
+                        <a:rPr lang="de-DE" sz="1400" noProof="0" dirty="0"/>
+                        <a:t>Datenbank “Menu-Karte”</a:t>
+                      </a:r>
+                    </a:p>
+                  </a:txBody>
+                  <a:tcPr/>
+                </a:tc>
+                <a:tc>
+                  <a:txBody>
+                    <a:bodyPr/>
+                    <a:lstStyle/>
+                    <a:p>
+                      <a:pPr marL="285750" indent="-285750">
+                        <a:buFont typeface="Arial" panose="020B0604020202020204" pitchFamily="34" charset="0"/>
+                        <a:buChar char="•"/>
+                      </a:pPr>
+                      <a:r>
+                        <a:rPr lang="de-DE" sz="1400" noProof="0" dirty="0"/>
+                        <a:t>Entspricht der 3. Normalform.</a:t>
+                      </a:r>
+                    </a:p>
+                    <a:p>
+                      <a:pPr marL="285750" indent="-285750">
+                        <a:buFont typeface="Arial" panose="020B0604020202020204" pitchFamily="34" charset="0"/>
+                        <a:buChar char="•"/>
+                      </a:pPr>
+                      <a:r>
+                        <a:rPr lang="de-DE" sz="1400" noProof="0" dirty="0"/>
+                        <a:t>Beinhaltet alle notwendigen Felder + diese sind richtig konfiguriert.</a:t>
+                      </a:r>
+                    </a:p>
+                  </a:txBody>
+                  <a:tcPr/>
+                </a:tc>
+                <a:extLst>
+                  <a:ext uri="{0D108BD9-81ED-4DB2-BD59-A6C34878D82A}">
+                    <a16:rowId xmlns:a16="http://schemas.microsoft.com/office/drawing/2014/main" val="1310199598"/>
+                  </a:ext>
+                </a:extLst>
+              </a:tr>
+              <a:tr h="482529">
+                <a:tc>
+                  <a:txBody>
+                    <a:bodyPr/>
+                    <a:lstStyle/>
+                    <a:p>
+                      <a:r>
+                        <a:rPr lang="de-DE" sz="1400" noProof="0" dirty="0"/>
+                        <a:t>Einführung in </a:t>
+                      </a:r>
+                      <a:r>
+                        <a:rPr lang="de-DE" sz="1400" noProof="0" dirty="0" err="1"/>
+                        <a:t>Blazor</a:t>
+                      </a:r>
+                      <a:r>
+                        <a:rPr lang="de-DE" sz="1400" noProof="0" dirty="0"/>
+                        <a:t> und C# Coding</a:t>
+                      </a:r>
+                    </a:p>
+                  </a:txBody>
+                  <a:tcPr/>
+                </a:tc>
+                <a:tc>
+                  <a:txBody>
+                    <a:bodyPr/>
+                    <a:lstStyle/>
+                    <a:p>
+                      <a:pPr marL="285750" indent="-285750">
+                        <a:buFont typeface="Arial" panose="020B0604020202020204" pitchFamily="34" charset="0"/>
+                        <a:buChar char="•"/>
+                      </a:pPr>
+                      <a:r>
+                        <a:rPr lang="de-DE" sz="1400" noProof="0" dirty="0"/>
+                        <a:t>Alle Team-Mitglieder können grundlegende VS benutzen</a:t>
+                      </a:r>
+                    </a:p>
+                    <a:p>
+                      <a:pPr marL="285750" indent="-285750">
+                        <a:buFont typeface="Arial" panose="020B0604020202020204" pitchFamily="34" charset="0"/>
+                        <a:buChar char="•"/>
+                      </a:pPr>
+                      <a:r>
+                        <a:rPr lang="de-DE" sz="1400" noProof="0" dirty="0"/>
+                        <a:t>Alle Team-Mitglieder sind in der Lage mit </a:t>
+                      </a:r>
+                      <a:r>
+                        <a:rPr lang="de-DE" sz="1400" noProof="0" dirty="0" err="1"/>
+                        <a:t>Bazor</a:t>
+                      </a:r>
+                      <a:r>
+                        <a:rPr lang="de-DE" sz="1400" noProof="0" dirty="0"/>
+                        <a:t> die Website zu entwickeln</a:t>
+                      </a:r>
+                    </a:p>
+                  </a:txBody>
+                  <a:tcPr/>
+                </a:tc>
+                <a:extLst>
+                  <a:ext uri="{0D108BD9-81ED-4DB2-BD59-A6C34878D82A}">
+                    <a16:rowId xmlns:a16="http://schemas.microsoft.com/office/drawing/2014/main" val="1027042450"/>
+                  </a:ext>
+                </a:extLst>
+              </a:tr>
+              <a:tr h="488887">
+                <a:tc>
+                  <a:txBody>
+                    <a:bodyPr/>
+                    <a:lstStyle/>
+                    <a:p>
+                      <a:r>
+                        <a:rPr lang="de-DE" sz="1400" noProof="0" dirty="0"/>
+                        <a:t>Website “Warenkorb”</a:t>
+                      </a:r>
+                    </a:p>
+                  </a:txBody>
+                  <a:tcPr/>
+                </a:tc>
+                <a:tc>
+                  <a:txBody>
+                    <a:bodyPr/>
+                    <a:lstStyle/>
+                    <a:p>
+                      <a:pPr marL="285750" indent="-285750">
+                        <a:buFont typeface="Arial" panose="020B0604020202020204" pitchFamily="34" charset="0"/>
+                        <a:buChar char="•"/>
+                      </a:pPr>
+                      <a:r>
+                        <a:rPr lang="de-DE" sz="1400" noProof="0" dirty="0"/>
+                        <a:t>Alle selektierten Speisen werden angezeigt.</a:t>
+                      </a:r>
+                    </a:p>
+                    <a:p>
+                      <a:pPr marL="285750" indent="-285750">
+                        <a:buFont typeface="Arial" panose="020B0604020202020204" pitchFamily="34" charset="0"/>
+                        <a:buChar char="•"/>
+                      </a:pPr>
+                      <a:r>
+                        <a:rPr lang="de-DE" sz="1400" noProof="0" dirty="0"/>
+                        <a:t>Anzahl kann verändert werden.</a:t>
+                      </a:r>
+                    </a:p>
+                    <a:p>
+                      <a:pPr marL="285750" indent="-285750">
+                        <a:buFont typeface="Arial" panose="020B0604020202020204" pitchFamily="34" charset="0"/>
+                        <a:buChar char="•"/>
+                      </a:pPr>
+                      <a:r>
+                        <a:rPr lang="de-DE" sz="1400" noProof="0" dirty="0"/>
+                        <a:t>Speisen können wieder entfernt werden.</a:t>
+                      </a:r>
+                    </a:p>
+                  </a:txBody>
+                  <a:tcPr/>
+                </a:tc>
+                <a:extLst>
+                  <a:ext uri="{0D108BD9-81ED-4DB2-BD59-A6C34878D82A}">
+                    <a16:rowId xmlns:a16="http://schemas.microsoft.com/office/drawing/2014/main" val="3357681546"/>
+                  </a:ext>
+                </a:extLst>
+              </a:tr>
+              <a:tr h="450561">
+                <a:tc>
+                  <a:txBody>
+                    <a:bodyPr/>
+                    <a:lstStyle/>
+                    <a:p>
+                      <a:r>
+                        <a:rPr lang="de-DE" sz="1400" noProof="0" dirty="0"/>
+                        <a:t>Datenbank “Warenkorb”</a:t>
+                      </a:r>
+                    </a:p>
+                  </a:txBody>
+                  <a:tcPr/>
+                </a:tc>
+                <a:tc>
+                  <a:txBody>
+                    <a:bodyPr/>
+                    <a:lstStyle/>
+                    <a:p>
+                      <a:pPr marL="285750" indent="-285750">
+                        <a:buFont typeface="Arial" panose="020B0604020202020204" pitchFamily="34" charset="0"/>
+                        <a:buChar char="•"/>
+                      </a:pPr>
+                      <a:r>
+                        <a:rPr lang="de-DE" sz="1400" noProof="0" dirty="0"/>
+                        <a:t>Entspricht der 3. Normalform.</a:t>
+                      </a:r>
+                    </a:p>
+                    <a:p>
+                      <a:pPr marL="285750" indent="-285750">
+                        <a:buFont typeface="Arial" panose="020B0604020202020204" pitchFamily="34" charset="0"/>
+                        <a:buChar char="•"/>
+                      </a:pPr>
+                      <a:r>
+                        <a:rPr lang="de-DE" sz="1400" noProof="0" dirty="0"/>
+                        <a:t>Beinhaltet alle notwendigen Felder + diese sind richtig konfiguriert.</a:t>
+                      </a:r>
+                    </a:p>
+                  </a:txBody>
+                  <a:tcPr/>
+                </a:tc>
+                <a:extLst>
+                  <a:ext uri="{0D108BD9-81ED-4DB2-BD59-A6C34878D82A}">
+                    <a16:rowId xmlns:a16="http://schemas.microsoft.com/office/drawing/2014/main" val="4006408752"/>
+                  </a:ext>
+                </a:extLst>
+              </a:tr>
+            </a:tbl>
+          </a:graphicData>
+        </a:graphic>
+      </p:graphicFrame>
+      <p:sp>
+        <p:nvSpPr>
+          <p:cNvPr id="6" name="Textfeld 5">
+            <a:extLst>
+              <a:ext uri="{FF2B5EF4-FFF2-40B4-BE49-F238E27FC236}">
+                <a16:creationId xmlns:a16="http://schemas.microsoft.com/office/drawing/2014/main" id="{98BCABE6-CA74-3ACD-9CB3-5C8F6D1D34AE}"/>
+              </a:ext>
+            </a:extLst>
+          </p:cNvPr>
+          <p:cNvSpPr txBox="1"/>
+          <p:nvPr/>
+        </p:nvSpPr>
+        <p:spPr>
+          <a:xfrm>
+            <a:off x="911225" y="2067261"/>
+            <a:ext cx="5899150" cy="369332"/>
+          </a:xfrm>
+          <a:prstGeom prst="rect">
+            <a:avLst/>
+          </a:prstGeom>
+          <a:noFill/>
+        </p:spPr>
+        <p:txBody>
+          <a:bodyPr wrap="square" rtlCol="0">
+            <a:spAutoFit/>
+          </a:bodyPr>
+          <a:lstStyle/>
+          <a:p>
+            <a:r>
+              <a:rPr lang="de-DE" b="1" noProof="0" dirty="0"/>
+              <a:t>Abnahmekriterien</a:t>
+            </a:r>
+          </a:p>
+        </p:txBody>
+      </p:sp>
+    </p:spTree>
+    <p:extLst>
+      <p:ext uri="{BB962C8B-B14F-4D97-AF65-F5344CB8AC3E}">
+        <p14:creationId xmlns:p14="http://schemas.microsoft.com/office/powerpoint/2010/main" val="1110673821"/>
+      </p:ext>
+    </p:extLst>
+  </p:cSld>
+  <p:clrMapOvr>
+    <a:masterClrMapping/>
+  </p:clrMapOvr>
+</p:sld>
+</file>
+
+<file path=ppt/slides/slide12.xml><?xml version="1.0" encoding="utf-8"?>
 <p:sld xmlns:a="http://schemas.openxmlformats.org/drawingml/2006/main" xmlns:r="http://schemas.openxmlformats.org/officeDocument/2006/relationships" xmlns:p="http://schemas.openxmlformats.org/presentationml/2006/main">
   <p:cSld>
     <p:spTree>
@@ -5156,6 +6256,662 @@
           <p:cNvPr id="2" name="Titel 1">
             <a:extLst>
               <a:ext uri="{FF2B5EF4-FFF2-40B4-BE49-F238E27FC236}">
+                <a16:creationId xmlns:a16="http://schemas.microsoft.com/office/drawing/2014/main" id="{86AADDDC-CD07-D152-F98D-6AA7ABFFAE93}"/>
+              </a:ext>
+            </a:extLst>
+          </p:cNvPr>
+          <p:cNvSpPr>
+            <a:spLocks noGrp="1"/>
+          </p:cNvSpPr>
+          <p:nvPr>
+            <p:ph type="title"/>
+          </p:nvPr>
+        </p:nvSpPr>
+        <p:spPr/>
+        <p:txBody>
+          <a:bodyPr/>
+          <a:lstStyle/>
+          <a:p>
+            <a:r>
+              <a:rPr lang="de-DE" noProof="0" dirty="0"/>
+              <a:t>5. Ausblick auf den folgenden Sprint</a:t>
+            </a:r>
+          </a:p>
+        </p:txBody>
+      </p:sp>
+      <p:sp>
+        <p:nvSpPr>
+          <p:cNvPr id="3" name="Inhaltsplatzhalter 2">
+            <a:extLst>
+              <a:ext uri="{FF2B5EF4-FFF2-40B4-BE49-F238E27FC236}">
+                <a16:creationId xmlns:a16="http://schemas.microsoft.com/office/drawing/2014/main" id="{5E854AF4-9867-751A-7A8B-348123EF4C14}"/>
+              </a:ext>
+            </a:extLst>
+          </p:cNvPr>
+          <p:cNvSpPr>
+            <a:spLocks noGrp="1"/>
+          </p:cNvSpPr>
+          <p:nvPr>
+            <p:ph idx="1"/>
+          </p:nvPr>
+        </p:nvSpPr>
+        <p:spPr/>
+        <p:txBody>
+          <a:bodyPr/>
+          <a:lstStyle/>
+          <a:p>
+            <a:r>
+              <a:rPr lang="de-DE" sz="2800" noProof="0" dirty="0"/>
+              <a:t>Warenkorb Erstellung abschließen</a:t>
+            </a:r>
+          </a:p>
+          <a:p>
+            <a:r>
+              <a:rPr lang="de-DE" noProof="0" dirty="0"/>
+              <a:t>Logik “Anpassen von Speisen im Warenkorb”</a:t>
+            </a:r>
+          </a:p>
+          <a:p>
+            <a:r>
+              <a:rPr lang="de-DE" sz="2800" noProof="0" dirty="0"/>
+              <a:t>Logik </a:t>
+            </a:r>
+            <a:r>
+              <a:rPr lang="de-DE" noProof="0" dirty="0"/>
+              <a:t>“</a:t>
+            </a:r>
+            <a:r>
+              <a:rPr lang="de-DE" noProof="0" dirty="0" err="1"/>
+              <a:t>Autom</a:t>
+            </a:r>
+            <a:r>
+              <a:rPr lang="de-DE" noProof="0" dirty="0"/>
+              <a:t>. Kalkulation der Kosten”</a:t>
+            </a:r>
+            <a:endParaRPr lang="de-DE" sz="2800" noProof="0" dirty="0"/>
+          </a:p>
+          <a:p>
+            <a:r>
+              <a:rPr lang="de-DE" noProof="0" dirty="0"/>
+              <a:t>Logik zum Absenden der Bestellung</a:t>
+            </a:r>
+          </a:p>
+        </p:txBody>
+      </p:sp>
+      <p:sp>
+        <p:nvSpPr>
+          <p:cNvPr id="4" name="Datumsplatzhalter 3">
+            <a:extLst>
+              <a:ext uri="{FF2B5EF4-FFF2-40B4-BE49-F238E27FC236}">
+                <a16:creationId xmlns:a16="http://schemas.microsoft.com/office/drawing/2014/main" id="{305A6BE5-5A63-7D28-E770-729A20618D33}"/>
+              </a:ext>
+            </a:extLst>
+          </p:cNvPr>
+          <p:cNvSpPr>
+            <a:spLocks noGrp="1"/>
+          </p:cNvSpPr>
+          <p:nvPr>
+            <p:ph type="dt" sz="half" idx="10"/>
+          </p:nvPr>
+        </p:nvSpPr>
+        <p:spPr/>
+        <p:txBody>
+          <a:bodyPr/>
+          <a:lstStyle/>
+          <a:p>
+            <a:fld id="{42B45B56-1D88-4042-8DF0-EB6B41B710D3}" type="datetime1">
+              <a:rPr lang="de-DE" noProof="0" smtClean="0"/>
+              <a:t>11.12.2024</a:t>
+            </a:fld>
+            <a:endParaRPr lang="de-DE" noProof="0" dirty="0"/>
+          </a:p>
+        </p:txBody>
+      </p:sp>
+      <p:sp>
+        <p:nvSpPr>
+          <p:cNvPr id="5" name="Foliennummernplatzhalter 4">
+            <a:extLst>
+              <a:ext uri="{FF2B5EF4-FFF2-40B4-BE49-F238E27FC236}">
+                <a16:creationId xmlns:a16="http://schemas.microsoft.com/office/drawing/2014/main" id="{E28ABC24-8900-E378-E502-62B817D571F6}"/>
+              </a:ext>
+            </a:extLst>
+          </p:cNvPr>
+          <p:cNvSpPr>
+            <a:spLocks noGrp="1"/>
+          </p:cNvSpPr>
+          <p:nvPr>
+            <p:ph type="sldNum" sz="quarter" idx="12"/>
+          </p:nvPr>
+        </p:nvSpPr>
+        <p:spPr/>
+        <p:txBody>
+          <a:bodyPr/>
+          <a:lstStyle/>
+          <a:p>
+            <a:fld id="{07CE569E-9B7C-4CB9-AB80-C0841F922CFF}" type="slidenum">
+              <a:rPr lang="de-DE" noProof="0" smtClean="0"/>
+              <a:t>12</a:t>
+            </a:fld>
+            <a:endParaRPr lang="de-DE" noProof="0" dirty="0"/>
+          </a:p>
+        </p:txBody>
+      </p:sp>
+    </p:spTree>
+    <p:extLst>
+      <p:ext uri="{BB962C8B-B14F-4D97-AF65-F5344CB8AC3E}">
+        <p14:creationId xmlns:p14="http://schemas.microsoft.com/office/powerpoint/2010/main" val="3562051256"/>
+      </p:ext>
+    </p:extLst>
+  </p:cSld>
+  <p:clrMapOvr>
+    <a:masterClrMapping/>
+  </p:clrMapOvr>
+</p:sld>
+</file>
+
+<file path=ppt/slides/slide13.xml><?xml version="1.0" encoding="utf-8"?>
+<p:sld xmlns:a="http://schemas.openxmlformats.org/drawingml/2006/main" xmlns:r="http://schemas.openxmlformats.org/officeDocument/2006/relationships" xmlns:p="http://schemas.openxmlformats.org/presentationml/2006/main">
+  <p:cSld>
+    <p:spTree>
+      <p:nvGrpSpPr>
+        <p:cNvPr id="1" name=""/>
+        <p:cNvGrpSpPr/>
+        <p:nvPr/>
+      </p:nvGrpSpPr>
+      <p:grpSpPr>
+        <a:xfrm>
+          <a:off x="0" y="0"/>
+          <a:ext cx="0" cy="0"/>
+          <a:chOff x="0" y="0"/>
+          <a:chExt cx="0" cy="0"/>
+        </a:xfrm>
+      </p:grpSpPr>
+      <p:sp>
+        <p:nvSpPr>
+          <p:cNvPr id="2" name="Titel 1">
+            <a:extLst>
+              <a:ext uri="{FF2B5EF4-FFF2-40B4-BE49-F238E27FC236}">
+                <a16:creationId xmlns:a16="http://schemas.microsoft.com/office/drawing/2014/main" id="{A075FF74-E5D2-1C9F-1DF3-DCD54EF547E9}"/>
+              </a:ext>
+            </a:extLst>
+          </p:cNvPr>
+          <p:cNvSpPr>
+            <a:spLocks noGrp="1"/>
+          </p:cNvSpPr>
+          <p:nvPr>
+            <p:ph type="title"/>
+          </p:nvPr>
+        </p:nvSpPr>
+        <p:spPr/>
+        <p:txBody>
+          <a:bodyPr/>
+          <a:lstStyle/>
+          <a:p>
+            <a:r>
+              <a:rPr lang="de-DE" noProof="0" dirty="0"/>
+              <a:t>6. Software-Tools</a:t>
+            </a:r>
+          </a:p>
+        </p:txBody>
+      </p:sp>
+      <p:sp>
+        <p:nvSpPr>
+          <p:cNvPr id="3" name="Inhaltsplatzhalter 2">
+            <a:extLst>
+              <a:ext uri="{FF2B5EF4-FFF2-40B4-BE49-F238E27FC236}">
+                <a16:creationId xmlns:a16="http://schemas.microsoft.com/office/drawing/2014/main" id="{E627C203-A1B7-383D-97A8-56B3248A1E83}"/>
+              </a:ext>
+            </a:extLst>
+          </p:cNvPr>
+          <p:cNvSpPr>
+            <a:spLocks noGrp="1"/>
+          </p:cNvSpPr>
+          <p:nvPr>
+            <p:ph sz="half" idx="1"/>
+          </p:nvPr>
+        </p:nvSpPr>
+        <p:spPr/>
+        <p:txBody>
+          <a:bodyPr>
+            <a:normAutofit/>
+          </a:bodyPr>
+          <a:lstStyle/>
+          <a:p>
+            <a:r>
+              <a:rPr lang="de-DE" noProof="0" dirty="0"/>
+              <a:t>Programmiersprache:</a:t>
+            </a:r>
+          </a:p>
+          <a:p>
+            <a:pPr lvl="1"/>
+            <a:r>
+              <a:rPr lang="de-DE" noProof="0" dirty="0"/>
+              <a:t>C#</a:t>
+            </a:r>
+          </a:p>
+          <a:p>
+            <a:r>
+              <a:rPr lang="de-DE" noProof="0" dirty="0"/>
+              <a:t>Framework:</a:t>
+            </a:r>
+          </a:p>
+          <a:p>
+            <a:pPr lvl="1"/>
+            <a:r>
+              <a:rPr lang="de-DE" noProof="0" dirty="0" err="1"/>
+              <a:t>Blazor</a:t>
+            </a:r>
+            <a:endParaRPr lang="de-DE" noProof="0" dirty="0"/>
+          </a:p>
+          <a:p>
+            <a:r>
+              <a:rPr lang="de-DE" noProof="0" dirty="0"/>
+              <a:t>IDE:</a:t>
+            </a:r>
+          </a:p>
+          <a:p>
+            <a:pPr lvl="1"/>
+            <a:r>
+              <a:rPr lang="de-DE" noProof="0" dirty="0"/>
+              <a:t>Visual Studio</a:t>
+            </a:r>
+          </a:p>
+        </p:txBody>
+      </p:sp>
+      <p:sp>
+        <p:nvSpPr>
+          <p:cNvPr id="6" name="Inhaltsplatzhalter 5">
+            <a:extLst>
+              <a:ext uri="{FF2B5EF4-FFF2-40B4-BE49-F238E27FC236}">
+                <a16:creationId xmlns:a16="http://schemas.microsoft.com/office/drawing/2014/main" id="{7185288F-FFC3-A9CF-5040-625A8A619580}"/>
+              </a:ext>
+            </a:extLst>
+          </p:cNvPr>
+          <p:cNvSpPr>
+            <a:spLocks noGrp="1"/>
+          </p:cNvSpPr>
+          <p:nvPr>
+            <p:ph sz="half" idx="2"/>
+          </p:nvPr>
+        </p:nvSpPr>
+        <p:spPr/>
+        <p:txBody>
+          <a:bodyPr>
+            <a:normAutofit/>
+          </a:bodyPr>
+          <a:lstStyle/>
+          <a:p>
+            <a:r>
+              <a:rPr lang="de-DE" noProof="0" dirty="0"/>
+              <a:t>Datenbank:</a:t>
+            </a:r>
+          </a:p>
+          <a:p>
+            <a:pPr lvl="1"/>
+            <a:r>
+              <a:rPr lang="de-DE" noProof="0" dirty="0"/>
+              <a:t>SQLite</a:t>
+            </a:r>
+          </a:p>
+          <a:p>
+            <a:r>
+              <a:rPr lang="de-DE" noProof="0" dirty="0"/>
+              <a:t>Weitere Tools:</a:t>
+            </a:r>
+          </a:p>
+          <a:p>
+            <a:pPr lvl="1"/>
+            <a:r>
+              <a:rPr lang="de-DE" noProof="0" dirty="0"/>
+              <a:t>Git (Versionierung)</a:t>
+            </a:r>
+          </a:p>
+          <a:p>
+            <a:pPr lvl="1"/>
+            <a:r>
+              <a:rPr lang="de-DE" noProof="0" dirty="0"/>
+              <a:t>Docker (</a:t>
+            </a:r>
+            <a:r>
+              <a:rPr lang="de-DE" noProof="0" dirty="0" err="1"/>
+              <a:t>Deployment</a:t>
+            </a:r>
+            <a:r>
+              <a:rPr lang="de-DE" noProof="0" dirty="0"/>
+              <a:t>)</a:t>
+            </a:r>
+          </a:p>
+        </p:txBody>
+      </p:sp>
+      <p:sp>
+        <p:nvSpPr>
+          <p:cNvPr id="4" name="Datumsplatzhalter 3">
+            <a:extLst>
+              <a:ext uri="{FF2B5EF4-FFF2-40B4-BE49-F238E27FC236}">
+                <a16:creationId xmlns:a16="http://schemas.microsoft.com/office/drawing/2014/main" id="{F5985418-FDA1-F1A7-80E8-C25C6BAC324B}"/>
+              </a:ext>
+            </a:extLst>
+          </p:cNvPr>
+          <p:cNvSpPr>
+            <a:spLocks noGrp="1"/>
+          </p:cNvSpPr>
+          <p:nvPr>
+            <p:ph type="dt" sz="half" idx="10"/>
+          </p:nvPr>
+        </p:nvSpPr>
+        <p:spPr/>
+        <p:txBody>
+          <a:bodyPr/>
+          <a:lstStyle/>
+          <a:p>
+            <a:fld id="{42B45B56-1D88-4042-8DF0-EB6B41B710D3}" type="datetime1">
+              <a:rPr lang="de-DE" noProof="0" smtClean="0"/>
+              <a:t>11.12.2024</a:t>
+            </a:fld>
+            <a:endParaRPr lang="de-DE" noProof="0" dirty="0"/>
+          </a:p>
+        </p:txBody>
+      </p:sp>
+      <p:sp>
+        <p:nvSpPr>
+          <p:cNvPr id="5" name="Foliennummernplatzhalter 4">
+            <a:extLst>
+              <a:ext uri="{FF2B5EF4-FFF2-40B4-BE49-F238E27FC236}">
+                <a16:creationId xmlns:a16="http://schemas.microsoft.com/office/drawing/2014/main" id="{6A7A11C6-83C4-FA07-F8C7-F2826F8F22B6}"/>
+              </a:ext>
+            </a:extLst>
+          </p:cNvPr>
+          <p:cNvSpPr>
+            <a:spLocks noGrp="1"/>
+          </p:cNvSpPr>
+          <p:nvPr>
+            <p:ph type="sldNum" sz="quarter" idx="12"/>
+          </p:nvPr>
+        </p:nvSpPr>
+        <p:spPr/>
+        <p:txBody>
+          <a:bodyPr/>
+          <a:lstStyle/>
+          <a:p>
+            <a:fld id="{07CE569E-9B7C-4CB9-AB80-C0841F922CFF}" type="slidenum">
+              <a:rPr lang="de-DE" noProof="0" smtClean="0"/>
+              <a:t>13</a:t>
+            </a:fld>
+            <a:endParaRPr lang="de-DE" noProof="0" dirty="0"/>
+          </a:p>
+        </p:txBody>
+      </p:sp>
+    </p:spTree>
+    <p:extLst>
+      <p:ext uri="{BB962C8B-B14F-4D97-AF65-F5344CB8AC3E}">
+        <p14:creationId xmlns:p14="http://schemas.microsoft.com/office/powerpoint/2010/main" val="1367875186"/>
+      </p:ext>
+    </p:extLst>
+  </p:cSld>
+  <p:clrMapOvr>
+    <a:masterClrMapping/>
+  </p:clrMapOvr>
+</p:sld>
+</file>
+
+<file path=ppt/slides/slide14.xml><?xml version="1.0" encoding="utf-8"?>
+<p:sld xmlns:a="http://schemas.openxmlformats.org/drawingml/2006/main" xmlns:r="http://schemas.openxmlformats.org/officeDocument/2006/relationships" xmlns:p="http://schemas.openxmlformats.org/presentationml/2006/main">
+  <p:cSld>
+    <p:spTree>
+      <p:nvGrpSpPr>
+        <p:cNvPr id="1" name=""/>
+        <p:cNvGrpSpPr/>
+        <p:nvPr/>
+      </p:nvGrpSpPr>
+      <p:grpSpPr>
+        <a:xfrm>
+          <a:off x="0" y="0"/>
+          <a:ext cx="0" cy="0"/>
+          <a:chOff x="0" y="0"/>
+          <a:chExt cx="0" cy="0"/>
+        </a:xfrm>
+      </p:grpSpPr>
+      <p:sp>
+        <p:nvSpPr>
+          <p:cNvPr id="2" name="Titel 1">
+            <a:extLst>
+              <a:ext uri="{FF2B5EF4-FFF2-40B4-BE49-F238E27FC236}">
+                <a16:creationId xmlns:a16="http://schemas.microsoft.com/office/drawing/2014/main" id="{32CCE440-A4CB-26A7-5B3F-3F9D4B878A95}"/>
+              </a:ext>
+            </a:extLst>
+          </p:cNvPr>
+          <p:cNvSpPr>
+            <a:spLocks noGrp="1"/>
+          </p:cNvSpPr>
+          <p:nvPr>
+            <p:ph type="title"/>
+          </p:nvPr>
+        </p:nvSpPr>
+        <p:spPr/>
+        <p:txBody>
+          <a:bodyPr/>
+          <a:lstStyle/>
+          <a:p>
+            <a:r>
+              <a:rPr lang="de-DE" noProof="0" dirty="0"/>
+              <a:t>7. SOUPs/OTS</a:t>
+            </a:r>
+          </a:p>
+        </p:txBody>
+      </p:sp>
+      <p:sp>
+        <p:nvSpPr>
+          <p:cNvPr id="6" name="Inhaltsplatzhalter 5">
+            <a:extLst>
+              <a:ext uri="{FF2B5EF4-FFF2-40B4-BE49-F238E27FC236}">
+                <a16:creationId xmlns:a16="http://schemas.microsoft.com/office/drawing/2014/main" id="{AF37E05B-D1E7-D5BB-3AA4-0CBC94340331}"/>
+              </a:ext>
+            </a:extLst>
+          </p:cNvPr>
+          <p:cNvSpPr>
+            <a:spLocks noGrp="1"/>
+          </p:cNvSpPr>
+          <p:nvPr>
+            <p:ph sz="half" idx="1"/>
+          </p:nvPr>
+        </p:nvSpPr>
+        <p:spPr/>
+        <p:txBody>
+          <a:bodyPr>
+            <a:normAutofit lnSpcReduction="10000"/>
+          </a:bodyPr>
+          <a:lstStyle/>
+          <a:p>
+            <a:r>
+              <a:rPr lang="de-DE" noProof="0" dirty="0"/>
+              <a:t>Eingesetzte SOUPs:</a:t>
+            </a:r>
+          </a:p>
+          <a:p>
+            <a:pPr lvl="1"/>
+            <a:r>
+              <a:rPr lang="de-DE" noProof="0" dirty="0"/>
+              <a:t>Docker-Container für Hosting der Anwendung</a:t>
+            </a:r>
+          </a:p>
+          <a:p>
+            <a:r>
+              <a:rPr lang="de-DE" noProof="0" dirty="0"/>
+              <a:t>Bibliotheken: </a:t>
+            </a:r>
+          </a:p>
+          <a:p>
+            <a:pPr lvl="1"/>
+            <a:r>
+              <a:rPr lang="de-DE" noProof="0" dirty="0"/>
+              <a:t>[z. B. </a:t>
+            </a:r>
+            <a:r>
+              <a:rPr lang="de-DE" noProof="0" dirty="0" err="1"/>
+              <a:t>Newtonsoft.Json</a:t>
+            </a:r>
+            <a:r>
+              <a:rPr lang="de-DE" noProof="0" dirty="0"/>
+              <a:t>]</a:t>
+            </a:r>
+          </a:p>
+          <a:p>
+            <a:r>
+              <a:rPr lang="de-DE" noProof="0" dirty="0"/>
+              <a:t>Eingesetzte OTS:</a:t>
+            </a:r>
+          </a:p>
+          <a:p>
+            <a:pPr lvl="1"/>
+            <a:r>
+              <a:rPr lang="de-DE" noProof="0" dirty="0"/>
+              <a:t>.NET 5.0 Framework</a:t>
+            </a:r>
+          </a:p>
+        </p:txBody>
+      </p:sp>
+      <p:sp>
+        <p:nvSpPr>
+          <p:cNvPr id="7" name="Inhaltsplatzhalter 6">
+            <a:extLst>
+              <a:ext uri="{FF2B5EF4-FFF2-40B4-BE49-F238E27FC236}">
+                <a16:creationId xmlns:a16="http://schemas.microsoft.com/office/drawing/2014/main" id="{3BFD40B0-F7F1-F960-F8BC-73901AB54EC1}"/>
+              </a:ext>
+            </a:extLst>
+          </p:cNvPr>
+          <p:cNvSpPr>
+            <a:spLocks noGrp="1"/>
+          </p:cNvSpPr>
+          <p:nvPr>
+            <p:ph sz="half" idx="2"/>
+          </p:nvPr>
+        </p:nvSpPr>
+        <p:spPr/>
+        <p:txBody>
+          <a:bodyPr>
+            <a:normAutofit lnSpcReduction="10000"/>
+          </a:bodyPr>
+          <a:lstStyle/>
+          <a:p>
+            <a:r>
+              <a:rPr lang="de-DE" noProof="0" dirty="0"/>
+              <a:t>SQLite-Datenbank</a:t>
+            </a:r>
+          </a:p>
+          <a:p>
+            <a:r>
+              <a:rPr lang="de-DE" noProof="0" dirty="0"/>
+              <a:t>Visual Studio IDE</a:t>
+            </a:r>
+          </a:p>
+          <a:p>
+            <a:r>
+              <a:rPr lang="de-DE" noProof="0" dirty="0"/>
+              <a:t>Maßnahmen zur Validierung und Sicherstellung:</a:t>
+            </a:r>
+          </a:p>
+          <a:p>
+            <a:pPr lvl="1"/>
+            <a:r>
+              <a:rPr lang="de-DE" noProof="0" dirty="0"/>
+              <a:t>Security-Scans, regelmäßige Updates</a:t>
+            </a:r>
+          </a:p>
+        </p:txBody>
+      </p:sp>
+      <p:sp>
+        <p:nvSpPr>
+          <p:cNvPr id="4" name="Datumsplatzhalter 3">
+            <a:extLst>
+              <a:ext uri="{FF2B5EF4-FFF2-40B4-BE49-F238E27FC236}">
+                <a16:creationId xmlns:a16="http://schemas.microsoft.com/office/drawing/2014/main" id="{02CC40AD-91C3-625D-A10C-F9A7627732C1}"/>
+              </a:ext>
+            </a:extLst>
+          </p:cNvPr>
+          <p:cNvSpPr>
+            <a:spLocks noGrp="1"/>
+          </p:cNvSpPr>
+          <p:nvPr>
+            <p:ph type="dt" sz="half" idx="10"/>
+          </p:nvPr>
+        </p:nvSpPr>
+        <p:spPr/>
+        <p:txBody>
+          <a:bodyPr/>
+          <a:lstStyle/>
+          <a:p>
+            <a:fld id="{42B45B56-1D88-4042-8DF0-EB6B41B710D3}" type="datetime1">
+              <a:rPr lang="de-DE" noProof="0" smtClean="0"/>
+              <a:t>11.12.2024</a:t>
+            </a:fld>
+            <a:endParaRPr lang="de-DE" noProof="0" dirty="0"/>
+          </a:p>
+        </p:txBody>
+      </p:sp>
+      <p:sp>
+        <p:nvSpPr>
+          <p:cNvPr id="5" name="Foliennummernplatzhalter 4">
+            <a:extLst>
+              <a:ext uri="{FF2B5EF4-FFF2-40B4-BE49-F238E27FC236}">
+                <a16:creationId xmlns:a16="http://schemas.microsoft.com/office/drawing/2014/main" id="{C09C3547-5BE9-9D3D-0D06-22EA64B7A6ED}"/>
+              </a:ext>
+            </a:extLst>
+          </p:cNvPr>
+          <p:cNvSpPr>
+            <a:spLocks noGrp="1"/>
+          </p:cNvSpPr>
+          <p:nvPr>
+            <p:ph type="sldNum" sz="quarter" idx="12"/>
+          </p:nvPr>
+        </p:nvSpPr>
+        <p:spPr/>
+        <p:txBody>
+          <a:bodyPr/>
+          <a:lstStyle/>
+          <a:p>
+            <a:fld id="{07CE569E-9B7C-4CB9-AB80-C0841F922CFF}" type="slidenum">
+              <a:rPr lang="de-DE" noProof="0" smtClean="0"/>
+              <a:t>14</a:t>
+            </a:fld>
+            <a:endParaRPr lang="de-DE" noProof="0" dirty="0"/>
+          </a:p>
+        </p:txBody>
+      </p:sp>
+    </p:spTree>
+    <p:extLst>
+      <p:ext uri="{BB962C8B-B14F-4D97-AF65-F5344CB8AC3E}">
+        <p14:creationId xmlns:p14="http://schemas.microsoft.com/office/powerpoint/2010/main" val="3169394714"/>
+      </p:ext>
+    </p:extLst>
+  </p:cSld>
+  <p:clrMapOvr>
+    <a:masterClrMapping/>
+  </p:clrMapOvr>
+</p:sld>
+</file>
+
+<file path=ppt/slides/slide15.xml><?xml version="1.0" encoding="utf-8"?>
+<p:sld xmlns:a="http://schemas.openxmlformats.org/drawingml/2006/main" xmlns:r="http://schemas.openxmlformats.org/officeDocument/2006/relationships" xmlns:p="http://schemas.openxmlformats.org/presentationml/2006/main">
+  <p:cSld>
+    <p:spTree>
+      <p:nvGrpSpPr>
+        <p:cNvPr id="1" name=""/>
+        <p:cNvGrpSpPr/>
+        <p:nvPr/>
+      </p:nvGrpSpPr>
+      <p:grpSpPr>
+        <a:xfrm>
+          <a:off x="0" y="0"/>
+          <a:ext cx="0" cy="0"/>
+          <a:chOff x="0" y="0"/>
+          <a:chExt cx="0" cy="0"/>
+        </a:xfrm>
+      </p:grpSpPr>
+      <p:sp>
+        <p:nvSpPr>
+          <p:cNvPr id="2" name="Titel 1">
+            <a:extLst>
+              <a:ext uri="{FF2B5EF4-FFF2-40B4-BE49-F238E27FC236}">
                 <a16:creationId xmlns:a16="http://schemas.microsoft.com/office/drawing/2014/main" id="{05F31F6E-2F65-7A93-DF0B-917ABC029378}"/>
               </a:ext>
             </a:extLst>
@@ -5278,7 +7034,7 @@
           <a:p>
             <a:fld id="{07CE569E-9B7C-4CB9-AB80-C0841F922CFF}" type="slidenum">
               <a:rPr lang="de-DE" noProof="0" smtClean="0"/>
-              <a:t>11</a:t>
+              <a:t>15</a:t>
             </a:fld>
             <a:endParaRPr lang="de-DE" noProof="0" dirty="0"/>
           </a:p>
@@ -5297,7 +7053,7 @@
 </p:sld>
 </file>
 
-<file path=ppt/slides/slide12.xml><?xml version="1.0" encoding="utf-8"?>
+<file path=ppt/slides/slide16.xml><?xml version="1.0" encoding="utf-8"?>
 <p:sld xmlns:a="http://schemas.openxmlformats.org/drawingml/2006/main" xmlns:r="http://schemas.openxmlformats.org/officeDocument/2006/relationships" xmlns:p="http://schemas.openxmlformats.org/presentationml/2006/main">
   <p:cSld>
     <p:spTree>
@@ -5516,7 +7272,7 @@
                 <a:tabLst/>
                 <a:defRPr/>
               </a:pPr>
-              <a:t>12</a:t>
+              <a:t>16</a:t>
             </a:fld>
             <a:endParaRPr kumimoji="0" lang="de-DE" sz="1200" b="0" i="0" u="none" strike="noStrike" kern="1200" cap="none" spc="0" normalizeH="0" baseline="0" noProof="0" dirty="0">
               <a:ln>
@@ -8165,7 +9921,7 @@
           <a:bodyPr/>
           <a:lstStyle/>
           <a:p>
-            <a:endParaRPr lang="de-DE"/>
+            <a:endParaRPr lang="de-DE" dirty="0"/>
           </a:p>
         </p:txBody>
       </p:sp>
@@ -8190,7 +9946,7 @@
         <p:cNvPr id="1" name="">
           <a:extLst>
             <a:ext uri="{FF2B5EF4-FFF2-40B4-BE49-F238E27FC236}">
-              <a16:creationId xmlns:a16="http://schemas.microsoft.com/office/drawing/2014/main" id="{C5F9D20F-1259-1DD4-66CE-2CBDC00607BF}"/>
+              <a16:creationId xmlns:a16="http://schemas.microsoft.com/office/drawing/2014/main" id="{B550FC02-FF59-9A2B-E0CB-A4CCA3BCC065}"/>
             </a:ext>
           </a:extLst>
         </p:cNvPr>
@@ -8210,7 +9966,7 @@
           <p:cNvPr id="2" name="Titel 1">
             <a:extLst>
               <a:ext uri="{FF2B5EF4-FFF2-40B4-BE49-F238E27FC236}">
-                <a16:creationId xmlns:a16="http://schemas.microsoft.com/office/drawing/2014/main" id="{F38F1474-9419-C444-A28A-E12FABF05F5B}"/>
+                <a16:creationId xmlns:a16="http://schemas.microsoft.com/office/drawing/2014/main" id="{0900599F-51F1-3A1C-3C72-C626B94E6030}"/>
               </a:ext>
             </a:extLst>
           </p:cNvPr>
@@ -8228,7 +9984,7 @@
           <a:p>
             <a:r>
               <a:rPr lang="de-DE" noProof="0" dirty="0"/>
-              <a:t>4. Detailplanung</a:t>
+              <a:t>3. Produktzwischenstand</a:t>
             </a:r>
           </a:p>
         </p:txBody>
@@ -8238,7 +9994,7 @@
           <p:cNvPr id="4" name="Datumsplatzhalter 3">
             <a:extLst>
               <a:ext uri="{FF2B5EF4-FFF2-40B4-BE49-F238E27FC236}">
-                <a16:creationId xmlns:a16="http://schemas.microsoft.com/office/drawing/2014/main" id="{A61AD540-48A5-C28A-EAB3-FC9343A26E5E}"/>
+                <a16:creationId xmlns:a16="http://schemas.microsoft.com/office/drawing/2014/main" id="{98261E74-1DBE-E2C7-F1CB-400A1775C44B}"/>
               </a:ext>
             </a:extLst>
           </p:cNvPr>
@@ -8267,7 +10023,7 @@
           <p:cNvPr id="5" name="Foliennummernplatzhalter 4">
             <a:extLst>
               <a:ext uri="{FF2B5EF4-FFF2-40B4-BE49-F238E27FC236}">
-                <a16:creationId xmlns:a16="http://schemas.microsoft.com/office/drawing/2014/main" id="{0FCCF7DF-8E4D-8D49-043D-1CEC9B567358}"/>
+                <a16:creationId xmlns:a16="http://schemas.microsoft.com/office/drawing/2014/main" id="{0776174C-7011-2635-68B1-8FA072C61FEB}"/>
               </a:ext>
             </a:extLst>
           </p:cNvPr>
@@ -8291,656 +10047,35 @@
           </a:p>
         </p:txBody>
       </p:sp>
-      <p:graphicFrame>
-        <p:nvGraphicFramePr>
-          <p:cNvPr id="3" name="Inhaltsplatzhalter 2">
-            <a:extLst>
-              <a:ext uri="{FF2B5EF4-FFF2-40B4-BE49-F238E27FC236}">
-                <a16:creationId xmlns:a16="http://schemas.microsoft.com/office/drawing/2014/main" id="{FAC168E6-FD48-9C86-CD4E-55F23F4D96A5}"/>
-              </a:ext>
-            </a:extLst>
-          </p:cNvPr>
-          <p:cNvGraphicFramePr>
-            <a:graphicFrameLocks noGrp="1"/>
-          </p:cNvGraphicFramePr>
+      <p:sp>
+        <p:nvSpPr>
+          <p:cNvPr id="6" name="Inhaltsplatzhalter 5">
+            <a:extLst>
+              <a:ext uri="{FF2B5EF4-FFF2-40B4-BE49-F238E27FC236}">
+                <a16:creationId xmlns:a16="http://schemas.microsoft.com/office/drawing/2014/main" id="{056F65F4-E58D-E8D6-ABA6-EBD186ECEA5E}"/>
+              </a:ext>
+            </a:extLst>
+          </p:cNvPr>
+          <p:cNvSpPr>
+            <a:spLocks noGrp="1"/>
+          </p:cNvSpPr>
           <p:nvPr>
             <p:ph idx="1"/>
-            <p:extLst>
-              <p:ext uri="{D42A27DB-BD31-4B8C-83A1-F6EECF244321}">
-                <p14:modId xmlns:p14="http://schemas.microsoft.com/office/powerpoint/2010/main" val="2624029355"/>
-              </p:ext>
-            </p:extLst>
-          </p:nvPr>
-        </p:nvGraphicFramePr>
-        <p:xfrm>
-          <a:off x="762000" y="1860487"/>
-          <a:ext cx="8961423" cy="4241549"/>
-        </p:xfrm>
-        <a:graphic>
-          <a:graphicData uri="http://schemas.openxmlformats.org/drawingml/2006/table">
-            <a:tbl>
-              <a:tblPr firstRow="1" bandRow="1">
-                <a:tableStyleId>{5C22544A-7EE6-4342-B048-85BDC9FD1C3A}</a:tableStyleId>
-              </a:tblPr>
-              <a:tblGrid>
-                <a:gridCol w="3810675">
-                  <a:extLst>
-                    <a:ext uri="{9D8B030D-6E8A-4147-A177-3AD203B41FA5}">
-                      <a16:colId xmlns:a16="http://schemas.microsoft.com/office/drawing/2014/main" val="230851902"/>
-                    </a:ext>
-                  </a:extLst>
-                </a:gridCol>
-                <a:gridCol w="2321893">
-                  <a:extLst>
-                    <a:ext uri="{9D8B030D-6E8A-4147-A177-3AD203B41FA5}">
-                      <a16:colId xmlns:a16="http://schemas.microsoft.com/office/drawing/2014/main" val="2657664356"/>
-                    </a:ext>
-                  </a:extLst>
-                </a:gridCol>
-                <a:gridCol w="1733814">
-                  <a:extLst>
-                    <a:ext uri="{9D8B030D-6E8A-4147-A177-3AD203B41FA5}">
-                      <a16:colId xmlns:a16="http://schemas.microsoft.com/office/drawing/2014/main" val="4098082685"/>
-                    </a:ext>
-                  </a:extLst>
-                </a:gridCol>
-                <a:gridCol w="1095041">
-                  <a:extLst>
-                    <a:ext uri="{9D8B030D-6E8A-4147-A177-3AD203B41FA5}">
-                      <a16:colId xmlns:a16="http://schemas.microsoft.com/office/drawing/2014/main" val="2360363224"/>
-                    </a:ext>
-                  </a:extLst>
-                </a:gridCol>
-              </a:tblGrid>
-              <a:tr h="364002">
-                <a:tc>
-                  <a:txBody>
-                    <a:bodyPr/>
-                    <a:lstStyle/>
-                    <a:p>
-                      <a:r>
-                        <a:rPr lang="de-DE" sz="1400" noProof="0" dirty="0"/>
-                        <a:t>Aufgabe</a:t>
-                      </a:r>
-                    </a:p>
-                  </a:txBody>
-                  <a:tcPr/>
-                </a:tc>
-                <a:tc>
-                  <a:txBody>
-                    <a:bodyPr/>
-                    <a:lstStyle/>
-                    <a:p>
-                      <a:r>
-                        <a:rPr lang="de-DE" sz="1400" noProof="0" dirty="0"/>
-                        <a:t>Zuständigkeit</a:t>
-                      </a:r>
-                    </a:p>
-                  </a:txBody>
-                  <a:tcPr/>
-                </a:tc>
-                <a:tc>
-                  <a:txBody>
-                    <a:bodyPr/>
-                    <a:lstStyle/>
-                    <a:p>
-                      <a:r>
-                        <a:rPr lang="de-DE" sz="1400" noProof="0" dirty="0"/>
-                        <a:t>Aufwand</a:t>
-                      </a:r>
-                    </a:p>
-                  </a:txBody>
-                  <a:tcPr/>
-                </a:tc>
-                <a:tc>
-                  <a:txBody>
-                    <a:bodyPr/>
-                    <a:lstStyle/>
-                    <a:p>
-                      <a:r>
-                        <a:rPr lang="de-DE" sz="1400" noProof="0" dirty="0"/>
-                        <a:t>Status</a:t>
-                      </a:r>
-                    </a:p>
-                  </a:txBody>
-                  <a:tcPr/>
-                </a:tc>
-                <a:extLst>
-                  <a:ext uri="{0D108BD9-81ED-4DB2-BD59-A6C34878D82A}">
-                    <a16:rowId xmlns:a16="http://schemas.microsoft.com/office/drawing/2014/main" val="2749238170"/>
-                  </a:ext>
-                </a:extLst>
-              </a:tr>
-              <a:tr h="926116">
-                <a:tc>
-                  <a:txBody>
-                    <a:bodyPr/>
-                    <a:lstStyle/>
-                    <a:p>
-                      <a:r>
-                        <a:rPr lang="de-DE" sz="1400" noProof="0" dirty="0"/>
-                        <a:t>Dokumentation + Project Management</a:t>
-                      </a:r>
-                    </a:p>
-                  </a:txBody>
-                  <a:tcPr/>
-                </a:tc>
-                <a:tc>
-                  <a:txBody>
-                    <a:bodyPr/>
-                    <a:lstStyle/>
-                    <a:p>
-                      <a:r>
-                        <a:rPr lang="de-DE" sz="1400" noProof="0" dirty="0"/>
-                        <a:t>Alle</a:t>
-                      </a:r>
-                    </a:p>
-                  </a:txBody>
-                  <a:tcPr/>
-                </a:tc>
-                <a:tc>
-                  <a:txBody>
-                    <a:bodyPr/>
-                    <a:lstStyle/>
-                    <a:p>
-                      <a:r>
-                        <a:rPr lang="de-DE" sz="1400" noProof="0" dirty="0"/>
-                        <a:t>12</a:t>
-                      </a:r>
-                    </a:p>
-                  </a:txBody>
-                  <a:tcPr/>
-                </a:tc>
-                <a:tc>
-                  <a:txBody>
-                    <a:bodyPr/>
-                    <a:lstStyle/>
-                    <a:p>
-                      <a:r>
-                        <a:rPr lang="de-DE" sz="1400" noProof="0" dirty="0"/>
-                        <a:t>Erledigt</a:t>
-                      </a:r>
-                    </a:p>
-                  </a:txBody>
-                  <a:tcPr/>
-                </a:tc>
-                <a:extLst>
-                  <a:ext uri="{0D108BD9-81ED-4DB2-BD59-A6C34878D82A}">
-                    <a16:rowId xmlns:a16="http://schemas.microsoft.com/office/drawing/2014/main" val="432160553"/>
-                  </a:ext>
-                </a:extLst>
-              </a:tr>
-              <a:tr h="408804">
-                <a:tc>
-                  <a:txBody>
-                    <a:bodyPr/>
-                    <a:lstStyle/>
-                    <a:p>
-                      <a:r>
-                        <a:rPr lang="de-DE" sz="1400" noProof="0" dirty="0"/>
-                        <a:t>Dokumenterstellung Architekturdokumentation</a:t>
-                      </a:r>
-                    </a:p>
-                  </a:txBody>
-                  <a:tcPr/>
-                </a:tc>
-                <a:tc>
-                  <a:txBody>
-                    <a:bodyPr/>
-                    <a:lstStyle/>
-                    <a:p>
-                      <a:r>
-                        <a:rPr lang="de-DE" sz="1400" kern="1200" noProof="0" dirty="0">
-                          <a:solidFill>
-                            <a:schemeClr val="dk1"/>
-                          </a:solidFill>
-                          <a:latin typeface="+mn-lt"/>
-                          <a:ea typeface="+mn-ea"/>
-                          <a:cs typeface="+mn-cs"/>
-                        </a:rPr>
-                        <a:t>Vincent Knapp</a:t>
-                      </a:r>
-                    </a:p>
-                    <a:p>
-                      <a:r>
-                        <a:rPr lang="de-DE" sz="1400" kern="1200" noProof="0" dirty="0">
-                          <a:solidFill>
-                            <a:schemeClr val="dk1"/>
-                          </a:solidFill>
-                          <a:latin typeface="+mn-lt"/>
-                          <a:ea typeface="+mn-ea"/>
-                          <a:cs typeface="+mn-cs"/>
-                        </a:rPr>
-                        <a:t>René Weber</a:t>
-                      </a:r>
-                    </a:p>
-                  </a:txBody>
-                  <a:tcPr/>
-                </a:tc>
-                <a:tc>
-                  <a:txBody>
-                    <a:bodyPr/>
-                    <a:lstStyle/>
-                    <a:p>
-                      <a:r>
-                        <a:rPr lang="en-US" sz="1400" kern="1200" noProof="0" dirty="0">
-                          <a:solidFill>
-                            <a:schemeClr val="dk1"/>
-                          </a:solidFill>
-                          <a:latin typeface="+mn-lt"/>
-                          <a:ea typeface="+mn-ea"/>
-                          <a:cs typeface="+mn-cs"/>
-                        </a:rPr>
-                        <a:t>4</a:t>
-                      </a:r>
-                      <a:endParaRPr lang="de-DE" sz="1400" kern="1200" noProof="0" dirty="0">
-                        <a:solidFill>
-                          <a:schemeClr val="dk1"/>
-                        </a:solidFill>
-                        <a:latin typeface="+mn-lt"/>
-                        <a:ea typeface="+mn-ea"/>
-                        <a:cs typeface="+mn-cs"/>
-                      </a:endParaRPr>
-                    </a:p>
-                  </a:txBody>
-                  <a:tcPr/>
-                </a:tc>
-                <a:tc>
-                  <a:txBody>
-                    <a:bodyPr/>
-                    <a:lstStyle/>
-                    <a:p>
-                      <a:r>
-                        <a:rPr lang="de-DE" sz="1400" noProof="0" dirty="0"/>
-                        <a:t>Erledigt</a:t>
-                      </a:r>
-                    </a:p>
-                  </a:txBody>
-                  <a:tcPr/>
-                </a:tc>
-                <a:extLst>
-                  <a:ext uri="{0D108BD9-81ED-4DB2-BD59-A6C34878D82A}">
-                    <a16:rowId xmlns:a16="http://schemas.microsoft.com/office/drawing/2014/main" val="739622510"/>
-                  </a:ext>
-                </a:extLst>
-              </a:tr>
-              <a:tr h="506337">
-                <a:tc>
-                  <a:txBody>
-                    <a:bodyPr/>
-                    <a:lstStyle/>
-                    <a:p>
-                      <a:pPr marL="0" marR="0" lvl="0" indent="0" algn="l" defTabSz="914400" rtl="0" eaLnBrk="1" fontAlgn="auto" latinLnBrk="0" hangingPunct="1">
-                        <a:lnSpc>
-                          <a:spcPct val="100000"/>
-                        </a:lnSpc>
-                        <a:spcBef>
-                          <a:spcPts val="0"/>
-                        </a:spcBef>
-                        <a:spcAft>
-                          <a:spcPts val="0"/>
-                        </a:spcAft>
-                        <a:buClrTx/>
-                        <a:buSzTx/>
-                        <a:buFontTx/>
-                        <a:buNone/>
-                        <a:tabLst/>
-                        <a:defRPr/>
-                      </a:pPr>
-                      <a:r>
-                        <a:rPr lang="de-DE" sz="1400" noProof="0" dirty="0"/>
-                        <a:t>Implementierung der Küchenansicht</a:t>
-                      </a:r>
-                    </a:p>
-                  </a:txBody>
-                  <a:tcPr/>
-                </a:tc>
-                <a:tc>
-                  <a:txBody>
-                    <a:bodyPr/>
-                    <a:lstStyle/>
-                    <a:p>
-                      <a:r>
-                        <a:rPr lang="de-DE" sz="1400" noProof="0" dirty="0"/>
-                        <a:t>Hans Bloching</a:t>
-                      </a:r>
-                    </a:p>
-                    <a:p>
-                      <a:r>
-                        <a:rPr lang="de-DE" sz="1400" noProof="0" dirty="0"/>
-                        <a:t>Vincent Knapp</a:t>
-                      </a:r>
-                    </a:p>
-                    <a:p>
-                      <a:r>
-                        <a:rPr lang="de-DE" sz="1400" noProof="0" dirty="0"/>
-                        <a:t>René Weber</a:t>
-                      </a:r>
-                    </a:p>
-                  </a:txBody>
-                  <a:tcPr/>
-                </a:tc>
-                <a:tc>
-                  <a:txBody>
-                    <a:bodyPr/>
-                    <a:lstStyle/>
-                    <a:p>
-                      <a:r>
-                        <a:rPr lang="de-DE" sz="1400" noProof="0" dirty="0"/>
-                        <a:t>5</a:t>
-                      </a:r>
-                    </a:p>
-                  </a:txBody>
-                  <a:tcPr/>
-                </a:tc>
-                <a:tc>
-                  <a:txBody>
-                    <a:bodyPr/>
-                    <a:lstStyle/>
-                    <a:p>
-                      <a:r>
-                        <a:rPr lang="de-DE" sz="1400" noProof="0" dirty="0"/>
-                        <a:t>Erledigt</a:t>
-                      </a:r>
-                    </a:p>
-                  </a:txBody>
-                  <a:tcPr/>
-                </a:tc>
-                <a:extLst>
-                  <a:ext uri="{0D108BD9-81ED-4DB2-BD59-A6C34878D82A}">
-                    <a16:rowId xmlns:a16="http://schemas.microsoft.com/office/drawing/2014/main" val="740267785"/>
-                  </a:ext>
-                </a:extLst>
-              </a:tr>
-              <a:tr h="370891">
-                <a:tc>
-                  <a:txBody>
-                    <a:bodyPr/>
-                    <a:lstStyle/>
-                    <a:p>
-                      <a:r>
-                        <a:rPr lang="de-DE" sz="1400" noProof="0" dirty="0"/>
-                        <a:t>Logik: Anpassen von Speisen im Warenkorb</a:t>
-                      </a:r>
-                    </a:p>
-                  </a:txBody>
-                  <a:tcPr/>
-                </a:tc>
-                <a:tc>
-                  <a:txBody>
-                    <a:bodyPr/>
-                    <a:lstStyle/>
-                    <a:p>
-                      <a:endParaRPr lang="de-DE" sz="1400" noProof="0" dirty="0"/>
-                    </a:p>
-                  </a:txBody>
-                  <a:tcPr/>
-                </a:tc>
-                <a:tc>
-                  <a:txBody>
-                    <a:bodyPr/>
-                    <a:lstStyle/>
-                    <a:p>
-                      <a:endParaRPr lang="de-DE" sz="1400" noProof="0" dirty="0"/>
-                    </a:p>
-                  </a:txBody>
-                  <a:tcPr/>
-                </a:tc>
-                <a:tc>
-                  <a:txBody>
-                    <a:bodyPr/>
-                    <a:lstStyle/>
-                    <a:p>
-                      <a:r>
-                        <a:rPr lang="de-DE" sz="1400" noProof="0" dirty="0"/>
-                        <a:t>Erledigt</a:t>
-                      </a:r>
-                    </a:p>
-                  </a:txBody>
-                  <a:tcPr/>
-                </a:tc>
-                <a:extLst>
-                  <a:ext uri="{0D108BD9-81ED-4DB2-BD59-A6C34878D82A}">
-                    <a16:rowId xmlns:a16="http://schemas.microsoft.com/office/drawing/2014/main" val="2603736860"/>
-                  </a:ext>
-                </a:extLst>
-              </a:tr>
-              <a:tr h="362139">
-                <a:tc>
-                  <a:txBody>
-                    <a:bodyPr/>
-                    <a:lstStyle/>
-                    <a:p>
-                      <a:r>
-                        <a:rPr lang="de-DE" sz="1400" noProof="0" dirty="0"/>
-                        <a:t>Logik: Automatische Kalkulation der Kosten</a:t>
-                      </a:r>
-                    </a:p>
-                  </a:txBody>
-                  <a:tcPr/>
-                </a:tc>
-                <a:tc>
-                  <a:txBody>
-                    <a:bodyPr/>
-                    <a:lstStyle/>
-                    <a:p>
-                      <a:endParaRPr lang="de-DE" sz="1400" noProof="0" dirty="0"/>
-                    </a:p>
-                  </a:txBody>
-                  <a:tcPr/>
-                </a:tc>
-                <a:tc>
-                  <a:txBody>
-                    <a:bodyPr/>
-                    <a:lstStyle/>
-                    <a:p>
-                      <a:endParaRPr lang="de-DE" sz="1400" noProof="0" dirty="0"/>
-                    </a:p>
-                  </a:txBody>
-                  <a:tcPr/>
-                </a:tc>
-                <a:tc>
-                  <a:txBody>
-                    <a:bodyPr/>
-                    <a:lstStyle/>
-                    <a:p>
-                      <a:r>
-                        <a:rPr lang="de-DE" sz="1400" noProof="0" dirty="0"/>
-                        <a:t>Erledigt</a:t>
-                      </a:r>
-                    </a:p>
-                  </a:txBody>
-                  <a:tcPr/>
-                </a:tc>
-                <a:extLst>
-                  <a:ext uri="{0D108BD9-81ED-4DB2-BD59-A6C34878D82A}">
-                    <a16:rowId xmlns:a16="http://schemas.microsoft.com/office/drawing/2014/main" val="4252090113"/>
-                  </a:ext>
-                </a:extLst>
-              </a:tr>
-              <a:tr h="488887">
-                <a:tc>
-                  <a:txBody>
-                    <a:bodyPr/>
-                    <a:lstStyle/>
-                    <a:p>
-                      <a:r>
-                        <a:rPr lang="de-DE" sz="1400" noProof="0" dirty="0"/>
-                        <a:t>Logik: Absenden der Bestellung für spezifische Tischnummer</a:t>
-                      </a:r>
-                    </a:p>
-                  </a:txBody>
-                  <a:tcPr/>
-                </a:tc>
-                <a:tc>
-                  <a:txBody>
-                    <a:bodyPr/>
-                    <a:lstStyle/>
-                    <a:p>
-                      <a:endParaRPr lang="de-DE" sz="1400" noProof="0" dirty="0"/>
-                    </a:p>
-                  </a:txBody>
-                  <a:tcPr/>
-                </a:tc>
-                <a:tc>
-                  <a:txBody>
-                    <a:bodyPr/>
-                    <a:lstStyle/>
-                    <a:p>
-                      <a:endParaRPr lang="de-DE" sz="1400" noProof="0" dirty="0"/>
-                    </a:p>
-                  </a:txBody>
-                  <a:tcPr/>
-                </a:tc>
-                <a:tc>
-                  <a:txBody>
-                    <a:bodyPr/>
-                    <a:lstStyle/>
-                    <a:p>
-                      <a:r>
-                        <a:rPr lang="de-DE" sz="1400" noProof="0" dirty="0"/>
-                        <a:t>Erledigt</a:t>
-                      </a:r>
-                    </a:p>
-                  </a:txBody>
-                  <a:tcPr/>
-                </a:tc>
-                <a:extLst>
-                  <a:ext uri="{0D108BD9-81ED-4DB2-BD59-A6C34878D82A}">
-                    <a16:rowId xmlns:a16="http://schemas.microsoft.com/office/drawing/2014/main" val="1091053033"/>
-                  </a:ext>
-                </a:extLst>
-              </a:tr>
-              <a:tr h="450561">
-                <a:tc>
-                  <a:txBody>
-                    <a:bodyPr/>
-                    <a:lstStyle/>
-                    <a:p>
-                      <a:r>
-                        <a:rPr lang="de-DE" sz="1400" noProof="0" dirty="0"/>
-                        <a:t>Abschluss Warenkorb</a:t>
-                      </a:r>
-                    </a:p>
-                  </a:txBody>
-                  <a:tcPr/>
-                </a:tc>
-                <a:tc>
-                  <a:txBody>
-                    <a:bodyPr/>
-                    <a:lstStyle/>
-                    <a:p>
-                      <a:endParaRPr lang="de-DE" sz="1400" noProof="0" dirty="0"/>
-                    </a:p>
-                  </a:txBody>
-                  <a:tcPr/>
-                </a:tc>
-                <a:tc>
-                  <a:txBody>
-                    <a:bodyPr/>
-                    <a:lstStyle/>
-                    <a:p>
-                      <a:endParaRPr lang="de-DE" sz="1400" noProof="0" dirty="0"/>
-                    </a:p>
-                  </a:txBody>
-                  <a:tcPr/>
-                </a:tc>
-                <a:tc>
-                  <a:txBody>
-                    <a:bodyPr/>
-                    <a:lstStyle/>
-                    <a:p>
-                      <a:r>
-                        <a:rPr lang="de-DE" sz="1400" noProof="0" dirty="0"/>
-                        <a:t>Erledigt</a:t>
-                      </a:r>
-                    </a:p>
-                  </a:txBody>
-                  <a:tcPr/>
-                </a:tc>
-                <a:extLst>
-                  <a:ext uri="{0D108BD9-81ED-4DB2-BD59-A6C34878D82A}">
-                    <a16:rowId xmlns:a16="http://schemas.microsoft.com/office/drawing/2014/main" val="2446957633"/>
-                  </a:ext>
-                </a:extLst>
-              </a:tr>
-            </a:tbl>
-          </a:graphicData>
-        </a:graphic>
-      </p:graphicFrame>
-      <p:pic>
-        <p:nvPicPr>
-          <p:cNvPr id="7" name="Grafik 6">
-            <a:extLst>
-              <a:ext uri="{FF2B5EF4-FFF2-40B4-BE49-F238E27FC236}">
-                <a16:creationId xmlns:a16="http://schemas.microsoft.com/office/drawing/2014/main" id="{F447DF4A-5353-B320-B18E-CE9C17911E47}"/>
-              </a:ext>
-            </a:extLst>
-          </p:cNvPr>
-          <p:cNvPicPr>
-            <a:picLocks noChangeAspect="1"/>
-          </p:cNvPicPr>
-          <p:nvPr/>
-        </p:nvPicPr>
-        <p:blipFill>
-          <a:blip r:embed="rId2"/>
-          <a:stretch>
-            <a:fillRect/>
-          </a:stretch>
-        </p:blipFill>
-        <p:spPr>
-          <a:xfrm>
-            <a:off x="6884925" y="6278906"/>
-            <a:ext cx="1738967" cy="451906"/>
-          </a:xfrm>
-          <a:prstGeom prst="rect">
-            <a:avLst/>
-          </a:prstGeom>
-        </p:spPr>
-      </p:pic>
-      <p:sp>
-        <p:nvSpPr>
-          <p:cNvPr id="12" name="Textfeld 11">
-            <a:extLst>
-              <a:ext uri="{FF2B5EF4-FFF2-40B4-BE49-F238E27FC236}">
-                <a16:creationId xmlns:a16="http://schemas.microsoft.com/office/drawing/2014/main" id="{6C748691-0350-4F12-29B1-58781F9859C7}"/>
-              </a:ext>
-            </a:extLst>
-          </p:cNvPr>
-          <p:cNvSpPr txBox="1"/>
-          <p:nvPr/>
-        </p:nvSpPr>
-        <p:spPr>
-          <a:xfrm>
-            <a:off x="6884925" y="6327056"/>
-            <a:ext cx="1524000" cy="369332"/>
-          </a:xfrm>
-          <a:prstGeom prst="rect">
-            <a:avLst/>
-          </a:prstGeom>
-          <a:noFill/>
-        </p:spPr>
-        <p:txBody>
-          <a:bodyPr wrap="square" rtlCol="0">
-            <a:spAutoFit/>
-          </a:bodyPr>
-          <a:lstStyle/>
-          <a:p>
-            <a:r>
-              <a:rPr lang="de-DE" noProof="0" dirty="0">
-                <a:solidFill>
-                  <a:srgbClr val="FF0000"/>
-                </a:solidFill>
-              </a:rPr>
-              <a:t>Summe</a:t>
-            </a:r>
+          </p:nvPr>
+        </p:nvSpPr>
+        <p:spPr/>
+        <p:txBody>
+          <a:bodyPr/>
+          <a:lstStyle/>
+          <a:p>
+            <a:endParaRPr lang="de-DE" dirty="0"/>
           </a:p>
         </p:txBody>
       </p:sp>
     </p:spTree>
     <p:extLst>
       <p:ext uri="{BB962C8B-B14F-4D97-AF65-F5344CB8AC3E}">
-        <p14:creationId xmlns:p14="http://schemas.microsoft.com/office/powerpoint/2010/main" val="2023827376"/>
+        <p14:creationId xmlns:p14="http://schemas.microsoft.com/office/powerpoint/2010/main" val="2430257231"/>
       </p:ext>
     </p:extLst>
   </p:cSld>
@@ -8955,13 +10090,7 @@
   <p:cSld>
     <p:spTree>
       <p:nvGrpSpPr>
-        <p:cNvPr id="1" name="">
-          <a:extLst>
-            <a:ext uri="{FF2B5EF4-FFF2-40B4-BE49-F238E27FC236}">
-              <a16:creationId xmlns:a16="http://schemas.microsoft.com/office/drawing/2014/main" id="{40351EEA-BA7C-3B90-561D-0D11492BE107}"/>
-            </a:ext>
-          </a:extLst>
-        </p:cNvPr>
+        <p:cNvPr id="1" name=""/>
         <p:cNvGrpSpPr/>
         <p:nvPr/>
       </p:nvGrpSpPr>
@@ -8978,7 +10107,7 @@
           <p:cNvPr id="2" name="Titel 1">
             <a:extLst>
               <a:ext uri="{FF2B5EF4-FFF2-40B4-BE49-F238E27FC236}">
-                <a16:creationId xmlns:a16="http://schemas.microsoft.com/office/drawing/2014/main" id="{908A1978-E453-21F5-A750-26DEAE0EE0B6}"/>
+                <a16:creationId xmlns:a16="http://schemas.microsoft.com/office/drawing/2014/main" id="{87F9582B-573F-6C3F-9FF6-79F513507039}"/>
               </a:ext>
             </a:extLst>
           </p:cNvPr>
@@ -8994,19 +10123,74 @@
           <a:bodyPr/>
           <a:lstStyle/>
           <a:p>
-            <a:r>
-              <a:rPr lang="de-DE" noProof="0" dirty="0"/>
-              <a:t>4. Detailplanung</a:t>
-            </a:r>
-          </a:p>
-        </p:txBody>
-      </p:sp>
-      <p:sp>
-        <p:nvSpPr>
-          <p:cNvPr id="4" name="Datumsplatzhalter 3">
-            <a:extLst>
-              <a:ext uri="{FF2B5EF4-FFF2-40B4-BE49-F238E27FC236}">
-                <a16:creationId xmlns:a16="http://schemas.microsoft.com/office/drawing/2014/main" id="{44128699-483C-B676-FF84-71EBEE7465AC}"/>
+            <a:endParaRPr lang="de-DE"/>
+          </a:p>
+        </p:txBody>
+      </p:sp>
+      <p:pic>
+        <p:nvPicPr>
+          <p:cNvPr id="8" name="Inhaltsplatzhalter 7">
+            <a:extLst>
+              <a:ext uri="{FF2B5EF4-FFF2-40B4-BE49-F238E27FC236}">
+                <a16:creationId xmlns:a16="http://schemas.microsoft.com/office/drawing/2014/main" id="{89D96468-9780-240A-56FA-84295FDBCC1C}"/>
+              </a:ext>
+            </a:extLst>
+          </p:cNvPr>
+          <p:cNvPicPr>
+            <a:picLocks noGrp="1" noChangeAspect="1"/>
+          </p:cNvPicPr>
+          <p:nvPr>
+            <p:ph sz="half" idx="1"/>
+          </p:nvPr>
+        </p:nvPicPr>
+        <p:blipFill>
+          <a:blip r:embed="rId2"/>
+          <a:stretch>
+            <a:fillRect/>
+          </a:stretch>
+        </p:blipFill>
+        <p:spPr>
+          <a:xfrm>
+            <a:off x="2181225" y="2810845"/>
+            <a:ext cx="2312988" cy="2760310"/>
+          </a:xfrm>
+        </p:spPr>
+      </p:pic>
+      <p:pic>
+        <p:nvPicPr>
+          <p:cNvPr id="10" name="Inhaltsplatzhalter 9">
+            <a:extLst>
+              <a:ext uri="{FF2B5EF4-FFF2-40B4-BE49-F238E27FC236}">
+                <a16:creationId xmlns:a16="http://schemas.microsoft.com/office/drawing/2014/main" id="{6843604E-ED7A-B33A-4642-83B2BEF11CAC}"/>
+              </a:ext>
+            </a:extLst>
+          </p:cNvPr>
+          <p:cNvPicPr>
+            <a:picLocks noGrp="1" noChangeAspect="1"/>
+          </p:cNvPicPr>
+          <p:nvPr>
+            <p:ph sz="half" idx="2"/>
+          </p:nvPr>
+        </p:nvPicPr>
+        <p:blipFill>
+          <a:blip r:embed="rId3"/>
+          <a:stretch>
+            <a:fillRect/>
+          </a:stretch>
+        </p:blipFill>
+        <p:spPr>
+          <a:xfrm>
+            <a:off x="8096938" y="2476260"/>
+            <a:ext cx="1514686" cy="3429479"/>
+          </a:xfrm>
+        </p:spPr>
+      </p:pic>
+      <p:sp>
+        <p:nvSpPr>
+          <p:cNvPr id="5" name="Datumsplatzhalter 4">
+            <a:extLst>
+              <a:ext uri="{FF2B5EF4-FFF2-40B4-BE49-F238E27FC236}">
+                <a16:creationId xmlns:a16="http://schemas.microsoft.com/office/drawing/2014/main" id="{6AF35EB7-BF13-9CF9-818F-42D64D4D5E06}"/>
               </a:ext>
             </a:extLst>
           </p:cNvPr>
@@ -9022,20 +10206,20 @@
           <a:bodyPr/>
           <a:lstStyle/>
           <a:p>
-            <a:fld id="{42B45B56-1D88-4042-8DF0-EB6B41B710D3}" type="datetime1">
-              <a:rPr lang="de-DE" noProof="0" smtClean="0"/>
+            <a:fld id="{12AE7323-5CDD-4051-9975-1729D84443C7}" type="datetime1">
+              <a:rPr lang="de-DE" smtClean="0"/>
               <a:t>11.12.2024</a:t>
             </a:fld>
-            <a:endParaRPr lang="de-DE" noProof="0" dirty="0"/>
-          </a:p>
-        </p:txBody>
-      </p:sp>
-      <p:sp>
-        <p:nvSpPr>
-          <p:cNvPr id="5" name="Foliennummernplatzhalter 4">
-            <a:extLst>
-              <a:ext uri="{FF2B5EF4-FFF2-40B4-BE49-F238E27FC236}">
-                <a16:creationId xmlns:a16="http://schemas.microsoft.com/office/drawing/2014/main" id="{E5843F72-DC90-0016-08C4-DE4726BBFC55}"/>
+            <a:endParaRPr lang="en-US"/>
+          </a:p>
+        </p:txBody>
+      </p:sp>
+      <p:sp>
+        <p:nvSpPr>
+          <p:cNvPr id="6" name="Foliennummernplatzhalter 5">
+            <a:extLst>
+              <a:ext uri="{FF2B5EF4-FFF2-40B4-BE49-F238E27FC236}">
+                <a16:creationId xmlns:a16="http://schemas.microsoft.com/office/drawing/2014/main" id="{65FC5FEC-C21A-BF50-7AE5-B7D6995E7EA3}"/>
               </a:ext>
             </a:extLst>
           </p:cNvPr>
@@ -9052,459 +10236,17 @@
           <a:lstStyle/>
           <a:p>
             <a:fld id="{07CE569E-9B7C-4CB9-AB80-C0841F922CFF}" type="slidenum">
-              <a:rPr lang="de-DE" noProof="0" smtClean="0"/>
+              <a:rPr lang="en-US" smtClean="0"/>
               <a:t>7</a:t>
             </a:fld>
-            <a:endParaRPr lang="de-DE" noProof="0" dirty="0"/>
-          </a:p>
-        </p:txBody>
-      </p:sp>
-      <p:graphicFrame>
-        <p:nvGraphicFramePr>
-          <p:cNvPr id="3" name="Tabelle 2">
-            <a:extLst>
-              <a:ext uri="{FF2B5EF4-FFF2-40B4-BE49-F238E27FC236}">
-                <a16:creationId xmlns:a16="http://schemas.microsoft.com/office/drawing/2014/main" id="{B2306EE2-63D8-E950-D946-06B2B545E5A7}"/>
-              </a:ext>
-            </a:extLst>
-          </p:cNvPr>
-          <p:cNvGraphicFramePr>
-            <a:graphicFrameLocks noGrp="1"/>
-          </p:cNvGraphicFramePr>
-          <p:nvPr>
-            <p:extLst>
-              <p:ext uri="{D42A27DB-BD31-4B8C-83A1-F6EECF244321}">
-                <p14:modId xmlns:p14="http://schemas.microsoft.com/office/powerpoint/2010/main" val="3682819627"/>
-              </p:ext>
-            </p:extLst>
-          </p:nvPr>
-        </p:nvGraphicFramePr>
-        <p:xfrm>
-          <a:off x="911224" y="2587186"/>
-          <a:ext cx="8718551" cy="3886004"/>
-        </p:xfrm>
-        <a:graphic>
-          <a:graphicData uri="http://schemas.openxmlformats.org/drawingml/2006/table">
-            <a:tbl>
-              <a:tblPr bandRow="1">
-                <a:tableStyleId>{5C22544A-7EE6-4342-B048-85BDC9FD1C3A}</a:tableStyleId>
-              </a:tblPr>
-              <a:tblGrid>
-                <a:gridCol w="3184526">
-                  <a:extLst>
-                    <a:ext uri="{9D8B030D-6E8A-4147-A177-3AD203B41FA5}">
-                      <a16:colId xmlns:a16="http://schemas.microsoft.com/office/drawing/2014/main" val="194438012"/>
-                    </a:ext>
-                  </a:extLst>
-                </a:gridCol>
-                <a:gridCol w="5534025">
-                  <a:extLst>
-                    <a:ext uri="{9D8B030D-6E8A-4147-A177-3AD203B41FA5}">
-                      <a16:colId xmlns:a16="http://schemas.microsoft.com/office/drawing/2014/main" val="2620241848"/>
-                    </a:ext>
-                  </a:extLst>
-                </a:gridCol>
-              </a:tblGrid>
-              <a:tr h="441764">
-                <a:tc>
-                  <a:txBody>
-                    <a:bodyPr/>
-                    <a:lstStyle/>
-                    <a:p>
-                      <a:r>
-                        <a:rPr lang="de-DE" sz="1400" noProof="0" dirty="0"/>
-                        <a:t>Dokumentation + Organisation</a:t>
-                      </a:r>
-                    </a:p>
-                  </a:txBody>
-                  <a:tcPr/>
-                </a:tc>
-                <a:tc>
-                  <a:txBody>
-                    <a:bodyPr/>
-                    <a:lstStyle/>
-                    <a:p>
-                      <a:pPr marL="285750" indent="-285750">
-                        <a:buFont typeface="Arial" panose="020B0604020202020204" pitchFamily="34" charset="0"/>
-                        <a:buChar char="•"/>
-                      </a:pPr>
-                      <a:r>
-                        <a:rPr lang="de-DE" sz="1400" noProof="0" dirty="0"/>
-                        <a:t>Geprüft und freigegeben.</a:t>
-                      </a:r>
-                    </a:p>
-                  </a:txBody>
-                  <a:tcPr/>
-                </a:tc>
-                <a:extLst>
-                  <a:ext uri="{0D108BD9-81ED-4DB2-BD59-A6C34878D82A}">
-                    <a16:rowId xmlns:a16="http://schemas.microsoft.com/office/drawing/2014/main" val="3514348944"/>
-                  </a:ext>
-                </a:extLst>
-              </a:tr>
-              <a:tr h="506337">
-                <a:tc>
-                  <a:txBody>
-                    <a:bodyPr/>
-                    <a:lstStyle/>
-                    <a:p>
-                      <a:pPr marL="0" marR="0" lvl="0" indent="0" algn="l" defTabSz="914400" rtl="0" eaLnBrk="1" fontAlgn="auto" latinLnBrk="0" hangingPunct="1">
-                        <a:lnSpc>
-                          <a:spcPct val="100000"/>
-                        </a:lnSpc>
-                        <a:spcBef>
-                          <a:spcPts val="0"/>
-                        </a:spcBef>
-                        <a:spcAft>
-                          <a:spcPts val="0"/>
-                        </a:spcAft>
-                        <a:buClrTx/>
-                        <a:buSzTx/>
-                        <a:buFontTx/>
-                        <a:buNone/>
-                        <a:tabLst/>
-                        <a:defRPr/>
-                      </a:pPr>
-                      <a:r>
-                        <a:rPr lang="de-DE" sz="1400" noProof="0" dirty="0"/>
-                        <a:t>Website “Menu-Karte” erstellen</a:t>
-                      </a:r>
-                    </a:p>
-                  </a:txBody>
-                  <a:tcPr/>
-                </a:tc>
-                <a:tc>
-                  <a:txBody>
-                    <a:bodyPr/>
-                    <a:lstStyle/>
-                    <a:p>
-                      <a:pPr marL="285750" marR="0" lvl="0" indent="-285750" algn="l" defTabSz="914400" rtl="0" eaLnBrk="1" fontAlgn="auto" latinLnBrk="0" hangingPunct="1">
-                        <a:lnSpc>
-                          <a:spcPct val="100000"/>
-                        </a:lnSpc>
-                        <a:spcBef>
-                          <a:spcPts val="0"/>
-                        </a:spcBef>
-                        <a:spcAft>
-                          <a:spcPts val="0"/>
-                        </a:spcAft>
-                        <a:buClrTx/>
-                        <a:buSzTx/>
-                        <a:buFont typeface="Arial" panose="020B0604020202020204" pitchFamily="34" charset="0"/>
-                        <a:buChar char="•"/>
-                        <a:tabLst/>
-                        <a:defRPr/>
-                      </a:pPr>
-                      <a:r>
-                        <a:rPr lang="de-DE" sz="1400" noProof="0" dirty="0"/>
-                        <a:t>Alle Speisen sind sichtbar und auswählbar.</a:t>
-                      </a:r>
-                    </a:p>
-                    <a:p>
-                      <a:pPr marL="285750" marR="0" lvl="0" indent="-285750" algn="l" defTabSz="914400" rtl="0" eaLnBrk="1" fontAlgn="auto" latinLnBrk="0" hangingPunct="1">
-                        <a:lnSpc>
-                          <a:spcPct val="100000"/>
-                        </a:lnSpc>
-                        <a:spcBef>
-                          <a:spcPts val="0"/>
-                        </a:spcBef>
-                        <a:spcAft>
-                          <a:spcPts val="0"/>
-                        </a:spcAft>
-                        <a:buClrTx/>
-                        <a:buSzTx/>
-                        <a:buFont typeface="Arial" panose="020B0604020202020204" pitchFamily="34" charset="0"/>
-                        <a:buChar char="•"/>
-                        <a:tabLst/>
-                        <a:defRPr/>
-                      </a:pPr>
-                      <a:r>
-                        <a:rPr lang="de-DE" sz="1400" noProof="0" dirty="0"/>
-                        <a:t>Website </a:t>
-                      </a:r>
-                      <a:r>
-                        <a:rPr lang="de-DE" sz="1400" noProof="0" dirty="0" err="1"/>
-                        <a:t>läd</a:t>
-                      </a:r>
-                      <a:r>
-                        <a:rPr lang="de-DE" sz="1400" noProof="0" dirty="0"/>
-                        <a:t> dynamisch auf </a:t>
-                      </a:r>
-                      <a:r>
-                        <a:rPr lang="de-DE" sz="1400" noProof="0" dirty="0" err="1"/>
-                        <a:t>basis</a:t>
-                      </a:r>
-                      <a:r>
-                        <a:rPr lang="de-DE" sz="1400" noProof="0" dirty="0"/>
-                        <a:t> der Speisenanzahl.</a:t>
-                      </a:r>
-                    </a:p>
-                  </a:txBody>
-                  <a:tcPr/>
-                </a:tc>
-                <a:extLst>
-                  <a:ext uri="{0D108BD9-81ED-4DB2-BD59-A6C34878D82A}">
-                    <a16:rowId xmlns:a16="http://schemas.microsoft.com/office/drawing/2014/main" val="3529812188"/>
-                  </a:ext>
-                </a:extLst>
-              </a:tr>
-              <a:tr h="628278">
-                <a:tc>
-                  <a:txBody>
-                    <a:bodyPr/>
-                    <a:lstStyle/>
-                    <a:p>
-                      <a:r>
-                        <a:rPr lang="de-DE" sz="1400" noProof="0" dirty="0"/>
-                        <a:t>Datenbank “Menu-Karte”</a:t>
-                      </a:r>
-                    </a:p>
-                  </a:txBody>
-                  <a:tcPr/>
-                </a:tc>
-                <a:tc>
-                  <a:txBody>
-                    <a:bodyPr/>
-                    <a:lstStyle/>
-                    <a:p>
-                      <a:pPr marL="285750" indent="-285750">
-                        <a:buFont typeface="Arial" panose="020B0604020202020204" pitchFamily="34" charset="0"/>
-                        <a:buChar char="•"/>
-                      </a:pPr>
-                      <a:r>
-                        <a:rPr lang="de-DE" sz="1400" noProof="0" dirty="0"/>
-                        <a:t>Entspricht der 3. Normalform.</a:t>
-                      </a:r>
-                    </a:p>
-                    <a:p>
-                      <a:pPr marL="285750" indent="-285750">
-                        <a:buFont typeface="Arial" panose="020B0604020202020204" pitchFamily="34" charset="0"/>
-                        <a:buChar char="•"/>
-                      </a:pPr>
-                      <a:r>
-                        <a:rPr lang="de-DE" sz="1400" noProof="0" dirty="0"/>
-                        <a:t>Beinhaltet alle notwendigen Felder + diese sind richtig konfiguriert.</a:t>
-                      </a:r>
-                    </a:p>
-                  </a:txBody>
-                  <a:tcPr/>
-                </a:tc>
-                <a:extLst>
-                  <a:ext uri="{0D108BD9-81ED-4DB2-BD59-A6C34878D82A}">
-                    <a16:rowId xmlns:a16="http://schemas.microsoft.com/office/drawing/2014/main" val="1310199598"/>
-                  </a:ext>
-                </a:extLst>
-              </a:tr>
-              <a:tr h="482529">
-                <a:tc>
-                  <a:txBody>
-                    <a:bodyPr/>
-                    <a:lstStyle/>
-                    <a:p>
-                      <a:r>
-                        <a:rPr lang="de-DE" sz="1400" noProof="0" dirty="0"/>
-                        <a:t>Einführung in </a:t>
-                      </a:r>
-                      <a:r>
-                        <a:rPr lang="de-DE" sz="1400" noProof="0" dirty="0" err="1"/>
-                        <a:t>Blazor</a:t>
-                      </a:r>
-                      <a:r>
-                        <a:rPr lang="de-DE" sz="1400" noProof="0" dirty="0"/>
-                        <a:t> und C# Coding</a:t>
-                      </a:r>
-                    </a:p>
-                  </a:txBody>
-                  <a:tcPr/>
-                </a:tc>
-                <a:tc>
-                  <a:txBody>
-                    <a:bodyPr/>
-                    <a:lstStyle/>
-                    <a:p>
-                      <a:pPr marL="285750" indent="-285750">
-                        <a:buFont typeface="Arial" panose="020B0604020202020204" pitchFamily="34" charset="0"/>
-                        <a:buChar char="•"/>
-                      </a:pPr>
-                      <a:r>
-                        <a:rPr lang="de-DE" sz="1400" noProof="0" dirty="0"/>
-                        <a:t>Alle Team-Mitglieder können grundlegende VS benutzen</a:t>
-                      </a:r>
-                    </a:p>
-                    <a:p>
-                      <a:pPr marL="285750" indent="-285750">
-                        <a:buFont typeface="Arial" panose="020B0604020202020204" pitchFamily="34" charset="0"/>
-                        <a:buChar char="•"/>
-                      </a:pPr>
-                      <a:r>
-                        <a:rPr lang="de-DE" sz="1400" noProof="0" dirty="0"/>
-                        <a:t>Alle Team-Mitglieder sind in der Lage mit </a:t>
-                      </a:r>
-                      <a:r>
-                        <a:rPr lang="de-DE" sz="1400" noProof="0" dirty="0" err="1"/>
-                        <a:t>Bazor</a:t>
-                      </a:r>
-                      <a:r>
-                        <a:rPr lang="de-DE" sz="1400" noProof="0" dirty="0"/>
-                        <a:t> die Website zu entwickeln</a:t>
-                      </a:r>
-                    </a:p>
-                  </a:txBody>
-                  <a:tcPr/>
-                </a:tc>
-                <a:extLst>
-                  <a:ext uri="{0D108BD9-81ED-4DB2-BD59-A6C34878D82A}">
-                    <a16:rowId xmlns:a16="http://schemas.microsoft.com/office/drawing/2014/main" val="1027042450"/>
-                  </a:ext>
-                </a:extLst>
-              </a:tr>
-              <a:tr h="488887">
-                <a:tc>
-                  <a:txBody>
-                    <a:bodyPr/>
-                    <a:lstStyle/>
-                    <a:p>
-                      <a:r>
-                        <a:rPr lang="de-DE" sz="1400" noProof="0" dirty="0"/>
-                        <a:t>Website “Warenkorb”</a:t>
-                      </a:r>
-                    </a:p>
-                  </a:txBody>
-                  <a:tcPr/>
-                </a:tc>
-                <a:tc>
-                  <a:txBody>
-                    <a:bodyPr/>
-                    <a:lstStyle/>
-                    <a:p>
-                      <a:pPr marL="285750" indent="-285750">
-                        <a:buFont typeface="Arial" panose="020B0604020202020204" pitchFamily="34" charset="0"/>
-                        <a:buChar char="•"/>
-                      </a:pPr>
-                      <a:r>
-                        <a:rPr lang="de-DE" sz="1400" noProof="0" dirty="0"/>
-                        <a:t>Alle selektierten Speisen werden angezeigt.</a:t>
-                      </a:r>
-                    </a:p>
-                    <a:p>
-                      <a:pPr marL="285750" indent="-285750">
-                        <a:buFont typeface="Arial" panose="020B0604020202020204" pitchFamily="34" charset="0"/>
-                        <a:buChar char="•"/>
-                      </a:pPr>
-                      <a:r>
-                        <a:rPr lang="de-DE" sz="1400" noProof="0" dirty="0"/>
-                        <a:t>Anzahl kann verändert werden.</a:t>
-                      </a:r>
-                    </a:p>
-                    <a:p>
-                      <a:pPr marL="285750" indent="-285750">
-                        <a:buFont typeface="Arial" panose="020B0604020202020204" pitchFamily="34" charset="0"/>
-                        <a:buChar char="•"/>
-                      </a:pPr>
-                      <a:r>
-                        <a:rPr lang="de-DE" sz="1400" noProof="0" dirty="0"/>
-                        <a:t>Speisen können wieder entfernt werden.</a:t>
-                      </a:r>
-                    </a:p>
-                  </a:txBody>
-                  <a:tcPr/>
-                </a:tc>
-                <a:extLst>
-                  <a:ext uri="{0D108BD9-81ED-4DB2-BD59-A6C34878D82A}">
-                    <a16:rowId xmlns:a16="http://schemas.microsoft.com/office/drawing/2014/main" val="3357681546"/>
-                  </a:ext>
-                </a:extLst>
-              </a:tr>
-              <a:tr h="450561">
-                <a:tc>
-                  <a:txBody>
-                    <a:bodyPr/>
-                    <a:lstStyle/>
-                    <a:p>
-                      <a:r>
-                        <a:rPr lang="de-DE" sz="1400" noProof="0" dirty="0"/>
-                        <a:t>Datenbank “Warenkorb”</a:t>
-                      </a:r>
-                    </a:p>
-                  </a:txBody>
-                  <a:tcPr/>
-                </a:tc>
-                <a:tc>
-                  <a:txBody>
-                    <a:bodyPr/>
-                    <a:lstStyle/>
-                    <a:p>
-                      <a:pPr marL="285750" indent="-285750">
-                        <a:buFont typeface="Arial" panose="020B0604020202020204" pitchFamily="34" charset="0"/>
-                        <a:buChar char="•"/>
-                      </a:pPr>
-                      <a:r>
-                        <a:rPr lang="de-DE" sz="1400" noProof="0" dirty="0"/>
-                        <a:t>Entspricht der 3. Normalform.</a:t>
-                      </a:r>
-                    </a:p>
-                    <a:p>
-                      <a:pPr marL="285750" indent="-285750">
-                        <a:buFont typeface="Arial" panose="020B0604020202020204" pitchFamily="34" charset="0"/>
-                        <a:buChar char="•"/>
-                      </a:pPr>
-                      <a:r>
-                        <a:rPr lang="de-DE" sz="1400" noProof="0" dirty="0"/>
-                        <a:t>Beinhaltet alle notwendigen Felder + diese sind richtig konfiguriert.</a:t>
-                      </a:r>
-                    </a:p>
-                  </a:txBody>
-                  <a:tcPr/>
-                </a:tc>
-                <a:extLst>
-                  <a:ext uri="{0D108BD9-81ED-4DB2-BD59-A6C34878D82A}">
-                    <a16:rowId xmlns:a16="http://schemas.microsoft.com/office/drawing/2014/main" val="4006408752"/>
-                  </a:ext>
-                </a:extLst>
-              </a:tr>
-            </a:tbl>
-          </a:graphicData>
-        </a:graphic>
-      </p:graphicFrame>
-      <p:sp>
-        <p:nvSpPr>
-          <p:cNvPr id="6" name="Textfeld 5">
-            <a:extLst>
-              <a:ext uri="{FF2B5EF4-FFF2-40B4-BE49-F238E27FC236}">
-                <a16:creationId xmlns:a16="http://schemas.microsoft.com/office/drawing/2014/main" id="{98BCABE6-CA74-3ACD-9CB3-5C8F6D1D34AE}"/>
-              </a:ext>
-            </a:extLst>
-          </p:cNvPr>
-          <p:cNvSpPr txBox="1"/>
-          <p:nvPr/>
-        </p:nvSpPr>
-        <p:spPr>
-          <a:xfrm>
-            <a:off x="911225" y="2067261"/>
-            <a:ext cx="5899150" cy="369332"/>
-          </a:xfrm>
-          <a:prstGeom prst="rect">
-            <a:avLst/>
-          </a:prstGeom>
-          <a:noFill/>
-        </p:spPr>
-        <p:txBody>
-          <a:bodyPr wrap="square" rtlCol="0">
-            <a:spAutoFit/>
-          </a:bodyPr>
-          <a:lstStyle/>
-          <a:p>
-            <a:r>
-              <a:rPr lang="de-DE" b="1" noProof="0" dirty="0"/>
-              <a:t>Abnahmekriterien</a:t>
-            </a:r>
+            <a:endParaRPr lang="en-US"/>
           </a:p>
         </p:txBody>
       </p:sp>
     </p:spTree>
     <p:extLst>
       <p:ext uri="{BB962C8B-B14F-4D97-AF65-F5344CB8AC3E}">
-        <p14:creationId xmlns:p14="http://schemas.microsoft.com/office/powerpoint/2010/main" val="1110673821"/>
+        <p14:creationId xmlns:p14="http://schemas.microsoft.com/office/powerpoint/2010/main" val="2028140012"/>
       </p:ext>
     </p:extLst>
   </p:cSld>
@@ -9536,7 +10278,7 @@
           <p:cNvPr id="2" name="Titel 1">
             <a:extLst>
               <a:ext uri="{FF2B5EF4-FFF2-40B4-BE49-F238E27FC236}">
-                <a16:creationId xmlns:a16="http://schemas.microsoft.com/office/drawing/2014/main" id="{86AADDDC-CD07-D152-F98D-6AA7ABFFAE93}"/>
+                <a16:creationId xmlns:a16="http://schemas.microsoft.com/office/drawing/2014/main" id="{1B93A12F-1CA4-1BAA-AF57-924F60F11732}"/>
               </a:ext>
             </a:extLst>
           </p:cNvPr>
@@ -9552,27 +10294,53 @@
           <a:bodyPr/>
           <a:lstStyle/>
           <a:p>
-            <a:r>
-              <a:rPr lang="de-DE" noProof="0" dirty="0"/>
-              <a:t>5. Ausblick auf den folgenden Sprint</a:t>
-            </a:r>
-          </a:p>
-        </p:txBody>
-      </p:sp>
-      <p:sp>
-        <p:nvSpPr>
-          <p:cNvPr id="3" name="Inhaltsplatzhalter 2">
-            <a:extLst>
-              <a:ext uri="{FF2B5EF4-FFF2-40B4-BE49-F238E27FC236}">
-                <a16:creationId xmlns:a16="http://schemas.microsoft.com/office/drawing/2014/main" id="{5E854AF4-9867-751A-7A8B-348123EF4C14}"/>
-              </a:ext>
-            </a:extLst>
-          </p:cNvPr>
-          <p:cNvSpPr>
-            <a:spLocks noGrp="1"/>
-          </p:cNvSpPr>
-          <p:nvPr>
-            <p:ph idx="1"/>
+            <a:endParaRPr lang="de-DE"/>
+          </a:p>
+        </p:txBody>
+      </p:sp>
+      <p:pic>
+        <p:nvPicPr>
+          <p:cNvPr id="8" name="Inhaltsplatzhalter 7">
+            <a:extLst>
+              <a:ext uri="{FF2B5EF4-FFF2-40B4-BE49-F238E27FC236}">
+                <a16:creationId xmlns:a16="http://schemas.microsoft.com/office/drawing/2014/main" id="{6013533E-10F3-8ACB-2FEC-DC3258599405}"/>
+              </a:ext>
+            </a:extLst>
+          </p:cNvPr>
+          <p:cNvPicPr>
+            <a:picLocks noGrp="1" noChangeAspect="1"/>
+          </p:cNvPicPr>
+          <p:nvPr>
+            <p:ph sz="half" idx="1"/>
+          </p:nvPr>
+        </p:nvPicPr>
+        <p:blipFill>
+          <a:blip r:embed="rId2"/>
+          <a:stretch>
+            <a:fillRect/>
+          </a:stretch>
+        </p:blipFill>
+        <p:spPr>
+          <a:xfrm>
+            <a:off x="2043491" y="2438400"/>
+            <a:ext cx="2588456" cy="3505200"/>
+          </a:xfrm>
+        </p:spPr>
+      </p:pic>
+      <p:sp>
+        <p:nvSpPr>
+          <p:cNvPr id="4" name="Inhaltsplatzhalter 3">
+            <a:extLst>
+              <a:ext uri="{FF2B5EF4-FFF2-40B4-BE49-F238E27FC236}">
+                <a16:creationId xmlns:a16="http://schemas.microsoft.com/office/drawing/2014/main" id="{79CE6463-9713-CB23-8A62-A6EA9DB5FE4F}"/>
+              </a:ext>
+            </a:extLst>
+          </p:cNvPr>
+          <p:cNvSpPr>
+            <a:spLocks noGrp="1"/>
+          </p:cNvSpPr>
+          <p:nvPr>
+            <p:ph sz="half" idx="2"/>
           </p:nvPr>
         </p:nvSpPr>
         <p:spPr/>
@@ -9580,50 +10348,16 @@
           <a:bodyPr/>
           <a:lstStyle/>
           <a:p>
-            <a:r>
-              <a:rPr lang="de-DE" sz="2800" noProof="0" dirty="0"/>
-              <a:t>Warenkorb Erstellung abschließen</a:t>
-            </a:r>
-          </a:p>
-          <a:p>
-            <a:r>
-              <a:rPr lang="de-DE" noProof="0" dirty="0"/>
-              <a:t>Logik “Anpassen von Speisen im Warenkorb”</a:t>
-            </a:r>
-          </a:p>
-          <a:p>
-            <a:r>
-              <a:rPr lang="de-DE" sz="2800" noProof="0" dirty="0"/>
-              <a:t>Logik </a:t>
-            </a:r>
-            <a:r>
-              <a:rPr lang="de-DE" noProof="0" dirty="0"/>
-              <a:t>“</a:t>
-            </a:r>
-            <a:r>
-              <a:rPr lang="de-DE" noProof="0" dirty="0" err="1"/>
-              <a:t>Autom</a:t>
-            </a:r>
-            <a:r>
-              <a:rPr lang="de-DE" noProof="0" dirty="0"/>
-              <a:t>. Kalkulation der Kosten”</a:t>
-            </a:r>
-            <a:endParaRPr lang="de-DE" sz="2800" noProof="0" dirty="0"/>
-          </a:p>
-          <a:p>
-            <a:r>
-              <a:rPr lang="de-DE" noProof="0" dirty="0"/>
-              <a:t>Logik zum Absenden der Bestellung</a:t>
-            </a:r>
-          </a:p>
-        </p:txBody>
-      </p:sp>
-      <p:sp>
-        <p:nvSpPr>
-          <p:cNvPr id="4" name="Datumsplatzhalter 3">
-            <a:extLst>
-              <a:ext uri="{FF2B5EF4-FFF2-40B4-BE49-F238E27FC236}">
-                <a16:creationId xmlns:a16="http://schemas.microsoft.com/office/drawing/2014/main" id="{305A6BE5-5A63-7D28-E770-729A20618D33}"/>
+            <a:endParaRPr lang="de-DE" dirty="0"/>
+          </a:p>
+        </p:txBody>
+      </p:sp>
+      <p:sp>
+        <p:nvSpPr>
+          <p:cNvPr id="5" name="Datumsplatzhalter 4">
+            <a:extLst>
+              <a:ext uri="{FF2B5EF4-FFF2-40B4-BE49-F238E27FC236}">
+                <a16:creationId xmlns:a16="http://schemas.microsoft.com/office/drawing/2014/main" id="{175BE0E2-31AB-658D-6EBB-B713FB583365}"/>
               </a:ext>
             </a:extLst>
           </p:cNvPr>
@@ -9639,20 +10373,20 @@
           <a:bodyPr/>
           <a:lstStyle/>
           <a:p>
-            <a:fld id="{42B45B56-1D88-4042-8DF0-EB6B41B710D3}" type="datetime1">
-              <a:rPr lang="de-DE" noProof="0" smtClean="0"/>
+            <a:fld id="{12AE7323-5CDD-4051-9975-1729D84443C7}" type="datetime1">
+              <a:rPr lang="de-DE" smtClean="0"/>
               <a:t>11.12.2024</a:t>
             </a:fld>
-            <a:endParaRPr lang="de-DE" noProof="0" dirty="0"/>
-          </a:p>
-        </p:txBody>
-      </p:sp>
-      <p:sp>
-        <p:nvSpPr>
-          <p:cNvPr id="5" name="Foliennummernplatzhalter 4">
-            <a:extLst>
-              <a:ext uri="{FF2B5EF4-FFF2-40B4-BE49-F238E27FC236}">
-                <a16:creationId xmlns:a16="http://schemas.microsoft.com/office/drawing/2014/main" id="{E28ABC24-8900-E378-E502-62B817D571F6}"/>
+            <a:endParaRPr lang="en-US"/>
+          </a:p>
+        </p:txBody>
+      </p:sp>
+      <p:sp>
+        <p:nvSpPr>
+          <p:cNvPr id="6" name="Foliennummernplatzhalter 5">
+            <a:extLst>
+              <a:ext uri="{FF2B5EF4-FFF2-40B4-BE49-F238E27FC236}">
+                <a16:creationId xmlns:a16="http://schemas.microsoft.com/office/drawing/2014/main" id="{E0949E57-58AB-441C-473B-B2C287EE958D}"/>
               </a:ext>
             </a:extLst>
           </p:cNvPr>
@@ -9669,17 +10403,17 @@
           <a:lstStyle/>
           <a:p>
             <a:fld id="{07CE569E-9B7C-4CB9-AB80-C0841F922CFF}" type="slidenum">
-              <a:rPr lang="de-DE" noProof="0" smtClean="0"/>
+              <a:rPr lang="en-US" smtClean="0"/>
               <a:t>8</a:t>
             </a:fld>
-            <a:endParaRPr lang="de-DE" noProof="0" dirty="0"/>
+            <a:endParaRPr lang="en-US"/>
           </a:p>
         </p:txBody>
       </p:sp>
     </p:spTree>
     <p:extLst>
       <p:ext uri="{BB962C8B-B14F-4D97-AF65-F5344CB8AC3E}">
-        <p14:creationId xmlns:p14="http://schemas.microsoft.com/office/powerpoint/2010/main" val="3562051256"/>
+        <p14:creationId xmlns:p14="http://schemas.microsoft.com/office/powerpoint/2010/main" val="2620450788"/>
       </p:ext>
     </p:extLst>
   </p:cSld>
@@ -9711,7 +10445,7 @@
           <p:cNvPr id="2" name="Titel 1">
             <a:extLst>
               <a:ext uri="{FF2B5EF4-FFF2-40B4-BE49-F238E27FC236}">
-                <a16:creationId xmlns:a16="http://schemas.microsoft.com/office/drawing/2014/main" id="{A075FF74-E5D2-1C9F-1DF3-DCD54EF547E9}"/>
+                <a16:creationId xmlns:a16="http://schemas.microsoft.com/office/drawing/2014/main" id="{B1C4B512-22E9-E7BC-2F39-52FA98096470}"/>
               </a:ext>
             </a:extLst>
           </p:cNvPr>
@@ -9728,176 +10462,105 @@
           <a:lstStyle/>
           <a:p>
             <a:r>
-              <a:rPr lang="de-DE" noProof="0" dirty="0"/>
-              <a:t>6. Software-Tools</a:t>
-            </a:r>
-          </a:p>
-        </p:txBody>
-      </p:sp>
-      <p:sp>
-        <p:nvSpPr>
-          <p:cNvPr id="3" name="Inhaltsplatzhalter 2">
-            <a:extLst>
-              <a:ext uri="{FF2B5EF4-FFF2-40B4-BE49-F238E27FC236}">
-                <a16:creationId xmlns:a16="http://schemas.microsoft.com/office/drawing/2014/main" id="{E627C203-A1B7-383D-97A8-56B3248A1E83}"/>
-              </a:ext>
-            </a:extLst>
-          </p:cNvPr>
-          <p:cNvSpPr>
-            <a:spLocks noGrp="1"/>
-          </p:cNvSpPr>
+              <a:rPr lang="de-DE" dirty="0"/>
+              <a:t>3. Produktzwischenstand</a:t>
+            </a:r>
+          </a:p>
+        </p:txBody>
+      </p:sp>
+      <p:pic>
+        <p:nvPicPr>
+          <p:cNvPr id="8" name="Inhaltsplatzhalter 7">
+            <a:extLst>
+              <a:ext uri="{FF2B5EF4-FFF2-40B4-BE49-F238E27FC236}">
+                <a16:creationId xmlns:a16="http://schemas.microsoft.com/office/drawing/2014/main" id="{504B7381-E1C9-27E1-F63C-D2A3D439D31E}"/>
+              </a:ext>
+            </a:extLst>
+          </p:cNvPr>
+          <p:cNvPicPr>
+            <a:picLocks noGrp="1" noChangeAspect="1"/>
+          </p:cNvPicPr>
           <p:nvPr>
             <p:ph sz="half" idx="1"/>
           </p:nvPr>
+        </p:nvPicPr>
+        <p:blipFill>
+          <a:blip r:embed="rId2"/>
+          <a:stretch>
+            <a:fillRect/>
+          </a:stretch>
+        </p:blipFill>
+        <p:spPr>
+          <a:xfrm>
+            <a:off x="1636826" y="2619375"/>
+            <a:ext cx="3401786" cy="3143250"/>
+          </a:xfrm>
+        </p:spPr>
+      </p:pic>
+      <p:pic>
+        <p:nvPicPr>
+          <p:cNvPr id="10" name="Inhaltsplatzhalter 9">
+            <a:extLst>
+              <a:ext uri="{FF2B5EF4-FFF2-40B4-BE49-F238E27FC236}">
+                <a16:creationId xmlns:a16="http://schemas.microsoft.com/office/drawing/2014/main" id="{DB837195-1D8C-018A-6A69-9424AC03CBAB}"/>
+              </a:ext>
+            </a:extLst>
+          </p:cNvPr>
+          <p:cNvPicPr>
+            <a:picLocks noGrp="1" noChangeAspect="1"/>
+          </p:cNvPicPr>
+          <p:nvPr>
+            <p:ph sz="half" idx="2"/>
+          </p:nvPr>
+        </p:nvPicPr>
+        <p:blipFill>
+          <a:blip r:embed="rId3"/>
+          <a:stretch>
+            <a:fillRect/>
+          </a:stretch>
+        </p:blipFill>
+        <p:spPr>
+          <a:xfrm>
+            <a:off x="7429269" y="2025650"/>
+            <a:ext cx="2850024" cy="4330700"/>
+          </a:xfrm>
+        </p:spPr>
+      </p:pic>
+      <p:sp>
+        <p:nvSpPr>
+          <p:cNvPr id="5" name="Datumsplatzhalter 4">
+            <a:extLst>
+              <a:ext uri="{FF2B5EF4-FFF2-40B4-BE49-F238E27FC236}">
+                <a16:creationId xmlns:a16="http://schemas.microsoft.com/office/drawing/2014/main" id="{797C75E9-1A01-0510-7271-BFD588356DAE}"/>
+              </a:ext>
+            </a:extLst>
+          </p:cNvPr>
+          <p:cNvSpPr>
+            <a:spLocks noGrp="1"/>
+          </p:cNvSpPr>
+          <p:nvPr>
+            <p:ph type="dt" sz="half" idx="10"/>
+          </p:nvPr>
         </p:nvSpPr>
         <p:spPr/>
         <p:txBody>
-          <a:bodyPr>
-            <a:normAutofit/>
-          </a:bodyPr>
-          <a:lstStyle/>
-          <a:p>
-            <a:r>
-              <a:rPr lang="de-DE" noProof="0" dirty="0"/>
-              <a:t>Programmiersprache:</a:t>
-            </a:r>
-          </a:p>
-          <a:p>
-            <a:pPr lvl="1"/>
-            <a:r>
-              <a:rPr lang="de-DE" noProof="0" dirty="0"/>
-              <a:t>C#</a:t>
-            </a:r>
-          </a:p>
-          <a:p>
-            <a:r>
-              <a:rPr lang="de-DE" noProof="0" dirty="0"/>
-              <a:t>Framework:</a:t>
-            </a:r>
-          </a:p>
-          <a:p>
-            <a:pPr lvl="1"/>
-            <a:r>
-              <a:rPr lang="de-DE" noProof="0" dirty="0" err="1"/>
-              <a:t>Blazor</a:t>
-            </a:r>
-            <a:endParaRPr lang="de-DE" noProof="0" dirty="0"/>
-          </a:p>
-          <a:p>
-            <a:r>
-              <a:rPr lang="de-DE" noProof="0" dirty="0"/>
-              <a:t>IDE:</a:t>
-            </a:r>
-          </a:p>
-          <a:p>
-            <a:pPr lvl="1"/>
-            <a:r>
-              <a:rPr lang="de-DE" noProof="0" dirty="0"/>
-              <a:t>Visual Studio</a:t>
-            </a:r>
-          </a:p>
-        </p:txBody>
-      </p:sp>
-      <p:sp>
-        <p:nvSpPr>
-          <p:cNvPr id="6" name="Inhaltsplatzhalter 5">
-            <a:extLst>
-              <a:ext uri="{FF2B5EF4-FFF2-40B4-BE49-F238E27FC236}">
-                <a16:creationId xmlns:a16="http://schemas.microsoft.com/office/drawing/2014/main" id="{7185288F-FFC3-A9CF-5040-625A8A619580}"/>
-              </a:ext>
-            </a:extLst>
-          </p:cNvPr>
-          <p:cNvSpPr>
-            <a:spLocks noGrp="1"/>
-          </p:cNvSpPr>
-          <p:nvPr>
-            <p:ph sz="half" idx="2"/>
-          </p:nvPr>
-        </p:nvSpPr>
-        <p:spPr/>
-        <p:txBody>
-          <a:bodyPr>
-            <a:normAutofit/>
-          </a:bodyPr>
-          <a:lstStyle/>
-          <a:p>
-            <a:r>
-              <a:rPr lang="de-DE" noProof="0" dirty="0"/>
-              <a:t>Datenbank:</a:t>
-            </a:r>
-          </a:p>
-          <a:p>
-            <a:pPr lvl="1"/>
-            <a:r>
-              <a:rPr lang="de-DE" noProof="0" dirty="0"/>
-              <a:t>SQLite</a:t>
-            </a:r>
-          </a:p>
-          <a:p>
-            <a:r>
-              <a:rPr lang="de-DE" noProof="0" dirty="0"/>
-              <a:t>Weitere Tools:</a:t>
-            </a:r>
-          </a:p>
-          <a:p>
-            <a:pPr lvl="1"/>
-            <a:r>
-              <a:rPr lang="de-DE" noProof="0" dirty="0"/>
-              <a:t>Git (Versionierung)</a:t>
-            </a:r>
-          </a:p>
-          <a:p>
-            <a:pPr lvl="1"/>
-            <a:r>
-              <a:rPr lang="de-DE" noProof="0" dirty="0"/>
-              <a:t>Docker (</a:t>
-            </a:r>
-            <a:r>
-              <a:rPr lang="de-DE" noProof="0" dirty="0" err="1"/>
-              <a:t>Deployment</a:t>
-            </a:r>
-            <a:r>
-              <a:rPr lang="de-DE" noProof="0" dirty="0"/>
-              <a:t>)</a:t>
-            </a:r>
-          </a:p>
-        </p:txBody>
-      </p:sp>
-      <p:sp>
-        <p:nvSpPr>
-          <p:cNvPr id="4" name="Datumsplatzhalter 3">
-            <a:extLst>
-              <a:ext uri="{FF2B5EF4-FFF2-40B4-BE49-F238E27FC236}">
-                <a16:creationId xmlns:a16="http://schemas.microsoft.com/office/drawing/2014/main" id="{F5985418-FDA1-F1A7-80E8-C25C6BAC324B}"/>
-              </a:ext>
-            </a:extLst>
-          </p:cNvPr>
-          <p:cNvSpPr>
-            <a:spLocks noGrp="1"/>
-          </p:cNvSpPr>
-          <p:nvPr>
-            <p:ph type="dt" sz="half" idx="10"/>
-          </p:nvPr>
-        </p:nvSpPr>
-        <p:spPr/>
-        <p:txBody>
           <a:bodyPr/>
           <a:lstStyle/>
           <a:p>
-            <a:fld id="{42B45B56-1D88-4042-8DF0-EB6B41B710D3}" type="datetime1">
-              <a:rPr lang="de-DE" noProof="0" smtClean="0"/>
+            <a:fld id="{12AE7323-5CDD-4051-9975-1729D84443C7}" type="datetime1">
+              <a:rPr lang="de-DE" smtClean="0"/>
               <a:t>11.12.2024</a:t>
             </a:fld>
-            <a:endParaRPr lang="de-DE" noProof="0" dirty="0"/>
-          </a:p>
-        </p:txBody>
-      </p:sp>
-      <p:sp>
-        <p:nvSpPr>
-          <p:cNvPr id="5" name="Foliennummernplatzhalter 4">
-            <a:extLst>
-              <a:ext uri="{FF2B5EF4-FFF2-40B4-BE49-F238E27FC236}">
-                <a16:creationId xmlns:a16="http://schemas.microsoft.com/office/drawing/2014/main" id="{6A7A11C6-83C4-FA07-F8C7-F2826F8F22B6}"/>
+            <a:endParaRPr lang="en-US"/>
+          </a:p>
+        </p:txBody>
+      </p:sp>
+      <p:sp>
+        <p:nvSpPr>
+          <p:cNvPr id="6" name="Foliennummernplatzhalter 5">
+            <a:extLst>
+              <a:ext uri="{FF2B5EF4-FFF2-40B4-BE49-F238E27FC236}">
+                <a16:creationId xmlns:a16="http://schemas.microsoft.com/office/drawing/2014/main" id="{332CAA81-192A-C96D-0378-51DE24B5C3B7}"/>
               </a:ext>
             </a:extLst>
           </p:cNvPr>
@@ -9914,17 +10577,17 @@
           <a:lstStyle/>
           <a:p>
             <a:fld id="{07CE569E-9B7C-4CB9-AB80-C0841F922CFF}" type="slidenum">
-              <a:rPr lang="de-DE" noProof="0" smtClean="0"/>
+              <a:rPr lang="en-US" smtClean="0"/>
               <a:t>9</a:t>
             </a:fld>
-            <a:endParaRPr lang="de-DE" noProof="0" dirty="0"/>
+            <a:endParaRPr lang="en-US"/>
           </a:p>
         </p:txBody>
       </p:sp>
     </p:spTree>
     <p:extLst>
       <p:ext uri="{BB962C8B-B14F-4D97-AF65-F5344CB8AC3E}">
-        <p14:creationId xmlns:p14="http://schemas.microsoft.com/office/powerpoint/2010/main" val="1367875186"/>
+        <p14:creationId xmlns:p14="http://schemas.microsoft.com/office/powerpoint/2010/main" val="2979015269"/>
       </p:ext>
     </p:extLst>
   </p:cSld>

--- a/Dokumente/Sprint-Backlog/Sprint-Backlog2.pptx
+++ b/Dokumente/Sprint-Backlog/Sprint-Backlog2.pptx
@@ -5,25 +5,26 @@
     <p:sldMasterId id="2147483751" r:id="rId1"/>
   </p:sldMasterIdLst>
   <p:notesMasterIdLst>
-    <p:notesMasterId r:id="rId18"/>
+    <p:notesMasterId r:id="rId19"/>
   </p:notesMasterIdLst>
   <p:sldIdLst>
     <p:sldId id="256" r:id="rId2"/>
     <p:sldId id="258" r:id="rId3"/>
     <p:sldId id="276" r:id="rId4"/>
-    <p:sldId id="259" r:id="rId5"/>
-    <p:sldId id="277" r:id="rId6"/>
-    <p:sldId id="279" r:id="rId7"/>
-    <p:sldId id="281" r:id="rId8"/>
-    <p:sldId id="280" r:id="rId9"/>
-    <p:sldId id="278" r:id="rId10"/>
-    <p:sldId id="267" r:id="rId11"/>
-    <p:sldId id="270" r:id="rId12"/>
-    <p:sldId id="262" r:id="rId13"/>
-    <p:sldId id="263" r:id="rId14"/>
-    <p:sldId id="264" r:id="rId15"/>
-    <p:sldId id="275" r:id="rId16"/>
-    <p:sldId id="274" r:id="rId17"/>
+    <p:sldId id="283" r:id="rId5"/>
+    <p:sldId id="259" r:id="rId6"/>
+    <p:sldId id="277" r:id="rId7"/>
+    <p:sldId id="279" r:id="rId8"/>
+    <p:sldId id="281" r:id="rId9"/>
+    <p:sldId id="280" r:id="rId10"/>
+    <p:sldId id="278" r:id="rId11"/>
+    <p:sldId id="267" r:id="rId12"/>
+    <p:sldId id="270" r:id="rId13"/>
+    <p:sldId id="262" r:id="rId14"/>
+    <p:sldId id="263" r:id="rId15"/>
+    <p:sldId id="264" r:id="rId16"/>
+    <p:sldId id="275" r:id="rId17"/>
+    <p:sldId id="274" r:id="rId18"/>
   </p:sldIdLst>
   <p:sldSz cx="12192000" cy="6858000"/>
   <p:notesSz cx="6858000" cy="9144000"/>
@@ -128,6 +129,333 @@
     </p:ext>
   </p:extLst>
 </p:presentation>
+</file>
+
+<file path=ppt/revisionInfo.xml><?xml version="1.0" encoding="utf-8"?>
+<p1510:revInfo xmlns:a="http://schemas.openxmlformats.org/drawingml/2006/main" xmlns:r="http://schemas.openxmlformats.org/officeDocument/2006/relationships" xmlns:p1510="http://schemas.microsoft.com/office/powerpoint/2015/10/main">
+  <p1510:revLst>
+    <p1510:client id="{6E48CF9E-B232-40C4-9FD1-CBCD6EEC6F42}" v="5" dt="2024-12-11T13:57:24.863"/>
+  </p1510:revLst>
+</p1510:revInfo>
+</file>
+
+<file path=ppt/changesInfos/changesInfo1.xml><?xml version="1.0" encoding="utf-8"?>
+<pc:chgInfo xmlns:a="http://schemas.openxmlformats.org/drawingml/2006/main" xmlns:r="http://schemas.openxmlformats.org/officeDocument/2006/relationships" xmlns:ac="http://schemas.microsoft.com/office/drawing/2013/main/command" xmlns:pc="http://schemas.microsoft.com/office/powerpoint/2013/main/command">
+  <pc:docChgLst>
+    <pc:chgData name="Hans Bloching" userId="551bbce12cf0acfa" providerId="LiveId" clId="{6E48CF9E-B232-40C4-9FD1-CBCD6EEC6F42}"/>
+    <pc:docChg chg="undo custSel addSld delSld modSld">
+      <pc:chgData name="Hans Bloching" userId="551bbce12cf0acfa" providerId="LiveId" clId="{6E48CF9E-B232-40C4-9FD1-CBCD6EEC6F42}" dt="2024-12-11T14:01:55.556" v="952" actId="20577"/>
+      <pc:docMkLst>
+        <pc:docMk/>
+      </pc:docMkLst>
+      <pc:sldChg chg="addSp delSp modSp mod">
+        <pc:chgData name="Hans Bloching" userId="551bbce12cf0acfa" providerId="LiveId" clId="{6E48CF9E-B232-40C4-9FD1-CBCD6EEC6F42}" dt="2024-12-11T13:59:45.892" v="946" actId="20577"/>
+        <pc:sldMkLst>
+          <pc:docMk/>
+          <pc:sldMk cId="118876679" sldId="259"/>
+        </pc:sldMkLst>
+        <pc:spChg chg="add del mod">
+          <ac:chgData name="Hans Bloching" userId="551bbce12cf0acfa" providerId="LiveId" clId="{6E48CF9E-B232-40C4-9FD1-CBCD6EEC6F42}" dt="2024-12-11T13:57:15.197" v="705"/>
+          <ac:spMkLst>
+            <pc:docMk/>
+            <pc:sldMk cId="118876679" sldId="259"/>
+            <ac:spMk id="3" creationId="{0CA3E67A-DE8D-7808-BC06-F26DB1D66E71}"/>
+          </ac:spMkLst>
+        </pc:spChg>
+        <pc:spChg chg="add del mod">
+          <ac:chgData name="Hans Bloching" userId="551bbce12cf0acfa" providerId="LiveId" clId="{6E48CF9E-B232-40C4-9FD1-CBCD6EEC6F42}" dt="2024-12-11T13:57:32.587" v="709" actId="478"/>
+          <ac:spMkLst>
+            <pc:docMk/>
+            <pc:sldMk cId="118876679" sldId="259"/>
+            <ac:spMk id="6" creationId="{F9B36B33-7C35-BB57-E222-6123BEC386B9}"/>
+          </ac:spMkLst>
+        </pc:spChg>
+        <pc:spChg chg="add mod">
+          <ac:chgData name="Hans Bloching" userId="551bbce12cf0acfa" providerId="LiveId" clId="{6E48CF9E-B232-40C4-9FD1-CBCD6EEC6F42}" dt="2024-12-11T13:59:45.892" v="946" actId="20577"/>
+          <ac:spMkLst>
+            <pc:docMk/>
+            <pc:sldMk cId="118876679" sldId="259"/>
+            <ac:spMk id="7" creationId="{06A9C708-A850-18E6-5D53-389ADE6ED553}"/>
+          </ac:spMkLst>
+        </pc:spChg>
+        <pc:spChg chg="add mod">
+          <ac:chgData name="Hans Bloching" userId="551bbce12cf0acfa" providerId="LiveId" clId="{6E48CF9E-B232-40C4-9FD1-CBCD6EEC6F42}" dt="2024-12-11T13:57:27.974" v="707" actId="1076"/>
+          <ac:spMkLst>
+            <pc:docMk/>
+            <pc:sldMk cId="118876679" sldId="259"/>
+            <ac:spMk id="9" creationId="{BD0D2988-85DD-C46C-D2AB-F764D685F152}"/>
+          </ac:spMkLst>
+        </pc:spChg>
+        <pc:graphicFrameChg chg="add del mod modGraphic">
+          <ac:chgData name="Hans Bloching" userId="551bbce12cf0acfa" providerId="LiveId" clId="{6E48CF9E-B232-40C4-9FD1-CBCD6EEC6F42}" dt="2024-12-11T13:55:01.305" v="685" actId="21"/>
+          <ac:graphicFrameMkLst>
+            <pc:docMk/>
+            <pc:sldMk cId="118876679" sldId="259"/>
+            <ac:graphicFrameMk id="8" creationId="{8DEB5E55-C04C-135E-89B0-4D1F80BDB020}"/>
+          </ac:graphicFrameMkLst>
+        </pc:graphicFrameChg>
+      </pc:sldChg>
+      <pc:sldChg chg="modSp mod">
+        <pc:chgData name="Hans Bloching" userId="551bbce12cf0acfa" providerId="LiveId" clId="{6E48CF9E-B232-40C4-9FD1-CBCD6EEC6F42}" dt="2024-12-11T14:01:34.051" v="949" actId="20577"/>
+        <pc:sldMkLst>
+          <pc:docMk/>
+          <pc:sldMk cId="3562051256" sldId="262"/>
+        </pc:sldMkLst>
+        <pc:spChg chg="mod">
+          <ac:chgData name="Hans Bloching" userId="551bbce12cf0acfa" providerId="LiveId" clId="{6E48CF9E-B232-40C4-9FD1-CBCD6EEC6F42}" dt="2024-12-11T14:01:34.051" v="949" actId="20577"/>
+          <ac:spMkLst>
+            <pc:docMk/>
+            <pc:sldMk cId="3562051256" sldId="262"/>
+            <ac:spMk id="2" creationId="{86AADDDC-CD07-D152-F98D-6AA7ABFFAE93}"/>
+          </ac:spMkLst>
+        </pc:spChg>
+      </pc:sldChg>
+      <pc:sldChg chg="addSp delSp modSp mod">
+        <pc:chgData name="Hans Bloching" userId="551bbce12cf0acfa" providerId="LiveId" clId="{6E48CF9E-B232-40C4-9FD1-CBCD6EEC6F42}" dt="2024-12-11T14:01:55.556" v="952" actId="20577"/>
+        <pc:sldMkLst>
+          <pc:docMk/>
+          <pc:sldMk cId="2023827376" sldId="267"/>
+        </pc:sldMkLst>
+        <pc:spChg chg="mod">
+          <ac:chgData name="Hans Bloching" userId="551bbce12cf0acfa" providerId="LiveId" clId="{6E48CF9E-B232-40C4-9FD1-CBCD6EEC6F42}" dt="2024-12-11T14:01:55.556" v="952" actId="20577"/>
+          <ac:spMkLst>
+            <pc:docMk/>
+            <pc:sldMk cId="2023827376" sldId="267"/>
+            <ac:spMk id="2" creationId="{F38F1474-9419-C444-A28A-E12FABF05F5B}"/>
+          </ac:spMkLst>
+        </pc:spChg>
+        <pc:spChg chg="add del mod">
+          <ac:chgData name="Hans Bloching" userId="551bbce12cf0acfa" providerId="LiveId" clId="{6E48CF9E-B232-40C4-9FD1-CBCD6EEC6F42}" dt="2024-12-11T13:55:19.106" v="690" actId="478"/>
+          <ac:spMkLst>
+            <pc:docMk/>
+            <pc:sldMk cId="2023827376" sldId="267"/>
+            <ac:spMk id="9" creationId="{D50A3851-8216-2C2C-6FF2-A5C175536484}"/>
+          </ac:spMkLst>
+        </pc:spChg>
+        <pc:spChg chg="mod">
+          <ac:chgData name="Hans Bloching" userId="551bbce12cf0acfa" providerId="LiveId" clId="{6E48CF9E-B232-40C4-9FD1-CBCD6EEC6F42}" dt="2024-12-11T13:56:03.094" v="698" actId="20577"/>
+          <ac:spMkLst>
+            <pc:docMk/>
+            <pc:sldMk cId="2023827376" sldId="267"/>
+            <ac:spMk id="12" creationId="{6C748691-0350-4F12-29B1-58781F9859C7}"/>
+          </ac:spMkLst>
+        </pc:spChg>
+        <pc:graphicFrameChg chg="del modGraphic">
+          <ac:chgData name="Hans Bloching" userId="551bbce12cf0acfa" providerId="LiveId" clId="{6E48CF9E-B232-40C4-9FD1-CBCD6EEC6F42}" dt="2024-12-11T13:55:10.443" v="688" actId="478"/>
+          <ac:graphicFrameMkLst>
+            <pc:docMk/>
+            <pc:sldMk cId="2023827376" sldId="267"/>
+            <ac:graphicFrameMk id="3" creationId="{FAC168E6-FD48-9C86-CD4E-55F23F4D96A5}"/>
+          </ac:graphicFrameMkLst>
+        </pc:graphicFrameChg>
+        <pc:graphicFrameChg chg="add mod modGraphic">
+          <ac:chgData name="Hans Bloching" userId="551bbce12cf0acfa" providerId="LiveId" clId="{6E48CF9E-B232-40C4-9FD1-CBCD6EEC6F42}" dt="2024-12-11T13:55:59.094" v="694" actId="20577"/>
+          <ac:graphicFrameMkLst>
+            <pc:docMk/>
+            <pc:sldMk cId="2023827376" sldId="267"/>
+            <ac:graphicFrameMk id="8" creationId="{8DEB5E55-C04C-135E-89B0-4D1F80BDB020}"/>
+          </ac:graphicFrameMkLst>
+        </pc:graphicFrameChg>
+      </pc:sldChg>
+      <pc:sldChg chg="addSp delSp modSp mod">
+        <pc:chgData name="Hans Bloching" userId="551bbce12cf0acfa" providerId="LiveId" clId="{6E48CF9E-B232-40C4-9FD1-CBCD6EEC6F42}" dt="2024-12-11T13:47:14.302" v="443" actId="255"/>
+        <pc:sldMkLst>
+          <pc:docMk/>
+          <pc:sldMk cId="1795399291" sldId="276"/>
+        </pc:sldMkLst>
+        <pc:spChg chg="del">
+          <ac:chgData name="Hans Bloching" userId="551bbce12cf0acfa" providerId="LiveId" clId="{6E48CF9E-B232-40C4-9FD1-CBCD6EEC6F42}" dt="2024-12-11T13:45:23.163" v="373" actId="478"/>
+          <ac:spMkLst>
+            <pc:docMk/>
+            <pc:sldMk cId="1795399291" sldId="276"/>
+            <ac:spMk id="5" creationId="{84A53A1D-72CF-5467-B5BB-A94671AD93C3}"/>
+          </ac:spMkLst>
+        </pc:spChg>
+        <pc:spChg chg="add del mod">
+          <ac:chgData name="Hans Bloching" userId="551bbce12cf0acfa" providerId="LiveId" clId="{6E48CF9E-B232-40C4-9FD1-CBCD6EEC6F42}" dt="2024-12-11T13:34:55.096" v="10" actId="478"/>
+          <ac:spMkLst>
+            <pc:docMk/>
+            <pc:sldMk cId="1795399291" sldId="276"/>
+            <ac:spMk id="6" creationId="{3C0C5666-D27F-3C48-8DE2-366BD6FD42AD}"/>
+          </ac:spMkLst>
+        </pc:spChg>
+        <pc:spChg chg="add del mod">
+          <ac:chgData name="Hans Bloching" userId="551bbce12cf0acfa" providerId="LiveId" clId="{6E48CF9E-B232-40C4-9FD1-CBCD6EEC6F42}" dt="2024-12-11T13:34:58.192" v="11" actId="478"/>
+          <ac:spMkLst>
+            <pc:docMk/>
+            <pc:sldMk cId="1795399291" sldId="276"/>
+            <ac:spMk id="8" creationId="{028494AC-8502-F8B0-0BEE-EB65D5562CED}"/>
+          </ac:spMkLst>
+        </pc:spChg>
+        <pc:spChg chg="del mod">
+          <ac:chgData name="Hans Bloching" userId="551bbce12cf0acfa" providerId="LiveId" clId="{6E48CF9E-B232-40C4-9FD1-CBCD6EEC6F42}" dt="2024-12-11T13:34:45.145" v="7" actId="478"/>
+          <ac:spMkLst>
+            <pc:docMk/>
+            <pc:sldMk cId="1795399291" sldId="276"/>
+            <ac:spMk id="10" creationId="{E8B57165-32AB-E3FE-C2A1-6E2FA99F8E9E}"/>
+          </ac:spMkLst>
+        </pc:spChg>
+        <pc:spChg chg="del">
+          <ac:chgData name="Hans Bloching" userId="551bbce12cf0acfa" providerId="LiveId" clId="{6E48CF9E-B232-40C4-9FD1-CBCD6EEC6F42}" dt="2024-12-11T13:34:38.913" v="5" actId="478"/>
+          <ac:spMkLst>
+            <pc:docMk/>
+            <pc:sldMk cId="1795399291" sldId="276"/>
+            <ac:spMk id="11" creationId="{7E8F7E53-20DC-8167-4A23-4E66D65E02B0}"/>
+          </ac:spMkLst>
+        </pc:spChg>
+        <pc:spChg chg="add mod">
+          <ac:chgData name="Hans Bloching" userId="551bbce12cf0acfa" providerId="LiveId" clId="{6E48CF9E-B232-40C4-9FD1-CBCD6EEC6F42}" dt="2024-12-11T13:45:19.731" v="372" actId="20577"/>
+          <ac:spMkLst>
+            <pc:docMk/>
+            <pc:sldMk cId="1795399291" sldId="276"/>
+            <ac:spMk id="14" creationId="{16E20E8E-2FCE-EBDB-805D-EE8F15870274}"/>
+          </ac:spMkLst>
+        </pc:spChg>
+        <pc:spChg chg="add mod">
+          <ac:chgData name="Hans Bloching" userId="551bbce12cf0acfa" providerId="LiveId" clId="{6E48CF9E-B232-40C4-9FD1-CBCD6EEC6F42}" dt="2024-12-11T13:46:13.678" v="386" actId="20577"/>
+          <ac:spMkLst>
+            <pc:docMk/>
+            <pc:sldMk cId="1795399291" sldId="276"/>
+            <ac:spMk id="16" creationId="{804E99FB-A8D9-FFF5-CC16-1360363ECDF8}"/>
+          </ac:spMkLst>
+        </pc:spChg>
+        <pc:spChg chg="add mod">
+          <ac:chgData name="Hans Bloching" userId="551bbce12cf0acfa" providerId="LiveId" clId="{6E48CF9E-B232-40C4-9FD1-CBCD6EEC6F42}" dt="2024-12-11T13:46:01.182" v="383" actId="20577"/>
+          <ac:spMkLst>
+            <pc:docMk/>
+            <pc:sldMk cId="1795399291" sldId="276"/>
+            <ac:spMk id="17" creationId="{CFA10087-D0D4-34C0-D171-0844FBA8256B}"/>
+          </ac:spMkLst>
+        </pc:spChg>
+        <pc:spChg chg="add mod">
+          <ac:chgData name="Hans Bloching" userId="551bbce12cf0acfa" providerId="LiveId" clId="{6E48CF9E-B232-40C4-9FD1-CBCD6EEC6F42}" dt="2024-12-11T13:47:14.302" v="443" actId="255"/>
+          <ac:spMkLst>
+            <pc:docMk/>
+            <pc:sldMk cId="1795399291" sldId="276"/>
+            <ac:spMk id="18" creationId="{2A6A369F-E018-805E-F140-89DCE5D80238}"/>
+          </ac:spMkLst>
+        </pc:spChg>
+        <pc:graphicFrameChg chg="del modGraphic">
+          <ac:chgData name="Hans Bloching" userId="551bbce12cf0acfa" providerId="LiveId" clId="{6E48CF9E-B232-40C4-9FD1-CBCD6EEC6F42}" dt="2024-12-11T13:45:25.037" v="374" actId="478"/>
+          <ac:graphicFrameMkLst>
+            <pc:docMk/>
+            <pc:sldMk cId="1795399291" sldId="276"/>
+            <ac:graphicFrameMk id="9" creationId="{62E187A0-0F93-A563-C734-CFFF806B42CB}"/>
+          </ac:graphicFrameMkLst>
+        </pc:graphicFrameChg>
+        <pc:graphicFrameChg chg="del">
+          <ac:chgData name="Hans Bloching" userId="551bbce12cf0acfa" providerId="LiveId" clId="{6E48CF9E-B232-40C4-9FD1-CBCD6EEC6F42}" dt="2024-12-11T13:34:38.913" v="5" actId="478"/>
+          <ac:graphicFrameMkLst>
+            <pc:docMk/>
+            <pc:sldMk cId="1795399291" sldId="276"/>
+            <ac:graphicFrameMk id="13" creationId="{CBF6877E-F7D1-51D7-E23D-BC55C496A756}"/>
+          </ac:graphicFrameMkLst>
+        </pc:graphicFrameChg>
+      </pc:sldChg>
+      <pc:sldChg chg="modSp mod">
+        <pc:chgData name="Hans Bloching" userId="551bbce12cf0acfa" providerId="LiveId" clId="{6E48CF9E-B232-40C4-9FD1-CBCD6EEC6F42}" dt="2024-12-11T13:32:03.501" v="2" actId="1076"/>
+        <pc:sldMkLst>
+          <pc:docMk/>
+          <pc:sldMk cId="2979015269" sldId="278"/>
+        </pc:sldMkLst>
+        <pc:spChg chg="mod">
+          <ac:chgData name="Hans Bloching" userId="551bbce12cf0acfa" providerId="LiveId" clId="{6E48CF9E-B232-40C4-9FD1-CBCD6EEC6F42}" dt="2024-12-11T13:32:03.501" v="2" actId="1076"/>
+          <ac:spMkLst>
+            <pc:docMk/>
+            <pc:sldMk cId="2979015269" sldId="278"/>
+            <ac:spMk id="2" creationId="{B1C4B512-22E9-E7BC-2F39-52FA98096470}"/>
+          </ac:spMkLst>
+        </pc:spChg>
+      </pc:sldChg>
+      <pc:sldChg chg="delSp modSp new del mod">
+        <pc:chgData name="Hans Bloching" userId="551bbce12cf0acfa" providerId="LiveId" clId="{6E48CF9E-B232-40C4-9FD1-CBCD6EEC6F42}" dt="2024-12-11T13:48:26.615" v="543" actId="2696"/>
+        <pc:sldMkLst>
+          <pc:docMk/>
+          <pc:sldMk cId="3410458366" sldId="282"/>
+        </pc:sldMkLst>
+        <pc:spChg chg="mod">
+          <ac:chgData name="Hans Bloching" userId="551bbce12cf0acfa" providerId="LiveId" clId="{6E48CF9E-B232-40C4-9FD1-CBCD6EEC6F42}" dt="2024-12-11T13:44:55.386" v="351" actId="20577"/>
+          <ac:spMkLst>
+            <pc:docMk/>
+            <pc:sldMk cId="3410458366" sldId="282"/>
+            <ac:spMk id="2" creationId="{272EF055-F4A2-8F3B-BB2C-9A737BB868E5}"/>
+          </ac:spMkLst>
+        </pc:spChg>
+        <pc:spChg chg="mod">
+          <ac:chgData name="Hans Bloching" userId="551bbce12cf0acfa" providerId="LiveId" clId="{6E48CF9E-B232-40C4-9FD1-CBCD6EEC6F42}" dt="2024-12-11T13:44:38.512" v="315" actId="20577"/>
+          <ac:spMkLst>
+            <pc:docMk/>
+            <pc:sldMk cId="3410458366" sldId="282"/>
+            <ac:spMk id="4" creationId="{4DE4F72C-7DC9-21D1-5EC5-7204849BA074}"/>
+          </ac:spMkLst>
+        </pc:spChg>
+        <pc:spChg chg="del">
+          <ac:chgData name="Hans Bloching" userId="551bbce12cf0acfa" providerId="LiveId" clId="{6E48CF9E-B232-40C4-9FD1-CBCD6EEC6F42}" dt="2024-12-11T13:38:45.864" v="45" actId="478"/>
+          <ac:spMkLst>
+            <pc:docMk/>
+            <pc:sldMk cId="3410458366" sldId="282"/>
+            <ac:spMk id="5" creationId="{42DAC46C-0D01-705D-7510-6D1EC1C25F60}"/>
+          </ac:spMkLst>
+        </pc:spChg>
+        <pc:spChg chg="del">
+          <ac:chgData name="Hans Bloching" userId="551bbce12cf0acfa" providerId="LiveId" clId="{6E48CF9E-B232-40C4-9FD1-CBCD6EEC6F42}" dt="2024-12-11T13:38:44.784" v="44" actId="478"/>
+          <ac:spMkLst>
+            <pc:docMk/>
+            <pc:sldMk cId="3410458366" sldId="282"/>
+            <ac:spMk id="6" creationId="{5FDEC6A2-3370-B886-C550-C70176567EDD}"/>
+          </ac:spMkLst>
+        </pc:spChg>
+      </pc:sldChg>
+      <pc:sldChg chg="modSp new mod">
+        <pc:chgData name="Hans Bloching" userId="551bbce12cf0acfa" providerId="LiveId" clId="{6E48CF9E-B232-40C4-9FD1-CBCD6EEC6F42}" dt="2024-12-11T13:48:16.591" v="542" actId="20577"/>
+        <pc:sldMkLst>
+          <pc:docMk/>
+          <pc:sldMk cId="2935499678" sldId="283"/>
+        </pc:sldMkLst>
+        <pc:spChg chg="mod">
+          <ac:chgData name="Hans Bloching" userId="551bbce12cf0acfa" providerId="LiveId" clId="{6E48CF9E-B232-40C4-9FD1-CBCD6EEC6F42}" dt="2024-12-11T13:46:25.706" v="388"/>
+          <ac:spMkLst>
+            <pc:docMk/>
+            <pc:sldMk cId="2935499678" sldId="283"/>
+            <ac:spMk id="2" creationId="{79153A5A-42D6-38AA-D828-2C8F5CFE3886}"/>
+          </ac:spMkLst>
+        </pc:spChg>
+        <pc:spChg chg="mod">
+          <ac:chgData name="Hans Bloching" userId="551bbce12cf0acfa" providerId="LiveId" clId="{6E48CF9E-B232-40C4-9FD1-CBCD6EEC6F42}" dt="2024-12-11T13:46:31.792" v="397" actId="20577"/>
+          <ac:spMkLst>
+            <pc:docMk/>
+            <pc:sldMk cId="2935499678" sldId="283"/>
+            <ac:spMk id="3" creationId="{5AE0A69E-67F0-A54B-5BF3-92622372C6FD}"/>
+          </ac:spMkLst>
+        </pc:spChg>
+        <pc:spChg chg="mod">
+          <ac:chgData name="Hans Bloching" userId="551bbce12cf0acfa" providerId="LiveId" clId="{6E48CF9E-B232-40C4-9FD1-CBCD6EEC6F42}" dt="2024-12-11T13:48:16.591" v="542" actId="20577"/>
+          <ac:spMkLst>
+            <pc:docMk/>
+            <pc:sldMk cId="2935499678" sldId="283"/>
+            <ac:spMk id="4" creationId="{10794DDB-FD48-3B65-936A-61EE749D577D}"/>
+          </ac:spMkLst>
+        </pc:spChg>
+        <pc:spChg chg="mod">
+          <ac:chgData name="Hans Bloching" userId="551bbce12cf0acfa" providerId="LiveId" clId="{6E48CF9E-B232-40C4-9FD1-CBCD6EEC6F42}" dt="2024-12-11T13:47:29.932" v="466" actId="20577"/>
+          <ac:spMkLst>
+            <pc:docMk/>
+            <pc:sldMk cId="2935499678" sldId="283"/>
+            <ac:spMk id="5" creationId="{5DB68C97-F681-E70B-0334-E2F385137C9D}"/>
+          </ac:spMkLst>
+        </pc:spChg>
+        <pc:spChg chg="mod">
+          <ac:chgData name="Hans Bloching" userId="551bbce12cf0acfa" providerId="LiveId" clId="{6E48CF9E-B232-40C4-9FD1-CBCD6EEC6F42}" dt="2024-12-11T13:48:10.879" v="541" actId="20577"/>
+          <ac:spMkLst>
+            <pc:docMk/>
+            <pc:sldMk cId="2935499678" sldId="283"/>
+            <ac:spMk id="6" creationId="{84BEA5CA-D976-A93A-1C8A-72452E659693}"/>
+          </ac:spMkLst>
+        </pc:spChg>
+      </pc:sldChg>
+    </pc:docChg>
+  </pc:docChgLst>
+</pc:chgInfo>
 </file>
 
 <file path=ppt/notesMasters/notesMaster1.xml><?xml version="1.0" encoding="utf-8"?>
@@ -4907,6 +5235,180 @@
   <p:cSld>
     <p:spTree>
       <p:nvGrpSpPr>
+        <p:cNvPr id="1" name=""/>
+        <p:cNvGrpSpPr/>
+        <p:nvPr/>
+      </p:nvGrpSpPr>
+      <p:grpSpPr>
+        <a:xfrm>
+          <a:off x="0" y="0"/>
+          <a:ext cx="0" cy="0"/>
+          <a:chOff x="0" y="0"/>
+          <a:chExt cx="0" cy="0"/>
+        </a:xfrm>
+      </p:grpSpPr>
+      <p:sp>
+        <p:nvSpPr>
+          <p:cNvPr id="2" name="Titel 1">
+            <a:extLst>
+              <a:ext uri="{FF2B5EF4-FFF2-40B4-BE49-F238E27FC236}">
+                <a16:creationId xmlns:a16="http://schemas.microsoft.com/office/drawing/2014/main" id="{B1C4B512-22E9-E7BC-2F39-52FA98096470}"/>
+              </a:ext>
+            </a:extLst>
+          </p:cNvPr>
+          <p:cNvSpPr>
+            <a:spLocks noGrp="1"/>
+          </p:cNvSpPr>
+          <p:nvPr>
+            <p:ph type="title"/>
+          </p:nvPr>
+        </p:nvSpPr>
+        <p:spPr/>
+        <p:txBody>
+          <a:bodyPr/>
+          <a:lstStyle/>
+          <a:p>
+            <a:r>
+              <a:rPr lang="de-DE" dirty="0"/>
+              <a:t>3. Produktzwischenstand</a:t>
+            </a:r>
+          </a:p>
+        </p:txBody>
+      </p:sp>
+      <p:pic>
+        <p:nvPicPr>
+          <p:cNvPr id="8" name="Inhaltsplatzhalter 7">
+            <a:extLst>
+              <a:ext uri="{FF2B5EF4-FFF2-40B4-BE49-F238E27FC236}">
+                <a16:creationId xmlns:a16="http://schemas.microsoft.com/office/drawing/2014/main" id="{504B7381-E1C9-27E1-F63C-D2A3D439D31E}"/>
+              </a:ext>
+            </a:extLst>
+          </p:cNvPr>
+          <p:cNvPicPr>
+            <a:picLocks noGrp="1" noChangeAspect="1"/>
+          </p:cNvPicPr>
+          <p:nvPr>
+            <p:ph sz="half" idx="1"/>
+          </p:nvPr>
+        </p:nvPicPr>
+        <p:blipFill>
+          <a:blip r:embed="rId2"/>
+          <a:stretch>
+            <a:fillRect/>
+          </a:stretch>
+        </p:blipFill>
+        <p:spPr>
+          <a:xfrm>
+            <a:off x="1636826" y="2619375"/>
+            <a:ext cx="3401786" cy="3143250"/>
+          </a:xfrm>
+        </p:spPr>
+      </p:pic>
+      <p:pic>
+        <p:nvPicPr>
+          <p:cNvPr id="10" name="Inhaltsplatzhalter 9">
+            <a:extLst>
+              <a:ext uri="{FF2B5EF4-FFF2-40B4-BE49-F238E27FC236}">
+                <a16:creationId xmlns:a16="http://schemas.microsoft.com/office/drawing/2014/main" id="{DB837195-1D8C-018A-6A69-9424AC03CBAB}"/>
+              </a:ext>
+            </a:extLst>
+          </p:cNvPr>
+          <p:cNvPicPr>
+            <a:picLocks noGrp="1" noChangeAspect="1"/>
+          </p:cNvPicPr>
+          <p:nvPr>
+            <p:ph sz="half" idx="2"/>
+          </p:nvPr>
+        </p:nvPicPr>
+        <p:blipFill>
+          <a:blip r:embed="rId3"/>
+          <a:stretch>
+            <a:fillRect/>
+          </a:stretch>
+        </p:blipFill>
+        <p:spPr>
+          <a:xfrm>
+            <a:off x="7429269" y="2025650"/>
+            <a:ext cx="2850024" cy="4330700"/>
+          </a:xfrm>
+        </p:spPr>
+      </p:pic>
+      <p:sp>
+        <p:nvSpPr>
+          <p:cNvPr id="5" name="Datumsplatzhalter 4">
+            <a:extLst>
+              <a:ext uri="{FF2B5EF4-FFF2-40B4-BE49-F238E27FC236}">
+                <a16:creationId xmlns:a16="http://schemas.microsoft.com/office/drawing/2014/main" id="{797C75E9-1A01-0510-7271-BFD588356DAE}"/>
+              </a:ext>
+            </a:extLst>
+          </p:cNvPr>
+          <p:cNvSpPr>
+            <a:spLocks noGrp="1"/>
+          </p:cNvSpPr>
+          <p:nvPr>
+            <p:ph type="dt" sz="half" idx="10"/>
+          </p:nvPr>
+        </p:nvSpPr>
+        <p:spPr/>
+        <p:txBody>
+          <a:bodyPr/>
+          <a:lstStyle/>
+          <a:p>
+            <a:fld id="{12AE7323-5CDD-4051-9975-1729D84443C7}" type="datetime1">
+              <a:rPr lang="de-DE" smtClean="0"/>
+              <a:t>11.12.2024</a:t>
+            </a:fld>
+            <a:endParaRPr lang="en-US"/>
+          </a:p>
+        </p:txBody>
+      </p:sp>
+      <p:sp>
+        <p:nvSpPr>
+          <p:cNvPr id="6" name="Foliennummernplatzhalter 5">
+            <a:extLst>
+              <a:ext uri="{FF2B5EF4-FFF2-40B4-BE49-F238E27FC236}">
+                <a16:creationId xmlns:a16="http://schemas.microsoft.com/office/drawing/2014/main" id="{332CAA81-192A-C96D-0378-51DE24B5C3B7}"/>
+              </a:ext>
+            </a:extLst>
+          </p:cNvPr>
+          <p:cNvSpPr>
+            <a:spLocks noGrp="1"/>
+          </p:cNvSpPr>
+          <p:nvPr>
+            <p:ph type="sldNum" sz="quarter" idx="12"/>
+          </p:nvPr>
+        </p:nvSpPr>
+        <p:spPr/>
+        <p:txBody>
+          <a:bodyPr/>
+          <a:lstStyle/>
+          <a:p>
+            <a:fld id="{07CE569E-9B7C-4CB9-AB80-C0841F922CFF}" type="slidenum">
+              <a:rPr lang="en-US" smtClean="0"/>
+              <a:t>10</a:t>
+            </a:fld>
+            <a:endParaRPr lang="en-US"/>
+          </a:p>
+        </p:txBody>
+      </p:sp>
+    </p:spTree>
+    <p:extLst>
+      <p:ext uri="{BB962C8B-B14F-4D97-AF65-F5344CB8AC3E}">
+        <p14:creationId xmlns:p14="http://schemas.microsoft.com/office/powerpoint/2010/main" val="2979015269"/>
+      </p:ext>
+    </p:extLst>
+  </p:cSld>
+  <p:clrMapOvr>
+    <a:masterClrMapping/>
+  </p:clrMapOvr>
+</p:sld>
+</file>
+
+<file path=ppt/slides/slide11.xml><?xml version="1.0" encoding="utf-8"?>
+<p:sld xmlns:a="http://schemas.openxmlformats.org/drawingml/2006/main" xmlns:r="http://schemas.openxmlformats.org/officeDocument/2006/relationships" xmlns:p="http://schemas.openxmlformats.org/presentationml/2006/main">
+  <p:cSld>
+    <p:spTree>
+      <p:nvGrpSpPr>
         <p:cNvPr id="1" name="">
           <a:extLst>
             <a:ext uri="{FF2B5EF4-FFF2-40B4-BE49-F238E27FC236}">
@@ -4948,7 +5450,7 @@
           <a:p>
             <a:r>
               <a:rPr lang="de-DE" noProof="0" dirty="0"/>
-              <a:t>4. Detailplanung</a:t>
+              <a:t>4. Detailplanung ??</a:t>
             </a:r>
           </a:p>
         </p:txBody>
@@ -5005,36 +5507,104 @@
           <a:p>
             <a:fld id="{07CE569E-9B7C-4CB9-AB80-C0841F922CFF}" type="slidenum">
               <a:rPr lang="de-DE" noProof="0" smtClean="0"/>
-              <a:t>10</a:t>
+              <a:t>11</a:t>
             </a:fld>
             <a:endParaRPr lang="de-DE" noProof="0" dirty="0"/>
           </a:p>
         </p:txBody>
       </p:sp>
+      <p:pic>
+        <p:nvPicPr>
+          <p:cNvPr id="7" name="Grafik 6">
+            <a:extLst>
+              <a:ext uri="{FF2B5EF4-FFF2-40B4-BE49-F238E27FC236}">
+                <a16:creationId xmlns:a16="http://schemas.microsoft.com/office/drawing/2014/main" id="{F447DF4A-5353-B320-B18E-CE9C17911E47}"/>
+              </a:ext>
+            </a:extLst>
+          </p:cNvPr>
+          <p:cNvPicPr>
+            <a:picLocks noChangeAspect="1"/>
+          </p:cNvPicPr>
+          <p:nvPr/>
+        </p:nvPicPr>
+        <p:blipFill>
+          <a:blip r:embed="rId2"/>
+          <a:stretch>
+            <a:fillRect/>
+          </a:stretch>
+        </p:blipFill>
+        <p:spPr>
+          <a:xfrm>
+            <a:off x="6884925" y="6278906"/>
+            <a:ext cx="1738967" cy="451906"/>
+          </a:xfrm>
+          <a:prstGeom prst="rect">
+            <a:avLst/>
+          </a:prstGeom>
+        </p:spPr>
+      </p:pic>
+      <p:sp>
+        <p:nvSpPr>
+          <p:cNvPr id="12" name="Textfeld 11">
+            <a:extLst>
+              <a:ext uri="{FF2B5EF4-FFF2-40B4-BE49-F238E27FC236}">
+                <a16:creationId xmlns:a16="http://schemas.microsoft.com/office/drawing/2014/main" id="{6C748691-0350-4F12-29B1-58781F9859C7}"/>
+              </a:ext>
+            </a:extLst>
+          </p:cNvPr>
+          <p:cNvSpPr txBox="1"/>
+          <p:nvPr/>
+        </p:nvSpPr>
+        <p:spPr>
+          <a:xfrm>
+            <a:off x="6884925" y="6327056"/>
+            <a:ext cx="1524000" cy="369332"/>
+          </a:xfrm>
+          <a:prstGeom prst="rect">
+            <a:avLst/>
+          </a:prstGeom>
+          <a:noFill/>
+        </p:spPr>
+        <p:txBody>
+          <a:bodyPr wrap="square" rtlCol="0">
+            <a:spAutoFit/>
+          </a:bodyPr>
+          <a:lstStyle/>
+          <a:p>
+            <a:r>
+              <a:rPr lang="de-DE" noProof="0" dirty="0">
+                <a:solidFill>
+                  <a:srgbClr val="FF0000"/>
+                </a:solidFill>
+              </a:rPr>
+              <a:t>Summe  42</a:t>
+            </a:r>
+          </a:p>
+        </p:txBody>
+      </p:sp>
       <p:graphicFrame>
         <p:nvGraphicFramePr>
-          <p:cNvPr id="3" name="Inhaltsplatzhalter 2">
-            <a:extLst>
-              <a:ext uri="{FF2B5EF4-FFF2-40B4-BE49-F238E27FC236}">
-                <a16:creationId xmlns:a16="http://schemas.microsoft.com/office/drawing/2014/main" id="{FAC168E6-FD48-9C86-CD4E-55F23F4D96A5}"/>
+          <p:cNvPr id="8" name="Inhaltsplatzhalter 2">
+            <a:extLst>
+              <a:ext uri="{FF2B5EF4-FFF2-40B4-BE49-F238E27FC236}">
+                <a16:creationId xmlns:a16="http://schemas.microsoft.com/office/drawing/2014/main" id="{8DEB5E55-C04C-135E-89B0-4D1F80BDB020}"/>
               </a:ext>
             </a:extLst>
           </p:cNvPr>
           <p:cNvGraphicFramePr>
-            <a:graphicFrameLocks noGrp="1"/>
+            <a:graphicFrameLocks/>
           </p:cNvGraphicFramePr>
           <p:nvPr>
-            <p:ph idx="1"/>
             <p:extLst>
               <p:ext uri="{D42A27DB-BD31-4B8C-83A1-F6EECF244321}">
-                <p14:modId xmlns:p14="http://schemas.microsoft.com/office/powerpoint/2010/main" val="2624029355"/>
+                <p14:modId xmlns:p14="http://schemas.microsoft.com/office/powerpoint/2010/main" val="2862738047"/>
               </p:ext>
             </p:extLst>
           </p:nvPr>
         </p:nvGraphicFramePr>
         <p:xfrm>
-          <a:off x="762000" y="1860487"/>
-          <a:ext cx="8961423" cy="4241549"/>
+          <a:off x="762001" y="1916681"/>
+          <a:ext cx="8902700" cy="4267200"/>
         </p:xfrm>
         <a:graphic>
           <a:graphicData uri="http://schemas.openxmlformats.org/drawingml/2006/table">
@@ -5043,28 +5613,35 @@
                 <a:tableStyleId>{5C22544A-7EE6-4342-B048-85BDC9FD1C3A}</a:tableStyleId>
               </a:tblPr>
               <a:tblGrid>
-                <a:gridCol w="3810675">
+                <a:gridCol w="3172001">
                   <a:extLst>
                     <a:ext uri="{9D8B030D-6E8A-4147-A177-3AD203B41FA5}">
                       <a16:colId xmlns:a16="http://schemas.microsoft.com/office/drawing/2014/main" val="230851902"/>
                     </a:ext>
                   </a:extLst>
                 </a:gridCol>
-                <a:gridCol w="2321893">
+                <a:gridCol w="1932740">
                   <a:extLst>
                     <a:ext uri="{9D8B030D-6E8A-4147-A177-3AD203B41FA5}">
                       <a16:colId xmlns:a16="http://schemas.microsoft.com/office/drawing/2014/main" val="2657664356"/>
                     </a:ext>
                   </a:extLst>
                 </a:gridCol>
-                <a:gridCol w="1733814">
+                <a:gridCol w="1443224">
                   <a:extLst>
                     <a:ext uri="{9D8B030D-6E8A-4147-A177-3AD203B41FA5}">
                       <a16:colId xmlns:a16="http://schemas.microsoft.com/office/drawing/2014/main" val="4098082685"/>
                     </a:ext>
                   </a:extLst>
                 </a:gridCol>
-                <a:gridCol w="1095041">
+                <a:gridCol w="1443224">
+                  <a:extLst>
+                    <a:ext uri="{9D8B030D-6E8A-4147-A177-3AD203B41FA5}">
+                      <a16:colId xmlns:a16="http://schemas.microsoft.com/office/drawing/2014/main" val="1293295862"/>
+                    </a:ext>
+                  </a:extLst>
+                </a:gridCol>
+                <a:gridCol w="911511">
                   <a:extLst>
                     <a:ext uri="{9D8B030D-6E8A-4147-A177-3AD203B41FA5}">
                       <a16:colId xmlns:a16="http://schemas.microsoft.com/office/drawing/2014/main" val="2360363224"/>
@@ -5072,7 +5649,7 @@
                   </a:extLst>
                 </a:gridCol>
               </a:tblGrid>
-              <a:tr h="364002">
+              <a:tr h="515990">
                 <a:tc>
                   <a:txBody>
                     <a:bodyPr/>
@@ -5106,7 +5683,20 @@
                     <a:p>
                       <a:r>
                         <a:rPr lang="de-DE" sz="1400" noProof="0" dirty="0"/>
-                        <a:t>Aufwand</a:t>
+                        <a:t>Aufwand geschätzt</a:t>
+                      </a:r>
+                    </a:p>
+                  </a:txBody>
+                  <a:tcPr/>
+                </a:tc>
+                <a:tc>
+                  <a:txBody>
+                    <a:bodyPr/>
+                    <a:lstStyle/>
+                    <a:p>
+                      <a:r>
+                        <a:rPr lang="de-DE" sz="1400" noProof="0" dirty="0"/>
+                        <a:t>Aufwand tatsächlich</a:t>
                       </a:r>
                     </a:p>
                   </a:txBody>
@@ -5131,7 +5721,7 @@
                   </a:ext>
                 </a:extLst>
               </a:tr>
-              <a:tr h="926116">
+              <a:tr h="643639">
                 <a:tc>
                   <a:txBody>
                     <a:bodyPr/>
@@ -5139,7 +5729,7 @@
                     <a:p>
                       <a:r>
                         <a:rPr lang="de-DE" sz="1400" noProof="0" dirty="0"/>
-                        <a:t>Dokumentation + Project Management</a:t>
+                        <a:t>Dokumentation + Projekt Management + Architekturdokument</a:t>
                       </a:r>
                     </a:p>
                   </a:txBody>
@@ -5165,7 +5755,20 @@
                     <a:p>
                       <a:r>
                         <a:rPr lang="de-DE" sz="1400" noProof="0" dirty="0"/>
-                        <a:t>12</a:t>
+                        <a:t>16</a:t>
+                      </a:r>
+                    </a:p>
+                  </a:txBody>
+                  <a:tcPr/>
+                </a:tc>
+                <a:tc>
+                  <a:txBody>
+                    <a:bodyPr/>
+                    <a:lstStyle/>
+                    <a:p>
+                      <a:r>
+                        <a:rPr lang="de-DE" sz="1400" noProof="0" dirty="0"/>
+                        <a:t>14</a:t>
                       </a:r>
                     </a:p>
                   </a:txBody>
@@ -5190,101 +5793,7 @@
                   </a:ext>
                 </a:extLst>
               </a:tr>
-              <a:tr h="408804">
-                <a:tc>
-                  <a:txBody>
-                    <a:bodyPr/>
-                    <a:lstStyle/>
-                    <a:p>
-                      <a:r>
-                        <a:rPr lang="de-DE" sz="1400" noProof="0" dirty="0"/>
-                        <a:t>Dokumenterstellung Architekturdokumentation</a:t>
-                      </a:r>
-                    </a:p>
-                  </a:txBody>
-                  <a:tcPr/>
-                </a:tc>
-                <a:tc>
-                  <a:txBody>
-                    <a:bodyPr/>
-                    <a:lstStyle/>
-                    <a:p>
-                      <a:r>
-                        <a:rPr lang="de-DE" sz="1400" kern="1200" noProof="0" dirty="0">
-                          <a:solidFill>
-                            <a:schemeClr val="dk1"/>
-                          </a:solidFill>
-                          <a:latin typeface="+mn-lt"/>
-                          <a:ea typeface="+mn-ea"/>
-                          <a:cs typeface="+mn-cs"/>
-                        </a:rPr>
-                        <a:t>Vincent Knapp</a:t>
-                      </a:r>
-                    </a:p>
-                    <a:p>
-                      <a:r>
-                        <a:rPr lang="de-DE" sz="1400" kern="1200" noProof="0" dirty="0">
-                          <a:solidFill>
-                            <a:schemeClr val="dk1"/>
-                          </a:solidFill>
-                          <a:latin typeface="+mn-lt"/>
-                          <a:ea typeface="+mn-ea"/>
-                          <a:cs typeface="+mn-cs"/>
-                        </a:rPr>
-                        <a:t>René Weber</a:t>
-                      </a:r>
-                    </a:p>
-                  </a:txBody>
-                  <a:tcPr/>
-                </a:tc>
-                <a:tc>
-                  <a:txBody>
-                    <a:bodyPr/>
-                    <a:lstStyle/>
-                    <a:p>
-                      <a:r>
-                        <a:rPr lang="en-US" sz="1400" kern="1200" noProof="0" dirty="0">
-                          <a:solidFill>
-                            <a:schemeClr val="dk1"/>
-                          </a:solidFill>
-                          <a:latin typeface="+mn-lt"/>
-                          <a:ea typeface="+mn-ea"/>
-                          <a:cs typeface="+mn-cs"/>
-                        </a:rPr>
-                        <a:t>4</a:t>
-                      </a:r>
-                      <a:endParaRPr lang="de-DE" sz="1400" kern="1200" noProof="0" dirty="0">
-                        <a:solidFill>
-                          <a:schemeClr val="dk1"/>
-                        </a:solidFill>
-                        <a:latin typeface="+mn-lt"/>
-                        <a:ea typeface="+mn-ea"/>
-                        <a:cs typeface="+mn-cs"/>
-                      </a:endParaRPr>
-                    </a:p>
-                  </a:txBody>
-                  <a:tcPr/>
-                </a:tc>
-                <a:tc>
-                  <a:txBody>
-                    <a:bodyPr/>
-                    <a:lstStyle/>
-                    <a:p>
-                      <a:r>
-                        <a:rPr lang="de-DE" sz="1400" noProof="0" dirty="0"/>
-                        <a:t>Erledigt</a:t>
-                      </a:r>
-                    </a:p>
-                  </a:txBody>
-                  <a:tcPr/>
-                </a:tc>
-                <a:extLst>
-                  <a:ext uri="{0D108BD9-81ED-4DB2-BD59-A6C34878D82A}">
-                    <a16:rowId xmlns:a16="http://schemas.microsoft.com/office/drawing/2014/main" val="739622510"/>
-                  </a:ext>
-                </a:extLst>
-              </a:tr>
-              <a:tr h="506337">
+              <a:tr h="728456">
                 <a:tc>
                   <a:txBody>
                     <a:bodyPr/>
@@ -5360,6 +5869,19 @@
                     <a:p>
                       <a:r>
                         <a:rPr lang="de-DE" sz="1400" noProof="0" dirty="0"/>
+                        <a:t>7</a:t>
+                      </a:r>
+                    </a:p>
+                  </a:txBody>
+                  <a:tcPr/>
+                </a:tc>
+                <a:tc>
+                  <a:txBody>
+                    <a:bodyPr/>
+                    <a:lstStyle/>
+                    <a:p>
+                      <a:r>
+                        <a:rPr lang="de-DE" sz="1400" noProof="0" dirty="0"/>
                         <a:t>Erledigt</a:t>
                       </a:r>
                     </a:p>
@@ -5372,7 +5894,7 @@
                   </a:ext>
                 </a:extLst>
               </a:tr>
-              <a:tr h="370891">
+              <a:tr h="515990">
                 <a:tc>
                   <a:txBody>
                     <a:bodyPr/>
@@ -5391,7 +5913,16 @@
                     <a:bodyPr/>
                     <a:lstStyle/>
                     <a:p>
-                      <a:endParaRPr lang="de-DE" sz="1400" noProof="0" dirty="0"/>
+                      <a:r>
+                        <a:rPr lang="de-DE" sz="1400" noProof="0" dirty="0"/>
+                        <a:t>Vincent Knapp</a:t>
+                      </a:r>
+                    </a:p>
+                    <a:p>
+                      <a:r>
+                        <a:rPr lang="de-DE" sz="1400" noProof="0" dirty="0"/>
+                        <a:t>René Weber</a:t>
+                      </a:r>
                     </a:p>
                   </a:txBody>
                   <a:tcPr/>
@@ -5401,7 +5932,23 @@
                     <a:bodyPr/>
                     <a:lstStyle/>
                     <a:p>
-                      <a:endParaRPr lang="de-DE" sz="1400" noProof="0" dirty="0"/>
+                      <a:r>
+                        <a:rPr lang="de-DE" sz="1400" noProof="0" dirty="0"/>
+                        <a:t>4</a:t>
+                      </a:r>
+                    </a:p>
+                  </a:txBody>
+                  <a:tcPr/>
+                </a:tc>
+                <a:tc>
+                  <a:txBody>
+                    <a:bodyPr/>
+                    <a:lstStyle/>
+                    <a:p>
+                      <a:r>
+                        <a:rPr lang="de-DE" sz="1400" noProof="0" dirty="0"/>
+                        <a:t>4</a:t>
+                      </a:r>
                     </a:p>
                   </a:txBody>
                   <a:tcPr/>
@@ -5425,7 +5972,7 @@
                   </a:ext>
                 </a:extLst>
               </a:tr>
-              <a:tr h="362139">
+              <a:tr h="515990">
                 <a:tc>
                   <a:txBody>
                     <a:bodyPr/>
@@ -5444,7 +5991,10 @@
                     <a:bodyPr/>
                     <a:lstStyle/>
                     <a:p>
-                      <a:endParaRPr lang="de-DE" sz="1400" noProof="0" dirty="0"/>
+                      <a:r>
+                        <a:rPr lang="de-DE" sz="1400" noProof="0" dirty="0"/>
+                        <a:t>Vincent Knapp</a:t>
+                      </a:r>
                     </a:p>
                   </a:txBody>
                   <a:tcPr/>
@@ -5454,7 +6004,23 @@
                     <a:bodyPr/>
                     <a:lstStyle/>
                     <a:p>
-                      <a:endParaRPr lang="de-DE" sz="1400" noProof="0" dirty="0"/>
+                      <a:r>
+                        <a:rPr lang="de-DE" sz="1400" noProof="0" dirty="0"/>
+                        <a:t>6</a:t>
+                      </a:r>
+                    </a:p>
+                  </a:txBody>
+                  <a:tcPr/>
+                </a:tc>
+                <a:tc>
+                  <a:txBody>
+                    <a:bodyPr/>
+                    <a:lstStyle/>
+                    <a:p>
+                      <a:r>
+                        <a:rPr lang="de-DE" sz="1400" noProof="0" dirty="0"/>
+                        <a:t>6</a:t>
+                      </a:r>
                     </a:p>
                   </a:txBody>
                   <a:tcPr/>
@@ -5478,7 +6044,7 @@
                   </a:ext>
                 </a:extLst>
               </a:tr>
-              <a:tr h="488887">
+              <a:tr h="515990">
                 <a:tc>
                   <a:txBody>
                     <a:bodyPr/>
@@ -5497,7 +6063,16 @@
                     <a:bodyPr/>
                     <a:lstStyle/>
                     <a:p>
-                      <a:endParaRPr lang="de-DE" sz="1400" noProof="0" dirty="0"/>
+                      <a:r>
+                        <a:rPr lang="de-DE" sz="1400" noProof="0" dirty="0"/>
+                        <a:t>Vincent Knapp</a:t>
+                      </a:r>
+                    </a:p>
+                    <a:p>
+                      <a:r>
+                        <a:rPr lang="de-DE" sz="1400" noProof="0" dirty="0"/>
+                        <a:t>Dennis Haaf</a:t>
+                      </a:r>
                     </a:p>
                   </a:txBody>
                   <a:tcPr/>
@@ -5507,7 +6082,23 @@
                     <a:bodyPr/>
                     <a:lstStyle/>
                     <a:p>
-                      <a:endParaRPr lang="de-DE" sz="1400" noProof="0" dirty="0"/>
+                      <a:r>
+                        <a:rPr lang="de-DE" sz="1400" noProof="0" dirty="0"/>
+                        <a:t>5</a:t>
+                      </a:r>
+                    </a:p>
+                  </a:txBody>
+                  <a:tcPr/>
+                </a:tc>
+                <a:tc>
+                  <a:txBody>
+                    <a:bodyPr/>
+                    <a:lstStyle/>
+                    <a:p>
+                      <a:r>
+                        <a:rPr lang="de-DE" sz="1400" noProof="0" dirty="0"/>
+                        <a:t>5</a:t>
+                      </a:r>
                     </a:p>
                   </a:txBody>
                   <a:tcPr/>
@@ -5531,7 +6122,7 @@
                   </a:ext>
                 </a:extLst>
               </a:tr>
-              <a:tr h="450561">
+              <a:tr h="728456">
                 <a:tc>
                   <a:txBody>
                     <a:bodyPr/>
@@ -5550,7 +6141,22 @@
                     <a:bodyPr/>
                     <a:lstStyle/>
                     <a:p>
-                      <a:endParaRPr lang="de-DE" sz="1400" noProof="0" dirty="0"/>
+                      <a:r>
+                        <a:rPr lang="de-DE" sz="1400" noProof="0" dirty="0"/>
+                        <a:t>Hans Bloching</a:t>
+                      </a:r>
+                    </a:p>
+                    <a:p>
+                      <a:r>
+                        <a:rPr lang="de-DE" sz="1400" noProof="0" dirty="0"/>
+                        <a:t>Vincent Knapp</a:t>
+                      </a:r>
+                    </a:p>
+                    <a:p>
+                      <a:r>
+                        <a:rPr lang="de-DE" sz="1400" noProof="0" dirty="0"/>
+                        <a:t>René Weber</a:t>
+                      </a:r>
                     </a:p>
                   </a:txBody>
                   <a:tcPr/>
@@ -5560,7 +6166,23 @@
                     <a:bodyPr/>
                     <a:lstStyle/>
                     <a:p>
-                      <a:endParaRPr lang="de-DE" sz="1400" noProof="0" dirty="0"/>
+                      <a:r>
+                        <a:rPr lang="de-DE" sz="1400" noProof="0" dirty="0"/>
+                        <a:t>6</a:t>
+                      </a:r>
+                    </a:p>
+                  </a:txBody>
+                  <a:tcPr/>
+                </a:tc>
+                <a:tc>
+                  <a:txBody>
+                    <a:bodyPr/>
+                    <a:lstStyle/>
+                    <a:p>
+                      <a:r>
+                        <a:rPr lang="de-DE" sz="1400" noProof="0" dirty="0"/>
+                        <a:t>6</a:t>
+                      </a:r>
                     </a:p>
                   </a:txBody>
                   <a:tcPr/>
@@ -5588,75 +6210,6 @@
           </a:graphicData>
         </a:graphic>
       </p:graphicFrame>
-      <p:pic>
-        <p:nvPicPr>
-          <p:cNvPr id="7" name="Grafik 6">
-            <a:extLst>
-              <a:ext uri="{FF2B5EF4-FFF2-40B4-BE49-F238E27FC236}">
-                <a16:creationId xmlns:a16="http://schemas.microsoft.com/office/drawing/2014/main" id="{F447DF4A-5353-B320-B18E-CE9C17911E47}"/>
-              </a:ext>
-            </a:extLst>
-          </p:cNvPr>
-          <p:cNvPicPr>
-            <a:picLocks noChangeAspect="1"/>
-          </p:cNvPicPr>
-          <p:nvPr/>
-        </p:nvPicPr>
-        <p:blipFill>
-          <a:blip r:embed="rId2"/>
-          <a:stretch>
-            <a:fillRect/>
-          </a:stretch>
-        </p:blipFill>
-        <p:spPr>
-          <a:xfrm>
-            <a:off x="6884925" y="6278906"/>
-            <a:ext cx="1738967" cy="451906"/>
-          </a:xfrm>
-          <a:prstGeom prst="rect">
-            <a:avLst/>
-          </a:prstGeom>
-        </p:spPr>
-      </p:pic>
-      <p:sp>
-        <p:nvSpPr>
-          <p:cNvPr id="12" name="Textfeld 11">
-            <a:extLst>
-              <a:ext uri="{FF2B5EF4-FFF2-40B4-BE49-F238E27FC236}">
-                <a16:creationId xmlns:a16="http://schemas.microsoft.com/office/drawing/2014/main" id="{6C748691-0350-4F12-29B1-58781F9859C7}"/>
-              </a:ext>
-            </a:extLst>
-          </p:cNvPr>
-          <p:cNvSpPr txBox="1"/>
-          <p:nvPr/>
-        </p:nvSpPr>
-        <p:spPr>
-          <a:xfrm>
-            <a:off x="6884925" y="6327056"/>
-            <a:ext cx="1524000" cy="369332"/>
-          </a:xfrm>
-          <a:prstGeom prst="rect">
-            <a:avLst/>
-          </a:prstGeom>
-          <a:noFill/>
-        </p:spPr>
-        <p:txBody>
-          <a:bodyPr wrap="square" rtlCol="0">
-            <a:spAutoFit/>
-          </a:bodyPr>
-          <a:lstStyle/>
-          <a:p>
-            <a:r>
-              <a:rPr lang="de-DE" noProof="0" dirty="0">
-                <a:solidFill>
-                  <a:srgbClr val="FF0000"/>
-                </a:solidFill>
-              </a:rPr>
-              <a:t>Summe</a:t>
-            </a:r>
-          </a:p>
-        </p:txBody>
-      </p:sp>
     </p:spTree>
     <p:extLst>
       <p:ext uri="{BB962C8B-B14F-4D97-AF65-F5344CB8AC3E}">
@@ -5670,7 +6223,7 @@
 </p:sld>
 </file>
 
-<file path=ppt/slides/slide11.xml><?xml version="1.0" encoding="utf-8"?>
+<file path=ppt/slides/slide12.xml><?xml version="1.0" encoding="utf-8"?>
 <p:sld xmlns:a="http://schemas.openxmlformats.org/drawingml/2006/main" xmlns:r="http://schemas.openxmlformats.org/officeDocument/2006/relationships" xmlns:p="http://schemas.openxmlformats.org/presentationml/2006/main">
   <p:cSld>
     <p:spTree>
@@ -5773,7 +6326,7 @@
           <a:p>
             <a:fld id="{07CE569E-9B7C-4CB9-AB80-C0841F922CFF}" type="slidenum">
               <a:rPr lang="de-DE" noProof="0" smtClean="0"/>
-              <a:t>11</a:t>
+              <a:t>12</a:t>
             </a:fld>
             <a:endParaRPr lang="de-DE" noProof="0" dirty="0"/>
           </a:p>
@@ -6234,181 +6787,6 @@
 </p:sld>
 </file>
 
-<file path=ppt/slides/slide12.xml><?xml version="1.0" encoding="utf-8"?>
-<p:sld xmlns:a="http://schemas.openxmlformats.org/drawingml/2006/main" xmlns:r="http://schemas.openxmlformats.org/officeDocument/2006/relationships" xmlns:p="http://schemas.openxmlformats.org/presentationml/2006/main">
-  <p:cSld>
-    <p:spTree>
-      <p:nvGrpSpPr>
-        <p:cNvPr id="1" name=""/>
-        <p:cNvGrpSpPr/>
-        <p:nvPr/>
-      </p:nvGrpSpPr>
-      <p:grpSpPr>
-        <a:xfrm>
-          <a:off x="0" y="0"/>
-          <a:ext cx="0" cy="0"/>
-          <a:chOff x="0" y="0"/>
-          <a:chExt cx="0" cy="0"/>
-        </a:xfrm>
-      </p:grpSpPr>
-      <p:sp>
-        <p:nvSpPr>
-          <p:cNvPr id="2" name="Titel 1">
-            <a:extLst>
-              <a:ext uri="{FF2B5EF4-FFF2-40B4-BE49-F238E27FC236}">
-                <a16:creationId xmlns:a16="http://schemas.microsoft.com/office/drawing/2014/main" id="{86AADDDC-CD07-D152-F98D-6AA7ABFFAE93}"/>
-              </a:ext>
-            </a:extLst>
-          </p:cNvPr>
-          <p:cNvSpPr>
-            <a:spLocks noGrp="1"/>
-          </p:cNvSpPr>
-          <p:nvPr>
-            <p:ph type="title"/>
-          </p:nvPr>
-        </p:nvSpPr>
-        <p:spPr/>
-        <p:txBody>
-          <a:bodyPr/>
-          <a:lstStyle/>
-          <a:p>
-            <a:r>
-              <a:rPr lang="de-DE" noProof="0" dirty="0"/>
-              <a:t>5. Ausblick auf den folgenden Sprint</a:t>
-            </a:r>
-          </a:p>
-        </p:txBody>
-      </p:sp>
-      <p:sp>
-        <p:nvSpPr>
-          <p:cNvPr id="3" name="Inhaltsplatzhalter 2">
-            <a:extLst>
-              <a:ext uri="{FF2B5EF4-FFF2-40B4-BE49-F238E27FC236}">
-                <a16:creationId xmlns:a16="http://schemas.microsoft.com/office/drawing/2014/main" id="{5E854AF4-9867-751A-7A8B-348123EF4C14}"/>
-              </a:ext>
-            </a:extLst>
-          </p:cNvPr>
-          <p:cNvSpPr>
-            <a:spLocks noGrp="1"/>
-          </p:cNvSpPr>
-          <p:nvPr>
-            <p:ph idx="1"/>
-          </p:nvPr>
-        </p:nvSpPr>
-        <p:spPr/>
-        <p:txBody>
-          <a:bodyPr/>
-          <a:lstStyle/>
-          <a:p>
-            <a:r>
-              <a:rPr lang="de-DE" sz="2800" noProof="0" dirty="0"/>
-              <a:t>Warenkorb Erstellung abschließen</a:t>
-            </a:r>
-          </a:p>
-          <a:p>
-            <a:r>
-              <a:rPr lang="de-DE" noProof="0" dirty="0"/>
-              <a:t>Logik “Anpassen von Speisen im Warenkorb”</a:t>
-            </a:r>
-          </a:p>
-          <a:p>
-            <a:r>
-              <a:rPr lang="de-DE" sz="2800" noProof="0" dirty="0"/>
-              <a:t>Logik </a:t>
-            </a:r>
-            <a:r>
-              <a:rPr lang="de-DE" noProof="0" dirty="0"/>
-              <a:t>“</a:t>
-            </a:r>
-            <a:r>
-              <a:rPr lang="de-DE" noProof="0" dirty="0" err="1"/>
-              <a:t>Autom</a:t>
-            </a:r>
-            <a:r>
-              <a:rPr lang="de-DE" noProof="0" dirty="0"/>
-              <a:t>. Kalkulation der Kosten”</a:t>
-            </a:r>
-            <a:endParaRPr lang="de-DE" sz="2800" noProof="0" dirty="0"/>
-          </a:p>
-          <a:p>
-            <a:r>
-              <a:rPr lang="de-DE" noProof="0" dirty="0"/>
-              <a:t>Logik zum Absenden der Bestellung</a:t>
-            </a:r>
-          </a:p>
-        </p:txBody>
-      </p:sp>
-      <p:sp>
-        <p:nvSpPr>
-          <p:cNvPr id="4" name="Datumsplatzhalter 3">
-            <a:extLst>
-              <a:ext uri="{FF2B5EF4-FFF2-40B4-BE49-F238E27FC236}">
-                <a16:creationId xmlns:a16="http://schemas.microsoft.com/office/drawing/2014/main" id="{305A6BE5-5A63-7D28-E770-729A20618D33}"/>
-              </a:ext>
-            </a:extLst>
-          </p:cNvPr>
-          <p:cNvSpPr>
-            <a:spLocks noGrp="1"/>
-          </p:cNvSpPr>
-          <p:nvPr>
-            <p:ph type="dt" sz="half" idx="10"/>
-          </p:nvPr>
-        </p:nvSpPr>
-        <p:spPr/>
-        <p:txBody>
-          <a:bodyPr/>
-          <a:lstStyle/>
-          <a:p>
-            <a:fld id="{42B45B56-1D88-4042-8DF0-EB6B41B710D3}" type="datetime1">
-              <a:rPr lang="de-DE" noProof="0" smtClean="0"/>
-              <a:t>11.12.2024</a:t>
-            </a:fld>
-            <a:endParaRPr lang="de-DE" noProof="0" dirty="0"/>
-          </a:p>
-        </p:txBody>
-      </p:sp>
-      <p:sp>
-        <p:nvSpPr>
-          <p:cNvPr id="5" name="Foliennummernplatzhalter 4">
-            <a:extLst>
-              <a:ext uri="{FF2B5EF4-FFF2-40B4-BE49-F238E27FC236}">
-                <a16:creationId xmlns:a16="http://schemas.microsoft.com/office/drawing/2014/main" id="{E28ABC24-8900-E378-E502-62B817D571F6}"/>
-              </a:ext>
-            </a:extLst>
-          </p:cNvPr>
-          <p:cNvSpPr>
-            <a:spLocks noGrp="1"/>
-          </p:cNvSpPr>
-          <p:nvPr>
-            <p:ph type="sldNum" sz="quarter" idx="12"/>
-          </p:nvPr>
-        </p:nvSpPr>
-        <p:spPr/>
-        <p:txBody>
-          <a:bodyPr/>
-          <a:lstStyle/>
-          <a:p>
-            <a:fld id="{07CE569E-9B7C-4CB9-AB80-C0841F922CFF}" type="slidenum">
-              <a:rPr lang="de-DE" noProof="0" smtClean="0"/>
-              <a:t>12</a:t>
-            </a:fld>
-            <a:endParaRPr lang="de-DE" noProof="0" dirty="0"/>
-          </a:p>
-        </p:txBody>
-      </p:sp>
-    </p:spTree>
-    <p:extLst>
-      <p:ext uri="{BB962C8B-B14F-4D97-AF65-F5344CB8AC3E}">
-        <p14:creationId xmlns:p14="http://schemas.microsoft.com/office/powerpoint/2010/main" val="3562051256"/>
-      </p:ext>
-    </p:extLst>
-  </p:cSld>
-  <p:clrMapOvr>
-    <a:masterClrMapping/>
-  </p:clrMapOvr>
-</p:sld>
-</file>
-
 <file path=ppt/slides/slide13.xml><?xml version="1.0" encoding="utf-8"?>
 <p:sld xmlns:a="http://schemas.openxmlformats.org/drawingml/2006/main" xmlns:r="http://schemas.openxmlformats.org/officeDocument/2006/relationships" xmlns:p="http://schemas.openxmlformats.org/presentationml/2006/main">
   <p:cSld>
@@ -6431,7 +6809,7 @@
           <p:cNvPr id="2" name="Titel 1">
             <a:extLst>
               <a:ext uri="{FF2B5EF4-FFF2-40B4-BE49-F238E27FC236}">
-                <a16:creationId xmlns:a16="http://schemas.microsoft.com/office/drawing/2014/main" id="{A075FF74-E5D2-1C9F-1DF3-DCD54EF547E9}"/>
+                <a16:creationId xmlns:a16="http://schemas.microsoft.com/office/drawing/2014/main" id="{86AADDDC-CD07-D152-F98D-6AA7ABFFAE93}"/>
               </a:ext>
             </a:extLst>
           </p:cNvPr>
@@ -6449,7 +6827,7 @@
           <a:p>
             <a:r>
               <a:rPr lang="de-DE" noProof="0" dirty="0"/>
-              <a:t>6. Software-Tools</a:t>
+              <a:t>5. Ausblick auf den folgenden Sprint ??</a:t>
             </a:r>
           </a:p>
         </p:txBody>
@@ -6459,126 +6837,56 @@
           <p:cNvPr id="3" name="Inhaltsplatzhalter 2">
             <a:extLst>
               <a:ext uri="{FF2B5EF4-FFF2-40B4-BE49-F238E27FC236}">
-                <a16:creationId xmlns:a16="http://schemas.microsoft.com/office/drawing/2014/main" id="{E627C203-A1B7-383D-97A8-56B3248A1E83}"/>
-              </a:ext>
-            </a:extLst>
-          </p:cNvPr>
-          <p:cNvSpPr>
-            <a:spLocks noGrp="1"/>
-          </p:cNvSpPr>
-          <p:nvPr>
-            <p:ph sz="half" idx="1"/>
+                <a16:creationId xmlns:a16="http://schemas.microsoft.com/office/drawing/2014/main" id="{5E854AF4-9867-751A-7A8B-348123EF4C14}"/>
+              </a:ext>
+            </a:extLst>
+          </p:cNvPr>
+          <p:cNvSpPr>
+            <a:spLocks noGrp="1"/>
+          </p:cNvSpPr>
+          <p:nvPr>
+            <p:ph idx="1"/>
           </p:nvPr>
         </p:nvSpPr>
         <p:spPr/>
         <p:txBody>
-          <a:bodyPr>
-            <a:normAutofit/>
-          </a:bodyPr>
-          <a:lstStyle/>
+          <a:bodyPr/>
+          <a:lstStyle/>
+          <a:p>
+            <a:r>
+              <a:rPr lang="de-DE" sz="2800" noProof="0" dirty="0"/>
+              <a:t>Warenkorb Erstellung abschließen</a:t>
+            </a:r>
+          </a:p>
           <a:p>
             <a:r>
               <a:rPr lang="de-DE" noProof="0" dirty="0"/>
-              <a:t>Programmiersprache:</a:t>
-            </a:r>
-          </a:p>
-          <a:p>
-            <a:pPr lvl="1"/>
+              <a:t>Logik “Anpassen von Speisen im Warenkorb”</a:t>
+            </a:r>
+          </a:p>
+          <a:p>
+            <a:r>
+              <a:rPr lang="de-DE" sz="2800" noProof="0" dirty="0"/>
+              <a:t>Logik </a:t>
+            </a:r>
             <a:r>
               <a:rPr lang="de-DE" noProof="0" dirty="0"/>
-              <a:t>C#</a:t>
-            </a:r>
-          </a:p>
-          <a:p>
+              <a:t>“</a:t>
+            </a:r>
+            <a:r>
+              <a:rPr lang="de-DE" noProof="0" dirty="0" err="1"/>
+              <a:t>Autom</a:t>
+            </a:r>
             <a:r>
               <a:rPr lang="de-DE" noProof="0" dirty="0"/>
-              <a:t>Framework:</a:t>
-            </a:r>
-          </a:p>
-          <a:p>
-            <a:pPr lvl="1"/>
-            <a:r>
-              <a:rPr lang="de-DE" noProof="0" dirty="0" err="1"/>
-              <a:t>Blazor</a:t>
-            </a:r>
-            <a:endParaRPr lang="de-DE" noProof="0" dirty="0"/>
+              <a:t>. Kalkulation der Kosten”</a:t>
+            </a:r>
+            <a:endParaRPr lang="de-DE" sz="2800" noProof="0" dirty="0"/>
           </a:p>
           <a:p>
             <a:r>
               <a:rPr lang="de-DE" noProof="0" dirty="0"/>
-              <a:t>IDE:</a:t>
-            </a:r>
-          </a:p>
-          <a:p>
-            <a:pPr lvl="1"/>
-            <a:r>
-              <a:rPr lang="de-DE" noProof="0" dirty="0"/>
-              <a:t>Visual Studio</a:t>
-            </a:r>
-          </a:p>
-        </p:txBody>
-      </p:sp>
-      <p:sp>
-        <p:nvSpPr>
-          <p:cNvPr id="6" name="Inhaltsplatzhalter 5">
-            <a:extLst>
-              <a:ext uri="{FF2B5EF4-FFF2-40B4-BE49-F238E27FC236}">
-                <a16:creationId xmlns:a16="http://schemas.microsoft.com/office/drawing/2014/main" id="{7185288F-FFC3-A9CF-5040-625A8A619580}"/>
-              </a:ext>
-            </a:extLst>
-          </p:cNvPr>
-          <p:cNvSpPr>
-            <a:spLocks noGrp="1"/>
-          </p:cNvSpPr>
-          <p:nvPr>
-            <p:ph sz="half" idx="2"/>
-          </p:nvPr>
-        </p:nvSpPr>
-        <p:spPr/>
-        <p:txBody>
-          <a:bodyPr>
-            <a:normAutofit/>
-          </a:bodyPr>
-          <a:lstStyle/>
-          <a:p>
-            <a:r>
-              <a:rPr lang="de-DE" noProof="0" dirty="0"/>
-              <a:t>Datenbank:</a:t>
-            </a:r>
-          </a:p>
-          <a:p>
-            <a:pPr lvl="1"/>
-            <a:r>
-              <a:rPr lang="de-DE" noProof="0" dirty="0"/>
-              <a:t>SQLite</a:t>
-            </a:r>
-          </a:p>
-          <a:p>
-            <a:r>
-              <a:rPr lang="de-DE" noProof="0" dirty="0"/>
-              <a:t>Weitere Tools:</a:t>
-            </a:r>
-          </a:p>
-          <a:p>
-            <a:pPr lvl="1"/>
-            <a:r>
-              <a:rPr lang="de-DE" noProof="0" dirty="0"/>
-              <a:t>Git (Versionierung)</a:t>
-            </a:r>
-          </a:p>
-          <a:p>
-            <a:pPr lvl="1"/>
-            <a:r>
-              <a:rPr lang="de-DE" noProof="0" dirty="0"/>
-              <a:t>Docker (</a:t>
-            </a:r>
-            <a:r>
-              <a:rPr lang="de-DE" noProof="0" dirty="0" err="1"/>
-              <a:t>Deployment</a:t>
-            </a:r>
-            <a:r>
-              <a:rPr lang="de-DE" noProof="0" dirty="0"/>
-              <a:t>)</a:t>
+              <a:t>Logik zum Absenden der Bestellung</a:t>
             </a:r>
           </a:p>
         </p:txBody>
@@ -6588,7 +6896,7 @@
           <p:cNvPr id="4" name="Datumsplatzhalter 3">
             <a:extLst>
               <a:ext uri="{FF2B5EF4-FFF2-40B4-BE49-F238E27FC236}">
-                <a16:creationId xmlns:a16="http://schemas.microsoft.com/office/drawing/2014/main" id="{F5985418-FDA1-F1A7-80E8-C25C6BAC324B}"/>
+                <a16:creationId xmlns:a16="http://schemas.microsoft.com/office/drawing/2014/main" id="{305A6BE5-5A63-7D28-E770-729A20618D33}"/>
               </a:ext>
             </a:extLst>
           </p:cNvPr>
@@ -6617,7 +6925,7 @@
           <p:cNvPr id="5" name="Foliennummernplatzhalter 4">
             <a:extLst>
               <a:ext uri="{FF2B5EF4-FFF2-40B4-BE49-F238E27FC236}">
-                <a16:creationId xmlns:a16="http://schemas.microsoft.com/office/drawing/2014/main" id="{6A7A11C6-83C4-FA07-F8C7-F2826F8F22B6}"/>
+                <a16:creationId xmlns:a16="http://schemas.microsoft.com/office/drawing/2014/main" id="{E28ABC24-8900-E378-E502-62B817D571F6}"/>
               </a:ext>
             </a:extLst>
           </p:cNvPr>
@@ -6644,7 +6952,7 @@
     </p:spTree>
     <p:extLst>
       <p:ext uri="{BB962C8B-B14F-4D97-AF65-F5344CB8AC3E}">
-        <p14:creationId xmlns:p14="http://schemas.microsoft.com/office/powerpoint/2010/main" val="1367875186"/>
+        <p14:creationId xmlns:p14="http://schemas.microsoft.com/office/powerpoint/2010/main" val="3562051256"/>
       </p:ext>
     </p:extLst>
   </p:cSld>
@@ -6676,7 +6984,7 @@
           <p:cNvPr id="2" name="Titel 1">
             <a:extLst>
               <a:ext uri="{FF2B5EF4-FFF2-40B4-BE49-F238E27FC236}">
-                <a16:creationId xmlns:a16="http://schemas.microsoft.com/office/drawing/2014/main" id="{32CCE440-A4CB-26A7-5B3F-3F9D4B878A95}"/>
+                <a16:creationId xmlns:a16="http://schemas.microsoft.com/office/drawing/2014/main" id="{A075FF74-E5D2-1C9F-1DF3-DCD54EF547E9}"/>
               </a:ext>
             </a:extLst>
           </p:cNvPr>
@@ -6694,7 +7002,71 @@
           <a:p>
             <a:r>
               <a:rPr lang="de-DE" noProof="0" dirty="0"/>
-              <a:t>7. SOUPs/OTS</a:t>
+              <a:t>6. Software-Tools</a:t>
+            </a:r>
+          </a:p>
+        </p:txBody>
+      </p:sp>
+      <p:sp>
+        <p:nvSpPr>
+          <p:cNvPr id="3" name="Inhaltsplatzhalter 2">
+            <a:extLst>
+              <a:ext uri="{FF2B5EF4-FFF2-40B4-BE49-F238E27FC236}">
+                <a16:creationId xmlns:a16="http://schemas.microsoft.com/office/drawing/2014/main" id="{E627C203-A1B7-383D-97A8-56B3248A1E83}"/>
+              </a:ext>
+            </a:extLst>
+          </p:cNvPr>
+          <p:cNvSpPr>
+            <a:spLocks noGrp="1"/>
+          </p:cNvSpPr>
+          <p:nvPr>
+            <p:ph sz="half" idx="1"/>
+          </p:nvPr>
+        </p:nvSpPr>
+        <p:spPr/>
+        <p:txBody>
+          <a:bodyPr>
+            <a:normAutofit/>
+          </a:bodyPr>
+          <a:lstStyle/>
+          <a:p>
+            <a:r>
+              <a:rPr lang="de-DE" noProof="0" dirty="0"/>
+              <a:t>Programmiersprache:</a:t>
+            </a:r>
+          </a:p>
+          <a:p>
+            <a:pPr lvl="1"/>
+            <a:r>
+              <a:rPr lang="de-DE" noProof="0" dirty="0"/>
+              <a:t>C#</a:t>
+            </a:r>
+          </a:p>
+          <a:p>
+            <a:r>
+              <a:rPr lang="de-DE" noProof="0" dirty="0"/>
+              <a:t>Framework:</a:t>
+            </a:r>
+          </a:p>
+          <a:p>
+            <a:pPr lvl="1"/>
+            <a:r>
+              <a:rPr lang="de-DE" noProof="0" dirty="0" err="1"/>
+              <a:t>Blazor</a:t>
+            </a:r>
+            <a:endParaRPr lang="de-DE" noProof="0" dirty="0"/>
+          </a:p>
+          <a:p>
+            <a:r>
+              <a:rPr lang="de-DE" noProof="0" dirty="0"/>
+              <a:t>IDE:</a:t>
+            </a:r>
+          </a:p>
+          <a:p>
+            <a:pPr lvl="1"/>
+            <a:r>
+              <a:rPr lang="de-DE" noProof="0" dirty="0"/>
+              <a:t>Visual Studio</a:t>
             </a:r>
           </a:p>
         </p:txBody>
@@ -6704,117 +7076,62 @@
           <p:cNvPr id="6" name="Inhaltsplatzhalter 5">
             <a:extLst>
               <a:ext uri="{FF2B5EF4-FFF2-40B4-BE49-F238E27FC236}">
-                <a16:creationId xmlns:a16="http://schemas.microsoft.com/office/drawing/2014/main" id="{AF37E05B-D1E7-D5BB-3AA4-0CBC94340331}"/>
-              </a:ext>
-            </a:extLst>
-          </p:cNvPr>
-          <p:cNvSpPr>
-            <a:spLocks noGrp="1"/>
-          </p:cNvSpPr>
-          <p:nvPr>
-            <p:ph sz="half" idx="1"/>
+                <a16:creationId xmlns:a16="http://schemas.microsoft.com/office/drawing/2014/main" id="{7185288F-FFC3-A9CF-5040-625A8A619580}"/>
+              </a:ext>
+            </a:extLst>
+          </p:cNvPr>
+          <p:cNvSpPr>
+            <a:spLocks noGrp="1"/>
+          </p:cNvSpPr>
+          <p:nvPr>
+            <p:ph sz="half" idx="2"/>
           </p:nvPr>
         </p:nvSpPr>
         <p:spPr/>
         <p:txBody>
           <a:bodyPr>
-            <a:normAutofit lnSpcReduction="10000"/>
+            <a:normAutofit/>
           </a:bodyPr>
           <a:lstStyle/>
           <a:p>
             <a:r>
               <a:rPr lang="de-DE" noProof="0" dirty="0"/>
-              <a:t>Eingesetzte SOUPs:</a:t>
+              <a:t>Datenbank:</a:t>
             </a:r>
           </a:p>
           <a:p>
             <a:pPr lvl="1"/>
             <a:r>
               <a:rPr lang="de-DE" noProof="0" dirty="0"/>
-              <a:t>Docker-Container für Hosting der Anwendung</a:t>
+              <a:t>SQLite</a:t>
             </a:r>
           </a:p>
           <a:p>
             <a:r>
               <a:rPr lang="de-DE" noProof="0" dirty="0"/>
-              <a:t>Bibliotheken: </a:t>
+              <a:t>Weitere Tools:</a:t>
             </a:r>
           </a:p>
           <a:p>
             <a:pPr lvl="1"/>
             <a:r>
               <a:rPr lang="de-DE" noProof="0" dirty="0"/>
-              <a:t>[z. B. </a:t>
+              <a:t>Git (Versionierung)</a:t>
+            </a:r>
+          </a:p>
+          <a:p>
+            <a:pPr lvl="1"/>
+            <a:r>
+              <a:rPr lang="de-DE" noProof="0" dirty="0"/>
+              <a:t>Docker (</a:t>
             </a:r>
             <a:r>
               <a:rPr lang="de-DE" noProof="0" dirty="0" err="1"/>
-              <a:t>Newtonsoft.Json</a:t>
+              <a:t>Deployment</a:t>
             </a:r>
             <a:r>
               <a:rPr lang="de-DE" noProof="0" dirty="0"/>
-              <a:t>]</a:t>
-            </a:r>
-          </a:p>
-          <a:p>
-            <a:r>
-              <a:rPr lang="de-DE" noProof="0" dirty="0"/>
-              <a:t>Eingesetzte OTS:</a:t>
-            </a:r>
-          </a:p>
-          <a:p>
-            <a:pPr lvl="1"/>
-            <a:r>
-              <a:rPr lang="de-DE" noProof="0" dirty="0"/>
-              <a:t>.NET 5.0 Framework</a:t>
-            </a:r>
-          </a:p>
-        </p:txBody>
-      </p:sp>
-      <p:sp>
-        <p:nvSpPr>
-          <p:cNvPr id="7" name="Inhaltsplatzhalter 6">
-            <a:extLst>
-              <a:ext uri="{FF2B5EF4-FFF2-40B4-BE49-F238E27FC236}">
-                <a16:creationId xmlns:a16="http://schemas.microsoft.com/office/drawing/2014/main" id="{3BFD40B0-F7F1-F960-F8BC-73901AB54EC1}"/>
-              </a:ext>
-            </a:extLst>
-          </p:cNvPr>
-          <p:cNvSpPr>
-            <a:spLocks noGrp="1"/>
-          </p:cNvSpPr>
-          <p:nvPr>
-            <p:ph sz="half" idx="2"/>
-          </p:nvPr>
-        </p:nvSpPr>
-        <p:spPr/>
-        <p:txBody>
-          <a:bodyPr>
-            <a:normAutofit lnSpcReduction="10000"/>
-          </a:bodyPr>
-          <a:lstStyle/>
-          <a:p>
-            <a:r>
-              <a:rPr lang="de-DE" noProof="0" dirty="0"/>
-              <a:t>SQLite-Datenbank</a:t>
-            </a:r>
-          </a:p>
-          <a:p>
-            <a:r>
-              <a:rPr lang="de-DE" noProof="0" dirty="0"/>
-              <a:t>Visual Studio IDE</a:t>
-            </a:r>
-          </a:p>
-          <a:p>
-            <a:r>
-              <a:rPr lang="de-DE" noProof="0" dirty="0"/>
-              <a:t>Maßnahmen zur Validierung und Sicherstellung:</a:t>
-            </a:r>
-          </a:p>
-          <a:p>
-            <a:pPr lvl="1"/>
-            <a:r>
-              <a:rPr lang="de-DE" noProof="0" dirty="0"/>
-              <a:t>Security-Scans, regelmäßige Updates</a:t>
+              <a:t>)</a:t>
             </a:r>
           </a:p>
         </p:txBody>
@@ -6824,7 +7141,7 @@
           <p:cNvPr id="4" name="Datumsplatzhalter 3">
             <a:extLst>
               <a:ext uri="{FF2B5EF4-FFF2-40B4-BE49-F238E27FC236}">
-                <a16:creationId xmlns:a16="http://schemas.microsoft.com/office/drawing/2014/main" id="{02CC40AD-91C3-625D-A10C-F9A7627732C1}"/>
+                <a16:creationId xmlns:a16="http://schemas.microsoft.com/office/drawing/2014/main" id="{F5985418-FDA1-F1A7-80E8-C25C6BAC324B}"/>
               </a:ext>
             </a:extLst>
           </p:cNvPr>
@@ -6853,7 +7170,7 @@
           <p:cNvPr id="5" name="Foliennummernplatzhalter 4">
             <a:extLst>
               <a:ext uri="{FF2B5EF4-FFF2-40B4-BE49-F238E27FC236}">
-                <a16:creationId xmlns:a16="http://schemas.microsoft.com/office/drawing/2014/main" id="{C09C3547-5BE9-9D3D-0D06-22EA64B7A6ED}"/>
+                <a16:creationId xmlns:a16="http://schemas.microsoft.com/office/drawing/2014/main" id="{6A7A11C6-83C4-FA07-F8C7-F2826F8F22B6}"/>
               </a:ext>
             </a:extLst>
           </p:cNvPr>
@@ -6880,7 +7197,7 @@
     </p:spTree>
     <p:extLst>
       <p:ext uri="{BB962C8B-B14F-4D97-AF65-F5344CB8AC3E}">
-        <p14:creationId xmlns:p14="http://schemas.microsoft.com/office/powerpoint/2010/main" val="3169394714"/>
+        <p14:creationId xmlns:p14="http://schemas.microsoft.com/office/powerpoint/2010/main" val="1367875186"/>
       </p:ext>
     </p:extLst>
   </p:cSld>
@@ -6912,6 +7229,242 @@
           <p:cNvPr id="2" name="Titel 1">
             <a:extLst>
               <a:ext uri="{FF2B5EF4-FFF2-40B4-BE49-F238E27FC236}">
+                <a16:creationId xmlns:a16="http://schemas.microsoft.com/office/drawing/2014/main" id="{32CCE440-A4CB-26A7-5B3F-3F9D4B878A95}"/>
+              </a:ext>
+            </a:extLst>
+          </p:cNvPr>
+          <p:cNvSpPr>
+            <a:spLocks noGrp="1"/>
+          </p:cNvSpPr>
+          <p:nvPr>
+            <p:ph type="title"/>
+          </p:nvPr>
+        </p:nvSpPr>
+        <p:spPr/>
+        <p:txBody>
+          <a:bodyPr/>
+          <a:lstStyle/>
+          <a:p>
+            <a:r>
+              <a:rPr lang="de-DE" noProof="0" dirty="0"/>
+              <a:t>7. SOUPs/OTS</a:t>
+            </a:r>
+          </a:p>
+        </p:txBody>
+      </p:sp>
+      <p:sp>
+        <p:nvSpPr>
+          <p:cNvPr id="6" name="Inhaltsplatzhalter 5">
+            <a:extLst>
+              <a:ext uri="{FF2B5EF4-FFF2-40B4-BE49-F238E27FC236}">
+                <a16:creationId xmlns:a16="http://schemas.microsoft.com/office/drawing/2014/main" id="{AF37E05B-D1E7-D5BB-3AA4-0CBC94340331}"/>
+              </a:ext>
+            </a:extLst>
+          </p:cNvPr>
+          <p:cNvSpPr>
+            <a:spLocks noGrp="1"/>
+          </p:cNvSpPr>
+          <p:nvPr>
+            <p:ph sz="half" idx="1"/>
+          </p:nvPr>
+        </p:nvSpPr>
+        <p:spPr/>
+        <p:txBody>
+          <a:bodyPr>
+            <a:normAutofit lnSpcReduction="10000"/>
+          </a:bodyPr>
+          <a:lstStyle/>
+          <a:p>
+            <a:r>
+              <a:rPr lang="de-DE" noProof="0" dirty="0"/>
+              <a:t>Eingesetzte SOUPs:</a:t>
+            </a:r>
+          </a:p>
+          <a:p>
+            <a:pPr lvl="1"/>
+            <a:r>
+              <a:rPr lang="de-DE" noProof="0" dirty="0"/>
+              <a:t>Docker-Container für Hosting der Anwendung</a:t>
+            </a:r>
+          </a:p>
+          <a:p>
+            <a:r>
+              <a:rPr lang="de-DE" noProof="0" dirty="0"/>
+              <a:t>Bibliotheken: </a:t>
+            </a:r>
+          </a:p>
+          <a:p>
+            <a:pPr lvl="1"/>
+            <a:r>
+              <a:rPr lang="de-DE" noProof="0" dirty="0"/>
+              <a:t>[z. B. </a:t>
+            </a:r>
+            <a:r>
+              <a:rPr lang="de-DE" noProof="0" dirty="0" err="1"/>
+              <a:t>Newtonsoft.Json</a:t>
+            </a:r>
+            <a:r>
+              <a:rPr lang="de-DE" noProof="0" dirty="0"/>
+              <a:t>]</a:t>
+            </a:r>
+          </a:p>
+          <a:p>
+            <a:r>
+              <a:rPr lang="de-DE" noProof="0" dirty="0"/>
+              <a:t>Eingesetzte OTS:</a:t>
+            </a:r>
+          </a:p>
+          <a:p>
+            <a:pPr lvl="1"/>
+            <a:r>
+              <a:rPr lang="de-DE" noProof="0" dirty="0"/>
+              <a:t>.NET 5.0 Framework</a:t>
+            </a:r>
+          </a:p>
+        </p:txBody>
+      </p:sp>
+      <p:sp>
+        <p:nvSpPr>
+          <p:cNvPr id="7" name="Inhaltsplatzhalter 6">
+            <a:extLst>
+              <a:ext uri="{FF2B5EF4-FFF2-40B4-BE49-F238E27FC236}">
+                <a16:creationId xmlns:a16="http://schemas.microsoft.com/office/drawing/2014/main" id="{3BFD40B0-F7F1-F960-F8BC-73901AB54EC1}"/>
+              </a:ext>
+            </a:extLst>
+          </p:cNvPr>
+          <p:cNvSpPr>
+            <a:spLocks noGrp="1"/>
+          </p:cNvSpPr>
+          <p:nvPr>
+            <p:ph sz="half" idx="2"/>
+          </p:nvPr>
+        </p:nvSpPr>
+        <p:spPr/>
+        <p:txBody>
+          <a:bodyPr>
+            <a:normAutofit lnSpcReduction="10000"/>
+          </a:bodyPr>
+          <a:lstStyle/>
+          <a:p>
+            <a:r>
+              <a:rPr lang="de-DE" noProof="0" dirty="0"/>
+              <a:t>SQLite-Datenbank</a:t>
+            </a:r>
+          </a:p>
+          <a:p>
+            <a:r>
+              <a:rPr lang="de-DE" noProof="0" dirty="0"/>
+              <a:t>Visual Studio IDE</a:t>
+            </a:r>
+          </a:p>
+          <a:p>
+            <a:r>
+              <a:rPr lang="de-DE" noProof="0" dirty="0"/>
+              <a:t>Maßnahmen zur Validierung und Sicherstellung:</a:t>
+            </a:r>
+          </a:p>
+          <a:p>
+            <a:pPr lvl="1"/>
+            <a:r>
+              <a:rPr lang="de-DE" noProof="0" dirty="0"/>
+              <a:t>Security-Scans, regelmäßige Updates</a:t>
+            </a:r>
+          </a:p>
+        </p:txBody>
+      </p:sp>
+      <p:sp>
+        <p:nvSpPr>
+          <p:cNvPr id="4" name="Datumsplatzhalter 3">
+            <a:extLst>
+              <a:ext uri="{FF2B5EF4-FFF2-40B4-BE49-F238E27FC236}">
+                <a16:creationId xmlns:a16="http://schemas.microsoft.com/office/drawing/2014/main" id="{02CC40AD-91C3-625D-A10C-F9A7627732C1}"/>
+              </a:ext>
+            </a:extLst>
+          </p:cNvPr>
+          <p:cNvSpPr>
+            <a:spLocks noGrp="1"/>
+          </p:cNvSpPr>
+          <p:nvPr>
+            <p:ph type="dt" sz="half" idx="10"/>
+          </p:nvPr>
+        </p:nvSpPr>
+        <p:spPr/>
+        <p:txBody>
+          <a:bodyPr/>
+          <a:lstStyle/>
+          <a:p>
+            <a:fld id="{42B45B56-1D88-4042-8DF0-EB6B41B710D3}" type="datetime1">
+              <a:rPr lang="de-DE" noProof="0" smtClean="0"/>
+              <a:t>11.12.2024</a:t>
+            </a:fld>
+            <a:endParaRPr lang="de-DE" noProof="0" dirty="0"/>
+          </a:p>
+        </p:txBody>
+      </p:sp>
+      <p:sp>
+        <p:nvSpPr>
+          <p:cNvPr id="5" name="Foliennummernplatzhalter 4">
+            <a:extLst>
+              <a:ext uri="{FF2B5EF4-FFF2-40B4-BE49-F238E27FC236}">
+                <a16:creationId xmlns:a16="http://schemas.microsoft.com/office/drawing/2014/main" id="{C09C3547-5BE9-9D3D-0D06-22EA64B7A6ED}"/>
+              </a:ext>
+            </a:extLst>
+          </p:cNvPr>
+          <p:cNvSpPr>
+            <a:spLocks noGrp="1"/>
+          </p:cNvSpPr>
+          <p:nvPr>
+            <p:ph type="sldNum" sz="quarter" idx="12"/>
+          </p:nvPr>
+        </p:nvSpPr>
+        <p:spPr/>
+        <p:txBody>
+          <a:bodyPr/>
+          <a:lstStyle/>
+          <a:p>
+            <a:fld id="{07CE569E-9B7C-4CB9-AB80-C0841F922CFF}" type="slidenum">
+              <a:rPr lang="de-DE" noProof="0" smtClean="0"/>
+              <a:t>15</a:t>
+            </a:fld>
+            <a:endParaRPr lang="de-DE" noProof="0" dirty="0"/>
+          </a:p>
+        </p:txBody>
+      </p:sp>
+    </p:spTree>
+    <p:extLst>
+      <p:ext uri="{BB962C8B-B14F-4D97-AF65-F5344CB8AC3E}">
+        <p14:creationId xmlns:p14="http://schemas.microsoft.com/office/powerpoint/2010/main" val="3169394714"/>
+      </p:ext>
+    </p:extLst>
+  </p:cSld>
+  <p:clrMapOvr>
+    <a:masterClrMapping/>
+  </p:clrMapOvr>
+</p:sld>
+</file>
+
+<file path=ppt/slides/slide16.xml><?xml version="1.0" encoding="utf-8"?>
+<p:sld xmlns:a="http://schemas.openxmlformats.org/drawingml/2006/main" xmlns:r="http://schemas.openxmlformats.org/officeDocument/2006/relationships" xmlns:p="http://schemas.openxmlformats.org/presentationml/2006/main">
+  <p:cSld>
+    <p:spTree>
+      <p:nvGrpSpPr>
+        <p:cNvPr id="1" name=""/>
+        <p:cNvGrpSpPr/>
+        <p:nvPr/>
+      </p:nvGrpSpPr>
+      <p:grpSpPr>
+        <a:xfrm>
+          <a:off x="0" y="0"/>
+          <a:ext cx="0" cy="0"/>
+          <a:chOff x="0" y="0"/>
+          <a:chExt cx="0" cy="0"/>
+        </a:xfrm>
+      </p:grpSpPr>
+      <p:sp>
+        <p:nvSpPr>
+          <p:cNvPr id="2" name="Titel 1">
+            <a:extLst>
+              <a:ext uri="{FF2B5EF4-FFF2-40B4-BE49-F238E27FC236}">
                 <a16:creationId xmlns:a16="http://schemas.microsoft.com/office/drawing/2014/main" id="{05F31F6E-2F65-7A93-DF0B-917ABC029378}"/>
               </a:ext>
             </a:extLst>
@@ -7034,7 +7587,7 @@
           <a:p>
             <a:fld id="{07CE569E-9B7C-4CB9-AB80-C0841F922CFF}" type="slidenum">
               <a:rPr lang="de-DE" noProof="0" smtClean="0"/>
-              <a:t>15</a:t>
+              <a:t>16</a:t>
             </a:fld>
             <a:endParaRPr lang="de-DE" noProof="0" dirty="0"/>
           </a:p>
@@ -7053,7 +7606,7 @@
 </p:sld>
 </file>
 
-<file path=ppt/slides/slide16.xml><?xml version="1.0" encoding="utf-8"?>
+<file path=ppt/slides/slide17.xml><?xml version="1.0" encoding="utf-8"?>
 <p:sld xmlns:a="http://schemas.openxmlformats.org/drawingml/2006/main" xmlns:r="http://schemas.openxmlformats.org/officeDocument/2006/relationships" xmlns:p="http://schemas.openxmlformats.org/presentationml/2006/main">
   <p:cSld>
     <p:spTree>
@@ -7272,7 +7825,7 @@
                 <a:tabLst/>
                 <a:defRPr/>
               </a:pPr>
-              <a:t>16</a:t>
+              <a:t>17</a:t>
             </a:fld>
             <a:endParaRPr kumimoji="0" lang="de-DE" sz="1200" b="0" i="0" u="none" strike="noStrike" kern="1200" cap="none" spc="0" normalizeH="0" baseline="0" noProof="0" dirty="0">
               <a:ln>
@@ -8277,662 +8830,6 @@
       </p:sp>
       <p:sp>
         <p:nvSpPr>
-          <p:cNvPr id="10" name="Textplatzhalter 9">
-            <a:extLst>
-              <a:ext uri="{FF2B5EF4-FFF2-40B4-BE49-F238E27FC236}">
-                <a16:creationId xmlns:a16="http://schemas.microsoft.com/office/drawing/2014/main" id="{E8B57165-32AB-E3FE-C2A1-6E2FA99F8E9E}"/>
-              </a:ext>
-            </a:extLst>
-          </p:cNvPr>
-          <p:cNvSpPr>
-            <a:spLocks noGrp="1"/>
-          </p:cNvSpPr>
-          <p:nvPr>
-            <p:ph type="body" idx="1"/>
-          </p:nvPr>
-        </p:nvSpPr>
-        <p:spPr/>
-        <p:txBody>
-          <a:bodyPr/>
-          <a:lstStyle/>
-          <a:p>
-            <a:r>
-              <a:rPr lang="de-DE" noProof="0" dirty="0"/>
-              <a:t>Letzter Sprint</a:t>
-            </a:r>
-          </a:p>
-        </p:txBody>
-      </p:sp>
-      <p:graphicFrame>
-        <p:nvGraphicFramePr>
-          <p:cNvPr id="9" name="Inhaltsplatzhalter 8">
-            <a:extLst>
-              <a:ext uri="{FF2B5EF4-FFF2-40B4-BE49-F238E27FC236}">
-                <a16:creationId xmlns:a16="http://schemas.microsoft.com/office/drawing/2014/main" id="{62E187A0-0F93-A563-C734-CFFF806B42CB}"/>
-              </a:ext>
-            </a:extLst>
-          </p:cNvPr>
-          <p:cNvGraphicFramePr>
-            <a:graphicFrameLocks noGrp="1"/>
-          </p:cNvGraphicFramePr>
-          <p:nvPr>
-            <p:ph sz="half" idx="2"/>
-            <p:extLst>
-              <p:ext uri="{D42A27DB-BD31-4B8C-83A1-F6EECF244321}">
-                <p14:modId xmlns:p14="http://schemas.microsoft.com/office/powerpoint/2010/main" val="2820408126"/>
-              </p:ext>
-            </p:extLst>
-          </p:nvPr>
-        </p:nvGraphicFramePr>
-        <p:xfrm>
-          <a:off x="762000" y="3048000"/>
-          <a:ext cx="5151435" cy="1483360"/>
-        </p:xfrm>
-        <a:graphic>
-          <a:graphicData uri="http://schemas.openxmlformats.org/drawingml/2006/table">
-            <a:tbl>
-              <a:tblPr firstRow="1" bandRow="1">
-                <a:tableStyleId>{5C22544A-7EE6-4342-B048-85BDC9FD1C3A}</a:tableStyleId>
-              </a:tblPr>
-              <a:tblGrid>
-                <a:gridCol w="1030287">
-                  <a:extLst>
-                    <a:ext uri="{9D8B030D-6E8A-4147-A177-3AD203B41FA5}">
-                      <a16:colId xmlns:a16="http://schemas.microsoft.com/office/drawing/2014/main" val="2685995969"/>
-                    </a:ext>
-                  </a:extLst>
-                </a:gridCol>
-                <a:gridCol w="1030287">
-                  <a:extLst>
-                    <a:ext uri="{9D8B030D-6E8A-4147-A177-3AD203B41FA5}">
-                      <a16:colId xmlns:a16="http://schemas.microsoft.com/office/drawing/2014/main" val="837836575"/>
-                    </a:ext>
-                  </a:extLst>
-                </a:gridCol>
-                <a:gridCol w="1030287">
-                  <a:extLst>
-                    <a:ext uri="{9D8B030D-6E8A-4147-A177-3AD203B41FA5}">
-                      <a16:colId xmlns:a16="http://schemas.microsoft.com/office/drawing/2014/main" val="61701423"/>
-                    </a:ext>
-                  </a:extLst>
-                </a:gridCol>
-                <a:gridCol w="1030287">
-                  <a:extLst>
-                    <a:ext uri="{9D8B030D-6E8A-4147-A177-3AD203B41FA5}">
-                      <a16:colId xmlns:a16="http://schemas.microsoft.com/office/drawing/2014/main" val="1690324702"/>
-                    </a:ext>
-                  </a:extLst>
-                </a:gridCol>
-                <a:gridCol w="1030287">
-                  <a:extLst>
-                    <a:ext uri="{9D8B030D-6E8A-4147-A177-3AD203B41FA5}">
-                      <a16:colId xmlns:a16="http://schemas.microsoft.com/office/drawing/2014/main" val="2028805303"/>
-                    </a:ext>
-                  </a:extLst>
-                </a:gridCol>
-              </a:tblGrid>
-              <a:tr h="370840">
-                <a:tc>
-                  <a:txBody>
-                    <a:bodyPr/>
-                    <a:lstStyle/>
-                    <a:p>
-                      <a:endParaRPr lang="de-DE" noProof="0" dirty="0"/>
-                    </a:p>
-                  </a:txBody>
-                  <a:tcPr/>
-                </a:tc>
-                <a:tc>
-                  <a:txBody>
-                    <a:bodyPr/>
-                    <a:lstStyle/>
-                    <a:p>
-                      <a:endParaRPr lang="de-DE" noProof="0" dirty="0"/>
-                    </a:p>
-                  </a:txBody>
-                  <a:tcPr/>
-                </a:tc>
-                <a:tc>
-                  <a:txBody>
-                    <a:bodyPr/>
-                    <a:lstStyle/>
-                    <a:p>
-                      <a:endParaRPr lang="de-DE" noProof="0" dirty="0"/>
-                    </a:p>
-                  </a:txBody>
-                  <a:tcPr/>
-                </a:tc>
-                <a:tc>
-                  <a:txBody>
-                    <a:bodyPr/>
-                    <a:lstStyle/>
-                    <a:p>
-                      <a:endParaRPr lang="de-DE" noProof="0" dirty="0"/>
-                    </a:p>
-                  </a:txBody>
-                  <a:tcPr/>
-                </a:tc>
-                <a:tc>
-                  <a:txBody>
-                    <a:bodyPr/>
-                    <a:lstStyle/>
-                    <a:p>
-                      <a:endParaRPr lang="de-DE" noProof="0" dirty="0"/>
-                    </a:p>
-                  </a:txBody>
-                  <a:tcPr/>
-                </a:tc>
-                <a:extLst>
-                  <a:ext uri="{0D108BD9-81ED-4DB2-BD59-A6C34878D82A}">
-                    <a16:rowId xmlns:a16="http://schemas.microsoft.com/office/drawing/2014/main" val="3725830065"/>
-                  </a:ext>
-                </a:extLst>
-              </a:tr>
-              <a:tr h="370840">
-                <a:tc>
-                  <a:txBody>
-                    <a:bodyPr/>
-                    <a:lstStyle/>
-                    <a:p>
-                      <a:endParaRPr lang="de-DE" noProof="0" dirty="0"/>
-                    </a:p>
-                  </a:txBody>
-                  <a:tcPr/>
-                </a:tc>
-                <a:tc>
-                  <a:txBody>
-                    <a:bodyPr/>
-                    <a:lstStyle/>
-                    <a:p>
-                      <a:endParaRPr lang="de-DE" noProof="0" dirty="0"/>
-                    </a:p>
-                  </a:txBody>
-                  <a:tcPr/>
-                </a:tc>
-                <a:tc>
-                  <a:txBody>
-                    <a:bodyPr/>
-                    <a:lstStyle/>
-                    <a:p>
-                      <a:endParaRPr lang="de-DE" noProof="0" dirty="0"/>
-                    </a:p>
-                  </a:txBody>
-                  <a:tcPr/>
-                </a:tc>
-                <a:tc>
-                  <a:txBody>
-                    <a:bodyPr/>
-                    <a:lstStyle/>
-                    <a:p>
-                      <a:endParaRPr lang="de-DE" noProof="0" dirty="0"/>
-                    </a:p>
-                  </a:txBody>
-                  <a:tcPr/>
-                </a:tc>
-                <a:tc>
-                  <a:txBody>
-                    <a:bodyPr/>
-                    <a:lstStyle/>
-                    <a:p>
-                      <a:endParaRPr lang="de-DE" noProof="0" dirty="0"/>
-                    </a:p>
-                  </a:txBody>
-                  <a:tcPr/>
-                </a:tc>
-                <a:extLst>
-                  <a:ext uri="{0D108BD9-81ED-4DB2-BD59-A6C34878D82A}">
-                    <a16:rowId xmlns:a16="http://schemas.microsoft.com/office/drawing/2014/main" val="2488530861"/>
-                  </a:ext>
-                </a:extLst>
-              </a:tr>
-              <a:tr h="370840">
-                <a:tc>
-                  <a:txBody>
-                    <a:bodyPr/>
-                    <a:lstStyle/>
-                    <a:p>
-                      <a:endParaRPr lang="de-DE" noProof="0" dirty="0"/>
-                    </a:p>
-                  </a:txBody>
-                  <a:tcPr/>
-                </a:tc>
-                <a:tc>
-                  <a:txBody>
-                    <a:bodyPr/>
-                    <a:lstStyle/>
-                    <a:p>
-                      <a:endParaRPr lang="de-DE" noProof="0" dirty="0"/>
-                    </a:p>
-                  </a:txBody>
-                  <a:tcPr/>
-                </a:tc>
-                <a:tc>
-                  <a:txBody>
-                    <a:bodyPr/>
-                    <a:lstStyle/>
-                    <a:p>
-                      <a:endParaRPr lang="de-DE" noProof="0" dirty="0"/>
-                    </a:p>
-                  </a:txBody>
-                  <a:tcPr/>
-                </a:tc>
-                <a:tc>
-                  <a:txBody>
-                    <a:bodyPr/>
-                    <a:lstStyle/>
-                    <a:p>
-                      <a:endParaRPr lang="de-DE" noProof="0" dirty="0"/>
-                    </a:p>
-                  </a:txBody>
-                  <a:tcPr/>
-                </a:tc>
-                <a:tc>
-                  <a:txBody>
-                    <a:bodyPr/>
-                    <a:lstStyle/>
-                    <a:p>
-                      <a:endParaRPr lang="de-DE" noProof="0" dirty="0"/>
-                    </a:p>
-                  </a:txBody>
-                  <a:tcPr/>
-                </a:tc>
-                <a:extLst>
-                  <a:ext uri="{0D108BD9-81ED-4DB2-BD59-A6C34878D82A}">
-                    <a16:rowId xmlns:a16="http://schemas.microsoft.com/office/drawing/2014/main" val="2220075486"/>
-                  </a:ext>
-                </a:extLst>
-              </a:tr>
-              <a:tr h="370840">
-                <a:tc>
-                  <a:txBody>
-                    <a:bodyPr/>
-                    <a:lstStyle/>
-                    <a:p>
-                      <a:endParaRPr lang="de-DE" noProof="0" dirty="0"/>
-                    </a:p>
-                  </a:txBody>
-                  <a:tcPr/>
-                </a:tc>
-                <a:tc>
-                  <a:txBody>
-                    <a:bodyPr/>
-                    <a:lstStyle/>
-                    <a:p>
-                      <a:endParaRPr lang="de-DE" noProof="0" dirty="0"/>
-                    </a:p>
-                  </a:txBody>
-                  <a:tcPr/>
-                </a:tc>
-                <a:tc>
-                  <a:txBody>
-                    <a:bodyPr/>
-                    <a:lstStyle/>
-                    <a:p>
-                      <a:endParaRPr lang="de-DE" noProof="0" dirty="0"/>
-                    </a:p>
-                  </a:txBody>
-                  <a:tcPr/>
-                </a:tc>
-                <a:tc>
-                  <a:txBody>
-                    <a:bodyPr/>
-                    <a:lstStyle/>
-                    <a:p>
-                      <a:endParaRPr lang="de-DE" noProof="0" dirty="0"/>
-                    </a:p>
-                  </a:txBody>
-                  <a:tcPr/>
-                </a:tc>
-                <a:tc>
-                  <a:txBody>
-                    <a:bodyPr/>
-                    <a:lstStyle/>
-                    <a:p>
-                      <a:endParaRPr lang="de-DE" noProof="0" dirty="0"/>
-                    </a:p>
-                  </a:txBody>
-                  <a:tcPr/>
-                </a:tc>
-                <a:extLst>
-                  <a:ext uri="{0D108BD9-81ED-4DB2-BD59-A6C34878D82A}">
-                    <a16:rowId xmlns:a16="http://schemas.microsoft.com/office/drawing/2014/main" val="1316893271"/>
-                  </a:ext>
-                </a:extLst>
-              </a:tr>
-            </a:tbl>
-          </a:graphicData>
-        </a:graphic>
-      </p:graphicFrame>
-      <p:sp>
-        <p:nvSpPr>
-          <p:cNvPr id="11" name="Textplatzhalter 10">
-            <a:extLst>
-              <a:ext uri="{FF2B5EF4-FFF2-40B4-BE49-F238E27FC236}">
-                <a16:creationId xmlns:a16="http://schemas.microsoft.com/office/drawing/2014/main" id="{7E8F7E53-20DC-8167-4A23-4E66D65E02B0}"/>
-              </a:ext>
-            </a:extLst>
-          </p:cNvPr>
-          <p:cNvSpPr>
-            <a:spLocks noGrp="1"/>
-          </p:cNvSpPr>
-          <p:nvPr>
-            <p:ph type="body" sz="quarter" idx="3"/>
-          </p:nvPr>
-        </p:nvSpPr>
-        <p:spPr/>
-        <p:txBody>
-          <a:bodyPr/>
-          <a:lstStyle/>
-          <a:p>
-            <a:r>
-              <a:rPr lang="de-DE" noProof="0" dirty="0"/>
-              <a:t>Nächster Sprint</a:t>
-            </a:r>
-          </a:p>
-        </p:txBody>
-      </p:sp>
-      <p:graphicFrame>
-        <p:nvGraphicFramePr>
-          <p:cNvPr id="13" name="Inhaltsplatzhalter 12">
-            <a:extLst>
-              <a:ext uri="{FF2B5EF4-FFF2-40B4-BE49-F238E27FC236}">
-                <a16:creationId xmlns:a16="http://schemas.microsoft.com/office/drawing/2014/main" id="{CBF6877E-F7D1-51D7-E23D-BC55C496A756}"/>
-              </a:ext>
-            </a:extLst>
-          </p:cNvPr>
-          <p:cNvGraphicFramePr>
-            <a:graphicFrameLocks noGrp="1"/>
-          </p:cNvGraphicFramePr>
-          <p:nvPr>
-            <p:ph sz="quarter" idx="4"/>
-            <p:extLst>
-              <p:ext uri="{D42A27DB-BD31-4B8C-83A1-F6EECF244321}">
-                <p14:modId xmlns:p14="http://schemas.microsoft.com/office/powerpoint/2010/main" val="2039774105"/>
-              </p:ext>
-            </p:extLst>
-          </p:nvPr>
-        </p:nvGraphicFramePr>
-        <p:xfrm>
-          <a:off x="6278563" y="3048000"/>
-          <a:ext cx="5151435" cy="1483360"/>
-        </p:xfrm>
-        <a:graphic>
-          <a:graphicData uri="http://schemas.openxmlformats.org/drawingml/2006/table">
-            <a:tbl>
-              <a:tblPr firstRow="1" bandRow="1">
-                <a:tableStyleId>{5C22544A-7EE6-4342-B048-85BDC9FD1C3A}</a:tableStyleId>
-              </a:tblPr>
-              <a:tblGrid>
-                <a:gridCol w="1030287">
-                  <a:extLst>
-                    <a:ext uri="{9D8B030D-6E8A-4147-A177-3AD203B41FA5}">
-                      <a16:colId xmlns:a16="http://schemas.microsoft.com/office/drawing/2014/main" val="1830370080"/>
-                    </a:ext>
-                  </a:extLst>
-                </a:gridCol>
-                <a:gridCol w="1030287">
-                  <a:extLst>
-                    <a:ext uri="{9D8B030D-6E8A-4147-A177-3AD203B41FA5}">
-                      <a16:colId xmlns:a16="http://schemas.microsoft.com/office/drawing/2014/main" val="1817622670"/>
-                    </a:ext>
-                  </a:extLst>
-                </a:gridCol>
-                <a:gridCol w="1030287">
-                  <a:extLst>
-                    <a:ext uri="{9D8B030D-6E8A-4147-A177-3AD203B41FA5}">
-                      <a16:colId xmlns:a16="http://schemas.microsoft.com/office/drawing/2014/main" val="658107910"/>
-                    </a:ext>
-                  </a:extLst>
-                </a:gridCol>
-                <a:gridCol w="1030287">
-                  <a:extLst>
-                    <a:ext uri="{9D8B030D-6E8A-4147-A177-3AD203B41FA5}">
-                      <a16:colId xmlns:a16="http://schemas.microsoft.com/office/drawing/2014/main" val="2959120596"/>
-                    </a:ext>
-                  </a:extLst>
-                </a:gridCol>
-                <a:gridCol w="1030287">
-                  <a:extLst>
-                    <a:ext uri="{9D8B030D-6E8A-4147-A177-3AD203B41FA5}">
-                      <a16:colId xmlns:a16="http://schemas.microsoft.com/office/drawing/2014/main" val="3995722864"/>
-                    </a:ext>
-                  </a:extLst>
-                </a:gridCol>
-              </a:tblGrid>
-              <a:tr h="370840">
-                <a:tc>
-                  <a:txBody>
-                    <a:bodyPr/>
-                    <a:lstStyle/>
-                    <a:p>
-                      <a:endParaRPr lang="de-DE" noProof="0" dirty="0"/>
-                    </a:p>
-                  </a:txBody>
-                  <a:tcPr/>
-                </a:tc>
-                <a:tc>
-                  <a:txBody>
-                    <a:bodyPr/>
-                    <a:lstStyle/>
-                    <a:p>
-                      <a:endParaRPr lang="de-DE" noProof="0" dirty="0"/>
-                    </a:p>
-                  </a:txBody>
-                  <a:tcPr/>
-                </a:tc>
-                <a:tc>
-                  <a:txBody>
-                    <a:bodyPr/>
-                    <a:lstStyle/>
-                    <a:p>
-                      <a:endParaRPr lang="de-DE" noProof="0" dirty="0"/>
-                    </a:p>
-                  </a:txBody>
-                  <a:tcPr/>
-                </a:tc>
-                <a:tc>
-                  <a:txBody>
-                    <a:bodyPr/>
-                    <a:lstStyle/>
-                    <a:p>
-                      <a:endParaRPr lang="de-DE" noProof="0" dirty="0"/>
-                    </a:p>
-                  </a:txBody>
-                  <a:tcPr/>
-                </a:tc>
-                <a:tc>
-                  <a:txBody>
-                    <a:bodyPr/>
-                    <a:lstStyle/>
-                    <a:p>
-                      <a:endParaRPr lang="de-DE" noProof="0" dirty="0"/>
-                    </a:p>
-                  </a:txBody>
-                  <a:tcPr/>
-                </a:tc>
-                <a:extLst>
-                  <a:ext uri="{0D108BD9-81ED-4DB2-BD59-A6C34878D82A}">
-                    <a16:rowId xmlns:a16="http://schemas.microsoft.com/office/drawing/2014/main" val="1094553743"/>
-                  </a:ext>
-                </a:extLst>
-              </a:tr>
-              <a:tr h="370840">
-                <a:tc>
-                  <a:txBody>
-                    <a:bodyPr/>
-                    <a:lstStyle/>
-                    <a:p>
-                      <a:endParaRPr lang="de-DE" noProof="0" dirty="0"/>
-                    </a:p>
-                  </a:txBody>
-                  <a:tcPr/>
-                </a:tc>
-                <a:tc>
-                  <a:txBody>
-                    <a:bodyPr/>
-                    <a:lstStyle/>
-                    <a:p>
-                      <a:endParaRPr lang="de-DE" noProof="0" dirty="0"/>
-                    </a:p>
-                  </a:txBody>
-                  <a:tcPr/>
-                </a:tc>
-                <a:tc>
-                  <a:txBody>
-                    <a:bodyPr/>
-                    <a:lstStyle/>
-                    <a:p>
-                      <a:endParaRPr lang="de-DE" noProof="0" dirty="0"/>
-                    </a:p>
-                  </a:txBody>
-                  <a:tcPr/>
-                </a:tc>
-                <a:tc>
-                  <a:txBody>
-                    <a:bodyPr/>
-                    <a:lstStyle/>
-                    <a:p>
-                      <a:endParaRPr lang="de-DE" noProof="0" dirty="0"/>
-                    </a:p>
-                  </a:txBody>
-                  <a:tcPr/>
-                </a:tc>
-                <a:tc>
-                  <a:txBody>
-                    <a:bodyPr/>
-                    <a:lstStyle/>
-                    <a:p>
-                      <a:endParaRPr lang="de-DE" noProof="0" dirty="0"/>
-                    </a:p>
-                  </a:txBody>
-                  <a:tcPr/>
-                </a:tc>
-                <a:extLst>
-                  <a:ext uri="{0D108BD9-81ED-4DB2-BD59-A6C34878D82A}">
-                    <a16:rowId xmlns:a16="http://schemas.microsoft.com/office/drawing/2014/main" val="3755454740"/>
-                  </a:ext>
-                </a:extLst>
-              </a:tr>
-              <a:tr h="370840">
-                <a:tc>
-                  <a:txBody>
-                    <a:bodyPr/>
-                    <a:lstStyle/>
-                    <a:p>
-                      <a:endParaRPr lang="de-DE" noProof="0" dirty="0"/>
-                    </a:p>
-                  </a:txBody>
-                  <a:tcPr/>
-                </a:tc>
-                <a:tc>
-                  <a:txBody>
-                    <a:bodyPr/>
-                    <a:lstStyle/>
-                    <a:p>
-                      <a:endParaRPr lang="de-DE" noProof="0" dirty="0"/>
-                    </a:p>
-                  </a:txBody>
-                  <a:tcPr/>
-                </a:tc>
-                <a:tc>
-                  <a:txBody>
-                    <a:bodyPr/>
-                    <a:lstStyle/>
-                    <a:p>
-                      <a:endParaRPr lang="de-DE" noProof="0" dirty="0"/>
-                    </a:p>
-                  </a:txBody>
-                  <a:tcPr/>
-                </a:tc>
-                <a:tc>
-                  <a:txBody>
-                    <a:bodyPr/>
-                    <a:lstStyle/>
-                    <a:p>
-                      <a:endParaRPr lang="de-DE" noProof="0" dirty="0"/>
-                    </a:p>
-                  </a:txBody>
-                  <a:tcPr/>
-                </a:tc>
-                <a:tc>
-                  <a:txBody>
-                    <a:bodyPr/>
-                    <a:lstStyle/>
-                    <a:p>
-                      <a:endParaRPr lang="de-DE" noProof="0" dirty="0"/>
-                    </a:p>
-                  </a:txBody>
-                  <a:tcPr/>
-                </a:tc>
-                <a:extLst>
-                  <a:ext uri="{0D108BD9-81ED-4DB2-BD59-A6C34878D82A}">
-                    <a16:rowId xmlns:a16="http://schemas.microsoft.com/office/drawing/2014/main" val="179661474"/>
-                  </a:ext>
-                </a:extLst>
-              </a:tr>
-              <a:tr h="370840">
-                <a:tc>
-                  <a:txBody>
-                    <a:bodyPr/>
-                    <a:lstStyle/>
-                    <a:p>
-                      <a:endParaRPr lang="de-DE" noProof="0" dirty="0"/>
-                    </a:p>
-                  </a:txBody>
-                  <a:tcPr/>
-                </a:tc>
-                <a:tc>
-                  <a:txBody>
-                    <a:bodyPr/>
-                    <a:lstStyle/>
-                    <a:p>
-                      <a:endParaRPr lang="de-DE" noProof="0" dirty="0"/>
-                    </a:p>
-                  </a:txBody>
-                  <a:tcPr/>
-                </a:tc>
-                <a:tc>
-                  <a:txBody>
-                    <a:bodyPr/>
-                    <a:lstStyle/>
-                    <a:p>
-                      <a:endParaRPr lang="de-DE" noProof="0" dirty="0"/>
-                    </a:p>
-                  </a:txBody>
-                  <a:tcPr/>
-                </a:tc>
-                <a:tc>
-                  <a:txBody>
-                    <a:bodyPr/>
-                    <a:lstStyle/>
-                    <a:p>
-                      <a:endParaRPr lang="de-DE" noProof="0" dirty="0"/>
-                    </a:p>
-                  </a:txBody>
-                  <a:tcPr/>
-                </a:tc>
-                <a:tc>
-                  <a:txBody>
-                    <a:bodyPr/>
-                    <a:lstStyle/>
-                    <a:p>
-                      <a:endParaRPr lang="de-DE" noProof="0" dirty="0"/>
-                    </a:p>
-                  </a:txBody>
-                  <a:tcPr/>
-                </a:tc>
-                <a:extLst>
-                  <a:ext uri="{0D108BD9-81ED-4DB2-BD59-A6C34878D82A}">
-                    <a16:rowId xmlns:a16="http://schemas.microsoft.com/office/drawing/2014/main" val="3847368505"/>
-                  </a:ext>
-                </a:extLst>
-              </a:tr>
-            </a:tbl>
-          </a:graphicData>
-        </a:graphic>
-      </p:graphicFrame>
-      <p:sp>
-        <p:nvSpPr>
           <p:cNvPr id="4" name="Datumsplatzhalter 3">
             <a:extLst>
               <a:ext uri="{FF2B5EF4-FFF2-40B4-BE49-F238E27FC236}">
@@ -8962,18 +8859,18 @@
       </p:sp>
       <p:sp>
         <p:nvSpPr>
-          <p:cNvPr id="5" name="Foliennummernplatzhalter 4">
-            <a:extLst>
-              <a:ext uri="{FF2B5EF4-FFF2-40B4-BE49-F238E27FC236}">
-                <a16:creationId xmlns:a16="http://schemas.microsoft.com/office/drawing/2014/main" id="{84A53A1D-72CF-5467-B5BB-A94671AD93C3}"/>
-              </a:ext>
-            </a:extLst>
-          </p:cNvPr>
-          <p:cNvSpPr>
-            <a:spLocks noGrp="1"/>
-          </p:cNvSpPr>
-          <p:nvPr>
-            <p:ph type="sldNum" sz="quarter" idx="12"/>
+          <p:cNvPr id="14" name="Textplatzhalter 13">
+            <a:extLst>
+              <a:ext uri="{FF2B5EF4-FFF2-40B4-BE49-F238E27FC236}">
+                <a16:creationId xmlns:a16="http://schemas.microsoft.com/office/drawing/2014/main" id="{16E20E8E-2FCE-EBDB-805D-EE8F15870274}"/>
+              </a:ext>
+            </a:extLst>
+          </p:cNvPr>
+          <p:cNvSpPr>
+            <a:spLocks noGrp="1"/>
+          </p:cNvSpPr>
+          <p:nvPr>
+            <p:ph type="body" idx="1"/>
           </p:nvPr>
         </p:nvSpPr>
         <p:spPr/>
@@ -8981,11 +8878,471 @@
           <a:bodyPr/>
           <a:lstStyle/>
           <a:p>
-            <a:fld id="{07CE569E-9B7C-4CB9-AB80-C0841F922CFF}" type="slidenum">
-              <a:rPr lang="de-DE" noProof="0" smtClean="0"/>
-              <a:t>3</a:t>
-            </a:fld>
-            <a:endParaRPr lang="de-DE" noProof="0" dirty="0"/>
+            <a:r>
+              <a:rPr lang="de-DE" dirty="0"/>
+              <a:t>Sprint 1:</a:t>
+            </a:r>
+          </a:p>
+        </p:txBody>
+      </p:sp>
+      <p:sp>
+        <p:nvSpPr>
+          <p:cNvPr id="16" name="Inhaltsplatzhalter 15">
+            <a:extLst>
+              <a:ext uri="{FF2B5EF4-FFF2-40B4-BE49-F238E27FC236}">
+                <a16:creationId xmlns:a16="http://schemas.microsoft.com/office/drawing/2014/main" id="{804E99FB-A8D9-FFF5-CC16-1360363ECDF8}"/>
+              </a:ext>
+            </a:extLst>
+          </p:cNvPr>
+          <p:cNvSpPr>
+            <a:spLocks noGrp="1"/>
+          </p:cNvSpPr>
+          <p:nvPr>
+            <p:ph sz="half" idx="2"/>
+          </p:nvPr>
+        </p:nvSpPr>
+        <p:spPr/>
+        <p:txBody>
+          <a:bodyPr/>
+          <a:lstStyle/>
+          <a:p>
+            <a:r>
+              <a:rPr lang="de-DE" sz="2400" dirty="0"/>
+              <a:t>Grundstruktur der Webanwendung.</a:t>
+            </a:r>
+          </a:p>
+          <a:p>
+            <a:r>
+              <a:rPr lang="de-DE" sz="2400" dirty="0"/>
+              <a:t>Organisation der Arbeitslast und des Zeitmanagement.</a:t>
+            </a:r>
+          </a:p>
+          <a:p>
+            <a:endParaRPr lang="de-DE" dirty="0"/>
+          </a:p>
+        </p:txBody>
+      </p:sp>
+      <p:sp>
+        <p:nvSpPr>
+          <p:cNvPr id="17" name="Textplatzhalter 13">
+            <a:extLst>
+              <a:ext uri="{FF2B5EF4-FFF2-40B4-BE49-F238E27FC236}">
+                <a16:creationId xmlns:a16="http://schemas.microsoft.com/office/drawing/2014/main" id="{CFA10087-D0D4-34C0-D171-0844FBA8256B}"/>
+              </a:ext>
+            </a:extLst>
+          </p:cNvPr>
+          <p:cNvSpPr txBox="1">
+            <a:spLocks/>
+          </p:cNvSpPr>
+          <p:nvPr/>
+        </p:nvSpPr>
+        <p:spPr>
+          <a:xfrm>
+            <a:off x="5913119" y="2285999"/>
+            <a:ext cx="5151119" cy="761999"/>
+          </a:xfrm>
+          <a:prstGeom prst="rect">
+            <a:avLst/>
+          </a:prstGeom>
+        </p:spPr>
+        <p:txBody>
+          <a:bodyPr vert="horz" lIns="91440" tIns="45720" rIns="91440" bIns="45720" rtlCol="0" anchor="b">
+            <a:normAutofit/>
+          </a:bodyPr>
+          <a:lstStyle>
+            <a:lvl1pPr marL="0" indent="0" algn="l" defTabSz="914400" rtl="0" eaLnBrk="1" latinLnBrk="0" hangingPunct="1">
+              <a:lnSpc>
+                <a:spcPct val="125000"/>
+              </a:lnSpc>
+              <a:spcBef>
+                <a:spcPts val="1000"/>
+              </a:spcBef>
+              <a:buFont typeface="Arial" panose="020B0604020202020204" pitchFamily="34" charset="0"/>
+              <a:buNone/>
+              <a:defRPr sz="2400" b="1" kern="1200">
+                <a:solidFill>
+                  <a:schemeClr val="tx1">
+                    <a:alpha val="70000"/>
+                  </a:schemeClr>
+                </a:solidFill>
+                <a:latin typeface="+mn-lt"/>
+                <a:ea typeface="+mn-ea"/>
+                <a:cs typeface="+mn-cs"/>
+              </a:defRPr>
+            </a:lvl1pPr>
+            <a:lvl2pPr marL="457200" indent="0" algn="l" defTabSz="914400" rtl="0" eaLnBrk="1" latinLnBrk="0" hangingPunct="1">
+              <a:lnSpc>
+                <a:spcPct val="125000"/>
+              </a:lnSpc>
+              <a:spcBef>
+                <a:spcPts val="500"/>
+              </a:spcBef>
+              <a:buFont typeface="Arial" panose="020B0604020202020204" pitchFamily="34" charset="0"/>
+              <a:buNone/>
+              <a:defRPr sz="2000" b="1" kern="1200">
+                <a:solidFill>
+                  <a:schemeClr val="tx1">
+                    <a:alpha val="70000"/>
+                  </a:schemeClr>
+                </a:solidFill>
+                <a:latin typeface="+mn-lt"/>
+                <a:ea typeface="+mn-ea"/>
+                <a:cs typeface="+mn-cs"/>
+              </a:defRPr>
+            </a:lvl2pPr>
+            <a:lvl3pPr marL="914400" indent="0" algn="l" defTabSz="914400" rtl="0" eaLnBrk="1" latinLnBrk="0" hangingPunct="1">
+              <a:lnSpc>
+                <a:spcPct val="125000"/>
+              </a:lnSpc>
+              <a:spcBef>
+                <a:spcPts val="500"/>
+              </a:spcBef>
+              <a:buFont typeface="Arial" panose="020B0604020202020204" pitchFamily="34" charset="0"/>
+              <a:buNone/>
+              <a:defRPr sz="1800" b="1" kern="1200">
+                <a:solidFill>
+                  <a:schemeClr val="tx1">
+                    <a:alpha val="70000"/>
+                  </a:schemeClr>
+                </a:solidFill>
+                <a:latin typeface="+mn-lt"/>
+                <a:ea typeface="+mn-ea"/>
+                <a:cs typeface="+mn-cs"/>
+              </a:defRPr>
+            </a:lvl3pPr>
+            <a:lvl4pPr marL="1371600" indent="0" algn="l" defTabSz="914400" rtl="0" eaLnBrk="1" latinLnBrk="0" hangingPunct="1">
+              <a:lnSpc>
+                <a:spcPct val="125000"/>
+              </a:lnSpc>
+              <a:spcBef>
+                <a:spcPts val="500"/>
+              </a:spcBef>
+              <a:buFont typeface="Arial" panose="020B0604020202020204" pitchFamily="34" charset="0"/>
+              <a:buNone/>
+              <a:defRPr sz="1600" b="1" kern="1200">
+                <a:solidFill>
+                  <a:schemeClr val="tx1">
+                    <a:alpha val="70000"/>
+                  </a:schemeClr>
+                </a:solidFill>
+                <a:latin typeface="+mn-lt"/>
+                <a:ea typeface="+mn-ea"/>
+                <a:cs typeface="+mn-cs"/>
+              </a:defRPr>
+            </a:lvl4pPr>
+            <a:lvl5pPr marL="1828800" indent="0" algn="l" defTabSz="914400" rtl="0" eaLnBrk="1" latinLnBrk="0" hangingPunct="1">
+              <a:lnSpc>
+                <a:spcPct val="125000"/>
+              </a:lnSpc>
+              <a:spcBef>
+                <a:spcPts val="500"/>
+              </a:spcBef>
+              <a:buFont typeface="Arial" panose="020B0604020202020204" pitchFamily="34" charset="0"/>
+              <a:buNone/>
+              <a:defRPr sz="1600" b="1" kern="1200">
+                <a:solidFill>
+                  <a:schemeClr val="tx1">
+                    <a:alpha val="70000"/>
+                  </a:schemeClr>
+                </a:solidFill>
+                <a:latin typeface="+mn-lt"/>
+                <a:ea typeface="+mn-ea"/>
+                <a:cs typeface="+mn-cs"/>
+              </a:defRPr>
+            </a:lvl5pPr>
+            <a:lvl6pPr marL="2286000" indent="0" algn="l" defTabSz="914400" rtl="0" eaLnBrk="1" latinLnBrk="0" hangingPunct="1">
+              <a:lnSpc>
+                <a:spcPct val="90000"/>
+              </a:lnSpc>
+              <a:spcBef>
+                <a:spcPts val="500"/>
+              </a:spcBef>
+              <a:buFont typeface="Arial" panose="020B0604020202020204" pitchFamily="34" charset="0"/>
+              <a:buNone/>
+              <a:defRPr sz="1600" b="1" kern="1200">
+                <a:solidFill>
+                  <a:schemeClr val="tx1"/>
+                </a:solidFill>
+                <a:latin typeface="+mn-lt"/>
+                <a:ea typeface="+mn-ea"/>
+                <a:cs typeface="+mn-cs"/>
+              </a:defRPr>
+            </a:lvl6pPr>
+            <a:lvl7pPr marL="2743200" indent="0" algn="l" defTabSz="914400" rtl="0" eaLnBrk="1" latinLnBrk="0" hangingPunct="1">
+              <a:lnSpc>
+                <a:spcPct val="90000"/>
+              </a:lnSpc>
+              <a:spcBef>
+                <a:spcPts val="500"/>
+              </a:spcBef>
+              <a:buFont typeface="Arial" panose="020B0604020202020204" pitchFamily="34" charset="0"/>
+              <a:buNone/>
+              <a:defRPr sz="1600" b="1" kern="1200">
+                <a:solidFill>
+                  <a:schemeClr val="tx1"/>
+                </a:solidFill>
+                <a:latin typeface="+mn-lt"/>
+                <a:ea typeface="+mn-ea"/>
+                <a:cs typeface="+mn-cs"/>
+              </a:defRPr>
+            </a:lvl7pPr>
+            <a:lvl8pPr marL="3200400" indent="0" algn="l" defTabSz="914400" rtl="0" eaLnBrk="1" latinLnBrk="0" hangingPunct="1">
+              <a:lnSpc>
+                <a:spcPct val="90000"/>
+              </a:lnSpc>
+              <a:spcBef>
+                <a:spcPts val="500"/>
+              </a:spcBef>
+              <a:buFont typeface="Arial" panose="020B0604020202020204" pitchFamily="34" charset="0"/>
+              <a:buNone/>
+              <a:defRPr sz="1600" b="1" kern="1200">
+                <a:solidFill>
+                  <a:schemeClr val="tx1"/>
+                </a:solidFill>
+                <a:latin typeface="+mn-lt"/>
+                <a:ea typeface="+mn-ea"/>
+                <a:cs typeface="+mn-cs"/>
+              </a:defRPr>
+            </a:lvl8pPr>
+            <a:lvl9pPr marL="3657600" indent="0" algn="l" defTabSz="914400" rtl="0" eaLnBrk="1" latinLnBrk="0" hangingPunct="1">
+              <a:lnSpc>
+                <a:spcPct val="90000"/>
+              </a:lnSpc>
+              <a:spcBef>
+                <a:spcPts val="500"/>
+              </a:spcBef>
+              <a:buFont typeface="Arial" panose="020B0604020202020204" pitchFamily="34" charset="0"/>
+              <a:buNone/>
+              <a:defRPr sz="1600" b="1" kern="1200">
+                <a:solidFill>
+                  <a:schemeClr val="tx1"/>
+                </a:solidFill>
+                <a:latin typeface="+mn-lt"/>
+                <a:ea typeface="+mn-ea"/>
+                <a:cs typeface="+mn-cs"/>
+              </a:defRPr>
+            </a:lvl9pPr>
+          </a:lstStyle>
+          <a:p>
+            <a:r>
+              <a:rPr lang="de-DE" dirty="0"/>
+              <a:t>Sprint 2:</a:t>
+            </a:r>
+          </a:p>
+        </p:txBody>
+      </p:sp>
+      <p:sp>
+        <p:nvSpPr>
+          <p:cNvPr id="18" name="Inhaltsplatzhalter 15">
+            <a:extLst>
+              <a:ext uri="{FF2B5EF4-FFF2-40B4-BE49-F238E27FC236}">
+                <a16:creationId xmlns:a16="http://schemas.microsoft.com/office/drawing/2014/main" id="{2A6A369F-E018-805E-F140-89DCE5D80238}"/>
+              </a:ext>
+            </a:extLst>
+          </p:cNvPr>
+          <p:cNvSpPr txBox="1">
+            <a:spLocks/>
+          </p:cNvSpPr>
+          <p:nvPr/>
+        </p:nvSpPr>
+        <p:spPr>
+          <a:xfrm>
+            <a:off x="5913119" y="3048000"/>
+            <a:ext cx="5151119" cy="3048000"/>
+          </a:xfrm>
+          <a:prstGeom prst="rect">
+            <a:avLst/>
+          </a:prstGeom>
+        </p:spPr>
+        <p:txBody>
+          <a:bodyPr vert="horz" lIns="91440" tIns="45720" rIns="91440" bIns="45720" rtlCol="0">
+            <a:normAutofit/>
+          </a:bodyPr>
+          <a:lstStyle>
+            <a:lvl1pPr marL="228600" indent="-228600" algn="l" defTabSz="914400" rtl="0" eaLnBrk="1" latinLnBrk="0" hangingPunct="1">
+              <a:lnSpc>
+                <a:spcPct val="125000"/>
+              </a:lnSpc>
+              <a:spcBef>
+                <a:spcPts val="1000"/>
+              </a:spcBef>
+              <a:buFont typeface="Arial" panose="020B0604020202020204" pitchFamily="34" charset="0"/>
+              <a:buChar char="•"/>
+              <a:defRPr sz="2800" kern="1200">
+                <a:solidFill>
+                  <a:schemeClr val="tx1">
+                    <a:alpha val="70000"/>
+                  </a:schemeClr>
+                </a:solidFill>
+                <a:latin typeface="+mn-lt"/>
+                <a:ea typeface="+mn-ea"/>
+                <a:cs typeface="+mn-cs"/>
+              </a:defRPr>
+            </a:lvl1pPr>
+            <a:lvl2pPr marL="685800" indent="-228600" algn="l" defTabSz="914400" rtl="0" eaLnBrk="1" latinLnBrk="0" hangingPunct="1">
+              <a:lnSpc>
+                <a:spcPct val="125000"/>
+              </a:lnSpc>
+              <a:spcBef>
+                <a:spcPts val="500"/>
+              </a:spcBef>
+              <a:buFont typeface="Arial" panose="020B0604020202020204" pitchFamily="34" charset="0"/>
+              <a:buChar char="•"/>
+              <a:defRPr sz="2400" kern="1200">
+                <a:solidFill>
+                  <a:schemeClr val="tx1">
+                    <a:alpha val="70000"/>
+                  </a:schemeClr>
+                </a:solidFill>
+                <a:latin typeface="+mn-lt"/>
+                <a:ea typeface="+mn-ea"/>
+                <a:cs typeface="+mn-cs"/>
+              </a:defRPr>
+            </a:lvl2pPr>
+            <a:lvl3pPr marL="1143000" indent="-228600" algn="l" defTabSz="914400" rtl="0" eaLnBrk="1" latinLnBrk="0" hangingPunct="1">
+              <a:lnSpc>
+                <a:spcPct val="125000"/>
+              </a:lnSpc>
+              <a:spcBef>
+                <a:spcPts val="500"/>
+              </a:spcBef>
+              <a:buFont typeface="Arial" panose="020B0604020202020204" pitchFamily="34" charset="0"/>
+              <a:buChar char="•"/>
+              <a:defRPr sz="2000" kern="1200">
+                <a:solidFill>
+                  <a:schemeClr val="tx1">
+                    <a:alpha val="70000"/>
+                  </a:schemeClr>
+                </a:solidFill>
+                <a:latin typeface="+mn-lt"/>
+                <a:ea typeface="+mn-ea"/>
+                <a:cs typeface="+mn-cs"/>
+              </a:defRPr>
+            </a:lvl3pPr>
+            <a:lvl4pPr marL="1600200" indent="-228600" algn="l" defTabSz="914400" rtl="0" eaLnBrk="1" latinLnBrk="0" hangingPunct="1">
+              <a:lnSpc>
+                <a:spcPct val="125000"/>
+              </a:lnSpc>
+              <a:spcBef>
+                <a:spcPts val="500"/>
+              </a:spcBef>
+              <a:buFont typeface="Arial" panose="020B0604020202020204" pitchFamily="34" charset="0"/>
+              <a:buChar char="•"/>
+              <a:defRPr sz="1800" kern="1200">
+                <a:solidFill>
+                  <a:schemeClr val="tx1">
+                    <a:alpha val="70000"/>
+                  </a:schemeClr>
+                </a:solidFill>
+                <a:latin typeface="+mn-lt"/>
+                <a:ea typeface="+mn-ea"/>
+                <a:cs typeface="+mn-cs"/>
+              </a:defRPr>
+            </a:lvl4pPr>
+            <a:lvl5pPr marL="2057400" indent="-228600" algn="l" defTabSz="914400" rtl="0" eaLnBrk="1" latinLnBrk="0" hangingPunct="1">
+              <a:lnSpc>
+                <a:spcPct val="125000"/>
+              </a:lnSpc>
+              <a:spcBef>
+                <a:spcPts val="500"/>
+              </a:spcBef>
+              <a:buFont typeface="Arial" panose="020B0604020202020204" pitchFamily="34" charset="0"/>
+              <a:buChar char="•"/>
+              <a:defRPr sz="1800" kern="1200">
+                <a:solidFill>
+                  <a:schemeClr val="tx1">
+                    <a:alpha val="70000"/>
+                  </a:schemeClr>
+                </a:solidFill>
+                <a:latin typeface="+mn-lt"/>
+                <a:ea typeface="+mn-ea"/>
+                <a:cs typeface="+mn-cs"/>
+              </a:defRPr>
+            </a:lvl5pPr>
+            <a:lvl6pPr marL="2514600" indent="-228600" algn="l" defTabSz="914400" rtl="0" eaLnBrk="1" latinLnBrk="0" hangingPunct="1">
+              <a:lnSpc>
+                <a:spcPct val="90000"/>
+              </a:lnSpc>
+              <a:spcBef>
+                <a:spcPts val="500"/>
+              </a:spcBef>
+              <a:buFont typeface="Arial" panose="020B0604020202020204" pitchFamily="34" charset="0"/>
+              <a:buChar char="•"/>
+              <a:defRPr sz="1800" kern="1200">
+                <a:solidFill>
+                  <a:schemeClr val="tx1"/>
+                </a:solidFill>
+                <a:latin typeface="+mn-lt"/>
+                <a:ea typeface="+mn-ea"/>
+                <a:cs typeface="+mn-cs"/>
+              </a:defRPr>
+            </a:lvl6pPr>
+            <a:lvl7pPr marL="2971800" indent="-228600" algn="l" defTabSz="914400" rtl="0" eaLnBrk="1" latinLnBrk="0" hangingPunct="1">
+              <a:lnSpc>
+                <a:spcPct val="90000"/>
+              </a:lnSpc>
+              <a:spcBef>
+                <a:spcPts val="500"/>
+              </a:spcBef>
+              <a:buFont typeface="Arial" panose="020B0604020202020204" pitchFamily="34" charset="0"/>
+              <a:buChar char="•"/>
+              <a:defRPr sz="1800" kern="1200">
+                <a:solidFill>
+                  <a:schemeClr val="tx1"/>
+                </a:solidFill>
+                <a:latin typeface="+mn-lt"/>
+                <a:ea typeface="+mn-ea"/>
+                <a:cs typeface="+mn-cs"/>
+              </a:defRPr>
+            </a:lvl7pPr>
+            <a:lvl8pPr marL="3429000" indent="-228600" algn="l" defTabSz="914400" rtl="0" eaLnBrk="1" latinLnBrk="0" hangingPunct="1">
+              <a:lnSpc>
+                <a:spcPct val="90000"/>
+              </a:lnSpc>
+              <a:spcBef>
+                <a:spcPts val="500"/>
+              </a:spcBef>
+              <a:buFont typeface="Arial" panose="020B0604020202020204" pitchFamily="34" charset="0"/>
+              <a:buChar char="•"/>
+              <a:defRPr sz="1800" kern="1200">
+                <a:solidFill>
+                  <a:schemeClr val="tx1"/>
+                </a:solidFill>
+                <a:latin typeface="+mn-lt"/>
+                <a:ea typeface="+mn-ea"/>
+                <a:cs typeface="+mn-cs"/>
+              </a:defRPr>
+            </a:lvl8pPr>
+            <a:lvl9pPr marL="3886200" indent="-228600" algn="l" defTabSz="914400" rtl="0" eaLnBrk="1" latinLnBrk="0" hangingPunct="1">
+              <a:lnSpc>
+                <a:spcPct val="90000"/>
+              </a:lnSpc>
+              <a:spcBef>
+                <a:spcPts val="500"/>
+              </a:spcBef>
+              <a:buFont typeface="Arial" panose="020B0604020202020204" pitchFamily="34" charset="0"/>
+              <a:buChar char="•"/>
+              <a:defRPr sz="1800" kern="1200">
+                <a:solidFill>
+                  <a:schemeClr val="tx1"/>
+                </a:solidFill>
+                <a:latin typeface="+mn-lt"/>
+                <a:ea typeface="+mn-ea"/>
+                <a:cs typeface="+mn-cs"/>
+              </a:defRPr>
+            </a:lvl9pPr>
+          </a:lstStyle>
+          <a:p>
+            <a:r>
+              <a:rPr lang="de-DE" sz="2400" dirty="0"/>
+              <a:t>Erweiterte Logik implementieren.</a:t>
+            </a:r>
+          </a:p>
+          <a:p>
+            <a:r>
+              <a:rPr lang="de-DE" sz="2400" dirty="0"/>
+              <a:t>Schnittstelle zwischen Kunden und Küche.</a:t>
+            </a:r>
           </a:p>
         </p:txBody>
       </p:sp>
@@ -9024,6 +9381,246 @@
           <p:cNvPr id="2" name="Titel 1">
             <a:extLst>
               <a:ext uri="{FF2B5EF4-FFF2-40B4-BE49-F238E27FC236}">
+                <a16:creationId xmlns:a16="http://schemas.microsoft.com/office/drawing/2014/main" id="{79153A5A-42D6-38AA-D828-2C8F5CFE3886}"/>
+              </a:ext>
+            </a:extLst>
+          </p:cNvPr>
+          <p:cNvSpPr>
+            <a:spLocks noGrp="1"/>
+          </p:cNvSpPr>
+          <p:nvPr>
+            <p:ph type="title"/>
+          </p:nvPr>
+        </p:nvSpPr>
+        <p:spPr/>
+        <p:txBody>
+          <a:bodyPr/>
+          <a:lstStyle/>
+          <a:p>
+            <a:r>
+              <a:rPr lang="de-DE" noProof="0" dirty="0"/>
+              <a:t>1. Gesamtplan für das Projekt</a:t>
+            </a:r>
+            <a:endParaRPr lang="de-DE" dirty="0"/>
+          </a:p>
+        </p:txBody>
+      </p:sp>
+      <p:sp>
+        <p:nvSpPr>
+          <p:cNvPr id="3" name="Textplatzhalter 2">
+            <a:extLst>
+              <a:ext uri="{FF2B5EF4-FFF2-40B4-BE49-F238E27FC236}">
+                <a16:creationId xmlns:a16="http://schemas.microsoft.com/office/drawing/2014/main" id="{5AE0A69E-67F0-A54B-5BF3-92622372C6FD}"/>
+              </a:ext>
+            </a:extLst>
+          </p:cNvPr>
+          <p:cNvSpPr>
+            <a:spLocks noGrp="1"/>
+          </p:cNvSpPr>
+          <p:nvPr>
+            <p:ph type="body" idx="1"/>
+          </p:nvPr>
+        </p:nvSpPr>
+        <p:spPr/>
+        <p:txBody>
+          <a:bodyPr/>
+          <a:lstStyle/>
+          <a:p>
+            <a:r>
+              <a:rPr lang="de-DE" dirty="0"/>
+              <a:t>Sprint 3:</a:t>
+            </a:r>
+          </a:p>
+        </p:txBody>
+      </p:sp>
+      <p:sp>
+        <p:nvSpPr>
+          <p:cNvPr id="4" name="Inhaltsplatzhalter 3">
+            <a:extLst>
+              <a:ext uri="{FF2B5EF4-FFF2-40B4-BE49-F238E27FC236}">
+                <a16:creationId xmlns:a16="http://schemas.microsoft.com/office/drawing/2014/main" id="{10794DDB-FD48-3B65-936A-61EE749D577D}"/>
+              </a:ext>
+            </a:extLst>
+          </p:cNvPr>
+          <p:cNvSpPr>
+            <a:spLocks noGrp="1"/>
+          </p:cNvSpPr>
+          <p:nvPr>
+            <p:ph sz="half" idx="2"/>
+          </p:nvPr>
+        </p:nvSpPr>
+        <p:spPr/>
+        <p:txBody>
+          <a:bodyPr/>
+          <a:lstStyle/>
+          <a:p>
+            <a:r>
+              <a:rPr lang="de-DE" sz="2400" dirty="0"/>
+              <a:t>Layout/Design überarbeiten.</a:t>
+            </a:r>
+          </a:p>
+          <a:p>
+            <a:endParaRPr lang="de-DE" dirty="0"/>
+          </a:p>
+        </p:txBody>
+      </p:sp>
+      <p:sp>
+        <p:nvSpPr>
+          <p:cNvPr id="5" name="Textplatzhalter 4">
+            <a:extLst>
+              <a:ext uri="{FF2B5EF4-FFF2-40B4-BE49-F238E27FC236}">
+                <a16:creationId xmlns:a16="http://schemas.microsoft.com/office/drawing/2014/main" id="{5DB68C97-F681-E70B-0334-E2F385137C9D}"/>
+              </a:ext>
+            </a:extLst>
+          </p:cNvPr>
+          <p:cNvSpPr>
+            <a:spLocks noGrp="1"/>
+          </p:cNvSpPr>
+          <p:nvPr>
+            <p:ph type="body" sz="quarter" idx="3"/>
+          </p:nvPr>
+        </p:nvSpPr>
+        <p:spPr/>
+        <p:txBody>
+          <a:bodyPr/>
+          <a:lstStyle/>
+          <a:p>
+            <a:r>
+              <a:rPr lang="de-DE" dirty="0"/>
+              <a:t>Sprint übergreifend:</a:t>
+            </a:r>
+          </a:p>
+        </p:txBody>
+      </p:sp>
+      <p:sp>
+        <p:nvSpPr>
+          <p:cNvPr id="6" name="Inhaltsplatzhalter 5">
+            <a:extLst>
+              <a:ext uri="{FF2B5EF4-FFF2-40B4-BE49-F238E27FC236}">
+                <a16:creationId xmlns:a16="http://schemas.microsoft.com/office/drawing/2014/main" id="{84BEA5CA-D976-A93A-1C8A-72452E659693}"/>
+              </a:ext>
+            </a:extLst>
+          </p:cNvPr>
+          <p:cNvSpPr>
+            <a:spLocks noGrp="1"/>
+          </p:cNvSpPr>
+          <p:nvPr>
+            <p:ph sz="quarter" idx="4"/>
+          </p:nvPr>
+        </p:nvSpPr>
+        <p:spPr/>
+        <p:txBody>
+          <a:bodyPr>
+            <a:normAutofit/>
+          </a:bodyPr>
+          <a:lstStyle/>
+          <a:p>
+            <a:r>
+              <a:rPr lang="de-DE" sz="2400" dirty="0"/>
+              <a:t>Dokumentation.</a:t>
+            </a:r>
+          </a:p>
+          <a:p>
+            <a:r>
+              <a:rPr lang="de-DE" sz="2400" dirty="0"/>
+              <a:t>Behebung von Fehlern.</a:t>
+            </a:r>
+          </a:p>
+        </p:txBody>
+      </p:sp>
+      <p:sp>
+        <p:nvSpPr>
+          <p:cNvPr id="7" name="Datumsplatzhalter 6">
+            <a:extLst>
+              <a:ext uri="{FF2B5EF4-FFF2-40B4-BE49-F238E27FC236}">
+                <a16:creationId xmlns:a16="http://schemas.microsoft.com/office/drawing/2014/main" id="{098A9CB6-954E-B757-AC00-4A778ED6535E}"/>
+              </a:ext>
+            </a:extLst>
+          </p:cNvPr>
+          <p:cNvSpPr>
+            <a:spLocks noGrp="1"/>
+          </p:cNvSpPr>
+          <p:nvPr>
+            <p:ph type="dt" sz="half" idx="10"/>
+          </p:nvPr>
+        </p:nvSpPr>
+        <p:spPr/>
+        <p:txBody>
+          <a:bodyPr/>
+          <a:lstStyle/>
+          <a:p>
+            <a:fld id="{75919FF8-1369-4F22-8739-0971D22D8076}" type="datetime1">
+              <a:rPr lang="de-DE" smtClean="0"/>
+              <a:t>11.12.2024</a:t>
+            </a:fld>
+            <a:endParaRPr lang="en-US"/>
+          </a:p>
+        </p:txBody>
+      </p:sp>
+      <p:sp>
+        <p:nvSpPr>
+          <p:cNvPr id="8" name="Foliennummernplatzhalter 7">
+            <a:extLst>
+              <a:ext uri="{FF2B5EF4-FFF2-40B4-BE49-F238E27FC236}">
+                <a16:creationId xmlns:a16="http://schemas.microsoft.com/office/drawing/2014/main" id="{F6E3DE72-A848-5233-F182-414F08D31AA6}"/>
+              </a:ext>
+            </a:extLst>
+          </p:cNvPr>
+          <p:cNvSpPr>
+            <a:spLocks noGrp="1"/>
+          </p:cNvSpPr>
+          <p:nvPr>
+            <p:ph type="sldNum" sz="quarter" idx="12"/>
+          </p:nvPr>
+        </p:nvSpPr>
+        <p:spPr/>
+        <p:txBody>
+          <a:bodyPr/>
+          <a:lstStyle/>
+          <a:p>
+            <a:fld id="{07CE569E-9B7C-4CB9-AB80-C0841F922CFF}" type="slidenum">
+              <a:rPr lang="en-US" smtClean="0"/>
+              <a:t>4</a:t>
+            </a:fld>
+            <a:endParaRPr lang="en-US"/>
+          </a:p>
+        </p:txBody>
+      </p:sp>
+    </p:spTree>
+    <p:extLst>
+      <p:ext uri="{BB962C8B-B14F-4D97-AF65-F5344CB8AC3E}">
+        <p14:creationId xmlns:p14="http://schemas.microsoft.com/office/powerpoint/2010/main" val="2935499678"/>
+      </p:ext>
+    </p:extLst>
+  </p:cSld>
+  <p:clrMapOvr>
+    <a:masterClrMapping/>
+  </p:clrMapOvr>
+</p:sld>
+</file>
+
+<file path=ppt/slides/slide5.xml><?xml version="1.0" encoding="utf-8"?>
+<p:sld xmlns:a="http://schemas.openxmlformats.org/drawingml/2006/main" xmlns:r="http://schemas.openxmlformats.org/officeDocument/2006/relationships" xmlns:p="http://schemas.openxmlformats.org/presentationml/2006/main">
+  <p:cSld>
+    <p:spTree>
+      <p:nvGrpSpPr>
+        <p:cNvPr id="1" name=""/>
+        <p:cNvGrpSpPr/>
+        <p:nvPr/>
+      </p:nvGrpSpPr>
+      <p:grpSpPr>
+        <a:xfrm>
+          <a:off x="0" y="0"/>
+          <a:ext cx="0" cy="0"/>
+          <a:chOff x="0" y="0"/>
+          <a:chExt cx="0" cy="0"/>
+        </a:xfrm>
+      </p:grpSpPr>
+      <p:sp>
+        <p:nvSpPr>
+          <p:cNvPr id="2" name="Titel 1">
+            <a:extLst>
+              <a:ext uri="{FF2B5EF4-FFF2-40B4-BE49-F238E27FC236}">
                 <a16:creationId xmlns:a16="http://schemas.microsoft.com/office/drawing/2014/main" id="{0C579FFF-6A8E-1436-7F47-208326112BC2}"/>
               </a:ext>
             </a:extLst>
@@ -9099,685 +9696,387 @@
           <a:p>
             <a:fld id="{07CE569E-9B7C-4CB9-AB80-C0841F922CFF}" type="slidenum">
               <a:rPr lang="de-DE" noProof="0" smtClean="0"/>
-              <a:t>4</a:t>
+              <a:t>5</a:t>
             </a:fld>
             <a:endParaRPr lang="de-DE" noProof="0" dirty="0"/>
           </a:p>
         </p:txBody>
       </p:sp>
-      <p:graphicFrame>
-        <p:nvGraphicFramePr>
-          <p:cNvPr id="8" name="Inhaltsplatzhalter 2">
-            <a:extLst>
-              <a:ext uri="{FF2B5EF4-FFF2-40B4-BE49-F238E27FC236}">
-                <a16:creationId xmlns:a16="http://schemas.microsoft.com/office/drawing/2014/main" id="{8DEB5E55-C04C-135E-89B0-4D1F80BDB020}"/>
-              </a:ext>
-            </a:extLst>
-          </p:cNvPr>
-          <p:cNvGraphicFramePr>
-            <a:graphicFrameLocks/>
-          </p:cNvGraphicFramePr>
-          <p:nvPr>
-            <p:extLst>
-              <p:ext uri="{D42A27DB-BD31-4B8C-83A1-F6EECF244321}">
-                <p14:modId xmlns:p14="http://schemas.microsoft.com/office/powerpoint/2010/main" val="1725458014"/>
-              </p:ext>
-            </p:extLst>
-          </p:nvPr>
-        </p:nvGraphicFramePr>
-        <p:xfrm>
-          <a:off x="1448159" y="1854451"/>
-          <a:ext cx="8961423" cy="4698997"/>
-        </p:xfrm>
-        <a:graphic>
-          <a:graphicData uri="http://schemas.openxmlformats.org/drawingml/2006/table">
-            <a:tbl>
-              <a:tblPr firstRow="1" bandRow="1">
-                <a:tableStyleId>{5C22544A-7EE6-4342-B048-85BDC9FD1C3A}</a:tableStyleId>
-              </a:tblPr>
-              <a:tblGrid>
-                <a:gridCol w="3192923">
-                  <a:extLst>
-                    <a:ext uri="{9D8B030D-6E8A-4147-A177-3AD203B41FA5}">
-                      <a16:colId xmlns:a16="http://schemas.microsoft.com/office/drawing/2014/main" val="230851902"/>
-                    </a:ext>
-                  </a:extLst>
-                </a:gridCol>
-                <a:gridCol w="1945489">
-                  <a:extLst>
-                    <a:ext uri="{9D8B030D-6E8A-4147-A177-3AD203B41FA5}">
-                      <a16:colId xmlns:a16="http://schemas.microsoft.com/office/drawing/2014/main" val="2657664356"/>
-                    </a:ext>
-                  </a:extLst>
-                </a:gridCol>
-                <a:gridCol w="1452744">
-                  <a:extLst>
-                    <a:ext uri="{9D8B030D-6E8A-4147-A177-3AD203B41FA5}">
-                      <a16:colId xmlns:a16="http://schemas.microsoft.com/office/drawing/2014/main" val="4098082685"/>
-                    </a:ext>
-                  </a:extLst>
-                </a:gridCol>
-                <a:gridCol w="1452744">
-                  <a:extLst>
-                    <a:ext uri="{9D8B030D-6E8A-4147-A177-3AD203B41FA5}">
-                      <a16:colId xmlns:a16="http://schemas.microsoft.com/office/drawing/2014/main" val="1293295862"/>
-                    </a:ext>
-                  </a:extLst>
-                </a:gridCol>
-                <a:gridCol w="917523">
-                  <a:extLst>
-                    <a:ext uri="{9D8B030D-6E8A-4147-A177-3AD203B41FA5}">
-                      <a16:colId xmlns:a16="http://schemas.microsoft.com/office/drawing/2014/main" val="2360363224"/>
-                    </a:ext>
-                  </a:extLst>
-                </a:gridCol>
-              </a:tblGrid>
-              <a:tr h="364002">
-                <a:tc>
-                  <a:txBody>
-                    <a:bodyPr/>
-                    <a:lstStyle/>
-                    <a:p>
-                      <a:r>
-                        <a:rPr lang="de-DE" sz="1400" noProof="0" dirty="0"/>
-                        <a:t>Aufgabe</a:t>
-                      </a:r>
-                    </a:p>
-                  </a:txBody>
-                  <a:tcPr/>
-                </a:tc>
-                <a:tc>
-                  <a:txBody>
-                    <a:bodyPr/>
-                    <a:lstStyle/>
-                    <a:p>
-                      <a:r>
-                        <a:rPr lang="de-DE" sz="1400" noProof="0" dirty="0"/>
-                        <a:t>Zuständigkeit</a:t>
-                      </a:r>
-                    </a:p>
-                  </a:txBody>
-                  <a:tcPr/>
-                </a:tc>
-                <a:tc>
-                  <a:txBody>
-                    <a:bodyPr/>
-                    <a:lstStyle/>
-                    <a:p>
-                      <a:r>
-                        <a:rPr lang="de-DE" sz="1400" noProof="0" dirty="0"/>
-                        <a:t>Aufwand geschätzt</a:t>
-                      </a:r>
-                    </a:p>
-                  </a:txBody>
-                  <a:tcPr/>
-                </a:tc>
-                <a:tc>
-                  <a:txBody>
-                    <a:bodyPr/>
-                    <a:lstStyle/>
-                    <a:p>
-                      <a:r>
-                        <a:rPr lang="de-DE" sz="1400" noProof="0" dirty="0"/>
-                        <a:t>Aufwand tatsächlich</a:t>
-                      </a:r>
-                    </a:p>
-                  </a:txBody>
-                  <a:tcPr/>
-                </a:tc>
-                <a:tc>
-                  <a:txBody>
-                    <a:bodyPr/>
-                    <a:lstStyle/>
-                    <a:p>
-                      <a:r>
-                        <a:rPr lang="de-DE" sz="1400" noProof="0" dirty="0"/>
-                        <a:t>Status</a:t>
-                      </a:r>
-                    </a:p>
-                  </a:txBody>
-                  <a:tcPr/>
-                </a:tc>
-                <a:extLst>
-                  <a:ext uri="{0D108BD9-81ED-4DB2-BD59-A6C34878D82A}">
-                    <a16:rowId xmlns:a16="http://schemas.microsoft.com/office/drawing/2014/main" val="2749238170"/>
-                  </a:ext>
-                </a:extLst>
-              </a:tr>
-              <a:tr h="926116">
-                <a:tc>
-                  <a:txBody>
-                    <a:bodyPr/>
-                    <a:lstStyle/>
-                    <a:p>
-                      <a:r>
-                        <a:rPr lang="de-DE" sz="1400" noProof="0" dirty="0"/>
-                        <a:t>Dokumentation + Project Management</a:t>
-                      </a:r>
-                    </a:p>
-                  </a:txBody>
-                  <a:tcPr/>
-                </a:tc>
-                <a:tc>
-                  <a:txBody>
-                    <a:bodyPr/>
-                    <a:lstStyle/>
-                    <a:p>
-                      <a:r>
-                        <a:rPr lang="de-DE" sz="1400" noProof="0" dirty="0"/>
-                        <a:t>Alle</a:t>
-                      </a:r>
-                    </a:p>
-                  </a:txBody>
-                  <a:tcPr/>
-                </a:tc>
-                <a:tc>
-                  <a:txBody>
-                    <a:bodyPr/>
-                    <a:lstStyle/>
-                    <a:p>
-                      <a:r>
-                        <a:rPr lang="de-DE" sz="1400" noProof="0" dirty="0"/>
-                        <a:t>12</a:t>
-                      </a:r>
-                    </a:p>
-                  </a:txBody>
-                  <a:tcPr/>
-                </a:tc>
-                <a:tc>
-                  <a:txBody>
-                    <a:bodyPr/>
-                    <a:lstStyle/>
-                    <a:p>
-                      <a:endParaRPr lang="de-DE" sz="1400" noProof="0" dirty="0"/>
-                    </a:p>
-                  </a:txBody>
-                  <a:tcPr/>
-                </a:tc>
-                <a:tc>
-                  <a:txBody>
-                    <a:bodyPr/>
-                    <a:lstStyle/>
-                    <a:p>
-                      <a:r>
-                        <a:rPr lang="de-DE" sz="1400" noProof="0" dirty="0"/>
-                        <a:t>Erledigt</a:t>
-                      </a:r>
-                    </a:p>
-                  </a:txBody>
-                  <a:tcPr/>
-                </a:tc>
-                <a:extLst>
-                  <a:ext uri="{0D108BD9-81ED-4DB2-BD59-A6C34878D82A}">
-                    <a16:rowId xmlns:a16="http://schemas.microsoft.com/office/drawing/2014/main" val="432160553"/>
-                  </a:ext>
-                </a:extLst>
-              </a:tr>
-              <a:tr h="408804">
-                <a:tc>
-                  <a:txBody>
-                    <a:bodyPr/>
-                    <a:lstStyle/>
-                    <a:p>
-                      <a:r>
-                        <a:rPr lang="de-DE" sz="1400" noProof="0" dirty="0"/>
-                        <a:t>Dokumenterstellung Architekturdokumentation</a:t>
-                      </a:r>
-                    </a:p>
-                  </a:txBody>
-                  <a:tcPr/>
-                </a:tc>
-                <a:tc>
-                  <a:txBody>
-                    <a:bodyPr/>
-                    <a:lstStyle/>
-                    <a:p>
-                      <a:r>
-                        <a:rPr lang="de-DE" sz="1400" kern="1200" noProof="0" dirty="0">
-                          <a:solidFill>
-                            <a:schemeClr val="dk1"/>
-                          </a:solidFill>
-                          <a:latin typeface="+mn-lt"/>
-                          <a:ea typeface="+mn-ea"/>
-                          <a:cs typeface="+mn-cs"/>
-                        </a:rPr>
-                        <a:t>Vincent Knapp</a:t>
-                      </a:r>
-                    </a:p>
-                    <a:p>
-                      <a:r>
-                        <a:rPr lang="de-DE" sz="1400" kern="1200" noProof="0" dirty="0">
-                          <a:solidFill>
-                            <a:schemeClr val="dk1"/>
-                          </a:solidFill>
-                          <a:latin typeface="+mn-lt"/>
-                          <a:ea typeface="+mn-ea"/>
-                          <a:cs typeface="+mn-cs"/>
-                        </a:rPr>
-                        <a:t>René Weber</a:t>
-                      </a:r>
-                    </a:p>
-                  </a:txBody>
-                  <a:tcPr/>
-                </a:tc>
-                <a:tc>
-                  <a:txBody>
-                    <a:bodyPr/>
-                    <a:lstStyle/>
-                    <a:p>
-                      <a:r>
-                        <a:rPr lang="en-US" sz="1400" kern="1200" noProof="0" dirty="0">
-                          <a:solidFill>
-                            <a:schemeClr val="dk1"/>
-                          </a:solidFill>
-                          <a:latin typeface="+mn-lt"/>
-                          <a:ea typeface="+mn-ea"/>
-                          <a:cs typeface="+mn-cs"/>
-                        </a:rPr>
-                        <a:t>4</a:t>
-                      </a:r>
-                      <a:endParaRPr lang="de-DE" sz="1400" kern="1200" noProof="0" dirty="0">
-                        <a:solidFill>
-                          <a:schemeClr val="dk1"/>
-                        </a:solidFill>
-                        <a:latin typeface="+mn-lt"/>
-                        <a:ea typeface="+mn-ea"/>
-                        <a:cs typeface="+mn-cs"/>
-                      </a:endParaRPr>
-                    </a:p>
-                  </a:txBody>
-                  <a:tcPr/>
-                </a:tc>
-                <a:tc>
-                  <a:txBody>
-                    <a:bodyPr/>
-                    <a:lstStyle/>
-                    <a:p>
-                      <a:endParaRPr lang="de-DE" sz="1400" kern="1200" noProof="0" dirty="0">
-                        <a:solidFill>
-                          <a:schemeClr val="dk1"/>
-                        </a:solidFill>
-                        <a:latin typeface="+mn-lt"/>
-                        <a:ea typeface="+mn-ea"/>
-                        <a:cs typeface="+mn-cs"/>
-                      </a:endParaRPr>
-                    </a:p>
-                  </a:txBody>
-                  <a:tcPr/>
-                </a:tc>
-                <a:tc>
-                  <a:txBody>
-                    <a:bodyPr/>
-                    <a:lstStyle/>
-                    <a:p>
-                      <a:r>
-                        <a:rPr lang="de-DE" sz="1400" noProof="0" dirty="0"/>
-                        <a:t>Erledigt</a:t>
-                      </a:r>
-                    </a:p>
-                  </a:txBody>
-                  <a:tcPr/>
-                </a:tc>
-                <a:extLst>
-                  <a:ext uri="{0D108BD9-81ED-4DB2-BD59-A6C34878D82A}">
-                    <a16:rowId xmlns:a16="http://schemas.microsoft.com/office/drawing/2014/main" val="739622510"/>
-                  </a:ext>
-                </a:extLst>
-              </a:tr>
-              <a:tr h="506337">
-                <a:tc>
-                  <a:txBody>
-                    <a:bodyPr/>
-                    <a:lstStyle/>
-                    <a:p>
-                      <a:pPr marL="0" marR="0" lvl="0" indent="0" algn="l" defTabSz="914400" rtl="0" eaLnBrk="1" fontAlgn="auto" latinLnBrk="0" hangingPunct="1">
-                        <a:lnSpc>
-                          <a:spcPct val="100000"/>
-                        </a:lnSpc>
-                        <a:spcBef>
-                          <a:spcPts val="0"/>
-                        </a:spcBef>
-                        <a:spcAft>
-                          <a:spcPts val="0"/>
-                        </a:spcAft>
-                        <a:buClrTx/>
-                        <a:buSzTx/>
-                        <a:buFontTx/>
-                        <a:buNone/>
-                        <a:tabLst/>
-                        <a:defRPr/>
-                      </a:pPr>
-                      <a:r>
-                        <a:rPr lang="de-DE" sz="1400" noProof="0" dirty="0"/>
-                        <a:t>Implementierung der Küchenansicht</a:t>
-                      </a:r>
-                    </a:p>
-                  </a:txBody>
-                  <a:tcPr/>
-                </a:tc>
-                <a:tc>
-                  <a:txBody>
-                    <a:bodyPr/>
-                    <a:lstStyle/>
-                    <a:p>
-                      <a:r>
-                        <a:rPr lang="de-DE" sz="1400" noProof="0" dirty="0"/>
-                        <a:t>Hans Bloching</a:t>
-                      </a:r>
-                    </a:p>
-                    <a:p>
-                      <a:r>
-                        <a:rPr lang="de-DE" sz="1400" noProof="0" dirty="0"/>
-                        <a:t>Vincent Knapp</a:t>
-                      </a:r>
-                    </a:p>
-                    <a:p>
-                      <a:r>
-                        <a:rPr lang="de-DE" sz="1400" noProof="0" dirty="0"/>
-                        <a:t>René Weber</a:t>
-                      </a:r>
-                    </a:p>
-                  </a:txBody>
-                  <a:tcPr/>
-                </a:tc>
-                <a:tc>
-                  <a:txBody>
-                    <a:bodyPr/>
-                    <a:lstStyle/>
-                    <a:p>
-                      <a:r>
-                        <a:rPr lang="de-DE" sz="1400" noProof="0" dirty="0"/>
-                        <a:t>5</a:t>
-                      </a:r>
-                    </a:p>
-                  </a:txBody>
-                  <a:tcPr/>
-                </a:tc>
-                <a:tc>
-                  <a:txBody>
-                    <a:bodyPr/>
-                    <a:lstStyle/>
-                    <a:p>
-                      <a:endParaRPr lang="de-DE" sz="1400" noProof="0" dirty="0"/>
-                    </a:p>
-                  </a:txBody>
-                  <a:tcPr/>
-                </a:tc>
-                <a:tc>
-                  <a:txBody>
-                    <a:bodyPr/>
-                    <a:lstStyle/>
-                    <a:p>
-                      <a:r>
-                        <a:rPr lang="de-DE" sz="1400" noProof="0" dirty="0"/>
-                        <a:t>Erledigt</a:t>
-                      </a:r>
-                    </a:p>
-                  </a:txBody>
-                  <a:tcPr/>
-                </a:tc>
-                <a:extLst>
-                  <a:ext uri="{0D108BD9-81ED-4DB2-BD59-A6C34878D82A}">
-                    <a16:rowId xmlns:a16="http://schemas.microsoft.com/office/drawing/2014/main" val="740267785"/>
-                  </a:ext>
-                </a:extLst>
-              </a:tr>
-              <a:tr h="370891">
-                <a:tc>
-                  <a:txBody>
-                    <a:bodyPr/>
-                    <a:lstStyle/>
-                    <a:p>
-                      <a:r>
-                        <a:rPr lang="de-DE" sz="1400" noProof="0" dirty="0"/>
-                        <a:t>Logik: Anpassen von Speisen im Warenkorb</a:t>
-                      </a:r>
-                    </a:p>
-                  </a:txBody>
-                  <a:tcPr/>
-                </a:tc>
-                <a:tc>
-                  <a:txBody>
-                    <a:bodyPr/>
-                    <a:lstStyle/>
-                    <a:p>
-                      <a:endParaRPr lang="de-DE" sz="1400" noProof="0" dirty="0"/>
-                    </a:p>
-                  </a:txBody>
-                  <a:tcPr/>
-                </a:tc>
-                <a:tc>
-                  <a:txBody>
-                    <a:bodyPr/>
-                    <a:lstStyle/>
-                    <a:p>
-                      <a:endParaRPr lang="de-DE" sz="1400" noProof="0" dirty="0"/>
-                    </a:p>
-                  </a:txBody>
-                  <a:tcPr/>
-                </a:tc>
-                <a:tc>
-                  <a:txBody>
-                    <a:bodyPr/>
-                    <a:lstStyle/>
-                    <a:p>
-                      <a:endParaRPr lang="de-DE" sz="1400" noProof="0" dirty="0"/>
-                    </a:p>
-                  </a:txBody>
-                  <a:tcPr/>
-                </a:tc>
-                <a:tc>
-                  <a:txBody>
-                    <a:bodyPr/>
-                    <a:lstStyle/>
-                    <a:p>
-                      <a:r>
-                        <a:rPr lang="de-DE" sz="1400" noProof="0" dirty="0"/>
-                        <a:t>Erledigt</a:t>
-                      </a:r>
-                    </a:p>
-                  </a:txBody>
-                  <a:tcPr/>
-                </a:tc>
-                <a:extLst>
-                  <a:ext uri="{0D108BD9-81ED-4DB2-BD59-A6C34878D82A}">
-                    <a16:rowId xmlns:a16="http://schemas.microsoft.com/office/drawing/2014/main" val="2603736860"/>
-                  </a:ext>
-                </a:extLst>
-              </a:tr>
-              <a:tr h="362139">
-                <a:tc>
-                  <a:txBody>
-                    <a:bodyPr/>
-                    <a:lstStyle/>
-                    <a:p>
-                      <a:r>
-                        <a:rPr lang="de-DE" sz="1400" noProof="0" dirty="0"/>
-                        <a:t>Logik: Automatische Kalkulation der Kosten</a:t>
-                      </a:r>
-                    </a:p>
-                  </a:txBody>
-                  <a:tcPr/>
-                </a:tc>
-                <a:tc>
-                  <a:txBody>
-                    <a:bodyPr/>
-                    <a:lstStyle/>
-                    <a:p>
-                      <a:endParaRPr lang="de-DE" sz="1400" noProof="0" dirty="0"/>
-                    </a:p>
-                  </a:txBody>
-                  <a:tcPr/>
-                </a:tc>
-                <a:tc>
-                  <a:txBody>
-                    <a:bodyPr/>
-                    <a:lstStyle/>
-                    <a:p>
-                      <a:endParaRPr lang="de-DE" sz="1400" noProof="0" dirty="0"/>
-                    </a:p>
-                  </a:txBody>
-                  <a:tcPr/>
-                </a:tc>
-                <a:tc>
-                  <a:txBody>
-                    <a:bodyPr/>
-                    <a:lstStyle/>
-                    <a:p>
-                      <a:endParaRPr lang="de-DE" sz="1400" noProof="0" dirty="0"/>
-                    </a:p>
-                  </a:txBody>
-                  <a:tcPr/>
-                </a:tc>
-                <a:tc>
-                  <a:txBody>
-                    <a:bodyPr/>
-                    <a:lstStyle/>
-                    <a:p>
-                      <a:r>
-                        <a:rPr lang="de-DE" sz="1400" noProof="0" dirty="0"/>
-                        <a:t>Erledigt</a:t>
-                      </a:r>
-                    </a:p>
-                  </a:txBody>
-                  <a:tcPr/>
-                </a:tc>
-                <a:extLst>
-                  <a:ext uri="{0D108BD9-81ED-4DB2-BD59-A6C34878D82A}">
-                    <a16:rowId xmlns:a16="http://schemas.microsoft.com/office/drawing/2014/main" val="4252090113"/>
-                  </a:ext>
-                </a:extLst>
-              </a:tr>
-              <a:tr h="488887">
-                <a:tc>
-                  <a:txBody>
-                    <a:bodyPr/>
-                    <a:lstStyle/>
-                    <a:p>
-                      <a:r>
-                        <a:rPr lang="de-DE" sz="1400" noProof="0" dirty="0"/>
-                        <a:t>Logik: Absenden der Bestellung für spezifische Tischnummer</a:t>
-                      </a:r>
-                    </a:p>
-                  </a:txBody>
-                  <a:tcPr/>
-                </a:tc>
-                <a:tc>
-                  <a:txBody>
-                    <a:bodyPr/>
-                    <a:lstStyle/>
-                    <a:p>
-                      <a:endParaRPr lang="de-DE" sz="1400" noProof="0" dirty="0"/>
-                    </a:p>
-                  </a:txBody>
-                  <a:tcPr/>
-                </a:tc>
-                <a:tc>
-                  <a:txBody>
-                    <a:bodyPr/>
-                    <a:lstStyle/>
-                    <a:p>
-                      <a:endParaRPr lang="de-DE" sz="1400" noProof="0" dirty="0"/>
-                    </a:p>
-                  </a:txBody>
-                  <a:tcPr/>
-                </a:tc>
-                <a:tc>
-                  <a:txBody>
-                    <a:bodyPr/>
-                    <a:lstStyle/>
-                    <a:p>
-                      <a:endParaRPr lang="de-DE" sz="1400" noProof="0" dirty="0"/>
-                    </a:p>
-                  </a:txBody>
-                  <a:tcPr/>
-                </a:tc>
-                <a:tc>
-                  <a:txBody>
-                    <a:bodyPr/>
-                    <a:lstStyle/>
-                    <a:p>
-                      <a:r>
-                        <a:rPr lang="de-DE" sz="1400" noProof="0" dirty="0"/>
-                        <a:t>Erledigt</a:t>
-                      </a:r>
-                    </a:p>
-                  </a:txBody>
-                  <a:tcPr/>
-                </a:tc>
-                <a:extLst>
-                  <a:ext uri="{0D108BD9-81ED-4DB2-BD59-A6C34878D82A}">
-                    <a16:rowId xmlns:a16="http://schemas.microsoft.com/office/drawing/2014/main" val="1091053033"/>
-                  </a:ext>
-                </a:extLst>
-              </a:tr>
-              <a:tr h="450561">
-                <a:tc>
-                  <a:txBody>
-                    <a:bodyPr/>
-                    <a:lstStyle/>
-                    <a:p>
-                      <a:r>
-                        <a:rPr lang="de-DE" sz="1400" noProof="0" dirty="0"/>
-                        <a:t>Abschluss Warenkorb</a:t>
-                      </a:r>
-                    </a:p>
-                  </a:txBody>
-                  <a:tcPr/>
-                </a:tc>
-                <a:tc>
-                  <a:txBody>
-                    <a:bodyPr/>
-                    <a:lstStyle/>
-                    <a:p>
-                      <a:endParaRPr lang="de-DE" sz="1400" noProof="0" dirty="0"/>
-                    </a:p>
-                  </a:txBody>
-                  <a:tcPr/>
-                </a:tc>
-                <a:tc>
-                  <a:txBody>
-                    <a:bodyPr/>
-                    <a:lstStyle/>
-                    <a:p>
-                      <a:endParaRPr lang="de-DE" sz="1400" noProof="0" dirty="0"/>
-                    </a:p>
-                  </a:txBody>
-                  <a:tcPr/>
-                </a:tc>
-                <a:tc>
-                  <a:txBody>
-                    <a:bodyPr/>
-                    <a:lstStyle/>
-                    <a:p>
-                      <a:endParaRPr lang="de-DE" sz="1400" noProof="0" dirty="0"/>
-                    </a:p>
-                  </a:txBody>
-                  <a:tcPr/>
-                </a:tc>
-                <a:tc>
-                  <a:txBody>
-                    <a:bodyPr/>
-                    <a:lstStyle/>
-                    <a:p>
-                      <a:r>
-                        <a:rPr lang="de-DE" sz="1400" noProof="0" dirty="0"/>
-                        <a:t>Erledigt</a:t>
-                      </a:r>
-                    </a:p>
-                  </a:txBody>
-                  <a:tcPr/>
-                </a:tc>
-                <a:extLst>
-                  <a:ext uri="{0D108BD9-81ED-4DB2-BD59-A6C34878D82A}">
-                    <a16:rowId xmlns:a16="http://schemas.microsoft.com/office/drawing/2014/main" val="2446957633"/>
-                  </a:ext>
-                </a:extLst>
-              </a:tr>
-            </a:tbl>
-          </a:graphicData>
-        </a:graphic>
-      </p:graphicFrame>
+      <p:sp>
+        <p:nvSpPr>
+          <p:cNvPr id="7" name="Inhaltsplatzhalter 5">
+            <a:extLst>
+              <a:ext uri="{FF2B5EF4-FFF2-40B4-BE49-F238E27FC236}">
+                <a16:creationId xmlns:a16="http://schemas.microsoft.com/office/drawing/2014/main" id="{06A9C708-A850-18E6-5D53-389ADE6ED553}"/>
+              </a:ext>
+            </a:extLst>
+          </p:cNvPr>
+          <p:cNvSpPr txBox="1">
+            <a:spLocks/>
+          </p:cNvSpPr>
+          <p:nvPr/>
+        </p:nvSpPr>
+        <p:spPr>
+          <a:xfrm>
+            <a:off x="944878" y="2682875"/>
+            <a:ext cx="9373872" cy="3048000"/>
+          </a:xfrm>
+          <a:prstGeom prst="rect">
+            <a:avLst/>
+          </a:prstGeom>
+        </p:spPr>
+        <p:txBody>
+          <a:bodyPr>
+            <a:normAutofit fontScale="92500" lnSpcReduction="10000"/>
+          </a:bodyPr>
+          <a:lstStyle>
+            <a:lvl1pPr marL="228600" indent="-228600" algn="l" defTabSz="914400" rtl="0" eaLnBrk="1" latinLnBrk="0" hangingPunct="1">
+              <a:lnSpc>
+                <a:spcPct val="125000"/>
+              </a:lnSpc>
+              <a:spcBef>
+                <a:spcPts val="1000"/>
+              </a:spcBef>
+              <a:buFont typeface="Arial" panose="020B0604020202020204" pitchFamily="34" charset="0"/>
+              <a:buChar char="•"/>
+              <a:defRPr sz="2800" kern="1200">
+                <a:solidFill>
+                  <a:schemeClr val="tx1">
+                    <a:alpha val="70000"/>
+                  </a:schemeClr>
+                </a:solidFill>
+                <a:latin typeface="+mn-lt"/>
+                <a:ea typeface="+mn-ea"/>
+                <a:cs typeface="+mn-cs"/>
+              </a:defRPr>
+            </a:lvl1pPr>
+            <a:lvl2pPr marL="685800" indent="-228600" algn="l" defTabSz="914400" rtl="0" eaLnBrk="1" latinLnBrk="0" hangingPunct="1">
+              <a:lnSpc>
+                <a:spcPct val="125000"/>
+              </a:lnSpc>
+              <a:spcBef>
+                <a:spcPts val="500"/>
+              </a:spcBef>
+              <a:buFont typeface="Arial" panose="020B0604020202020204" pitchFamily="34" charset="0"/>
+              <a:buChar char="•"/>
+              <a:defRPr sz="2400" kern="1200">
+                <a:solidFill>
+                  <a:schemeClr val="tx1">
+                    <a:alpha val="70000"/>
+                  </a:schemeClr>
+                </a:solidFill>
+                <a:latin typeface="+mn-lt"/>
+                <a:ea typeface="+mn-ea"/>
+                <a:cs typeface="+mn-cs"/>
+              </a:defRPr>
+            </a:lvl2pPr>
+            <a:lvl3pPr marL="1143000" indent="-228600" algn="l" defTabSz="914400" rtl="0" eaLnBrk="1" latinLnBrk="0" hangingPunct="1">
+              <a:lnSpc>
+                <a:spcPct val="125000"/>
+              </a:lnSpc>
+              <a:spcBef>
+                <a:spcPts val="500"/>
+              </a:spcBef>
+              <a:buFont typeface="Arial" panose="020B0604020202020204" pitchFamily="34" charset="0"/>
+              <a:buChar char="•"/>
+              <a:defRPr sz="2000" kern="1200">
+                <a:solidFill>
+                  <a:schemeClr val="tx1">
+                    <a:alpha val="70000"/>
+                  </a:schemeClr>
+                </a:solidFill>
+                <a:latin typeface="+mn-lt"/>
+                <a:ea typeface="+mn-ea"/>
+                <a:cs typeface="+mn-cs"/>
+              </a:defRPr>
+            </a:lvl3pPr>
+            <a:lvl4pPr marL="1600200" indent="-228600" algn="l" defTabSz="914400" rtl="0" eaLnBrk="1" latinLnBrk="0" hangingPunct="1">
+              <a:lnSpc>
+                <a:spcPct val="125000"/>
+              </a:lnSpc>
+              <a:spcBef>
+                <a:spcPts val="500"/>
+              </a:spcBef>
+              <a:buFont typeface="Arial" panose="020B0604020202020204" pitchFamily="34" charset="0"/>
+              <a:buChar char="•"/>
+              <a:defRPr sz="1800" kern="1200">
+                <a:solidFill>
+                  <a:schemeClr val="tx1">
+                    <a:alpha val="70000"/>
+                  </a:schemeClr>
+                </a:solidFill>
+                <a:latin typeface="+mn-lt"/>
+                <a:ea typeface="+mn-ea"/>
+                <a:cs typeface="+mn-cs"/>
+              </a:defRPr>
+            </a:lvl4pPr>
+            <a:lvl5pPr marL="2057400" indent="-228600" algn="l" defTabSz="914400" rtl="0" eaLnBrk="1" latinLnBrk="0" hangingPunct="1">
+              <a:lnSpc>
+                <a:spcPct val="125000"/>
+              </a:lnSpc>
+              <a:spcBef>
+                <a:spcPts val="500"/>
+              </a:spcBef>
+              <a:buFont typeface="Arial" panose="020B0604020202020204" pitchFamily="34" charset="0"/>
+              <a:buChar char="•"/>
+              <a:defRPr sz="1800" kern="1200">
+                <a:solidFill>
+                  <a:schemeClr val="tx1">
+                    <a:alpha val="70000"/>
+                  </a:schemeClr>
+                </a:solidFill>
+                <a:latin typeface="+mn-lt"/>
+                <a:ea typeface="+mn-ea"/>
+                <a:cs typeface="+mn-cs"/>
+              </a:defRPr>
+            </a:lvl5pPr>
+            <a:lvl6pPr marL="2514600" indent="-228600" algn="l" defTabSz="914400" rtl="0" eaLnBrk="1" latinLnBrk="0" hangingPunct="1">
+              <a:lnSpc>
+                <a:spcPct val="90000"/>
+              </a:lnSpc>
+              <a:spcBef>
+                <a:spcPts val="500"/>
+              </a:spcBef>
+              <a:buFont typeface="Arial" panose="020B0604020202020204" pitchFamily="34" charset="0"/>
+              <a:buChar char="•"/>
+              <a:defRPr sz="1800" kern="1200">
+                <a:solidFill>
+                  <a:schemeClr val="tx1"/>
+                </a:solidFill>
+                <a:latin typeface="+mn-lt"/>
+                <a:ea typeface="+mn-ea"/>
+                <a:cs typeface="+mn-cs"/>
+              </a:defRPr>
+            </a:lvl6pPr>
+            <a:lvl7pPr marL="2971800" indent="-228600" algn="l" defTabSz="914400" rtl="0" eaLnBrk="1" latinLnBrk="0" hangingPunct="1">
+              <a:lnSpc>
+                <a:spcPct val="90000"/>
+              </a:lnSpc>
+              <a:spcBef>
+                <a:spcPts val="500"/>
+              </a:spcBef>
+              <a:buFont typeface="Arial" panose="020B0604020202020204" pitchFamily="34" charset="0"/>
+              <a:buChar char="•"/>
+              <a:defRPr sz="1800" kern="1200">
+                <a:solidFill>
+                  <a:schemeClr val="tx1"/>
+                </a:solidFill>
+                <a:latin typeface="+mn-lt"/>
+                <a:ea typeface="+mn-ea"/>
+                <a:cs typeface="+mn-cs"/>
+              </a:defRPr>
+            </a:lvl7pPr>
+            <a:lvl8pPr marL="3429000" indent="-228600" algn="l" defTabSz="914400" rtl="0" eaLnBrk="1" latinLnBrk="0" hangingPunct="1">
+              <a:lnSpc>
+                <a:spcPct val="90000"/>
+              </a:lnSpc>
+              <a:spcBef>
+                <a:spcPts val="500"/>
+              </a:spcBef>
+              <a:buFont typeface="Arial" panose="020B0604020202020204" pitchFamily="34" charset="0"/>
+              <a:buChar char="•"/>
+              <a:defRPr sz="1800" kern="1200">
+                <a:solidFill>
+                  <a:schemeClr val="tx1"/>
+                </a:solidFill>
+                <a:latin typeface="+mn-lt"/>
+                <a:ea typeface="+mn-ea"/>
+                <a:cs typeface="+mn-cs"/>
+              </a:defRPr>
+            </a:lvl8pPr>
+            <a:lvl9pPr marL="3886200" indent="-228600" algn="l" defTabSz="914400" rtl="0" eaLnBrk="1" latinLnBrk="0" hangingPunct="1">
+              <a:lnSpc>
+                <a:spcPct val="90000"/>
+              </a:lnSpc>
+              <a:spcBef>
+                <a:spcPts val="500"/>
+              </a:spcBef>
+              <a:buFont typeface="Arial" panose="020B0604020202020204" pitchFamily="34" charset="0"/>
+              <a:buChar char="•"/>
+              <a:defRPr sz="1800" kern="1200">
+                <a:solidFill>
+                  <a:schemeClr val="tx1"/>
+                </a:solidFill>
+                <a:latin typeface="+mn-lt"/>
+                <a:ea typeface="+mn-ea"/>
+                <a:cs typeface="+mn-cs"/>
+              </a:defRPr>
+            </a:lvl9pPr>
+          </a:lstStyle>
+          <a:p>
+            <a:r>
+              <a:rPr lang="de-DE" sz="2400" dirty="0"/>
+              <a:t>Fortlaufende Dokumentation.</a:t>
+            </a:r>
+          </a:p>
+          <a:p>
+            <a:r>
+              <a:rPr lang="de-DE" sz="2400" dirty="0"/>
+              <a:t>Implementierung der Küchenansicht.</a:t>
+            </a:r>
+          </a:p>
+          <a:p>
+            <a:r>
+              <a:rPr lang="de-DE" sz="2400" dirty="0"/>
+              <a:t>Anpassung von Speisen im Warenkorb.</a:t>
+            </a:r>
+          </a:p>
+          <a:p>
+            <a:r>
+              <a:rPr lang="de-DE" sz="2400" dirty="0"/>
+              <a:t>Automatische Kalkulation der Kosten.</a:t>
+            </a:r>
+          </a:p>
+          <a:p>
+            <a:r>
+              <a:rPr lang="de-DE" sz="2400" dirty="0"/>
+              <a:t>Absenden der Bestellung für spezifische Tischnummer.</a:t>
+            </a:r>
+          </a:p>
+          <a:p>
+            <a:r>
+              <a:rPr lang="de-DE" sz="2400" dirty="0"/>
+              <a:t>Abschluss Warenkorb.</a:t>
+            </a:r>
+          </a:p>
+          <a:p>
+            <a:endParaRPr lang="de-DE" sz="2400" dirty="0"/>
+          </a:p>
+        </p:txBody>
+      </p:sp>
+      <p:sp>
+        <p:nvSpPr>
+          <p:cNvPr id="9" name="Foliennummernplatzhalter 7">
+            <a:extLst>
+              <a:ext uri="{FF2B5EF4-FFF2-40B4-BE49-F238E27FC236}">
+                <a16:creationId xmlns:a16="http://schemas.microsoft.com/office/drawing/2014/main" id="{BD0D2988-85DD-C46C-D2AB-F764D685F152}"/>
+              </a:ext>
+            </a:extLst>
+          </p:cNvPr>
+          <p:cNvSpPr txBox="1">
+            <a:spLocks/>
+          </p:cNvSpPr>
+          <p:nvPr/>
+        </p:nvSpPr>
+        <p:spPr>
+          <a:xfrm>
+            <a:off x="3742082" y="6492875"/>
+            <a:ext cx="1524000" cy="365125"/>
+          </a:xfrm>
+          <a:prstGeom prst="rect">
+            <a:avLst/>
+          </a:prstGeom>
+        </p:spPr>
+        <p:txBody>
+          <a:bodyPr vert="horz" lIns="91440" tIns="45720" rIns="91440" bIns="45720" rtlCol="0" anchor="ctr"/>
+          <a:lstStyle>
+            <a:defPPr>
+              <a:defRPr lang="de-DE"/>
+            </a:defPPr>
+            <a:lvl1pPr marL="0" algn="r" defTabSz="914400" rtl="0" eaLnBrk="1" latinLnBrk="0" hangingPunct="1">
+              <a:defRPr sz="1200" kern="1200">
+                <a:solidFill>
+                  <a:schemeClr val="tx1">
+                    <a:tint val="75000"/>
+                    <a:alpha val="70000"/>
+                  </a:schemeClr>
+                </a:solidFill>
+                <a:latin typeface="+mn-lt"/>
+                <a:ea typeface="+mn-ea"/>
+                <a:cs typeface="+mn-cs"/>
+              </a:defRPr>
+            </a:lvl1pPr>
+            <a:lvl2pPr marL="457200" algn="l" defTabSz="914400" rtl="0" eaLnBrk="1" latinLnBrk="0" hangingPunct="1">
+              <a:defRPr sz="1800" kern="1200">
+                <a:solidFill>
+                  <a:schemeClr val="tx1"/>
+                </a:solidFill>
+                <a:latin typeface="+mn-lt"/>
+                <a:ea typeface="+mn-ea"/>
+                <a:cs typeface="+mn-cs"/>
+              </a:defRPr>
+            </a:lvl2pPr>
+            <a:lvl3pPr marL="914400" algn="l" defTabSz="914400" rtl="0" eaLnBrk="1" latinLnBrk="0" hangingPunct="1">
+              <a:defRPr sz="1800" kern="1200">
+                <a:solidFill>
+                  <a:schemeClr val="tx1"/>
+                </a:solidFill>
+                <a:latin typeface="+mn-lt"/>
+                <a:ea typeface="+mn-ea"/>
+                <a:cs typeface="+mn-cs"/>
+              </a:defRPr>
+            </a:lvl3pPr>
+            <a:lvl4pPr marL="1371600" algn="l" defTabSz="914400" rtl="0" eaLnBrk="1" latinLnBrk="0" hangingPunct="1">
+              <a:defRPr sz="1800" kern="1200">
+                <a:solidFill>
+                  <a:schemeClr val="tx1"/>
+                </a:solidFill>
+                <a:latin typeface="+mn-lt"/>
+                <a:ea typeface="+mn-ea"/>
+                <a:cs typeface="+mn-cs"/>
+              </a:defRPr>
+            </a:lvl4pPr>
+            <a:lvl5pPr marL="1828800" algn="l" defTabSz="914400" rtl="0" eaLnBrk="1" latinLnBrk="0" hangingPunct="1">
+              <a:defRPr sz="1800" kern="1200">
+                <a:solidFill>
+                  <a:schemeClr val="tx1"/>
+                </a:solidFill>
+                <a:latin typeface="+mn-lt"/>
+                <a:ea typeface="+mn-ea"/>
+                <a:cs typeface="+mn-cs"/>
+              </a:defRPr>
+            </a:lvl5pPr>
+            <a:lvl6pPr marL="2286000" algn="l" defTabSz="914400" rtl="0" eaLnBrk="1" latinLnBrk="0" hangingPunct="1">
+              <a:defRPr sz="1800" kern="1200">
+                <a:solidFill>
+                  <a:schemeClr val="tx1"/>
+                </a:solidFill>
+                <a:latin typeface="+mn-lt"/>
+                <a:ea typeface="+mn-ea"/>
+                <a:cs typeface="+mn-cs"/>
+              </a:defRPr>
+            </a:lvl6pPr>
+            <a:lvl7pPr marL="2743200" algn="l" defTabSz="914400" rtl="0" eaLnBrk="1" latinLnBrk="0" hangingPunct="1">
+              <a:defRPr sz="1800" kern="1200">
+                <a:solidFill>
+                  <a:schemeClr val="tx1"/>
+                </a:solidFill>
+                <a:latin typeface="+mn-lt"/>
+                <a:ea typeface="+mn-ea"/>
+                <a:cs typeface="+mn-cs"/>
+              </a:defRPr>
+            </a:lvl7pPr>
+            <a:lvl8pPr marL="3200400" algn="l" defTabSz="914400" rtl="0" eaLnBrk="1" latinLnBrk="0" hangingPunct="1">
+              <a:defRPr sz="1800" kern="1200">
+                <a:solidFill>
+                  <a:schemeClr val="tx1"/>
+                </a:solidFill>
+                <a:latin typeface="+mn-lt"/>
+                <a:ea typeface="+mn-ea"/>
+                <a:cs typeface="+mn-cs"/>
+              </a:defRPr>
+            </a:lvl8pPr>
+            <a:lvl9pPr marL="3657600" algn="l" defTabSz="914400" rtl="0" eaLnBrk="1" latinLnBrk="0" hangingPunct="1">
+              <a:defRPr sz="1800" kern="1200">
+                <a:solidFill>
+                  <a:schemeClr val="tx1"/>
+                </a:solidFill>
+                <a:latin typeface="+mn-lt"/>
+                <a:ea typeface="+mn-ea"/>
+                <a:cs typeface="+mn-cs"/>
+              </a:defRPr>
+            </a:lvl9pPr>
+          </a:lstStyle>
+          <a:p>
+            <a:fld id="{07CE569E-9B7C-4CB9-AB80-C0841F922CFF}" type="slidenum">
+              <a:rPr lang="en-US" smtClean="0"/>
+              <a:pPr/>
+              <a:t>5</a:t>
+            </a:fld>
+            <a:endParaRPr lang="en-US"/>
+          </a:p>
+        </p:txBody>
+      </p:sp>
     </p:spTree>
     <p:extLst>
       <p:ext uri="{BB962C8B-B14F-4D97-AF65-F5344CB8AC3E}">
@@ -9791,7 +10090,7 @@
 </p:sld>
 </file>
 
-<file path=ppt/slides/slide5.xml><?xml version="1.0" encoding="utf-8"?>
+<file path=ppt/slides/slide6.xml><?xml version="1.0" encoding="utf-8"?>
 <p:sld xmlns:a="http://schemas.openxmlformats.org/drawingml/2006/main" xmlns:r="http://schemas.openxmlformats.org/officeDocument/2006/relationships" xmlns:p="http://schemas.openxmlformats.org/presentationml/2006/main">
   <p:cSld>
     <p:spTree>
@@ -9894,7 +10193,7 @@
           <a:p>
             <a:fld id="{07CE569E-9B7C-4CB9-AB80-C0841F922CFF}" type="slidenum">
               <a:rPr lang="de-DE" noProof="0" smtClean="0"/>
-              <a:t>5</a:t>
+              <a:t>6</a:t>
             </a:fld>
             <a:endParaRPr lang="de-DE" noProof="0" dirty="0"/>
           </a:p>
@@ -9938,7 +10237,7 @@
 </p:sld>
 </file>
 
-<file path=ppt/slides/slide6.xml><?xml version="1.0" encoding="utf-8"?>
+<file path=ppt/slides/slide7.xml><?xml version="1.0" encoding="utf-8"?>
 <p:sld xmlns:a="http://schemas.openxmlformats.org/drawingml/2006/main" xmlns:r="http://schemas.openxmlformats.org/officeDocument/2006/relationships" xmlns:p="http://schemas.openxmlformats.org/presentationml/2006/main">
   <p:cSld>
     <p:spTree>
@@ -10041,7 +10340,7 @@
           <a:p>
             <a:fld id="{07CE569E-9B7C-4CB9-AB80-C0841F922CFF}" type="slidenum">
               <a:rPr lang="de-DE" noProof="0" smtClean="0"/>
-              <a:t>6</a:t>
+              <a:t>7</a:t>
             </a:fld>
             <a:endParaRPr lang="de-DE" noProof="0" dirty="0"/>
           </a:p>
@@ -10076,177 +10375,6 @@
     <p:extLst>
       <p:ext uri="{BB962C8B-B14F-4D97-AF65-F5344CB8AC3E}">
         <p14:creationId xmlns:p14="http://schemas.microsoft.com/office/powerpoint/2010/main" val="2430257231"/>
-      </p:ext>
-    </p:extLst>
-  </p:cSld>
-  <p:clrMapOvr>
-    <a:masterClrMapping/>
-  </p:clrMapOvr>
-</p:sld>
-</file>
-
-<file path=ppt/slides/slide7.xml><?xml version="1.0" encoding="utf-8"?>
-<p:sld xmlns:a="http://schemas.openxmlformats.org/drawingml/2006/main" xmlns:r="http://schemas.openxmlformats.org/officeDocument/2006/relationships" xmlns:p="http://schemas.openxmlformats.org/presentationml/2006/main">
-  <p:cSld>
-    <p:spTree>
-      <p:nvGrpSpPr>
-        <p:cNvPr id="1" name=""/>
-        <p:cNvGrpSpPr/>
-        <p:nvPr/>
-      </p:nvGrpSpPr>
-      <p:grpSpPr>
-        <a:xfrm>
-          <a:off x="0" y="0"/>
-          <a:ext cx="0" cy="0"/>
-          <a:chOff x="0" y="0"/>
-          <a:chExt cx="0" cy="0"/>
-        </a:xfrm>
-      </p:grpSpPr>
-      <p:sp>
-        <p:nvSpPr>
-          <p:cNvPr id="2" name="Titel 1">
-            <a:extLst>
-              <a:ext uri="{FF2B5EF4-FFF2-40B4-BE49-F238E27FC236}">
-                <a16:creationId xmlns:a16="http://schemas.microsoft.com/office/drawing/2014/main" id="{87F9582B-573F-6C3F-9FF6-79F513507039}"/>
-              </a:ext>
-            </a:extLst>
-          </p:cNvPr>
-          <p:cNvSpPr>
-            <a:spLocks noGrp="1"/>
-          </p:cNvSpPr>
-          <p:nvPr>
-            <p:ph type="title"/>
-          </p:nvPr>
-        </p:nvSpPr>
-        <p:spPr/>
-        <p:txBody>
-          <a:bodyPr/>
-          <a:lstStyle/>
-          <a:p>
-            <a:endParaRPr lang="de-DE"/>
-          </a:p>
-        </p:txBody>
-      </p:sp>
-      <p:pic>
-        <p:nvPicPr>
-          <p:cNvPr id="8" name="Inhaltsplatzhalter 7">
-            <a:extLst>
-              <a:ext uri="{FF2B5EF4-FFF2-40B4-BE49-F238E27FC236}">
-                <a16:creationId xmlns:a16="http://schemas.microsoft.com/office/drawing/2014/main" id="{89D96468-9780-240A-56FA-84295FDBCC1C}"/>
-              </a:ext>
-            </a:extLst>
-          </p:cNvPr>
-          <p:cNvPicPr>
-            <a:picLocks noGrp="1" noChangeAspect="1"/>
-          </p:cNvPicPr>
-          <p:nvPr>
-            <p:ph sz="half" idx="1"/>
-          </p:nvPr>
-        </p:nvPicPr>
-        <p:blipFill>
-          <a:blip r:embed="rId2"/>
-          <a:stretch>
-            <a:fillRect/>
-          </a:stretch>
-        </p:blipFill>
-        <p:spPr>
-          <a:xfrm>
-            <a:off x="2181225" y="2810845"/>
-            <a:ext cx="2312988" cy="2760310"/>
-          </a:xfrm>
-        </p:spPr>
-      </p:pic>
-      <p:pic>
-        <p:nvPicPr>
-          <p:cNvPr id="10" name="Inhaltsplatzhalter 9">
-            <a:extLst>
-              <a:ext uri="{FF2B5EF4-FFF2-40B4-BE49-F238E27FC236}">
-                <a16:creationId xmlns:a16="http://schemas.microsoft.com/office/drawing/2014/main" id="{6843604E-ED7A-B33A-4642-83B2BEF11CAC}"/>
-              </a:ext>
-            </a:extLst>
-          </p:cNvPr>
-          <p:cNvPicPr>
-            <a:picLocks noGrp="1" noChangeAspect="1"/>
-          </p:cNvPicPr>
-          <p:nvPr>
-            <p:ph sz="half" idx="2"/>
-          </p:nvPr>
-        </p:nvPicPr>
-        <p:blipFill>
-          <a:blip r:embed="rId3"/>
-          <a:stretch>
-            <a:fillRect/>
-          </a:stretch>
-        </p:blipFill>
-        <p:spPr>
-          <a:xfrm>
-            <a:off x="8096938" y="2476260"/>
-            <a:ext cx="1514686" cy="3429479"/>
-          </a:xfrm>
-        </p:spPr>
-      </p:pic>
-      <p:sp>
-        <p:nvSpPr>
-          <p:cNvPr id="5" name="Datumsplatzhalter 4">
-            <a:extLst>
-              <a:ext uri="{FF2B5EF4-FFF2-40B4-BE49-F238E27FC236}">
-                <a16:creationId xmlns:a16="http://schemas.microsoft.com/office/drawing/2014/main" id="{6AF35EB7-BF13-9CF9-818F-42D64D4D5E06}"/>
-              </a:ext>
-            </a:extLst>
-          </p:cNvPr>
-          <p:cNvSpPr>
-            <a:spLocks noGrp="1"/>
-          </p:cNvSpPr>
-          <p:nvPr>
-            <p:ph type="dt" sz="half" idx="10"/>
-          </p:nvPr>
-        </p:nvSpPr>
-        <p:spPr/>
-        <p:txBody>
-          <a:bodyPr/>
-          <a:lstStyle/>
-          <a:p>
-            <a:fld id="{12AE7323-5CDD-4051-9975-1729D84443C7}" type="datetime1">
-              <a:rPr lang="de-DE" smtClean="0"/>
-              <a:t>11.12.2024</a:t>
-            </a:fld>
-            <a:endParaRPr lang="en-US"/>
-          </a:p>
-        </p:txBody>
-      </p:sp>
-      <p:sp>
-        <p:nvSpPr>
-          <p:cNvPr id="6" name="Foliennummernplatzhalter 5">
-            <a:extLst>
-              <a:ext uri="{FF2B5EF4-FFF2-40B4-BE49-F238E27FC236}">
-                <a16:creationId xmlns:a16="http://schemas.microsoft.com/office/drawing/2014/main" id="{65FC5FEC-C21A-BF50-7AE5-B7D6995E7EA3}"/>
-              </a:ext>
-            </a:extLst>
-          </p:cNvPr>
-          <p:cNvSpPr>
-            <a:spLocks noGrp="1"/>
-          </p:cNvSpPr>
-          <p:nvPr>
-            <p:ph type="sldNum" sz="quarter" idx="12"/>
-          </p:nvPr>
-        </p:nvSpPr>
-        <p:spPr/>
-        <p:txBody>
-          <a:bodyPr/>
-          <a:lstStyle/>
-          <a:p>
-            <a:fld id="{07CE569E-9B7C-4CB9-AB80-C0841F922CFF}" type="slidenum">
-              <a:rPr lang="en-US" smtClean="0"/>
-              <a:t>7</a:t>
-            </a:fld>
-            <a:endParaRPr lang="en-US"/>
-          </a:p>
-        </p:txBody>
-      </p:sp>
-    </p:spTree>
-    <p:extLst>
-      <p:ext uri="{BB962C8B-B14F-4D97-AF65-F5344CB8AC3E}">
-        <p14:creationId xmlns:p14="http://schemas.microsoft.com/office/powerpoint/2010/main" val="2028140012"/>
       </p:ext>
     </p:extLst>
   </p:cSld>
@@ -10278,7 +10406,7 @@
           <p:cNvPr id="2" name="Titel 1">
             <a:extLst>
               <a:ext uri="{FF2B5EF4-FFF2-40B4-BE49-F238E27FC236}">
-                <a16:creationId xmlns:a16="http://schemas.microsoft.com/office/drawing/2014/main" id="{1B93A12F-1CA4-1BAA-AF57-924F60F11732}"/>
+                <a16:creationId xmlns:a16="http://schemas.microsoft.com/office/drawing/2014/main" id="{87F9582B-573F-6C3F-9FF6-79F513507039}"/>
               </a:ext>
             </a:extLst>
           </p:cNvPr>
@@ -10303,7 +10431,7 @@
           <p:cNvPr id="8" name="Inhaltsplatzhalter 7">
             <a:extLst>
               <a:ext uri="{FF2B5EF4-FFF2-40B4-BE49-F238E27FC236}">
-                <a16:creationId xmlns:a16="http://schemas.microsoft.com/office/drawing/2014/main" id="{6013533E-10F3-8ACB-2FEC-DC3258599405}"/>
+                <a16:creationId xmlns:a16="http://schemas.microsoft.com/office/drawing/2014/main" id="{89D96468-9780-240A-56FA-84295FDBCC1C}"/>
               </a:ext>
             </a:extLst>
           </p:cNvPr>
@@ -10322,42 +10450,46 @@
         </p:blipFill>
         <p:spPr>
           <a:xfrm>
-            <a:off x="2043491" y="2438400"/>
-            <a:ext cx="2588456" cy="3505200"/>
+            <a:off x="2181225" y="2810845"/>
+            <a:ext cx="2312988" cy="2760310"/>
           </a:xfrm>
         </p:spPr>
       </p:pic>
-      <p:sp>
-        <p:nvSpPr>
-          <p:cNvPr id="4" name="Inhaltsplatzhalter 3">
-            <a:extLst>
-              <a:ext uri="{FF2B5EF4-FFF2-40B4-BE49-F238E27FC236}">
-                <a16:creationId xmlns:a16="http://schemas.microsoft.com/office/drawing/2014/main" id="{79CE6463-9713-CB23-8A62-A6EA9DB5FE4F}"/>
-              </a:ext>
-            </a:extLst>
-          </p:cNvPr>
-          <p:cNvSpPr>
-            <a:spLocks noGrp="1"/>
-          </p:cNvSpPr>
+      <p:pic>
+        <p:nvPicPr>
+          <p:cNvPr id="10" name="Inhaltsplatzhalter 9">
+            <a:extLst>
+              <a:ext uri="{FF2B5EF4-FFF2-40B4-BE49-F238E27FC236}">
+                <a16:creationId xmlns:a16="http://schemas.microsoft.com/office/drawing/2014/main" id="{6843604E-ED7A-B33A-4642-83B2BEF11CAC}"/>
+              </a:ext>
+            </a:extLst>
+          </p:cNvPr>
+          <p:cNvPicPr>
+            <a:picLocks noGrp="1" noChangeAspect="1"/>
+          </p:cNvPicPr>
           <p:nvPr>
             <p:ph sz="half" idx="2"/>
           </p:nvPr>
-        </p:nvSpPr>
-        <p:spPr/>
-        <p:txBody>
-          <a:bodyPr/>
-          <a:lstStyle/>
-          <a:p>
-            <a:endParaRPr lang="de-DE" dirty="0"/>
-          </a:p>
-        </p:txBody>
-      </p:sp>
+        </p:nvPicPr>
+        <p:blipFill>
+          <a:blip r:embed="rId3"/>
+          <a:stretch>
+            <a:fillRect/>
+          </a:stretch>
+        </p:blipFill>
+        <p:spPr>
+          <a:xfrm>
+            <a:off x="8096938" y="2476260"/>
+            <a:ext cx="1514686" cy="3429479"/>
+          </a:xfrm>
+        </p:spPr>
+      </p:pic>
       <p:sp>
         <p:nvSpPr>
           <p:cNvPr id="5" name="Datumsplatzhalter 4">
             <a:extLst>
               <a:ext uri="{FF2B5EF4-FFF2-40B4-BE49-F238E27FC236}">
-                <a16:creationId xmlns:a16="http://schemas.microsoft.com/office/drawing/2014/main" id="{175BE0E2-31AB-658D-6EBB-B713FB583365}"/>
+                <a16:creationId xmlns:a16="http://schemas.microsoft.com/office/drawing/2014/main" id="{6AF35EB7-BF13-9CF9-818F-42D64D4D5E06}"/>
               </a:ext>
             </a:extLst>
           </p:cNvPr>
@@ -10386,7 +10518,7 @@
           <p:cNvPr id="6" name="Foliennummernplatzhalter 5">
             <a:extLst>
               <a:ext uri="{FF2B5EF4-FFF2-40B4-BE49-F238E27FC236}">
-                <a16:creationId xmlns:a16="http://schemas.microsoft.com/office/drawing/2014/main" id="{E0949E57-58AB-441C-473B-B2C287EE958D}"/>
+                <a16:creationId xmlns:a16="http://schemas.microsoft.com/office/drawing/2014/main" id="{65FC5FEC-C21A-BF50-7AE5-B7D6995E7EA3}"/>
               </a:ext>
             </a:extLst>
           </p:cNvPr>
@@ -10413,7 +10545,7 @@
     </p:spTree>
     <p:extLst>
       <p:ext uri="{BB962C8B-B14F-4D97-AF65-F5344CB8AC3E}">
-        <p14:creationId xmlns:p14="http://schemas.microsoft.com/office/powerpoint/2010/main" val="2620450788"/>
+        <p14:creationId xmlns:p14="http://schemas.microsoft.com/office/powerpoint/2010/main" val="2028140012"/>
       </p:ext>
     </p:extLst>
   </p:cSld>
@@ -10445,7 +10577,7 @@
           <p:cNvPr id="2" name="Titel 1">
             <a:extLst>
               <a:ext uri="{FF2B5EF4-FFF2-40B4-BE49-F238E27FC236}">
-                <a16:creationId xmlns:a16="http://schemas.microsoft.com/office/drawing/2014/main" id="{B1C4B512-22E9-E7BC-2F39-52FA98096470}"/>
+                <a16:creationId xmlns:a16="http://schemas.microsoft.com/office/drawing/2014/main" id="{1B93A12F-1CA4-1BAA-AF57-924F60F11732}"/>
               </a:ext>
             </a:extLst>
           </p:cNvPr>
@@ -10461,10 +10593,7 @@
           <a:bodyPr/>
           <a:lstStyle/>
           <a:p>
-            <a:r>
-              <a:rPr lang="de-DE" dirty="0"/>
-              <a:t>3. Produktzwischenstand</a:t>
-            </a:r>
+            <a:endParaRPr lang="de-DE"/>
           </a:p>
         </p:txBody>
       </p:sp>
@@ -10473,7 +10602,7 @@
           <p:cNvPr id="8" name="Inhaltsplatzhalter 7">
             <a:extLst>
               <a:ext uri="{FF2B5EF4-FFF2-40B4-BE49-F238E27FC236}">
-                <a16:creationId xmlns:a16="http://schemas.microsoft.com/office/drawing/2014/main" id="{504B7381-E1C9-27E1-F63C-D2A3D439D31E}"/>
+                <a16:creationId xmlns:a16="http://schemas.microsoft.com/office/drawing/2014/main" id="{6013533E-10F3-8ACB-2FEC-DC3258599405}"/>
               </a:ext>
             </a:extLst>
           </p:cNvPr>
@@ -10492,46 +10621,42 @@
         </p:blipFill>
         <p:spPr>
           <a:xfrm>
-            <a:off x="1636826" y="2619375"/>
-            <a:ext cx="3401786" cy="3143250"/>
+            <a:off x="2043491" y="2438400"/>
+            <a:ext cx="2588456" cy="3505200"/>
           </a:xfrm>
         </p:spPr>
       </p:pic>
-      <p:pic>
-        <p:nvPicPr>
-          <p:cNvPr id="10" name="Inhaltsplatzhalter 9">
-            <a:extLst>
-              <a:ext uri="{FF2B5EF4-FFF2-40B4-BE49-F238E27FC236}">
-                <a16:creationId xmlns:a16="http://schemas.microsoft.com/office/drawing/2014/main" id="{DB837195-1D8C-018A-6A69-9424AC03CBAB}"/>
-              </a:ext>
-            </a:extLst>
-          </p:cNvPr>
-          <p:cNvPicPr>
-            <a:picLocks noGrp="1" noChangeAspect="1"/>
-          </p:cNvPicPr>
+      <p:sp>
+        <p:nvSpPr>
+          <p:cNvPr id="4" name="Inhaltsplatzhalter 3">
+            <a:extLst>
+              <a:ext uri="{FF2B5EF4-FFF2-40B4-BE49-F238E27FC236}">
+                <a16:creationId xmlns:a16="http://schemas.microsoft.com/office/drawing/2014/main" id="{79CE6463-9713-CB23-8A62-A6EA9DB5FE4F}"/>
+              </a:ext>
+            </a:extLst>
+          </p:cNvPr>
+          <p:cNvSpPr>
+            <a:spLocks noGrp="1"/>
+          </p:cNvSpPr>
           <p:nvPr>
             <p:ph sz="half" idx="2"/>
           </p:nvPr>
-        </p:nvPicPr>
-        <p:blipFill>
-          <a:blip r:embed="rId3"/>
-          <a:stretch>
-            <a:fillRect/>
-          </a:stretch>
-        </p:blipFill>
-        <p:spPr>
-          <a:xfrm>
-            <a:off x="7429269" y="2025650"/>
-            <a:ext cx="2850024" cy="4330700"/>
-          </a:xfrm>
-        </p:spPr>
-      </p:pic>
+        </p:nvSpPr>
+        <p:spPr/>
+        <p:txBody>
+          <a:bodyPr/>
+          <a:lstStyle/>
+          <a:p>
+            <a:endParaRPr lang="de-DE" dirty="0"/>
+          </a:p>
+        </p:txBody>
+      </p:sp>
       <p:sp>
         <p:nvSpPr>
           <p:cNvPr id="5" name="Datumsplatzhalter 4">
             <a:extLst>
               <a:ext uri="{FF2B5EF4-FFF2-40B4-BE49-F238E27FC236}">
-                <a16:creationId xmlns:a16="http://schemas.microsoft.com/office/drawing/2014/main" id="{797C75E9-1A01-0510-7271-BFD588356DAE}"/>
+                <a16:creationId xmlns:a16="http://schemas.microsoft.com/office/drawing/2014/main" id="{175BE0E2-31AB-658D-6EBB-B713FB583365}"/>
               </a:ext>
             </a:extLst>
           </p:cNvPr>
@@ -10560,7 +10685,7 @@
           <p:cNvPr id="6" name="Foliennummernplatzhalter 5">
             <a:extLst>
               <a:ext uri="{FF2B5EF4-FFF2-40B4-BE49-F238E27FC236}">
-                <a16:creationId xmlns:a16="http://schemas.microsoft.com/office/drawing/2014/main" id="{332CAA81-192A-C96D-0378-51DE24B5C3B7}"/>
+                <a16:creationId xmlns:a16="http://schemas.microsoft.com/office/drawing/2014/main" id="{E0949E57-58AB-441C-473B-B2C287EE958D}"/>
               </a:ext>
             </a:extLst>
           </p:cNvPr>
@@ -10587,7 +10712,7 @@
     </p:spTree>
     <p:extLst>
       <p:ext uri="{BB962C8B-B14F-4D97-AF65-F5344CB8AC3E}">
-        <p14:creationId xmlns:p14="http://schemas.microsoft.com/office/powerpoint/2010/main" val="2979015269"/>
+        <p14:creationId xmlns:p14="http://schemas.microsoft.com/office/powerpoint/2010/main" val="2620450788"/>
       </p:ext>
     </p:extLst>
   </p:cSld>

--- a/Dokumente/Sprint-Backlog/Sprint-Backlog2.pptx
+++ b/Dokumente/Sprint-Backlog/Sprint-Backlog2.pptx
@@ -10346,31 +10346,35 @@
           </a:p>
         </p:txBody>
       </p:sp>
-      <p:sp>
-        <p:nvSpPr>
-          <p:cNvPr id="6" name="Inhaltsplatzhalter 5">
-            <a:extLst>
-              <a:ext uri="{FF2B5EF4-FFF2-40B4-BE49-F238E27FC236}">
-                <a16:creationId xmlns:a16="http://schemas.microsoft.com/office/drawing/2014/main" id="{056F65F4-E58D-E8D6-ABA6-EBD186ECEA5E}"/>
-              </a:ext>
-            </a:extLst>
-          </p:cNvPr>
-          <p:cNvSpPr>
-            <a:spLocks noGrp="1"/>
-          </p:cNvSpPr>
+      <p:pic>
+        <p:nvPicPr>
+          <p:cNvPr id="7" name="Inhaltsplatzhalter 6">
+            <a:extLst>
+              <a:ext uri="{FF2B5EF4-FFF2-40B4-BE49-F238E27FC236}">
+                <a16:creationId xmlns:a16="http://schemas.microsoft.com/office/drawing/2014/main" id="{37428E1C-AA80-4052-4B11-779B98FB9A9B}"/>
+              </a:ext>
+            </a:extLst>
+          </p:cNvPr>
+          <p:cNvPicPr>
+            <a:picLocks noGrp="1" noChangeAspect="1"/>
+          </p:cNvPicPr>
           <p:nvPr>
             <p:ph idx="1"/>
           </p:nvPr>
-        </p:nvSpPr>
-        <p:spPr/>
-        <p:txBody>
-          <a:bodyPr/>
-          <a:lstStyle/>
-          <a:p>
-            <a:endParaRPr lang="de-DE" dirty="0"/>
-          </a:p>
-        </p:txBody>
-      </p:sp>
+        </p:nvPicPr>
+        <p:blipFill>
+          <a:blip r:embed="rId2"/>
+          <a:stretch>
+            <a:fillRect/>
+          </a:stretch>
+        </p:blipFill>
+        <p:spPr>
+          <a:xfrm>
+            <a:off x="762000" y="2674164"/>
+            <a:ext cx="10668000" cy="2517734"/>
+          </a:xfrm>
+        </p:spPr>
+      </p:pic>
     </p:spTree>
     <p:extLst>
       <p:ext uri="{BB962C8B-B14F-4D97-AF65-F5344CB8AC3E}">

--- a/Dokumente/Sprint-Backlog/Sprint-Backlog2.pptx
+++ b/Dokumente/Sprint-Backlog/Sprint-Backlog2.pptx
@@ -19,12 +19,12 @@
     <p:sldId id="280" r:id="rId10"/>
     <p:sldId id="278" r:id="rId11"/>
     <p:sldId id="267" r:id="rId12"/>
-    <p:sldId id="270" r:id="rId13"/>
-    <p:sldId id="262" r:id="rId14"/>
-    <p:sldId id="263" r:id="rId15"/>
-    <p:sldId id="264" r:id="rId16"/>
-    <p:sldId id="275" r:id="rId17"/>
-    <p:sldId id="274" r:id="rId18"/>
+    <p:sldId id="284" r:id="rId13"/>
+    <p:sldId id="270" r:id="rId14"/>
+    <p:sldId id="262" r:id="rId15"/>
+    <p:sldId id="263" r:id="rId16"/>
+    <p:sldId id="264" r:id="rId17"/>
+    <p:sldId id="275" r:id="rId18"/>
   </p:sldIdLst>
   <p:sldSz cx="12192000" cy="6858000"/>
   <p:notesSz cx="6858000" cy="9144000"/>
@@ -540,7 +540,7 @@
           <a:p>
             <a:fld id="{7628164F-130E-49E7-B4EA-740541215FF9}" type="datetimeFigureOut">
               <a:rPr lang="de-DE" smtClean="0"/>
-              <a:t>11.12.2024</a:t>
+              <a:t>12.12.2024</a:t>
             </a:fld>
             <a:endParaRPr lang="de-DE"/>
           </a:p>
@@ -807,6 +807,90 @@
 </p:notesMaster>
 </file>
 
+<file path=ppt/notesSlides/notesSlide1.xml><?xml version="1.0" encoding="utf-8"?>
+<p:notes xmlns:a="http://schemas.openxmlformats.org/drawingml/2006/main" xmlns:r="http://schemas.openxmlformats.org/officeDocument/2006/relationships" xmlns:p="http://schemas.openxmlformats.org/presentationml/2006/main">
+  <p:cSld>
+    <p:spTree>
+      <p:nvGrpSpPr>
+        <p:cNvPr id="1" name=""/>
+        <p:cNvGrpSpPr/>
+        <p:nvPr/>
+      </p:nvGrpSpPr>
+      <p:grpSpPr>
+        <a:xfrm>
+          <a:off x="0" y="0"/>
+          <a:ext cx="0" cy="0"/>
+          <a:chOff x="0" y="0"/>
+          <a:chExt cx="0" cy="0"/>
+        </a:xfrm>
+      </p:grpSpPr>
+      <p:sp>
+        <p:nvSpPr>
+          <p:cNvPr id="2" name="Folienbildplatzhalter 1"/>
+          <p:cNvSpPr>
+            <a:spLocks noGrp="1" noRot="1" noChangeAspect="1"/>
+          </p:cNvSpPr>
+          <p:nvPr>
+            <p:ph type="sldImg"/>
+          </p:nvPr>
+        </p:nvSpPr>
+        <p:spPr/>
+      </p:sp>
+      <p:sp>
+        <p:nvSpPr>
+          <p:cNvPr id="3" name="Notizenplatzhalter 2"/>
+          <p:cNvSpPr>
+            <a:spLocks noGrp="1"/>
+          </p:cNvSpPr>
+          <p:nvPr>
+            <p:ph type="body" idx="1"/>
+          </p:nvPr>
+        </p:nvSpPr>
+        <p:spPr/>
+        <p:txBody>
+          <a:bodyPr/>
+          <a:lstStyle/>
+          <a:p>
+            <a:endParaRPr lang="de-DE" dirty="0"/>
+          </a:p>
+        </p:txBody>
+      </p:sp>
+      <p:sp>
+        <p:nvSpPr>
+          <p:cNvPr id="4" name="Foliennummernplatzhalter 3"/>
+          <p:cNvSpPr>
+            <a:spLocks noGrp="1"/>
+          </p:cNvSpPr>
+          <p:nvPr>
+            <p:ph type="sldNum" sz="quarter" idx="5"/>
+          </p:nvPr>
+        </p:nvSpPr>
+        <p:spPr/>
+        <p:txBody>
+          <a:bodyPr/>
+          <a:lstStyle/>
+          <a:p>
+            <a:fld id="{B8062E93-4410-40F6-8AB9-119AC591FA0D}" type="slidenum">
+              <a:rPr lang="de-DE" smtClean="0"/>
+              <a:t>4</a:t>
+            </a:fld>
+            <a:endParaRPr lang="de-DE"/>
+          </a:p>
+        </p:txBody>
+      </p:sp>
+    </p:spTree>
+    <p:extLst>
+      <p:ext uri="{BB962C8B-B14F-4D97-AF65-F5344CB8AC3E}">
+        <p14:creationId xmlns:p14="http://schemas.microsoft.com/office/powerpoint/2010/main" val="2391993516"/>
+      </p:ext>
+    </p:extLst>
+  </p:cSld>
+  <p:clrMapOvr>
+    <a:masterClrMapping/>
+  </p:clrMapOvr>
+</p:notes>
+</file>
+
 <file path=ppt/slideLayouts/slideLayout1.xml><?xml version="1.0" encoding="utf-8"?>
 <p:sldLayout xmlns:a="http://schemas.openxmlformats.org/drawingml/2006/main" xmlns:r="http://schemas.openxmlformats.org/officeDocument/2006/relationships" xmlns:p="http://schemas.openxmlformats.org/presentationml/2006/main" type="title" preserve="1">
   <p:cSld name="Title Slide">
@@ -954,7 +1038,7 @@
           <a:p>
             <a:fld id="{EFF128A2-C7E8-4B7B-8091-9AC752F728F8}" type="datetime1">
               <a:rPr lang="de-DE" smtClean="0"/>
-              <a:t>11.12.2024</a:t>
+              <a:t>12.12.2024</a:t>
             </a:fld>
             <a:endParaRPr lang="en-US"/>
           </a:p>
@@ -1152,7 +1236,7 @@
           <a:p>
             <a:fld id="{CD278108-7565-4086-A563-4BA2E64958FD}" type="datetime1">
               <a:rPr lang="de-DE" smtClean="0"/>
-              <a:t>11.12.2024</a:t>
+              <a:t>12.12.2024</a:t>
             </a:fld>
             <a:endParaRPr lang="en-US"/>
           </a:p>
@@ -1360,7 +1444,7 @@
           <a:p>
             <a:fld id="{E66CCB26-F45E-4B69-82BE-D569C28446C1}" type="datetime1">
               <a:rPr lang="de-DE" smtClean="0"/>
-              <a:t>11.12.2024</a:t>
+              <a:t>12.12.2024</a:t>
             </a:fld>
             <a:endParaRPr lang="en-US"/>
           </a:p>
@@ -1564,7 +1648,7 @@
           <a:p>
             <a:fld id="{42B45B56-1D88-4042-8DF0-EB6B41B710D3}" type="datetime1">
               <a:rPr lang="de-DE" smtClean="0"/>
-              <a:t>11.12.2024</a:t>
+              <a:t>12.12.2024</a:t>
             </a:fld>
             <a:endParaRPr lang="en-US"/>
           </a:p>
@@ -1839,7 +1923,7 @@
           <a:p>
             <a:fld id="{63213392-7725-4DB0-A75F-BB511BA574DC}" type="datetime1">
               <a:rPr lang="de-DE" smtClean="0"/>
-              <a:t>11.12.2024</a:t>
+              <a:t>12.12.2024</a:t>
             </a:fld>
             <a:endParaRPr lang="en-US"/>
           </a:p>
@@ -2104,7 +2188,7 @@
           <a:p>
             <a:fld id="{12AE7323-5CDD-4051-9975-1729D84443C7}" type="datetime1">
               <a:rPr lang="de-DE" smtClean="0"/>
-              <a:t>11.12.2024</a:t>
+              <a:t>12.12.2024</a:t>
             </a:fld>
             <a:endParaRPr lang="en-US"/>
           </a:p>
@@ -2516,7 +2600,7 @@
           <a:p>
             <a:fld id="{75919FF8-1369-4F22-8739-0971D22D8076}" type="datetime1">
               <a:rPr lang="de-DE" smtClean="0"/>
-              <a:t>11.12.2024</a:t>
+              <a:t>12.12.2024</a:t>
             </a:fld>
             <a:endParaRPr lang="en-US"/>
           </a:p>
@@ -2657,7 +2741,7 @@
           <a:p>
             <a:fld id="{07445AF5-82F2-43C2-816E-A9BEF34D89B7}" type="datetime1">
               <a:rPr lang="de-DE" smtClean="0"/>
-              <a:t>11.12.2024</a:t>
+              <a:t>12.12.2024</a:t>
             </a:fld>
             <a:endParaRPr lang="en-US"/>
           </a:p>
@@ -2770,7 +2854,7 @@
           <a:p>
             <a:fld id="{84700FD4-A8C8-481E-B7C9-06459B544445}" type="datetime1">
               <a:rPr lang="de-DE" smtClean="0"/>
-              <a:t>11.12.2024</a:t>
+              <a:t>12.12.2024</a:t>
             </a:fld>
             <a:endParaRPr lang="en-US"/>
           </a:p>
@@ -3082,7 +3166,7 @@
           <a:p>
             <a:fld id="{225DF808-C4B8-42BA-B4B9-08D42756061A}" type="datetime1">
               <a:rPr lang="de-DE" smtClean="0"/>
-              <a:t>11.12.2024</a:t>
+              <a:t>12.12.2024</a:t>
             </a:fld>
             <a:endParaRPr lang="en-US"/>
           </a:p>
@@ -3373,7 +3457,7 @@
           <a:p>
             <a:fld id="{C36BBF2E-DB4C-4E4C-81C8-BB88CDC14250}" type="datetime1">
               <a:rPr lang="de-DE" smtClean="0"/>
-              <a:t>11.12.2024</a:t>
+              <a:t>12.12.2024</a:t>
             </a:fld>
             <a:endParaRPr lang="en-US"/>
           </a:p>
@@ -4128,7 +4212,7 @@
           <a:p>
             <a:fld id="{7C1C68C6-DBC0-4157-B769-7CB85FE6437C}" type="datetime1">
               <a:rPr lang="de-DE" smtClean="0"/>
-              <a:t>11.12.2024</a:t>
+              <a:t>12.12.2024</a:t>
             </a:fld>
             <a:endParaRPr lang="en-US" dirty="0"/>
           </a:p>
@@ -5299,8 +5383,8 @@
         </p:blipFill>
         <p:spPr>
           <a:xfrm>
-            <a:off x="1636826" y="2619375"/>
-            <a:ext cx="3401786" cy="3143250"/>
+            <a:off x="5601271" y="3148497"/>
+            <a:ext cx="2787611" cy="2575752"/>
           </a:xfrm>
         </p:spPr>
       </p:pic>
@@ -5322,14 +5406,13 @@
         </p:nvPicPr>
         <p:blipFill>
           <a:blip r:embed="rId3"/>
-          <a:stretch>
-            <a:fillRect/>
-          </a:stretch>
+          <a:srcRect l="11932"/>
+          <a:stretch/>
         </p:blipFill>
         <p:spPr>
           <a:xfrm>
-            <a:off x="7429269" y="2025650"/>
-            <a:ext cx="2850024" cy="4330700"/>
+            <a:off x="1636826" y="2074746"/>
+            <a:ext cx="2509961" cy="4330700"/>
           </a:xfrm>
         </p:spPr>
       </p:pic>
@@ -5356,7 +5439,7 @@
           <a:p>
             <a:fld id="{12AE7323-5CDD-4051-9975-1729D84443C7}" type="datetime1">
               <a:rPr lang="de-DE" smtClean="0"/>
-              <a:t>11.12.2024</a:t>
+              <a:t>12.12.2024</a:t>
             </a:fld>
             <a:endParaRPr lang="en-US"/>
           </a:p>
@@ -5450,7 +5533,7 @@
           <a:p>
             <a:r>
               <a:rPr lang="de-DE" noProof="0" dirty="0"/>
-              <a:t>4. Detailplanung ??</a:t>
+              <a:t>4. Detailplanung – Sprint 2</a:t>
             </a:r>
           </a:p>
         </p:txBody>
@@ -5478,7 +5561,7 @@
           <a:p>
             <a:fld id="{42B45B56-1D88-4042-8DF0-EB6B41B710D3}" type="datetime1">
               <a:rPr lang="de-DE" noProof="0" smtClean="0"/>
-              <a:t>11.12.2024</a:t>
+              <a:t>12.12.2024</a:t>
             </a:fld>
             <a:endParaRPr lang="de-DE" noProof="0" dirty="0"/>
           </a:p>
@@ -6231,6 +6314,819 @@
         <p:cNvPr id="1" name="">
           <a:extLst>
             <a:ext uri="{FF2B5EF4-FFF2-40B4-BE49-F238E27FC236}">
+              <a16:creationId xmlns:a16="http://schemas.microsoft.com/office/drawing/2014/main" id="{E7387E4F-8F8B-549F-9E8B-A6D23B79874A}"/>
+            </a:ext>
+          </a:extLst>
+        </p:cNvPr>
+        <p:cNvGrpSpPr/>
+        <p:nvPr/>
+      </p:nvGrpSpPr>
+      <p:grpSpPr>
+        <a:xfrm>
+          <a:off x="0" y="0"/>
+          <a:ext cx="0" cy="0"/>
+          <a:chOff x="0" y="0"/>
+          <a:chExt cx="0" cy="0"/>
+        </a:xfrm>
+      </p:grpSpPr>
+      <p:sp>
+        <p:nvSpPr>
+          <p:cNvPr id="2" name="Titel 1">
+            <a:extLst>
+              <a:ext uri="{FF2B5EF4-FFF2-40B4-BE49-F238E27FC236}">
+                <a16:creationId xmlns:a16="http://schemas.microsoft.com/office/drawing/2014/main" id="{D58430E9-F122-BB4D-42D9-7C8292E55FE0}"/>
+              </a:ext>
+            </a:extLst>
+          </p:cNvPr>
+          <p:cNvSpPr>
+            <a:spLocks noGrp="1"/>
+          </p:cNvSpPr>
+          <p:nvPr>
+            <p:ph type="title"/>
+          </p:nvPr>
+        </p:nvSpPr>
+        <p:spPr/>
+        <p:txBody>
+          <a:bodyPr/>
+          <a:lstStyle/>
+          <a:p>
+            <a:r>
+              <a:rPr lang="de-DE" noProof="0" dirty="0"/>
+              <a:t>4. Detailplanung – Sprint 3</a:t>
+            </a:r>
+          </a:p>
+        </p:txBody>
+      </p:sp>
+      <p:sp>
+        <p:nvSpPr>
+          <p:cNvPr id="4" name="Datumsplatzhalter 3">
+            <a:extLst>
+              <a:ext uri="{FF2B5EF4-FFF2-40B4-BE49-F238E27FC236}">
+                <a16:creationId xmlns:a16="http://schemas.microsoft.com/office/drawing/2014/main" id="{7E07A518-0A76-4F7C-7D6C-4A88EB592E30}"/>
+              </a:ext>
+            </a:extLst>
+          </p:cNvPr>
+          <p:cNvSpPr>
+            <a:spLocks noGrp="1"/>
+          </p:cNvSpPr>
+          <p:nvPr>
+            <p:ph type="dt" sz="half" idx="10"/>
+          </p:nvPr>
+        </p:nvSpPr>
+        <p:spPr/>
+        <p:txBody>
+          <a:bodyPr/>
+          <a:lstStyle/>
+          <a:p>
+            <a:fld id="{42B45B56-1D88-4042-8DF0-EB6B41B710D3}" type="datetime1">
+              <a:rPr lang="de-DE" noProof="0" smtClean="0"/>
+              <a:t>12.12.2024</a:t>
+            </a:fld>
+            <a:endParaRPr lang="de-DE" noProof="0" dirty="0"/>
+          </a:p>
+        </p:txBody>
+      </p:sp>
+      <p:sp>
+        <p:nvSpPr>
+          <p:cNvPr id="5" name="Foliennummernplatzhalter 4">
+            <a:extLst>
+              <a:ext uri="{FF2B5EF4-FFF2-40B4-BE49-F238E27FC236}">
+                <a16:creationId xmlns:a16="http://schemas.microsoft.com/office/drawing/2014/main" id="{63B4E9A9-C2F5-9B15-881B-C1199172F9BD}"/>
+              </a:ext>
+            </a:extLst>
+          </p:cNvPr>
+          <p:cNvSpPr>
+            <a:spLocks noGrp="1"/>
+          </p:cNvSpPr>
+          <p:nvPr>
+            <p:ph type="sldNum" sz="quarter" idx="12"/>
+          </p:nvPr>
+        </p:nvSpPr>
+        <p:spPr/>
+        <p:txBody>
+          <a:bodyPr/>
+          <a:lstStyle/>
+          <a:p>
+            <a:fld id="{07CE569E-9B7C-4CB9-AB80-C0841F922CFF}" type="slidenum">
+              <a:rPr lang="de-DE" noProof="0" smtClean="0"/>
+              <a:t>12</a:t>
+            </a:fld>
+            <a:endParaRPr lang="de-DE" noProof="0" dirty="0"/>
+          </a:p>
+        </p:txBody>
+      </p:sp>
+      <p:pic>
+        <p:nvPicPr>
+          <p:cNvPr id="7" name="Grafik 6">
+            <a:extLst>
+              <a:ext uri="{FF2B5EF4-FFF2-40B4-BE49-F238E27FC236}">
+                <a16:creationId xmlns:a16="http://schemas.microsoft.com/office/drawing/2014/main" id="{ADA2DE47-6451-F57E-7DC7-1D4B0972903F}"/>
+              </a:ext>
+            </a:extLst>
+          </p:cNvPr>
+          <p:cNvPicPr>
+            <a:picLocks noChangeAspect="1"/>
+          </p:cNvPicPr>
+          <p:nvPr/>
+        </p:nvPicPr>
+        <p:blipFill>
+          <a:blip r:embed="rId2"/>
+          <a:stretch>
+            <a:fillRect/>
+          </a:stretch>
+        </p:blipFill>
+        <p:spPr>
+          <a:xfrm>
+            <a:off x="6884925" y="6278906"/>
+            <a:ext cx="1738967" cy="451906"/>
+          </a:xfrm>
+          <a:prstGeom prst="rect">
+            <a:avLst/>
+          </a:prstGeom>
+        </p:spPr>
+      </p:pic>
+      <p:sp>
+        <p:nvSpPr>
+          <p:cNvPr id="12" name="Textfeld 11">
+            <a:extLst>
+              <a:ext uri="{FF2B5EF4-FFF2-40B4-BE49-F238E27FC236}">
+                <a16:creationId xmlns:a16="http://schemas.microsoft.com/office/drawing/2014/main" id="{E2D9E691-1A44-E858-40FD-A687B005B6E5}"/>
+              </a:ext>
+            </a:extLst>
+          </p:cNvPr>
+          <p:cNvSpPr txBox="1"/>
+          <p:nvPr/>
+        </p:nvSpPr>
+        <p:spPr>
+          <a:xfrm>
+            <a:off x="6884925" y="6327056"/>
+            <a:ext cx="1524000" cy="369332"/>
+          </a:xfrm>
+          <a:prstGeom prst="rect">
+            <a:avLst/>
+          </a:prstGeom>
+          <a:noFill/>
+        </p:spPr>
+        <p:txBody>
+          <a:bodyPr wrap="square" rtlCol="0">
+            <a:spAutoFit/>
+          </a:bodyPr>
+          <a:lstStyle/>
+          <a:p>
+            <a:r>
+              <a:rPr lang="de-DE" noProof="0" dirty="0">
+                <a:solidFill>
+                  <a:srgbClr val="FF0000"/>
+                </a:solidFill>
+              </a:rPr>
+              <a:t>Summe  42</a:t>
+            </a:r>
+          </a:p>
+        </p:txBody>
+      </p:sp>
+      <p:graphicFrame>
+        <p:nvGraphicFramePr>
+          <p:cNvPr id="8" name="Inhaltsplatzhalter 2">
+            <a:extLst>
+              <a:ext uri="{FF2B5EF4-FFF2-40B4-BE49-F238E27FC236}">
+                <a16:creationId xmlns:a16="http://schemas.microsoft.com/office/drawing/2014/main" id="{715C4C09-A577-9E60-2D7F-37D0244704E7}"/>
+              </a:ext>
+            </a:extLst>
+          </p:cNvPr>
+          <p:cNvGraphicFramePr>
+            <a:graphicFrameLocks/>
+          </p:cNvGraphicFramePr>
+          <p:nvPr/>
+        </p:nvGraphicFramePr>
+        <p:xfrm>
+          <a:off x="762001" y="1916681"/>
+          <a:ext cx="8902700" cy="4267200"/>
+        </p:xfrm>
+        <a:graphic>
+          <a:graphicData uri="http://schemas.openxmlformats.org/drawingml/2006/table">
+            <a:tbl>
+              <a:tblPr firstRow="1" bandRow="1">
+                <a:tableStyleId>{5C22544A-7EE6-4342-B048-85BDC9FD1C3A}</a:tableStyleId>
+              </a:tblPr>
+              <a:tblGrid>
+                <a:gridCol w="3172001">
+                  <a:extLst>
+                    <a:ext uri="{9D8B030D-6E8A-4147-A177-3AD203B41FA5}">
+                      <a16:colId xmlns:a16="http://schemas.microsoft.com/office/drawing/2014/main" val="230851902"/>
+                    </a:ext>
+                  </a:extLst>
+                </a:gridCol>
+                <a:gridCol w="1932740">
+                  <a:extLst>
+                    <a:ext uri="{9D8B030D-6E8A-4147-A177-3AD203B41FA5}">
+                      <a16:colId xmlns:a16="http://schemas.microsoft.com/office/drawing/2014/main" val="2657664356"/>
+                    </a:ext>
+                  </a:extLst>
+                </a:gridCol>
+                <a:gridCol w="1443224">
+                  <a:extLst>
+                    <a:ext uri="{9D8B030D-6E8A-4147-A177-3AD203B41FA5}">
+                      <a16:colId xmlns:a16="http://schemas.microsoft.com/office/drawing/2014/main" val="4098082685"/>
+                    </a:ext>
+                  </a:extLst>
+                </a:gridCol>
+                <a:gridCol w="1443224">
+                  <a:extLst>
+                    <a:ext uri="{9D8B030D-6E8A-4147-A177-3AD203B41FA5}">
+                      <a16:colId xmlns:a16="http://schemas.microsoft.com/office/drawing/2014/main" val="1293295862"/>
+                    </a:ext>
+                  </a:extLst>
+                </a:gridCol>
+                <a:gridCol w="911511">
+                  <a:extLst>
+                    <a:ext uri="{9D8B030D-6E8A-4147-A177-3AD203B41FA5}">
+                      <a16:colId xmlns:a16="http://schemas.microsoft.com/office/drawing/2014/main" val="2360363224"/>
+                    </a:ext>
+                  </a:extLst>
+                </a:gridCol>
+              </a:tblGrid>
+              <a:tr h="515990">
+                <a:tc>
+                  <a:txBody>
+                    <a:bodyPr/>
+                    <a:lstStyle/>
+                    <a:p>
+                      <a:r>
+                        <a:rPr lang="de-DE" sz="1400" noProof="0" dirty="0"/>
+                        <a:t>Aufgabe</a:t>
+                      </a:r>
+                    </a:p>
+                  </a:txBody>
+                  <a:tcPr/>
+                </a:tc>
+                <a:tc>
+                  <a:txBody>
+                    <a:bodyPr/>
+                    <a:lstStyle/>
+                    <a:p>
+                      <a:r>
+                        <a:rPr lang="de-DE" sz="1400" noProof="0" dirty="0"/>
+                        <a:t>Zuständigkeit</a:t>
+                      </a:r>
+                    </a:p>
+                  </a:txBody>
+                  <a:tcPr/>
+                </a:tc>
+                <a:tc>
+                  <a:txBody>
+                    <a:bodyPr/>
+                    <a:lstStyle/>
+                    <a:p>
+                      <a:r>
+                        <a:rPr lang="de-DE" sz="1400" noProof="0" dirty="0"/>
+                        <a:t>Aufwand geschätzt</a:t>
+                      </a:r>
+                    </a:p>
+                  </a:txBody>
+                  <a:tcPr/>
+                </a:tc>
+                <a:tc>
+                  <a:txBody>
+                    <a:bodyPr/>
+                    <a:lstStyle/>
+                    <a:p>
+                      <a:r>
+                        <a:rPr lang="de-DE" sz="1400" noProof="0" dirty="0"/>
+                        <a:t>Aufwand tatsächlich</a:t>
+                      </a:r>
+                    </a:p>
+                  </a:txBody>
+                  <a:tcPr/>
+                </a:tc>
+                <a:tc>
+                  <a:txBody>
+                    <a:bodyPr/>
+                    <a:lstStyle/>
+                    <a:p>
+                      <a:r>
+                        <a:rPr lang="de-DE" sz="1400" noProof="0" dirty="0"/>
+                        <a:t>Status</a:t>
+                      </a:r>
+                    </a:p>
+                  </a:txBody>
+                  <a:tcPr/>
+                </a:tc>
+                <a:extLst>
+                  <a:ext uri="{0D108BD9-81ED-4DB2-BD59-A6C34878D82A}">
+                    <a16:rowId xmlns:a16="http://schemas.microsoft.com/office/drawing/2014/main" val="2749238170"/>
+                  </a:ext>
+                </a:extLst>
+              </a:tr>
+              <a:tr h="643639">
+                <a:tc>
+                  <a:txBody>
+                    <a:bodyPr/>
+                    <a:lstStyle/>
+                    <a:p>
+                      <a:r>
+                        <a:rPr lang="de-DE" sz="1400" noProof="0" dirty="0"/>
+                        <a:t>Dokumentation + Projekt Management + Architekturdokument</a:t>
+                      </a:r>
+                    </a:p>
+                  </a:txBody>
+                  <a:tcPr/>
+                </a:tc>
+                <a:tc>
+                  <a:txBody>
+                    <a:bodyPr/>
+                    <a:lstStyle/>
+                    <a:p>
+                      <a:r>
+                        <a:rPr lang="de-DE" sz="1400" noProof="0" dirty="0"/>
+                        <a:t>Alle</a:t>
+                      </a:r>
+                    </a:p>
+                  </a:txBody>
+                  <a:tcPr/>
+                </a:tc>
+                <a:tc>
+                  <a:txBody>
+                    <a:bodyPr/>
+                    <a:lstStyle/>
+                    <a:p>
+                      <a:r>
+                        <a:rPr lang="de-DE" sz="1400" noProof="0" dirty="0"/>
+                        <a:t>16</a:t>
+                      </a:r>
+                    </a:p>
+                  </a:txBody>
+                  <a:tcPr/>
+                </a:tc>
+                <a:tc>
+                  <a:txBody>
+                    <a:bodyPr/>
+                    <a:lstStyle/>
+                    <a:p>
+                      <a:r>
+                        <a:rPr lang="de-DE" sz="1400" noProof="0" dirty="0"/>
+                        <a:t>14</a:t>
+                      </a:r>
+                    </a:p>
+                  </a:txBody>
+                  <a:tcPr/>
+                </a:tc>
+                <a:tc>
+                  <a:txBody>
+                    <a:bodyPr/>
+                    <a:lstStyle/>
+                    <a:p>
+                      <a:r>
+                        <a:rPr lang="de-DE" sz="1400" noProof="0" dirty="0"/>
+                        <a:t>Erledigt</a:t>
+                      </a:r>
+                    </a:p>
+                  </a:txBody>
+                  <a:tcPr/>
+                </a:tc>
+                <a:extLst>
+                  <a:ext uri="{0D108BD9-81ED-4DB2-BD59-A6C34878D82A}">
+                    <a16:rowId xmlns:a16="http://schemas.microsoft.com/office/drawing/2014/main" val="432160553"/>
+                  </a:ext>
+                </a:extLst>
+              </a:tr>
+              <a:tr h="728456">
+                <a:tc>
+                  <a:txBody>
+                    <a:bodyPr/>
+                    <a:lstStyle/>
+                    <a:p>
+                      <a:pPr marL="0" marR="0" lvl="0" indent="0" algn="l" defTabSz="914400" rtl="0" eaLnBrk="1" fontAlgn="auto" latinLnBrk="0" hangingPunct="1">
+                        <a:lnSpc>
+                          <a:spcPct val="100000"/>
+                        </a:lnSpc>
+                        <a:spcBef>
+                          <a:spcPts val="0"/>
+                        </a:spcBef>
+                        <a:spcAft>
+                          <a:spcPts val="0"/>
+                        </a:spcAft>
+                        <a:buClrTx/>
+                        <a:buSzTx/>
+                        <a:buFontTx/>
+                        <a:buNone/>
+                        <a:tabLst/>
+                        <a:defRPr/>
+                      </a:pPr>
+                      <a:r>
+                        <a:rPr lang="de-DE" sz="1400" noProof="0" dirty="0"/>
+                        <a:t>Implementierung der Küchenansicht</a:t>
+                      </a:r>
+                    </a:p>
+                  </a:txBody>
+                  <a:tcPr/>
+                </a:tc>
+                <a:tc>
+                  <a:txBody>
+                    <a:bodyPr/>
+                    <a:lstStyle/>
+                    <a:p>
+                      <a:r>
+                        <a:rPr lang="de-DE" sz="1400" noProof="0" dirty="0"/>
+                        <a:t>Hans Bloching</a:t>
+                      </a:r>
+                    </a:p>
+                    <a:p>
+                      <a:r>
+                        <a:rPr lang="de-DE" sz="1400" noProof="0" dirty="0"/>
+                        <a:t>Vincent Knapp</a:t>
+                      </a:r>
+                    </a:p>
+                    <a:p>
+                      <a:r>
+                        <a:rPr lang="de-DE" sz="1400" noProof="0" dirty="0"/>
+                        <a:t>René Weber</a:t>
+                      </a:r>
+                    </a:p>
+                  </a:txBody>
+                  <a:tcPr/>
+                </a:tc>
+                <a:tc>
+                  <a:txBody>
+                    <a:bodyPr/>
+                    <a:lstStyle/>
+                    <a:p>
+                      <a:r>
+                        <a:rPr lang="de-DE" sz="1400" noProof="0" dirty="0"/>
+                        <a:t>5</a:t>
+                      </a:r>
+                    </a:p>
+                  </a:txBody>
+                  <a:tcPr/>
+                </a:tc>
+                <a:tc>
+                  <a:txBody>
+                    <a:bodyPr/>
+                    <a:lstStyle/>
+                    <a:p>
+                      <a:r>
+                        <a:rPr lang="de-DE" sz="1400" noProof="0" dirty="0"/>
+                        <a:t>7</a:t>
+                      </a:r>
+                    </a:p>
+                  </a:txBody>
+                  <a:tcPr/>
+                </a:tc>
+                <a:tc>
+                  <a:txBody>
+                    <a:bodyPr/>
+                    <a:lstStyle/>
+                    <a:p>
+                      <a:r>
+                        <a:rPr lang="de-DE" sz="1400" noProof="0" dirty="0"/>
+                        <a:t>Erledigt</a:t>
+                      </a:r>
+                    </a:p>
+                  </a:txBody>
+                  <a:tcPr/>
+                </a:tc>
+                <a:extLst>
+                  <a:ext uri="{0D108BD9-81ED-4DB2-BD59-A6C34878D82A}">
+                    <a16:rowId xmlns:a16="http://schemas.microsoft.com/office/drawing/2014/main" val="740267785"/>
+                  </a:ext>
+                </a:extLst>
+              </a:tr>
+              <a:tr h="515990">
+                <a:tc>
+                  <a:txBody>
+                    <a:bodyPr/>
+                    <a:lstStyle/>
+                    <a:p>
+                      <a:r>
+                        <a:rPr lang="de-DE" sz="1400" noProof="0" dirty="0"/>
+                        <a:t>Logik: Anpassen von Speisen im Warenkorb</a:t>
+                      </a:r>
+                    </a:p>
+                  </a:txBody>
+                  <a:tcPr/>
+                </a:tc>
+                <a:tc>
+                  <a:txBody>
+                    <a:bodyPr/>
+                    <a:lstStyle/>
+                    <a:p>
+                      <a:r>
+                        <a:rPr lang="de-DE" sz="1400" noProof="0" dirty="0"/>
+                        <a:t>Vincent Knapp</a:t>
+                      </a:r>
+                    </a:p>
+                    <a:p>
+                      <a:r>
+                        <a:rPr lang="de-DE" sz="1400" noProof="0" dirty="0"/>
+                        <a:t>René Weber</a:t>
+                      </a:r>
+                    </a:p>
+                  </a:txBody>
+                  <a:tcPr/>
+                </a:tc>
+                <a:tc>
+                  <a:txBody>
+                    <a:bodyPr/>
+                    <a:lstStyle/>
+                    <a:p>
+                      <a:r>
+                        <a:rPr lang="de-DE" sz="1400" noProof="0" dirty="0"/>
+                        <a:t>4</a:t>
+                      </a:r>
+                    </a:p>
+                  </a:txBody>
+                  <a:tcPr/>
+                </a:tc>
+                <a:tc>
+                  <a:txBody>
+                    <a:bodyPr/>
+                    <a:lstStyle/>
+                    <a:p>
+                      <a:r>
+                        <a:rPr lang="de-DE" sz="1400" noProof="0" dirty="0"/>
+                        <a:t>4</a:t>
+                      </a:r>
+                    </a:p>
+                  </a:txBody>
+                  <a:tcPr/>
+                </a:tc>
+                <a:tc>
+                  <a:txBody>
+                    <a:bodyPr/>
+                    <a:lstStyle/>
+                    <a:p>
+                      <a:r>
+                        <a:rPr lang="de-DE" sz="1400" noProof="0" dirty="0"/>
+                        <a:t>Erledigt</a:t>
+                      </a:r>
+                    </a:p>
+                  </a:txBody>
+                  <a:tcPr/>
+                </a:tc>
+                <a:extLst>
+                  <a:ext uri="{0D108BD9-81ED-4DB2-BD59-A6C34878D82A}">
+                    <a16:rowId xmlns:a16="http://schemas.microsoft.com/office/drawing/2014/main" val="2603736860"/>
+                  </a:ext>
+                </a:extLst>
+              </a:tr>
+              <a:tr h="515990">
+                <a:tc>
+                  <a:txBody>
+                    <a:bodyPr/>
+                    <a:lstStyle/>
+                    <a:p>
+                      <a:r>
+                        <a:rPr lang="de-DE" sz="1400" noProof="0" dirty="0"/>
+                        <a:t>Logik: Automatische Kalkulation der Kosten</a:t>
+                      </a:r>
+                    </a:p>
+                  </a:txBody>
+                  <a:tcPr/>
+                </a:tc>
+                <a:tc>
+                  <a:txBody>
+                    <a:bodyPr/>
+                    <a:lstStyle/>
+                    <a:p>
+                      <a:r>
+                        <a:rPr lang="de-DE" sz="1400" noProof="0" dirty="0"/>
+                        <a:t>Vincent Knapp</a:t>
+                      </a:r>
+                    </a:p>
+                  </a:txBody>
+                  <a:tcPr/>
+                </a:tc>
+                <a:tc>
+                  <a:txBody>
+                    <a:bodyPr/>
+                    <a:lstStyle/>
+                    <a:p>
+                      <a:r>
+                        <a:rPr lang="de-DE" sz="1400" noProof="0" dirty="0"/>
+                        <a:t>6</a:t>
+                      </a:r>
+                    </a:p>
+                  </a:txBody>
+                  <a:tcPr/>
+                </a:tc>
+                <a:tc>
+                  <a:txBody>
+                    <a:bodyPr/>
+                    <a:lstStyle/>
+                    <a:p>
+                      <a:r>
+                        <a:rPr lang="de-DE" sz="1400" noProof="0" dirty="0"/>
+                        <a:t>6</a:t>
+                      </a:r>
+                    </a:p>
+                  </a:txBody>
+                  <a:tcPr/>
+                </a:tc>
+                <a:tc>
+                  <a:txBody>
+                    <a:bodyPr/>
+                    <a:lstStyle/>
+                    <a:p>
+                      <a:r>
+                        <a:rPr lang="de-DE" sz="1400" noProof="0" dirty="0"/>
+                        <a:t>Erledigt</a:t>
+                      </a:r>
+                    </a:p>
+                  </a:txBody>
+                  <a:tcPr/>
+                </a:tc>
+                <a:extLst>
+                  <a:ext uri="{0D108BD9-81ED-4DB2-BD59-A6C34878D82A}">
+                    <a16:rowId xmlns:a16="http://schemas.microsoft.com/office/drawing/2014/main" val="4252090113"/>
+                  </a:ext>
+                </a:extLst>
+              </a:tr>
+              <a:tr h="515990">
+                <a:tc>
+                  <a:txBody>
+                    <a:bodyPr/>
+                    <a:lstStyle/>
+                    <a:p>
+                      <a:r>
+                        <a:rPr lang="de-DE" sz="1400" noProof="0" dirty="0"/>
+                        <a:t>Logik: Absenden der Bestellung für spezifische Tischnummer</a:t>
+                      </a:r>
+                    </a:p>
+                  </a:txBody>
+                  <a:tcPr/>
+                </a:tc>
+                <a:tc>
+                  <a:txBody>
+                    <a:bodyPr/>
+                    <a:lstStyle/>
+                    <a:p>
+                      <a:r>
+                        <a:rPr lang="de-DE" sz="1400" noProof="0" dirty="0"/>
+                        <a:t>Vincent Knapp</a:t>
+                      </a:r>
+                    </a:p>
+                    <a:p>
+                      <a:r>
+                        <a:rPr lang="de-DE" sz="1400" noProof="0" dirty="0"/>
+                        <a:t>Dennis Haaf</a:t>
+                      </a:r>
+                    </a:p>
+                  </a:txBody>
+                  <a:tcPr/>
+                </a:tc>
+                <a:tc>
+                  <a:txBody>
+                    <a:bodyPr/>
+                    <a:lstStyle/>
+                    <a:p>
+                      <a:r>
+                        <a:rPr lang="de-DE" sz="1400" noProof="0" dirty="0"/>
+                        <a:t>5</a:t>
+                      </a:r>
+                    </a:p>
+                  </a:txBody>
+                  <a:tcPr/>
+                </a:tc>
+                <a:tc>
+                  <a:txBody>
+                    <a:bodyPr/>
+                    <a:lstStyle/>
+                    <a:p>
+                      <a:r>
+                        <a:rPr lang="de-DE" sz="1400" noProof="0" dirty="0"/>
+                        <a:t>5</a:t>
+                      </a:r>
+                    </a:p>
+                  </a:txBody>
+                  <a:tcPr/>
+                </a:tc>
+                <a:tc>
+                  <a:txBody>
+                    <a:bodyPr/>
+                    <a:lstStyle/>
+                    <a:p>
+                      <a:r>
+                        <a:rPr lang="de-DE" sz="1400" noProof="0" dirty="0"/>
+                        <a:t>Erledigt</a:t>
+                      </a:r>
+                    </a:p>
+                  </a:txBody>
+                  <a:tcPr/>
+                </a:tc>
+                <a:extLst>
+                  <a:ext uri="{0D108BD9-81ED-4DB2-BD59-A6C34878D82A}">
+                    <a16:rowId xmlns:a16="http://schemas.microsoft.com/office/drawing/2014/main" val="1091053033"/>
+                  </a:ext>
+                </a:extLst>
+              </a:tr>
+              <a:tr h="728456">
+                <a:tc>
+                  <a:txBody>
+                    <a:bodyPr/>
+                    <a:lstStyle/>
+                    <a:p>
+                      <a:r>
+                        <a:rPr lang="de-DE" sz="1400" noProof="0" dirty="0"/>
+                        <a:t>Abschluss Warenkorb</a:t>
+                      </a:r>
+                    </a:p>
+                  </a:txBody>
+                  <a:tcPr/>
+                </a:tc>
+                <a:tc>
+                  <a:txBody>
+                    <a:bodyPr/>
+                    <a:lstStyle/>
+                    <a:p>
+                      <a:r>
+                        <a:rPr lang="de-DE" sz="1400" noProof="0" dirty="0"/>
+                        <a:t>Hans Bloching</a:t>
+                      </a:r>
+                    </a:p>
+                    <a:p>
+                      <a:r>
+                        <a:rPr lang="de-DE" sz="1400" noProof="0" dirty="0"/>
+                        <a:t>Vincent Knapp</a:t>
+                      </a:r>
+                    </a:p>
+                    <a:p>
+                      <a:r>
+                        <a:rPr lang="de-DE" sz="1400" noProof="0" dirty="0"/>
+                        <a:t>René Weber</a:t>
+                      </a:r>
+                    </a:p>
+                  </a:txBody>
+                  <a:tcPr/>
+                </a:tc>
+                <a:tc>
+                  <a:txBody>
+                    <a:bodyPr/>
+                    <a:lstStyle/>
+                    <a:p>
+                      <a:r>
+                        <a:rPr lang="de-DE" sz="1400" noProof="0" dirty="0"/>
+                        <a:t>6</a:t>
+                      </a:r>
+                    </a:p>
+                  </a:txBody>
+                  <a:tcPr/>
+                </a:tc>
+                <a:tc>
+                  <a:txBody>
+                    <a:bodyPr/>
+                    <a:lstStyle/>
+                    <a:p>
+                      <a:r>
+                        <a:rPr lang="de-DE" sz="1400" noProof="0" dirty="0"/>
+                        <a:t>6</a:t>
+                      </a:r>
+                    </a:p>
+                  </a:txBody>
+                  <a:tcPr/>
+                </a:tc>
+                <a:tc>
+                  <a:txBody>
+                    <a:bodyPr/>
+                    <a:lstStyle/>
+                    <a:p>
+                      <a:r>
+                        <a:rPr lang="de-DE" sz="1400" noProof="0" dirty="0"/>
+                        <a:t>Erledigt</a:t>
+                      </a:r>
+                    </a:p>
+                  </a:txBody>
+                  <a:tcPr/>
+                </a:tc>
+                <a:extLst>
+                  <a:ext uri="{0D108BD9-81ED-4DB2-BD59-A6C34878D82A}">
+                    <a16:rowId xmlns:a16="http://schemas.microsoft.com/office/drawing/2014/main" val="2446957633"/>
+                  </a:ext>
+                </a:extLst>
+              </a:tr>
+            </a:tbl>
+          </a:graphicData>
+        </a:graphic>
+      </p:graphicFrame>
+    </p:spTree>
+    <p:extLst>
+      <p:ext uri="{BB962C8B-B14F-4D97-AF65-F5344CB8AC3E}">
+        <p14:creationId xmlns:p14="http://schemas.microsoft.com/office/powerpoint/2010/main" val="704317053"/>
+      </p:ext>
+    </p:extLst>
+  </p:cSld>
+  <p:clrMapOvr>
+    <a:masterClrMapping/>
+  </p:clrMapOvr>
+</p:sld>
+</file>
+
+<file path=ppt/slides/slide13.xml><?xml version="1.0" encoding="utf-8"?>
+<p:sld xmlns:a="http://schemas.openxmlformats.org/drawingml/2006/main" xmlns:r="http://schemas.openxmlformats.org/officeDocument/2006/relationships" xmlns:p="http://schemas.openxmlformats.org/presentationml/2006/main">
+  <p:cSld>
+    <p:spTree>
+      <p:nvGrpSpPr>
+        <p:cNvPr id="1" name="">
+          <a:extLst>
+            <a:ext uri="{FF2B5EF4-FFF2-40B4-BE49-F238E27FC236}">
               <a16:creationId xmlns:a16="http://schemas.microsoft.com/office/drawing/2014/main" id="{40351EEA-BA7C-3B90-561D-0D11492BE107}"/>
             </a:ext>
           </a:extLst>
@@ -6297,7 +7193,7 @@
           <a:p>
             <a:fld id="{42B45B56-1D88-4042-8DF0-EB6B41B710D3}" type="datetime1">
               <a:rPr lang="de-DE" noProof="0" smtClean="0"/>
-              <a:t>11.12.2024</a:t>
+              <a:t>12.12.2024</a:t>
             </a:fld>
             <a:endParaRPr lang="de-DE" noProof="0" dirty="0"/>
           </a:p>
@@ -6326,7 +7222,7 @@
           <a:p>
             <a:fld id="{07CE569E-9B7C-4CB9-AB80-C0841F922CFF}" type="slidenum">
               <a:rPr lang="de-DE" noProof="0" smtClean="0"/>
-              <a:t>12</a:t>
+              <a:t>13</a:t>
             </a:fld>
             <a:endParaRPr lang="de-DE" noProof="0" dirty="0"/>
           </a:p>
@@ -6774,185 +7670,116 @@
           </a:p>
         </p:txBody>
       </p:sp>
+      <p:sp>
+        <p:nvSpPr>
+          <p:cNvPr id="7" name="Textfeld 6">
+            <a:extLst>
+              <a:ext uri="{FF2B5EF4-FFF2-40B4-BE49-F238E27FC236}">
+                <a16:creationId xmlns:a16="http://schemas.microsoft.com/office/drawing/2014/main" id="{879F137C-877B-196F-AB88-30822F84DAD2}"/>
+              </a:ext>
+            </a:extLst>
+          </p:cNvPr>
+          <p:cNvSpPr txBox="1"/>
+          <p:nvPr/>
+        </p:nvSpPr>
+        <p:spPr>
+          <a:xfrm>
+            <a:off x="9260601" y="1417627"/>
+            <a:ext cx="2669557" cy="3970318"/>
+          </a:xfrm>
+          <a:prstGeom prst="rect">
+            <a:avLst/>
+          </a:prstGeom>
+          <a:noFill/>
+        </p:spPr>
+        <p:txBody>
+          <a:bodyPr wrap="square" rtlCol="0">
+            <a:spAutoFit/>
+          </a:bodyPr>
+          <a:lstStyle/>
+          <a:p>
+            <a:r>
+              <a:rPr lang="de-DE" dirty="0"/>
+              <a:t>Layout</a:t>
+            </a:r>
+          </a:p>
+          <a:p>
+            <a:r>
+              <a:rPr lang="de-DE" dirty="0"/>
+              <a:t>Design</a:t>
+            </a:r>
+          </a:p>
+          <a:p>
+            <a:r>
+              <a:rPr lang="de-DE" dirty="0"/>
+              <a:t>Anbindung API</a:t>
+            </a:r>
+          </a:p>
+          <a:p>
+            <a:r>
+              <a:rPr lang="de-DE" dirty="0"/>
+              <a:t>Anpassen Felder für API Erweiterung</a:t>
+            </a:r>
+          </a:p>
+          <a:p>
+            <a:endParaRPr lang="de-DE" dirty="0"/>
+          </a:p>
+          <a:p>
+            <a:r>
+              <a:rPr lang="de-DE" dirty="0"/>
+              <a:t>Küchenansicht optimieren</a:t>
+            </a:r>
+          </a:p>
+          <a:p>
+            <a:r>
+              <a:rPr lang="de-DE" dirty="0"/>
+              <a:t>--&gt; </a:t>
+            </a:r>
+            <a:r>
+              <a:rPr lang="de-DE" dirty="0" err="1"/>
+              <a:t>Grouping</a:t>
+            </a:r>
+            <a:r>
+              <a:rPr lang="de-DE" dirty="0"/>
+              <a:t> per Table</a:t>
+            </a:r>
+          </a:p>
+          <a:p>
+            <a:r>
+              <a:rPr lang="de-DE" dirty="0"/>
+              <a:t>--&gt; </a:t>
+            </a:r>
+            <a:r>
+              <a:rPr lang="de-DE" dirty="0" err="1"/>
+              <a:t>Grouping</a:t>
+            </a:r>
+            <a:r>
+              <a:rPr lang="de-DE" dirty="0"/>
+              <a:t> per Artikel</a:t>
+            </a:r>
+          </a:p>
+          <a:p>
+            <a:pPr marL="285750" indent="-285750">
+              <a:buFont typeface="Wingdings" panose="05000000000000000000" pitchFamily="2" charset="2"/>
+              <a:buChar char="à"/>
+            </a:pPr>
+            <a:r>
+              <a:rPr lang="de-DE" dirty="0"/>
+              <a:t>Switchen zwischen diesen Ansichten</a:t>
+            </a:r>
+          </a:p>
+          <a:p>
+            <a:r>
+              <a:rPr lang="de-DE" dirty="0"/>
+              <a:t>Hosting</a:t>
+            </a:r>
+          </a:p>
+        </p:txBody>
+      </p:sp>
     </p:spTree>
     <p:extLst>
       <p:ext uri="{BB962C8B-B14F-4D97-AF65-F5344CB8AC3E}">
         <p14:creationId xmlns:p14="http://schemas.microsoft.com/office/powerpoint/2010/main" val="1110673821"/>
-      </p:ext>
-    </p:extLst>
-  </p:cSld>
-  <p:clrMapOvr>
-    <a:masterClrMapping/>
-  </p:clrMapOvr>
-</p:sld>
-</file>
-
-<file path=ppt/slides/slide13.xml><?xml version="1.0" encoding="utf-8"?>
-<p:sld xmlns:a="http://schemas.openxmlformats.org/drawingml/2006/main" xmlns:r="http://schemas.openxmlformats.org/officeDocument/2006/relationships" xmlns:p="http://schemas.openxmlformats.org/presentationml/2006/main">
-  <p:cSld>
-    <p:spTree>
-      <p:nvGrpSpPr>
-        <p:cNvPr id="1" name=""/>
-        <p:cNvGrpSpPr/>
-        <p:nvPr/>
-      </p:nvGrpSpPr>
-      <p:grpSpPr>
-        <a:xfrm>
-          <a:off x="0" y="0"/>
-          <a:ext cx="0" cy="0"/>
-          <a:chOff x="0" y="0"/>
-          <a:chExt cx="0" cy="0"/>
-        </a:xfrm>
-      </p:grpSpPr>
-      <p:sp>
-        <p:nvSpPr>
-          <p:cNvPr id="2" name="Titel 1">
-            <a:extLst>
-              <a:ext uri="{FF2B5EF4-FFF2-40B4-BE49-F238E27FC236}">
-                <a16:creationId xmlns:a16="http://schemas.microsoft.com/office/drawing/2014/main" id="{86AADDDC-CD07-D152-F98D-6AA7ABFFAE93}"/>
-              </a:ext>
-            </a:extLst>
-          </p:cNvPr>
-          <p:cNvSpPr>
-            <a:spLocks noGrp="1"/>
-          </p:cNvSpPr>
-          <p:nvPr>
-            <p:ph type="title"/>
-          </p:nvPr>
-        </p:nvSpPr>
-        <p:spPr/>
-        <p:txBody>
-          <a:bodyPr/>
-          <a:lstStyle/>
-          <a:p>
-            <a:r>
-              <a:rPr lang="de-DE" noProof="0" dirty="0"/>
-              <a:t>5. Ausblick auf den folgenden Sprint ??</a:t>
-            </a:r>
-          </a:p>
-        </p:txBody>
-      </p:sp>
-      <p:sp>
-        <p:nvSpPr>
-          <p:cNvPr id="3" name="Inhaltsplatzhalter 2">
-            <a:extLst>
-              <a:ext uri="{FF2B5EF4-FFF2-40B4-BE49-F238E27FC236}">
-                <a16:creationId xmlns:a16="http://schemas.microsoft.com/office/drawing/2014/main" id="{5E854AF4-9867-751A-7A8B-348123EF4C14}"/>
-              </a:ext>
-            </a:extLst>
-          </p:cNvPr>
-          <p:cNvSpPr>
-            <a:spLocks noGrp="1"/>
-          </p:cNvSpPr>
-          <p:nvPr>
-            <p:ph idx="1"/>
-          </p:nvPr>
-        </p:nvSpPr>
-        <p:spPr/>
-        <p:txBody>
-          <a:bodyPr/>
-          <a:lstStyle/>
-          <a:p>
-            <a:r>
-              <a:rPr lang="de-DE" sz="2800" noProof="0" dirty="0"/>
-              <a:t>Warenkorb Erstellung abschließen</a:t>
-            </a:r>
-          </a:p>
-          <a:p>
-            <a:r>
-              <a:rPr lang="de-DE" noProof="0" dirty="0"/>
-              <a:t>Logik “Anpassen von Speisen im Warenkorb”</a:t>
-            </a:r>
-          </a:p>
-          <a:p>
-            <a:r>
-              <a:rPr lang="de-DE" sz="2800" noProof="0" dirty="0"/>
-              <a:t>Logik </a:t>
-            </a:r>
-            <a:r>
-              <a:rPr lang="de-DE" noProof="0" dirty="0"/>
-              <a:t>“</a:t>
-            </a:r>
-            <a:r>
-              <a:rPr lang="de-DE" noProof="0" dirty="0" err="1"/>
-              <a:t>Autom</a:t>
-            </a:r>
-            <a:r>
-              <a:rPr lang="de-DE" noProof="0" dirty="0"/>
-              <a:t>. Kalkulation der Kosten”</a:t>
-            </a:r>
-            <a:endParaRPr lang="de-DE" sz="2800" noProof="0" dirty="0"/>
-          </a:p>
-          <a:p>
-            <a:r>
-              <a:rPr lang="de-DE" noProof="0" dirty="0"/>
-              <a:t>Logik zum Absenden der Bestellung</a:t>
-            </a:r>
-          </a:p>
-        </p:txBody>
-      </p:sp>
-      <p:sp>
-        <p:nvSpPr>
-          <p:cNvPr id="4" name="Datumsplatzhalter 3">
-            <a:extLst>
-              <a:ext uri="{FF2B5EF4-FFF2-40B4-BE49-F238E27FC236}">
-                <a16:creationId xmlns:a16="http://schemas.microsoft.com/office/drawing/2014/main" id="{305A6BE5-5A63-7D28-E770-729A20618D33}"/>
-              </a:ext>
-            </a:extLst>
-          </p:cNvPr>
-          <p:cNvSpPr>
-            <a:spLocks noGrp="1"/>
-          </p:cNvSpPr>
-          <p:nvPr>
-            <p:ph type="dt" sz="half" idx="10"/>
-          </p:nvPr>
-        </p:nvSpPr>
-        <p:spPr/>
-        <p:txBody>
-          <a:bodyPr/>
-          <a:lstStyle/>
-          <a:p>
-            <a:fld id="{42B45B56-1D88-4042-8DF0-EB6B41B710D3}" type="datetime1">
-              <a:rPr lang="de-DE" noProof="0" smtClean="0"/>
-              <a:t>11.12.2024</a:t>
-            </a:fld>
-            <a:endParaRPr lang="de-DE" noProof="0" dirty="0"/>
-          </a:p>
-        </p:txBody>
-      </p:sp>
-      <p:sp>
-        <p:nvSpPr>
-          <p:cNvPr id="5" name="Foliennummernplatzhalter 4">
-            <a:extLst>
-              <a:ext uri="{FF2B5EF4-FFF2-40B4-BE49-F238E27FC236}">
-                <a16:creationId xmlns:a16="http://schemas.microsoft.com/office/drawing/2014/main" id="{E28ABC24-8900-E378-E502-62B817D571F6}"/>
-              </a:ext>
-            </a:extLst>
-          </p:cNvPr>
-          <p:cNvSpPr>
-            <a:spLocks noGrp="1"/>
-          </p:cNvSpPr>
-          <p:nvPr>
-            <p:ph type="sldNum" sz="quarter" idx="12"/>
-          </p:nvPr>
-        </p:nvSpPr>
-        <p:spPr/>
-        <p:txBody>
-          <a:bodyPr/>
-          <a:lstStyle/>
-          <a:p>
-            <a:fld id="{07CE569E-9B7C-4CB9-AB80-C0841F922CFF}" type="slidenum">
-              <a:rPr lang="de-DE" noProof="0" smtClean="0"/>
-              <a:t>13</a:t>
-            </a:fld>
-            <a:endParaRPr lang="de-DE" noProof="0" dirty="0"/>
-          </a:p>
-        </p:txBody>
-      </p:sp>
-    </p:spTree>
-    <p:extLst>
-      <p:ext uri="{BB962C8B-B14F-4D97-AF65-F5344CB8AC3E}">
-        <p14:creationId xmlns:p14="http://schemas.microsoft.com/office/powerpoint/2010/main" val="3562051256"/>
       </p:ext>
     </p:extLst>
   </p:cSld>
@@ -6984,7 +7811,7 @@
           <p:cNvPr id="2" name="Titel 1">
             <a:extLst>
               <a:ext uri="{FF2B5EF4-FFF2-40B4-BE49-F238E27FC236}">
-                <a16:creationId xmlns:a16="http://schemas.microsoft.com/office/drawing/2014/main" id="{A075FF74-E5D2-1C9F-1DF3-DCD54EF547E9}"/>
+                <a16:creationId xmlns:a16="http://schemas.microsoft.com/office/drawing/2014/main" id="{86AADDDC-CD07-D152-F98D-6AA7ABFFAE93}"/>
               </a:ext>
             </a:extLst>
           </p:cNvPr>
@@ -7002,7 +7829,7 @@
           <a:p>
             <a:r>
               <a:rPr lang="de-DE" noProof="0" dirty="0"/>
-              <a:t>6. Software-Tools</a:t>
+              <a:t>5. Ausblick auf den folgenden Sprint</a:t>
             </a:r>
           </a:p>
         </p:txBody>
@@ -7012,127 +7839,45 @@
           <p:cNvPr id="3" name="Inhaltsplatzhalter 2">
             <a:extLst>
               <a:ext uri="{FF2B5EF4-FFF2-40B4-BE49-F238E27FC236}">
-                <a16:creationId xmlns:a16="http://schemas.microsoft.com/office/drawing/2014/main" id="{E627C203-A1B7-383D-97A8-56B3248A1E83}"/>
-              </a:ext>
-            </a:extLst>
-          </p:cNvPr>
-          <p:cNvSpPr>
-            <a:spLocks noGrp="1"/>
-          </p:cNvSpPr>
-          <p:nvPr>
-            <p:ph sz="half" idx="1"/>
+                <a16:creationId xmlns:a16="http://schemas.microsoft.com/office/drawing/2014/main" id="{5E854AF4-9867-751A-7A8B-348123EF4C14}"/>
+              </a:ext>
+            </a:extLst>
+          </p:cNvPr>
+          <p:cNvSpPr>
+            <a:spLocks noGrp="1"/>
+          </p:cNvSpPr>
+          <p:nvPr>
+            <p:ph idx="1"/>
           </p:nvPr>
         </p:nvSpPr>
         <p:spPr/>
         <p:txBody>
-          <a:bodyPr>
-            <a:normAutofit/>
-          </a:bodyPr>
-          <a:lstStyle/>
-          <a:p>
-            <a:r>
-              <a:rPr lang="de-DE" noProof="0" dirty="0"/>
-              <a:t>Programmiersprache:</a:t>
-            </a:r>
-          </a:p>
-          <a:p>
-            <a:pPr lvl="1"/>
-            <a:r>
-              <a:rPr lang="de-DE" noProof="0" dirty="0"/>
-              <a:t>C#</a:t>
-            </a:r>
-          </a:p>
-          <a:p>
-            <a:r>
-              <a:rPr lang="de-DE" noProof="0" dirty="0"/>
-              <a:t>Framework:</a:t>
-            </a:r>
-          </a:p>
-          <a:p>
-            <a:pPr lvl="1"/>
-            <a:r>
-              <a:rPr lang="de-DE" noProof="0" dirty="0" err="1"/>
-              <a:t>Blazor</a:t>
-            </a:r>
-            <a:endParaRPr lang="de-DE" noProof="0" dirty="0"/>
-          </a:p>
-          <a:p>
-            <a:r>
-              <a:rPr lang="de-DE" noProof="0" dirty="0"/>
-              <a:t>IDE:</a:t>
-            </a:r>
-          </a:p>
-          <a:p>
-            <a:pPr lvl="1"/>
-            <a:r>
-              <a:rPr lang="de-DE" noProof="0" dirty="0"/>
-              <a:t>Visual Studio</a:t>
-            </a:r>
-          </a:p>
-        </p:txBody>
-      </p:sp>
-      <p:sp>
-        <p:nvSpPr>
-          <p:cNvPr id="6" name="Inhaltsplatzhalter 5">
-            <a:extLst>
-              <a:ext uri="{FF2B5EF4-FFF2-40B4-BE49-F238E27FC236}">
-                <a16:creationId xmlns:a16="http://schemas.microsoft.com/office/drawing/2014/main" id="{7185288F-FFC3-A9CF-5040-625A8A619580}"/>
-              </a:ext>
-            </a:extLst>
-          </p:cNvPr>
-          <p:cNvSpPr>
-            <a:spLocks noGrp="1"/>
-          </p:cNvSpPr>
-          <p:nvPr>
-            <p:ph sz="half" idx="2"/>
-          </p:nvPr>
-        </p:nvSpPr>
-        <p:spPr/>
-        <p:txBody>
-          <a:bodyPr>
-            <a:normAutofit/>
-          </a:bodyPr>
-          <a:lstStyle/>
-          <a:p>
-            <a:r>
-              <a:rPr lang="de-DE" noProof="0" dirty="0"/>
-              <a:t>Datenbank:</a:t>
-            </a:r>
-          </a:p>
-          <a:p>
-            <a:pPr lvl="1"/>
-            <a:r>
-              <a:rPr lang="de-DE" noProof="0" dirty="0"/>
-              <a:t>SQLite</a:t>
-            </a:r>
-          </a:p>
-          <a:p>
-            <a:r>
-              <a:rPr lang="de-DE" noProof="0" dirty="0"/>
-              <a:t>Weitere Tools:</a:t>
-            </a:r>
-          </a:p>
-          <a:p>
-            <a:pPr lvl="1"/>
-            <a:r>
-              <a:rPr lang="de-DE" noProof="0" dirty="0"/>
-              <a:t>Git (Versionierung)</a:t>
-            </a:r>
-          </a:p>
-          <a:p>
-            <a:pPr lvl="1"/>
-            <a:r>
-              <a:rPr lang="de-DE" noProof="0" dirty="0"/>
-              <a:t>Docker (</a:t>
-            </a:r>
-            <a:r>
-              <a:rPr lang="de-DE" noProof="0" dirty="0" err="1"/>
-              <a:t>Deployment</a:t>
-            </a:r>
-            <a:r>
-              <a:rPr lang="de-DE" noProof="0" dirty="0"/>
-              <a:t>)</a:t>
-            </a:r>
+          <a:bodyPr/>
+          <a:lstStyle/>
+          <a:p>
+            <a:r>
+              <a:rPr lang="de-DE" sz="2800" dirty="0"/>
+              <a:t>Layout/Design überarbeiten.</a:t>
+            </a:r>
+          </a:p>
+          <a:p>
+            <a:r>
+              <a:rPr lang="de-DE" sz="2800" dirty="0"/>
+              <a:t>Anbindung API.</a:t>
+            </a:r>
+          </a:p>
+          <a:p>
+            <a:r>
+              <a:rPr lang="de-DE" sz="2800" dirty="0"/>
+              <a:t>(evtl. Küchenansicht optimieren).</a:t>
+            </a:r>
+          </a:p>
+          <a:p>
+            <a:r>
+              <a:rPr lang="de-DE" dirty="0"/>
+              <a:t>Hosting</a:t>
+            </a:r>
+            <a:endParaRPr lang="de-DE" sz="2800" dirty="0"/>
           </a:p>
         </p:txBody>
       </p:sp>
@@ -7141,7 +7886,7 @@
           <p:cNvPr id="4" name="Datumsplatzhalter 3">
             <a:extLst>
               <a:ext uri="{FF2B5EF4-FFF2-40B4-BE49-F238E27FC236}">
-                <a16:creationId xmlns:a16="http://schemas.microsoft.com/office/drawing/2014/main" id="{F5985418-FDA1-F1A7-80E8-C25C6BAC324B}"/>
+                <a16:creationId xmlns:a16="http://schemas.microsoft.com/office/drawing/2014/main" id="{305A6BE5-5A63-7D28-E770-729A20618D33}"/>
               </a:ext>
             </a:extLst>
           </p:cNvPr>
@@ -7159,7 +7904,7 @@
           <a:p>
             <a:fld id="{42B45B56-1D88-4042-8DF0-EB6B41B710D3}" type="datetime1">
               <a:rPr lang="de-DE" noProof="0" smtClean="0"/>
-              <a:t>11.12.2024</a:t>
+              <a:t>12.12.2024</a:t>
             </a:fld>
             <a:endParaRPr lang="de-DE" noProof="0" dirty="0"/>
           </a:p>
@@ -7170,7 +7915,7 @@
           <p:cNvPr id="5" name="Foliennummernplatzhalter 4">
             <a:extLst>
               <a:ext uri="{FF2B5EF4-FFF2-40B4-BE49-F238E27FC236}">
-                <a16:creationId xmlns:a16="http://schemas.microsoft.com/office/drawing/2014/main" id="{6A7A11C6-83C4-FA07-F8C7-F2826F8F22B6}"/>
+                <a16:creationId xmlns:a16="http://schemas.microsoft.com/office/drawing/2014/main" id="{E28ABC24-8900-E378-E502-62B817D571F6}"/>
               </a:ext>
             </a:extLst>
           </p:cNvPr>
@@ -7197,7 +7942,7 @@
     </p:spTree>
     <p:extLst>
       <p:ext uri="{BB962C8B-B14F-4D97-AF65-F5344CB8AC3E}">
-        <p14:creationId xmlns:p14="http://schemas.microsoft.com/office/powerpoint/2010/main" val="1367875186"/>
+        <p14:creationId xmlns:p14="http://schemas.microsoft.com/office/powerpoint/2010/main" val="3562051256"/>
       </p:ext>
     </p:extLst>
   </p:cSld>
@@ -7229,7 +7974,7 @@
           <p:cNvPr id="2" name="Titel 1">
             <a:extLst>
               <a:ext uri="{FF2B5EF4-FFF2-40B4-BE49-F238E27FC236}">
-                <a16:creationId xmlns:a16="http://schemas.microsoft.com/office/drawing/2014/main" id="{32CCE440-A4CB-26A7-5B3F-3F9D4B878A95}"/>
+                <a16:creationId xmlns:a16="http://schemas.microsoft.com/office/drawing/2014/main" id="{A075FF74-E5D2-1C9F-1DF3-DCD54EF547E9}"/>
               </a:ext>
             </a:extLst>
           </p:cNvPr>
@@ -7247,7 +7992,71 @@
           <a:p>
             <a:r>
               <a:rPr lang="de-DE" noProof="0" dirty="0"/>
-              <a:t>7. SOUPs/OTS</a:t>
+              <a:t>6. Software-Tools</a:t>
+            </a:r>
+          </a:p>
+        </p:txBody>
+      </p:sp>
+      <p:sp>
+        <p:nvSpPr>
+          <p:cNvPr id="3" name="Inhaltsplatzhalter 2">
+            <a:extLst>
+              <a:ext uri="{FF2B5EF4-FFF2-40B4-BE49-F238E27FC236}">
+                <a16:creationId xmlns:a16="http://schemas.microsoft.com/office/drawing/2014/main" id="{E627C203-A1B7-383D-97A8-56B3248A1E83}"/>
+              </a:ext>
+            </a:extLst>
+          </p:cNvPr>
+          <p:cNvSpPr>
+            <a:spLocks noGrp="1"/>
+          </p:cNvSpPr>
+          <p:nvPr>
+            <p:ph sz="half" idx="1"/>
+          </p:nvPr>
+        </p:nvSpPr>
+        <p:spPr/>
+        <p:txBody>
+          <a:bodyPr>
+            <a:normAutofit/>
+          </a:bodyPr>
+          <a:lstStyle/>
+          <a:p>
+            <a:r>
+              <a:rPr lang="de-DE" noProof="0" dirty="0"/>
+              <a:t>Programmiersprache:</a:t>
+            </a:r>
+          </a:p>
+          <a:p>
+            <a:pPr lvl="1"/>
+            <a:r>
+              <a:rPr lang="de-DE" noProof="0" dirty="0"/>
+              <a:t>C#</a:t>
+            </a:r>
+          </a:p>
+          <a:p>
+            <a:r>
+              <a:rPr lang="de-DE" noProof="0" dirty="0"/>
+              <a:t>Framework:</a:t>
+            </a:r>
+          </a:p>
+          <a:p>
+            <a:pPr lvl="1"/>
+            <a:r>
+              <a:rPr lang="de-DE" noProof="0" dirty="0" err="1"/>
+              <a:t>Blazor</a:t>
+            </a:r>
+            <a:endParaRPr lang="de-DE" noProof="0" dirty="0"/>
+          </a:p>
+          <a:p>
+            <a:r>
+              <a:rPr lang="de-DE" noProof="0" dirty="0"/>
+              <a:t>IDE:</a:t>
+            </a:r>
+          </a:p>
+          <a:p>
+            <a:pPr lvl="1"/>
+            <a:r>
+              <a:rPr lang="de-DE" noProof="0" dirty="0"/>
+              <a:t>Visual Studio</a:t>
             </a:r>
           </a:p>
         </p:txBody>
@@ -7257,117 +8066,62 @@
           <p:cNvPr id="6" name="Inhaltsplatzhalter 5">
             <a:extLst>
               <a:ext uri="{FF2B5EF4-FFF2-40B4-BE49-F238E27FC236}">
-                <a16:creationId xmlns:a16="http://schemas.microsoft.com/office/drawing/2014/main" id="{AF37E05B-D1E7-D5BB-3AA4-0CBC94340331}"/>
-              </a:ext>
-            </a:extLst>
-          </p:cNvPr>
-          <p:cNvSpPr>
-            <a:spLocks noGrp="1"/>
-          </p:cNvSpPr>
-          <p:nvPr>
-            <p:ph sz="half" idx="1"/>
+                <a16:creationId xmlns:a16="http://schemas.microsoft.com/office/drawing/2014/main" id="{7185288F-FFC3-A9CF-5040-625A8A619580}"/>
+              </a:ext>
+            </a:extLst>
+          </p:cNvPr>
+          <p:cNvSpPr>
+            <a:spLocks noGrp="1"/>
+          </p:cNvSpPr>
+          <p:nvPr>
+            <p:ph sz="half" idx="2"/>
           </p:nvPr>
         </p:nvSpPr>
         <p:spPr/>
         <p:txBody>
           <a:bodyPr>
-            <a:normAutofit lnSpcReduction="10000"/>
+            <a:normAutofit/>
           </a:bodyPr>
           <a:lstStyle/>
           <a:p>
             <a:r>
               <a:rPr lang="de-DE" noProof="0" dirty="0"/>
-              <a:t>Eingesetzte SOUPs:</a:t>
+              <a:t>Datenbank:</a:t>
             </a:r>
           </a:p>
           <a:p>
             <a:pPr lvl="1"/>
             <a:r>
               <a:rPr lang="de-DE" noProof="0" dirty="0"/>
-              <a:t>Docker-Container für Hosting der Anwendung</a:t>
+              <a:t>SQLite</a:t>
             </a:r>
           </a:p>
           <a:p>
             <a:r>
               <a:rPr lang="de-DE" noProof="0" dirty="0"/>
-              <a:t>Bibliotheken: </a:t>
+              <a:t>Weitere Tools:</a:t>
             </a:r>
           </a:p>
           <a:p>
             <a:pPr lvl="1"/>
             <a:r>
               <a:rPr lang="de-DE" noProof="0" dirty="0"/>
-              <a:t>[z. B. </a:t>
+              <a:t>Git (Versionierung)</a:t>
+            </a:r>
+          </a:p>
+          <a:p>
+            <a:pPr lvl="1"/>
+            <a:r>
+              <a:rPr lang="de-DE" noProof="0" dirty="0"/>
+              <a:t>Docker (</a:t>
             </a:r>
             <a:r>
               <a:rPr lang="de-DE" noProof="0" dirty="0" err="1"/>
-              <a:t>Newtonsoft.Json</a:t>
+              <a:t>Deployment</a:t>
             </a:r>
             <a:r>
               <a:rPr lang="de-DE" noProof="0" dirty="0"/>
-              <a:t>]</a:t>
-            </a:r>
-          </a:p>
-          <a:p>
-            <a:r>
-              <a:rPr lang="de-DE" noProof="0" dirty="0"/>
-              <a:t>Eingesetzte OTS:</a:t>
-            </a:r>
-          </a:p>
-          <a:p>
-            <a:pPr lvl="1"/>
-            <a:r>
-              <a:rPr lang="de-DE" noProof="0" dirty="0"/>
-              <a:t>.NET 5.0 Framework</a:t>
-            </a:r>
-          </a:p>
-        </p:txBody>
-      </p:sp>
-      <p:sp>
-        <p:nvSpPr>
-          <p:cNvPr id="7" name="Inhaltsplatzhalter 6">
-            <a:extLst>
-              <a:ext uri="{FF2B5EF4-FFF2-40B4-BE49-F238E27FC236}">
-                <a16:creationId xmlns:a16="http://schemas.microsoft.com/office/drawing/2014/main" id="{3BFD40B0-F7F1-F960-F8BC-73901AB54EC1}"/>
-              </a:ext>
-            </a:extLst>
-          </p:cNvPr>
-          <p:cNvSpPr>
-            <a:spLocks noGrp="1"/>
-          </p:cNvSpPr>
-          <p:nvPr>
-            <p:ph sz="half" idx="2"/>
-          </p:nvPr>
-        </p:nvSpPr>
-        <p:spPr/>
-        <p:txBody>
-          <a:bodyPr>
-            <a:normAutofit lnSpcReduction="10000"/>
-          </a:bodyPr>
-          <a:lstStyle/>
-          <a:p>
-            <a:r>
-              <a:rPr lang="de-DE" noProof="0" dirty="0"/>
-              <a:t>SQLite-Datenbank</a:t>
-            </a:r>
-          </a:p>
-          <a:p>
-            <a:r>
-              <a:rPr lang="de-DE" noProof="0" dirty="0"/>
-              <a:t>Visual Studio IDE</a:t>
-            </a:r>
-          </a:p>
-          <a:p>
-            <a:r>
-              <a:rPr lang="de-DE" noProof="0" dirty="0"/>
-              <a:t>Maßnahmen zur Validierung und Sicherstellung:</a:t>
-            </a:r>
-          </a:p>
-          <a:p>
-            <a:pPr lvl="1"/>
-            <a:r>
-              <a:rPr lang="de-DE" noProof="0" dirty="0"/>
-              <a:t>Security-Scans, regelmäßige Updates</a:t>
+              <a:t>)</a:t>
             </a:r>
           </a:p>
         </p:txBody>
@@ -7377,7 +8131,7 @@
           <p:cNvPr id="4" name="Datumsplatzhalter 3">
             <a:extLst>
               <a:ext uri="{FF2B5EF4-FFF2-40B4-BE49-F238E27FC236}">
-                <a16:creationId xmlns:a16="http://schemas.microsoft.com/office/drawing/2014/main" id="{02CC40AD-91C3-625D-A10C-F9A7627732C1}"/>
+                <a16:creationId xmlns:a16="http://schemas.microsoft.com/office/drawing/2014/main" id="{F5985418-FDA1-F1A7-80E8-C25C6BAC324B}"/>
               </a:ext>
             </a:extLst>
           </p:cNvPr>
@@ -7395,7 +8149,7 @@
           <a:p>
             <a:fld id="{42B45B56-1D88-4042-8DF0-EB6B41B710D3}" type="datetime1">
               <a:rPr lang="de-DE" noProof="0" smtClean="0"/>
-              <a:t>11.12.2024</a:t>
+              <a:t>12.12.2024</a:t>
             </a:fld>
             <a:endParaRPr lang="de-DE" noProof="0" dirty="0"/>
           </a:p>
@@ -7406,7 +8160,7 @@
           <p:cNvPr id="5" name="Foliennummernplatzhalter 4">
             <a:extLst>
               <a:ext uri="{FF2B5EF4-FFF2-40B4-BE49-F238E27FC236}">
-                <a16:creationId xmlns:a16="http://schemas.microsoft.com/office/drawing/2014/main" id="{C09C3547-5BE9-9D3D-0D06-22EA64B7A6ED}"/>
+                <a16:creationId xmlns:a16="http://schemas.microsoft.com/office/drawing/2014/main" id="{6A7A11C6-83C4-FA07-F8C7-F2826F8F22B6}"/>
               </a:ext>
             </a:extLst>
           </p:cNvPr>
@@ -7433,7 +8187,7 @@
     </p:spTree>
     <p:extLst>
       <p:ext uri="{BB962C8B-B14F-4D97-AF65-F5344CB8AC3E}">
-        <p14:creationId xmlns:p14="http://schemas.microsoft.com/office/powerpoint/2010/main" val="3169394714"/>
+        <p14:creationId xmlns:p14="http://schemas.microsoft.com/office/powerpoint/2010/main" val="1367875186"/>
       </p:ext>
     </p:extLst>
   </p:cSld>
@@ -7465,7 +8219,7 @@
           <p:cNvPr id="2" name="Titel 1">
             <a:extLst>
               <a:ext uri="{FF2B5EF4-FFF2-40B4-BE49-F238E27FC236}">
-                <a16:creationId xmlns:a16="http://schemas.microsoft.com/office/drawing/2014/main" id="{05F31F6E-2F65-7A93-DF0B-917ABC029378}"/>
+                <a16:creationId xmlns:a16="http://schemas.microsoft.com/office/drawing/2014/main" id="{32CCE440-A4CB-26A7-5B3F-3F9D4B878A95}"/>
               </a:ext>
             </a:extLst>
           </p:cNvPr>
@@ -7481,16 +8235,19 @@
           <a:bodyPr/>
           <a:lstStyle/>
           <a:p>
-            <a:endParaRPr lang="de-DE" noProof="0" dirty="0"/>
-          </a:p>
-        </p:txBody>
-      </p:sp>
-      <p:sp>
-        <p:nvSpPr>
-          <p:cNvPr id="3" name="Inhaltsplatzhalter 2">
-            <a:extLst>
-              <a:ext uri="{FF2B5EF4-FFF2-40B4-BE49-F238E27FC236}">
-                <a16:creationId xmlns:a16="http://schemas.microsoft.com/office/drawing/2014/main" id="{57D7586E-8549-8CEC-FF99-4F32F3A91E62}"/>
+            <a:r>
+              <a:rPr lang="de-DE" noProof="0" dirty="0"/>
+              <a:t>7. SOUPs/OTS</a:t>
+            </a:r>
+          </a:p>
+        </p:txBody>
+      </p:sp>
+      <p:sp>
+        <p:nvSpPr>
+          <p:cNvPr id="6" name="Inhaltsplatzhalter 5">
+            <a:extLst>
+              <a:ext uri="{FF2B5EF4-FFF2-40B4-BE49-F238E27FC236}">
+                <a16:creationId xmlns:a16="http://schemas.microsoft.com/office/drawing/2014/main" id="{AF37E05B-D1E7-D5BB-3AA4-0CBC94340331}"/>
               </a:ext>
             </a:extLst>
           </p:cNvPr>
@@ -7503,62 +8260,132 @@
         </p:nvSpPr>
         <p:spPr/>
         <p:txBody>
+          <a:bodyPr>
+            <a:normAutofit lnSpcReduction="10000"/>
+          </a:bodyPr>
+          <a:lstStyle/>
+          <a:p>
+            <a:r>
+              <a:rPr lang="de-DE" noProof="0" dirty="0"/>
+              <a:t>Eingesetzte SOUPs:</a:t>
+            </a:r>
+          </a:p>
+          <a:p>
+            <a:pPr lvl="1"/>
+            <a:r>
+              <a:rPr lang="de-DE" noProof="0" dirty="0"/>
+              <a:t>Docker-Container für Hosting der Anwendung</a:t>
+            </a:r>
+          </a:p>
+          <a:p>
+            <a:r>
+              <a:rPr lang="de-DE" noProof="0" dirty="0"/>
+              <a:t>Bibliotheken: </a:t>
+            </a:r>
+          </a:p>
+          <a:p>
+            <a:pPr lvl="1"/>
+            <a:r>
+              <a:rPr lang="de-DE" noProof="0" dirty="0"/>
+              <a:t>[z. B. </a:t>
+            </a:r>
+            <a:r>
+              <a:rPr lang="de-DE" noProof="0" dirty="0" err="1"/>
+              <a:t>Newtonsoft.Json</a:t>
+            </a:r>
+            <a:r>
+              <a:rPr lang="de-DE" noProof="0" dirty="0"/>
+              <a:t>]</a:t>
+            </a:r>
+          </a:p>
+          <a:p>
+            <a:r>
+              <a:rPr lang="de-DE" noProof="0" dirty="0"/>
+              <a:t>Eingesetzte OTS:</a:t>
+            </a:r>
+          </a:p>
+          <a:p>
+            <a:pPr lvl="1"/>
+            <a:r>
+              <a:rPr lang="de-DE" noProof="0" dirty="0"/>
+              <a:t>.NET 5.0 Framework</a:t>
+            </a:r>
+          </a:p>
+        </p:txBody>
+      </p:sp>
+      <p:sp>
+        <p:nvSpPr>
+          <p:cNvPr id="7" name="Inhaltsplatzhalter 6">
+            <a:extLst>
+              <a:ext uri="{FF2B5EF4-FFF2-40B4-BE49-F238E27FC236}">
+                <a16:creationId xmlns:a16="http://schemas.microsoft.com/office/drawing/2014/main" id="{3BFD40B0-F7F1-F960-F8BC-73901AB54EC1}"/>
+              </a:ext>
+            </a:extLst>
+          </p:cNvPr>
+          <p:cNvSpPr>
+            <a:spLocks noGrp="1"/>
+          </p:cNvSpPr>
+          <p:nvPr>
+            <p:ph sz="half" idx="2"/>
+          </p:nvPr>
+        </p:nvSpPr>
+        <p:spPr/>
+        <p:txBody>
+          <a:bodyPr>
+            <a:normAutofit lnSpcReduction="10000"/>
+          </a:bodyPr>
+          <a:lstStyle/>
+          <a:p>
+            <a:r>
+              <a:rPr lang="de-DE" noProof="0" dirty="0"/>
+              <a:t>SQLite-Datenbank</a:t>
+            </a:r>
+          </a:p>
+          <a:p>
+            <a:r>
+              <a:rPr lang="de-DE" noProof="0" dirty="0"/>
+              <a:t>Visual Studio IDE</a:t>
+            </a:r>
+          </a:p>
+          <a:p>
+            <a:r>
+              <a:rPr lang="de-DE" noProof="0" dirty="0"/>
+              <a:t>Maßnahmen zur Validierung und Sicherstellung:</a:t>
+            </a:r>
+          </a:p>
+          <a:p>
+            <a:pPr lvl="1"/>
+            <a:r>
+              <a:rPr lang="de-DE" noProof="0" dirty="0"/>
+              <a:t>Security-Scans, regelmäßige Updates</a:t>
+            </a:r>
+          </a:p>
+        </p:txBody>
+      </p:sp>
+      <p:sp>
+        <p:nvSpPr>
+          <p:cNvPr id="4" name="Datumsplatzhalter 3">
+            <a:extLst>
+              <a:ext uri="{FF2B5EF4-FFF2-40B4-BE49-F238E27FC236}">
+                <a16:creationId xmlns:a16="http://schemas.microsoft.com/office/drawing/2014/main" id="{02CC40AD-91C3-625D-A10C-F9A7627732C1}"/>
+              </a:ext>
+            </a:extLst>
+          </p:cNvPr>
+          <p:cNvSpPr>
+            <a:spLocks noGrp="1"/>
+          </p:cNvSpPr>
+          <p:nvPr>
+            <p:ph type="dt" sz="half" idx="10"/>
+          </p:nvPr>
+        </p:nvSpPr>
+        <p:spPr/>
+        <p:txBody>
           <a:bodyPr/>
           <a:lstStyle/>
           <a:p>
-            <a:endParaRPr lang="de-DE" noProof="0" dirty="0"/>
-          </a:p>
-        </p:txBody>
-      </p:sp>
-      <p:sp>
-        <p:nvSpPr>
-          <p:cNvPr id="4" name="Inhaltsplatzhalter 3">
-            <a:extLst>
-              <a:ext uri="{FF2B5EF4-FFF2-40B4-BE49-F238E27FC236}">
-                <a16:creationId xmlns:a16="http://schemas.microsoft.com/office/drawing/2014/main" id="{B737EBE6-E269-7788-70A0-0FBAD540DD56}"/>
-              </a:ext>
-            </a:extLst>
-          </p:cNvPr>
-          <p:cNvSpPr>
-            <a:spLocks noGrp="1"/>
-          </p:cNvSpPr>
-          <p:nvPr>
-            <p:ph sz="half" idx="2"/>
-          </p:nvPr>
-        </p:nvSpPr>
-        <p:spPr/>
-        <p:txBody>
-          <a:bodyPr/>
-          <a:lstStyle/>
-          <a:p>
-            <a:endParaRPr lang="de-DE" noProof="0" dirty="0"/>
-          </a:p>
-        </p:txBody>
-      </p:sp>
-      <p:sp>
-        <p:nvSpPr>
-          <p:cNvPr id="5" name="Datumsplatzhalter 4">
-            <a:extLst>
-              <a:ext uri="{FF2B5EF4-FFF2-40B4-BE49-F238E27FC236}">
-                <a16:creationId xmlns:a16="http://schemas.microsoft.com/office/drawing/2014/main" id="{4D485582-CA74-5996-9B0D-1A4F88AB5AF0}"/>
-              </a:ext>
-            </a:extLst>
-          </p:cNvPr>
-          <p:cNvSpPr>
-            <a:spLocks noGrp="1"/>
-          </p:cNvSpPr>
-          <p:nvPr>
-            <p:ph type="dt" sz="half" idx="10"/>
-          </p:nvPr>
-        </p:nvSpPr>
-        <p:spPr/>
-        <p:txBody>
-          <a:bodyPr/>
-          <a:lstStyle/>
-          <a:p>
-            <a:fld id="{12AE7323-5CDD-4051-9975-1729D84443C7}" type="datetime1">
+            <a:fld id="{42B45B56-1D88-4042-8DF0-EB6B41B710D3}" type="datetime1">
               <a:rPr lang="de-DE" noProof="0" smtClean="0"/>
-              <a:t>11.12.2024</a:t>
+              <a:t>12.12.2024</a:t>
             </a:fld>
             <a:endParaRPr lang="de-DE" noProof="0" dirty="0"/>
           </a:p>
@@ -7566,10 +8393,10 @@
       </p:sp>
       <p:sp>
         <p:nvSpPr>
-          <p:cNvPr id="6" name="Foliennummernplatzhalter 5">
-            <a:extLst>
-              <a:ext uri="{FF2B5EF4-FFF2-40B4-BE49-F238E27FC236}">
-                <a16:creationId xmlns:a16="http://schemas.microsoft.com/office/drawing/2014/main" id="{EFEE860A-9D58-26A0-3548-E7CC6A6E9AEB}"/>
+          <p:cNvPr id="5" name="Foliennummernplatzhalter 4">
+            <a:extLst>
+              <a:ext uri="{FF2B5EF4-FFF2-40B4-BE49-F238E27FC236}">
+                <a16:creationId xmlns:a16="http://schemas.microsoft.com/office/drawing/2014/main" id="{C09C3547-5BE9-9D3D-0D06-22EA64B7A6ED}"/>
               </a:ext>
             </a:extLst>
           </p:cNvPr>
@@ -7596,7 +8423,7 @@
     </p:spTree>
     <p:extLst>
       <p:ext uri="{BB962C8B-B14F-4D97-AF65-F5344CB8AC3E}">
-        <p14:creationId xmlns:p14="http://schemas.microsoft.com/office/powerpoint/2010/main" val="3837604972"/>
+        <p14:creationId xmlns:p14="http://schemas.microsoft.com/office/powerpoint/2010/main" val="3169394714"/>
       </p:ext>
     </p:extLst>
   </p:cSld>
@@ -7611,13 +8438,7 @@
   <p:cSld>
     <p:spTree>
       <p:nvGrpSpPr>
-        <p:cNvPr id="1" name="">
-          <a:extLst>
-            <a:ext uri="{FF2B5EF4-FFF2-40B4-BE49-F238E27FC236}">
-              <a16:creationId xmlns:a16="http://schemas.microsoft.com/office/drawing/2014/main" id="{FAA7904C-22D5-E881-4D01-FB477DA71E5F}"/>
-            </a:ext>
-          </a:extLst>
-        </p:cNvPr>
+        <p:cNvPr id="1" name=""/>
         <p:cNvGrpSpPr/>
         <p:nvPr/>
       </p:nvGrpSpPr>
@@ -7634,7 +8455,7 @@
           <p:cNvPr id="2" name="Titel 1">
             <a:extLst>
               <a:ext uri="{FF2B5EF4-FFF2-40B4-BE49-F238E27FC236}">
-                <a16:creationId xmlns:a16="http://schemas.microsoft.com/office/drawing/2014/main" id="{3BB55E6B-CF2C-CEF3-FF48-47668B162BA5}"/>
+                <a16:creationId xmlns:a16="http://schemas.microsoft.com/office/drawing/2014/main" id="{05F31F6E-2F65-7A93-DF0B-917ABC029378}"/>
               </a:ext>
             </a:extLst>
           </p:cNvPr>
@@ -7651,18 +8472,89 @@
           <a:lstStyle/>
           <a:p>
             <a:r>
-              <a:rPr lang="de-DE" noProof="0" dirty="0"/>
-              <a:t>4. Detailplanung (IST)</a:t>
-            </a:r>
-          </a:p>
-        </p:txBody>
-      </p:sp>
-      <p:sp>
-        <p:nvSpPr>
-          <p:cNvPr id="4" name="Datumsplatzhalter 3">
-            <a:extLst>
-              <a:ext uri="{FF2B5EF4-FFF2-40B4-BE49-F238E27FC236}">
-                <a16:creationId xmlns:a16="http://schemas.microsoft.com/office/drawing/2014/main" id="{27F8B146-19B8-D939-3B88-D8858768AA31}"/>
+              <a:rPr lang="en-US" noProof="0" dirty="0" err="1"/>
+              <a:t>Vielen</a:t>
+            </a:r>
+            <a:r>
+              <a:rPr lang="en-US" noProof="0" dirty="0"/>
+              <a:t> Dank für </a:t>
+            </a:r>
+            <a:r>
+              <a:rPr lang="en-US" noProof="0" dirty="0" err="1"/>
+              <a:t>eure</a:t>
+            </a:r>
+            <a:r>
+              <a:rPr lang="en-US" noProof="0" dirty="0"/>
+              <a:t> </a:t>
+            </a:r>
+            <a:r>
+              <a:rPr lang="en-US" noProof="0" dirty="0" err="1"/>
+              <a:t>Aufmerksamkeit</a:t>
+            </a:r>
+            <a:r>
+              <a:rPr lang="en-US" noProof="0" dirty="0"/>
+              <a:t>!</a:t>
+            </a:r>
+            <a:endParaRPr lang="de-DE" noProof="0" dirty="0"/>
+          </a:p>
+        </p:txBody>
+      </p:sp>
+      <p:sp>
+        <p:nvSpPr>
+          <p:cNvPr id="3" name="Inhaltsplatzhalter 2">
+            <a:extLst>
+              <a:ext uri="{FF2B5EF4-FFF2-40B4-BE49-F238E27FC236}">
+                <a16:creationId xmlns:a16="http://schemas.microsoft.com/office/drawing/2014/main" id="{57D7586E-8549-8CEC-FF99-4F32F3A91E62}"/>
+              </a:ext>
+            </a:extLst>
+          </p:cNvPr>
+          <p:cNvSpPr>
+            <a:spLocks noGrp="1"/>
+          </p:cNvSpPr>
+          <p:nvPr>
+            <p:ph sz="half" idx="1"/>
+          </p:nvPr>
+        </p:nvSpPr>
+        <p:spPr/>
+        <p:txBody>
+          <a:bodyPr/>
+          <a:lstStyle/>
+          <a:p>
+            <a:endParaRPr lang="de-DE" noProof="0" dirty="0"/>
+          </a:p>
+        </p:txBody>
+      </p:sp>
+      <p:sp>
+        <p:nvSpPr>
+          <p:cNvPr id="4" name="Inhaltsplatzhalter 3">
+            <a:extLst>
+              <a:ext uri="{FF2B5EF4-FFF2-40B4-BE49-F238E27FC236}">
+                <a16:creationId xmlns:a16="http://schemas.microsoft.com/office/drawing/2014/main" id="{B737EBE6-E269-7788-70A0-0FBAD540DD56}"/>
+              </a:ext>
+            </a:extLst>
+          </p:cNvPr>
+          <p:cNvSpPr>
+            <a:spLocks noGrp="1"/>
+          </p:cNvSpPr>
+          <p:nvPr>
+            <p:ph sz="half" idx="2"/>
+          </p:nvPr>
+        </p:nvSpPr>
+        <p:spPr/>
+        <p:txBody>
+          <a:bodyPr/>
+          <a:lstStyle/>
+          <a:p>
+            <a:endParaRPr lang="de-DE" noProof="0" dirty="0"/>
+          </a:p>
+        </p:txBody>
+      </p:sp>
+      <p:sp>
+        <p:nvSpPr>
+          <p:cNvPr id="5" name="Datumsplatzhalter 4">
+            <a:extLst>
+              <a:ext uri="{FF2B5EF4-FFF2-40B4-BE49-F238E27FC236}">
+                <a16:creationId xmlns:a16="http://schemas.microsoft.com/office/drawing/2014/main" id="{4D485582-CA74-5996-9B0D-1A4F88AB5AF0}"/>
               </a:ext>
             </a:extLst>
           </p:cNvPr>
@@ -7678,86 +8570,20 @@
           <a:bodyPr/>
           <a:lstStyle/>
           <a:p>
-            <a:pPr marL="0" marR="0" lvl="0" indent="0" algn="r" defTabSz="914400" rtl="0" eaLnBrk="1" fontAlgn="auto" latinLnBrk="0" hangingPunct="1">
-              <a:lnSpc>
-                <a:spcPct val="100000"/>
-              </a:lnSpc>
-              <a:spcBef>
-                <a:spcPts val="0"/>
-              </a:spcBef>
-              <a:spcAft>
-                <a:spcPts val="0"/>
-              </a:spcAft>
-              <a:buClrTx/>
-              <a:buSzTx/>
-              <a:buFontTx/>
-              <a:buNone/>
-              <a:tabLst/>
-              <a:defRPr/>
-            </a:pPr>
-            <a:fld id="{42B45B56-1D88-4042-8DF0-EB6B41B710D3}" type="datetime1">
-              <a:rPr kumimoji="0" lang="de-DE" sz="1200" b="0" i="0" u="none" strike="noStrike" kern="1200" cap="none" spc="0" normalizeH="0" baseline="0" noProof="0" smtClean="0">
-                <a:ln>
-                  <a:noFill/>
-                </a:ln>
-                <a:solidFill>
-                  <a:srgbClr val="FFFFFF">
-                    <a:tint val="75000"/>
-                    <a:alpha val="70000"/>
-                  </a:srgbClr>
-                </a:solidFill>
-                <a:effectLst/>
-                <a:uLnTx/>
-                <a:uFillTx/>
-                <a:latin typeface="Avenir Next LT Pro"/>
-                <a:ea typeface="+mn-ea"/>
-                <a:cs typeface="+mn-cs"/>
-              </a:rPr>
-              <a:pPr marL="0" marR="0" lvl="0" indent="0" algn="r" defTabSz="914400" rtl="0" eaLnBrk="1" fontAlgn="auto" latinLnBrk="0" hangingPunct="1">
-                <a:lnSpc>
-                  <a:spcPct val="100000"/>
-                </a:lnSpc>
-                <a:spcBef>
-                  <a:spcPts val="0"/>
-                </a:spcBef>
-                <a:spcAft>
-                  <a:spcPts val="0"/>
-                </a:spcAft>
-                <a:buClrTx/>
-                <a:buSzTx/>
-                <a:buFontTx/>
-                <a:buNone/>
-                <a:tabLst/>
-                <a:defRPr/>
-              </a:pPr>
-              <a:t>11.12.2024</a:t>
+            <a:fld id="{12AE7323-5CDD-4051-9975-1729D84443C7}" type="datetime1">
+              <a:rPr lang="de-DE" noProof="0" smtClean="0"/>
+              <a:t>12.12.2024</a:t>
             </a:fld>
-            <a:endParaRPr kumimoji="0" lang="de-DE" sz="1200" b="0" i="0" u="none" strike="noStrike" kern="1200" cap="none" spc="0" normalizeH="0" baseline="0" noProof="0" dirty="0">
-              <a:ln>
-                <a:noFill/>
-              </a:ln>
-              <a:solidFill>
-                <a:srgbClr val="FFFFFF">
-                  <a:tint val="75000"/>
-                  <a:alpha val="70000"/>
-                </a:srgbClr>
-              </a:solidFill>
-              <a:effectLst/>
-              <a:uLnTx/>
-              <a:uFillTx/>
-              <a:latin typeface="Avenir Next LT Pro"/>
-              <a:ea typeface="+mn-ea"/>
-              <a:cs typeface="+mn-cs"/>
-            </a:endParaRPr>
-          </a:p>
-        </p:txBody>
-      </p:sp>
-      <p:sp>
-        <p:nvSpPr>
-          <p:cNvPr id="5" name="Foliennummernplatzhalter 4">
-            <a:extLst>
-              <a:ext uri="{FF2B5EF4-FFF2-40B4-BE49-F238E27FC236}">
-                <a16:creationId xmlns:a16="http://schemas.microsoft.com/office/drawing/2014/main" id="{574F4C5D-53C4-AF6F-8676-A07AF5A9C890}"/>
+            <a:endParaRPr lang="de-DE" noProof="0" dirty="0"/>
+          </a:p>
+        </p:txBody>
+      </p:sp>
+      <p:sp>
+        <p:nvSpPr>
+          <p:cNvPr id="6" name="Foliennummernplatzhalter 5">
+            <a:extLst>
+              <a:ext uri="{FF2B5EF4-FFF2-40B4-BE49-F238E27FC236}">
+                <a16:creationId xmlns:a16="http://schemas.microsoft.com/office/drawing/2014/main" id="{EFEE860A-9D58-26A0-3548-E7CC6A6E9AEB}"/>
               </a:ext>
             </a:extLst>
           </p:cNvPr>
@@ -7773,797 +8599,18 @@
           <a:bodyPr/>
           <a:lstStyle/>
           <a:p>
-            <a:pPr marL="0" marR="0" lvl="0" indent="0" algn="r" defTabSz="914400" rtl="0" eaLnBrk="1" fontAlgn="auto" latinLnBrk="0" hangingPunct="1">
-              <a:lnSpc>
-                <a:spcPct val="100000"/>
-              </a:lnSpc>
-              <a:spcBef>
-                <a:spcPts val="0"/>
-              </a:spcBef>
-              <a:spcAft>
-                <a:spcPts val="0"/>
-              </a:spcAft>
-              <a:buClrTx/>
-              <a:buSzTx/>
-              <a:buFontTx/>
-              <a:buNone/>
-              <a:tabLst/>
-              <a:defRPr/>
-            </a:pPr>
             <a:fld id="{07CE569E-9B7C-4CB9-AB80-C0841F922CFF}" type="slidenum">
-              <a:rPr kumimoji="0" lang="de-DE" sz="1200" b="0" i="0" u="none" strike="noStrike" kern="1200" cap="none" spc="0" normalizeH="0" baseline="0" noProof="0" smtClean="0">
-                <a:ln>
-                  <a:noFill/>
-                </a:ln>
-                <a:solidFill>
-                  <a:srgbClr val="FFFFFF">
-                    <a:tint val="75000"/>
-                    <a:alpha val="70000"/>
-                  </a:srgbClr>
-                </a:solidFill>
-                <a:effectLst/>
-                <a:uLnTx/>
-                <a:uFillTx/>
-                <a:latin typeface="Avenir Next LT Pro"/>
-                <a:ea typeface="+mn-ea"/>
-                <a:cs typeface="+mn-cs"/>
-              </a:rPr>
-              <a:pPr marL="0" marR="0" lvl="0" indent="0" algn="r" defTabSz="914400" rtl="0" eaLnBrk="1" fontAlgn="auto" latinLnBrk="0" hangingPunct="1">
-                <a:lnSpc>
-                  <a:spcPct val="100000"/>
-                </a:lnSpc>
-                <a:spcBef>
-                  <a:spcPts val="0"/>
-                </a:spcBef>
-                <a:spcAft>
-                  <a:spcPts val="0"/>
-                </a:spcAft>
-                <a:buClrTx/>
-                <a:buSzTx/>
-                <a:buFontTx/>
-                <a:buNone/>
-                <a:tabLst/>
-                <a:defRPr/>
-              </a:pPr>
+              <a:rPr lang="de-DE" noProof="0" smtClean="0"/>
               <a:t>17</a:t>
             </a:fld>
-            <a:endParaRPr kumimoji="0" lang="de-DE" sz="1200" b="0" i="0" u="none" strike="noStrike" kern="1200" cap="none" spc="0" normalizeH="0" baseline="0" noProof="0" dirty="0">
-              <a:ln>
-                <a:noFill/>
-              </a:ln>
-              <a:solidFill>
-                <a:srgbClr val="FFFFFF">
-                  <a:tint val="75000"/>
-                  <a:alpha val="70000"/>
-                </a:srgbClr>
-              </a:solidFill>
-              <a:effectLst/>
-              <a:uLnTx/>
-              <a:uFillTx/>
-              <a:latin typeface="Avenir Next LT Pro"/>
-              <a:ea typeface="+mn-ea"/>
-              <a:cs typeface="+mn-cs"/>
-            </a:endParaRPr>
-          </a:p>
-        </p:txBody>
-      </p:sp>
-      <p:graphicFrame>
-        <p:nvGraphicFramePr>
-          <p:cNvPr id="3" name="Inhaltsplatzhalter 2">
-            <a:extLst>
-              <a:ext uri="{FF2B5EF4-FFF2-40B4-BE49-F238E27FC236}">
-                <a16:creationId xmlns:a16="http://schemas.microsoft.com/office/drawing/2014/main" id="{5F2698D9-4327-57B7-2C1D-6CF407017E47}"/>
-              </a:ext>
-            </a:extLst>
-          </p:cNvPr>
-          <p:cNvGraphicFramePr>
-            <a:graphicFrameLocks noGrp="1"/>
-          </p:cNvGraphicFramePr>
-          <p:nvPr>
-            <p:ph idx="1"/>
-            <p:extLst>
-              <p:ext uri="{D42A27DB-BD31-4B8C-83A1-F6EECF244321}">
-                <p14:modId xmlns:p14="http://schemas.microsoft.com/office/powerpoint/2010/main" val="3025553376"/>
-              </p:ext>
-            </p:extLst>
-          </p:nvPr>
-        </p:nvGraphicFramePr>
-        <p:xfrm>
-          <a:off x="762000" y="1860487"/>
-          <a:ext cx="8961423" cy="4467451"/>
-        </p:xfrm>
-        <a:graphic>
-          <a:graphicData uri="http://schemas.openxmlformats.org/drawingml/2006/table">
-            <a:tbl>
-              <a:tblPr firstRow="1" bandRow="1">
-                <a:tableStyleId>{5C22544A-7EE6-4342-B048-85BDC9FD1C3A}</a:tableStyleId>
-              </a:tblPr>
-              <a:tblGrid>
-                <a:gridCol w="3810675">
-                  <a:extLst>
-                    <a:ext uri="{9D8B030D-6E8A-4147-A177-3AD203B41FA5}">
-                      <a16:colId xmlns:a16="http://schemas.microsoft.com/office/drawing/2014/main" val="230851902"/>
-                    </a:ext>
-                  </a:extLst>
-                </a:gridCol>
-                <a:gridCol w="2321893">
-                  <a:extLst>
-                    <a:ext uri="{9D8B030D-6E8A-4147-A177-3AD203B41FA5}">
-                      <a16:colId xmlns:a16="http://schemas.microsoft.com/office/drawing/2014/main" val="2657664356"/>
-                    </a:ext>
-                  </a:extLst>
-                </a:gridCol>
-                <a:gridCol w="1733814">
-                  <a:extLst>
-                    <a:ext uri="{9D8B030D-6E8A-4147-A177-3AD203B41FA5}">
-                      <a16:colId xmlns:a16="http://schemas.microsoft.com/office/drawing/2014/main" val="4098082685"/>
-                    </a:ext>
-                  </a:extLst>
-                </a:gridCol>
-                <a:gridCol w="1095041">
-                  <a:extLst>
-                    <a:ext uri="{9D8B030D-6E8A-4147-A177-3AD203B41FA5}">
-                      <a16:colId xmlns:a16="http://schemas.microsoft.com/office/drawing/2014/main" val="2360363224"/>
-                    </a:ext>
-                  </a:extLst>
-                </a:gridCol>
-              </a:tblGrid>
-              <a:tr h="364002">
-                <a:tc>
-                  <a:txBody>
-                    <a:bodyPr/>
-                    <a:lstStyle/>
-                    <a:p>
-                      <a:r>
-                        <a:rPr lang="de-DE" sz="1400" noProof="0" dirty="0"/>
-                        <a:t>Aufgabe</a:t>
-                      </a:r>
-                    </a:p>
-                  </a:txBody>
-                  <a:tcPr/>
-                </a:tc>
-                <a:tc>
-                  <a:txBody>
-                    <a:bodyPr/>
-                    <a:lstStyle/>
-                    <a:p>
-                      <a:r>
-                        <a:rPr lang="de-DE" sz="1400" noProof="0" dirty="0"/>
-                        <a:t>Zuständigkeit</a:t>
-                      </a:r>
-                    </a:p>
-                  </a:txBody>
-                  <a:tcPr/>
-                </a:tc>
-                <a:tc>
-                  <a:txBody>
-                    <a:bodyPr/>
-                    <a:lstStyle/>
-                    <a:p>
-                      <a:r>
-                        <a:rPr lang="de-DE" sz="1400" noProof="0" dirty="0"/>
-                        <a:t>Aufwand</a:t>
-                      </a:r>
-                    </a:p>
-                  </a:txBody>
-                  <a:tcPr/>
-                </a:tc>
-                <a:tc>
-                  <a:txBody>
-                    <a:bodyPr/>
-                    <a:lstStyle/>
-                    <a:p>
-                      <a:r>
-                        <a:rPr lang="de-DE" sz="1400" noProof="0" dirty="0"/>
-                        <a:t>Status</a:t>
-                      </a:r>
-                    </a:p>
-                  </a:txBody>
-                  <a:tcPr/>
-                </a:tc>
-                <a:extLst>
-                  <a:ext uri="{0D108BD9-81ED-4DB2-BD59-A6C34878D82A}">
-                    <a16:rowId xmlns:a16="http://schemas.microsoft.com/office/drawing/2014/main" val="2749238170"/>
-                  </a:ext>
-                </a:extLst>
-              </a:tr>
-              <a:tr h="926116">
-                <a:tc>
-                  <a:txBody>
-                    <a:bodyPr/>
-                    <a:lstStyle/>
-                    <a:p>
-                      <a:r>
-                        <a:rPr lang="de-DE" sz="1400" noProof="0" dirty="0"/>
-                        <a:t>Dokumentation + Project </a:t>
-                      </a:r>
-                      <a:r>
-                        <a:rPr lang="de-DE" sz="1400" noProof="0" dirty="0" err="1"/>
-                        <a:t>Managment</a:t>
-                      </a:r>
-                      <a:endParaRPr lang="de-DE" sz="1400" noProof="0" dirty="0"/>
-                    </a:p>
-                  </a:txBody>
-                  <a:tcPr/>
-                </a:tc>
-                <a:tc>
-                  <a:txBody>
-                    <a:bodyPr/>
-                    <a:lstStyle/>
-                    <a:p>
-                      <a:r>
-                        <a:rPr lang="de-DE" sz="1400" noProof="0" dirty="0"/>
-                        <a:t>Alle</a:t>
-                      </a:r>
-                    </a:p>
-                  </a:txBody>
-                  <a:tcPr/>
-                </a:tc>
-                <a:tc>
-                  <a:txBody>
-                    <a:bodyPr/>
-                    <a:lstStyle/>
-                    <a:p>
-                      <a:r>
-                        <a:rPr lang="de-DE" sz="1400" noProof="0" dirty="0"/>
-                        <a:t>14</a:t>
-                      </a:r>
-                    </a:p>
-                    <a:p>
-                      <a:r>
-                        <a:rPr lang="de-DE" sz="1050" noProof="0" dirty="0"/>
-                        <a:t>(6h Vorbereitung des Sprint)</a:t>
-                      </a:r>
-                    </a:p>
-                  </a:txBody>
-                  <a:tcPr/>
-                </a:tc>
-                <a:tc>
-                  <a:txBody>
-                    <a:bodyPr/>
-                    <a:lstStyle/>
-                    <a:p>
-                      <a:r>
-                        <a:rPr lang="de-DE" sz="1400" noProof="0" dirty="0"/>
-                        <a:t>Erledigt</a:t>
-                      </a:r>
-                    </a:p>
-                  </a:txBody>
-                  <a:tcPr/>
-                </a:tc>
-                <a:extLst>
-                  <a:ext uri="{0D108BD9-81ED-4DB2-BD59-A6C34878D82A}">
-                    <a16:rowId xmlns:a16="http://schemas.microsoft.com/office/drawing/2014/main" val="432160553"/>
-                  </a:ext>
-                </a:extLst>
-              </a:tr>
-              <a:tr h="408804">
-                <a:tc>
-                  <a:txBody>
-                    <a:bodyPr/>
-                    <a:lstStyle/>
-                    <a:p>
-                      <a:r>
-                        <a:rPr lang="de-DE" sz="1400" noProof="0" dirty="0"/>
-                        <a:t>Erstellen Mockups u. Wireframes</a:t>
-                      </a:r>
-                    </a:p>
-                  </a:txBody>
-                  <a:tcPr/>
-                </a:tc>
-                <a:tc>
-                  <a:txBody>
-                    <a:bodyPr/>
-                    <a:lstStyle/>
-                    <a:p>
-                      <a:r>
-                        <a:rPr lang="de-DE" sz="1400" kern="1200" noProof="0" dirty="0">
-                          <a:solidFill>
-                            <a:schemeClr val="dk1"/>
-                          </a:solidFill>
-                          <a:latin typeface="+mn-lt"/>
-                          <a:ea typeface="+mn-ea"/>
-                          <a:cs typeface="+mn-cs"/>
-                        </a:rPr>
-                        <a:t>Vincent Knapp</a:t>
-                      </a:r>
-                    </a:p>
-                  </a:txBody>
-                  <a:tcPr/>
-                </a:tc>
-                <a:tc>
-                  <a:txBody>
-                    <a:bodyPr/>
-                    <a:lstStyle/>
-                    <a:p>
-                      <a:r>
-                        <a:rPr lang="de-DE" sz="1400" kern="1200" noProof="0" dirty="0">
-                          <a:solidFill>
-                            <a:schemeClr val="dk1"/>
-                          </a:solidFill>
-                          <a:latin typeface="+mn-lt"/>
-                          <a:ea typeface="+mn-ea"/>
-                          <a:cs typeface="+mn-cs"/>
-                        </a:rPr>
-                        <a:t>2</a:t>
-                      </a:r>
-                    </a:p>
-                  </a:txBody>
-                  <a:tcPr/>
-                </a:tc>
-                <a:tc>
-                  <a:txBody>
-                    <a:bodyPr/>
-                    <a:lstStyle/>
-                    <a:p>
-                      <a:r>
-                        <a:rPr lang="de-DE" sz="1400" noProof="0" dirty="0"/>
-                        <a:t>Erledigt</a:t>
-                      </a:r>
-                    </a:p>
-                  </a:txBody>
-                  <a:tcPr/>
-                </a:tc>
-                <a:extLst>
-                  <a:ext uri="{0D108BD9-81ED-4DB2-BD59-A6C34878D82A}">
-                    <a16:rowId xmlns:a16="http://schemas.microsoft.com/office/drawing/2014/main" val="739622510"/>
-                  </a:ext>
-                </a:extLst>
-              </a:tr>
-              <a:tr h="506337">
-                <a:tc>
-                  <a:txBody>
-                    <a:bodyPr/>
-                    <a:lstStyle/>
-                    <a:p>
-                      <a:pPr marL="0" marR="0" lvl="0" indent="0" algn="l" defTabSz="914400" rtl="0" eaLnBrk="1" fontAlgn="auto" latinLnBrk="0" hangingPunct="1">
-                        <a:lnSpc>
-                          <a:spcPct val="100000"/>
-                        </a:lnSpc>
-                        <a:spcBef>
-                          <a:spcPts val="0"/>
-                        </a:spcBef>
-                        <a:spcAft>
-                          <a:spcPts val="0"/>
-                        </a:spcAft>
-                        <a:buClrTx/>
-                        <a:buSzTx/>
-                        <a:buFontTx/>
-                        <a:buNone/>
-                        <a:tabLst/>
-                        <a:defRPr/>
-                      </a:pPr>
-                      <a:r>
-                        <a:rPr lang="de-DE" sz="1400" noProof="0" dirty="0"/>
-                        <a:t>Website “Menu-Karte” erstellen</a:t>
-                      </a:r>
-                    </a:p>
-                  </a:txBody>
-                  <a:tcPr/>
-                </a:tc>
-                <a:tc>
-                  <a:txBody>
-                    <a:bodyPr/>
-                    <a:lstStyle/>
-                    <a:p>
-                      <a:r>
-                        <a:rPr lang="de-DE" sz="1400" noProof="0" dirty="0"/>
-                        <a:t>Dennis Haaf</a:t>
-                      </a:r>
-                      <a:br>
-                        <a:rPr lang="de-DE" sz="1400" noProof="0" dirty="0"/>
-                      </a:br>
-                      <a:r>
-                        <a:rPr lang="de-DE" sz="1400" noProof="0" dirty="0"/>
-                        <a:t>Vincent Knapp</a:t>
-                      </a:r>
-                    </a:p>
-                  </a:txBody>
-                  <a:tcPr/>
-                </a:tc>
-                <a:tc>
-                  <a:txBody>
-                    <a:bodyPr/>
-                    <a:lstStyle/>
-                    <a:p>
-                      <a:r>
-                        <a:rPr lang="de-DE" sz="1400" noProof="0" dirty="0"/>
-                        <a:t>8</a:t>
-                      </a:r>
-                    </a:p>
-                  </a:txBody>
-                  <a:tcPr/>
-                </a:tc>
-                <a:tc>
-                  <a:txBody>
-                    <a:bodyPr/>
-                    <a:lstStyle/>
-                    <a:p>
-                      <a:r>
-                        <a:rPr lang="de-DE" sz="1400" noProof="0" dirty="0"/>
-                        <a:t>Erledigt</a:t>
-                      </a:r>
-                    </a:p>
-                  </a:txBody>
-                  <a:tcPr/>
-                </a:tc>
-                <a:extLst>
-                  <a:ext uri="{0D108BD9-81ED-4DB2-BD59-A6C34878D82A}">
-                    <a16:rowId xmlns:a16="http://schemas.microsoft.com/office/drawing/2014/main" val="740267785"/>
-                  </a:ext>
-                </a:extLst>
-              </a:tr>
-              <a:tr h="628278">
-                <a:tc>
-                  <a:txBody>
-                    <a:bodyPr/>
-                    <a:lstStyle/>
-                    <a:p>
-                      <a:r>
-                        <a:rPr lang="de-DE" sz="1400" noProof="0" dirty="0"/>
-                        <a:t>Datenbank “Menu-Karte”</a:t>
-                      </a:r>
-                    </a:p>
-                  </a:txBody>
-                  <a:tcPr/>
-                </a:tc>
-                <a:tc>
-                  <a:txBody>
-                    <a:bodyPr/>
-                    <a:lstStyle/>
-                    <a:p>
-                      <a:r>
-                        <a:rPr lang="de-DE" sz="1400" noProof="0" dirty="0"/>
-                        <a:t>Vincent Knapp</a:t>
-                      </a:r>
-                    </a:p>
-                    <a:p>
-                      <a:r>
-                        <a:rPr lang="de-DE" sz="1400" noProof="0" dirty="0"/>
-                        <a:t>Hans Bloching</a:t>
-                      </a:r>
-                    </a:p>
-                    <a:p>
-                      <a:r>
-                        <a:rPr lang="de-DE" sz="1400" noProof="0" dirty="0"/>
-                        <a:t>Rene Weber</a:t>
-                      </a:r>
-                    </a:p>
-                  </a:txBody>
-                  <a:tcPr/>
-                </a:tc>
-                <a:tc>
-                  <a:txBody>
-                    <a:bodyPr/>
-                    <a:lstStyle/>
-                    <a:p>
-                      <a:r>
-                        <a:rPr lang="de-DE" sz="1400" noProof="0" dirty="0"/>
-                        <a:t>1,5</a:t>
-                      </a:r>
-                    </a:p>
-                  </a:txBody>
-                  <a:tcPr/>
-                </a:tc>
-                <a:tc>
-                  <a:txBody>
-                    <a:bodyPr/>
-                    <a:lstStyle/>
-                    <a:p>
-                      <a:r>
-                        <a:rPr lang="de-DE" sz="1400" noProof="0" dirty="0"/>
-                        <a:t>Erledigt</a:t>
-                      </a:r>
-                    </a:p>
-                  </a:txBody>
-                  <a:tcPr/>
-                </a:tc>
-                <a:extLst>
-                  <a:ext uri="{0D108BD9-81ED-4DB2-BD59-A6C34878D82A}">
-                    <a16:rowId xmlns:a16="http://schemas.microsoft.com/office/drawing/2014/main" val="2603736860"/>
-                  </a:ext>
-                </a:extLst>
-              </a:tr>
-              <a:tr h="482529">
-                <a:tc>
-                  <a:txBody>
-                    <a:bodyPr/>
-                    <a:lstStyle/>
-                    <a:p>
-                      <a:r>
-                        <a:rPr lang="de-DE" sz="1400" noProof="0" dirty="0"/>
-                        <a:t>Einführung in </a:t>
-                      </a:r>
-                      <a:r>
-                        <a:rPr lang="de-DE" sz="1400" noProof="0" dirty="0" err="1"/>
-                        <a:t>Blazor</a:t>
-                      </a:r>
-                      <a:r>
-                        <a:rPr lang="de-DE" sz="1400" noProof="0" dirty="0"/>
-                        <a:t> und C# Coding</a:t>
-                      </a:r>
-                    </a:p>
-                  </a:txBody>
-                  <a:tcPr/>
-                </a:tc>
-                <a:tc>
-                  <a:txBody>
-                    <a:bodyPr/>
-                    <a:lstStyle/>
-                    <a:p>
-                      <a:r>
-                        <a:rPr lang="de-DE" sz="1400" noProof="0" dirty="0"/>
-                        <a:t>Alle</a:t>
-                      </a:r>
-                    </a:p>
-                  </a:txBody>
-                  <a:tcPr/>
-                </a:tc>
-                <a:tc>
-                  <a:txBody>
-                    <a:bodyPr/>
-                    <a:lstStyle/>
-                    <a:p>
-                      <a:r>
-                        <a:rPr lang="de-DE" sz="1400" noProof="0" dirty="0"/>
-                        <a:t>4</a:t>
-                      </a:r>
-                    </a:p>
-                  </a:txBody>
-                  <a:tcPr/>
-                </a:tc>
-                <a:tc>
-                  <a:txBody>
-                    <a:bodyPr/>
-                    <a:lstStyle/>
-                    <a:p>
-                      <a:r>
-                        <a:rPr lang="de-DE" sz="1400" noProof="0" dirty="0"/>
-                        <a:t>Erledigt</a:t>
-                      </a:r>
-                    </a:p>
-                  </a:txBody>
-                  <a:tcPr/>
-                </a:tc>
-                <a:extLst>
-                  <a:ext uri="{0D108BD9-81ED-4DB2-BD59-A6C34878D82A}">
-                    <a16:rowId xmlns:a16="http://schemas.microsoft.com/office/drawing/2014/main" val="4252090113"/>
-                  </a:ext>
-                </a:extLst>
-              </a:tr>
-              <a:tr h="488887">
-                <a:tc>
-                  <a:txBody>
-                    <a:bodyPr/>
-                    <a:lstStyle/>
-                    <a:p>
-                      <a:r>
-                        <a:rPr lang="de-DE" sz="1400" noProof="0" dirty="0"/>
-                        <a:t>Website “Warenkorb”</a:t>
-                      </a:r>
-                    </a:p>
-                  </a:txBody>
-                  <a:tcPr/>
-                </a:tc>
-                <a:tc>
-                  <a:txBody>
-                    <a:bodyPr/>
-                    <a:lstStyle/>
-                    <a:p>
-                      <a:r>
-                        <a:rPr lang="de-DE" sz="1400" noProof="0" dirty="0"/>
-                        <a:t>Hans Bloching</a:t>
-                      </a:r>
-                    </a:p>
-                    <a:p>
-                      <a:r>
-                        <a:rPr lang="de-DE" sz="1400" noProof="0" dirty="0"/>
-                        <a:t>Rene Weber</a:t>
-                      </a:r>
-                    </a:p>
-                  </a:txBody>
-                  <a:tcPr/>
-                </a:tc>
-                <a:tc>
-                  <a:txBody>
-                    <a:bodyPr/>
-                    <a:lstStyle/>
-                    <a:p>
-                      <a:r>
-                        <a:rPr lang="de-DE" sz="1400" noProof="0" dirty="0"/>
-                        <a:t>4</a:t>
-                      </a:r>
-                    </a:p>
-                  </a:txBody>
-                  <a:tcPr/>
-                </a:tc>
-                <a:tc>
-                  <a:txBody>
-                    <a:bodyPr/>
-                    <a:lstStyle/>
-                    <a:p>
-                      <a:r>
-                        <a:rPr lang="de-DE" sz="1400" noProof="0" dirty="0"/>
-                        <a:t>In Arbeit</a:t>
-                      </a:r>
-                    </a:p>
-                  </a:txBody>
-                  <a:tcPr/>
-                </a:tc>
-                <a:extLst>
-                  <a:ext uri="{0D108BD9-81ED-4DB2-BD59-A6C34878D82A}">
-                    <a16:rowId xmlns:a16="http://schemas.microsoft.com/office/drawing/2014/main" val="1091053033"/>
-                  </a:ext>
-                </a:extLst>
-              </a:tr>
-              <a:tr h="450561">
-                <a:tc>
-                  <a:txBody>
-                    <a:bodyPr/>
-                    <a:lstStyle/>
-                    <a:p>
-                      <a:r>
-                        <a:rPr lang="de-DE" sz="1400" noProof="0" dirty="0"/>
-                        <a:t>Datenbank “Warenkorb/Bestellungen”</a:t>
-                      </a:r>
-                    </a:p>
-                  </a:txBody>
-                  <a:tcPr/>
-                </a:tc>
-                <a:tc>
-                  <a:txBody>
-                    <a:bodyPr/>
-                    <a:lstStyle/>
-                    <a:p>
-                      <a:r>
-                        <a:rPr lang="de-DE" sz="1400" noProof="0" dirty="0"/>
-                        <a:t>Hans Bloching</a:t>
-                      </a:r>
-                    </a:p>
-                    <a:p>
-                      <a:r>
-                        <a:rPr lang="de-DE" sz="1400" noProof="0" dirty="0"/>
-                        <a:t>Rene Weber</a:t>
-                      </a:r>
-                    </a:p>
-                  </a:txBody>
-                  <a:tcPr/>
-                </a:tc>
-                <a:tc>
-                  <a:txBody>
-                    <a:bodyPr/>
-                    <a:lstStyle/>
-                    <a:p>
-                      <a:r>
-                        <a:rPr lang="de-DE" sz="1400" noProof="0" dirty="0"/>
-                        <a:t>0,5</a:t>
-                      </a:r>
-                    </a:p>
-                  </a:txBody>
-                  <a:tcPr/>
-                </a:tc>
-                <a:tc>
-                  <a:txBody>
-                    <a:bodyPr/>
-                    <a:lstStyle/>
-                    <a:p>
-                      <a:r>
-                        <a:rPr lang="de-DE" sz="1400" noProof="0" dirty="0"/>
-                        <a:t>In Arbeit</a:t>
-                      </a:r>
-                    </a:p>
-                  </a:txBody>
-                  <a:tcPr/>
-                </a:tc>
-                <a:extLst>
-                  <a:ext uri="{0D108BD9-81ED-4DB2-BD59-A6C34878D82A}">
-                    <a16:rowId xmlns:a16="http://schemas.microsoft.com/office/drawing/2014/main" val="2446957633"/>
-                  </a:ext>
-                </a:extLst>
-              </a:tr>
-            </a:tbl>
-          </a:graphicData>
-        </a:graphic>
-      </p:graphicFrame>
-      <p:pic>
-        <p:nvPicPr>
-          <p:cNvPr id="7" name="Grafik 6">
-            <a:extLst>
-              <a:ext uri="{FF2B5EF4-FFF2-40B4-BE49-F238E27FC236}">
-                <a16:creationId xmlns:a16="http://schemas.microsoft.com/office/drawing/2014/main" id="{B19F4647-42D3-96AA-571E-B5F63F9ABC18}"/>
-              </a:ext>
-            </a:extLst>
-          </p:cNvPr>
-          <p:cNvPicPr>
-            <a:picLocks noChangeAspect="1"/>
-          </p:cNvPicPr>
-          <p:nvPr/>
-        </p:nvPicPr>
-        <p:blipFill>
-          <a:blip r:embed="rId2"/>
-          <a:stretch>
-            <a:fillRect/>
-          </a:stretch>
-        </p:blipFill>
-        <p:spPr>
-          <a:xfrm>
-            <a:off x="6884925" y="6278906"/>
-            <a:ext cx="1738967" cy="451906"/>
-          </a:xfrm>
-          <a:prstGeom prst="rect">
-            <a:avLst/>
-          </a:prstGeom>
-        </p:spPr>
-      </p:pic>
-      <p:sp>
-        <p:nvSpPr>
-          <p:cNvPr id="12" name="Textfeld 11">
-            <a:extLst>
-              <a:ext uri="{FF2B5EF4-FFF2-40B4-BE49-F238E27FC236}">
-                <a16:creationId xmlns:a16="http://schemas.microsoft.com/office/drawing/2014/main" id="{71644E0E-780A-3A6B-636B-4E077AB50B8C}"/>
-              </a:ext>
-            </a:extLst>
-          </p:cNvPr>
-          <p:cNvSpPr txBox="1"/>
-          <p:nvPr/>
-        </p:nvSpPr>
-        <p:spPr>
-          <a:xfrm>
-            <a:off x="6884925" y="6327056"/>
-            <a:ext cx="1524000" cy="369332"/>
-          </a:xfrm>
-          <a:prstGeom prst="rect">
-            <a:avLst/>
-          </a:prstGeom>
-          <a:noFill/>
-        </p:spPr>
-        <p:txBody>
-          <a:bodyPr wrap="square" rtlCol="0">
-            <a:spAutoFit/>
-          </a:bodyPr>
-          <a:lstStyle/>
-          <a:p>
-            <a:pPr marL="0" marR="0" lvl="0" indent="0" algn="l" defTabSz="914400" rtl="0" eaLnBrk="1" fontAlgn="auto" latinLnBrk="0" hangingPunct="1">
-              <a:lnSpc>
-                <a:spcPct val="100000"/>
-              </a:lnSpc>
-              <a:spcBef>
-                <a:spcPts val="0"/>
-              </a:spcBef>
-              <a:spcAft>
-                <a:spcPts val="0"/>
-              </a:spcAft>
-              <a:buClrTx/>
-              <a:buSzTx/>
-              <a:buFontTx/>
-              <a:buNone/>
-              <a:tabLst/>
-              <a:defRPr/>
-            </a:pPr>
-            <a:r>
-              <a:rPr kumimoji="0" lang="de-DE" sz="1800" b="0" i="0" u="none" strike="noStrike" kern="1200" cap="none" spc="0" normalizeH="0" baseline="0" noProof="0" dirty="0">
-                <a:ln>
-                  <a:noFill/>
-                </a:ln>
-                <a:solidFill>
-                  <a:srgbClr val="000000"/>
-                </a:solidFill>
-                <a:effectLst/>
-                <a:uLnTx/>
-                <a:uFillTx/>
-                <a:latin typeface="Avenir Next LT Pro"/>
-                <a:ea typeface="+mn-ea"/>
-                <a:cs typeface="+mn-cs"/>
-              </a:rPr>
-              <a:t>34</a:t>
-            </a:r>
+            <a:endParaRPr lang="de-DE" noProof="0" dirty="0"/>
           </a:p>
         </p:txBody>
       </p:sp>
     </p:spTree>
     <p:extLst>
       <p:ext uri="{BB962C8B-B14F-4D97-AF65-F5344CB8AC3E}">
-        <p14:creationId xmlns:p14="http://schemas.microsoft.com/office/powerpoint/2010/main" val="1079743533"/>
+        <p14:creationId xmlns:p14="http://schemas.microsoft.com/office/powerpoint/2010/main" val="3837604972"/>
       </p:ext>
     </p:extLst>
   </p:cSld>
@@ -8735,7 +8782,7 @@
           <a:p>
             <a:fld id="{AE5E781B-AB27-45A9-B2F3-7F70593BE83B}" type="datetime1">
               <a:rPr lang="de-DE" noProof="0" smtClean="0"/>
-              <a:t>11.12.2024</a:t>
+              <a:t>12.12.2024</a:t>
             </a:fld>
             <a:endParaRPr lang="de-DE" noProof="0" dirty="0"/>
           </a:p>
@@ -8851,7 +8898,7 @@
           <a:p>
             <a:fld id="{42B45B56-1D88-4042-8DF0-EB6B41B710D3}" type="datetime1">
               <a:rPr lang="de-DE" noProof="0" smtClean="0"/>
-              <a:t>11.12.2024</a:t>
+              <a:t>12.12.2024</a:t>
             </a:fld>
             <a:endParaRPr lang="de-DE" noProof="0" dirty="0"/>
           </a:p>
@@ -9460,6 +9507,18 @@
             </a:r>
           </a:p>
           <a:p>
+            <a:r>
+              <a:rPr lang="de-DE" sz="2400" dirty="0"/>
+              <a:t>Anbindung API.</a:t>
+            </a:r>
+          </a:p>
+          <a:p>
+            <a:r>
+              <a:rPr lang="de-DE" sz="2400" dirty="0"/>
+              <a:t>(evtl. Küchenansicht optimieren).</a:t>
+            </a:r>
+          </a:p>
+          <a:p>
             <a:endParaRPr lang="de-DE" dirty="0"/>
           </a:p>
         </p:txBody>
@@ -9551,7 +9610,7 @@
           <a:p>
             <a:fld id="{75919FF8-1369-4F22-8739-0971D22D8076}" type="datetime1">
               <a:rPr lang="de-DE" smtClean="0"/>
-              <a:t>11.12.2024</a:t>
+              <a:t>12.12.2024</a:t>
             </a:fld>
             <a:endParaRPr lang="en-US"/>
           </a:p>
@@ -9667,7 +9726,7 @@
           <a:p>
             <a:fld id="{42B45B56-1D88-4042-8DF0-EB6B41B710D3}" type="datetime1">
               <a:rPr lang="de-DE" noProof="0" smtClean="0"/>
-              <a:t>11.12.2024</a:t>
+              <a:t>12.12.2024</a:t>
             </a:fld>
             <a:endParaRPr lang="de-DE" noProof="0" dirty="0"/>
           </a:p>
@@ -10164,7 +10223,7 @@
           <a:p>
             <a:fld id="{42B45B56-1D88-4042-8DF0-EB6B41B710D3}" type="datetime1">
               <a:rPr lang="de-DE" noProof="0" smtClean="0"/>
-              <a:t>11.12.2024</a:t>
+              <a:t>12.12.2024</a:t>
             </a:fld>
             <a:endParaRPr lang="de-DE" noProof="0" dirty="0"/>
           </a:p>
@@ -10311,7 +10370,7 @@
           <a:p>
             <a:fld id="{42B45B56-1D88-4042-8DF0-EB6B41B710D3}" type="datetime1">
               <a:rPr lang="de-DE" noProof="0" smtClean="0"/>
-              <a:t>11.12.2024</a:t>
+              <a:t>12.12.2024</a:t>
             </a:fld>
             <a:endParaRPr lang="de-DE" noProof="0" dirty="0"/>
           </a:p>
@@ -10426,7 +10485,11 @@
           <a:bodyPr/>
           <a:lstStyle/>
           <a:p>
-            <a:endParaRPr lang="de-DE"/>
+            <a:r>
+              <a:rPr lang="de-DE" noProof="0" dirty="0"/>
+              <a:t>3. Produktzwischenstand</a:t>
+            </a:r>
+            <a:endParaRPr lang="de-DE" dirty="0"/>
           </a:p>
         </p:txBody>
       </p:sp>
@@ -10454,7 +10517,7 @@
         </p:blipFill>
         <p:spPr>
           <a:xfrm>
-            <a:off x="2181225" y="2810845"/>
+            <a:off x="3359512" y="3145429"/>
             <a:ext cx="2312988" cy="2760310"/>
           </a:xfrm>
         </p:spPr>
@@ -10511,7 +10574,7 @@
           <a:p>
             <a:fld id="{12AE7323-5CDD-4051-9975-1729D84443C7}" type="datetime1">
               <a:rPr lang="de-DE" smtClean="0"/>
-              <a:t>11.12.2024</a:t>
+              <a:t>12.12.2024</a:t>
             </a:fld>
             <a:endParaRPr lang="en-US"/>
           </a:p>
@@ -10543,6 +10606,54 @@
               <a:t>8</a:t>
             </a:fld>
             <a:endParaRPr lang="en-US"/>
+          </a:p>
+        </p:txBody>
+      </p:sp>
+      <p:sp>
+        <p:nvSpPr>
+          <p:cNvPr id="3" name="Textfeld 2">
+            <a:extLst>
+              <a:ext uri="{FF2B5EF4-FFF2-40B4-BE49-F238E27FC236}">
+                <a16:creationId xmlns:a16="http://schemas.microsoft.com/office/drawing/2014/main" id="{D9DF8A3A-B0A3-6DF4-3436-4938E6B4F2B5}"/>
+              </a:ext>
+            </a:extLst>
+          </p:cNvPr>
+          <p:cNvSpPr txBox="1"/>
+          <p:nvPr/>
+        </p:nvSpPr>
+        <p:spPr>
+          <a:xfrm>
+            <a:off x="1245793" y="2684065"/>
+            <a:ext cx="6026448" cy="369332"/>
+          </a:xfrm>
+          <a:prstGeom prst="rect">
+            <a:avLst/>
+          </a:prstGeom>
+          <a:noFill/>
+        </p:spPr>
+        <p:txBody>
+          <a:bodyPr wrap="square" rtlCol="0">
+            <a:spAutoFit/>
+          </a:bodyPr>
+          <a:lstStyle/>
+          <a:p>
+            <a:r>
+              <a:rPr lang="en-US" b="1" dirty="0"/>
+              <a:t>Login für </a:t>
+            </a:r>
+            <a:r>
+              <a:rPr lang="en-US" b="1" dirty="0" err="1"/>
+              <a:t>Küchen</a:t>
+            </a:r>
+            <a:r>
+              <a:rPr lang="en-US" b="1" dirty="0"/>
+              <a:t>-Mitarbeiter + </a:t>
+            </a:r>
+            <a:r>
+              <a:rPr lang="en-US" b="1" dirty="0" err="1"/>
+              <a:t>Küchen-Ansicht</a:t>
+            </a:r>
+            <a:endParaRPr lang="de-DE" b="1" dirty="0"/>
           </a:p>
         </p:txBody>
       </p:sp>
@@ -10576,46 +10687,19 @@
           <a:chExt cx="0" cy="0"/>
         </a:xfrm>
       </p:grpSpPr>
-      <p:sp>
-        <p:nvSpPr>
-          <p:cNvPr id="2" name="Titel 1">
-            <a:extLst>
-              <a:ext uri="{FF2B5EF4-FFF2-40B4-BE49-F238E27FC236}">
-                <a16:creationId xmlns:a16="http://schemas.microsoft.com/office/drawing/2014/main" id="{1B93A12F-1CA4-1BAA-AF57-924F60F11732}"/>
-              </a:ext>
-            </a:extLst>
-          </p:cNvPr>
-          <p:cNvSpPr>
-            <a:spLocks noGrp="1"/>
-          </p:cNvSpPr>
-          <p:nvPr>
-            <p:ph type="title"/>
-          </p:nvPr>
-        </p:nvSpPr>
-        <p:spPr/>
-        <p:txBody>
-          <a:bodyPr/>
-          <a:lstStyle/>
-          <a:p>
-            <a:endParaRPr lang="de-DE"/>
-          </a:p>
-        </p:txBody>
-      </p:sp>
       <p:pic>
         <p:nvPicPr>
-          <p:cNvPr id="8" name="Inhaltsplatzhalter 7">
-            <a:extLst>
-              <a:ext uri="{FF2B5EF4-FFF2-40B4-BE49-F238E27FC236}">
-                <a16:creationId xmlns:a16="http://schemas.microsoft.com/office/drawing/2014/main" id="{6013533E-10F3-8ACB-2FEC-DC3258599405}"/>
+          <p:cNvPr id="11" name="Grafik 10">
+            <a:extLst>
+              <a:ext uri="{FF2B5EF4-FFF2-40B4-BE49-F238E27FC236}">
+                <a16:creationId xmlns:a16="http://schemas.microsoft.com/office/drawing/2014/main" id="{FE9A0FCD-5FE1-D6D4-1488-1A6CB12FF2A5}"/>
               </a:ext>
             </a:extLst>
           </p:cNvPr>
           <p:cNvPicPr>
-            <a:picLocks noGrp="1" noChangeAspect="1"/>
+            <a:picLocks noChangeAspect="1"/>
           </p:cNvPicPr>
-          <p:nvPr>
-            <p:ph sz="half" idx="1"/>
-          </p:nvPr>
+          <p:nvPr/>
         </p:nvPicPr>
         <p:blipFill>
           <a:blip r:embed="rId2"/>
@@ -10625,38 +10709,45 @@
         </p:blipFill>
         <p:spPr>
           <a:xfrm>
-            <a:off x="2043491" y="2438400"/>
+            <a:off x="957389" y="3002985"/>
+            <a:ext cx="4058484" cy="2792305"/>
+          </a:xfrm>
+          <a:prstGeom prst="rect">
+            <a:avLst/>
+          </a:prstGeom>
+        </p:spPr>
+      </p:pic>
+      <p:pic>
+        <p:nvPicPr>
+          <p:cNvPr id="8" name="Inhaltsplatzhalter 7">
+            <a:extLst>
+              <a:ext uri="{FF2B5EF4-FFF2-40B4-BE49-F238E27FC236}">
+                <a16:creationId xmlns:a16="http://schemas.microsoft.com/office/drawing/2014/main" id="{6013533E-10F3-8ACB-2FEC-DC3258599405}"/>
+              </a:ext>
+            </a:extLst>
+          </p:cNvPr>
+          <p:cNvPicPr>
+            <a:picLocks noGrp="1" noChangeAspect="1"/>
+          </p:cNvPicPr>
+          <p:nvPr>
+            <p:ph sz="half" idx="1"/>
+          </p:nvPr>
+        </p:nvPicPr>
+        <p:blipFill>
+          <a:blip r:embed="rId3"/>
+          <a:stretch>
+            <a:fillRect/>
+          </a:stretch>
+        </p:blipFill>
+        <p:spPr>
+          <a:xfrm>
+            <a:off x="6800709" y="2646537"/>
             <a:ext cx="2588456" cy="3505200"/>
           </a:xfrm>
         </p:spPr>
       </p:pic>
       <p:sp>
         <p:nvSpPr>
-          <p:cNvPr id="4" name="Inhaltsplatzhalter 3">
-            <a:extLst>
-              <a:ext uri="{FF2B5EF4-FFF2-40B4-BE49-F238E27FC236}">
-                <a16:creationId xmlns:a16="http://schemas.microsoft.com/office/drawing/2014/main" id="{79CE6463-9713-CB23-8A62-A6EA9DB5FE4F}"/>
-              </a:ext>
-            </a:extLst>
-          </p:cNvPr>
-          <p:cNvSpPr>
-            <a:spLocks noGrp="1"/>
-          </p:cNvSpPr>
-          <p:nvPr>
-            <p:ph sz="half" idx="2"/>
-          </p:nvPr>
-        </p:nvSpPr>
-        <p:spPr/>
-        <p:txBody>
-          <a:bodyPr/>
-          <a:lstStyle/>
-          <a:p>
-            <a:endParaRPr lang="de-DE" dirty="0"/>
-          </a:p>
-        </p:txBody>
-      </p:sp>
-      <p:sp>
-        <p:nvSpPr>
           <p:cNvPr id="5" name="Datumsplatzhalter 4">
             <a:extLst>
               <a:ext uri="{FF2B5EF4-FFF2-40B4-BE49-F238E27FC236}">
@@ -10678,7 +10769,7 @@
           <a:p>
             <a:fld id="{12AE7323-5CDD-4051-9975-1729D84443C7}" type="datetime1">
               <a:rPr lang="de-DE" smtClean="0"/>
-              <a:t>11.12.2024</a:t>
+              <a:t>12.12.2024</a:t>
             </a:fld>
             <a:endParaRPr lang="en-US"/>
           </a:p>
@@ -10710,6 +10801,184 @@
               <a:t>9</a:t>
             </a:fld>
             <a:endParaRPr lang="en-US"/>
+          </a:p>
+        </p:txBody>
+      </p:sp>
+      <p:cxnSp>
+        <p:nvCxnSpPr>
+          <p:cNvPr id="7" name="Gerade Verbindung mit Pfeil 6">
+            <a:extLst>
+              <a:ext uri="{FF2B5EF4-FFF2-40B4-BE49-F238E27FC236}">
+                <a16:creationId xmlns:a16="http://schemas.microsoft.com/office/drawing/2014/main" id="{37FD134E-9D05-4999-A25C-C8CF34F9468B}"/>
+              </a:ext>
+            </a:extLst>
+          </p:cNvPr>
+          <p:cNvCxnSpPr>
+            <a:cxnSpLocks/>
+          </p:cNvCxnSpPr>
+          <p:nvPr/>
+        </p:nvCxnSpPr>
+        <p:spPr>
+          <a:xfrm flipV="1">
+            <a:off x="4940215" y="3522588"/>
+            <a:ext cx="2430217" cy="650513"/>
+          </a:xfrm>
+          <a:prstGeom prst="straightConnector1">
+            <a:avLst/>
+          </a:prstGeom>
+          <a:ln w="28575">
+            <a:solidFill>
+              <a:srgbClr val="FF0000"/>
+            </a:solidFill>
+            <a:tailEnd type="triangle"/>
+          </a:ln>
+        </p:spPr>
+        <p:style>
+          <a:lnRef idx="1">
+            <a:schemeClr val="accent1"/>
+          </a:lnRef>
+          <a:fillRef idx="0">
+            <a:schemeClr val="accent1"/>
+          </a:fillRef>
+          <a:effectRef idx="0">
+            <a:schemeClr val="accent1"/>
+          </a:effectRef>
+          <a:fontRef idx="minor">
+            <a:schemeClr val="tx1"/>
+          </a:fontRef>
+        </p:style>
+      </p:cxnSp>
+      <p:sp>
+        <p:nvSpPr>
+          <p:cNvPr id="12" name="Rechteck 11">
+            <a:extLst>
+              <a:ext uri="{FF2B5EF4-FFF2-40B4-BE49-F238E27FC236}">
+                <a16:creationId xmlns:a16="http://schemas.microsoft.com/office/drawing/2014/main" id="{FDCC6A87-D090-B124-0FD0-38D9706447C8}"/>
+              </a:ext>
+            </a:extLst>
+          </p:cNvPr>
+          <p:cNvSpPr/>
+          <p:nvPr/>
+        </p:nvSpPr>
+        <p:spPr>
+          <a:xfrm>
+            <a:off x="4486083" y="3002985"/>
+            <a:ext cx="386625" cy="2749337"/>
+          </a:xfrm>
+          <a:prstGeom prst="rect">
+            <a:avLst/>
+          </a:prstGeom>
+          <a:noFill/>
+          <a:ln w="28575">
+            <a:solidFill>
+              <a:srgbClr val="FF0000"/>
+            </a:solidFill>
+          </a:ln>
+        </p:spPr>
+        <p:style>
+          <a:lnRef idx="2">
+            <a:schemeClr val="accent1">
+              <a:shade val="15000"/>
+            </a:schemeClr>
+          </a:lnRef>
+          <a:fillRef idx="1">
+            <a:schemeClr val="accent1"/>
+          </a:fillRef>
+          <a:effectRef idx="0">
+            <a:schemeClr val="accent1"/>
+          </a:effectRef>
+          <a:fontRef idx="minor">
+            <a:schemeClr val="lt1"/>
+          </a:fontRef>
+        </p:style>
+        <p:txBody>
+          <a:bodyPr rtlCol="0" anchor="ctr"/>
+          <a:lstStyle/>
+          <a:p>
+            <a:pPr algn="ctr"/>
+            <a:endParaRPr lang="de-DE"/>
+          </a:p>
+        </p:txBody>
+      </p:sp>
+      <p:sp>
+        <p:nvSpPr>
+          <p:cNvPr id="16" name="Textfeld 15">
+            <a:extLst>
+              <a:ext uri="{FF2B5EF4-FFF2-40B4-BE49-F238E27FC236}">
+                <a16:creationId xmlns:a16="http://schemas.microsoft.com/office/drawing/2014/main" id="{3FEE51D1-14AA-8F50-D4F4-7F98825609E8}"/>
+              </a:ext>
+            </a:extLst>
+          </p:cNvPr>
+          <p:cNvSpPr txBox="1"/>
+          <p:nvPr/>
+        </p:nvSpPr>
+        <p:spPr>
+          <a:xfrm>
+            <a:off x="1601733" y="2373852"/>
+            <a:ext cx="3270975" cy="369332"/>
+          </a:xfrm>
+          <a:prstGeom prst="rect">
+            <a:avLst/>
+          </a:prstGeom>
+          <a:noFill/>
+        </p:spPr>
+        <p:txBody>
+          <a:bodyPr wrap="square" rtlCol="0">
+            <a:spAutoFit/>
+          </a:bodyPr>
+          <a:lstStyle/>
+          <a:p>
+            <a:r>
+              <a:rPr lang="en-US" b="1" dirty="0"/>
+              <a:t>“</a:t>
+            </a:r>
+            <a:r>
+              <a:rPr lang="en-US" b="1" dirty="0" err="1"/>
+              <a:t>klassische</a:t>
+            </a:r>
+            <a:r>
+              <a:rPr lang="en-US" b="1" dirty="0"/>
+              <a:t>” </a:t>
+            </a:r>
+            <a:r>
+              <a:rPr lang="en-US" b="1" dirty="0" err="1"/>
+              <a:t>Probleme</a:t>
+            </a:r>
+            <a:endParaRPr lang="de-DE" b="1" dirty="0"/>
+          </a:p>
+        </p:txBody>
+      </p:sp>
+      <p:sp>
+        <p:nvSpPr>
+          <p:cNvPr id="17" name="Titel 1">
+            <a:extLst>
+              <a:ext uri="{FF2B5EF4-FFF2-40B4-BE49-F238E27FC236}">
+                <a16:creationId xmlns:a16="http://schemas.microsoft.com/office/drawing/2014/main" id="{9D0596BB-A368-19AC-99B9-B074A422EC3F}"/>
+              </a:ext>
+            </a:extLst>
+          </p:cNvPr>
+          <p:cNvSpPr>
+            <a:spLocks noGrp="1"/>
+          </p:cNvSpPr>
+          <p:nvPr>
+            <p:ph type="title"/>
+          </p:nvPr>
+        </p:nvSpPr>
+        <p:spPr>
+          <a:xfrm>
+            <a:off x="762000" y="762000"/>
+            <a:ext cx="10668000" cy="1524000"/>
+          </a:xfrm>
+        </p:spPr>
+        <p:txBody>
+          <a:bodyPr/>
+          <a:lstStyle/>
+          <a:p>
+            <a:r>
+              <a:rPr lang="de-DE" noProof="0" dirty="0"/>
+              <a:t>3. Produktzwischenstand</a:t>
+            </a:r>
+            <a:endParaRPr lang="de-DE" dirty="0"/>
           </a:p>
         </p:txBody>
       </p:sp>
@@ -10723,6 +10992,111 @@
   <p:clrMapOvr>
     <a:masterClrMapping/>
   </p:clrMapOvr>
+  <p:timing>
+    <p:tnLst>
+      <p:par>
+        <p:cTn id="1" dur="indefinite" restart="never" nodeType="tmRoot">
+          <p:childTnLst>
+            <p:seq concurrent="1" nextAc="seek">
+              <p:cTn id="2" dur="indefinite" nodeType="mainSeq">
+                <p:childTnLst>
+                  <p:par>
+                    <p:cTn id="3" fill="hold">
+                      <p:stCondLst>
+                        <p:cond delay="indefinite"/>
+                      </p:stCondLst>
+                      <p:childTnLst>
+                        <p:par>
+                          <p:cTn id="4" fill="hold">
+                            <p:stCondLst>
+                              <p:cond delay="0"/>
+                            </p:stCondLst>
+                            <p:childTnLst>
+                              <p:par>
+                                <p:cTn id="5" presetID="1" presetClass="entr" presetSubtype="0" fill="hold" nodeType="clickEffect">
+                                  <p:stCondLst>
+                                    <p:cond delay="0"/>
+                                  </p:stCondLst>
+                                  <p:childTnLst>
+                                    <p:set>
+                                      <p:cBhvr>
+                                        <p:cTn id="6" dur="1" fill="hold">
+                                          <p:stCondLst>
+                                            <p:cond delay="0"/>
+                                          </p:stCondLst>
+                                        </p:cTn>
+                                        <p:tgtEl>
+                                          <p:spTgt spid="7"/>
+                                        </p:tgtEl>
+                                        <p:attrNameLst>
+                                          <p:attrName>style.visibility</p:attrName>
+                                        </p:attrNameLst>
+                                      </p:cBhvr>
+                                      <p:to>
+                                        <p:strVal val="visible"/>
+                                      </p:to>
+                                    </p:set>
+                                  </p:childTnLst>
+                                </p:cTn>
+                              </p:par>
+                              <p:par>
+                                <p:cTn id="7" presetID="1" presetClass="entr" presetSubtype="0" fill="hold" grpId="0" nodeType="withEffect">
+                                  <p:stCondLst>
+                                    <p:cond delay="0"/>
+                                  </p:stCondLst>
+                                  <p:childTnLst>
+                                    <p:set>
+                                      <p:cBhvr>
+                                        <p:cTn id="8" dur="1" fill="hold">
+                                          <p:stCondLst>
+                                            <p:cond delay="0"/>
+                                          </p:stCondLst>
+                                        </p:cTn>
+                                        <p:tgtEl>
+                                          <p:spTgt spid="12"/>
+                                        </p:tgtEl>
+                                        <p:attrNameLst>
+                                          <p:attrName>style.visibility</p:attrName>
+                                        </p:attrNameLst>
+                                      </p:cBhvr>
+                                      <p:to>
+                                        <p:strVal val="visible"/>
+                                      </p:to>
+                                    </p:set>
+                                  </p:childTnLst>
+                                </p:cTn>
+                              </p:par>
+                            </p:childTnLst>
+                          </p:cTn>
+                        </p:par>
+                      </p:childTnLst>
+                    </p:cTn>
+                  </p:par>
+                </p:childTnLst>
+              </p:cTn>
+              <p:prevCondLst>
+                <p:cond evt="onPrev" delay="0">
+                  <p:tgtEl>
+                    <p:sldTgt/>
+                  </p:tgtEl>
+                </p:cond>
+              </p:prevCondLst>
+              <p:nextCondLst>
+                <p:cond evt="onNext" delay="0">
+                  <p:tgtEl>
+                    <p:sldTgt/>
+                  </p:tgtEl>
+                </p:cond>
+              </p:nextCondLst>
+            </p:seq>
+          </p:childTnLst>
+        </p:cTn>
+      </p:par>
+    </p:tnLst>
+    <p:bldLst>
+      <p:bldP spid="12" grpId="0" animBg="1"/>
+    </p:bldLst>
+  </p:timing>
 </p:sld>
 </file>
 

--- a/Dokumente/Sprint-Backlog/Sprint-Backlog2.pptx
+++ b/Dokumente/Sprint-Backlog/Sprint-Backlog2.pptx
@@ -5680,14 +5680,14 @@
           <p:nvPr>
             <p:extLst>
               <p:ext uri="{D42A27DB-BD31-4B8C-83A1-F6EECF244321}">
-                <p14:modId xmlns:p14="http://schemas.microsoft.com/office/powerpoint/2010/main" val="2862738047"/>
+                <p14:modId xmlns:p14="http://schemas.microsoft.com/office/powerpoint/2010/main" val="3081134989"/>
               </p:ext>
             </p:extLst>
           </p:nvPr>
         </p:nvGraphicFramePr>
         <p:xfrm>
-          <a:off x="762001" y="1916681"/>
-          <a:ext cx="8902700" cy="4267200"/>
+          <a:off x="762000" y="1916681"/>
+          <a:ext cx="9647581" cy="4179319"/>
         </p:xfrm>
         <a:graphic>
           <a:graphicData uri="http://schemas.openxmlformats.org/drawingml/2006/table">
@@ -5696,35 +5696,35 @@
                 <a:tableStyleId>{5C22544A-7EE6-4342-B048-85BDC9FD1C3A}</a:tableStyleId>
               </a:tblPr>
               <a:tblGrid>
-                <a:gridCol w="3172001">
+                <a:gridCol w="3319405">
                   <a:extLst>
                     <a:ext uri="{9D8B030D-6E8A-4147-A177-3AD203B41FA5}">
                       <a16:colId xmlns:a16="http://schemas.microsoft.com/office/drawing/2014/main" val="230851902"/>
                     </a:ext>
                   </a:extLst>
                 </a:gridCol>
-                <a:gridCol w="1932740">
+                <a:gridCol w="2022555">
                   <a:extLst>
                     <a:ext uri="{9D8B030D-6E8A-4147-A177-3AD203B41FA5}">
                       <a16:colId xmlns:a16="http://schemas.microsoft.com/office/drawing/2014/main" val="2657664356"/>
                     </a:ext>
                   </a:extLst>
                 </a:gridCol>
-                <a:gridCol w="1443224">
+                <a:gridCol w="1510291">
                   <a:extLst>
                     <a:ext uri="{9D8B030D-6E8A-4147-A177-3AD203B41FA5}">
                       <a16:colId xmlns:a16="http://schemas.microsoft.com/office/drawing/2014/main" val="4098082685"/>
                     </a:ext>
                   </a:extLst>
                 </a:gridCol>
-                <a:gridCol w="1443224">
+                <a:gridCol w="1510291">
                   <a:extLst>
                     <a:ext uri="{9D8B030D-6E8A-4147-A177-3AD203B41FA5}">
                       <a16:colId xmlns:a16="http://schemas.microsoft.com/office/drawing/2014/main" val="1293295862"/>
                     </a:ext>
                   </a:extLst>
                 </a:gridCol>
-                <a:gridCol w="911511">
+                <a:gridCol w="1285039">
                   <a:extLst>
                     <a:ext uri="{9D8B030D-6E8A-4147-A177-3AD203B41FA5}">
                       <a16:colId xmlns:a16="http://schemas.microsoft.com/office/drawing/2014/main" val="2360363224"/>
@@ -6496,11 +6496,17 @@
           <p:cNvGraphicFramePr>
             <a:graphicFrameLocks/>
           </p:cNvGraphicFramePr>
-          <p:nvPr/>
+          <p:nvPr>
+            <p:extLst>
+              <p:ext uri="{D42A27DB-BD31-4B8C-83A1-F6EECF244321}">
+                <p14:modId xmlns:p14="http://schemas.microsoft.com/office/powerpoint/2010/main" val="2551488440"/>
+              </p:ext>
+            </p:extLst>
+          </p:nvPr>
         </p:nvGraphicFramePr>
         <p:xfrm>
-          <a:off x="762001" y="1916681"/>
-          <a:ext cx="8902700" cy="4267200"/>
+          <a:off x="761998" y="1916681"/>
+          <a:ext cx="9647583" cy="4197555"/>
         </p:xfrm>
         <a:graphic>
           <a:graphicData uri="http://schemas.openxmlformats.org/drawingml/2006/table">
@@ -6509,35 +6515,28 @@
                 <a:tableStyleId>{5C22544A-7EE6-4342-B048-85BDC9FD1C3A}</a:tableStyleId>
               </a:tblPr>
               <a:tblGrid>
-                <a:gridCol w="3172001">
+                <a:gridCol w="4102452">
                   <a:extLst>
                     <a:ext uri="{9D8B030D-6E8A-4147-A177-3AD203B41FA5}">
                       <a16:colId xmlns:a16="http://schemas.microsoft.com/office/drawing/2014/main" val="230851902"/>
                     </a:ext>
                   </a:extLst>
                 </a:gridCol>
-                <a:gridCol w="1932740">
+                <a:gridCol w="2499675">
                   <a:extLst>
                     <a:ext uri="{9D8B030D-6E8A-4147-A177-3AD203B41FA5}">
                       <a16:colId xmlns:a16="http://schemas.microsoft.com/office/drawing/2014/main" val="2657664356"/>
                     </a:ext>
                   </a:extLst>
                 </a:gridCol>
-                <a:gridCol w="1443224">
+                <a:gridCol w="1866569">
                   <a:extLst>
                     <a:ext uri="{9D8B030D-6E8A-4147-A177-3AD203B41FA5}">
                       <a16:colId xmlns:a16="http://schemas.microsoft.com/office/drawing/2014/main" val="4098082685"/>
                     </a:ext>
                   </a:extLst>
                 </a:gridCol>
-                <a:gridCol w="1443224">
-                  <a:extLst>
-                    <a:ext uri="{9D8B030D-6E8A-4147-A177-3AD203B41FA5}">
-                      <a16:colId xmlns:a16="http://schemas.microsoft.com/office/drawing/2014/main" val="1293295862"/>
-                    </a:ext>
-                  </a:extLst>
-                </a:gridCol>
-                <a:gridCol w="911511">
+                <a:gridCol w="1178887">
                   <a:extLst>
                     <a:ext uri="{9D8B030D-6E8A-4147-A177-3AD203B41FA5}">
                       <a16:colId xmlns:a16="http://schemas.microsoft.com/office/drawing/2014/main" val="2360363224"/>
@@ -6592,19 +6591,6 @@
                     <a:p>
                       <a:r>
                         <a:rPr lang="de-DE" sz="1400" noProof="0" dirty="0"/>
-                        <a:t>Aufwand tatsächlich</a:t>
-                      </a:r>
-                    </a:p>
-                  </a:txBody>
-                  <a:tcPr/>
-                </a:tc>
-                <a:tc>
-                  <a:txBody>
-                    <a:bodyPr/>
-                    <a:lstStyle/>
-                    <a:p>
-                      <a:r>
-                        <a:rPr lang="de-DE" sz="1400" noProof="0" dirty="0"/>
                         <a:t>Status</a:t>
                       </a:r>
                     </a:p>
@@ -6625,7 +6611,7 @@
                     <a:p>
                       <a:r>
                         <a:rPr lang="de-DE" sz="1400" noProof="0" dirty="0"/>
-                        <a:t>Dokumentation + Projekt Management + Architekturdokument</a:t>
+                        <a:t>Dokumentation &amp; Organisation</a:t>
                       </a:r>
                     </a:p>
                   </a:txBody>
@@ -6651,7 +6637,7 @@
                     <a:p>
                       <a:r>
                         <a:rPr lang="de-DE" sz="1400" noProof="0" dirty="0"/>
-                        <a:t>16</a:t>
+                        <a:t>10</a:t>
                       </a:r>
                     </a:p>
                   </a:txBody>
@@ -6664,20 +6650,7 @@
                     <a:p>
                       <a:r>
                         <a:rPr lang="de-DE" sz="1400" noProof="0" dirty="0"/>
-                        <a:t>14</a:t>
-                      </a:r>
-                    </a:p>
-                  </a:txBody>
-                  <a:tcPr/>
-                </a:tc>
-                <a:tc>
-                  <a:txBody>
-                    <a:bodyPr/>
-                    <a:lstStyle/>
-                    <a:p>
-                      <a:r>
-                        <a:rPr lang="de-DE" sz="1400" noProof="0" dirty="0"/>
-                        <a:t>Erledigt</a:t>
+                        <a:t>In Arbeit</a:t>
                       </a:r>
                     </a:p>
                   </a:txBody>
@@ -6689,7 +6662,7 @@
                   </a:ext>
                 </a:extLst>
               </a:tr>
-              <a:tr h="728456">
+              <a:tr h="545076">
                 <a:tc>
                   <a:txBody>
                     <a:bodyPr/>
@@ -6714,7 +6687,7 @@
                       </a:pPr>
                       <a:r>
                         <a:rPr lang="de-DE" sz="1400" noProof="0" dirty="0"/>
-                        <a:t>Implementierung der Küchenansicht</a:t>
+                        <a:t>Layout / Design</a:t>
                       </a:r>
                     </a:p>
                   </a:txBody>
@@ -6733,12 +6706,6 @@
                     <a:p>
                       <a:r>
                         <a:rPr lang="de-DE" sz="1400" noProof="0" dirty="0"/>
-                        <a:t>Vincent Knapp</a:t>
-                      </a:r>
-                    </a:p>
-                    <a:p>
-                      <a:r>
-                        <a:rPr lang="de-DE" sz="1400" noProof="0" dirty="0"/>
                         <a:t>René Weber</a:t>
                       </a:r>
                     </a:p>
@@ -6752,7 +6719,7 @@
                     <a:p>
                       <a:r>
                         <a:rPr lang="de-DE" sz="1400" noProof="0" dirty="0"/>
-                        <a:t>5</a:t>
+                        <a:t>9</a:t>
                       </a:r>
                     </a:p>
                   </a:txBody>
@@ -6765,20 +6732,7 @@
                     <a:p>
                       <a:r>
                         <a:rPr lang="de-DE" sz="1400" noProof="0" dirty="0"/>
-                        <a:t>7</a:t>
-                      </a:r>
-                    </a:p>
-                  </a:txBody>
-                  <a:tcPr/>
-                </a:tc>
-                <a:tc>
-                  <a:txBody>
-                    <a:bodyPr/>
-                    <a:lstStyle/>
-                    <a:p>
-                      <a:r>
-                        <a:rPr lang="de-DE" sz="1400" noProof="0" dirty="0"/>
-                        <a:t>Erledigt</a:t>
+                        <a:t>offen</a:t>
                       </a:r>
                     </a:p>
                   </a:txBody>
@@ -6798,7 +6752,7 @@
                     <a:p>
                       <a:r>
                         <a:rPr lang="de-DE" sz="1400" noProof="0" dirty="0"/>
-                        <a:t>Logik: Anpassen von Speisen im Warenkorb</a:t>
+                        <a:t>Hosting</a:t>
                       </a:r>
                     </a:p>
                   </a:txBody>
@@ -6811,13 +6765,66 @@
                     <a:p>
                       <a:r>
                         <a:rPr lang="de-DE" sz="1400" noProof="0" dirty="0"/>
-                        <a:t>Vincent Knapp</a:t>
+                        <a:t>Dennis Haaf</a:t>
                       </a:r>
                     </a:p>
+                  </a:txBody>
+                  <a:tcPr/>
+                </a:tc>
+                <a:tc>
+                  <a:txBody>
+                    <a:bodyPr/>
+                    <a:lstStyle/>
                     <a:p>
                       <a:r>
                         <a:rPr lang="de-DE" sz="1400" noProof="0" dirty="0"/>
-                        <a:t>René Weber</a:t>
+                        <a:t>8</a:t>
+                      </a:r>
+                    </a:p>
+                  </a:txBody>
+                  <a:tcPr/>
+                </a:tc>
+                <a:tc>
+                  <a:txBody>
+                    <a:bodyPr/>
+                    <a:lstStyle/>
+                    <a:p>
+                      <a:r>
+                        <a:rPr lang="de-DE" sz="1400" noProof="0" dirty="0"/>
+                        <a:t>offen</a:t>
+                      </a:r>
+                    </a:p>
+                  </a:txBody>
+                  <a:tcPr/>
+                </a:tc>
+                <a:extLst>
+                  <a:ext uri="{0D108BD9-81ED-4DB2-BD59-A6C34878D82A}">
+                    <a16:rowId xmlns:a16="http://schemas.microsoft.com/office/drawing/2014/main" val="2603736860"/>
+                  </a:ext>
+                </a:extLst>
+              </a:tr>
+              <a:tr h="515990">
+                <a:tc>
+                  <a:txBody>
+                    <a:bodyPr/>
+                    <a:lstStyle/>
+                    <a:p>
+                      <a:r>
+                        <a:rPr lang="de-DE" sz="1400" noProof="0" dirty="0"/>
+                        <a:t>Anbindung API</a:t>
+                      </a:r>
+                    </a:p>
+                  </a:txBody>
+                  <a:tcPr/>
+                </a:tc>
+                <a:tc>
+                  <a:txBody>
+                    <a:bodyPr/>
+                    <a:lstStyle/>
+                    <a:p>
+                      <a:r>
+                        <a:rPr lang="de-DE" sz="1400" noProof="0" dirty="0"/>
+                        <a:t>Dennis Haaf</a:t>
                       </a:r>
                     </a:p>
                   </a:txBody>
@@ -6843,20 +6850,7 @@
                     <a:p>
                       <a:r>
                         <a:rPr lang="de-DE" sz="1400" noProof="0" dirty="0"/>
-                        <a:t>4</a:t>
-                      </a:r>
-                    </a:p>
-                  </a:txBody>
-                  <a:tcPr/>
-                </a:tc>
-                <a:tc>
-                  <a:txBody>
-                    <a:bodyPr/>
-                    <a:lstStyle/>
-                    <a:p>
-                      <a:r>
-                        <a:rPr lang="de-DE" sz="1400" noProof="0" dirty="0"/>
-                        <a:t>Erledigt</a:t>
+                        <a:t>offen</a:t>
                       </a:r>
                     </a:p>
                   </a:txBody>
@@ -6864,7 +6858,7 @@
                 </a:tc>
                 <a:extLst>
                   <a:ext uri="{0D108BD9-81ED-4DB2-BD59-A6C34878D82A}">
-                    <a16:rowId xmlns:a16="http://schemas.microsoft.com/office/drawing/2014/main" val="2603736860"/>
+                    <a16:rowId xmlns:a16="http://schemas.microsoft.com/office/drawing/2014/main" val="4252090113"/>
                   </a:ext>
                 </a:extLst>
               </a:tr>
@@ -6876,7 +6870,7 @@
                     <a:p>
                       <a:r>
                         <a:rPr lang="de-DE" sz="1400" noProof="0" dirty="0"/>
-                        <a:t>Logik: Automatische Kalkulation der Kosten</a:t>
+                        <a:t>Anpassen Felder für API Erweiterung</a:t>
                       </a:r>
                     </a:p>
                   </a:txBody>
@@ -6902,7 +6896,7 @@
                     <a:p>
                       <a:r>
                         <a:rPr lang="de-DE" sz="1400" noProof="0" dirty="0"/>
-                        <a:t>6</a:t>
+                        <a:t>3</a:t>
                       </a:r>
                     </a:p>
                   </a:txBody>
@@ -6915,98 +6909,7 @@
                     <a:p>
                       <a:r>
                         <a:rPr lang="de-DE" sz="1400" noProof="0" dirty="0"/>
-                        <a:t>6</a:t>
-                      </a:r>
-                    </a:p>
-                  </a:txBody>
-                  <a:tcPr/>
-                </a:tc>
-                <a:tc>
-                  <a:txBody>
-                    <a:bodyPr/>
-                    <a:lstStyle/>
-                    <a:p>
-                      <a:r>
-                        <a:rPr lang="de-DE" sz="1400" noProof="0" dirty="0"/>
-                        <a:t>Erledigt</a:t>
-                      </a:r>
-                    </a:p>
-                  </a:txBody>
-                  <a:tcPr/>
-                </a:tc>
-                <a:extLst>
-                  <a:ext uri="{0D108BD9-81ED-4DB2-BD59-A6C34878D82A}">
-                    <a16:rowId xmlns:a16="http://schemas.microsoft.com/office/drawing/2014/main" val="4252090113"/>
-                  </a:ext>
-                </a:extLst>
-              </a:tr>
-              <a:tr h="515990">
-                <a:tc>
-                  <a:txBody>
-                    <a:bodyPr/>
-                    <a:lstStyle/>
-                    <a:p>
-                      <a:r>
-                        <a:rPr lang="de-DE" sz="1400" noProof="0" dirty="0"/>
-                        <a:t>Logik: Absenden der Bestellung für spezifische Tischnummer</a:t>
-                      </a:r>
-                    </a:p>
-                  </a:txBody>
-                  <a:tcPr/>
-                </a:tc>
-                <a:tc>
-                  <a:txBody>
-                    <a:bodyPr/>
-                    <a:lstStyle/>
-                    <a:p>
-                      <a:r>
-                        <a:rPr lang="de-DE" sz="1400" noProof="0" dirty="0"/>
-                        <a:t>Vincent Knapp</a:t>
-                      </a:r>
-                    </a:p>
-                    <a:p>
-                      <a:r>
-                        <a:rPr lang="de-DE" sz="1400" noProof="0" dirty="0"/>
-                        <a:t>Dennis Haaf</a:t>
-                      </a:r>
-                    </a:p>
-                  </a:txBody>
-                  <a:tcPr/>
-                </a:tc>
-                <a:tc>
-                  <a:txBody>
-                    <a:bodyPr/>
-                    <a:lstStyle/>
-                    <a:p>
-                      <a:r>
-                        <a:rPr lang="de-DE" sz="1400" noProof="0" dirty="0"/>
-                        <a:t>5</a:t>
-                      </a:r>
-                    </a:p>
-                  </a:txBody>
-                  <a:tcPr/>
-                </a:tc>
-                <a:tc>
-                  <a:txBody>
-                    <a:bodyPr/>
-                    <a:lstStyle/>
-                    <a:p>
-                      <a:r>
-                        <a:rPr lang="de-DE" sz="1400" noProof="0" dirty="0"/>
-                        <a:t>5</a:t>
-                      </a:r>
-                    </a:p>
-                  </a:txBody>
-                  <a:tcPr/>
-                </a:tc>
-                <a:tc>
-                  <a:txBody>
-                    <a:bodyPr/>
-                    <a:lstStyle/>
-                    <a:p>
-                      <a:r>
-                        <a:rPr lang="de-DE" sz="1400" noProof="0" dirty="0"/>
-                        <a:t>Erledigt</a:t>
+                        <a:t>offen</a:t>
                       </a:r>
                     </a:p>
                   </a:txBody>
@@ -7026,7 +6929,87 @@
                     <a:p>
                       <a:r>
                         <a:rPr lang="de-DE" sz="1400" noProof="0" dirty="0"/>
-                        <a:t>Abschluss Warenkorb</a:t>
+                        <a:t>Küchenansicht optimieren</a:t>
+                      </a:r>
+                    </a:p>
+                    <a:p>
+                      <a:pPr marL="285750" indent="-285750">
+                        <a:buFont typeface="Wingdings" panose="05000000000000000000" pitchFamily="2" charset="2"/>
+                        <a:buChar char="à"/>
+                      </a:pPr>
+                      <a:r>
+                        <a:rPr lang="de-DE" sz="1400" noProof="0" dirty="0" err="1">
+                          <a:sym typeface="Wingdings" panose="05000000000000000000" pitchFamily="2" charset="2"/>
+                        </a:rPr>
+                        <a:t>Grouping</a:t>
+                      </a:r>
+                      <a:r>
+                        <a:rPr lang="de-DE" sz="1400" noProof="0" dirty="0">
+                          <a:sym typeface="Wingdings" panose="05000000000000000000" pitchFamily="2" charset="2"/>
+                        </a:rPr>
+                        <a:t> per </a:t>
+                      </a:r>
+                      <a:r>
+                        <a:rPr lang="de-DE" sz="1400" noProof="0" dirty="0" err="1">
+                          <a:sym typeface="Wingdings" panose="05000000000000000000" pitchFamily="2" charset="2"/>
+                        </a:rPr>
+                        <a:t>table</a:t>
+                      </a:r>
+                      <a:endParaRPr lang="de-DE" sz="1400" noProof="0" dirty="0">
+                        <a:sym typeface="Wingdings" panose="05000000000000000000" pitchFamily="2" charset="2"/>
+                      </a:endParaRPr>
+                    </a:p>
+                    <a:p>
+                      <a:pPr marL="285750" indent="-285750">
+                        <a:buFont typeface="Wingdings" panose="05000000000000000000" pitchFamily="2" charset="2"/>
+                        <a:buChar char="à"/>
+                      </a:pPr>
+                      <a:r>
+                        <a:rPr lang="de-DE" sz="1400" noProof="0" dirty="0" err="1">
+                          <a:sym typeface="Wingdings" panose="05000000000000000000" pitchFamily="2" charset="2"/>
+                        </a:rPr>
+                        <a:t>Grouping</a:t>
+                      </a:r>
+                      <a:r>
+                        <a:rPr lang="de-DE" sz="1400" noProof="0" dirty="0">
+                          <a:sym typeface="Wingdings" panose="05000000000000000000" pitchFamily="2" charset="2"/>
+                        </a:rPr>
+                        <a:t> per </a:t>
+                      </a:r>
+                      <a:r>
+                        <a:rPr lang="de-DE" sz="1400" noProof="0" dirty="0" err="1">
+                          <a:sym typeface="Wingdings" panose="05000000000000000000" pitchFamily="2" charset="2"/>
+                        </a:rPr>
+                        <a:t>article</a:t>
+                      </a:r>
+                      <a:endParaRPr lang="de-DE" sz="1400" noProof="0" dirty="0">
+                        <a:sym typeface="Wingdings" panose="05000000000000000000" pitchFamily="2" charset="2"/>
+                      </a:endParaRPr>
+                    </a:p>
+                    <a:p>
+                      <a:pPr marL="285750" indent="-285750">
+                        <a:buFont typeface="Wingdings" panose="05000000000000000000" pitchFamily="2" charset="2"/>
+                        <a:buChar char="à"/>
+                      </a:pPr>
+                      <a:r>
+                        <a:rPr lang="de-DE" sz="1400" noProof="0" dirty="0">
+                          <a:sym typeface="Wingdings" panose="05000000000000000000" pitchFamily="2" charset="2"/>
+                        </a:rPr>
+                        <a:t>Switchen zwischen diesen Ansichten</a:t>
+                      </a:r>
+                      <a:endParaRPr lang="de-DE" sz="1400" noProof="0" dirty="0"/>
+                    </a:p>
+                  </a:txBody>
+                  <a:tcPr/>
+                </a:tc>
+                <a:tc>
+                  <a:txBody>
+                    <a:bodyPr/>
+                    <a:lstStyle/>
+                    <a:p>
+                      <a:r>
+                        <a:rPr lang="de-DE" sz="1400" noProof="0" dirty="0"/>
+                        <a:t>Vincent Knapp</a:t>
                       </a:r>
                     </a:p>
                   </a:txBody>
@@ -7039,19 +7022,7 @@
                     <a:p>
                       <a:r>
                         <a:rPr lang="de-DE" sz="1400" noProof="0" dirty="0"/>
-                        <a:t>Hans Bloching</a:t>
-                      </a:r>
-                    </a:p>
-                    <a:p>
-                      <a:r>
-                        <a:rPr lang="de-DE" sz="1400" noProof="0" dirty="0"/>
-                        <a:t>Vincent Knapp</a:t>
-                      </a:r>
-                    </a:p>
-                    <a:p>
-                      <a:r>
-                        <a:rPr lang="de-DE" sz="1400" noProof="0" dirty="0"/>
-                        <a:t>René Weber</a:t>
+                        <a:t>8</a:t>
                       </a:r>
                     </a:p>
                   </a:txBody>
@@ -7064,33 +7035,7 @@
                     <a:p>
                       <a:r>
                         <a:rPr lang="de-DE" sz="1400" noProof="0" dirty="0"/>
-                        <a:t>6</a:t>
-                      </a:r>
-                    </a:p>
-                  </a:txBody>
-                  <a:tcPr/>
-                </a:tc>
-                <a:tc>
-                  <a:txBody>
-                    <a:bodyPr/>
-                    <a:lstStyle/>
-                    <a:p>
-                      <a:r>
-                        <a:rPr lang="de-DE" sz="1400" noProof="0" dirty="0"/>
-                        <a:t>6</a:t>
-                      </a:r>
-                    </a:p>
-                  </a:txBody>
-                  <a:tcPr/>
-                </a:tc>
-                <a:tc>
-                  <a:txBody>
-                    <a:bodyPr/>
-                    <a:lstStyle/>
-                    <a:p>
-                      <a:r>
-                        <a:rPr lang="de-DE" sz="1400" noProof="0" dirty="0"/>
-                        <a:t>Erledigt</a:t>
+                        <a:t>offen</a:t>
                       </a:r>
                     </a:p>
                   </a:txBody>
@@ -7243,14 +7188,14 @@
           <p:nvPr>
             <p:extLst>
               <p:ext uri="{D42A27DB-BD31-4B8C-83A1-F6EECF244321}">
-                <p14:modId xmlns:p14="http://schemas.microsoft.com/office/powerpoint/2010/main" val="3682819627"/>
+                <p14:modId xmlns:p14="http://schemas.microsoft.com/office/powerpoint/2010/main" val="3392214830"/>
               </p:ext>
             </p:extLst>
           </p:nvPr>
         </p:nvGraphicFramePr>
         <p:xfrm>
           <a:off x="911224" y="2587186"/>
-          <a:ext cx="8718551" cy="3886004"/>
+          <a:ext cx="8718551" cy="3508815"/>
         </p:xfrm>
         <a:graphic>
           <a:graphicData uri="http://schemas.openxmlformats.org/drawingml/2006/table">
@@ -7274,7 +7219,7 @@
                   </a:extLst>
                 </a:gridCol>
               </a:tblGrid>
-              <a:tr h="441764">
+              <a:tr h="549699">
                 <a:tc>
                   <a:txBody>
                     <a:bodyPr/>
@@ -7311,7 +7256,7 @@
                   </a:ext>
                 </a:extLst>
               </a:tr>
-              <a:tr h="506337">
+              <a:tr h="644762">
                 <a:tc>
                   <a:txBody>
                     <a:bodyPr/>
@@ -7336,7 +7281,7 @@
                       </a:pPr>
                       <a:r>
                         <a:rPr lang="de-DE" sz="1400" noProof="0" dirty="0"/>
-                        <a:t>Website “Menu-Karte” erstellen</a:t>
+                        <a:t>Layout / Design</a:t>
                       </a:r>
                     </a:p>
                   </a:txBody>
@@ -7366,7 +7311,7 @@
                       </a:pPr>
                       <a:r>
                         <a:rPr lang="de-DE" sz="1400" noProof="0" dirty="0"/>
-                        <a:t>Alle Speisen sind sichtbar und auswählbar.</a:t>
+                        <a:t>Intuitiv bedienbar</a:t>
                       </a:r>
                     </a:p>
                     <a:p>
@@ -7389,23 +7334,7 @@
                       </a:pPr>
                       <a:r>
                         <a:rPr lang="de-DE" sz="1400" noProof="0" dirty="0"/>
-                        <a:t>Website </a:t>
-                      </a:r>
-                      <a:r>
-                        <a:rPr lang="de-DE" sz="1400" noProof="0" dirty="0" err="1"/>
-                        <a:t>läd</a:t>
-                      </a:r>
-                      <a:r>
-                        <a:rPr lang="de-DE" sz="1400" noProof="0" dirty="0"/>
-                        <a:t> dynamisch auf </a:t>
-                      </a:r>
-                      <a:r>
-                        <a:rPr lang="de-DE" sz="1400" noProof="0" dirty="0" err="1"/>
-                        <a:t>basis</a:t>
-                      </a:r>
-                      <a:r>
-                        <a:rPr lang="de-DE" sz="1400" noProof="0" dirty="0"/>
-                        <a:t> der Speisenanzahl.</a:t>
+                        <a:t>optisch ansprechend</a:t>
                       </a:r>
                     </a:p>
                   </a:txBody>
@@ -7417,7 +7346,7 @@
                   </a:ext>
                 </a:extLst>
               </a:tr>
-              <a:tr h="628278">
+              <a:tr h="781784">
                 <a:tc>
                   <a:txBody>
                     <a:bodyPr/>
@@ -7425,7 +7354,7 @@
                     <a:p>
                       <a:r>
                         <a:rPr lang="de-DE" sz="1400" noProof="0" dirty="0"/>
-                        <a:t>Datenbank “Menu-Karte”</a:t>
+                        <a:t>Hosting</a:t>
                       </a:r>
                     </a:p>
                   </a:txBody>
@@ -7442,7 +7371,7 @@
                       </a:pPr>
                       <a:r>
                         <a:rPr lang="de-DE" sz="1400" noProof="0" dirty="0"/>
-                        <a:t>Entspricht der 3. Normalform.</a:t>
+                        <a:t>Bereitgestellt auf Server</a:t>
                       </a:r>
                     </a:p>
                     <a:p>
@@ -7452,7 +7381,7 @@
                       </a:pPr>
                       <a:r>
                         <a:rPr lang="de-DE" sz="1400" noProof="0" dirty="0"/>
-                        <a:t>Beinhaltet alle notwendigen Felder + diese sind richtig konfiguriert.</a:t>
+                        <a:t>Erreichbar (mind.) aus gleichem Netzwerk</a:t>
                       </a:r>
                     </a:p>
                   </a:txBody>
@@ -7464,7 +7393,7 @@
                   </a:ext>
                 </a:extLst>
               </a:tr>
-              <a:tr h="482529">
+              <a:tr h="425923">
                 <a:tc>
                   <a:txBody>
                     <a:bodyPr/>
@@ -7472,15 +7401,7 @@
                     <a:p>
                       <a:r>
                         <a:rPr lang="de-DE" sz="1400" noProof="0" dirty="0"/>
-                        <a:t>Einführung in </a:t>
-                      </a:r>
-                      <a:r>
-                        <a:rPr lang="de-DE" sz="1400" noProof="0" dirty="0" err="1"/>
-                        <a:t>Blazor</a:t>
-                      </a:r>
-                      <a:r>
-                        <a:rPr lang="de-DE" sz="1400" noProof="0" dirty="0"/>
-                        <a:t> und C# Coding</a:t>
+                        <a:t>Anbindung API</a:t>
                       </a:r>
                     </a:p>
                   </a:txBody>
@@ -7497,25 +7418,7 @@
                       </a:pPr>
                       <a:r>
                         <a:rPr lang="de-DE" sz="1400" noProof="0" dirty="0"/>
-                        <a:t>Alle Team-Mitglieder können grundlegende VS benutzen</a:t>
-                      </a:r>
-                    </a:p>
-                    <a:p>
-                      <a:pPr marL="285750" indent="-285750">
-                        <a:buFont typeface="Arial" panose="020B0604020202020204" pitchFamily="34" charset="0"/>
-                        <a:buChar char="•"/>
-                      </a:pPr>
-                      <a:r>
-                        <a:rPr lang="de-DE" sz="1400" noProof="0" dirty="0"/>
-                        <a:t>Alle Team-Mitglieder sind in der Lage mit </a:t>
-                      </a:r>
-                      <a:r>
-                        <a:rPr lang="de-DE" sz="1400" noProof="0" dirty="0" err="1"/>
-                        <a:t>Bazor</a:t>
-                      </a:r>
-                      <a:r>
-                        <a:rPr lang="de-DE" sz="1400" noProof="0" dirty="0"/>
-                        <a:t> die Website zu entwickeln</a:t>
+                        <a:t>Daten können von API abgerufen werden</a:t>
                       </a:r>
                     </a:p>
                   </a:txBody>
@@ -7527,7 +7430,7 @@
                   </a:ext>
                 </a:extLst>
               </a:tr>
-              <a:tr h="488887">
+              <a:tr h="461885">
                 <a:tc>
                   <a:txBody>
                     <a:bodyPr/>
@@ -7535,7 +7438,7 @@
                     <a:p>
                       <a:r>
                         <a:rPr lang="de-DE" sz="1400" noProof="0" dirty="0"/>
-                        <a:t>Website “Warenkorb”</a:t>
+                        <a:t>Felder (API Erweiterung)</a:t>
                       </a:r>
                     </a:p>
                   </a:txBody>
@@ -7552,27 +7455,7 @@
                       </a:pPr>
                       <a:r>
                         <a:rPr lang="de-DE" sz="1400" noProof="0" dirty="0"/>
-                        <a:t>Alle selektierten Speisen werden angezeigt.</a:t>
-                      </a:r>
-                    </a:p>
-                    <a:p>
-                      <a:pPr marL="285750" indent="-285750">
-                        <a:buFont typeface="Arial" panose="020B0604020202020204" pitchFamily="34" charset="0"/>
-                        <a:buChar char="•"/>
-                      </a:pPr>
-                      <a:r>
-                        <a:rPr lang="de-DE" sz="1400" noProof="0" dirty="0"/>
-                        <a:t>Anzahl kann verändert werden.</a:t>
-                      </a:r>
-                    </a:p>
-                    <a:p>
-                      <a:pPr marL="285750" indent="-285750">
-                        <a:buFont typeface="Arial" panose="020B0604020202020204" pitchFamily="34" charset="0"/>
-                        <a:buChar char="•"/>
-                      </a:pPr>
-                      <a:r>
-                        <a:rPr lang="de-DE" sz="1400" noProof="0" dirty="0"/>
-                        <a:t>Speisen können wieder entfernt werden.</a:t>
+                        <a:t>Daten aus API werden angezeigt</a:t>
                       </a:r>
                     </a:p>
                   </a:txBody>
@@ -7584,7 +7467,7 @@
                   </a:ext>
                 </a:extLst>
               </a:tr>
-              <a:tr h="450561">
+              <a:tr h="644762">
                 <a:tc>
                   <a:txBody>
                     <a:bodyPr/>
@@ -7592,7 +7475,7 @@
                     <a:p>
                       <a:r>
                         <a:rPr lang="de-DE" sz="1400" noProof="0" dirty="0"/>
-                        <a:t>Datenbank “Warenkorb”</a:t>
+                        <a:t>Optimierung Küchenansicht</a:t>
                       </a:r>
                     </a:p>
                   </a:txBody>
@@ -7609,7 +7492,7 @@
                       </a:pPr>
                       <a:r>
                         <a:rPr lang="de-DE" sz="1400" noProof="0" dirty="0"/>
-                        <a:t>Entspricht der 3. Normalform.</a:t>
+                        <a:t>Wechseln zwischen Ansichten</a:t>
                       </a:r>
                     </a:p>
                     <a:p>
@@ -7619,7 +7502,7 @@
                       </a:pPr>
                       <a:r>
                         <a:rPr lang="de-DE" sz="1400" noProof="0" dirty="0"/>
-                        <a:t>Beinhaltet alle notwendigen Felder + diese sind richtig konfiguriert.</a:t>
+                        <a:t>Gruppierung ist möglich</a:t>
                       </a:r>
                     </a:p>
                   </a:txBody>
@@ -7666,112 +7549,6 @@
             <a:r>
               <a:rPr lang="de-DE" b="1" noProof="0" dirty="0"/>
               <a:t>Abnahmekriterien</a:t>
-            </a:r>
-          </a:p>
-        </p:txBody>
-      </p:sp>
-      <p:sp>
-        <p:nvSpPr>
-          <p:cNvPr id="7" name="Textfeld 6">
-            <a:extLst>
-              <a:ext uri="{FF2B5EF4-FFF2-40B4-BE49-F238E27FC236}">
-                <a16:creationId xmlns:a16="http://schemas.microsoft.com/office/drawing/2014/main" id="{879F137C-877B-196F-AB88-30822F84DAD2}"/>
-              </a:ext>
-            </a:extLst>
-          </p:cNvPr>
-          <p:cNvSpPr txBox="1"/>
-          <p:nvPr/>
-        </p:nvSpPr>
-        <p:spPr>
-          <a:xfrm>
-            <a:off x="9260601" y="1417627"/>
-            <a:ext cx="2669557" cy="3970318"/>
-          </a:xfrm>
-          <a:prstGeom prst="rect">
-            <a:avLst/>
-          </a:prstGeom>
-          <a:noFill/>
-        </p:spPr>
-        <p:txBody>
-          <a:bodyPr wrap="square" rtlCol="0">
-            <a:spAutoFit/>
-          </a:bodyPr>
-          <a:lstStyle/>
-          <a:p>
-            <a:r>
-              <a:rPr lang="de-DE" dirty="0"/>
-              <a:t>Layout</a:t>
-            </a:r>
-          </a:p>
-          <a:p>
-            <a:r>
-              <a:rPr lang="de-DE" dirty="0"/>
-              <a:t>Design</a:t>
-            </a:r>
-          </a:p>
-          <a:p>
-            <a:r>
-              <a:rPr lang="de-DE" dirty="0"/>
-              <a:t>Anbindung API</a:t>
-            </a:r>
-          </a:p>
-          <a:p>
-            <a:r>
-              <a:rPr lang="de-DE" dirty="0"/>
-              <a:t>Anpassen Felder für API Erweiterung</a:t>
-            </a:r>
-          </a:p>
-          <a:p>
-            <a:endParaRPr lang="de-DE" dirty="0"/>
-          </a:p>
-          <a:p>
-            <a:r>
-              <a:rPr lang="de-DE" dirty="0"/>
-              <a:t>Küchenansicht optimieren</a:t>
-            </a:r>
-          </a:p>
-          <a:p>
-            <a:r>
-              <a:rPr lang="de-DE" dirty="0"/>
-              <a:t>--&gt; </a:t>
-            </a:r>
-            <a:r>
-              <a:rPr lang="de-DE" dirty="0" err="1"/>
-              <a:t>Grouping</a:t>
-            </a:r>
-            <a:r>
-              <a:rPr lang="de-DE" dirty="0"/>
-              <a:t> per Table</a:t>
-            </a:r>
-          </a:p>
-          <a:p>
-            <a:r>
-              <a:rPr lang="de-DE" dirty="0"/>
-              <a:t>--&gt; </a:t>
-            </a:r>
-            <a:r>
-              <a:rPr lang="de-DE" dirty="0" err="1"/>
-              <a:t>Grouping</a:t>
-            </a:r>
-            <a:r>
-              <a:rPr lang="de-DE" dirty="0"/>
-              <a:t> per Artikel</a:t>
-            </a:r>
-          </a:p>
-          <a:p>
-            <a:pPr marL="285750" indent="-285750">
-              <a:buFont typeface="Wingdings" panose="05000000000000000000" pitchFamily="2" charset="2"/>
-              <a:buChar char="à"/>
-            </a:pPr>
-            <a:r>
-              <a:rPr lang="de-DE" dirty="0"/>
-              <a:t>Switchen zwischen diesen Ansichten</a:t>
-            </a:r>
-          </a:p>
-          <a:p>
-            <a:r>
-              <a:rPr lang="de-DE" dirty="0"/>
-              <a:t>Hosting</a:t>
             </a:r>
           </a:p>
         </p:txBody>
@@ -8436,6 +8213,14 @@
 <file path=ppt/slides/slide17.xml><?xml version="1.0" encoding="utf-8"?>
 <p:sld xmlns:a="http://schemas.openxmlformats.org/drawingml/2006/main" xmlns:r="http://schemas.openxmlformats.org/officeDocument/2006/relationships" xmlns:p="http://schemas.openxmlformats.org/presentationml/2006/main">
   <p:cSld>
+    <p:bg>
+      <p:bgPr>
+        <a:solidFill>
+          <a:schemeClr val="bg2"/>
+        </a:solidFill>
+        <a:effectLst/>
+      </p:bgPr>
+    </p:bg>
     <p:spTree>
       <p:nvGrpSpPr>
         <p:cNvPr id="1" name=""/>
@@ -8452,6 +8237,625 @@
       </p:grpSpPr>
       <p:sp>
         <p:nvSpPr>
+          <p:cNvPr id="11" name="Freeform: Shape 10">
+            <a:extLst>
+              <a:ext uri="{FF2B5EF4-FFF2-40B4-BE49-F238E27FC236}">
+                <a16:creationId xmlns:a16="http://schemas.microsoft.com/office/drawing/2014/main" id="{A6EF5A53-0A64-4CA5-B9C7-1CB97CB5CF1C}"/>
+              </a:ext>
+              <a:ext uri="{C183D7F6-B498-43B3-948B-1728B52AA6E4}">
+                <adec:decorative xmlns:adec="http://schemas.microsoft.com/office/drawing/2017/decorative" val="1"/>
+              </a:ext>
+            </a:extLst>
+          </p:cNvPr>
+          <p:cNvSpPr>
+            <a:spLocks noGrp="1" noRot="1" noChangeAspect="1" noMove="1" noResize="1" noEditPoints="1" noAdjustHandles="1" noChangeArrowheads="1" noChangeShapeType="1" noTextEdit="1"/>
+          </p:cNvSpPr>
+          <p:nvPr>
+            <p:extLst>
+              <p:ext uri="{386F3935-93C4-4BCD-93E2-E3B085C9AB24}">
+                <p16:designElem xmlns:p16="http://schemas.microsoft.com/office/powerpoint/2015/main" val="1"/>
+              </p:ext>
+            </p:extLst>
+          </p:nvPr>
+        </p:nvSpPr>
+        <p:spPr>
+          <a:xfrm>
+            <a:off x="8157843" y="6244836"/>
+            <a:ext cx="4034156" cy="613164"/>
+          </a:xfrm>
+          <a:custGeom>
+            <a:avLst/>
+            <a:gdLst>
+              <a:gd name="connsiteX0" fmla="*/ 1479137 w 4034156"/>
+              <a:gd name="connsiteY0" fmla="*/ 230 h 613164"/>
+              <a:gd name="connsiteX1" fmla="*/ 3482844 w 4034156"/>
+              <a:gd name="connsiteY1" fmla="*/ 298555 h 613164"/>
+              <a:gd name="connsiteX2" fmla="*/ 3831590 w 4034156"/>
+              <a:gd name="connsiteY2" fmla="*/ 425010 h 613164"/>
+              <a:gd name="connsiteX3" fmla="*/ 4034156 w 4034156"/>
+              <a:gd name="connsiteY3" fmla="*/ 494088 h 613164"/>
+              <a:gd name="connsiteX4" fmla="*/ 4034156 w 4034156"/>
+              <a:gd name="connsiteY4" fmla="*/ 613164 h 613164"/>
+              <a:gd name="connsiteX5" fmla="*/ 0 w 4034156"/>
+              <a:gd name="connsiteY5" fmla="*/ 613164 h 613164"/>
+              <a:gd name="connsiteX6" fmla="*/ 54792 w 4034156"/>
+              <a:gd name="connsiteY6" fmla="*/ 512415 h 613164"/>
+              <a:gd name="connsiteX7" fmla="*/ 168327 w 4034156"/>
+              <a:gd name="connsiteY7" fmla="*/ 366637 h 613164"/>
+              <a:gd name="connsiteX8" fmla="*/ 1192562 w 4034156"/>
+              <a:gd name="connsiteY8" fmla="*/ 1522 h 613164"/>
+              <a:gd name="connsiteX9" fmla="*/ 1479137 w 4034156"/>
+              <a:gd name="connsiteY9" fmla="*/ 230 h 613164"/>
+            </a:gdLst>
+            <a:ahLst/>
+            <a:cxnLst>
+              <a:cxn ang="0">
+                <a:pos x="connsiteX0" y="connsiteY0"/>
+              </a:cxn>
+              <a:cxn ang="0">
+                <a:pos x="connsiteX1" y="connsiteY1"/>
+              </a:cxn>
+              <a:cxn ang="0">
+                <a:pos x="connsiteX2" y="connsiteY2"/>
+              </a:cxn>
+              <a:cxn ang="0">
+                <a:pos x="connsiteX3" y="connsiteY3"/>
+              </a:cxn>
+              <a:cxn ang="0">
+                <a:pos x="connsiteX4" y="connsiteY4"/>
+              </a:cxn>
+              <a:cxn ang="0">
+                <a:pos x="connsiteX5" y="connsiteY5"/>
+              </a:cxn>
+              <a:cxn ang="0">
+                <a:pos x="connsiteX6" y="connsiteY6"/>
+              </a:cxn>
+              <a:cxn ang="0">
+                <a:pos x="connsiteX7" y="connsiteY7"/>
+              </a:cxn>
+              <a:cxn ang="0">
+                <a:pos x="connsiteX8" y="connsiteY8"/>
+              </a:cxn>
+              <a:cxn ang="0">
+                <a:pos x="connsiteX9" y="connsiteY9"/>
+              </a:cxn>
+            </a:cxnLst>
+            <a:rect l="l" t="t" r="r" b="b"/>
+            <a:pathLst>
+              <a:path w="4034156" h="613164">
+                <a:moveTo>
+                  <a:pt x="1479137" y="230"/>
+                </a:moveTo>
+                <a:cubicBezTo>
+                  <a:pt x="2152575" y="4287"/>
+                  <a:pt x="2854487" y="63583"/>
+                  <a:pt x="3482844" y="298555"/>
+                </a:cubicBezTo>
+                <a:cubicBezTo>
+                  <a:pt x="3599338" y="342114"/>
+                  <a:pt x="3715540" y="384216"/>
+                  <a:pt x="3831590" y="425010"/>
+                </a:cubicBezTo>
+                <a:lnTo>
+                  <a:pt x="4034156" y="494088"/>
+                </a:lnTo>
+                <a:lnTo>
+                  <a:pt x="4034156" y="613164"/>
+                </a:lnTo>
+                <a:lnTo>
+                  <a:pt x="0" y="613164"/>
+                </a:lnTo>
+                <a:lnTo>
+                  <a:pt x="54792" y="512415"/>
+                </a:lnTo>
+                <a:cubicBezTo>
+                  <a:pt x="88888" y="459433"/>
+                  <a:pt x="126502" y="410480"/>
+                  <a:pt x="168327" y="366637"/>
+                </a:cubicBezTo>
+                <a:cubicBezTo>
+                  <a:pt x="428292" y="94062"/>
+                  <a:pt x="821899" y="6565"/>
+                  <a:pt x="1192562" y="1522"/>
+                </a:cubicBezTo>
+                <a:cubicBezTo>
+                  <a:pt x="1287308" y="198"/>
+                  <a:pt x="1382932" y="-349"/>
+                  <a:pt x="1479137" y="230"/>
+                </a:cubicBezTo>
+                <a:close/>
+              </a:path>
+            </a:pathLst>
+          </a:custGeom>
+          <a:solidFill>
+            <a:schemeClr val="accent6"/>
+          </a:solidFill>
+          <a:ln>
+            <a:noFill/>
+          </a:ln>
+        </p:spPr>
+        <p:style>
+          <a:lnRef idx="2">
+            <a:schemeClr val="accent1">
+              <a:shade val="50000"/>
+            </a:schemeClr>
+          </a:lnRef>
+          <a:fillRef idx="1">
+            <a:schemeClr val="accent1"/>
+          </a:fillRef>
+          <a:effectRef idx="0">
+            <a:schemeClr val="accent1"/>
+          </a:effectRef>
+          <a:fontRef idx="minor">
+            <a:schemeClr val="lt1"/>
+          </a:fontRef>
+        </p:style>
+        <p:txBody>
+          <a:bodyPr wrap="square" rtlCol="0" anchor="ctr">
+            <a:noAutofit/>
+          </a:bodyPr>
+          <a:lstStyle/>
+          <a:p>
+            <a:pPr marL="0" marR="0" lvl="0" indent="0" algn="ctr" defTabSz="914400" rtl="0" eaLnBrk="1" fontAlgn="auto" latinLnBrk="0" hangingPunct="1">
+              <a:lnSpc>
+                <a:spcPct val="100000"/>
+              </a:lnSpc>
+              <a:spcBef>
+                <a:spcPts val="0"/>
+              </a:spcBef>
+              <a:spcAft>
+                <a:spcPts val="0"/>
+              </a:spcAft>
+              <a:buClrTx/>
+              <a:buSzTx/>
+              <a:buFontTx/>
+              <a:buNone/>
+              <a:tabLst/>
+              <a:defRPr/>
+            </a:pPr>
+            <a:endParaRPr kumimoji="0" lang="en-US" sz="1500" b="0" i="0" u="none" strike="noStrike" kern="1200" cap="none" spc="0" normalizeH="0" baseline="0" noProof="0">
+              <a:ln>
+                <a:noFill/>
+              </a:ln>
+              <a:solidFill>
+                <a:prstClr val="white"/>
+              </a:solidFill>
+              <a:effectLst/>
+              <a:uLnTx/>
+              <a:uFillTx/>
+              <a:latin typeface="Avenir Next LT Pro" panose="020B0504020202020204" pitchFamily="34" charset="0"/>
+              <a:ea typeface="+mn-ea"/>
+              <a:cs typeface="+mn-cs"/>
+            </a:endParaRPr>
+          </a:p>
+        </p:txBody>
+      </p:sp>
+      <p:sp>
+        <p:nvSpPr>
+          <p:cNvPr id="13" name="Freeform: Shape 12">
+            <a:extLst>
+              <a:ext uri="{FF2B5EF4-FFF2-40B4-BE49-F238E27FC236}">
+                <a16:creationId xmlns:a16="http://schemas.microsoft.com/office/drawing/2014/main" id="{34ABFBEA-4EB0-4D02-A2C0-1733CD3D6F12}"/>
+              </a:ext>
+              <a:ext uri="{C183D7F6-B498-43B3-948B-1728B52AA6E4}">
+                <adec:decorative xmlns:adec="http://schemas.microsoft.com/office/drawing/2017/decorative" val="1"/>
+              </a:ext>
+            </a:extLst>
+          </p:cNvPr>
+          <p:cNvSpPr>
+            <a:spLocks noGrp="1" noRot="1" noChangeAspect="1" noMove="1" noResize="1" noEditPoints="1" noAdjustHandles="1" noChangeArrowheads="1" noChangeShapeType="1" noTextEdit="1"/>
+          </p:cNvSpPr>
+          <p:nvPr>
+            <p:extLst>
+              <p:ext uri="{386F3935-93C4-4BCD-93E2-E3B085C9AB24}">
+                <p16:designElem xmlns:p16="http://schemas.microsoft.com/office/powerpoint/2015/main" val="1"/>
+              </p:ext>
+            </p:extLst>
+          </p:nvPr>
+        </p:nvSpPr>
+        <p:spPr>
+          <a:xfrm>
+            <a:off x="1" y="688126"/>
+            <a:ext cx="448491" cy="1634252"/>
+          </a:xfrm>
+          <a:custGeom>
+            <a:avLst/>
+            <a:gdLst>
+              <a:gd name="connsiteX0" fmla="*/ 0 w 448491"/>
+              <a:gd name="connsiteY0" fmla="*/ 0 h 1634252"/>
+              <a:gd name="connsiteX1" fmla="*/ 12983 w 448491"/>
+              <a:gd name="connsiteY1" fmla="*/ 10508 h 1634252"/>
+              <a:gd name="connsiteX2" fmla="*/ 441611 w 448491"/>
+              <a:gd name="connsiteY2" fmla="*/ 863751 h 1634252"/>
+              <a:gd name="connsiteX3" fmla="*/ 251011 w 448491"/>
+              <a:gd name="connsiteY3" fmla="*/ 1302895 h 1634252"/>
+              <a:gd name="connsiteX4" fmla="*/ 74605 w 448491"/>
+              <a:gd name="connsiteY4" fmla="*/ 1543249 h 1634252"/>
+              <a:gd name="connsiteX5" fmla="*/ 0 w 448491"/>
+              <a:gd name="connsiteY5" fmla="*/ 1634252 h 1634252"/>
+            </a:gdLst>
+            <a:ahLst/>
+            <a:cxnLst>
+              <a:cxn ang="0">
+                <a:pos x="connsiteX0" y="connsiteY0"/>
+              </a:cxn>
+              <a:cxn ang="0">
+                <a:pos x="connsiteX1" y="connsiteY1"/>
+              </a:cxn>
+              <a:cxn ang="0">
+                <a:pos x="connsiteX2" y="connsiteY2"/>
+              </a:cxn>
+              <a:cxn ang="0">
+                <a:pos x="connsiteX3" y="connsiteY3"/>
+              </a:cxn>
+              <a:cxn ang="0">
+                <a:pos x="connsiteX4" y="connsiteY4"/>
+              </a:cxn>
+              <a:cxn ang="0">
+                <a:pos x="connsiteX5" y="connsiteY5"/>
+              </a:cxn>
+            </a:cxnLst>
+            <a:rect l="l" t="t" r="r" b="b"/>
+            <a:pathLst>
+              <a:path w="448491" h="1634252">
+                <a:moveTo>
+                  <a:pt x="0" y="0"/>
+                </a:moveTo>
+                <a:lnTo>
+                  <a:pt x="12983" y="10508"/>
+                </a:lnTo>
+                <a:cubicBezTo>
+                  <a:pt x="278410" y="241022"/>
+                  <a:pt x="489787" y="530267"/>
+                  <a:pt x="441611" y="863751"/>
+                </a:cubicBezTo>
+                <a:cubicBezTo>
+                  <a:pt x="418542" y="1022632"/>
+                  <a:pt x="337007" y="1166302"/>
+                  <a:pt x="251011" y="1302895"/>
+                </a:cubicBezTo>
+                <a:cubicBezTo>
+                  <a:pt x="215138" y="1359902"/>
+                  <a:pt x="154723" y="1442480"/>
+                  <a:pt x="74605" y="1543249"/>
+                </a:cubicBezTo>
+                <a:lnTo>
+                  <a:pt x="0" y="1634252"/>
+                </a:lnTo>
+                <a:close/>
+              </a:path>
+            </a:pathLst>
+          </a:custGeom>
+          <a:solidFill>
+            <a:schemeClr val="accent1"/>
+          </a:solidFill>
+          <a:ln>
+            <a:noFill/>
+          </a:ln>
+        </p:spPr>
+        <p:style>
+          <a:lnRef idx="2">
+            <a:schemeClr val="accent1">
+              <a:shade val="50000"/>
+            </a:schemeClr>
+          </a:lnRef>
+          <a:fillRef idx="1">
+            <a:schemeClr val="accent1"/>
+          </a:fillRef>
+          <a:effectRef idx="0">
+            <a:schemeClr val="accent1"/>
+          </a:effectRef>
+          <a:fontRef idx="minor">
+            <a:schemeClr val="lt1"/>
+          </a:fontRef>
+        </p:style>
+        <p:txBody>
+          <a:bodyPr wrap="square" rtlCol="0" anchor="ctr">
+            <a:noAutofit/>
+          </a:bodyPr>
+          <a:lstStyle/>
+          <a:p>
+            <a:pPr algn="ctr"/>
+            <a:endParaRPr lang="en-US" sz="900">
+              <a:solidFill>
+                <a:prstClr val="white"/>
+              </a:solidFill>
+              <a:latin typeface="Avenir Next LT Pro" panose="020B0504020202020204" pitchFamily="34" charset="0"/>
+            </a:endParaRPr>
+          </a:p>
+        </p:txBody>
+      </p:sp>
+      <p:sp>
+        <p:nvSpPr>
+          <p:cNvPr id="15" name="Freeform: Shape 14">
+            <a:extLst>
+              <a:ext uri="{FF2B5EF4-FFF2-40B4-BE49-F238E27FC236}">
+                <a16:creationId xmlns:a16="http://schemas.microsoft.com/office/drawing/2014/main" id="{19E083F6-57F4-487B-A766-EA0462B1EED8}"/>
+              </a:ext>
+              <a:ext uri="{C183D7F6-B498-43B3-948B-1728B52AA6E4}">
+                <adec:decorative xmlns:adec="http://schemas.microsoft.com/office/drawing/2017/decorative" val="1"/>
+              </a:ext>
+            </a:extLst>
+          </p:cNvPr>
+          <p:cNvSpPr>
+            <a:spLocks noGrp="1" noRot="1" noChangeAspect="1" noMove="1" noResize="1" noEditPoints="1" noAdjustHandles="1" noChangeArrowheads="1" noChangeShapeType="1" noTextEdit="1"/>
+          </p:cNvSpPr>
+          <p:nvPr>
+            <p:extLst>
+              <p:ext uri="{386F3935-93C4-4BCD-93E2-E3B085C9AB24}">
+                <p16:designElem xmlns:p16="http://schemas.microsoft.com/office/powerpoint/2015/main" val="1"/>
+              </p:ext>
+            </p:extLst>
+          </p:nvPr>
+        </p:nvSpPr>
+        <p:spPr>
+          <a:xfrm>
+            <a:off x="7309459" y="6144069"/>
+            <a:ext cx="4418271" cy="718159"/>
+          </a:xfrm>
+          <a:custGeom>
+            <a:avLst/>
+            <a:gdLst>
+              <a:gd name="connsiteX0" fmla="*/ 1421452 w 4590626"/>
+              <a:gd name="connsiteY0" fmla="*/ 0 h 713930"/>
+              <a:gd name="connsiteX1" fmla="*/ 3247781 w 4590626"/>
+              <a:gd name="connsiteY1" fmla="*/ 271915 h 713930"/>
+              <a:gd name="connsiteX2" fmla="*/ 4517331 w 4590626"/>
+              <a:gd name="connsiteY2" fmla="*/ 693394 h 713930"/>
+              <a:gd name="connsiteX3" fmla="*/ 4590626 w 4590626"/>
+              <a:gd name="connsiteY3" fmla="*/ 713930 h 713930"/>
+              <a:gd name="connsiteX4" fmla="*/ 0 w 4590626"/>
+              <a:gd name="connsiteY4" fmla="*/ 713930 h 713930"/>
+              <a:gd name="connsiteX5" fmla="*/ 2854 w 4590626"/>
+              <a:gd name="connsiteY5" fmla="*/ 705624 h 713930"/>
+              <a:gd name="connsiteX6" fmla="*/ 226680 w 4590626"/>
+              <a:gd name="connsiteY6" fmla="*/ 333970 h 713930"/>
+              <a:gd name="connsiteX7" fmla="*/ 1160245 w 4590626"/>
+              <a:gd name="connsiteY7" fmla="*/ 1178 h 713930"/>
+              <a:gd name="connsiteX8" fmla="*/ 1421452 w 4590626"/>
+              <a:gd name="connsiteY8" fmla="*/ 0 h 713930"/>
+              <a:gd name="connsiteX0" fmla="*/ 1421452 w 4517331"/>
+              <a:gd name="connsiteY0" fmla="*/ 0 h 713930"/>
+              <a:gd name="connsiteX1" fmla="*/ 3247781 w 4517331"/>
+              <a:gd name="connsiteY1" fmla="*/ 271915 h 713930"/>
+              <a:gd name="connsiteX2" fmla="*/ 4517331 w 4517331"/>
+              <a:gd name="connsiteY2" fmla="*/ 693394 h 713930"/>
+              <a:gd name="connsiteX3" fmla="*/ 0 w 4517331"/>
+              <a:gd name="connsiteY3" fmla="*/ 713930 h 713930"/>
+              <a:gd name="connsiteX4" fmla="*/ 2854 w 4517331"/>
+              <a:gd name="connsiteY4" fmla="*/ 705624 h 713930"/>
+              <a:gd name="connsiteX5" fmla="*/ 226680 w 4517331"/>
+              <a:gd name="connsiteY5" fmla="*/ 333970 h 713930"/>
+              <a:gd name="connsiteX6" fmla="*/ 1160245 w 4517331"/>
+              <a:gd name="connsiteY6" fmla="*/ 1178 h 713930"/>
+              <a:gd name="connsiteX7" fmla="*/ 1421452 w 4517331"/>
+              <a:gd name="connsiteY7" fmla="*/ 0 h 713930"/>
+              <a:gd name="connsiteX0" fmla="*/ 0 w 4608771"/>
+              <a:gd name="connsiteY0" fmla="*/ 713930 h 784834"/>
+              <a:gd name="connsiteX1" fmla="*/ 2854 w 4608771"/>
+              <a:gd name="connsiteY1" fmla="*/ 705624 h 784834"/>
+              <a:gd name="connsiteX2" fmla="*/ 226680 w 4608771"/>
+              <a:gd name="connsiteY2" fmla="*/ 333970 h 784834"/>
+              <a:gd name="connsiteX3" fmla="*/ 1160245 w 4608771"/>
+              <a:gd name="connsiteY3" fmla="*/ 1178 h 784834"/>
+              <a:gd name="connsiteX4" fmla="*/ 1421452 w 4608771"/>
+              <a:gd name="connsiteY4" fmla="*/ 0 h 784834"/>
+              <a:gd name="connsiteX5" fmla="*/ 3247781 w 4608771"/>
+              <a:gd name="connsiteY5" fmla="*/ 271915 h 784834"/>
+              <a:gd name="connsiteX6" fmla="*/ 4608771 w 4608771"/>
+              <a:gd name="connsiteY6" fmla="*/ 784834 h 784834"/>
+              <a:gd name="connsiteX0" fmla="*/ 0 w 4418271"/>
+              <a:gd name="connsiteY0" fmla="*/ 713930 h 718159"/>
+              <a:gd name="connsiteX1" fmla="*/ 2854 w 4418271"/>
+              <a:gd name="connsiteY1" fmla="*/ 705624 h 718159"/>
+              <a:gd name="connsiteX2" fmla="*/ 226680 w 4418271"/>
+              <a:gd name="connsiteY2" fmla="*/ 333970 h 718159"/>
+              <a:gd name="connsiteX3" fmla="*/ 1160245 w 4418271"/>
+              <a:gd name="connsiteY3" fmla="*/ 1178 h 718159"/>
+              <a:gd name="connsiteX4" fmla="*/ 1421452 w 4418271"/>
+              <a:gd name="connsiteY4" fmla="*/ 0 h 718159"/>
+              <a:gd name="connsiteX5" fmla="*/ 3247781 w 4418271"/>
+              <a:gd name="connsiteY5" fmla="*/ 271915 h 718159"/>
+              <a:gd name="connsiteX6" fmla="*/ 4418271 w 4418271"/>
+              <a:gd name="connsiteY6" fmla="*/ 718159 h 718159"/>
+            </a:gdLst>
+            <a:ahLst/>
+            <a:cxnLst>
+              <a:cxn ang="0">
+                <a:pos x="connsiteX0" y="connsiteY0"/>
+              </a:cxn>
+              <a:cxn ang="0">
+                <a:pos x="connsiteX1" y="connsiteY1"/>
+              </a:cxn>
+              <a:cxn ang="0">
+                <a:pos x="connsiteX2" y="connsiteY2"/>
+              </a:cxn>
+              <a:cxn ang="0">
+                <a:pos x="connsiteX3" y="connsiteY3"/>
+              </a:cxn>
+              <a:cxn ang="0">
+                <a:pos x="connsiteX4" y="connsiteY4"/>
+              </a:cxn>
+              <a:cxn ang="0">
+                <a:pos x="connsiteX5" y="connsiteY5"/>
+              </a:cxn>
+              <a:cxn ang="0">
+                <a:pos x="connsiteX6" y="connsiteY6"/>
+              </a:cxn>
+            </a:cxnLst>
+            <a:rect l="l" t="t" r="r" b="b"/>
+            <a:pathLst>
+              <a:path w="4418271" h="718159">
+                <a:moveTo>
+                  <a:pt x="0" y="713930"/>
+                </a:moveTo>
+                <a:lnTo>
+                  <a:pt x="2854" y="705624"/>
+                </a:lnTo>
+                <a:cubicBezTo>
+                  <a:pt x="60059" y="562888"/>
+                  <a:pt x="131373" y="433874"/>
+                  <a:pt x="226680" y="333970"/>
+                </a:cubicBezTo>
+                <a:cubicBezTo>
+                  <a:pt x="463632" y="85526"/>
+                  <a:pt x="822395" y="5774"/>
+                  <a:pt x="1160245" y="1178"/>
+                </a:cubicBezTo>
+                <a:lnTo>
+                  <a:pt x="1421452" y="0"/>
+                </a:lnTo>
+                <a:cubicBezTo>
+                  <a:pt x="2035274" y="3698"/>
+                  <a:pt x="2748311" y="152222"/>
+                  <a:pt x="3247781" y="271915"/>
+                </a:cubicBezTo>
+                <a:cubicBezTo>
+                  <a:pt x="3747251" y="391608"/>
+                  <a:pt x="3902480" y="501606"/>
+                  <a:pt x="4418271" y="718159"/>
+                </a:cubicBezTo>
+              </a:path>
+            </a:pathLst>
+          </a:custGeom>
+          <a:noFill/>
+          <a:ln>
+            <a:solidFill>
+              <a:schemeClr val="accent4"/>
+            </a:solidFill>
+          </a:ln>
+        </p:spPr>
+        <p:style>
+          <a:lnRef idx="2">
+            <a:schemeClr val="accent1">
+              <a:shade val="50000"/>
+            </a:schemeClr>
+          </a:lnRef>
+          <a:fillRef idx="1">
+            <a:schemeClr val="accent1"/>
+          </a:fillRef>
+          <a:effectRef idx="0">
+            <a:schemeClr val="accent1"/>
+          </a:effectRef>
+          <a:fontRef idx="minor">
+            <a:schemeClr val="lt1"/>
+          </a:fontRef>
+        </p:style>
+        <p:txBody>
+          <a:bodyPr rtlCol="0" anchor="ctr"/>
+          <a:lstStyle/>
+          <a:p>
+            <a:pPr marL="0" marR="0" lvl="0" indent="0" algn="ctr" defTabSz="914400" rtl="0" eaLnBrk="1" fontAlgn="auto" latinLnBrk="0" hangingPunct="1">
+              <a:lnSpc>
+                <a:spcPct val="100000"/>
+              </a:lnSpc>
+              <a:spcBef>
+                <a:spcPts val="0"/>
+              </a:spcBef>
+              <a:spcAft>
+                <a:spcPts val="0"/>
+              </a:spcAft>
+              <a:buClrTx/>
+              <a:buSzTx/>
+              <a:buFontTx/>
+              <a:buNone/>
+              <a:tabLst/>
+              <a:defRPr/>
+            </a:pPr>
+            <a:endParaRPr kumimoji="0" lang="en-US" sz="1800" b="0" i="0" u="none" strike="noStrike" kern="1200" cap="none" spc="0" normalizeH="0" baseline="0" noProof="0">
+              <a:ln>
+                <a:noFill/>
+              </a:ln>
+              <a:solidFill>
+                <a:prstClr val="white"/>
+              </a:solidFill>
+              <a:effectLst/>
+              <a:uLnTx/>
+              <a:uFillTx/>
+              <a:latin typeface="Avenir Next LT Pro Light"/>
+              <a:ea typeface="+mn-ea"/>
+              <a:cs typeface="+mn-cs"/>
+            </a:endParaRPr>
+          </a:p>
+        </p:txBody>
+      </p:sp>
+      <p:sp useBgFill="1">
+        <p:nvSpPr>
+          <p:cNvPr id="17" name="Rectangle 16">
+            <a:extLst>
+              <a:ext uri="{FF2B5EF4-FFF2-40B4-BE49-F238E27FC236}">
+                <a16:creationId xmlns:a16="http://schemas.microsoft.com/office/drawing/2014/main" id="{7A18C9FB-EC4C-4DAE-8F7D-C6E5AF607958}"/>
+              </a:ext>
+              <a:ext uri="{C183D7F6-B498-43B3-948B-1728B52AA6E4}">
+                <adec:decorative xmlns:adec="http://schemas.microsoft.com/office/drawing/2017/decorative" val="1"/>
+              </a:ext>
+            </a:extLst>
+          </p:cNvPr>
+          <p:cNvSpPr>
+            <a:spLocks noGrp="1" noRot="1" noChangeAspect="1" noMove="1" noResize="1" noEditPoints="1" noAdjustHandles="1" noChangeArrowheads="1" noChangeShapeType="1" noTextEdit="1"/>
+          </p:cNvSpPr>
+          <p:nvPr>
+            <p:extLst>
+              <p:ext uri="{386F3935-93C4-4BCD-93E2-E3B085C9AB24}">
+                <p16:designElem xmlns:p16="http://schemas.microsoft.com/office/powerpoint/2015/main" val="1"/>
+              </p:ext>
+            </p:extLst>
+          </p:nvPr>
+        </p:nvSpPr>
+        <p:spPr>
+          <a:xfrm>
+            <a:off x="0" y="0"/>
+            <a:ext cx="12192000" cy="6858000"/>
+          </a:xfrm>
+          <a:prstGeom prst="rect">
+            <a:avLst/>
+          </a:prstGeom>
+          <a:ln w="12700" cap="flat" cmpd="sng" algn="ctr">
+            <a:noFill/>
+            <a:prstDash val="solid"/>
+            <a:miter lim="800000"/>
+          </a:ln>
+          <a:effectLst/>
+          <a:extLst>
+            <a:ext uri="{91240B29-F687-4F45-9708-019B960494DF}">
+              <a14:hiddenLine xmlns:a14="http://schemas.microsoft.com/office/drawing/2010/main" w="12700" cap="flat" cmpd="sng" algn="ctr">
+                <a:solidFill>
+                  <a:schemeClr val="accent1">
+                    <a:shade val="50000"/>
+                  </a:schemeClr>
+                </a:solidFill>
+                <a:prstDash val="solid"/>
+                <a:miter lim="800000"/>
+              </a14:hiddenLine>
+            </a:ext>
+          </a:extLst>
+        </p:spPr>
+        <p:style>
+          <a:lnRef idx="2">
+            <a:schemeClr val="accent1">
+              <a:shade val="50000"/>
+            </a:schemeClr>
+          </a:lnRef>
+          <a:fillRef idx="1">
+            <a:schemeClr val="accent1"/>
+          </a:fillRef>
+          <a:effectRef idx="0">
+            <a:schemeClr val="accent1"/>
+          </a:effectRef>
+          <a:fontRef idx="minor">
+            <a:schemeClr val="lt1"/>
+          </a:fontRef>
+        </p:style>
+        <p:txBody>
+          <a:bodyPr rtlCol="0" anchor="ctr"/>
+          <a:lstStyle/>
+          <a:p>
+            <a:endParaRPr lang="en-US" dirty="0"/>
+          </a:p>
+        </p:txBody>
+      </p:sp>
+      <p:sp>
+        <p:nvSpPr>
           <p:cNvPr id="2" name="Titel 1">
             <a:extLst>
               <a:ext uri="{FF2B5EF4-FFF2-40B4-BE49-F238E27FC236}">
@@ -8466,86 +8870,178 @@
             <p:ph type="title"/>
           </p:nvPr>
         </p:nvSpPr>
-        <p:spPr/>
-        <p:txBody>
-          <a:bodyPr/>
-          <a:lstStyle/>
-          <a:p>
-            <a:r>
-              <a:rPr lang="en-US" noProof="0" dirty="0" err="1"/>
-              <a:t>Vielen</a:t>
-            </a:r>
-            <a:r>
-              <a:rPr lang="en-US" noProof="0" dirty="0"/>
-              <a:t> Dank für </a:t>
-            </a:r>
-            <a:r>
-              <a:rPr lang="en-US" noProof="0" dirty="0" err="1"/>
-              <a:t>eure</a:t>
-            </a:r>
-            <a:r>
-              <a:rPr lang="en-US" noProof="0" dirty="0"/>
-              <a:t> </a:t>
-            </a:r>
-            <a:r>
-              <a:rPr lang="en-US" noProof="0" dirty="0" err="1"/>
-              <a:t>Aufmerksamkeit</a:t>
-            </a:r>
-            <a:r>
-              <a:rPr lang="en-US" noProof="0" dirty="0"/>
-              <a:t>!</a:t>
-            </a:r>
-            <a:endParaRPr lang="de-DE" noProof="0" dirty="0"/>
-          </a:p>
-        </p:txBody>
-      </p:sp>
-      <p:sp>
-        <p:nvSpPr>
-          <p:cNvPr id="3" name="Inhaltsplatzhalter 2">
-            <a:extLst>
-              <a:ext uri="{FF2B5EF4-FFF2-40B4-BE49-F238E27FC236}">
-                <a16:creationId xmlns:a16="http://schemas.microsoft.com/office/drawing/2014/main" id="{57D7586E-8549-8CEC-FF99-4F32F3A91E62}"/>
-              </a:ext>
-            </a:extLst>
-          </p:cNvPr>
-          <p:cNvSpPr>
-            <a:spLocks noGrp="1"/>
-          </p:cNvSpPr>
-          <p:nvPr>
-            <p:ph sz="half" idx="1"/>
-          </p:nvPr>
-        </p:nvSpPr>
-        <p:spPr/>
-        <p:txBody>
-          <a:bodyPr/>
-          <a:lstStyle/>
-          <a:p>
-            <a:endParaRPr lang="de-DE" noProof="0" dirty="0"/>
-          </a:p>
-        </p:txBody>
-      </p:sp>
-      <p:sp>
-        <p:nvSpPr>
-          <p:cNvPr id="4" name="Inhaltsplatzhalter 3">
-            <a:extLst>
-              <a:ext uri="{FF2B5EF4-FFF2-40B4-BE49-F238E27FC236}">
-                <a16:creationId xmlns:a16="http://schemas.microsoft.com/office/drawing/2014/main" id="{B737EBE6-E269-7788-70A0-0FBAD540DD56}"/>
-              </a:ext>
-            </a:extLst>
-          </p:cNvPr>
-          <p:cNvSpPr>
-            <a:spLocks noGrp="1"/>
-          </p:cNvSpPr>
-          <p:nvPr>
-            <p:ph sz="half" idx="2"/>
-          </p:nvPr>
-        </p:nvSpPr>
-        <p:spPr/>
-        <p:txBody>
-          <a:bodyPr/>
-          <a:lstStyle/>
-          <a:p>
-            <a:endParaRPr lang="de-DE" noProof="0" dirty="0"/>
+        <p:spPr>
+          <a:xfrm>
+            <a:off x="762000" y="1524000"/>
+            <a:ext cx="10965730" cy="2286000"/>
+          </a:xfrm>
+        </p:spPr>
+        <p:txBody>
+          <a:bodyPr vert="horz" lIns="91440" tIns="45720" rIns="91440" bIns="45720" rtlCol="0" anchor="b">
+            <a:normAutofit/>
+          </a:bodyPr>
+          <a:lstStyle/>
+          <a:p>
+            <a:r>
+              <a:rPr lang="de-DE" sz="4000" kern="1200" noProof="0" dirty="0">
+                <a:solidFill>
+                  <a:schemeClr val="tx1"/>
+                </a:solidFill>
+                <a:latin typeface="+mj-lt"/>
+                <a:ea typeface="+mj-ea"/>
+                <a:cs typeface="+mj-cs"/>
+              </a:rPr>
+              <a:t>Vielen Dank für Ihre / Eure Aufmerksamkeit!</a:t>
+            </a:r>
+          </a:p>
+        </p:txBody>
+      </p:sp>
+      <p:sp>
+        <p:nvSpPr>
+          <p:cNvPr id="19" name="Freeform: Shape 18">
+            <a:extLst>
+              <a:ext uri="{FF2B5EF4-FFF2-40B4-BE49-F238E27FC236}">
+                <a16:creationId xmlns:a16="http://schemas.microsoft.com/office/drawing/2014/main" id="{00572931-961B-4A48-8B38-E9A9DB6E8111}"/>
+              </a:ext>
+              <a:ext uri="{C183D7F6-B498-43B3-948B-1728B52AA6E4}">
+                <adec:decorative xmlns:adec="http://schemas.microsoft.com/office/drawing/2017/decorative" val="1"/>
+              </a:ext>
+            </a:extLst>
+          </p:cNvPr>
+          <p:cNvSpPr>
+            <a:spLocks noGrp="1" noRot="1" noChangeAspect="1" noMove="1" noResize="1" noEditPoints="1" noAdjustHandles="1" noChangeArrowheads="1" noChangeShapeType="1" noTextEdit="1"/>
+          </p:cNvSpPr>
+          <p:nvPr>
+            <p:extLst>
+              <p:ext uri="{386F3935-93C4-4BCD-93E2-E3B085C9AB24}">
+                <p16:designElem xmlns:p16="http://schemas.microsoft.com/office/powerpoint/2015/main" val="1"/>
+              </p:ext>
+            </p:extLst>
+          </p:nvPr>
+        </p:nvSpPr>
+        <p:spPr>
+          <a:xfrm rot="5400000">
+            <a:off x="615181" y="-615181"/>
+            <a:ext cx="1085312" cy="2315675"/>
+          </a:xfrm>
+          <a:custGeom>
+            <a:avLst/>
+            <a:gdLst>
+              <a:gd name="connsiteX0" fmla="*/ 0 w 1085312"/>
+              <a:gd name="connsiteY0" fmla="*/ 2315675 h 2315675"/>
+              <a:gd name="connsiteX1" fmla="*/ 0 w 1085312"/>
+              <a:gd name="connsiteY1" fmla="*/ 0 h 2315675"/>
+              <a:gd name="connsiteX2" fmla="*/ 53089 w 1085312"/>
+              <a:gd name="connsiteY2" fmla="*/ 4542 h 2315675"/>
+              <a:gd name="connsiteX3" fmla="*/ 790077 w 1085312"/>
+              <a:gd name="connsiteY3" fmla="*/ 872756 h 2315675"/>
+              <a:gd name="connsiteX4" fmla="*/ 1085252 w 1085312"/>
+              <a:gd name="connsiteY4" fmla="*/ 1943649 h 2315675"/>
+              <a:gd name="connsiteX5" fmla="*/ 1064832 w 1085312"/>
+              <a:gd name="connsiteY5" fmla="*/ 2198094 h 2315675"/>
+              <a:gd name="connsiteX6" fmla="*/ 1043734 w 1085312"/>
+              <a:gd name="connsiteY6" fmla="*/ 2315675 h 2315675"/>
+              <a:gd name="connsiteX7" fmla="*/ 0 w 1085312"/>
+              <a:gd name="connsiteY7" fmla="*/ 2315675 h 2315675"/>
+            </a:gdLst>
+            <a:ahLst/>
+            <a:cxnLst>
+              <a:cxn ang="0">
+                <a:pos x="connsiteX0" y="connsiteY0"/>
+              </a:cxn>
+              <a:cxn ang="0">
+                <a:pos x="connsiteX1" y="connsiteY1"/>
+              </a:cxn>
+              <a:cxn ang="0">
+                <a:pos x="connsiteX2" y="connsiteY2"/>
+              </a:cxn>
+              <a:cxn ang="0">
+                <a:pos x="connsiteX3" y="connsiteY3"/>
+              </a:cxn>
+              <a:cxn ang="0">
+                <a:pos x="connsiteX4" y="connsiteY4"/>
+              </a:cxn>
+              <a:cxn ang="0">
+                <a:pos x="connsiteX5" y="connsiteY5"/>
+              </a:cxn>
+              <a:cxn ang="0">
+                <a:pos x="connsiteX6" y="connsiteY6"/>
+              </a:cxn>
+              <a:cxn ang="0">
+                <a:pos x="connsiteX7" y="connsiteY7"/>
+              </a:cxn>
+            </a:cxnLst>
+            <a:rect l="l" t="t" r="r" b="b"/>
+            <a:pathLst>
+              <a:path w="1085312" h="2315675">
+                <a:moveTo>
+                  <a:pt x="0" y="2315675"/>
+                </a:moveTo>
+                <a:lnTo>
+                  <a:pt x="0" y="0"/>
+                </a:lnTo>
+                <a:lnTo>
+                  <a:pt x="53089" y="4542"/>
+                </a:lnTo>
+                <a:cubicBezTo>
+                  <a:pt x="405263" y="73503"/>
+                  <a:pt x="612623" y="486635"/>
+                  <a:pt x="790077" y="872756"/>
+                </a:cubicBezTo>
+                <a:cubicBezTo>
+                  <a:pt x="937425" y="1193596"/>
+                  <a:pt x="1088787" y="1533232"/>
+                  <a:pt x="1085252" y="1943649"/>
+                </a:cubicBezTo>
+                <a:cubicBezTo>
+                  <a:pt x="1084528" y="2029058"/>
+                  <a:pt x="1077341" y="2113833"/>
+                  <a:pt x="1064832" y="2198094"/>
+                </a:cubicBezTo>
+                <a:lnTo>
+                  <a:pt x="1043734" y="2315675"/>
+                </a:lnTo>
+                <a:lnTo>
+                  <a:pt x="0" y="2315675"/>
+                </a:lnTo>
+                <a:close/>
+              </a:path>
+            </a:pathLst>
+          </a:custGeom>
+          <a:solidFill>
+            <a:schemeClr val="accent1"/>
+          </a:solidFill>
+          <a:ln>
+            <a:noFill/>
+          </a:ln>
+        </p:spPr>
+        <p:style>
+          <a:lnRef idx="2">
+            <a:schemeClr val="accent1">
+              <a:shade val="50000"/>
+            </a:schemeClr>
+          </a:lnRef>
+          <a:fillRef idx="1">
+            <a:schemeClr val="accent1"/>
+          </a:fillRef>
+          <a:effectRef idx="0">
+            <a:schemeClr val="accent1"/>
+          </a:effectRef>
+          <a:fontRef idx="minor">
+            <a:schemeClr val="lt1"/>
+          </a:fontRef>
+        </p:style>
+        <p:txBody>
+          <a:bodyPr rtlCol="0" anchor="ctr"/>
+          <a:lstStyle/>
+          <a:p>
+            <a:pPr algn="ctr"/>
+            <a:endParaRPr lang="en-US" sz="900">
+              <a:solidFill>
+                <a:schemeClr val="bg1"/>
+              </a:solidFill>
+              <a:latin typeface="Avenir Next LT Pro" panose="020B0504020202020204" pitchFamily="34" charset="0"/>
+            </a:endParaRPr>
           </a:p>
         </p:txBody>
       </p:sp>
@@ -8565,16 +9061,462 @@
             <p:ph type="dt" sz="half" idx="10"/>
           </p:nvPr>
         </p:nvSpPr>
-        <p:spPr/>
-        <p:txBody>
-          <a:bodyPr/>
-          <a:lstStyle/>
-          <a:p>
+        <p:spPr>
+          <a:xfrm>
+            <a:off x="9389165" y="194320"/>
+            <a:ext cx="2040835" cy="365125"/>
+          </a:xfrm>
+        </p:spPr>
+        <p:txBody>
+          <a:bodyPr vert="horz" lIns="91440" tIns="45720" rIns="91440" bIns="45720" rtlCol="0" anchor="ctr">
+            <a:normAutofit/>
+          </a:bodyPr>
+          <a:lstStyle/>
+          <a:p>
+            <a:pPr>
+              <a:spcAft>
+                <a:spcPts val="600"/>
+              </a:spcAft>
+            </a:pPr>
             <a:fld id="{12AE7323-5CDD-4051-9975-1729D84443C7}" type="datetime1">
-              <a:rPr lang="de-DE" noProof="0" smtClean="0"/>
-              <a:t>12.12.2024</a:t>
+              <a:rPr lang="en-US" noProof="0">
+                <a:solidFill>
+                  <a:schemeClr val="tx1">
+                    <a:alpha val="70000"/>
+                  </a:schemeClr>
+                </a:solidFill>
+              </a:rPr>
+              <a:pPr>
+                <a:spcAft>
+                  <a:spcPts val="600"/>
+                </a:spcAft>
+              </a:pPr>
+              <a:t>12/12/2024</a:t>
             </a:fld>
-            <a:endParaRPr lang="de-DE" noProof="0" dirty="0"/>
+            <a:endParaRPr lang="en-US" noProof="0">
+              <a:solidFill>
+                <a:schemeClr val="tx1">
+                  <a:alpha val="70000"/>
+                </a:schemeClr>
+              </a:solidFill>
+            </a:endParaRPr>
+          </a:p>
+        </p:txBody>
+      </p:sp>
+      <p:sp>
+        <p:nvSpPr>
+          <p:cNvPr id="21" name="Freeform: Shape 20">
+            <a:extLst>
+              <a:ext uri="{FF2B5EF4-FFF2-40B4-BE49-F238E27FC236}">
+                <a16:creationId xmlns:a16="http://schemas.microsoft.com/office/drawing/2014/main" id="{0F29AAD2-96E3-4A6F-9A5E-B6B9E7E11EC4}"/>
+              </a:ext>
+              <a:ext uri="{C183D7F6-B498-43B3-948B-1728B52AA6E4}">
+                <adec:decorative xmlns:adec="http://schemas.microsoft.com/office/drawing/2017/decorative" val="1"/>
+              </a:ext>
+            </a:extLst>
+          </p:cNvPr>
+          <p:cNvSpPr>
+            <a:spLocks noGrp="1" noRot="1" noChangeAspect="1" noMove="1" noResize="1" noEditPoints="1" noAdjustHandles="1" noChangeArrowheads="1" noChangeShapeType="1" noTextEdit="1"/>
+          </p:cNvSpPr>
+          <p:nvPr>
+            <p:extLst>
+              <p:ext uri="{386F3935-93C4-4BCD-93E2-E3B085C9AB24}">
+                <p16:designElem xmlns:p16="http://schemas.microsoft.com/office/powerpoint/2015/main" val="1"/>
+              </p:ext>
+            </p:extLst>
+          </p:nvPr>
+        </p:nvSpPr>
+        <p:spPr>
+          <a:xfrm>
+            <a:off x="7963906" y="5720962"/>
+            <a:ext cx="4228094" cy="1137038"/>
+          </a:xfrm>
+          <a:custGeom>
+            <a:avLst/>
+            <a:gdLst>
+              <a:gd name="connsiteX0" fmla="*/ 1673074 w 4228094"/>
+              <a:gd name="connsiteY0" fmla="*/ 230 h 1137038"/>
+              <a:gd name="connsiteX1" fmla="*/ 3676781 w 4228094"/>
+              <a:gd name="connsiteY1" fmla="*/ 298555 h 1137038"/>
+              <a:gd name="connsiteX2" fmla="*/ 4025527 w 4228094"/>
+              <a:gd name="connsiteY2" fmla="*/ 425010 h 1137038"/>
+              <a:gd name="connsiteX3" fmla="*/ 4228094 w 4228094"/>
+              <a:gd name="connsiteY3" fmla="*/ 494088 h 1137038"/>
+              <a:gd name="connsiteX4" fmla="*/ 4228094 w 4228094"/>
+              <a:gd name="connsiteY4" fmla="*/ 1137038 h 1137038"/>
+              <a:gd name="connsiteX5" fmla="*/ 0 w 4228094"/>
+              <a:gd name="connsiteY5" fmla="*/ 1137038 h 1137038"/>
+              <a:gd name="connsiteX6" fmla="*/ 18109 w 4228094"/>
+              <a:gd name="connsiteY6" fmla="*/ 1068877 h 1137038"/>
+              <a:gd name="connsiteX7" fmla="*/ 362264 w 4228094"/>
+              <a:gd name="connsiteY7" fmla="*/ 366637 h 1137038"/>
+              <a:gd name="connsiteX8" fmla="*/ 1386499 w 4228094"/>
+              <a:gd name="connsiteY8" fmla="*/ 1522 h 1137038"/>
+              <a:gd name="connsiteX9" fmla="*/ 1673074 w 4228094"/>
+              <a:gd name="connsiteY9" fmla="*/ 230 h 1137038"/>
+            </a:gdLst>
+            <a:ahLst/>
+            <a:cxnLst>
+              <a:cxn ang="0">
+                <a:pos x="connsiteX0" y="connsiteY0"/>
+              </a:cxn>
+              <a:cxn ang="0">
+                <a:pos x="connsiteX1" y="connsiteY1"/>
+              </a:cxn>
+              <a:cxn ang="0">
+                <a:pos x="connsiteX2" y="connsiteY2"/>
+              </a:cxn>
+              <a:cxn ang="0">
+                <a:pos x="connsiteX3" y="connsiteY3"/>
+              </a:cxn>
+              <a:cxn ang="0">
+                <a:pos x="connsiteX4" y="connsiteY4"/>
+              </a:cxn>
+              <a:cxn ang="0">
+                <a:pos x="connsiteX5" y="connsiteY5"/>
+              </a:cxn>
+              <a:cxn ang="0">
+                <a:pos x="connsiteX6" y="connsiteY6"/>
+              </a:cxn>
+              <a:cxn ang="0">
+                <a:pos x="connsiteX7" y="connsiteY7"/>
+              </a:cxn>
+              <a:cxn ang="0">
+                <a:pos x="connsiteX8" y="connsiteY8"/>
+              </a:cxn>
+              <a:cxn ang="0">
+                <a:pos x="connsiteX9" y="connsiteY9"/>
+              </a:cxn>
+            </a:cxnLst>
+            <a:rect l="l" t="t" r="r" b="b"/>
+            <a:pathLst>
+              <a:path w="4228094" h="1137038">
+                <a:moveTo>
+                  <a:pt x="1673074" y="230"/>
+                </a:moveTo>
+                <a:cubicBezTo>
+                  <a:pt x="2346512" y="4287"/>
+                  <a:pt x="3048424" y="63583"/>
+                  <a:pt x="3676781" y="298555"/>
+                </a:cubicBezTo>
+                <a:cubicBezTo>
+                  <a:pt x="3793275" y="342114"/>
+                  <a:pt x="3909477" y="384216"/>
+                  <a:pt x="4025527" y="425010"/>
+                </a:cubicBezTo>
+                <a:lnTo>
+                  <a:pt x="4228094" y="494088"/>
+                </a:lnTo>
+                <a:lnTo>
+                  <a:pt x="4228094" y="1137038"/>
+                </a:lnTo>
+                <a:lnTo>
+                  <a:pt x="0" y="1137038"/>
+                </a:lnTo>
+                <a:lnTo>
+                  <a:pt x="18109" y="1068877"/>
+                </a:lnTo>
+                <a:cubicBezTo>
+                  <a:pt x="95047" y="799139"/>
+                  <a:pt x="194962" y="542008"/>
+                  <a:pt x="362264" y="366637"/>
+                </a:cubicBezTo>
+                <a:cubicBezTo>
+                  <a:pt x="622229" y="94062"/>
+                  <a:pt x="1015836" y="6565"/>
+                  <a:pt x="1386499" y="1522"/>
+                </a:cubicBezTo>
+                <a:cubicBezTo>
+                  <a:pt x="1481245" y="198"/>
+                  <a:pt x="1576869" y="-349"/>
+                  <a:pt x="1673074" y="230"/>
+                </a:cubicBezTo>
+                <a:close/>
+              </a:path>
+            </a:pathLst>
+          </a:custGeom>
+          <a:solidFill>
+            <a:schemeClr val="accent6"/>
+          </a:solidFill>
+          <a:ln>
+            <a:noFill/>
+          </a:ln>
+        </p:spPr>
+        <p:style>
+          <a:lnRef idx="2">
+            <a:schemeClr val="accent1">
+              <a:shade val="50000"/>
+            </a:schemeClr>
+          </a:lnRef>
+          <a:fillRef idx="1">
+            <a:schemeClr val="accent1"/>
+          </a:fillRef>
+          <a:effectRef idx="0">
+            <a:schemeClr val="accent1"/>
+          </a:effectRef>
+          <a:fontRef idx="minor">
+            <a:schemeClr val="lt1"/>
+          </a:fontRef>
+        </p:style>
+        <p:txBody>
+          <a:bodyPr rtlCol="0" anchor="ctr"/>
+          <a:lstStyle/>
+          <a:p>
+            <a:pPr lvl="0" algn="ctr"/>
+            <a:endParaRPr lang="en-US" sz="1500">
+              <a:solidFill>
+                <a:schemeClr val="bg1"/>
+              </a:solidFill>
+              <a:latin typeface="Avenir Next LT Pro" panose="020B0504020202020204" pitchFamily="34" charset="0"/>
+            </a:endParaRPr>
+          </a:p>
+        </p:txBody>
+      </p:sp>
+      <p:sp>
+        <p:nvSpPr>
+          <p:cNvPr id="23" name="Freeform: Shape 22">
+            <a:extLst>
+              <a:ext uri="{FF2B5EF4-FFF2-40B4-BE49-F238E27FC236}">
+                <a16:creationId xmlns:a16="http://schemas.microsoft.com/office/drawing/2014/main" id="{4EC84841-2631-44D2-A01B-6AF0CF7F7393}"/>
+              </a:ext>
+              <a:ext uri="{C183D7F6-B498-43B3-948B-1728B52AA6E4}">
+                <adec:decorative xmlns:adec="http://schemas.microsoft.com/office/drawing/2017/decorative" val="1"/>
+              </a:ext>
+            </a:extLst>
+          </p:cNvPr>
+          <p:cNvSpPr>
+            <a:spLocks noGrp="1" noRot="1" noChangeAspect="1" noMove="1" noResize="1" noEditPoints="1" noAdjustHandles="1" noChangeArrowheads="1" noChangeShapeType="1" noTextEdit="1"/>
+          </p:cNvSpPr>
+          <p:nvPr>
+            <p:extLst>
+              <p:ext uri="{386F3935-93C4-4BCD-93E2-E3B085C9AB24}">
+                <p16:designElem xmlns:p16="http://schemas.microsoft.com/office/powerpoint/2015/main" val="1"/>
+              </p:ext>
+            </p:extLst>
+          </p:nvPr>
+        </p:nvSpPr>
+        <p:spPr>
+          <a:xfrm>
+            <a:off x="7153921" y="5620196"/>
+            <a:ext cx="5038078" cy="1237805"/>
+          </a:xfrm>
+          <a:custGeom>
+            <a:avLst/>
+            <a:gdLst>
+              <a:gd name="connsiteX0" fmla="*/ 1576991 w 5038078"/>
+              <a:gd name="connsiteY0" fmla="*/ 210 h 1238015"/>
+              <a:gd name="connsiteX1" fmla="*/ 3403320 w 5038078"/>
+              <a:gd name="connsiteY1" fmla="*/ 272125 h 1238015"/>
+              <a:gd name="connsiteX2" fmla="*/ 4672870 w 5038078"/>
+              <a:gd name="connsiteY2" fmla="*/ 693604 h 1238015"/>
+              <a:gd name="connsiteX3" fmla="*/ 5038078 w 5038078"/>
+              <a:gd name="connsiteY3" fmla="*/ 795929 h 1238015"/>
+              <a:gd name="connsiteX4" fmla="*/ 5038078 w 5038078"/>
+              <a:gd name="connsiteY4" fmla="*/ 1238015 h 1238015"/>
+              <a:gd name="connsiteX5" fmla="*/ 0 w 5038078"/>
+              <a:gd name="connsiteY5" fmla="*/ 1238015 h 1238015"/>
+              <a:gd name="connsiteX6" fmla="*/ 19230 w 5038078"/>
+              <a:gd name="connsiteY6" fmla="*/ 1159819 h 1238015"/>
+              <a:gd name="connsiteX7" fmla="*/ 382219 w 5038078"/>
+              <a:gd name="connsiteY7" fmla="*/ 334180 h 1238015"/>
+              <a:gd name="connsiteX8" fmla="*/ 1315784 w 5038078"/>
+              <a:gd name="connsiteY8" fmla="*/ 1388 h 1238015"/>
+              <a:gd name="connsiteX9" fmla="*/ 1576991 w 5038078"/>
+              <a:gd name="connsiteY9" fmla="*/ 210 h 1238015"/>
+              <a:gd name="connsiteX0" fmla="*/ 0 w 5129518"/>
+              <a:gd name="connsiteY0" fmla="*/ 1237805 h 1329245"/>
+              <a:gd name="connsiteX1" fmla="*/ 19230 w 5129518"/>
+              <a:gd name="connsiteY1" fmla="*/ 1159609 h 1329245"/>
+              <a:gd name="connsiteX2" fmla="*/ 382219 w 5129518"/>
+              <a:gd name="connsiteY2" fmla="*/ 333970 h 1329245"/>
+              <a:gd name="connsiteX3" fmla="*/ 1315784 w 5129518"/>
+              <a:gd name="connsiteY3" fmla="*/ 1178 h 1329245"/>
+              <a:gd name="connsiteX4" fmla="*/ 1576991 w 5129518"/>
+              <a:gd name="connsiteY4" fmla="*/ 0 h 1329245"/>
+              <a:gd name="connsiteX5" fmla="*/ 3403320 w 5129518"/>
+              <a:gd name="connsiteY5" fmla="*/ 271915 h 1329245"/>
+              <a:gd name="connsiteX6" fmla="*/ 4672870 w 5129518"/>
+              <a:gd name="connsiteY6" fmla="*/ 693394 h 1329245"/>
+              <a:gd name="connsiteX7" fmla="*/ 5038078 w 5129518"/>
+              <a:gd name="connsiteY7" fmla="*/ 795719 h 1329245"/>
+              <a:gd name="connsiteX8" fmla="*/ 5129518 w 5129518"/>
+              <a:gd name="connsiteY8" fmla="*/ 1329245 h 1329245"/>
+              <a:gd name="connsiteX0" fmla="*/ 0 w 5129518"/>
+              <a:gd name="connsiteY0" fmla="*/ 1237805 h 1329245"/>
+              <a:gd name="connsiteX1" fmla="*/ 19230 w 5129518"/>
+              <a:gd name="connsiteY1" fmla="*/ 1159609 h 1329245"/>
+              <a:gd name="connsiteX2" fmla="*/ 382219 w 5129518"/>
+              <a:gd name="connsiteY2" fmla="*/ 333970 h 1329245"/>
+              <a:gd name="connsiteX3" fmla="*/ 1315784 w 5129518"/>
+              <a:gd name="connsiteY3" fmla="*/ 1178 h 1329245"/>
+              <a:gd name="connsiteX4" fmla="*/ 1576991 w 5129518"/>
+              <a:gd name="connsiteY4" fmla="*/ 0 h 1329245"/>
+              <a:gd name="connsiteX5" fmla="*/ 3403320 w 5129518"/>
+              <a:gd name="connsiteY5" fmla="*/ 271915 h 1329245"/>
+              <a:gd name="connsiteX6" fmla="*/ 4672870 w 5129518"/>
+              <a:gd name="connsiteY6" fmla="*/ 693394 h 1329245"/>
+              <a:gd name="connsiteX7" fmla="*/ 5038078 w 5129518"/>
+              <a:gd name="connsiteY7" fmla="*/ 795719 h 1329245"/>
+              <a:gd name="connsiteX8" fmla="*/ 5129518 w 5129518"/>
+              <a:gd name="connsiteY8" fmla="*/ 1329245 h 1329245"/>
+              <a:gd name="connsiteX0" fmla="*/ 0 w 5049689"/>
+              <a:gd name="connsiteY0" fmla="*/ 1237805 h 1423588"/>
+              <a:gd name="connsiteX1" fmla="*/ 19230 w 5049689"/>
+              <a:gd name="connsiteY1" fmla="*/ 1159609 h 1423588"/>
+              <a:gd name="connsiteX2" fmla="*/ 382219 w 5049689"/>
+              <a:gd name="connsiteY2" fmla="*/ 333970 h 1423588"/>
+              <a:gd name="connsiteX3" fmla="*/ 1315784 w 5049689"/>
+              <a:gd name="connsiteY3" fmla="*/ 1178 h 1423588"/>
+              <a:gd name="connsiteX4" fmla="*/ 1576991 w 5049689"/>
+              <a:gd name="connsiteY4" fmla="*/ 0 h 1423588"/>
+              <a:gd name="connsiteX5" fmla="*/ 3403320 w 5049689"/>
+              <a:gd name="connsiteY5" fmla="*/ 271915 h 1423588"/>
+              <a:gd name="connsiteX6" fmla="*/ 4672870 w 5049689"/>
+              <a:gd name="connsiteY6" fmla="*/ 693394 h 1423588"/>
+              <a:gd name="connsiteX7" fmla="*/ 5038078 w 5049689"/>
+              <a:gd name="connsiteY7" fmla="*/ 795719 h 1423588"/>
+              <a:gd name="connsiteX8" fmla="*/ 5049689 w 5049689"/>
+              <a:gd name="connsiteY8" fmla="*/ 1423588 h 1423588"/>
+              <a:gd name="connsiteX0" fmla="*/ 0 w 5038078"/>
+              <a:gd name="connsiteY0" fmla="*/ 1237805 h 1237805"/>
+              <a:gd name="connsiteX1" fmla="*/ 19230 w 5038078"/>
+              <a:gd name="connsiteY1" fmla="*/ 1159609 h 1237805"/>
+              <a:gd name="connsiteX2" fmla="*/ 382219 w 5038078"/>
+              <a:gd name="connsiteY2" fmla="*/ 333970 h 1237805"/>
+              <a:gd name="connsiteX3" fmla="*/ 1315784 w 5038078"/>
+              <a:gd name="connsiteY3" fmla="*/ 1178 h 1237805"/>
+              <a:gd name="connsiteX4" fmla="*/ 1576991 w 5038078"/>
+              <a:gd name="connsiteY4" fmla="*/ 0 h 1237805"/>
+              <a:gd name="connsiteX5" fmla="*/ 3403320 w 5038078"/>
+              <a:gd name="connsiteY5" fmla="*/ 271915 h 1237805"/>
+              <a:gd name="connsiteX6" fmla="*/ 4672870 w 5038078"/>
+              <a:gd name="connsiteY6" fmla="*/ 693394 h 1237805"/>
+              <a:gd name="connsiteX7" fmla="*/ 5038078 w 5038078"/>
+              <a:gd name="connsiteY7" fmla="*/ 795719 h 1237805"/>
+            </a:gdLst>
+            <a:ahLst/>
+            <a:cxnLst>
+              <a:cxn ang="0">
+                <a:pos x="connsiteX0" y="connsiteY0"/>
+              </a:cxn>
+              <a:cxn ang="0">
+                <a:pos x="connsiteX1" y="connsiteY1"/>
+              </a:cxn>
+              <a:cxn ang="0">
+                <a:pos x="connsiteX2" y="connsiteY2"/>
+              </a:cxn>
+              <a:cxn ang="0">
+                <a:pos x="connsiteX3" y="connsiteY3"/>
+              </a:cxn>
+              <a:cxn ang="0">
+                <a:pos x="connsiteX4" y="connsiteY4"/>
+              </a:cxn>
+              <a:cxn ang="0">
+                <a:pos x="connsiteX5" y="connsiteY5"/>
+              </a:cxn>
+              <a:cxn ang="0">
+                <a:pos x="connsiteX6" y="connsiteY6"/>
+              </a:cxn>
+              <a:cxn ang="0">
+                <a:pos x="connsiteX7" y="connsiteY7"/>
+              </a:cxn>
+            </a:cxnLst>
+            <a:rect l="l" t="t" r="r" b="b"/>
+            <a:pathLst>
+              <a:path w="5038078" h="1237805">
+                <a:moveTo>
+                  <a:pt x="0" y="1237805"/>
+                </a:moveTo>
+                <a:lnTo>
+                  <a:pt x="19230" y="1159609"/>
+                </a:lnTo>
+                <a:cubicBezTo>
+                  <a:pt x="96961" y="850027"/>
+                  <a:pt x="191605" y="533778"/>
+                  <a:pt x="382219" y="333970"/>
+                </a:cubicBezTo>
+                <a:cubicBezTo>
+                  <a:pt x="619171" y="85526"/>
+                  <a:pt x="977934" y="5774"/>
+                  <a:pt x="1315784" y="1178"/>
+                </a:cubicBezTo>
+                <a:lnTo>
+                  <a:pt x="1576991" y="0"/>
+                </a:lnTo>
+                <a:cubicBezTo>
+                  <a:pt x="2190813" y="3698"/>
+                  <a:pt x="2830589" y="57744"/>
+                  <a:pt x="3403320" y="271915"/>
+                </a:cubicBezTo>
+                <a:cubicBezTo>
+                  <a:pt x="3828046" y="430728"/>
+                  <a:pt x="4248519" y="568281"/>
+                  <a:pt x="4672870" y="693394"/>
+                </a:cubicBezTo>
+                <a:lnTo>
+                  <a:pt x="5038078" y="795719"/>
+                </a:lnTo>
+              </a:path>
+            </a:pathLst>
+          </a:custGeom>
+          <a:noFill/>
+          <a:ln>
+            <a:solidFill>
+              <a:schemeClr val="accent2">
+                <a:lumMod val="60000"/>
+                <a:lumOff val="40000"/>
+              </a:schemeClr>
+            </a:solidFill>
+          </a:ln>
+        </p:spPr>
+        <p:style>
+          <a:lnRef idx="2">
+            <a:schemeClr val="accent1">
+              <a:shade val="50000"/>
+            </a:schemeClr>
+          </a:lnRef>
+          <a:fillRef idx="1">
+            <a:schemeClr val="accent1"/>
+          </a:fillRef>
+          <a:effectRef idx="0">
+            <a:schemeClr val="accent1"/>
+          </a:effectRef>
+          <a:fontRef idx="minor">
+            <a:schemeClr val="lt1"/>
+          </a:fontRef>
+        </p:style>
+        <p:txBody>
+          <a:bodyPr rtlCol="0" anchor="ctr"/>
+          <a:lstStyle/>
+          <a:p>
+            <a:pPr marR="0" lvl="0" indent="0" algn="ctr" fontAlgn="auto">
+              <a:lnSpc>
+                <a:spcPct val="100000"/>
+              </a:lnSpc>
+              <a:spcBef>
+                <a:spcPts val="0"/>
+              </a:spcBef>
+              <a:spcAft>
+                <a:spcPts val="0"/>
+              </a:spcAft>
+              <a:buClrTx/>
+              <a:buSzTx/>
+              <a:buFontTx/>
+              <a:buNone/>
+              <a:tabLst/>
+            </a:pPr>
+            <a:endParaRPr kumimoji="0" lang="en-US" b="0" i="0" u="none" strike="noStrike" cap="none" spc="0" normalizeH="0" baseline="0">
+              <a:ln>
+                <a:noFill/>
+              </a:ln>
+              <a:solidFill>
+                <a:prstClr val="white"/>
+              </a:solidFill>
+              <a:effectLst/>
+              <a:uLnTx/>
+              <a:uFillTx/>
+              <a:latin typeface="Avenir Next LT Pro Light"/>
+            </a:endParaRPr>
           </a:p>
         </p:txBody>
       </p:sp>
@@ -8594,16 +9536,45 @@
             <p:ph type="sldNum" sz="quarter" idx="12"/>
           </p:nvPr>
         </p:nvSpPr>
-        <p:spPr/>
-        <p:txBody>
-          <a:bodyPr/>
-          <a:lstStyle/>
-          <a:p>
+        <p:spPr>
+          <a:xfrm>
+            <a:off x="9906000" y="6356350"/>
+            <a:ext cx="1524000" cy="365125"/>
+          </a:xfrm>
+        </p:spPr>
+        <p:txBody>
+          <a:bodyPr vert="horz" lIns="91440" tIns="45720" rIns="91440" bIns="45720" rtlCol="0" anchor="ctr">
+            <a:normAutofit/>
+          </a:bodyPr>
+          <a:lstStyle/>
+          <a:p>
+            <a:pPr>
+              <a:spcAft>
+                <a:spcPts val="600"/>
+              </a:spcAft>
+            </a:pPr>
             <a:fld id="{07CE569E-9B7C-4CB9-AB80-C0841F922CFF}" type="slidenum">
-              <a:rPr lang="de-DE" noProof="0" smtClean="0"/>
+              <a:rPr lang="en-US" noProof="0">
+                <a:solidFill>
+                  <a:srgbClr val="FFFFFF">
+                    <a:alpha val="70000"/>
+                  </a:srgbClr>
+                </a:solidFill>
+              </a:rPr>
+              <a:pPr>
+                <a:spcAft>
+                  <a:spcPts val="600"/>
+                </a:spcAft>
+              </a:pPr>
               <a:t>17</a:t>
             </a:fld>
-            <a:endParaRPr lang="de-DE" noProof="0" dirty="0"/>
+            <a:endParaRPr lang="en-US" noProof="0">
+              <a:solidFill>
+                <a:srgbClr val="FFFFFF">
+                  <a:alpha val="70000"/>
+                </a:srgbClr>
+              </a:solidFill>
+            </a:endParaRPr>
           </a:p>
         </p:txBody>
       </p:sp>

--- a/Dokumente/Sprint-Backlog/Sprint-Backlog2.pptx
+++ b/Dokumente/Sprint-Backlog/Sprint-Backlog2.pptx
@@ -5,7 +5,7 @@
     <p:sldMasterId id="2147483751" r:id="rId1"/>
   </p:sldMasterIdLst>
   <p:notesMasterIdLst>
-    <p:notesMasterId r:id="rId19"/>
+    <p:notesMasterId r:id="rId18"/>
   </p:notesMasterIdLst>
   <p:sldIdLst>
     <p:sldId id="256" r:id="rId2"/>
@@ -13,18 +13,17 @@
     <p:sldId id="276" r:id="rId4"/>
     <p:sldId id="283" r:id="rId5"/>
     <p:sldId id="259" r:id="rId6"/>
-    <p:sldId id="277" r:id="rId7"/>
-    <p:sldId id="279" r:id="rId8"/>
-    <p:sldId id="281" r:id="rId9"/>
-    <p:sldId id="280" r:id="rId10"/>
-    <p:sldId id="278" r:id="rId11"/>
-    <p:sldId id="267" r:id="rId12"/>
-    <p:sldId id="284" r:id="rId13"/>
-    <p:sldId id="270" r:id="rId14"/>
-    <p:sldId id="262" r:id="rId15"/>
-    <p:sldId id="263" r:id="rId16"/>
-    <p:sldId id="264" r:id="rId17"/>
-    <p:sldId id="275" r:id="rId18"/>
+    <p:sldId id="279" r:id="rId7"/>
+    <p:sldId id="281" r:id="rId8"/>
+    <p:sldId id="280" r:id="rId9"/>
+    <p:sldId id="278" r:id="rId10"/>
+    <p:sldId id="267" r:id="rId11"/>
+    <p:sldId id="284" r:id="rId12"/>
+    <p:sldId id="270" r:id="rId13"/>
+    <p:sldId id="262" r:id="rId14"/>
+    <p:sldId id="263" r:id="rId15"/>
+    <p:sldId id="264" r:id="rId16"/>
+    <p:sldId id="275" r:id="rId17"/>
   </p:sldIdLst>
   <p:sldSz cx="12192000" cy="6858000"/>
   <p:notesSz cx="6858000" cy="9144000"/>
@@ -5319,179 +5318,6 @@
   <p:cSld>
     <p:spTree>
       <p:nvGrpSpPr>
-        <p:cNvPr id="1" name=""/>
-        <p:cNvGrpSpPr/>
-        <p:nvPr/>
-      </p:nvGrpSpPr>
-      <p:grpSpPr>
-        <a:xfrm>
-          <a:off x="0" y="0"/>
-          <a:ext cx="0" cy="0"/>
-          <a:chOff x="0" y="0"/>
-          <a:chExt cx="0" cy="0"/>
-        </a:xfrm>
-      </p:grpSpPr>
-      <p:sp>
-        <p:nvSpPr>
-          <p:cNvPr id="2" name="Titel 1">
-            <a:extLst>
-              <a:ext uri="{FF2B5EF4-FFF2-40B4-BE49-F238E27FC236}">
-                <a16:creationId xmlns:a16="http://schemas.microsoft.com/office/drawing/2014/main" id="{B1C4B512-22E9-E7BC-2F39-52FA98096470}"/>
-              </a:ext>
-            </a:extLst>
-          </p:cNvPr>
-          <p:cNvSpPr>
-            <a:spLocks noGrp="1"/>
-          </p:cNvSpPr>
-          <p:nvPr>
-            <p:ph type="title"/>
-          </p:nvPr>
-        </p:nvSpPr>
-        <p:spPr/>
-        <p:txBody>
-          <a:bodyPr/>
-          <a:lstStyle/>
-          <a:p>
-            <a:r>
-              <a:rPr lang="de-DE" dirty="0"/>
-              <a:t>3. Produktzwischenstand</a:t>
-            </a:r>
-          </a:p>
-        </p:txBody>
-      </p:sp>
-      <p:pic>
-        <p:nvPicPr>
-          <p:cNvPr id="8" name="Inhaltsplatzhalter 7">
-            <a:extLst>
-              <a:ext uri="{FF2B5EF4-FFF2-40B4-BE49-F238E27FC236}">
-                <a16:creationId xmlns:a16="http://schemas.microsoft.com/office/drawing/2014/main" id="{504B7381-E1C9-27E1-F63C-D2A3D439D31E}"/>
-              </a:ext>
-            </a:extLst>
-          </p:cNvPr>
-          <p:cNvPicPr>
-            <a:picLocks noGrp="1" noChangeAspect="1"/>
-          </p:cNvPicPr>
-          <p:nvPr>
-            <p:ph sz="half" idx="1"/>
-          </p:nvPr>
-        </p:nvPicPr>
-        <p:blipFill>
-          <a:blip r:embed="rId2"/>
-          <a:stretch>
-            <a:fillRect/>
-          </a:stretch>
-        </p:blipFill>
-        <p:spPr>
-          <a:xfrm>
-            <a:off x="5601271" y="3148497"/>
-            <a:ext cx="2787611" cy="2575752"/>
-          </a:xfrm>
-        </p:spPr>
-      </p:pic>
-      <p:pic>
-        <p:nvPicPr>
-          <p:cNvPr id="10" name="Inhaltsplatzhalter 9">
-            <a:extLst>
-              <a:ext uri="{FF2B5EF4-FFF2-40B4-BE49-F238E27FC236}">
-                <a16:creationId xmlns:a16="http://schemas.microsoft.com/office/drawing/2014/main" id="{DB837195-1D8C-018A-6A69-9424AC03CBAB}"/>
-              </a:ext>
-            </a:extLst>
-          </p:cNvPr>
-          <p:cNvPicPr>
-            <a:picLocks noGrp="1" noChangeAspect="1"/>
-          </p:cNvPicPr>
-          <p:nvPr>
-            <p:ph sz="half" idx="2"/>
-          </p:nvPr>
-        </p:nvPicPr>
-        <p:blipFill>
-          <a:blip r:embed="rId3"/>
-          <a:srcRect l="11932"/>
-          <a:stretch/>
-        </p:blipFill>
-        <p:spPr>
-          <a:xfrm>
-            <a:off x="1636826" y="2074746"/>
-            <a:ext cx="2509961" cy="4330700"/>
-          </a:xfrm>
-        </p:spPr>
-      </p:pic>
-      <p:sp>
-        <p:nvSpPr>
-          <p:cNvPr id="5" name="Datumsplatzhalter 4">
-            <a:extLst>
-              <a:ext uri="{FF2B5EF4-FFF2-40B4-BE49-F238E27FC236}">
-                <a16:creationId xmlns:a16="http://schemas.microsoft.com/office/drawing/2014/main" id="{797C75E9-1A01-0510-7271-BFD588356DAE}"/>
-              </a:ext>
-            </a:extLst>
-          </p:cNvPr>
-          <p:cNvSpPr>
-            <a:spLocks noGrp="1"/>
-          </p:cNvSpPr>
-          <p:nvPr>
-            <p:ph type="dt" sz="half" idx="10"/>
-          </p:nvPr>
-        </p:nvSpPr>
-        <p:spPr/>
-        <p:txBody>
-          <a:bodyPr/>
-          <a:lstStyle/>
-          <a:p>
-            <a:fld id="{12AE7323-5CDD-4051-9975-1729D84443C7}" type="datetime1">
-              <a:rPr lang="de-DE" smtClean="0"/>
-              <a:t>12.12.2024</a:t>
-            </a:fld>
-            <a:endParaRPr lang="en-US"/>
-          </a:p>
-        </p:txBody>
-      </p:sp>
-      <p:sp>
-        <p:nvSpPr>
-          <p:cNvPr id="6" name="Foliennummernplatzhalter 5">
-            <a:extLst>
-              <a:ext uri="{FF2B5EF4-FFF2-40B4-BE49-F238E27FC236}">
-                <a16:creationId xmlns:a16="http://schemas.microsoft.com/office/drawing/2014/main" id="{332CAA81-192A-C96D-0378-51DE24B5C3B7}"/>
-              </a:ext>
-            </a:extLst>
-          </p:cNvPr>
-          <p:cNvSpPr>
-            <a:spLocks noGrp="1"/>
-          </p:cNvSpPr>
-          <p:nvPr>
-            <p:ph type="sldNum" sz="quarter" idx="12"/>
-          </p:nvPr>
-        </p:nvSpPr>
-        <p:spPr/>
-        <p:txBody>
-          <a:bodyPr/>
-          <a:lstStyle/>
-          <a:p>
-            <a:fld id="{07CE569E-9B7C-4CB9-AB80-C0841F922CFF}" type="slidenum">
-              <a:rPr lang="en-US" smtClean="0"/>
-              <a:t>10</a:t>
-            </a:fld>
-            <a:endParaRPr lang="en-US"/>
-          </a:p>
-        </p:txBody>
-      </p:sp>
-    </p:spTree>
-    <p:extLst>
-      <p:ext uri="{BB962C8B-B14F-4D97-AF65-F5344CB8AC3E}">
-        <p14:creationId xmlns:p14="http://schemas.microsoft.com/office/powerpoint/2010/main" val="2979015269"/>
-      </p:ext>
-    </p:extLst>
-  </p:cSld>
-  <p:clrMapOvr>
-    <a:masterClrMapping/>
-  </p:clrMapOvr>
-</p:sld>
-</file>
-
-<file path=ppt/slides/slide11.xml><?xml version="1.0" encoding="utf-8"?>
-<p:sld xmlns:a="http://schemas.openxmlformats.org/drawingml/2006/main" xmlns:r="http://schemas.openxmlformats.org/officeDocument/2006/relationships" xmlns:p="http://schemas.openxmlformats.org/presentationml/2006/main">
-  <p:cSld>
-    <p:spTree>
-      <p:nvGrpSpPr>
         <p:cNvPr id="1" name="">
           <a:extLst>
             <a:ext uri="{FF2B5EF4-FFF2-40B4-BE49-F238E27FC236}">
@@ -5590,7 +5416,7 @@
           <a:p>
             <a:fld id="{07CE569E-9B7C-4CB9-AB80-C0841F922CFF}" type="slidenum">
               <a:rPr lang="de-DE" noProof="0" smtClean="0"/>
-              <a:t>11</a:t>
+              <a:t>10</a:t>
             </a:fld>
             <a:endParaRPr lang="de-DE" noProof="0" dirty="0"/>
           </a:p>
@@ -6306,7 +6132,7 @@
 </p:sld>
 </file>
 
-<file path=ppt/slides/slide12.xml><?xml version="1.0" encoding="utf-8"?>
+<file path=ppt/slides/slide11.xml><?xml version="1.0" encoding="utf-8"?>
 <p:sld xmlns:a="http://schemas.openxmlformats.org/drawingml/2006/main" xmlns:r="http://schemas.openxmlformats.org/officeDocument/2006/relationships" xmlns:p="http://schemas.openxmlformats.org/presentationml/2006/main">
   <p:cSld>
     <p:spTree>
@@ -6409,7 +6235,7 @@
           <a:p>
             <a:fld id="{07CE569E-9B7C-4CB9-AB80-C0841F922CFF}" type="slidenum">
               <a:rPr lang="de-DE" noProof="0" smtClean="0"/>
-              <a:t>12</a:t>
+              <a:t>11</a:t>
             </a:fld>
             <a:endParaRPr lang="de-DE" noProof="0" dirty="0"/>
           </a:p>
@@ -7064,7 +6890,7 @@
 </p:sld>
 </file>
 
-<file path=ppt/slides/slide13.xml><?xml version="1.0" encoding="utf-8"?>
+<file path=ppt/slides/slide12.xml><?xml version="1.0" encoding="utf-8"?>
 <p:sld xmlns:a="http://schemas.openxmlformats.org/drawingml/2006/main" xmlns:r="http://schemas.openxmlformats.org/officeDocument/2006/relationships" xmlns:p="http://schemas.openxmlformats.org/presentationml/2006/main">
   <p:cSld>
     <p:spTree>
@@ -7167,7 +6993,7 @@
           <a:p>
             <a:fld id="{07CE569E-9B7C-4CB9-AB80-C0841F922CFF}" type="slidenum">
               <a:rPr lang="de-DE" noProof="0" smtClean="0"/>
-              <a:t>13</a:t>
+              <a:t>12</a:t>
             </a:fld>
             <a:endParaRPr lang="de-DE" noProof="0" dirty="0"/>
           </a:p>
@@ -7566,6 +7392,169 @@
 </p:sld>
 </file>
 
+<file path=ppt/slides/slide13.xml><?xml version="1.0" encoding="utf-8"?>
+<p:sld xmlns:a="http://schemas.openxmlformats.org/drawingml/2006/main" xmlns:r="http://schemas.openxmlformats.org/officeDocument/2006/relationships" xmlns:p="http://schemas.openxmlformats.org/presentationml/2006/main">
+  <p:cSld>
+    <p:spTree>
+      <p:nvGrpSpPr>
+        <p:cNvPr id="1" name=""/>
+        <p:cNvGrpSpPr/>
+        <p:nvPr/>
+      </p:nvGrpSpPr>
+      <p:grpSpPr>
+        <a:xfrm>
+          <a:off x="0" y="0"/>
+          <a:ext cx="0" cy="0"/>
+          <a:chOff x="0" y="0"/>
+          <a:chExt cx="0" cy="0"/>
+        </a:xfrm>
+      </p:grpSpPr>
+      <p:sp>
+        <p:nvSpPr>
+          <p:cNvPr id="2" name="Titel 1">
+            <a:extLst>
+              <a:ext uri="{FF2B5EF4-FFF2-40B4-BE49-F238E27FC236}">
+                <a16:creationId xmlns:a16="http://schemas.microsoft.com/office/drawing/2014/main" id="{86AADDDC-CD07-D152-F98D-6AA7ABFFAE93}"/>
+              </a:ext>
+            </a:extLst>
+          </p:cNvPr>
+          <p:cNvSpPr>
+            <a:spLocks noGrp="1"/>
+          </p:cNvSpPr>
+          <p:nvPr>
+            <p:ph type="title"/>
+          </p:nvPr>
+        </p:nvSpPr>
+        <p:spPr/>
+        <p:txBody>
+          <a:bodyPr/>
+          <a:lstStyle/>
+          <a:p>
+            <a:r>
+              <a:rPr lang="de-DE" noProof="0" dirty="0"/>
+              <a:t>5. Ausblick auf den folgenden Sprint</a:t>
+            </a:r>
+          </a:p>
+        </p:txBody>
+      </p:sp>
+      <p:sp>
+        <p:nvSpPr>
+          <p:cNvPr id="3" name="Inhaltsplatzhalter 2">
+            <a:extLst>
+              <a:ext uri="{FF2B5EF4-FFF2-40B4-BE49-F238E27FC236}">
+                <a16:creationId xmlns:a16="http://schemas.microsoft.com/office/drawing/2014/main" id="{5E854AF4-9867-751A-7A8B-348123EF4C14}"/>
+              </a:ext>
+            </a:extLst>
+          </p:cNvPr>
+          <p:cNvSpPr>
+            <a:spLocks noGrp="1"/>
+          </p:cNvSpPr>
+          <p:nvPr>
+            <p:ph idx="1"/>
+          </p:nvPr>
+        </p:nvSpPr>
+        <p:spPr/>
+        <p:txBody>
+          <a:bodyPr/>
+          <a:lstStyle/>
+          <a:p>
+            <a:r>
+              <a:rPr lang="de-DE" sz="2800" dirty="0"/>
+              <a:t>Layout/Design überarbeiten.</a:t>
+            </a:r>
+          </a:p>
+          <a:p>
+            <a:r>
+              <a:rPr lang="de-DE" sz="2800" dirty="0"/>
+              <a:t>Anbindung API.</a:t>
+            </a:r>
+          </a:p>
+          <a:p>
+            <a:r>
+              <a:rPr lang="de-DE" sz="2800" dirty="0"/>
+              <a:t>(evtl. Küchenansicht optimieren).</a:t>
+            </a:r>
+          </a:p>
+          <a:p>
+            <a:r>
+              <a:rPr lang="de-DE" dirty="0"/>
+              <a:t>Hosting</a:t>
+            </a:r>
+            <a:endParaRPr lang="de-DE" sz="2800" dirty="0"/>
+          </a:p>
+        </p:txBody>
+      </p:sp>
+      <p:sp>
+        <p:nvSpPr>
+          <p:cNvPr id="4" name="Datumsplatzhalter 3">
+            <a:extLst>
+              <a:ext uri="{FF2B5EF4-FFF2-40B4-BE49-F238E27FC236}">
+                <a16:creationId xmlns:a16="http://schemas.microsoft.com/office/drawing/2014/main" id="{305A6BE5-5A63-7D28-E770-729A20618D33}"/>
+              </a:ext>
+            </a:extLst>
+          </p:cNvPr>
+          <p:cNvSpPr>
+            <a:spLocks noGrp="1"/>
+          </p:cNvSpPr>
+          <p:nvPr>
+            <p:ph type="dt" sz="half" idx="10"/>
+          </p:nvPr>
+        </p:nvSpPr>
+        <p:spPr/>
+        <p:txBody>
+          <a:bodyPr/>
+          <a:lstStyle/>
+          <a:p>
+            <a:fld id="{42B45B56-1D88-4042-8DF0-EB6B41B710D3}" type="datetime1">
+              <a:rPr lang="de-DE" noProof="0" smtClean="0"/>
+              <a:t>12.12.2024</a:t>
+            </a:fld>
+            <a:endParaRPr lang="de-DE" noProof="0" dirty="0"/>
+          </a:p>
+        </p:txBody>
+      </p:sp>
+      <p:sp>
+        <p:nvSpPr>
+          <p:cNvPr id="5" name="Foliennummernplatzhalter 4">
+            <a:extLst>
+              <a:ext uri="{FF2B5EF4-FFF2-40B4-BE49-F238E27FC236}">
+                <a16:creationId xmlns:a16="http://schemas.microsoft.com/office/drawing/2014/main" id="{E28ABC24-8900-E378-E502-62B817D571F6}"/>
+              </a:ext>
+            </a:extLst>
+          </p:cNvPr>
+          <p:cNvSpPr>
+            <a:spLocks noGrp="1"/>
+          </p:cNvSpPr>
+          <p:nvPr>
+            <p:ph type="sldNum" sz="quarter" idx="12"/>
+          </p:nvPr>
+        </p:nvSpPr>
+        <p:spPr/>
+        <p:txBody>
+          <a:bodyPr/>
+          <a:lstStyle/>
+          <a:p>
+            <a:fld id="{07CE569E-9B7C-4CB9-AB80-C0841F922CFF}" type="slidenum">
+              <a:rPr lang="de-DE" noProof="0" smtClean="0"/>
+              <a:t>13</a:t>
+            </a:fld>
+            <a:endParaRPr lang="de-DE" noProof="0" dirty="0"/>
+          </a:p>
+        </p:txBody>
+      </p:sp>
+    </p:spTree>
+    <p:extLst>
+      <p:ext uri="{BB962C8B-B14F-4D97-AF65-F5344CB8AC3E}">
+        <p14:creationId xmlns:p14="http://schemas.microsoft.com/office/powerpoint/2010/main" val="3562051256"/>
+      </p:ext>
+    </p:extLst>
+  </p:cSld>
+  <p:clrMapOvr>
+    <a:masterClrMapping/>
+  </p:clrMapOvr>
+</p:sld>
+</file>
+
 <file path=ppt/slides/slide14.xml><?xml version="1.0" encoding="utf-8"?>
 <p:sld xmlns:a="http://schemas.openxmlformats.org/drawingml/2006/main" xmlns:r="http://schemas.openxmlformats.org/officeDocument/2006/relationships" xmlns:p="http://schemas.openxmlformats.org/presentationml/2006/main">
   <p:cSld>
@@ -7588,7 +7577,7 @@
           <p:cNvPr id="2" name="Titel 1">
             <a:extLst>
               <a:ext uri="{FF2B5EF4-FFF2-40B4-BE49-F238E27FC236}">
-                <a16:creationId xmlns:a16="http://schemas.microsoft.com/office/drawing/2014/main" id="{86AADDDC-CD07-D152-F98D-6AA7ABFFAE93}"/>
+                <a16:creationId xmlns:a16="http://schemas.microsoft.com/office/drawing/2014/main" id="{A075FF74-E5D2-1C9F-1DF3-DCD54EF547E9}"/>
               </a:ext>
             </a:extLst>
           </p:cNvPr>
@@ -7606,7 +7595,7 @@
           <a:p>
             <a:r>
               <a:rPr lang="de-DE" noProof="0" dirty="0"/>
-              <a:t>5. Ausblick auf den folgenden Sprint</a:t>
+              <a:t>6. Software-Tools</a:t>
             </a:r>
           </a:p>
         </p:txBody>
@@ -7616,45 +7605,127 @@
           <p:cNvPr id="3" name="Inhaltsplatzhalter 2">
             <a:extLst>
               <a:ext uri="{FF2B5EF4-FFF2-40B4-BE49-F238E27FC236}">
-                <a16:creationId xmlns:a16="http://schemas.microsoft.com/office/drawing/2014/main" id="{5E854AF4-9867-751A-7A8B-348123EF4C14}"/>
-              </a:ext>
-            </a:extLst>
-          </p:cNvPr>
-          <p:cNvSpPr>
-            <a:spLocks noGrp="1"/>
-          </p:cNvSpPr>
-          <p:nvPr>
-            <p:ph idx="1"/>
+                <a16:creationId xmlns:a16="http://schemas.microsoft.com/office/drawing/2014/main" id="{E627C203-A1B7-383D-97A8-56B3248A1E83}"/>
+              </a:ext>
+            </a:extLst>
+          </p:cNvPr>
+          <p:cNvSpPr>
+            <a:spLocks noGrp="1"/>
+          </p:cNvSpPr>
+          <p:nvPr>
+            <p:ph sz="half" idx="1"/>
           </p:nvPr>
         </p:nvSpPr>
         <p:spPr/>
         <p:txBody>
-          <a:bodyPr/>
-          <a:lstStyle/>
-          <a:p>
-            <a:r>
-              <a:rPr lang="de-DE" sz="2800" dirty="0"/>
-              <a:t>Layout/Design überarbeiten.</a:t>
-            </a:r>
-          </a:p>
-          <a:p>
-            <a:r>
-              <a:rPr lang="de-DE" sz="2800" dirty="0"/>
-              <a:t>Anbindung API.</a:t>
-            </a:r>
-          </a:p>
-          <a:p>
-            <a:r>
-              <a:rPr lang="de-DE" sz="2800" dirty="0"/>
-              <a:t>(evtl. Küchenansicht optimieren).</a:t>
-            </a:r>
-          </a:p>
-          <a:p>
-            <a:r>
-              <a:rPr lang="de-DE" dirty="0"/>
-              <a:t>Hosting</a:t>
-            </a:r>
-            <a:endParaRPr lang="de-DE" sz="2800" dirty="0"/>
+          <a:bodyPr>
+            <a:normAutofit/>
+          </a:bodyPr>
+          <a:lstStyle/>
+          <a:p>
+            <a:r>
+              <a:rPr lang="de-DE" noProof="0" dirty="0"/>
+              <a:t>Programmiersprache:</a:t>
+            </a:r>
+          </a:p>
+          <a:p>
+            <a:pPr lvl="1"/>
+            <a:r>
+              <a:rPr lang="de-DE" noProof="0" dirty="0"/>
+              <a:t>C#</a:t>
+            </a:r>
+          </a:p>
+          <a:p>
+            <a:r>
+              <a:rPr lang="de-DE" noProof="0" dirty="0"/>
+              <a:t>Framework:</a:t>
+            </a:r>
+          </a:p>
+          <a:p>
+            <a:pPr lvl="1"/>
+            <a:r>
+              <a:rPr lang="de-DE" noProof="0" dirty="0" err="1"/>
+              <a:t>Blazor</a:t>
+            </a:r>
+            <a:endParaRPr lang="de-DE" noProof="0" dirty="0"/>
+          </a:p>
+          <a:p>
+            <a:r>
+              <a:rPr lang="de-DE" noProof="0" dirty="0"/>
+              <a:t>IDE:</a:t>
+            </a:r>
+          </a:p>
+          <a:p>
+            <a:pPr lvl="1"/>
+            <a:r>
+              <a:rPr lang="de-DE" noProof="0" dirty="0"/>
+              <a:t>Visual Studio</a:t>
+            </a:r>
+          </a:p>
+        </p:txBody>
+      </p:sp>
+      <p:sp>
+        <p:nvSpPr>
+          <p:cNvPr id="6" name="Inhaltsplatzhalter 5">
+            <a:extLst>
+              <a:ext uri="{FF2B5EF4-FFF2-40B4-BE49-F238E27FC236}">
+                <a16:creationId xmlns:a16="http://schemas.microsoft.com/office/drawing/2014/main" id="{7185288F-FFC3-A9CF-5040-625A8A619580}"/>
+              </a:ext>
+            </a:extLst>
+          </p:cNvPr>
+          <p:cNvSpPr>
+            <a:spLocks noGrp="1"/>
+          </p:cNvSpPr>
+          <p:nvPr>
+            <p:ph sz="half" idx="2"/>
+          </p:nvPr>
+        </p:nvSpPr>
+        <p:spPr/>
+        <p:txBody>
+          <a:bodyPr>
+            <a:normAutofit/>
+          </a:bodyPr>
+          <a:lstStyle/>
+          <a:p>
+            <a:r>
+              <a:rPr lang="de-DE" noProof="0" dirty="0"/>
+              <a:t>Datenbank:</a:t>
+            </a:r>
+          </a:p>
+          <a:p>
+            <a:pPr lvl="1"/>
+            <a:r>
+              <a:rPr lang="de-DE" noProof="0" dirty="0"/>
+              <a:t>SQLite</a:t>
+            </a:r>
+          </a:p>
+          <a:p>
+            <a:r>
+              <a:rPr lang="de-DE" noProof="0" dirty="0"/>
+              <a:t>Weitere Tools:</a:t>
+            </a:r>
+          </a:p>
+          <a:p>
+            <a:pPr lvl="1"/>
+            <a:r>
+              <a:rPr lang="de-DE" noProof="0" dirty="0"/>
+              <a:t>Git (Versionierung)</a:t>
+            </a:r>
+          </a:p>
+          <a:p>
+            <a:pPr lvl="1"/>
+            <a:r>
+              <a:rPr lang="de-DE" noProof="0" dirty="0"/>
+              <a:t>Docker (</a:t>
+            </a:r>
+            <a:r>
+              <a:rPr lang="de-DE" noProof="0" dirty="0" err="1"/>
+              <a:t>Deployment</a:t>
+            </a:r>
+            <a:r>
+              <a:rPr lang="de-DE" noProof="0" dirty="0"/>
+              <a:t>)</a:t>
+            </a:r>
           </a:p>
         </p:txBody>
       </p:sp>
@@ -7663,7 +7734,7 @@
           <p:cNvPr id="4" name="Datumsplatzhalter 3">
             <a:extLst>
               <a:ext uri="{FF2B5EF4-FFF2-40B4-BE49-F238E27FC236}">
-                <a16:creationId xmlns:a16="http://schemas.microsoft.com/office/drawing/2014/main" id="{305A6BE5-5A63-7D28-E770-729A20618D33}"/>
+                <a16:creationId xmlns:a16="http://schemas.microsoft.com/office/drawing/2014/main" id="{F5985418-FDA1-F1A7-80E8-C25C6BAC324B}"/>
               </a:ext>
             </a:extLst>
           </p:cNvPr>
@@ -7692,7 +7763,7 @@
           <p:cNvPr id="5" name="Foliennummernplatzhalter 4">
             <a:extLst>
               <a:ext uri="{FF2B5EF4-FFF2-40B4-BE49-F238E27FC236}">
-                <a16:creationId xmlns:a16="http://schemas.microsoft.com/office/drawing/2014/main" id="{E28ABC24-8900-E378-E502-62B817D571F6}"/>
+                <a16:creationId xmlns:a16="http://schemas.microsoft.com/office/drawing/2014/main" id="{6A7A11C6-83C4-FA07-F8C7-F2826F8F22B6}"/>
               </a:ext>
             </a:extLst>
           </p:cNvPr>
@@ -7719,7 +7790,7 @@
     </p:spTree>
     <p:extLst>
       <p:ext uri="{BB962C8B-B14F-4D97-AF65-F5344CB8AC3E}">
-        <p14:creationId xmlns:p14="http://schemas.microsoft.com/office/powerpoint/2010/main" val="3562051256"/>
+        <p14:creationId xmlns:p14="http://schemas.microsoft.com/office/powerpoint/2010/main" val="1367875186"/>
       </p:ext>
     </p:extLst>
   </p:cSld>
@@ -7751,7 +7822,7 @@
           <p:cNvPr id="2" name="Titel 1">
             <a:extLst>
               <a:ext uri="{FF2B5EF4-FFF2-40B4-BE49-F238E27FC236}">
-                <a16:creationId xmlns:a16="http://schemas.microsoft.com/office/drawing/2014/main" id="{A075FF74-E5D2-1C9F-1DF3-DCD54EF547E9}"/>
+                <a16:creationId xmlns:a16="http://schemas.microsoft.com/office/drawing/2014/main" id="{32CCE440-A4CB-26A7-5B3F-3F9D4B878A95}"/>
               </a:ext>
             </a:extLst>
           </p:cNvPr>
@@ -7769,17 +7840,17 @@
           <a:p>
             <a:r>
               <a:rPr lang="de-DE" noProof="0" dirty="0"/>
-              <a:t>6. Software-Tools</a:t>
-            </a:r>
-          </a:p>
-        </p:txBody>
-      </p:sp>
-      <p:sp>
-        <p:nvSpPr>
-          <p:cNvPr id="3" name="Inhaltsplatzhalter 2">
-            <a:extLst>
-              <a:ext uri="{FF2B5EF4-FFF2-40B4-BE49-F238E27FC236}">
-                <a16:creationId xmlns:a16="http://schemas.microsoft.com/office/drawing/2014/main" id="{E627C203-A1B7-383D-97A8-56B3248A1E83}"/>
+              <a:t>7. SOUPs/OTS</a:t>
+            </a:r>
+          </a:p>
+        </p:txBody>
+      </p:sp>
+      <p:sp>
+        <p:nvSpPr>
+          <p:cNvPr id="6" name="Inhaltsplatzhalter 5">
+            <a:extLst>
+              <a:ext uri="{FF2B5EF4-FFF2-40B4-BE49-F238E27FC236}">
+                <a16:creationId xmlns:a16="http://schemas.microsoft.com/office/drawing/2014/main" id="{AF37E05B-D1E7-D5BB-3AA4-0CBC94340331}"/>
               </a:ext>
             </a:extLst>
           </p:cNvPr>
@@ -7793,57 +7864,64 @@
         <p:spPr/>
         <p:txBody>
           <a:bodyPr>
-            <a:normAutofit/>
+            <a:normAutofit lnSpcReduction="10000"/>
           </a:bodyPr>
           <a:lstStyle/>
           <a:p>
             <a:r>
               <a:rPr lang="de-DE" noProof="0" dirty="0"/>
-              <a:t>Programmiersprache:</a:t>
+              <a:t>Eingesetzte SOUPs:</a:t>
             </a:r>
           </a:p>
           <a:p>
             <a:pPr lvl="1"/>
             <a:r>
               <a:rPr lang="de-DE" noProof="0" dirty="0"/>
-              <a:t>C#</a:t>
+              <a:t>Docker-Container für Hosting der Anwendung</a:t>
             </a:r>
           </a:p>
           <a:p>
             <a:r>
               <a:rPr lang="de-DE" noProof="0" dirty="0"/>
-              <a:t>Framework:</a:t>
+              <a:t>Bibliotheken: </a:t>
             </a:r>
           </a:p>
           <a:p>
             <a:pPr lvl="1"/>
             <a:r>
+              <a:rPr lang="de-DE" noProof="0" dirty="0"/>
+              <a:t>[z. B. </a:t>
+            </a:r>
+            <a:r>
               <a:rPr lang="de-DE" noProof="0" dirty="0" err="1"/>
-              <a:t>Blazor</a:t>
-            </a:r>
-            <a:endParaRPr lang="de-DE" noProof="0" dirty="0"/>
-          </a:p>
-          <a:p>
+              <a:t>Newtonsoft.Json</a:t>
+            </a:r>
             <a:r>
               <a:rPr lang="de-DE" noProof="0" dirty="0"/>
-              <a:t>IDE:</a:t>
+              <a:t>]</a:t>
+            </a:r>
+          </a:p>
+          <a:p>
+            <a:r>
+              <a:rPr lang="de-DE" noProof="0" dirty="0"/>
+              <a:t>Eingesetzte OTS:</a:t>
             </a:r>
           </a:p>
           <a:p>
             <a:pPr lvl="1"/>
             <a:r>
               <a:rPr lang="de-DE" noProof="0" dirty="0"/>
-              <a:t>Visual Studio</a:t>
-            </a:r>
-          </a:p>
-        </p:txBody>
-      </p:sp>
-      <p:sp>
-        <p:nvSpPr>
-          <p:cNvPr id="6" name="Inhaltsplatzhalter 5">
-            <a:extLst>
-              <a:ext uri="{FF2B5EF4-FFF2-40B4-BE49-F238E27FC236}">
-                <a16:creationId xmlns:a16="http://schemas.microsoft.com/office/drawing/2014/main" id="{7185288F-FFC3-A9CF-5040-625A8A619580}"/>
+              <a:t>.NET 5.0 Framework</a:t>
+            </a:r>
+          </a:p>
+        </p:txBody>
+      </p:sp>
+      <p:sp>
+        <p:nvSpPr>
+          <p:cNvPr id="7" name="Inhaltsplatzhalter 6">
+            <a:extLst>
+              <a:ext uri="{FF2B5EF4-FFF2-40B4-BE49-F238E27FC236}">
+                <a16:creationId xmlns:a16="http://schemas.microsoft.com/office/drawing/2014/main" id="{3BFD40B0-F7F1-F960-F8BC-73901AB54EC1}"/>
               </a:ext>
             </a:extLst>
           </p:cNvPr>
@@ -7857,48 +7935,32 @@
         <p:spPr/>
         <p:txBody>
           <a:bodyPr>
-            <a:normAutofit/>
+            <a:normAutofit lnSpcReduction="10000"/>
           </a:bodyPr>
           <a:lstStyle/>
           <a:p>
             <a:r>
               <a:rPr lang="de-DE" noProof="0" dirty="0"/>
-              <a:t>Datenbank:</a:t>
+              <a:t>SQLite-Datenbank</a:t>
+            </a:r>
+          </a:p>
+          <a:p>
+            <a:r>
+              <a:rPr lang="de-DE" noProof="0" dirty="0"/>
+              <a:t>Visual Studio IDE</a:t>
+            </a:r>
+          </a:p>
+          <a:p>
+            <a:r>
+              <a:rPr lang="de-DE" noProof="0" dirty="0"/>
+              <a:t>Maßnahmen zur Validierung und Sicherstellung:</a:t>
             </a:r>
           </a:p>
           <a:p>
             <a:pPr lvl="1"/>
             <a:r>
               <a:rPr lang="de-DE" noProof="0" dirty="0"/>
-              <a:t>SQLite</a:t>
-            </a:r>
-          </a:p>
-          <a:p>
-            <a:r>
-              <a:rPr lang="de-DE" noProof="0" dirty="0"/>
-              <a:t>Weitere Tools:</a:t>
-            </a:r>
-          </a:p>
-          <a:p>
-            <a:pPr lvl="1"/>
-            <a:r>
-              <a:rPr lang="de-DE" noProof="0" dirty="0"/>
-              <a:t>Git (Versionierung)</a:t>
-            </a:r>
-          </a:p>
-          <a:p>
-            <a:pPr lvl="1"/>
-            <a:r>
-              <a:rPr lang="de-DE" noProof="0" dirty="0"/>
-              <a:t>Docker (</a:t>
-            </a:r>
-            <a:r>
-              <a:rPr lang="de-DE" noProof="0" dirty="0" err="1"/>
-              <a:t>Deployment</a:t>
-            </a:r>
-            <a:r>
-              <a:rPr lang="de-DE" noProof="0" dirty="0"/>
-              <a:t>)</a:t>
+              <a:t>Security-Scans, regelmäßige Updates</a:t>
             </a:r>
           </a:p>
         </p:txBody>
@@ -7908,7 +7970,7 @@
           <p:cNvPr id="4" name="Datumsplatzhalter 3">
             <a:extLst>
               <a:ext uri="{FF2B5EF4-FFF2-40B4-BE49-F238E27FC236}">
-                <a16:creationId xmlns:a16="http://schemas.microsoft.com/office/drawing/2014/main" id="{F5985418-FDA1-F1A7-80E8-C25C6BAC324B}"/>
+                <a16:creationId xmlns:a16="http://schemas.microsoft.com/office/drawing/2014/main" id="{02CC40AD-91C3-625D-A10C-F9A7627732C1}"/>
               </a:ext>
             </a:extLst>
           </p:cNvPr>
@@ -7937,7 +7999,7 @@
           <p:cNvPr id="5" name="Foliennummernplatzhalter 4">
             <a:extLst>
               <a:ext uri="{FF2B5EF4-FFF2-40B4-BE49-F238E27FC236}">
-                <a16:creationId xmlns:a16="http://schemas.microsoft.com/office/drawing/2014/main" id="{6A7A11C6-83C4-FA07-F8C7-F2826F8F22B6}"/>
+                <a16:creationId xmlns:a16="http://schemas.microsoft.com/office/drawing/2014/main" id="{C09C3547-5BE9-9D3D-0D06-22EA64B7A6ED}"/>
               </a:ext>
             </a:extLst>
           </p:cNvPr>
@@ -7956,242 +8018,6 @@
             <a:fld id="{07CE569E-9B7C-4CB9-AB80-C0841F922CFF}" type="slidenum">
               <a:rPr lang="de-DE" noProof="0" smtClean="0"/>
               <a:t>15</a:t>
-            </a:fld>
-            <a:endParaRPr lang="de-DE" noProof="0" dirty="0"/>
-          </a:p>
-        </p:txBody>
-      </p:sp>
-    </p:spTree>
-    <p:extLst>
-      <p:ext uri="{BB962C8B-B14F-4D97-AF65-F5344CB8AC3E}">
-        <p14:creationId xmlns:p14="http://schemas.microsoft.com/office/powerpoint/2010/main" val="1367875186"/>
-      </p:ext>
-    </p:extLst>
-  </p:cSld>
-  <p:clrMapOvr>
-    <a:masterClrMapping/>
-  </p:clrMapOvr>
-</p:sld>
-</file>
-
-<file path=ppt/slides/slide16.xml><?xml version="1.0" encoding="utf-8"?>
-<p:sld xmlns:a="http://schemas.openxmlformats.org/drawingml/2006/main" xmlns:r="http://schemas.openxmlformats.org/officeDocument/2006/relationships" xmlns:p="http://schemas.openxmlformats.org/presentationml/2006/main">
-  <p:cSld>
-    <p:spTree>
-      <p:nvGrpSpPr>
-        <p:cNvPr id="1" name=""/>
-        <p:cNvGrpSpPr/>
-        <p:nvPr/>
-      </p:nvGrpSpPr>
-      <p:grpSpPr>
-        <a:xfrm>
-          <a:off x="0" y="0"/>
-          <a:ext cx="0" cy="0"/>
-          <a:chOff x="0" y="0"/>
-          <a:chExt cx="0" cy="0"/>
-        </a:xfrm>
-      </p:grpSpPr>
-      <p:sp>
-        <p:nvSpPr>
-          <p:cNvPr id="2" name="Titel 1">
-            <a:extLst>
-              <a:ext uri="{FF2B5EF4-FFF2-40B4-BE49-F238E27FC236}">
-                <a16:creationId xmlns:a16="http://schemas.microsoft.com/office/drawing/2014/main" id="{32CCE440-A4CB-26A7-5B3F-3F9D4B878A95}"/>
-              </a:ext>
-            </a:extLst>
-          </p:cNvPr>
-          <p:cNvSpPr>
-            <a:spLocks noGrp="1"/>
-          </p:cNvSpPr>
-          <p:nvPr>
-            <p:ph type="title"/>
-          </p:nvPr>
-        </p:nvSpPr>
-        <p:spPr/>
-        <p:txBody>
-          <a:bodyPr/>
-          <a:lstStyle/>
-          <a:p>
-            <a:r>
-              <a:rPr lang="de-DE" noProof="0" dirty="0"/>
-              <a:t>7. SOUPs/OTS</a:t>
-            </a:r>
-          </a:p>
-        </p:txBody>
-      </p:sp>
-      <p:sp>
-        <p:nvSpPr>
-          <p:cNvPr id="6" name="Inhaltsplatzhalter 5">
-            <a:extLst>
-              <a:ext uri="{FF2B5EF4-FFF2-40B4-BE49-F238E27FC236}">
-                <a16:creationId xmlns:a16="http://schemas.microsoft.com/office/drawing/2014/main" id="{AF37E05B-D1E7-D5BB-3AA4-0CBC94340331}"/>
-              </a:ext>
-            </a:extLst>
-          </p:cNvPr>
-          <p:cNvSpPr>
-            <a:spLocks noGrp="1"/>
-          </p:cNvSpPr>
-          <p:nvPr>
-            <p:ph sz="half" idx="1"/>
-          </p:nvPr>
-        </p:nvSpPr>
-        <p:spPr/>
-        <p:txBody>
-          <a:bodyPr>
-            <a:normAutofit lnSpcReduction="10000"/>
-          </a:bodyPr>
-          <a:lstStyle/>
-          <a:p>
-            <a:r>
-              <a:rPr lang="de-DE" noProof="0" dirty="0"/>
-              <a:t>Eingesetzte SOUPs:</a:t>
-            </a:r>
-          </a:p>
-          <a:p>
-            <a:pPr lvl="1"/>
-            <a:r>
-              <a:rPr lang="de-DE" noProof="0" dirty="0"/>
-              <a:t>Docker-Container für Hosting der Anwendung</a:t>
-            </a:r>
-          </a:p>
-          <a:p>
-            <a:r>
-              <a:rPr lang="de-DE" noProof="0" dirty="0"/>
-              <a:t>Bibliotheken: </a:t>
-            </a:r>
-          </a:p>
-          <a:p>
-            <a:pPr lvl="1"/>
-            <a:r>
-              <a:rPr lang="de-DE" noProof="0" dirty="0"/>
-              <a:t>[z. B. </a:t>
-            </a:r>
-            <a:r>
-              <a:rPr lang="de-DE" noProof="0" dirty="0" err="1"/>
-              <a:t>Newtonsoft.Json</a:t>
-            </a:r>
-            <a:r>
-              <a:rPr lang="de-DE" noProof="0" dirty="0"/>
-              <a:t>]</a:t>
-            </a:r>
-          </a:p>
-          <a:p>
-            <a:r>
-              <a:rPr lang="de-DE" noProof="0" dirty="0"/>
-              <a:t>Eingesetzte OTS:</a:t>
-            </a:r>
-          </a:p>
-          <a:p>
-            <a:pPr lvl="1"/>
-            <a:r>
-              <a:rPr lang="de-DE" noProof="0" dirty="0"/>
-              <a:t>.NET 5.0 Framework</a:t>
-            </a:r>
-          </a:p>
-        </p:txBody>
-      </p:sp>
-      <p:sp>
-        <p:nvSpPr>
-          <p:cNvPr id="7" name="Inhaltsplatzhalter 6">
-            <a:extLst>
-              <a:ext uri="{FF2B5EF4-FFF2-40B4-BE49-F238E27FC236}">
-                <a16:creationId xmlns:a16="http://schemas.microsoft.com/office/drawing/2014/main" id="{3BFD40B0-F7F1-F960-F8BC-73901AB54EC1}"/>
-              </a:ext>
-            </a:extLst>
-          </p:cNvPr>
-          <p:cNvSpPr>
-            <a:spLocks noGrp="1"/>
-          </p:cNvSpPr>
-          <p:nvPr>
-            <p:ph sz="half" idx="2"/>
-          </p:nvPr>
-        </p:nvSpPr>
-        <p:spPr/>
-        <p:txBody>
-          <a:bodyPr>
-            <a:normAutofit lnSpcReduction="10000"/>
-          </a:bodyPr>
-          <a:lstStyle/>
-          <a:p>
-            <a:r>
-              <a:rPr lang="de-DE" noProof="0" dirty="0"/>
-              <a:t>SQLite-Datenbank</a:t>
-            </a:r>
-          </a:p>
-          <a:p>
-            <a:r>
-              <a:rPr lang="de-DE" noProof="0" dirty="0"/>
-              <a:t>Visual Studio IDE</a:t>
-            </a:r>
-          </a:p>
-          <a:p>
-            <a:r>
-              <a:rPr lang="de-DE" noProof="0" dirty="0"/>
-              <a:t>Maßnahmen zur Validierung und Sicherstellung:</a:t>
-            </a:r>
-          </a:p>
-          <a:p>
-            <a:pPr lvl="1"/>
-            <a:r>
-              <a:rPr lang="de-DE" noProof="0" dirty="0"/>
-              <a:t>Security-Scans, regelmäßige Updates</a:t>
-            </a:r>
-          </a:p>
-        </p:txBody>
-      </p:sp>
-      <p:sp>
-        <p:nvSpPr>
-          <p:cNvPr id="4" name="Datumsplatzhalter 3">
-            <a:extLst>
-              <a:ext uri="{FF2B5EF4-FFF2-40B4-BE49-F238E27FC236}">
-                <a16:creationId xmlns:a16="http://schemas.microsoft.com/office/drawing/2014/main" id="{02CC40AD-91C3-625D-A10C-F9A7627732C1}"/>
-              </a:ext>
-            </a:extLst>
-          </p:cNvPr>
-          <p:cNvSpPr>
-            <a:spLocks noGrp="1"/>
-          </p:cNvSpPr>
-          <p:nvPr>
-            <p:ph type="dt" sz="half" idx="10"/>
-          </p:nvPr>
-        </p:nvSpPr>
-        <p:spPr/>
-        <p:txBody>
-          <a:bodyPr/>
-          <a:lstStyle/>
-          <a:p>
-            <a:fld id="{42B45B56-1D88-4042-8DF0-EB6B41B710D3}" type="datetime1">
-              <a:rPr lang="de-DE" noProof="0" smtClean="0"/>
-              <a:t>12.12.2024</a:t>
-            </a:fld>
-            <a:endParaRPr lang="de-DE" noProof="0" dirty="0"/>
-          </a:p>
-        </p:txBody>
-      </p:sp>
-      <p:sp>
-        <p:nvSpPr>
-          <p:cNvPr id="5" name="Foliennummernplatzhalter 4">
-            <a:extLst>
-              <a:ext uri="{FF2B5EF4-FFF2-40B4-BE49-F238E27FC236}">
-                <a16:creationId xmlns:a16="http://schemas.microsoft.com/office/drawing/2014/main" id="{C09C3547-5BE9-9D3D-0D06-22EA64B7A6ED}"/>
-              </a:ext>
-            </a:extLst>
-          </p:cNvPr>
-          <p:cNvSpPr>
-            <a:spLocks noGrp="1"/>
-          </p:cNvSpPr>
-          <p:nvPr>
-            <p:ph type="sldNum" sz="quarter" idx="12"/>
-          </p:nvPr>
-        </p:nvSpPr>
-        <p:spPr/>
-        <p:txBody>
-          <a:bodyPr/>
-          <a:lstStyle/>
-          <a:p>
-            <a:fld id="{07CE569E-9B7C-4CB9-AB80-C0841F922CFF}" type="slidenum">
-              <a:rPr lang="de-DE" noProof="0" smtClean="0"/>
-              <a:t>16</a:t>
             </a:fld>
             <a:endParaRPr lang="de-DE" noProof="0" dirty="0"/>
           </a:p>
@@ -8210,7 +8036,7 @@
 </p:sld>
 </file>
 
-<file path=ppt/slides/slide17.xml><?xml version="1.0" encoding="utf-8"?>
+<file path=ppt/slides/slide16.xml><?xml version="1.0" encoding="utf-8"?>
 <p:sld xmlns:a="http://schemas.openxmlformats.org/drawingml/2006/main" xmlns:r="http://schemas.openxmlformats.org/officeDocument/2006/relationships" xmlns:p="http://schemas.openxmlformats.org/presentationml/2006/main">
   <p:cSld>
     <p:bg>
@@ -9566,7 +9392,7 @@
                   <a:spcPts val="600"/>
                 </a:spcAft>
               </a:pPr>
-              <a:t>17</a:t>
+              <a:t>16</a:t>
             </a:fld>
             <a:endParaRPr lang="en-US" noProof="0">
               <a:solidFill>
@@ -10490,6 +10316,9 @@
             </a:r>
           </a:p>
           <a:p>
+            <a:endParaRPr lang="de-DE" sz="2400" dirty="0"/>
+          </a:p>
+          <a:p>
             <a:endParaRPr lang="de-DE" dirty="0"/>
           </a:p>
         </p:txBody>
@@ -11128,153 +10957,6 @@
         <p:cNvPr id="1" name="">
           <a:extLst>
             <a:ext uri="{FF2B5EF4-FFF2-40B4-BE49-F238E27FC236}">
-              <a16:creationId xmlns:a16="http://schemas.microsoft.com/office/drawing/2014/main" id="{274176BE-ABD1-4DFE-CA00-BF955600DF74}"/>
-            </a:ext>
-          </a:extLst>
-        </p:cNvPr>
-        <p:cNvGrpSpPr/>
-        <p:nvPr/>
-      </p:nvGrpSpPr>
-      <p:grpSpPr>
-        <a:xfrm>
-          <a:off x="0" y="0"/>
-          <a:ext cx="0" cy="0"/>
-          <a:chOff x="0" y="0"/>
-          <a:chExt cx="0" cy="0"/>
-        </a:xfrm>
-      </p:grpSpPr>
-      <p:sp>
-        <p:nvSpPr>
-          <p:cNvPr id="2" name="Titel 1">
-            <a:extLst>
-              <a:ext uri="{FF2B5EF4-FFF2-40B4-BE49-F238E27FC236}">
-                <a16:creationId xmlns:a16="http://schemas.microsoft.com/office/drawing/2014/main" id="{12FF5556-F8B2-9673-27B6-FE07D7D4A442}"/>
-              </a:ext>
-            </a:extLst>
-          </p:cNvPr>
-          <p:cNvSpPr>
-            <a:spLocks noGrp="1"/>
-          </p:cNvSpPr>
-          <p:nvPr>
-            <p:ph type="title"/>
-          </p:nvPr>
-        </p:nvSpPr>
-        <p:spPr/>
-        <p:txBody>
-          <a:bodyPr/>
-          <a:lstStyle/>
-          <a:p>
-            <a:r>
-              <a:rPr lang="de-DE" noProof="0" dirty="0"/>
-              <a:t>3. Produktzwischenstand</a:t>
-            </a:r>
-          </a:p>
-        </p:txBody>
-      </p:sp>
-      <p:sp>
-        <p:nvSpPr>
-          <p:cNvPr id="4" name="Datumsplatzhalter 3">
-            <a:extLst>
-              <a:ext uri="{FF2B5EF4-FFF2-40B4-BE49-F238E27FC236}">
-                <a16:creationId xmlns:a16="http://schemas.microsoft.com/office/drawing/2014/main" id="{DCE9DA51-0540-375C-546C-32C89838F3BF}"/>
-              </a:ext>
-            </a:extLst>
-          </p:cNvPr>
-          <p:cNvSpPr>
-            <a:spLocks noGrp="1"/>
-          </p:cNvSpPr>
-          <p:nvPr>
-            <p:ph type="dt" sz="half" idx="10"/>
-          </p:nvPr>
-        </p:nvSpPr>
-        <p:spPr/>
-        <p:txBody>
-          <a:bodyPr/>
-          <a:lstStyle/>
-          <a:p>
-            <a:fld id="{42B45B56-1D88-4042-8DF0-EB6B41B710D3}" type="datetime1">
-              <a:rPr lang="de-DE" noProof="0" smtClean="0"/>
-              <a:t>12.12.2024</a:t>
-            </a:fld>
-            <a:endParaRPr lang="de-DE" noProof="0" dirty="0"/>
-          </a:p>
-        </p:txBody>
-      </p:sp>
-      <p:sp>
-        <p:nvSpPr>
-          <p:cNvPr id="5" name="Foliennummernplatzhalter 4">
-            <a:extLst>
-              <a:ext uri="{FF2B5EF4-FFF2-40B4-BE49-F238E27FC236}">
-                <a16:creationId xmlns:a16="http://schemas.microsoft.com/office/drawing/2014/main" id="{269A7E09-0FAD-B32E-B92E-791841A8BAB8}"/>
-              </a:ext>
-            </a:extLst>
-          </p:cNvPr>
-          <p:cNvSpPr>
-            <a:spLocks noGrp="1"/>
-          </p:cNvSpPr>
-          <p:nvPr>
-            <p:ph type="sldNum" sz="quarter" idx="12"/>
-          </p:nvPr>
-        </p:nvSpPr>
-        <p:spPr/>
-        <p:txBody>
-          <a:bodyPr/>
-          <a:lstStyle/>
-          <a:p>
-            <a:fld id="{07CE569E-9B7C-4CB9-AB80-C0841F922CFF}" type="slidenum">
-              <a:rPr lang="de-DE" noProof="0" smtClean="0"/>
-              <a:t>6</a:t>
-            </a:fld>
-            <a:endParaRPr lang="de-DE" noProof="0" dirty="0"/>
-          </a:p>
-        </p:txBody>
-      </p:sp>
-      <p:sp>
-        <p:nvSpPr>
-          <p:cNvPr id="6" name="Inhaltsplatzhalter 5">
-            <a:extLst>
-              <a:ext uri="{FF2B5EF4-FFF2-40B4-BE49-F238E27FC236}">
-                <a16:creationId xmlns:a16="http://schemas.microsoft.com/office/drawing/2014/main" id="{926DDF71-7263-7659-E5C3-47ABBD651A69}"/>
-              </a:ext>
-            </a:extLst>
-          </p:cNvPr>
-          <p:cNvSpPr>
-            <a:spLocks noGrp="1"/>
-          </p:cNvSpPr>
-          <p:nvPr>
-            <p:ph idx="1"/>
-          </p:nvPr>
-        </p:nvSpPr>
-        <p:spPr/>
-        <p:txBody>
-          <a:bodyPr/>
-          <a:lstStyle/>
-          <a:p>
-            <a:endParaRPr lang="de-DE" dirty="0"/>
-          </a:p>
-        </p:txBody>
-      </p:sp>
-    </p:spTree>
-    <p:extLst>
-      <p:ext uri="{BB962C8B-B14F-4D97-AF65-F5344CB8AC3E}">
-        <p14:creationId xmlns:p14="http://schemas.microsoft.com/office/powerpoint/2010/main" val="1023861628"/>
-      </p:ext>
-    </p:extLst>
-  </p:cSld>
-  <p:clrMapOvr>
-    <a:masterClrMapping/>
-  </p:clrMapOvr>
-</p:sld>
-</file>
-
-<file path=ppt/slides/slide7.xml><?xml version="1.0" encoding="utf-8"?>
-<p:sld xmlns:a="http://schemas.openxmlformats.org/drawingml/2006/main" xmlns:r="http://schemas.openxmlformats.org/officeDocument/2006/relationships" xmlns:p="http://schemas.openxmlformats.org/presentationml/2006/main">
-  <p:cSld>
-    <p:spTree>
-      <p:nvGrpSpPr>
-        <p:cNvPr id="1" name="">
-          <a:extLst>
-            <a:ext uri="{FF2B5EF4-FFF2-40B4-BE49-F238E27FC236}">
               <a16:creationId xmlns:a16="http://schemas.microsoft.com/office/drawing/2014/main" id="{B550FC02-FF59-9A2B-E0CB-A4CCA3BCC065}"/>
             </a:ext>
           </a:extLst>
@@ -11370,7 +11052,7 @@
           <a:p>
             <a:fld id="{07CE569E-9B7C-4CB9-AB80-C0841F922CFF}" type="slidenum">
               <a:rPr lang="de-DE" noProof="0" smtClean="0"/>
-              <a:t>7</a:t>
+              <a:t>6</a:t>
             </a:fld>
             <a:endParaRPr lang="de-DE" noProof="0" dirty="0"/>
           </a:p>
@@ -11418,7 +11100,7 @@
 </p:sld>
 </file>
 
-<file path=ppt/slides/slide8.xml><?xml version="1.0" encoding="utf-8"?>
+<file path=ppt/slides/slide7.xml><?xml version="1.0" encoding="utf-8"?>
 <p:sld xmlns:a="http://schemas.openxmlformats.org/drawingml/2006/main" xmlns:r="http://schemas.openxmlformats.org/officeDocument/2006/relationships" xmlns:p="http://schemas.openxmlformats.org/presentationml/2006/main">
   <p:cSld>
     <p:spTree>
@@ -11574,7 +11256,7 @@
           <a:p>
             <a:fld id="{07CE569E-9B7C-4CB9-AB80-C0841F922CFF}" type="slidenum">
               <a:rPr lang="en-US" smtClean="0"/>
-              <a:t>8</a:t>
+              <a:t>7</a:t>
             </a:fld>
             <a:endParaRPr lang="en-US"/>
           </a:p>
@@ -11641,7 +11323,7 @@
 </p:sld>
 </file>
 
-<file path=ppt/slides/slide9.xml><?xml version="1.0" encoding="utf-8"?>
+<file path=ppt/slides/slide8.xml><?xml version="1.0" encoding="utf-8"?>
 <p:sld xmlns:a="http://schemas.openxmlformats.org/drawingml/2006/main" xmlns:r="http://schemas.openxmlformats.org/officeDocument/2006/relationships" xmlns:p="http://schemas.openxmlformats.org/presentationml/2006/main">
   <p:cSld>
     <p:spTree>
@@ -11769,7 +11451,7 @@
           <a:p>
             <a:fld id="{07CE569E-9B7C-4CB9-AB80-C0841F922CFF}" type="slidenum">
               <a:rPr lang="en-US" smtClean="0"/>
-              <a:t>9</a:t>
+              <a:t>8</a:t>
             </a:fld>
             <a:endParaRPr lang="en-US"/>
           </a:p>
@@ -12068,6 +11750,179 @@
       <p:bldP spid="12" grpId="0" animBg="1"/>
     </p:bldLst>
   </p:timing>
+</p:sld>
+</file>
+
+<file path=ppt/slides/slide9.xml><?xml version="1.0" encoding="utf-8"?>
+<p:sld xmlns:a="http://schemas.openxmlformats.org/drawingml/2006/main" xmlns:r="http://schemas.openxmlformats.org/officeDocument/2006/relationships" xmlns:p="http://schemas.openxmlformats.org/presentationml/2006/main">
+  <p:cSld>
+    <p:spTree>
+      <p:nvGrpSpPr>
+        <p:cNvPr id="1" name=""/>
+        <p:cNvGrpSpPr/>
+        <p:nvPr/>
+      </p:nvGrpSpPr>
+      <p:grpSpPr>
+        <a:xfrm>
+          <a:off x="0" y="0"/>
+          <a:ext cx="0" cy="0"/>
+          <a:chOff x="0" y="0"/>
+          <a:chExt cx="0" cy="0"/>
+        </a:xfrm>
+      </p:grpSpPr>
+      <p:sp>
+        <p:nvSpPr>
+          <p:cNvPr id="2" name="Titel 1">
+            <a:extLst>
+              <a:ext uri="{FF2B5EF4-FFF2-40B4-BE49-F238E27FC236}">
+                <a16:creationId xmlns:a16="http://schemas.microsoft.com/office/drawing/2014/main" id="{B1C4B512-22E9-E7BC-2F39-52FA98096470}"/>
+              </a:ext>
+            </a:extLst>
+          </p:cNvPr>
+          <p:cNvSpPr>
+            <a:spLocks noGrp="1"/>
+          </p:cNvSpPr>
+          <p:nvPr>
+            <p:ph type="title"/>
+          </p:nvPr>
+        </p:nvSpPr>
+        <p:spPr/>
+        <p:txBody>
+          <a:bodyPr/>
+          <a:lstStyle/>
+          <a:p>
+            <a:r>
+              <a:rPr lang="de-DE" dirty="0"/>
+              <a:t>3. Produktzwischenstand</a:t>
+            </a:r>
+          </a:p>
+        </p:txBody>
+      </p:sp>
+      <p:pic>
+        <p:nvPicPr>
+          <p:cNvPr id="8" name="Inhaltsplatzhalter 7">
+            <a:extLst>
+              <a:ext uri="{FF2B5EF4-FFF2-40B4-BE49-F238E27FC236}">
+                <a16:creationId xmlns:a16="http://schemas.microsoft.com/office/drawing/2014/main" id="{504B7381-E1C9-27E1-F63C-D2A3D439D31E}"/>
+              </a:ext>
+            </a:extLst>
+          </p:cNvPr>
+          <p:cNvPicPr>
+            <a:picLocks noGrp="1" noChangeAspect="1"/>
+          </p:cNvPicPr>
+          <p:nvPr>
+            <p:ph sz="half" idx="1"/>
+          </p:nvPr>
+        </p:nvPicPr>
+        <p:blipFill>
+          <a:blip r:embed="rId2"/>
+          <a:stretch>
+            <a:fillRect/>
+          </a:stretch>
+        </p:blipFill>
+        <p:spPr>
+          <a:xfrm>
+            <a:off x="5601271" y="3148497"/>
+            <a:ext cx="2787611" cy="2575752"/>
+          </a:xfrm>
+        </p:spPr>
+      </p:pic>
+      <p:pic>
+        <p:nvPicPr>
+          <p:cNvPr id="10" name="Inhaltsplatzhalter 9">
+            <a:extLst>
+              <a:ext uri="{FF2B5EF4-FFF2-40B4-BE49-F238E27FC236}">
+                <a16:creationId xmlns:a16="http://schemas.microsoft.com/office/drawing/2014/main" id="{DB837195-1D8C-018A-6A69-9424AC03CBAB}"/>
+              </a:ext>
+            </a:extLst>
+          </p:cNvPr>
+          <p:cNvPicPr>
+            <a:picLocks noGrp="1" noChangeAspect="1"/>
+          </p:cNvPicPr>
+          <p:nvPr>
+            <p:ph sz="half" idx="2"/>
+          </p:nvPr>
+        </p:nvPicPr>
+        <p:blipFill>
+          <a:blip r:embed="rId3"/>
+          <a:srcRect l="11932"/>
+          <a:stretch/>
+        </p:blipFill>
+        <p:spPr>
+          <a:xfrm>
+            <a:off x="1636826" y="2074746"/>
+            <a:ext cx="2509961" cy="4330700"/>
+          </a:xfrm>
+        </p:spPr>
+      </p:pic>
+      <p:sp>
+        <p:nvSpPr>
+          <p:cNvPr id="5" name="Datumsplatzhalter 4">
+            <a:extLst>
+              <a:ext uri="{FF2B5EF4-FFF2-40B4-BE49-F238E27FC236}">
+                <a16:creationId xmlns:a16="http://schemas.microsoft.com/office/drawing/2014/main" id="{797C75E9-1A01-0510-7271-BFD588356DAE}"/>
+              </a:ext>
+            </a:extLst>
+          </p:cNvPr>
+          <p:cNvSpPr>
+            <a:spLocks noGrp="1"/>
+          </p:cNvSpPr>
+          <p:nvPr>
+            <p:ph type="dt" sz="half" idx="10"/>
+          </p:nvPr>
+        </p:nvSpPr>
+        <p:spPr/>
+        <p:txBody>
+          <a:bodyPr/>
+          <a:lstStyle/>
+          <a:p>
+            <a:fld id="{12AE7323-5CDD-4051-9975-1729D84443C7}" type="datetime1">
+              <a:rPr lang="de-DE" smtClean="0"/>
+              <a:t>12.12.2024</a:t>
+            </a:fld>
+            <a:endParaRPr lang="en-US"/>
+          </a:p>
+        </p:txBody>
+      </p:sp>
+      <p:sp>
+        <p:nvSpPr>
+          <p:cNvPr id="6" name="Foliennummernplatzhalter 5">
+            <a:extLst>
+              <a:ext uri="{FF2B5EF4-FFF2-40B4-BE49-F238E27FC236}">
+                <a16:creationId xmlns:a16="http://schemas.microsoft.com/office/drawing/2014/main" id="{332CAA81-192A-C96D-0378-51DE24B5C3B7}"/>
+              </a:ext>
+            </a:extLst>
+          </p:cNvPr>
+          <p:cNvSpPr>
+            <a:spLocks noGrp="1"/>
+          </p:cNvSpPr>
+          <p:nvPr>
+            <p:ph type="sldNum" sz="quarter" idx="12"/>
+          </p:nvPr>
+        </p:nvSpPr>
+        <p:spPr/>
+        <p:txBody>
+          <a:bodyPr/>
+          <a:lstStyle/>
+          <a:p>
+            <a:fld id="{07CE569E-9B7C-4CB9-AB80-C0841F922CFF}" type="slidenum">
+              <a:rPr lang="en-US" smtClean="0"/>
+              <a:t>9</a:t>
+            </a:fld>
+            <a:endParaRPr lang="en-US"/>
+          </a:p>
+        </p:txBody>
+      </p:sp>
+    </p:spTree>
+    <p:extLst>
+      <p:ext uri="{BB962C8B-B14F-4D97-AF65-F5344CB8AC3E}">
+        <p14:creationId xmlns:p14="http://schemas.microsoft.com/office/powerpoint/2010/main" val="2979015269"/>
+      </p:ext>
+    </p:extLst>
+  </p:cSld>
+  <p:clrMapOvr>
+    <a:masterClrMapping/>
+  </p:clrMapOvr>
 </p:sld>
 </file>
 

--- a/Dokumente/Sprint-Backlog/Sprint-Backlog2.pptx
+++ b/Dokumente/Sprint-Backlog/Sprint-Backlog2.pptx
@@ -14,8 +14,8 @@
     <p:sldId id="283" r:id="rId5"/>
     <p:sldId id="259" r:id="rId6"/>
     <p:sldId id="279" r:id="rId7"/>
-    <p:sldId id="281" r:id="rId8"/>
-    <p:sldId id="280" r:id="rId9"/>
+    <p:sldId id="280" r:id="rId8"/>
+    <p:sldId id="281" r:id="rId9"/>
     <p:sldId id="278" r:id="rId10"/>
     <p:sldId id="267" r:id="rId11"/>
     <p:sldId id="284" r:id="rId12"/>
@@ -539,7 +539,7 @@
           <a:p>
             <a:fld id="{7628164F-130E-49E7-B4EA-740541215FF9}" type="datetimeFigureOut">
               <a:rPr lang="de-DE" smtClean="0"/>
-              <a:t>12.12.2024</a:t>
+              <a:t>13.12.2024</a:t>
             </a:fld>
             <a:endParaRPr lang="de-DE"/>
           </a:p>
@@ -890,6 +890,118 @@
 </p:notes>
 </file>
 
+<file path=ppt/notesSlides/notesSlide2.xml><?xml version="1.0" encoding="utf-8"?>
+<p:notes xmlns:a="http://schemas.openxmlformats.org/drawingml/2006/main" xmlns:r="http://schemas.openxmlformats.org/officeDocument/2006/relationships" xmlns:p="http://schemas.openxmlformats.org/presentationml/2006/main">
+  <p:cSld>
+    <p:spTree>
+      <p:nvGrpSpPr>
+        <p:cNvPr id="1" name=""/>
+        <p:cNvGrpSpPr/>
+        <p:nvPr/>
+      </p:nvGrpSpPr>
+      <p:grpSpPr>
+        <a:xfrm>
+          <a:off x="0" y="0"/>
+          <a:ext cx="0" cy="0"/>
+          <a:chOff x="0" y="0"/>
+          <a:chExt cx="0" cy="0"/>
+        </a:xfrm>
+      </p:grpSpPr>
+      <p:sp>
+        <p:nvSpPr>
+          <p:cNvPr id="2" name="Folienbildplatzhalter 1"/>
+          <p:cNvSpPr>
+            <a:spLocks noGrp="1" noRot="1" noChangeAspect="1"/>
+          </p:cNvSpPr>
+          <p:nvPr>
+            <p:ph type="sldImg"/>
+          </p:nvPr>
+        </p:nvSpPr>
+        <p:spPr/>
+      </p:sp>
+      <p:sp>
+        <p:nvSpPr>
+          <p:cNvPr id="3" name="Notizenplatzhalter 2"/>
+          <p:cNvSpPr>
+            <a:spLocks noGrp="1"/>
+          </p:cNvSpPr>
+          <p:nvPr>
+            <p:ph type="body" idx="1"/>
+          </p:nvPr>
+        </p:nvSpPr>
+        <p:spPr/>
+        <p:txBody>
+          <a:bodyPr/>
+          <a:lstStyle/>
+          <a:p>
+            <a:r>
+              <a:rPr lang="en-US" dirty="0" err="1"/>
+              <a:t>Vorname</a:t>
+            </a:r>
+            <a:r>
+              <a:rPr lang="en-US" dirty="0"/>
+              <a:t> und </a:t>
+            </a:r>
+            <a:r>
+              <a:rPr lang="en-US" dirty="0" err="1"/>
+              <a:t>Nachname</a:t>
+            </a:r>
+            <a:r>
+              <a:rPr lang="en-US" dirty="0"/>
+              <a:t> </a:t>
+            </a:r>
+            <a:r>
+              <a:rPr lang="en-US" dirty="0" err="1"/>
+              <a:t>wurde</a:t>
+            </a:r>
+            <a:r>
+              <a:rPr lang="en-US" dirty="0"/>
+              <a:t> </a:t>
+            </a:r>
+            <a:r>
+              <a:rPr lang="en-US" dirty="0" err="1"/>
+              <a:t>entfernt</a:t>
+            </a:r>
+            <a:endParaRPr lang="de-DE" dirty="0"/>
+          </a:p>
+        </p:txBody>
+      </p:sp>
+      <p:sp>
+        <p:nvSpPr>
+          <p:cNvPr id="4" name="Foliennummernplatzhalter 3"/>
+          <p:cNvSpPr>
+            <a:spLocks noGrp="1"/>
+          </p:cNvSpPr>
+          <p:nvPr>
+            <p:ph type="sldNum" sz="quarter" idx="5"/>
+          </p:nvPr>
+        </p:nvSpPr>
+        <p:spPr/>
+        <p:txBody>
+          <a:bodyPr/>
+          <a:lstStyle/>
+          <a:p>
+            <a:fld id="{B8062E93-4410-40F6-8AB9-119AC591FA0D}" type="slidenum">
+              <a:rPr lang="de-DE" smtClean="0"/>
+              <a:t>6</a:t>
+            </a:fld>
+            <a:endParaRPr lang="de-DE"/>
+          </a:p>
+        </p:txBody>
+      </p:sp>
+    </p:spTree>
+    <p:extLst>
+      <p:ext uri="{BB962C8B-B14F-4D97-AF65-F5344CB8AC3E}">
+        <p14:creationId xmlns:p14="http://schemas.microsoft.com/office/powerpoint/2010/main" val="395456364"/>
+      </p:ext>
+    </p:extLst>
+  </p:cSld>
+  <p:clrMapOvr>
+    <a:masterClrMapping/>
+  </p:clrMapOvr>
+</p:notes>
+</file>
+
 <file path=ppt/slideLayouts/slideLayout1.xml><?xml version="1.0" encoding="utf-8"?>
 <p:sldLayout xmlns:a="http://schemas.openxmlformats.org/drawingml/2006/main" xmlns:r="http://schemas.openxmlformats.org/officeDocument/2006/relationships" xmlns:p="http://schemas.openxmlformats.org/presentationml/2006/main" type="title" preserve="1">
   <p:cSld name="Title Slide">
@@ -1037,7 +1149,7 @@
           <a:p>
             <a:fld id="{EFF128A2-C7E8-4B7B-8091-9AC752F728F8}" type="datetime1">
               <a:rPr lang="de-DE" smtClean="0"/>
-              <a:t>12.12.2024</a:t>
+              <a:t>13.12.2024</a:t>
             </a:fld>
             <a:endParaRPr lang="en-US"/>
           </a:p>
@@ -1235,7 +1347,7 @@
           <a:p>
             <a:fld id="{CD278108-7565-4086-A563-4BA2E64958FD}" type="datetime1">
               <a:rPr lang="de-DE" smtClean="0"/>
-              <a:t>12.12.2024</a:t>
+              <a:t>13.12.2024</a:t>
             </a:fld>
             <a:endParaRPr lang="en-US"/>
           </a:p>
@@ -1443,7 +1555,7 @@
           <a:p>
             <a:fld id="{E66CCB26-F45E-4B69-82BE-D569C28446C1}" type="datetime1">
               <a:rPr lang="de-DE" smtClean="0"/>
-              <a:t>12.12.2024</a:t>
+              <a:t>13.12.2024</a:t>
             </a:fld>
             <a:endParaRPr lang="en-US"/>
           </a:p>
@@ -1647,7 +1759,7 @@
           <a:p>
             <a:fld id="{42B45B56-1D88-4042-8DF0-EB6B41B710D3}" type="datetime1">
               <a:rPr lang="de-DE" smtClean="0"/>
-              <a:t>12.12.2024</a:t>
+              <a:t>13.12.2024</a:t>
             </a:fld>
             <a:endParaRPr lang="en-US"/>
           </a:p>
@@ -1922,7 +2034,7 @@
           <a:p>
             <a:fld id="{63213392-7725-4DB0-A75F-BB511BA574DC}" type="datetime1">
               <a:rPr lang="de-DE" smtClean="0"/>
-              <a:t>12.12.2024</a:t>
+              <a:t>13.12.2024</a:t>
             </a:fld>
             <a:endParaRPr lang="en-US"/>
           </a:p>
@@ -2187,7 +2299,7 @@
           <a:p>
             <a:fld id="{12AE7323-5CDD-4051-9975-1729D84443C7}" type="datetime1">
               <a:rPr lang="de-DE" smtClean="0"/>
-              <a:t>12.12.2024</a:t>
+              <a:t>13.12.2024</a:t>
             </a:fld>
             <a:endParaRPr lang="en-US"/>
           </a:p>
@@ -2599,7 +2711,7 @@
           <a:p>
             <a:fld id="{75919FF8-1369-4F22-8739-0971D22D8076}" type="datetime1">
               <a:rPr lang="de-DE" smtClean="0"/>
-              <a:t>12.12.2024</a:t>
+              <a:t>13.12.2024</a:t>
             </a:fld>
             <a:endParaRPr lang="en-US"/>
           </a:p>
@@ -2740,7 +2852,7 @@
           <a:p>
             <a:fld id="{07445AF5-82F2-43C2-816E-A9BEF34D89B7}" type="datetime1">
               <a:rPr lang="de-DE" smtClean="0"/>
-              <a:t>12.12.2024</a:t>
+              <a:t>13.12.2024</a:t>
             </a:fld>
             <a:endParaRPr lang="en-US"/>
           </a:p>
@@ -2853,7 +2965,7 @@
           <a:p>
             <a:fld id="{84700FD4-A8C8-481E-B7C9-06459B544445}" type="datetime1">
               <a:rPr lang="de-DE" smtClean="0"/>
-              <a:t>12.12.2024</a:t>
+              <a:t>13.12.2024</a:t>
             </a:fld>
             <a:endParaRPr lang="en-US"/>
           </a:p>
@@ -3165,7 +3277,7 @@
           <a:p>
             <a:fld id="{225DF808-C4B8-42BA-B4B9-08D42756061A}" type="datetime1">
               <a:rPr lang="de-DE" smtClean="0"/>
-              <a:t>12.12.2024</a:t>
+              <a:t>13.12.2024</a:t>
             </a:fld>
             <a:endParaRPr lang="en-US"/>
           </a:p>
@@ -3456,7 +3568,7 @@
           <a:p>
             <a:fld id="{C36BBF2E-DB4C-4E4C-81C8-BB88CDC14250}" type="datetime1">
               <a:rPr lang="de-DE" smtClean="0"/>
-              <a:t>12.12.2024</a:t>
+              <a:t>13.12.2024</a:t>
             </a:fld>
             <a:endParaRPr lang="en-US"/>
           </a:p>
@@ -4211,7 +4323,7 @@
           <a:p>
             <a:fld id="{7C1C68C6-DBC0-4157-B769-7CB85FE6437C}" type="datetime1">
               <a:rPr lang="de-DE" smtClean="0"/>
-              <a:t>12.12.2024</a:t>
+              <a:t>13.12.2024</a:t>
             </a:fld>
             <a:endParaRPr lang="en-US" dirty="0"/>
           </a:p>
@@ -5387,7 +5499,7 @@
           <a:p>
             <a:fld id="{42B45B56-1D88-4042-8DF0-EB6B41B710D3}" type="datetime1">
               <a:rPr lang="de-DE" noProof="0" smtClean="0"/>
-              <a:t>12.12.2024</a:t>
+              <a:t>13.12.2024</a:t>
             </a:fld>
             <a:endParaRPr lang="de-DE" noProof="0" dirty="0"/>
           </a:p>
@@ -5506,7 +5618,7 @@
           <p:nvPr>
             <p:extLst>
               <p:ext uri="{D42A27DB-BD31-4B8C-83A1-F6EECF244321}">
-                <p14:modId xmlns:p14="http://schemas.microsoft.com/office/powerpoint/2010/main" val="3081134989"/>
+                <p14:modId xmlns:p14="http://schemas.microsoft.com/office/powerpoint/2010/main" val="919441351"/>
               </p:ext>
             </p:extLst>
           </p:nvPr>
@@ -5928,7 +6040,7 @@
                     <a:p>
                       <a:r>
                         <a:rPr lang="de-DE" sz="1400" noProof="0" dirty="0"/>
-                        <a:t>6</a:t>
+                        <a:t>5</a:t>
                       </a:r>
                     </a:p>
                   </a:txBody>
@@ -6005,9 +6117,10 @@
                     <a:lstStyle/>
                     <a:p>
                       <a:r>
-                        <a:rPr lang="de-DE" sz="1400" noProof="0" dirty="0"/>
-                        <a:t>5</a:t>
+                        <a:rPr lang="en-US" sz="1400" noProof="0" dirty="0"/>
+                        <a:t>7</a:t>
                       </a:r>
+                      <a:endParaRPr lang="de-DE" sz="1400" noProof="0" dirty="0"/>
                     </a:p>
                   </a:txBody>
                   <a:tcPr/>
@@ -6089,9 +6202,10 @@
                     <a:lstStyle/>
                     <a:p>
                       <a:r>
-                        <a:rPr lang="de-DE" sz="1400" noProof="0" dirty="0"/>
-                        <a:t>6</a:t>
+                        <a:rPr lang="en-US" sz="1400" noProof="0" dirty="0"/>
+                        <a:t>5</a:t>
                       </a:r>
+                      <a:endParaRPr lang="de-DE" sz="1400" noProof="0" dirty="0"/>
                     </a:p>
                   </a:txBody>
                   <a:tcPr/>
@@ -6206,7 +6320,7 @@
           <a:p>
             <a:fld id="{42B45B56-1D88-4042-8DF0-EB6B41B710D3}" type="datetime1">
               <a:rPr lang="de-DE" noProof="0" smtClean="0"/>
-              <a:t>12.12.2024</a:t>
+              <a:t>13.12.2024</a:t>
             </a:fld>
             <a:endParaRPr lang="de-DE" noProof="0" dirty="0"/>
           </a:p>
@@ -6305,7 +6419,7 @@
                   <a:srgbClr val="FF0000"/>
                 </a:solidFill>
               </a:rPr>
-              <a:t>Summe  42</a:t>
+              <a:t>Summe  45</a:t>
             </a:r>
           </a:p>
         </p:txBody>
@@ -6325,7 +6439,7 @@
           <p:nvPr>
             <p:extLst>
               <p:ext uri="{D42A27DB-BD31-4B8C-83A1-F6EECF244321}">
-                <p14:modId xmlns:p14="http://schemas.microsoft.com/office/powerpoint/2010/main" val="2551488440"/>
+                <p14:modId xmlns:p14="http://schemas.microsoft.com/office/powerpoint/2010/main" val="284926538"/>
               </p:ext>
             </p:extLst>
           </p:nvPr>
@@ -6558,7 +6672,7 @@
                     <a:p>
                       <a:r>
                         <a:rPr lang="de-DE" sz="1400" noProof="0" dirty="0"/>
-                        <a:t>offen</a:t>
+                        <a:t>In Arbeit</a:t>
                       </a:r>
                     </a:p>
                   </a:txBody>
@@ -6662,9 +6776,10 @@
                     <a:lstStyle/>
                     <a:p>
                       <a:r>
-                        <a:rPr lang="de-DE" sz="1400" noProof="0" dirty="0"/>
-                        <a:t>4</a:t>
+                        <a:rPr lang="en-US" sz="1400" noProof="0" dirty="0"/>
+                        <a:t>7</a:t>
                       </a:r>
+                      <a:endParaRPr lang="de-DE" sz="1400" noProof="0" dirty="0"/>
                     </a:p>
                   </a:txBody>
                   <a:tcPr/>
@@ -6964,7 +7079,7 @@
           <a:p>
             <a:fld id="{42B45B56-1D88-4042-8DF0-EB6B41B710D3}" type="datetime1">
               <a:rPr lang="de-DE" noProof="0" smtClean="0"/>
-              <a:t>12.12.2024</a:t>
+              <a:t>13.12.2024</a:t>
             </a:fld>
             <a:endParaRPr lang="de-DE" noProof="0" dirty="0"/>
           </a:p>
@@ -7014,14 +7129,14 @@
           <p:nvPr>
             <p:extLst>
               <p:ext uri="{D42A27DB-BD31-4B8C-83A1-F6EECF244321}">
-                <p14:modId xmlns:p14="http://schemas.microsoft.com/office/powerpoint/2010/main" val="3392214830"/>
+                <p14:modId xmlns:p14="http://schemas.microsoft.com/office/powerpoint/2010/main" val="1460256789"/>
               </p:ext>
             </p:extLst>
           </p:nvPr>
         </p:nvGraphicFramePr>
         <p:xfrm>
           <a:off x="911224" y="2587186"/>
-          <a:ext cx="8718551" cy="3508815"/>
+          <a:ext cx="8718551" cy="3601052"/>
         </p:xfrm>
         <a:graphic>
           <a:graphicData uri="http://schemas.openxmlformats.org/drawingml/2006/table">
@@ -7137,7 +7252,7 @@
                       </a:pPr>
                       <a:r>
                         <a:rPr lang="de-DE" sz="1400" noProof="0" dirty="0"/>
-                        <a:t>Intuitiv bedienbar</a:t>
+                        <a:t>Einheitliches Design.</a:t>
                       </a:r>
                     </a:p>
                     <a:p>
@@ -7160,7 +7275,7 @@
                       </a:pPr>
                       <a:r>
                         <a:rPr lang="de-DE" sz="1400" noProof="0" dirty="0"/>
-                        <a:t>optisch ansprechend</a:t>
+                        <a:t>Farbabstimmung (Hoher Kontrast wenn nötig).</a:t>
                       </a:r>
                     </a:p>
                   </a:txBody>
@@ -7197,7 +7312,7 @@
                       </a:pPr>
                       <a:r>
                         <a:rPr lang="de-DE" sz="1400" noProof="0" dirty="0"/>
-                        <a:t>Bereitgestellt auf Server</a:t>
+                        <a:t>Bereitgestellt auf Server.</a:t>
                       </a:r>
                     </a:p>
                     <a:p>
@@ -7207,7 +7322,7 @@
                       </a:pPr>
                       <a:r>
                         <a:rPr lang="de-DE" sz="1400" noProof="0" dirty="0"/>
-                        <a:t>Erreichbar (mind.) aus gleichem Netzwerk</a:t>
+                        <a:t>Erreichbar (mind.) aus gleichem Netzwerk.</a:t>
                       </a:r>
                     </a:p>
                   </a:txBody>
@@ -7244,7 +7359,17 @@
                       </a:pPr>
                       <a:r>
                         <a:rPr lang="de-DE" sz="1400" noProof="0" dirty="0"/>
-                        <a:t>Daten können von API abgerufen werden</a:t>
+                        <a:t>Daten können von API abgerufen werden.</a:t>
+                      </a:r>
+                    </a:p>
+                    <a:p>
+                      <a:pPr marL="285750" indent="-285750">
+                        <a:buFont typeface="Arial" panose="020B0604020202020204" pitchFamily="34" charset="0"/>
+                        <a:buChar char="•"/>
+                      </a:pPr>
+                      <a:r>
+                        <a:rPr lang="de-DE" sz="1400" noProof="0" dirty="0"/>
+                        <a:t>Daten können gespeichert werden.</a:t>
                       </a:r>
                     </a:p>
                   </a:txBody>
@@ -7281,7 +7406,7 @@
                       </a:pPr>
                       <a:r>
                         <a:rPr lang="de-DE" sz="1400" noProof="0" dirty="0"/>
-                        <a:t>Daten aus API werden angezeigt</a:t>
+                        <a:t>Daten aus API werden dem Kunden angezeigt.</a:t>
                       </a:r>
                     </a:p>
                   </a:txBody>
@@ -7318,7 +7443,7 @@
                       </a:pPr>
                       <a:r>
                         <a:rPr lang="de-DE" sz="1400" noProof="0" dirty="0"/>
-                        <a:t>Wechseln zwischen Ansichten</a:t>
+                        <a:t>Wechseln zwischen Ansichten.</a:t>
                       </a:r>
                     </a:p>
                     <a:p>
@@ -7328,7 +7453,7 @@
                       </a:pPr>
                       <a:r>
                         <a:rPr lang="de-DE" sz="1400" noProof="0" dirty="0"/>
-                        <a:t>Gruppierung ist möglich</a:t>
+                        <a:t>Gruppierung ist möglich.</a:t>
                       </a:r>
                     </a:p>
                   </a:txBody>
@@ -7471,16 +7596,16 @@
           </a:p>
           <a:p>
             <a:r>
+              <a:rPr lang="de-DE" dirty="0"/>
+              <a:t>Hosting.</a:t>
+            </a:r>
+            <a:endParaRPr lang="de-DE" sz="2800" dirty="0"/>
+          </a:p>
+          <a:p>
+            <a:r>
               <a:rPr lang="de-DE" sz="2800" dirty="0"/>
-              <a:t>(evtl. Küchenansicht optimieren).</a:t>
-            </a:r>
-          </a:p>
-          <a:p>
-            <a:r>
-              <a:rPr lang="de-DE" dirty="0"/>
-              <a:t>Hosting</a:t>
-            </a:r>
-            <a:endParaRPr lang="de-DE" sz="2800" dirty="0"/>
+              <a:t>Küchenansicht optimieren.</a:t>
+            </a:r>
           </a:p>
         </p:txBody>
       </p:sp>
@@ -7507,7 +7632,7 @@
           <a:p>
             <a:fld id="{42B45B56-1D88-4042-8DF0-EB6B41B710D3}" type="datetime1">
               <a:rPr lang="de-DE" noProof="0" smtClean="0"/>
-              <a:t>12.12.2024</a:t>
+              <a:t>13.12.2024</a:t>
             </a:fld>
             <a:endParaRPr lang="de-DE" noProof="0" dirty="0"/>
           </a:p>
@@ -7752,7 +7877,7 @@
           <a:p>
             <a:fld id="{42B45B56-1D88-4042-8DF0-EB6B41B710D3}" type="datetime1">
               <a:rPr lang="de-DE" noProof="0" smtClean="0"/>
-              <a:t>12.12.2024</a:t>
+              <a:t>13.12.2024</a:t>
             </a:fld>
             <a:endParaRPr lang="de-DE" noProof="0" dirty="0"/>
           </a:p>
@@ -7988,7 +8113,7 @@
           <a:p>
             <a:fld id="{42B45B56-1D88-4042-8DF0-EB6B41B710D3}" type="datetime1">
               <a:rPr lang="de-DE" noProof="0" smtClean="0"/>
-              <a:t>12.12.2024</a:t>
+              <a:t>13.12.2024</a:t>
             </a:fld>
             <a:endParaRPr lang="de-DE" noProof="0" dirty="0"/>
           </a:p>
@@ -8917,7 +9042,7 @@
                   <a:spcPts val="600"/>
                 </a:spcAft>
               </a:pPr>
-              <a:t>12/12/2024</a:t>
+              <a:t>12/13/2024</a:t>
             </a:fld>
             <a:endParaRPr lang="en-US" noProof="0">
               <a:solidFill>
@@ -9579,7 +9704,7 @@
           <a:p>
             <a:fld id="{AE5E781B-AB27-45A9-B2F3-7F70593BE83B}" type="datetime1">
               <a:rPr lang="de-DE" noProof="0" smtClean="0"/>
-              <a:t>12.12.2024</a:t>
+              <a:t>13.12.2024</a:t>
             </a:fld>
             <a:endParaRPr lang="de-DE" noProof="0" dirty="0"/>
           </a:p>
@@ -9695,7 +9820,7 @@
           <a:p>
             <a:fld id="{42B45B56-1D88-4042-8DF0-EB6B41B710D3}" type="datetime1">
               <a:rPr lang="de-DE" noProof="0" smtClean="0"/>
-              <a:t>12.12.2024</a:t>
+              <a:t>13.12.2024</a:t>
             </a:fld>
             <a:endParaRPr lang="de-DE" noProof="0" dirty="0"/>
           </a:p>
@@ -10190,6 +10315,49 @@
           </a:p>
         </p:txBody>
       </p:sp>
+      <p:cxnSp>
+        <p:nvCxnSpPr>
+          <p:cNvPr id="5" name="Gerader Verbinder 4">
+            <a:extLst>
+              <a:ext uri="{FF2B5EF4-FFF2-40B4-BE49-F238E27FC236}">
+                <a16:creationId xmlns:a16="http://schemas.microsoft.com/office/drawing/2014/main" id="{617948A6-7F12-C89C-7D62-CDE1E71E504E}"/>
+              </a:ext>
+            </a:extLst>
+          </p:cNvPr>
+          <p:cNvCxnSpPr>
+            <a:cxnSpLocks/>
+          </p:cNvCxnSpPr>
+          <p:nvPr/>
+        </p:nvCxnSpPr>
+        <p:spPr>
+          <a:xfrm>
+            <a:off x="5823930" y="2491587"/>
+            <a:ext cx="0" cy="2430217"/>
+          </a:xfrm>
+          <a:prstGeom prst="line">
+            <a:avLst/>
+          </a:prstGeom>
+          <a:ln w="28575">
+            <a:solidFill>
+              <a:srgbClr val="0A2012"/>
+            </a:solidFill>
+          </a:ln>
+        </p:spPr>
+        <p:style>
+          <a:lnRef idx="1">
+            <a:schemeClr val="accent5"/>
+          </a:lnRef>
+          <a:fillRef idx="0">
+            <a:schemeClr val="accent5"/>
+          </a:fillRef>
+          <a:effectRef idx="0">
+            <a:schemeClr val="accent5"/>
+          </a:effectRef>
+          <a:fontRef idx="minor">
+            <a:schemeClr val="tx1"/>
+          </a:fontRef>
+        </p:style>
+      </p:cxnSp>
     </p:spTree>
     <p:extLst>
       <p:ext uri="{BB962C8B-B14F-4D97-AF65-F5344CB8AC3E}">
@@ -10339,7 +10507,12 @@
             <p:ph type="body" sz="quarter" idx="3"/>
           </p:nvPr>
         </p:nvSpPr>
-        <p:spPr/>
+        <p:spPr>
+          <a:xfrm>
+            <a:off x="5913119" y="2285999"/>
+            <a:ext cx="5151122" cy="761999"/>
+          </a:xfrm>
+        </p:spPr>
         <p:txBody>
           <a:bodyPr/>
           <a:lstStyle/>
@@ -10367,7 +10540,12 @@
             <p:ph sz="quarter" idx="4"/>
           </p:nvPr>
         </p:nvSpPr>
-        <p:spPr/>
+        <p:spPr>
+          <a:xfrm>
+            <a:off x="5913116" y="3048000"/>
+            <a:ext cx="5151122" cy="3048000"/>
+          </a:xfrm>
+        </p:spPr>
         <p:txBody>
           <a:bodyPr>
             <a:normAutofit/>
@@ -10410,7 +10588,7 @@
           <a:p>
             <a:fld id="{75919FF8-1369-4F22-8739-0971D22D8076}" type="datetime1">
               <a:rPr lang="de-DE" smtClean="0"/>
-              <a:t>12.12.2024</a:t>
+              <a:t>13.12.2024</a:t>
             </a:fld>
             <a:endParaRPr lang="en-US"/>
           </a:p>
@@ -10445,6 +10623,49 @@
           </a:p>
         </p:txBody>
       </p:sp>
+      <p:cxnSp>
+        <p:nvCxnSpPr>
+          <p:cNvPr id="9" name="Gerader Verbinder 8">
+            <a:extLst>
+              <a:ext uri="{FF2B5EF4-FFF2-40B4-BE49-F238E27FC236}">
+                <a16:creationId xmlns:a16="http://schemas.microsoft.com/office/drawing/2014/main" id="{9B3599F2-3BC9-475F-FEBB-ECCD58609176}"/>
+              </a:ext>
+            </a:extLst>
+          </p:cNvPr>
+          <p:cNvCxnSpPr>
+            <a:cxnSpLocks/>
+          </p:cNvCxnSpPr>
+          <p:nvPr/>
+        </p:nvCxnSpPr>
+        <p:spPr>
+          <a:xfrm>
+            <a:off x="5823930" y="2491587"/>
+            <a:ext cx="0" cy="2430217"/>
+          </a:xfrm>
+          <a:prstGeom prst="line">
+            <a:avLst/>
+          </a:prstGeom>
+          <a:ln w="28575">
+            <a:solidFill>
+              <a:srgbClr val="0A2012"/>
+            </a:solidFill>
+          </a:ln>
+        </p:spPr>
+        <p:style>
+          <a:lnRef idx="1">
+            <a:schemeClr val="accent5"/>
+          </a:lnRef>
+          <a:fillRef idx="0">
+            <a:schemeClr val="accent5"/>
+          </a:fillRef>
+          <a:effectRef idx="0">
+            <a:schemeClr val="accent5"/>
+          </a:effectRef>
+          <a:fontRef idx="minor">
+            <a:schemeClr val="tx1"/>
+          </a:fontRef>
+        </p:style>
+      </p:cxnSp>
     </p:spTree>
     <p:extLst>
       <p:ext uri="{BB962C8B-B14F-4D97-AF65-F5344CB8AC3E}">
@@ -10526,7 +10747,7 @@
           <a:p>
             <a:fld id="{42B45B56-1D88-4042-8DF0-EB6B41B710D3}" type="datetime1">
               <a:rPr lang="de-DE" noProof="0" smtClean="0"/>
-              <a:t>12.12.2024</a:t>
+              <a:t>13.12.2024</a:t>
             </a:fld>
             <a:endParaRPr lang="de-DE" noProof="0" dirty="0"/>
           </a:p>
@@ -10789,7 +11010,7 @@
           <a:p>
             <a:r>
               <a:rPr lang="de-DE" sz="2400" dirty="0"/>
-              <a:t>Absenden der Bestellung für spezifische Tischnummer.</a:t>
+              <a:t>Absenden der Bestellung mit spezifische Tischnummer.</a:t>
             </a:r>
           </a:p>
           <a:p>
@@ -11023,7 +11244,7 @@
           <a:p>
             <a:fld id="{42B45B56-1D88-4042-8DF0-EB6B41B710D3}" type="datetime1">
               <a:rPr lang="de-DE" noProof="0" smtClean="0"/>
-              <a:t>12.12.2024</a:t>
+              <a:t>13.12.2024</a:t>
             </a:fld>
             <a:endParaRPr lang="de-DE" noProof="0" dirty="0"/>
           </a:p>
@@ -11075,18 +11296,78 @@
           </p:nvPr>
         </p:nvPicPr>
         <p:blipFill>
-          <a:blip r:embed="rId2"/>
+          <a:blip r:embed="rId3"/>
           <a:stretch>
             <a:fillRect/>
           </a:stretch>
         </p:blipFill>
         <p:spPr>
           <a:xfrm>
-            <a:off x="762000" y="2674164"/>
+            <a:off x="762000" y="3062308"/>
             <a:ext cx="10668000" cy="2517734"/>
           </a:xfrm>
         </p:spPr>
       </p:pic>
+      <p:sp>
+        <p:nvSpPr>
+          <p:cNvPr id="6" name="Textfeld 5">
+            <a:extLst>
+              <a:ext uri="{FF2B5EF4-FFF2-40B4-BE49-F238E27FC236}">
+                <a16:creationId xmlns:a16="http://schemas.microsoft.com/office/drawing/2014/main" id="{A5E046D2-26E7-3E5E-E5D3-070C9EE2B89D}"/>
+              </a:ext>
+            </a:extLst>
+          </p:cNvPr>
+          <p:cNvSpPr txBox="1"/>
+          <p:nvPr/>
+        </p:nvSpPr>
+        <p:spPr>
+          <a:xfrm>
+            <a:off x="1601733" y="2373852"/>
+            <a:ext cx="3270975" cy="646331"/>
+          </a:xfrm>
+          <a:prstGeom prst="rect">
+            <a:avLst/>
+          </a:prstGeom>
+          <a:noFill/>
+        </p:spPr>
+        <p:txBody>
+          <a:bodyPr wrap="square" rtlCol="0">
+            <a:spAutoFit/>
+          </a:bodyPr>
+          <a:lstStyle/>
+          <a:p>
+            <a:r>
+              <a:rPr lang="en-US" b="1" dirty="0" err="1"/>
+              <a:t>Ansicht</a:t>
+            </a:r>
+            <a:r>
+              <a:rPr lang="en-US" b="1" dirty="0"/>
+              <a:t> </a:t>
+            </a:r>
+            <a:r>
+              <a:rPr lang="en-US" b="1" dirty="0" err="1"/>
+              <a:t>Warenkorb</a:t>
+            </a:r>
+            <a:r>
+              <a:rPr lang="en-US" b="1" dirty="0"/>
+              <a:t> + </a:t>
+            </a:r>
+            <a:r>
+              <a:rPr lang="en-US" b="1" dirty="0" err="1"/>
+              <a:t>Absenden</a:t>
+            </a:r>
+            <a:r>
+              <a:rPr lang="en-US" b="1" dirty="0"/>
+              <a:t> der </a:t>
+            </a:r>
+            <a:r>
+              <a:rPr lang="en-US" b="1" dirty="0" err="1"/>
+              <a:t>Bestellung</a:t>
+            </a:r>
+            <a:endParaRPr lang="de-DE" b="1" dirty="0"/>
+          </a:p>
+        </p:txBody>
+      </p:sp>
     </p:spTree>
     <p:extLst>
       <p:ext uri="{BB962C8B-B14F-4D97-AF65-F5344CB8AC3E}">
@@ -11117,229 +11398,6 @@
           <a:chExt cx="0" cy="0"/>
         </a:xfrm>
       </p:grpSpPr>
-      <p:sp>
-        <p:nvSpPr>
-          <p:cNvPr id="2" name="Titel 1">
-            <a:extLst>
-              <a:ext uri="{FF2B5EF4-FFF2-40B4-BE49-F238E27FC236}">
-                <a16:creationId xmlns:a16="http://schemas.microsoft.com/office/drawing/2014/main" id="{87F9582B-573F-6C3F-9FF6-79F513507039}"/>
-              </a:ext>
-            </a:extLst>
-          </p:cNvPr>
-          <p:cNvSpPr>
-            <a:spLocks noGrp="1"/>
-          </p:cNvSpPr>
-          <p:nvPr>
-            <p:ph type="title"/>
-          </p:nvPr>
-        </p:nvSpPr>
-        <p:spPr/>
-        <p:txBody>
-          <a:bodyPr/>
-          <a:lstStyle/>
-          <a:p>
-            <a:r>
-              <a:rPr lang="de-DE" noProof="0" dirty="0"/>
-              <a:t>3. Produktzwischenstand</a:t>
-            </a:r>
-            <a:endParaRPr lang="de-DE" dirty="0"/>
-          </a:p>
-        </p:txBody>
-      </p:sp>
-      <p:pic>
-        <p:nvPicPr>
-          <p:cNvPr id="8" name="Inhaltsplatzhalter 7">
-            <a:extLst>
-              <a:ext uri="{FF2B5EF4-FFF2-40B4-BE49-F238E27FC236}">
-                <a16:creationId xmlns:a16="http://schemas.microsoft.com/office/drawing/2014/main" id="{89D96468-9780-240A-56FA-84295FDBCC1C}"/>
-              </a:ext>
-            </a:extLst>
-          </p:cNvPr>
-          <p:cNvPicPr>
-            <a:picLocks noGrp="1" noChangeAspect="1"/>
-          </p:cNvPicPr>
-          <p:nvPr>
-            <p:ph sz="half" idx="1"/>
-          </p:nvPr>
-        </p:nvPicPr>
-        <p:blipFill>
-          <a:blip r:embed="rId2"/>
-          <a:stretch>
-            <a:fillRect/>
-          </a:stretch>
-        </p:blipFill>
-        <p:spPr>
-          <a:xfrm>
-            <a:off x="3359512" y="3145429"/>
-            <a:ext cx="2312988" cy="2760310"/>
-          </a:xfrm>
-        </p:spPr>
-      </p:pic>
-      <p:pic>
-        <p:nvPicPr>
-          <p:cNvPr id="10" name="Inhaltsplatzhalter 9">
-            <a:extLst>
-              <a:ext uri="{FF2B5EF4-FFF2-40B4-BE49-F238E27FC236}">
-                <a16:creationId xmlns:a16="http://schemas.microsoft.com/office/drawing/2014/main" id="{6843604E-ED7A-B33A-4642-83B2BEF11CAC}"/>
-              </a:ext>
-            </a:extLst>
-          </p:cNvPr>
-          <p:cNvPicPr>
-            <a:picLocks noGrp="1" noChangeAspect="1"/>
-          </p:cNvPicPr>
-          <p:nvPr>
-            <p:ph sz="half" idx="2"/>
-          </p:nvPr>
-        </p:nvPicPr>
-        <p:blipFill>
-          <a:blip r:embed="rId3"/>
-          <a:stretch>
-            <a:fillRect/>
-          </a:stretch>
-        </p:blipFill>
-        <p:spPr>
-          <a:xfrm>
-            <a:off x="8096938" y="2476260"/>
-            <a:ext cx="1514686" cy="3429479"/>
-          </a:xfrm>
-        </p:spPr>
-      </p:pic>
-      <p:sp>
-        <p:nvSpPr>
-          <p:cNvPr id="5" name="Datumsplatzhalter 4">
-            <a:extLst>
-              <a:ext uri="{FF2B5EF4-FFF2-40B4-BE49-F238E27FC236}">
-                <a16:creationId xmlns:a16="http://schemas.microsoft.com/office/drawing/2014/main" id="{6AF35EB7-BF13-9CF9-818F-42D64D4D5E06}"/>
-              </a:ext>
-            </a:extLst>
-          </p:cNvPr>
-          <p:cNvSpPr>
-            <a:spLocks noGrp="1"/>
-          </p:cNvSpPr>
-          <p:nvPr>
-            <p:ph type="dt" sz="half" idx="10"/>
-          </p:nvPr>
-        </p:nvSpPr>
-        <p:spPr/>
-        <p:txBody>
-          <a:bodyPr/>
-          <a:lstStyle/>
-          <a:p>
-            <a:fld id="{12AE7323-5CDD-4051-9975-1729D84443C7}" type="datetime1">
-              <a:rPr lang="de-DE" smtClean="0"/>
-              <a:t>12.12.2024</a:t>
-            </a:fld>
-            <a:endParaRPr lang="en-US"/>
-          </a:p>
-        </p:txBody>
-      </p:sp>
-      <p:sp>
-        <p:nvSpPr>
-          <p:cNvPr id="6" name="Foliennummernplatzhalter 5">
-            <a:extLst>
-              <a:ext uri="{FF2B5EF4-FFF2-40B4-BE49-F238E27FC236}">
-                <a16:creationId xmlns:a16="http://schemas.microsoft.com/office/drawing/2014/main" id="{65FC5FEC-C21A-BF50-7AE5-B7D6995E7EA3}"/>
-              </a:ext>
-            </a:extLst>
-          </p:cNvPr>
-          <p:cNvSpPr>
-            <a:spLocks noGrp="1"/>
-          </p:cNvSpPr>
-          <p:nvPr>
-            <p:ph type="sldNum" sz="quarter" idx="12"/>
-          </p:nvPr>
-        </p:nvSpPr>
-        <p:spPr/>
-        <p:txBody>
-          <a:bodyPr/>
-          <a:lstStyle/>
-          <a:p>
-            <a:fld id="{07CE569E-9B7C-4CB9-AB80-C0841F922CFF}" type="slidenum">
-              <a:rPr lang="en-US" smtClean="0"/>
-              <a:t>7</a:t>
-            </a:fld>
-            <a:endParaRPr lang="en-US"/>
-          </a:p>
-        </p:txBody>
-      </p:sp>
-      <p:sp>
-        <p:nvSpPr>
-          <p:cNvPr id="3" name="Textfeld 2">
-            <a:extLst>
-              <a:ext uri="{FF2B5EF4-FFF2-40B4-BE49-F238E27FC236}">
-                <a16:creationId xmlns:a16="http://schemas.microsoft.com/office/drawing/2014/main" id="{D9DF8A3A-B0A3-6DF4-3436-4938E6B4F2B5}"/>
-              </a:ext>
-            </a:extLst>
-          </p:cNvPr>
-          <p:cNvSpPr txBox="1"/>
-          <p:nvPr/>
-        </p:nvSpPr>
-        <p:spPr>
-          <a:xfrm>
-            <a:off x="1245793" y="2684065"/>
-            <a:ext cx="6026448" cy="369332"/>
-          </a:xfrm>
-          <a:prstGeom prst="rect">
-            <a:avLst/>
-          </a:prstGeom>
-          <a:noFill/>
-        </p:spPr>
-        <p:txBody>
-          <a:bodyPr wrap="square" rtlCol="0">
-            <a:spAutoFit/>
-          </a:bodyPr>
-          <a:lstStyle/>
-          <a:p>
-            <a:r>
-              <a:rPr lang="en-US" b="1" dirty="0"/>
-              <a:t>Login für </a:t>
-            </a:r>
-            <a:r>
-              <a:rPr lang="en-US" b="1" dirty="0" err="1"/>
-              <a:t>Küchen</a:t>
-            </a:r>
-            <a:r>
-              <a:rPr lang="en-US" b="1" dirty="0"/>
-              <a:t>-Mitarbeiter + </a:t>
-            </a:r>
-            <a:r>
-              <a:rPr lang="en-US" b="1" dirty="0" err="1"/>
-              <a:t>Küchen-Ansicht</a:t>
-            </a:r>
-            <a:endParaRPr lang="de-DE" b="1" dirty="0"/>
-          </a:p>
-        </p:txBody>
-      </p:sp>
-    </p:spTree>
-    <p:extLst>
-      <p:ext uri="{BB962C8B-B14F-4D97-AF65-F5344CB8AC3E}">
-        <p14:creationId xmlns:p14="http://schemas.microsoft.com/office/powerpoint/2010/main" val="2028140012"/>
-      </p:ext>
-    </p:extLst>
-  </p:cSld>
-  <p:clrMapOvr>
-    <a:masterClrMapping/>
-  </p:clrMapOvr>
-</p:sld>
-</file>
-
-<file path=ppt/slides/slide8.xml><?xml version="1.0" encoding="utf-8"?>
-<p:sld xmlns:a="http://schemas.openxmlformats.org/drawingml/2006/main" xmlns:r="http://schemas.openxmlformats.org/officeDocument/2006/relationships" xmlns:p="http://schemas.openxmlformats.org/presentationml/2006/main">
-  <p:cSld>
-    <p:spTree>
-      <p:nvGrpSpPr>
-        <p:cNvPr id="1" name=""/>
-        <p:cNvGrpSpPr/>
-        <p:nvPr/>
-      </p:nvGrpSpPr>
-      <p:grpSpPr>
-        <a:xfrm>
-          <a:off x="0" y="0"/>
-          <a:ext cx="0" cy="0"/>
-          <a:chOff x="0" y="0"/>
-          <a:chExt cx="0" cy="0"/>
-        </a:xfrm>
-      </p:grpSpPr>
       <p:pic>
         <p:nvPicPr>
           <p:cNvPr id="11" name="Grafik 10">
@@ -11422,7 +11480,7 @@
           <a:p>
             <a:fld id="{12AE7323-5CDD-4051-9975-1729D84443C7}" type="datetime1">
               <a:rPr lang="de-DE" smtClean="0"/>
-              <a:t>12.12.2024</a:t>
+              <a:t>13.12.2024</a:t>
             </a:fld>
             <a:endParaRPr lang="en-US"/>
           </a:p>
@@ -11451,7 +11509,7 @@
           <a:p>
             <a:fld id="{07CE569E-9B7C-4CB9-AB80-C0841F922CFF}" type="slidenum">
               <a:rPr lang="en-US" smtClean="0"/>
-              <a:t>8</a:t>
+              <a:t>7</a:t>
             </a:fld>
             <a:endParaRPr lang="en-US"/>
           </a:p>
@@ -11753,6 +11811,236 @@
 </p:sld>
 </file>
 
+<file path=ppt/slides/slide8.xml><?xml version="1.0" encoding="utf-8"?>
+<p:sld xmlns:a="http://schemas.openxmlformats.org/drawingml/2006/main" xmlns:r="http://schemas.openxmlformats.org/officeDocument/2006/relationships" xmlns:p="http://schemas.openxmlformats.org/presentationml/2006/main">
+  <p:cSld>
+    <p:spTree>
+      <p:nvGrpSpPr>
+        <p:cNvPr id="1" name=""/>
+        <p:cNvGrpSpPr/>
+        <p:nvPr/>
+      </p:nvGrpSpPr>
+      <p:grpSpPr>
+        <a:xfrm>
+          <a:off x="0" y="0"/>
+          <a:ext cx="0" cy="0"/>
+          <a:chOff x="0" y="0"/>
+          <a:chExt cx="0" cy="0"/>
+        </a:xfrm>
+      </p:grpSpPr>
+      <p:sp>
+        <p:nvSpPr>
+          <p:cNvPr id="2" name="Titel 1">
+            <a:extLst>
+              <a:ext uri="{FF2B5EF4-FFF2-40B4-BE49-F238E27FC236}">
+                <a16:creationId xmlns:a16="http://schemas.microsoft.com/office/drawing/2014/main" id="{87F9582B-573F-6C3F-9FF6-79F513507039}"/>
+              </a:ext>
+            </a:extLst>
+          </p:cNvPr>
+          <p:cNvSpPr>
+            <a:spLocks noGrp="1"/>
+          </p:cNvSpPr>
+          <p:nvPr>
+            <p:ph type="title"/>
+          </p:nvPr>
+        </p:nvSpPr>
+        <p:spPr/>
+        <p:txBody>
+          <a:bodyPr/>
+          <a:lstStyle/>
+          <a:p>
+            <a:r>
+              <a:rPr lang="de-DE" noProof="0" dirty="0"/>
+              <a:t>3. Produktzwischenstand</a:t>
+            </a:r>
+            <a:endParaRPr lang="de-DE" dirty="0"/>
+          </a:p>
+        </p:txBody>
+      </p:sp>
+      <p:sp>
+        <p:nvSpPr>
+          <p:cNvPr id="5" name="Datumsplatzhalter 4">
+            <a:extLst>
+              <a:ext uri="{FF2B5EF4-FFF2-40B4-BE49-F238E27FC236}">
+                <a16:creationId xmlns:a16="http://schemas.microsoft.com/office/drawing/2014/main" id="{6AF35EB7-BF13-9CF9-818F-42D64D4D5E06}"/>
+              </a:ext>
+            </a:extLst>
+          </p:cNvPr>
+          <p:cNvSpPr>
+            <a:spLocks noGrp="1"/>
+          </p:cNvSpPr>
+          <p:nvPr>
+            <p:ph type="dt" sz="half" idx="10"/>
+          </p:nvPr>
+        </p:nvSpPr>
+        <p:spPr/>
+        <p:txBody>
+          <a:bodyPr/>
+          <a:lstStyle/>
+          <a:p>
+            <a:fld id="{12AE7323-5CDD-4051-9975-1729D84443C7}" type="datetime1">
+              <a:rPr lang="de-DE" smtClean="0"/>
+              <a:t>13.12.2024</a:t>
+            </a:fld>
+            <a:endParaRPr lang="en-US"/>
+          </a:p>
+        </p:txBody>
+      </p:sp>
+      <p:sp>
+        <p:nvSpPr>
+          <p:cNvPr id="6" name="Foliennummernplatzhalter 5">
+            <a:extLst>
+              <a:ext uri="{FF2B5EF4-FFF2-40B4-BE49-F238E27FC236}">
+                <a16:creationId xmlns:a16="http://schemas.microsoft.com/office/drawing/2014/main" id="{65FC5FEC-C21A-BF50-7AE5-B7D6995E7EA3}"/>
+              </a:ext>
+            </a:extLst>
+          </p:cNvPr>
+          <p:cNvSpPr>
+            <a:spLocks noGrp="1"/>
+          </p:cNvSpPr>
+          <p:nvPr>
+            <p:ph type="sldNum" sz="quarter" idx="12"/>
+          </p:nvPr>
+        </p:nvSpPr>
+        <p:spPr/>
+        <p:txBody>
+          <a:bodyPr/>
+          <a:lstStyle/>
+          <a:p>
+            <a:fld id="{07CE569E-9B7C-4CB9-AB80-C0841F922CFF}" type="slidenum">
+              <a:rPr lang="en-US" smtClean="0"/>
+              <a:t>8</a:t>
+            </a:fld>
+            <a:endParaRPr lang="en-US"/>
+          </a:p>
+        </p:txBody>
+      </p:sp>
+      <p:sp>
+        <p:nvSpPr>
+          <p:cNvPr id="3" name="Textfeld 2">
+            <a:extLst>
+              <a:ext uri="{FF2B5EF4-FFF2-40B4-BE49-F238E27FC236}">
+                <a16:creationId xmlns:a16="http://schemas.microsoft.com/office/drawing/2014/main" id="{D9DF8A3A-B0A3-6DF4-3436-4938E6B4F2B5}"/>
+              </a:ext>
+            </a:extLst>
+          </p:cNvPr>
+          <p:cNvSpPr txBox="1"/>
+          <p:nvPr/>
+        </p:nvSpPr>
+        <p:spPr>
+          <a:xfrm>
+            <a:off x="1986846" y="2708613"/>
+            <a:ext cx="3890803" cy="646331"/>
+          </a:xfrm>
+          <a:prstGeom prst="rect">
+            <a:avLst/>
+          </a:prstGeom>
+          <a:noFill/>
+        </p:spPr>
+        <p:txBody>
+          <a:bodyPr wrap="square" rtlCol="0">
+            <a:spAutoFit/>
+          </a:bodyPr>
+          <a:lstStyle/>
+          <a:p>
+            <a:r>
+              <a:rPr lang="en-US" b="1" dirty="0"/>
+              <a:t>Login für </a:t>
+            </a:r>
+            <a:r>
+              <a:rPr lang="en-US" b="1" dirty="0" err="1"/>
+              <a:t>Küchen</a:t>
+            </a:r>
+            <a:r>
+              <a:rPr lang="en-US" b="1" dirty="0"/>
+              <a:t>-Mitarbeiter +</a:t>
+            </a:r>
+          </a:p>
+          <a:p>
+            <a:r>
+              <a:rPr lang="en-US" b="1" dirty="0"/>
+              <a:t> </a:t>
+            </a:r>
+            <a:r>
+              <a:rPr lang="en-US" b="1" dirty="0" err="1"/>
+              <a:t>Küchen-Ansicht</a:t>
+            </a:r>
+            <a:endParaRPr lang="de-DE" b="1" dirty="0"/>
+          </a:p>
+        </p:txBody>
+      </p:sp>
+      <p:pic>
+        <p:nvPicPr>
+          <p:cNvPr id="11" name="Grafik 10">
+            <a:extLst>
+              <a:ext uri="{FF2B5EF4-FFF2-40B4-BE49-F238E27FC236}">
+                <a16:creationId xmlns:a16="http://schemas.microsoft.com/office/drawing/2014/main" id="{C3B142F8-D595-F3D0-53F2-D43784670F91}"/>
+              </a:ext>
+            </a:extLst>
+          </p:cNvPr>
+          <p:cNvPicPr>
+            <a:picLocks noChangeAspect="1"/>
+          </p:cNvPicPr>
+          <p:nvPr/>
+        </p:nvPicPr>
+        <p:blipFill>
+          <a:blip r:embed="rId2"/>
+          <a:stretch>
+            <a:fillRect/>
+          </a:stretch>
+        </p:blipFill>
+        <p:spPr>
+          <a:xfrm>
+            <a:off x="3932248" y="3451462"/>
+            <a:ext cx="1827736" cy="2393464"/>
+          </a:xfrm>
+          <a:prstGeom prst="rect">
+            <a:avLst/>
+          </a:prstGeom>
+        </p:spPr>
+      </p:pic>
+      <p:pic>
+        <p:nvPicPr>
+          <p:cNvPr id="15" name="Grafik 14">
+            <a:extLst>
+              <a:ext uri="{FF2B5EF4-FFF2-40B4-BE49-F238E27FC236}">
+                <a16:creationId xmlns:a16="http://schemas.microsoft.com/office/drawing/2014/main" id="{3C1DE59F-BC71-6AD6-A1EA-D622142BB9FD}"/>
+              </a:ext>
+            </a:extLst>
+          </p:cNvPr>
+          <p:cNvPicPr>
+            <a:picLocks noChangeAspect="1"/>
+          </p:cNvPicPr>
+          <p:nvPr/>
+        </p:nvPicPr>
+        <p:blipFill>
+          <a:blip r:embed="rId3"/>
+          <a:srcRect r="20901"/>
+          <a:stretch/>
+        </p:blipFill>
+        <p:spPr>
+          <a:xfrm>
+            <a:off x="7345885" y="1993378"/>
+            <a:ext cx="1988048" cy="3948774"/>
+          </a:xfrm>
+          <a:prstGeom prst="rect">
+            <a:avLst/>
+          </a:prstGeom>
+        </p:spPr>
+      </p:pic>
+    </p:spTree>
+    <p:extLst>
+      <p:ext uri="{BB962C8B-B14F-4D97-AF65-F5344CB8AC3E}">
+        <p14:creationId xmlns:p14="http://schemas.microsoft.com/office/powerpoint/2010/main" val="2028140012"/>
+      </p:ext>
+    </p:extLst>
+  </p:cSld>
+  <p:clrMapOvr>
+    <a:masterClrMapping/>
+  </p:clrMapOvr>
+</p:sld>
+</file>
+
 <file path=ppt/slides/slide9.xml><?xml version="1.0" encoding="utf-8"?>
 <p:sld xmlns:a="http://schemas.openxmlformats.org/drawingml/2006/main" xmlns:r="http://schemas.openxmlformats.org/officeDocument/2006/relationships" xmlns:p="http://schemas.openxmlformats.org/presentationml/2006/main">
   <p:cSld>
@@ -11822,39 +12110,11 @@
         </p:blipFill>
         <p:spPr>
           <a:xfrm>
-            <a:off x="5601271" y="3148497"/>
+            <a:off x="2962397" y="3872929"/>
             <a:ext cx="2787611" cy="2575752"/>
           </a:xfrm>
         </p:spPr>
       </p:pic>
-      <p:pic>
-        <p:nvPicPr>
-          <p:cNvPr id="10" name="Inhaltsplatzhalter 9">
-            <a:extLst>
-              <a:ext uri="{FF2B5EF4-FFF2-40B4-BE49-F238E27FC236}">
-                <a16:creationId xmlns:a16="http://schemas.microsoft.com/office/drawing/2014/main" id="{DB837195-1D8C-018A-6A69-9424AC03CBAB}"/>
-              </a:ext>
-            </a:extLst>
-          </p:cNvPr>
-          <p:cNvPicPr>
-            <a:picLocks noGrp="1" noChangeAspect="1"/>
-          </p:cNvPicPr>
-          <p:nvPr>
-            <p:ph sz="half" idx="2"/>
-          </p:nvPr>
-        </p:nvPicPr>
-        <p:blipFill>
-          <a:blip r:embed="rId3"/>
-          <a:srcRect l="11932"/>
-          <a:stretch/>
-        </p:blipFill>
-        <p:spPr>
-          <a:xfrm>
-            <a:off x="1636826" y="2074746"/>
-            <a:ext cx="2509961" cy="4330700"/>
-          </a:xfrm>
-        </p:spPr>
-      </p:pic>
       <p:sp>
         <p:nvSpPr>
           <p:cNvPr id="5" name="Datumsplatzhalter 4">
@@ -11878,7 +12138,7 @@
           <a:p>
             <a:fld id="{12AE7323-5CDD-4051-9975-1729D84443C7}" type="datetime1">
               <a:rPr lang="de-DE" smtClean="0"/>
-              <a:t>12.12.2024</a:t>
+              <a:t>13.12.2024</a:t>
             </a:fld>
             <a:endParaRPr lang="en-US"/>
           </a:p>
@@ -11910,6 +12170,76 @@
               <a:t>9</a:t>
             </a:fld>
             <a:endParaRPr lang="en-US"/>
+          </a:p>
+        </p:txBody>
+      </p:sp>
+      <p:pic>
+        <p:nvPicPr>
+          <p:cNvPr id="12" name="Grafik 11">
+            <a:extLst>
+              <a:ext uri="{FF2B5EF4-FFF2-40B4-BE49-F238E27FC236}">
+                <a16:creationId xmlns:a16="http://schemas.microsoft.com/office/drawing/2014/main" id="{63BE612D-5687-2319-947E-C4F2AF1F78CC}"/>
+              </a:ext>
+            </a:extLst>
+          </p:cNvPr>
+          <p:cNvPicPr>
+            <a:picLocks noChangeAspect="1"/>
+          </p:cNvPicPr>
+          <p:nvPr/>
+        </p:nvPicPr>
+        <p:blipFill>
+          <a:blip r:embed="rId3"/>
+          <a:stretch>
+            <a:fillRect/>
+          </a:stretch>
+        </p:blipFill>
+        <p:spPr>
+          <a:xfrm>
+            <a:off x="6627582" y="2117981"/>
+            <a:ext cx="2328978" cy="4330700"/>
+          </a:xfrm>
+          <a:prstGeom prst="rect">
+            <a:avLst/>
+          </a:prstGeom>
+        </p:spPr>
+      </p:pic>
+      <p:sp>
+        <p:nvSpPr>
+          <p:cNvPr id="15" name="Textfeld 14">
+            <a:extLst>
+              <a:ext uri="{FF2B5EF4-FFF2-40B4-BE49-F238E27FC236}">
+                <a16:creationId xmlns:a16="http://schemas.microsoft.com/office/drawing/2014/main" id="{0CB7A0D4-8F31-4CA9-CC56-B759CD1DDCB4}"/>
+              </a:ext>
+            </a:extLst>
+          </p:cNvPr>
+          <p:cNvSpPr txBox="1"/>
+          <p:nvPr/>
+        </p:nvSpPr>
+        <p:spPr>
+          <a:xfrm>
+            <a:off x="1245793" y="2684065"/>
+            <a:ext cx="6026448" cy="369332"/>
+          </a:xfrm>
+          <a:prstGeom prst="rect">
+            <a:avLst/>
+          </a:prstGeom>
+          <a:noFill/>
+        </p:spPr>
+        <p:txBody>
+          <a:bodyPr wrap="square" rtlCol="0">
+            <a:spAutoFit/>
+          </a:bodyPr>
+          <a:lstStyle/>
+          <a:p>
+            <a:r>
+              <a:rPr lang="en-US" b="1" dirty="0"/>
+              <a:t>Logo-Design </a:t>
+            </a:r>
+            <a:r>
+              <a:rPr lang="en-US" b="1" dirty="0" err="1"/>
+              <a:t>Überarbeitung</a:t>
+            </a:r>
+            <a:endParaRPr lang="de-DE" b="1" dirty="0"/>
           </a:p>
         </p:txBody>
       </p:sp>

--- a/Dokumente/Sprint-Backlog/Sprint-Backlog2.pptx
+++ b/Dokumente/Sprint-Backlog/Sprint-Backlog2.pptx
@@ -7852,6 +7852,30 @@
               <a:t>)</a:t>
             </a:r>
           </a:p>
+          <a:p>
+            <a:pPr lvl="1"/>
+            <a:r>
+              <a:rPr lang="de-DE" dirty="0"/>
+              <a:t>N</a:t>
+            </a:r>
+            <a:r>
+              <a:rPr lang="de-DE" noProof="0" dirty="0" err="1"/>
+              <a:t>utritionix</a:t>
+            </a:r>
+            <a:r>
+              <a:rPr lang="de-DE" dirty="0"/>
+              <a:t> </a:t>
+            </a:r>
+            <a:r>
+              <a:rPr lang="de-DE" dirty="0" err="1"/>
+              <a:t>Api</a:t>
+            </a:r>
+            <a:r>
+              <a:rPr lang="de-DE" dirty="0"/>
+              <a:t> </a:t>
+            </a:r>
+            <a:endParaRPr lang="de-DE" noProof="0" dirty="0"/>
+          </a:p>
         </p:txBody>
       </p:sp>
       <p:sp>
@@ -7989,7 +8013,7 @@
         <p:spPr/>
         <p:txBody>
           <a:bodyPr>
-            <a:normAutofit lnSpcReduction="10000"/>
+            <a:normAutofit fontScale="92500" lnSpcReduction="20000"/>
           </a:bodyPr>
           <a:lstStyle/>
           <a:p>
@@ -8006,6 +8030,29 @@
             </a:r>
           </a:p>
           <a:p>
+            <a:pPr lvl="1"/>
+            <a:r>
+              <a:rPr lang="de-DE" dirty="0"/>
+              <a:t>N</a:t>
+            </a:r>
+            <a:r>
+              <a:rPr lang="de-DE" noProof="0" dirty="0" err="1"/>
+              <a:t>utritionix</a:t>
+            </a:r>
+            <a:r>
+              <a:rPr lang="de-DE" noProof="0" dirty="0"/>
+              <a:t> </a:t>
+            </a:r>
+            <a:r>
+              <a:rPr lang="de-DE" noProof="0" dirty="0" err="1"/>
+              <a:t>Api</a:t>
+            </a:r>
+            <a:r>
+              <a:rPr lang="de-DE" noProof="0" dirty="0"/>
+              <a:t> </a:t>
+            </a:r>
+          </a:p>
+          <a:p>
             <a:r>
               <a:rPr lang="de-DE" noProof="0" dirty="0"/>
               <a:t>Bibliotheken: </a:t>
@@ -8060,7 +8107,7 @@
         <p:spPr/>
         <p:txBody>
           <a:bodyPr>
-            <a:normAutofit lnSpcReduction="10000"/>
+            <a:normAutofit fontScale="92500" lnSpcReduction="20000"/>
           </a:bodyPr>
           <a:lstStyle/>
           <a:p>
